--- a/abp-community-talks-2025.09.pptx
+++ b/abp-community-talks-2025.09.pptx
@@ -41,7 +41,7 @@
       <p:boldItalic r:id="rId27"/>
     </p:embeddedFont>
     <p:embeddedFont>
-      <p:font typeface="Lexend" panose="020B0604020202020204" charset="-94"/>
+      <p:font typeface="Lexend" pitchFamily="2" charset="-94"/>
       <p:regular r:id="rId28"/>
       <p:bold r:id="rId29"/>
     </p:embeddedFont>
@@ -299,7 +299,7 @@
       <p15:sldGuideLst xmlns:p15="http://schemas.microsoft.com/office/powerpoint/2012/main"/>
     </p:ext>
     <p:ext uri="GoogleSlidesCustomDataVersion2">
-      <go:slidesCustomData xmlns:go="http://customooxmlschemas.google.com/" xmlns:ahyp="http://schemas.microsoft.com/office/drawing/2018/hyperlinkcolor" xmlns:p15="http://schemas.microsoft.com/office/powerpoint/2012/main" xmlns:p14="http://schemas.microsoft.com/office/powerpoint/2010/main" xmlns:com="http://schemas.openxmlformats.org/drawingml/2006/compatibility" xmlns:pvml="urn:schemas-microsoft-com:office:powerpoint" xmlns:v="urn:schemas-microsoft-com:vml" xmlns:o="urn:schemas-microsoft-com:office:office" xmlns:dgm="http://schemas.openxmlformats.org/drawingml/2006/diagram" xmlns:c="http://schemas.openxmlformats.org/drawingml/2006/chart" xmlns:mv="urn:schemas-microsoft-com:mac:vml" xmlns:mc="http://schemas.openxmlformats.org/markup-compatibility/2006" xmlns="" r:id="rId41" roundtripDataSignature="AMtx7mihNSh0nE7P5bmNZynwZ07PSv3TUg=="/>
+      <go:slidesCustomData xmlns="" xmlns:mc="http://schemas.openxmlformats.org/markup-compatibility/2006" xmlns:mv="urn:schemas-microsoft-com:mac:vml" xmlns:c="http://schemas.openxmlformats.org/drawingml/2006/chart" xmlns:dgm="http://schemas.openxmlformats.org/drawingml/2006/diagram" xmlns:o="urn:schemas-microsoft-com:office:office" xmlns:v="urn:schemas-microsoft-com:vml" xmlns:pvml="urn:schemas-microsoft-com:office:powerpoint" xmlns:com="http://schemas.openxmlformats.org/drawingml/2006/compatibility" xmlns:p14="http://schemas.microsoft.com/office/powerpoint/2010/main" xmlns:p15="http://schemas.microsoft.com/office/powerpoint/2012/main" xmlns:ahyp="http://schemas.microsoft.com/office/drawing/2018/hyperlinkcolor" xmlns:go="http://customooxmlschemas.google.com/" r:id="rId41" roundtripDataSignature="AMtx7mihNSh0nE7P5bmNZynwZ07PSv3TUg=="/>
     </p:ext>
   </p:extLst>
 </p:presentation>
@@ -19381,27 +19381,27 @@
                 <a:latin typeface="Poppins" panose="00000500000000000000" pitchFamily="2" charset="-94"/>
                 <a:cs typeface="Poppins" panose="00000500000000000000" pitchFamily="2" charset="-94"/>
               </a:rPr>
-              <a:t>More efficient dictionary operations for developers using `</a:t>
-            </a:r>
-            <a:r>
-              <a:rPr lang="en-US" altLang="en-US" sz="1600" dirty="0" err="1">
+              <a:t>More efficient dictionary operations for developers using </a:t>
+            </a:r>
+            <a:r>
+              <a:rPr lang="en-US" altLang="en-US" sz="1600" i="1" dirty="0" err="1">
+                <a:solidFill>
+                  <a:schemeClr val="tx1"/>
+                </a:solidFill>
+                <a:latin typeface="Consolas" panose="020B0609020204030204" pitchFamily="49" charset="0"/>
+                <a:cs typeface="Poppins" panose="00000500000000000000" pitchFamily="2" charset="-94"/>
+              </a:rPr>
+              <a:t>OrderedDictionary</a:t>
+            </a:r>
+            <a:r>
+              <a:rPr lang="en-US" altLang="en-US" sz="1600" dirty="0">
                 <a:solidFill>
                   <a:schemeClr val="tx1"/>
                 </a:solidFill>
                 <a:latin typeface="Poppins" panose="00000500000000000000" pitchFamily="2" charset="-94"/>
                 <a:cs typeface="Poppins" panose="00000500000000000000" pitchFamily="2" charset="-94"/>
               </a:rPr>
-              <a:t>OrderedDictionary</a:t>
-            </a:r>
-            <a:r>
-              <a:rPr lang="en-US" altLang="en-US" sz="1600" dirty="0">
-                <a:solidFill>
-                  <a:schemeClr val="tx1"/>
-                </a:solidFill>
-                <a:latin typeface="Poppins" panose="00000500000000000000" pitchFamily="2" charset="-94"/>
-                <a:cs typeface="Poppins" panose="00000500000000000000" pitchFamily="2" charset="-94"/>
-              </a:rPr>
-              <a:t>`.</a:t>
+              <a:t>.</a:t>
             </a:r>
           </a:p>
           <a:p>
@@ -24918,17 +24918,37 @@
                 <a:latin typeface="Poppins" panose="00000500000000000000" pitchFamily="2" charset="-94"/>
                 <a:cs typeface="Poppins" panose="00000500000000000000" pitchFamily="2" charset="-94"/>
               </a:rPr>
-              <a:t>Easy integration with `</a:t>
-            </a:r>
-            <a:r>
-              <a:rPr lang="en-US" altLang="en-US" sz="1600" dirty="0" err="1">
+              <a:t>Easy integration with </a:t>
+            </a:r>
+            <a:r>
+              <a:rPr lang="en-US" altLang="en-US" sz="1600" i="1" dirty="0" err="1">
+                <a:solidFill>
+                  <a:schemeClr val="tx1"/>
+                </a:solidFill>
+                <a:latin typeface="Consolas" panose="020B0609020204030204" pitchFamily="49" charset="0"/>
+                <a:cs typeface="Poppins" panose="00000500000000000000" pitchFamily="2" charset="-94"/>
+              </a:rPr>
+              <a:t>StreamReader</a:t>
+            </a:r>
+            <a:r>
+              <a:rPr lang="en-US" altLang="en-US" sz="1600" dirty="0">
                 <a:solidFill>
                   <a:schemeClr val="tx1"/>
                 </a:solidFill>
                 <a:latin typeface="Poppins" panose="00000500000000000000" pitchFamily="2" charset="-94"/>
                 <a:cs typeface="Poppins" panose="00000500000000000000" pitchFamily="2" charset="-94"/>
               </a:rPr>
-              <a:t>StreamReader</a:t>
+              <a:t>, </a:t>
+            </a:r>
+            <a:r>
+              <a:rPr lang="en-US" altLang="en-US" sz="1600" i="1" dirty="0" err="1">
+                <a:solidFill>
+                  <a:schemeClr val="tx1"/>
+                </a:solidFill>
+                <a:latin typeface="Consolas" panose="020B0609020204030204" pitchFamily="49" charset="0"/>
+                <a:cs typeface="Poppins" panose="00000500000000000000" pitchFamily="2" charset="-94"/>
+              </a:rPr>
+              <a:t>JsonSerializer</a:t>
             </a:r>
             <a:r>
               <a:rPr lang="en-US" altLang="en-US" sz="1600" dirty="0">
@@ -24938,27 +24958,7 @@
                 <a:latin typeface="Poppins" panose="00000500000000000000" pitchFamily="2" charset="-94"/>
                 <a:cs typeface="Poppins" panose="00000500000000000000" pitchFamily="2" charset="-94"/>
               </a:rPr>
-              <a:t>`, `</a:t>
-            </a:r>
-            <a:r>
-              <a:rPr lang="en-US" altLang="en-US" sz="1600" dirty="0" err="1">
-                <a:solidFill>
-                  <a:schemeClr val="tx1"/>
-                </a:solidFill>
-                <a:latin typeface="Poppins" panose="00000500000000000000" pitchFamily="2" charset="-94"/>
-                <a:cs typeface="Poppins" panose="00000500000000000000" pitchFamily="2" charset="-94"/>
-              </a:rPr>
-              <a:t>JsonSerializer</a:t>
-            </a:r>
-            <a:r>
-              <a:rPr lang="en-US" altLang="en-US" sz="1600" dirty="0">
-                <a:solidFill>
-                  <a:schemeClr val="tx1"/>
-                </a:solidFill>
-                <a:latin typeface="Poppins" panose="00000500000000000000" pitchFamily="2" charset="-94"/>
-                <a:cs typeface="Poppins" panose="00000500000000000000" pitchFamily="2" charset="-94"/>
-              </a:rPr>
-              <a:t>`, and binary serializers.</a:t>
+              <a:t>, and binary serializers.</a:t>
             </a:r>
           </a:p>
           <a:p>
@@ -25024,21 +25024,20 @@
                 <a:latin typeface="Poppins" panose="00000500000000000000" pitchFamily="2" charset="-94"/>
                 <a:cs typeface="Poppins" panose="00000500000000000000" pitchFamily="2" charset="-94"/>
               </a:rPr>
-              <a:t>ZIP file handling now supports full async I/O — including create, extract, open, and update </a:t>
-            </a:r>
-            <a:r>
-              <a:rPr lang="en-US" sz="1600" dirty="0" err="1">
-                <a:latin typeface="Poppins" panose="00000500000000000000" pitchFamily="2" charset="-94"/>
-                <a:cs typeface="Poppins" panose="00000500000000000000" pitchFamily="2" charset="-94"/>
-              </a:rPr>
-              <a:t>operations.All</a:t>
-            </a:r>
-            <a:r>
+              <a:t>ZIP file handling now supports full async I/O — including create, extract, open, and update operations.</a:t>
+            </a:r>
+            <a:br>
               <a:rPr lang="en-US" sz="1600" dirty="0">
                 <a:latin typeface="Poppins" panose="00000500000000000000" pitchFamily="2" charset="-94"/>
                 <a:cs typeface="Poppins" panose="00000500000000000000" pitchFamily="2" charset="-94"/>
               </a:rPr>
-              <a:t> new APIs follow async patterns and support cancellation tokens.</a:t>
+            </a:br>
+            <a:r>
+              <a:rPr lang="en-US" sz="1600" dirty="0">
+                <a:latin typeface="Poppins" panose="00000500000000000000" pitchFamily="2" charset="-94"/>
+                <a:cs typeface="Poppins" panose="00000500000000000000" pitchFamily="2" charset="-94"/>
+              </a:rPr>
+              <a:t>All new APIs follow async patterns and support cancellation tokens.</a:t>
             </a:r>
           </a:p>
         </p:txBody>

--- a/abp-community-talks-2025.09.pptx
+++ b/abp-community-talks-2025.09.pptx
@@ -5,7 +5,7 @@
     <p:sldMasterId id="2147483648" r:id="rId1"/>
   </p:sldMasterIdLst>
   <p:notesMasterIdLst>
-    <p:notesMasterId r:id="rId23"/>
+    <p:notesMasterId r:id="rId24"/>
   </p:notesMasterIdLst>
   <p:sldIdLst>
     <p:sldId id="256" r:id="rId2"/>
@@ -28,41 +28,42 @@
     <p:sldId id="278" r:id="rId19"/>
     <p:sldId id="280" r:id="rId20"/>
     <p:sldId id="279" r:id="rId21"/>
-    <p:sldId id="268" r:id="rId22"/>
+    <p:sldId id="304" r:id="rId22"/>
+    <p:sldId id="305" r:id="rId23"/>
   </p:sldIdLst>
   <p:sldSz cx="12192000" cy="6858000"/>
   <p:notesSz cx="6858000" cy="9144000"/>
   <p:embeddedFontLst>
     <p:embeddedFont>
       <p:font typeface="Consolas" panose="020B0609020204030204" pitchFamily="49" charset="0"/>
-      <p:regular r:id="rId24"/>
-      <p:bold r:id="rId25"/>
-      <p:italic r:id="rId26"/>
-      <p:boldItalic r:id="rId27"/>
+      <p:regular r:id="rId25"/>
+      <p:bold r:id="rId26"/>
+      <p:italic r:id="rId27"/>
+      <p:boldItalic r:id="rId28"/>
     </p:embeddedFont>
     <p:embeddedFont>
       <p:font typeface="Lexend" pitchFamily="2" charset="-94"/>
-      <p:regular r:id="rId28"/>
-      <p:bold r:id="rId29"/>
+      <p:regular r:id="rId29"/>
+      <p:bold r:id="rId30"/>
     </p:embeddedFont>
     <p:embeddedFont>
       <p:font typeface="Play" panose="020B0604020202020204" charset="0"/>
-      <p:regular r:id="rId30"/>
-      <p:bold r:id="rId31"/>
+      <p:regular r:id="rId31"/>
+      <p:bold r:id="rId32"/>
     </p:embeddedFont>
     <p:embeddedFont>
       <p:font typeface="Poppins" panose="00000500000000000000" pitchFamily="2" charset="-94"/>
-      <p:regular r:id="rId32"/>
-      <p:bold r:id="rId33"/>
-      <p:italic r:id="rId34"/>
-      <p:boldItalic r:id="rId35"/>
+      <p:regular r:id="rId33"/>
+      <p:bold r:id="rId34"/>
+      <p:italic r:id="rId35"/>
+      <p:boldItalic r:id="rId36"/>
     </p:embeddedFont>
     <p:embeddedFont>
       <p:font typeface="Poppins Medium" panose="00000600000000000000" pitchFamily="2" charset="-94"/>
-      <p:regular r:id="rId36"/>
-      <p:bold r:id="rId37"/>
-      <p:italic r:id="rId38"/>
-      <p:boldItalic r:id="rId39"/>
+      <p:regular r:id="rId37"/>
+      <p:bold r:id="rId38"/>
+      <p:italic r:id="rId39"/>
+      <p:boldItalic r:id="rId40"/>
     </p:embeddedFont>
   </p:embeddedFontLst>
   <p:defaultTextStyle>
@@ -299,7 +300,7 @@
       <p15:sldGuideLst xmlns:p15="http://schemas.microsoft.com/office/powerpoint/2012/main"/>
     </p:ext>
     <p:ext uri="GoogleSlidesCustomDataVersion2">
-      <go:slidesCustomData xmlns="" xmlns:mc="http://schemas.openxmlformats.org/markup-compatibility/2006" xmlns:mv="urn:schemas-microsoft-com:mac:vml" xmlns:c="http://schemas.openxmlformats.org/drawingml/2006/chart" xmlns:dgm="http://schemas.openxmlformats.org/drawingml/2006/diagram" xmlns:o="urn:schemas-microsoft-com:office:office" xmlns:v="urn:schemas-microsoft-com:vml" xmlns:pvml="urn:schemas-microsoft-com:office:powerpoint" xmlns:com="http://schemas.openxmlformats.org/drawingml/2006/compatibility" xmlns:p14="http://schemas.microsoft.com/office/powerpoint/2010/main" xmlns:p15="http://schemas.microsoft.com/office/powerpoint/2012/main" xmlns:ahyp="http://schemas.microsoft.com/office/drawing/2018/hyperlinkcolor" xmlns:go="http://customooxmlschemas.google.com/" r:id="rId41" roundtripDataSignature="AMtx7mihNSh0nE7P5bmNZynwZ07PSv3TUg=="/>
+      <go:slidesCustomData xmlns:go="http://customooxmlschemas.google.com/" xmlns:ahyp="http://schemas.microsoft.com/office/drawing/2018/hyperlinkcolor" xmlns:p15="http://schemas.microsoft.com/office/powerpoint/2012/main" xmlns:p14="http://schemas.microsoft.com/office/powerpoint/2010/main" xmlns:com="http://schemas.openxmlformats.org/drawingml/2006/compatibility" xmlns:pvml="urn:schemas-microsoft-com:office:powerpoint" xmlns:v="urn:schemas-microsoft-com:vml" xmlns:o="urn:schemas-microsoft-com:office:office" xmlns:dgm="http://schemas.openxmlformats.org/drawingml/2006/diagram" xmlns:c="http://schemas.openxmlformats.org/drawingml/2006/chart" xmlns:mv="urn:schemas-microsoft-com:mac:vml" xmlns:mc="http://schemas.openxmlformats.org/markup-compatibility/2006" xmlns="" r:id="rId41" roundtripDataSignature="AMtx7mihNSh0nE7P5bmNZynwZ07PSv3TUg=="/>
     </p:ext>
   </p:extLst>
 </p:presentation>
@@ -3512,7 +3513,13 @@
   <p:cSld>
     <p:spTree>
       <p:nvGrpSpPr>
-        <p:cNvPr id="1" name="Shape 188"/>
+        <p:cNvPr id="1" name="Shape 188">
+          <a:extLst>
+            <a:ext uri="{FF2B5EF4-FFF2-40B4-BE49-F238E27FC236}">
+              <a16:creationId xmlns:a16="http://schemas.microsoft.com/office/drawing/2014/main" id="{0838268A-BB53-855D-973A-26A4D33EEC9C}"/>
+            </a:ext>
+          </a:extLst>
+        </p:cNvPr>
         <p:cNvGrpSpPr/>
         <p:nvPr/>
       </p:nvGrpSpPr>
@@ -3526,7 +3533,13 @@
       </p:grpSpPr>
       <p:sp>
         <p:nvSpPr>
-          <p:cNvPr id="189" name="Google Shape;189;p3:notes"/>
+          <p:cNvPr id="189" name="Google Shape;189;p3:notes">
+            <a:extLst>
+              <a:ext uri="{FF2B5EF4-FFF2-40B4-BE49-F238E27FC236}">
+                <a16:creationId xmlns:a16="http://schemas.microsoft.com/office/drawing/2014/main" id="{53CB0B84-F339-A572-AC32-F948F5BEB04C}"/>
+              </a:ext>
+            </a:extLst>
+          </p:cNvPr>
           <p:cNvSpPr txBox="1">
             <a:spLocks noGrp="1"/>
           </p:cNvSpPr>
@@ -3572,7 +3585,13 @@
       </p:sp>
       <p:sp>
         <p:nvSpPr>
-          <p:cNvPr id="190" name="Google Shape;190;p3:notes"/>
+          <p:cNvPr id="190" name="Google Shape;190;p3:notes">
+            <a:extLst>
+              <a:ext uri="{FF2B5EF4-FFF2-40B4-BE49-F238E27FC236}">
+                <a16:creationId xmlns:a16="http://schemas.microsoft.com/office/drawing/2014/main" id="{92956906-9BF3-DF73-83D7-7CC9A39D72B8}"/>
+              </a:ext>
+            </a:extLst>
+          </p:cNvPr>
           <p:cNvSpPr>
             <a:spLocks noGrp="1" noRot="1" noChangeAspect="1"/>
           </p:cNvSpPr>
@@ -3622,6 +3641,156 @@
         </p:spPr>
       </p:sp>
     </p:spTree>
+    <p:extLst>
+      <p:ext uri="{BB962C8B-B14F-4D97-AF65-F5344CB8AC3E}">
+        <p14:creationId xmlns:p14="http://schemas.microsoft.com/office/powerpoint/2010/main" val="213945459"/>
+      </p:ext>
+    </p:extLst>
+  </p:cSld>
+  <p:clrMapOvr>
+    <a:masterClrMapping/>
+  </p:clrMapOvr>
+</p:notes>
+</file>
+
+<file path=ppt/notesSlides/notesSlide22.xml><?xml version="1.0" encoding="utf-8"?>
+<p:notes xmlns:a="http://schemas.openxmlformats.org/drawingml/2006/main" xmlns:r="http://schemas.openxmlformats.org/officeDocument/2006/relationships" xmlns:p="http://schemas.openxmlformats.org/presentationml/2006/main" showMasterSp="0" showMasterPhAnim="0">
+  <p:cSld>
+    <p:spTree>
+      <p:nvGrpSpPr>
+        <p:cNvPr id="1" name="Shape 188">
+          <a:extLst>
+            <a:ext uri="{FF2B5EF4-FFF2-40B4-BE49-F238E27FC236}">
+              <a16:creationId xmlns:a16="http://schemas.microsoft.com/office/drawing/2014/main" id="{C30B1AE0-3B6B-B8AD-13A3-64DBFF17D42B}"/>
+            </a:ext>
+          </a:extLst>
+        </p:cNvPr>
+        <p:cNvGrpSpPr/>
+        <p:nvPr/>
+      </p:nvGrpSpPr>
+      <p:grpSpPr>
+        <a:xfrm>
+          <a:off x="0" y="0"/>
+          <a:ext cx="0" cy="0"/>
+          <a:chOff x="0" y="0"/>
+          <a:chExt cx="0" cy="0"/>
+        </a:xfrm>
+      </p:grpSpPr>
+      <p:sp>
+        <p:nvSpPr>
+          <p:cNvPr id="189" name="Google Shape;189;p3:notes">
+            <a:extLst>
+              <a:ext uri="{FF2B5EF4-FFF2-40B4-BE49-F238E27FC236}">
+                <a16:creationId xmlns:a16="http://schemas.microsoft.com/office/drawing/2014/main" id="{4FB5141B-6998-3DD8-A847-2125188CD278}"/>
+              </a:ext>
+            </a:extLst>
+          </p:cNvPr>
+          <p:cNvSpPr txBox="1">
+            <a:spLocks noGrp="1"/>
+          </p:cNvSpPr>
+          <p:nvPr>
+            <p:ph type="body" idx="1"/>
+          </p:nvPr>
+        </p:nvSpPr>
+        <p:spPr>
+          <a:xfrm>
+            <a:off x="685800" y="4400550"/>
+            <a:ext cx="5486400" cy="3600450"/>
+          </a:xfrm>
+          <a:prstGeom prst="rect">
+            <a:avLst/>
+          </a:prstGeom>
+          <a:noFill/>
+          <a:ln>
+            <a:noFill/>
+          </a:ln>
+        </p:spPr>
+        <p:txBody>
+          <a:bodyPr spcFirstLastPara="1" wrap="square" lIns="91425" tIns="45700" rIns="91425" bIns="45700" anchor="t" anchorCtr="0">
+            <a:noAutofit/>
+          </a:bodyPr>
+          <a:lstStyle/>
+          <a:p>
+            <a:pPr marL="0" lvl="0" indent="0" algn="l" rtl="0">
+              <a:lnSpc>
+                <a:spcPct val="100000"/>
+              </a:lnSpc>
+              <a:spcBef>
+                <a:spcPts val="1200"/>
+              </a:spcBef>
+              <a:spcAft>
+                <a:spcPts val="0"/>
+              </a:spcAft>
+              <a:buSzPts val="1400"/>
+              <a:buNone/>
+            </a:pPr>
+            <a:endParaRPr dirty="0"/>
+          </a:p>
+        </p:txBody>
+      </p:sp>
+      <p:sp>
+        <p:nvSpPr>
+          <p:cNvPr id="190" name="Google Shape;190;p3:notes">
+            <a:extLst>
+              <a:ext uri="{FF2B5EF4-FFF2-40B4-BE49-F238E27FC236}">
+                <a16:creationId xmlns:a16="http://schemas.microsoft.com/office/drawing/2014/main" id="{F57F01F6-AC6D-AB1B-5593-DDAF93016AF9}"/>
+              </a:ext>
+            </a:extLst>
+          </p:cNvPr>
+          <p:cNvSpPr>
+            <a:spLocks noGrp="1" noRot="1" noChangeAspect="1"/>
+          </p:cNvSpPr>
+          <p:nvPr>
+            <p:ph type="sldImg" idx="2"/>
+          </p:nvPr>
+        </p:nvSpPr>
+        <p:spPr>
+          <a:xfrm>
+            <a:off x="685800" y="1143000"/>
+            <a:ext cx="5486400" cy="3086100"/>
+          </a:xfrm>
+          <a:custGeom>
+            <a:avLst/>
+            <a:gdLst/>
+            <a:ahLst/>
+            <a:cxnLst/>
+            <a:rect l="l" t="t" r="r" b="b"/>
+            <a:pathLst>
+              <a:path w="120000" h="120000" extrusionOk="0">
+                <a:moveTo>
+                  <a:pt x="0" y="0"/>
+                </a:moveTo>
+                <a:lnTo>
+                  <a:pt x="120000" y="0"/>
+                </a:lnTo>
+                <a:lnTo>
+                  <a:pt x="120000" y="120000"/>
+                </a:lnTo>
+                <a:lnTo>
+                  <a:pt x="0" y="120000"/>
+                </a:lnTo>
+                <a:close/>
+              </a:path>
+            </a:pathLst>
+          </a:custGeom>
+          <a:noFill/>
+          <a:ln w="12700" cap="flat" cmpd="sng">
+            <a:solidFill>
+              <a:srgbClr val="000000"/>
+            </a:solidFill>
+            <a:prstDash val="solid"/>
+            <a:round/>
+            <a:headEnd type="none" w="sm" len="sm"/>
+            <a:tailEnd type="none" w="sm" len="sm"/>
+          </a:ln>
+        </p:spPr>
+      </p:sp>
+    </p:spTree>
+    <p:extLst>
+      <p:ext uri="{BB962C8B-B14F-4D97-AF65-F5344CB8AC3E}">
+        <p14:creationId xmlns:p14="http://schemas.microsoft.com/office/powerpoint/2010/main" val="2988485765"/>
+      </p:ext>
+    </p:extLst>
   </p:cSld>
   <p:clrMapOvr>
     <a:masterClrMapping/>
@@ -4372,6 +4541,147 @@
               <a:buFont typeface="Arial"/>
               <a:buNone/>
             </a:pPr>
+            <a:r>
+              <a:rPr lang="en-US" sz="1200" b="0" i="0" u="none" strike="noStrike" cap="none" dirty="0" err="1">
+                <a:solidFill>
+                  <a:schemeClr val="dk1"/>
+                </a:solidFill>
+                <a:effectLst/>
+                <a:latin typeface="Arial"/>
+                <a:ea typeface="Arial"/>
+                <a:cs typeface="Arial"/>
+                <a:sym typeface="Arial"/>
+                <a:hlinkClick r:id="rId3"/>
+              </a:rPr>
+              <a:t>ZipArchiveEntry</a:t>
+            </a:r>
+            <a:r>
+              <a:rPr lang="en-US" sz="1200" b="0" i="0" u="none" strike="noStrike" cap="none" dirty="0">
+                <a:solidFill>
+                  <a:schemeClr val="dk1"/>
+                </a:solidFill>
+                <a:effectLst/>
+                <a:latin typeface="Arial"/>
+                <a:ea typeface="Arial"/>
+                <a:cs typeface="Arial"/>
+                <a:sym typeface="Arial"/>
+              </a:rPr>
+              <a:t> instances were loaded into memory and rewritten, which could lead to high memory usage and performance bottlenecks. The optimization reduces memory usage and improves performance by avoiding the need to load all entries into memory.</a:t>
+            </a:r>
+          </a:p>
+          <a:p>
+            <a:pPr marL="0" lvl="0" indent="0" algn="l" rtl="0">
+              <a:lnSpc>
+                <a:spcPct val="150000"/>
+              </a:lnSpc>
+              <a:spcBef>
+                <a:spcPts val="0"/>
+              </a:spcBef>
+              <a:spcAft>
+                <a:spcPts val="0"/>
+              </a:spcAft>
+              <a:buClr>
+                <a:schemeClr val="dk1"/>
+              </a:buClr>
+              <a:buSzPts val="1100"/>
+              <a:buFont typeface="Arial"/>
+              <a:buNone/>
+            </a:pPr>
+            <a:endParaRPr lang="en-US" sz="1200" b="0" i="0" u="none" strike="noStrike" cap="none" dirty="0">
+              <a:solidFill>
+                <a:schemeClr val="dk1"/>
+              </a:solidFill>
+              <a:effectLst/>
+              <a:latin typeface="Arial"/>
+              <a:ea typeface="Poppins"/>
+              <a:cs typeface="Arial"/>
+              <a:sym typeface="Arial"/>
+            </a:endParaRPr>
+          </a:p>
+          <a:p>
+            <a:pPr marL="0" lvl="0" indent="0" algn="l" rtl="0">
+              <a:lnSpc>
+                <a:spcPct val="150000"/>
+              </a:lnSpc>
+              <a:spcBef>
+                <a:spcPts val="0"/>
+              </a:spcBef>
+              <a:spcAft>
+                <a:spcPts val="0"/>
+              </a:spcAft>
+              <a:buClr>
+                <a:schemeClr val="dk1"/>
+              </a:buClr>
+              <a:buSzPts val="1100"/>
+              <a:buFont typeface="Arial"/>
+              <a:buNone/>
+            </a:pPr>
+            <a:r>
+              <a:rPr lang="en-US" sz="1200" b="0" i="0" u="none" strike="noStrike" cap="none" dirty="0">
+                <a:solidFill>
+                  <a:schemeClr val="dk1"/>
+                </a:solidFill>
+                <a:effectLst/>
+                <a:latin typeface="Arial"/>
+                <a:ea typeface="Arial"/>
+                <a:cs typeface="Arial"/>
+                <a:sym typeface="Arial"/>
+              </a:rPr>
+              <a:t>Second, the extraction of </a:t>
+            </a:r>
+            <a:r>
+              <a:rPr lang="en-US" sz="1200" b="0" i="0" u="none" strike="noStrike" cap="none" dirty="0" err="1">
+                <a:solidFill>
+                  <a:schemeClr val="dk1"/>
+                </a:solidFill>
+                <a:effectLst/>
+                <a:latin typeface="Arial"/>
+                <a:ea typeface="Arial"/>
+                <a:cs typeface="Arial"/>
+                <a:sym typeface="Arial"/>
+                <a:hlinkClick r:id="rId4"/>
+              </a:rPr>
+              <a:t>ZipArchive</a:t>
+            </a:r>
+            <a:r>
+              <a:rPr lang="en-US" sz="1200" b="0" i="0" u="none" strike="noStrike" cap="none" dirty="0">
+                <a:solidFill>
+                  <a:schemeClr val="dk1"/>
+                </a:solidFill>
+                <a:effectLst/>
+                <a:latin typeface="Arial"/>
+                <a:ea typeface="Arial"/>
+                <a:cs typeface="Arial"/>
+                <a:sym typeface="Arial"/>
+              </a:rPr>
+              <a:t> entries is now parallelized, and internal data structures are optimized for better memory usage. These improvements address issues related to performance bottlenecks and high memory usage, making </a:t>
+            </a:r>
+            <a:r>
+              <a:rPr lang="en-US" sz="1200" b="0" i="0" u="none" strike="noStrike" cap="none" dirty="0" err="1">
+                <a:solidFill>
+                  <a:schemeClr val="dk1"/>
+                </a:solidFill>
+                <a:effectLst/>
+                <a:latin typeface="Arial"/>
+                <a:ea typeface="Arial"/>
+                <a:cs typeface="Arial"/>
+                <a:sym typeface="Arial"/>
+              </a:rPr>
+              <a:t>ZipArchive</a:t>
+            </a:r>
+            <a:r>
+              <a:rPr lang="en-US" sz="1200" b="0" i="0" u="none" strike="noStrike" cap="none" dirty="0">
+                <a:solidFill>
+                  <a:schemeClr val="dk1"/>
+                </a:solidFill>
+                <a:effectLst/>
+                <a:latin typeface="Arial"/>
+                <a:ea typeface="Arial"/>
+                <a:cs typeface="Arial"/>
+                <a:sym typeface="Arial"/>
+              </a:rPr>
+              <a:t> more efficient and faster, especially when dealing with large archives.</a:t>
+            </a:r>
             <a:endParaRPr sz="1900" dirty="0">
               <a:latin typeface="Poppins"/>
               <a:ea typeface="Poppins"/>
@@ -4508,6 +4818,73 @@
               <a:buFont typeface="Arial"/>
               <a:buNone/>
             </a:pPr>
+            <a:r>
+              <a:rPr lang="tr-TR" sz="1200" b="0" i="0" u="none" strike="noStrike" cap="none" dirty="0">
+                <a:solidFill>
+                  <a:schemeClr val="dk1"/>
+                </a:solidFill>
+                <a:effectLst/>
+                <a:latin typeface="Arial"/>
+                <a:ea typeface="Arial"/>
+                <a:cs typeface="Arial"/>
+                <a:sym typeface="Arial"/>
+              </a:rPr>
+              <a:t>.NET 10 adds client-side TLS 1.3 support on macOS by integrating Apple's Network.framework into </a:t>
+            </a:r>
+            <a:r>
+              <a:rPr lang="tr-TR" sz="1200" b="0" i="0" u="none" strike="noStrike" cap="none" dirty="0">
+                <a:solidFill>
+                  <a:schemeClr val="dk1"/>
+                </a:solidFill>
+                <a:effectLst/>
+                <a:latin typeface="Arial"/>
+                <a:ea typeface="Arial"/>
+                <a:cs typeface="Arial"/>
+                <a:sym typeface="Arial"/>
+                <a:hlinkClick r:id="rId3"/>
+              </a:rPr>
+              <a:t>SslStream</a:t>
+            </a:r>
+            <a:r>
+              <a:rPr lang="tr-TR" sz="1200" b="0" i="0" u="none" strike="noStrike" cap="none" dirty="0">
+                <a:solidFill>
+                  <a:schemeClr val="dk1"/>
+                </a:solidFill>
+                <a:effectLst/>
+                <a:latin typeface="Arial"/>
+                <a:ea typeface="Arial"/>
+                <a:cs typeface="Arial"/>
+                <a:sym typeface="Arial"/>
+              </a:rPr>
+              <a:t> and </a:t>
+            </a:r>
+            <a:r>
+              <a:rPr lang="tr-TR" sz="1200" b="0" i="0" u="none" strike="noStrike" cap="none" dirty="0">
+                <a:solidFill>
+                  <a:schemeClr val="dk1"/>
+                </a:solidFill>
+                <a:effectLst/>
+                <a:latin typeface="Arial"/>
+                <a:ea typeface="Arial"/>
+                <a:cs typeface="Arial"/>
+                <a:sym typeface="Arial"/>
+                <a:hlinkClick r:id="rId4"/>
+              </a:rPr>
+              <a:t>HttpClient</a:t>
+            </a:r>
+            <a:r>
+              <a:rPr lang="tr-TR" sz="1200" b="0" i="0" u="none" strike="noStrike" cap="none" dirty="0">
+                <a:solidFill>
+                  <a:schemeClr val="dk1"/>
+                </a:solidFill>
+                <a:effectLst/>
+                <a:latin typeface="Arial"/>
+                <a:ea typeface="Arial"/>
+                <a:cs typeface="Arial"/>
+                <a:sym typeface="Arial"/>
+              </a:rPr>
+              <a:t>. Historically, macOS used Secure Transport which doesn't support TLS 1.3; opting into Network.framework enables TLS 1.3.</a:t>
+            </a:r>
             <a:endParaRPr sz="1900" dirty="0">
               <a:latin typeface="Poppins"/>
               <a:ea typeface="Poppins"/>
@@ -18850,7 +19227,7 @@
         </p:nvSpPr>
         <p:spPr>
           <a:xfrm>
-            <a:off x="451488" y="4719246"/>
+            <a:off x="735968" y="4836288"/>
             <a:ext cx="10720064" cy="1323439"/>
           </a:xfrm>
           <a:prstGeom prst="rect">
@@ -19033,7 +19410,7 @@
         </p:nvSpPr>
         <p:spPr>
           <a:xfrm>
-            <a:off x="451488" y="2832529"/>
+            <a:off x="451488" y="1963132"/>
             <a:ext cx="11090272" cy="584775"/>
           </a:xfrm>
           <a:prstGeom prst="rect">
@@ -19106,6 +19483,90 @@
           </a:p>
         </p:txBody>
       </p:sp>
+      <p:sp>
+        <p:nvSpPr>
+          <p:cNvPr id="2" name="Rectangle: Rounded Corners 1">
+            <a:extLst>
+              <a:ext uri="{FF2B5EF4-FFF2-40B4-BE49-F238E27FC236}">
+                <a16:creationId xmlns:a16="http://schemas.microsoft.com/office/drawing/2014/main" id="{CB6CDF9A-2803-DDCF-37D0-7C7660FC24B4}"/>
+              </a:ext>
+            </a:extLst>
+          </p:cNvPr>
+          <p:cNvSpPr/>
+          <p:nvPr/>
+        </p:nvSpPr>
+        <p:spPr>
+          <a:xfrm>
+            <a:off x="548640" y="4602480"/>
+            <a:ext cx="10007600" cy="1791057"/>
+          </a:xfrm>
+          <a:prstGeom prst="roundRect">
+            <a:avLst/>
+          </a:prstGeom>
+          <a:noFill/>
+          <a:ln w="9525" cap="flat" cmpd="sng" algn="ctr">
+            <a:solidFill>
+              <a:schemeClr val="dk1"/>
+            </a:solidFill>
+            <a:prstDash val="solid"/>
+            <a:round/>
+            <a:headEnd type="none" w="med" len="med"/>
+            <a:tailEnd type="none" w="med" len="med"/>
+          </a:ln>
+        </p:spPr>
+        <p:style>
+          <a:lnRef idx="0">
+            <a:scrgbClr r="0" g="0" b="0"/>
+          </a:lnRef>
+          <a:fillRef idx="0">
+            <a:scrgbClr r="0" g="0" b="0"/>
+          </a:fillRef>
+          <a:effectRef idx="0">
+            <a:scrgbClr r="0" g="0" b="0"/>
+          </a:effectRef>
+          <a:fontRef idx="minor">
+            <a:schemeClr val="dk1"/>
+          </a:fontRef>
+        </p:style>
+        <p:txBody>
+          <a:bodyPr rtlCol="0" anchor="ctr"/>
+          <a:lstStyle/>
+          <a:p>
+            <a:pPr algn="ctr"/>
+            <a:endParaRPr lang="tr-TR"/>
+          </a:p>
+        </p:txBody>
+      </p:sp>
+      <p:pic>
+        <p:nvPicPr>
+          <p:cNvPr id="4" name="Picture 3">
+            <a:extLst>
+              <a:ext uri="{FF2B5EF4-FFF2-40B4-BE49-F238E27FC236}">
+                <a16:creationId xmlns:a16="http://schemas.microsoft.com/office/drawing/2014/main" id="{5A604520-8F5A-50C3-C4F2-86A7099CA226}"/>
+              </a:ext>
+            </a:extLst>
+          </p:cNvPr>
+          <p:cNvPicPr>
+            <a:picLocks noChangeAspect="1"/>
+          </p:cNvPicPr>
+          <p:nvPr/>
+        </p:nvPicPr>
+        <p:blipFill>
+          <a:blip r:embed="rId4"/>
+          <a:stretch>
+            <a:fillRect/>
+          </a:stretch>
+        </p:blipFill>
+        <p:spPr>
+          <a:xfrm>
+            <a:off x="548640" y="2832164"/>
+            <a:ext cx="3630411" cy="1414716"/>
+          </a:xfrm>
+          <a:prstGeom prst="rect">
+            <a:avLst/>
+          </a:prstGeom>
+        </p:spPr>
+      </p:pic>
     </p:spTree>
     <p:extLst>
       <p:ext uri="{BB962C8B-B14F-4D97-AF65-F5344CB8AC3E}">
@@ -19262,7 +19723,7 @@
         </p:nvSpPr>
         <p:spPr>
           <a:xfrm>
-            <a:off x="451488" y="4678606"/>
+            <a:off x="735968" y="4836288"/>
             <a:ext cx="10720064" cy="1323439"/>
           </a:xfrm>
           <a:prstGeom prst="rect">
@@ -19445,7 +19906,7 @@
         </p:nvSpPr>
         <p:spPr>
           <a:xfrm>
-            <a:off x="451488" y="2709121"/>
+            <a:off x="451488" y="1837004"/>
             <a:ext cx="10937872" cy="584775"/>
           </a:xfrm>
           <a:prstGeom prst="rect">
@@ -19492,7 +19953,20 @@
                 <a:latin typeface="Poppins" panose="00000500000000000000" pitchFamily="2" charset="-94"/>
                 <a:cs typeface="Poppins" panose="00000500000000000000" pitchFamily="2" charset="-94"/>
               </a:rPr>
-              <a:t> return entry indexes, improving updates and lookups (used internally by </a:t>
+              <a:t> return entry indexes, improving updates and lookups </a:t>
+            </a:r>
+            <a:br>
+              <a:rPr lang="en-US" sz="1600" dirty="0">
+                <a:latin typeface="Poppins" panose="00000500000000000000" pitchFamily="2" charset="-94"/>
+                <a:cs typeface="Poppins" panose="00000500000000000000" pitchFamily="2" charset="-94"/>
+              </a:rPr>
+            </a:br>
+            <a:r>
+              <a:rPr lang="en-US" sz="1600" dirty="0">
+                <a:latin typeface="Poppins" panose="00000500000000000000" pitchFamily="2" charset="-94"/>
+                <a:cs typeface="Poppins" panose="00000500000000000000" pitchFamily="2" charset="-94"/>
+              </a:rPr>
+              <a:t>(also used internally by </a:t>
             </a:r>
             <a:r>
               <a:rPr lang="en-US" sz="1600" i="1" dirty="0" err="1">
@@ -19511,6 +19985,90 @@
           </a:p>
         </p:txBody>
       </p:sp>
+      <p:sp>
+        <p:nvSpPr>
+          <p:cNvPr id="2" name="Rectangle: Rounded Corners 1">
+            <a:extLst>
+              <a:ext uri="{FF2B5EF4-FFF2-40B4-BE49-F238E27FC236}">
+                <a16:creationId xmlns:a16="http://schemas.microsoft.com/office/drawing/2014/main" id="{D3413CCE-991C-4D74-A03B-1213CD7993B9}"/>
+              </a:ext>
+            </a:extLst>
+          </p:cNvPr>
+          <p:cNvSpPr/>
+          <p:nvPr/>
+        </p:nvSpPr>
+        <p:spPr>
+          <a:xfrm>
+            <a:off x="548640" y="4602480"/>
+            <a:ext cx="10007600" cy="1791057"/>
+          </a:xfrm>
+          <a:prstGeom prst="roundRect">
+            <a:avLst/>
+          </a:prstGeom>
+          <a:noFill/>
+          <a:ln w="9525" cap="flat" cmpd="sng" algn="ctr">
+            <a:solidFill>
+              <a:schemeClr val="dk1"/>
+            </a:solidFill>
+            <a:prstDash val="solid"/>
+            <a:round/>
+            <a:headEnd type="none" w="med" len="med"/>
+            <a:tailEnd type="none" w="med" len="med"/>
+          </a:ln>
+        </p:spPr>
+        <p:style>
+          <a:lnRef idx="0">
+            <a:scrgbClr r="0" g="0" b="0"/>
+          </a:lnRef>
+          <a:fillRef idx="0">
+            <a:scrgbClr r="0" g="0" b="0"/>
+          </a:fillRef>
+          <a:effectRef idx="0">
+            <a:scrgbClr r="0" g="0" b="0"/>
+          </a:effectRef>
+          <a:fontRef idx="minor">
+            <a:schemeClr val="dk1"/>
+          </a:fontRef>
+        </p:style>
+        <p:txBody>
+          <a:bodyPr rtlCol="0" anchor="ctr"/>
+          <a:lstStyle/>
+          <a:p>
+            <a:pPr algn="ctr"/>
+            <a:endParaRPr lang="tr-TR"/>
+          </a:p>
+        </p:txBody>
+      </p:sp>
+      <p:pic>
+        <p:nvPicPr>
+          <p:cNvPr id="4" name="Picture 3">
+            <a:extLst>
+              <a:ext uri="{FF2B5EF4-FFF2-40B4-BE49-F238E27FC236}">
+                <a16:creationId xmlns:a16="http://schemas.microsoft.com/office/drawing/2014/main" id="{DC56676D-F52A-5B43-CDB5-27C573F6AD7D}"/>
+              </a:ext>
+            </a:extLst>
+          </p:cNvPr>
+          <p:cNvPicPr>
+            <a:picLocks noChangeAspect="1"/>
+          </p:cNvPicPr>
+          <p:nvPr/>
+        </p:nvPicPr>
+        <p:blipFill>
+          <a:blip r:embed="rId4"/>
+          <a:stretch>
+            <a:fillRect/>
+          </a:stretch>
+        </p:blipFill>
+        <p:spPr>
+          <a:xfrm>
+            <a:off x="548640" y="2615327"/>
+            <a:ext cx="5261862" cy="1791057"/>
+          </a:xfrm>
+          <a:prstGeom prst="rect">
+            <a:avLst/>
+          </a:prstGeom>
+        </p:spPr>
+      </p:pic>
     </p:spTree>
     <p:extLst>
       <p:ext uri="{BB962C8B-B14F-4D97-AF65-F5344CB8AC3E}">
@@ -19810,8 +20368,8 @@
         </p:nvSpPr>
         <p:spPr>
           <a:xfrm>
-            <a:off x="451488" y="2381369"/>
-            <a:ext cx="11252832" cy="1815882"/>
+            <a:off x="469584" y="1779398"/>
+            <a:ext cx="11252832" cy="1323439"/>
           </a:xfrm>
           <a:prstGeom prst="rect">
             <a:avLst/>
@@ -19829,39 +20387,16 @@
                 <a:latin typeface="Poppins" panose="00000500000000000000" pitchFamily="2" charset="-94"/>
                 <a:cs typeface="Poppins" panose="00000500000000000000" pitchFamily="2" charset="-94"/>
               </a:rPr>
-              <a:t>In .NET 10, the JIT </a:t>
-            </a:r>
-            <a:r>
-              <a:rPr lang="en-US" sz="1600" i="1" dirty="0">
-                <a:latin typeface="Poppins" panose="00000500000000000000" pitchFamily="2" charset="-94"/>
-                <a:cs typeface="Poppins" panose="00000500000000000000" pitchFamily="2" charset="-94"/>
-              </a:rPr>
-              <a:t>(Just-In-Time)</a:t>
-            </a:r>
+              <a:t>In .NET 10, the JIT compiler got smarter about how it handles structs, especially when passing them to methods. Previously, when you passed a struct, the JIT sometimes had to store the values in memory first, then load them into a CPU register before calling the method… Unnecessary memory operations!</a:t>
+            </a:r>
+          </a:p>
+          <a:p>
             <a:r>
               <a:rPr lang="en-US" sz="1600" dirty="0">
                 <a:latin typeface="Poppins" panose="00000500000000000000" pitchFamily="2" charset="-94"/>
                 <a:cs typeface="Poppins" panose="00000500000000000000" pitchFamily="2" charset="-94"/>
               </a:rPr>
-              <a:t> compiler got smarter about how it handles structs, especially when passing them to methods.</a:t>
-            </a:r>
-          </a:p>
-          <a:p>
-            <a:r>
-              <a:rPr lang="en-US" sz="1600" dirty="0">
-                <a:latin typeface="Poppins" panose="00000500000000000000" pitchFamily="2" charset="-94"/>
-                <a:cs typeface="Poppins" panose="00000500000000000000" pitchFamily="2" charset="-94"/>
-              </a:rPr>
-              <a:t>Previously, when you passed a struct, the JIT sometimes had to store the values in memory first, then load them into a CPU register before calling the method. This added unnecessary memory operations.</a:t>
-            </a:r>
-          </a:p>
-          <a:p>
-            <a:r>
-              <a:rPr lang="en-US" sz="1600" dirty="0">
-                <a:latin typeface="Poppins" panose="00000500000000000000" pitchFamily="2" charset="-94"/>
-                <a:cs typeface="Poppins" panose="00000500000000000000" pitchFamily="2" charset="-94"/>
-              </a:rPr>
-              <a:t>Now, with .NET 10, the JIT can put those struct members directly into CPU registers and no temporary memory steps!</a:t>
+              <a:t>Now, the JIT can put those struct members directly into CPU registers and no temporary memory steps!</a:t>
             </a:r>
           </a:p>
           <a:p>
@@ -19886,7 +20421,7 @@
         </p:nvSpPr>
         <p:spPr>
           <a:xfrm>
-            <a:off x="451488" y="4605497"/>
+            <a:off x="675008" y="4836288"/>
             <a:ext cx="11252832" cy="1323439"/>
           </a:xfrm>
           <a:prstGeom prst="rect">
@@ -19962,6 +20497,90 @@
           </a:p>
         </p:txBody>
       </p:sp>
+      <p:sp>
+        <p:nvSpPr>
+          <p:cNvPr id="2" name="Rectangle: Rounded Corners 1">
+            <a:extLst>
+              <a:ext uri="{FF2B5EF4-FFF2-40B4-BE49-F238E27FC236}">
+                <a16:creationId xmlns:a16="http://schemas.microsoft.com/office/drawing/2014/main" id="{81C6AD7F-C4D5-AA0F-5295-5F2F32951A79}"/>
+              </a:ext>
+            </a:extLst>
+          </p:cNvPr>
+          <p:cNvSpPr/>
+          <p:nvPr/>
+        </p:nvSpPr>
+        <p:spPr>
+          <a:xfrm>
+            <a:off x="548640" y="4602480"/>
+            <a:ext cx="10007600" cy="1791057"/>
+          </a:xfrm>
+          <a:prstGeom prst="roundRect">
+            <a:avLst/>
+          </a:prstGeom>
+          <a:noFill/>
+          <a:ln w="9525" cap="flat" cmpd="sng" algn="ctr">
+            <a:solidFill>
+              <a:schemeClr val="dk1"/>
+            </a:solidFill>
+            <a:prstDash val="solid"/>
+            <a:round/>
+            <a:headEnd type="none" w="med" len="med"/>
+            <a:tailEnd type="none" w="med" len="med"/>
+          </a:ln>
+        </p:spPr>
+        <p:style>
+          <a:lnRef idx="0">
+            <a:scrgbClr r="0" g="0" b="0"/>
+          </a:lnRef>
+          <a:fillRef idx="0">
+            <a:scrgbClr r="0" g="0" b="0"/>
+          </a:fillRef>
+          <a:effectRef idx="0">
+            <a:scrgbClr r="0" g="0" b="0"/>
+          </a:effectRef>
+          <a:fontRef idx="minor">
+            <a:schemeClr val="dk1"/>
+          </a:fontRef>
+        </p:style>
+        <p:txBody>
+          <a:bodyPr rtlCol="0" anchor="ctr"/>
+          <a:lstStyle/>
+          <a:p>
+            <a:pPr algn="ctr"/>
+            <a:endParaRPr lang="tr-TR"/>
+          </a:p>
+        </p:txBody>
+      </p:sp>
+      <p:pic>
+        <p:nvPicPr>
+          <p:cNvPr id="4" name="Picture 3">
+            <a:extLst>
+              <a:ext uri="{FF2B5EF4-FFF2-40B4-BE49-F238E27FC236}">
+                <a16:creationId xmlns:a16="http://schemas.microsoft.com/office/drawing/2014/main" id="{77840DA7-4F17-1032-E8D5-F48D7A39268E}"/>
+              </a:ext>
+            </a:extLst>
+          </p:cNvPr>
+          <p:cNvPicPr>
+            <a:picLocks noChangeAspect="1"/>
+          </p:cNvPicPr>
+          <p:nvPr/>
+        </p:nvPicPr>
+        <p:blipFill>
+          <a:blip r:embed="rId4"/>
+          <a:stretch>
+            <a:fillRect/>
+          </a:stretch>
+        </p:blipFill>
+        <p:spPr>
+          <a:xfrm>
+            <a:off x="548640" y="2921555"/>
+            <a:ext cx="4695825" cy="1504950"/>
+          </a:xfrm>
+          <a:prstGeom prst="rect">
+            <a:avLst/>
+          </a:prstGeom>
+        </p:spPr>
+      </p:pic>
     </p:spTree>
   </p:cSld>
   <p:clrMapOvr>
@@ -20122,8 +20741,8 @@
         </p:nvSpPr>
         <p:spPr>
           <a:xfrm>
-            <a:off x="451488" y="4905195"/>
-            <a:ext cx="11252832" cy="1323439"/>
+            <a:off x="667072" y="4836288"/>
+            <a:ext cx="7349168" cy="1323439"/>
           </a:xfrm>
           <a:prstGeom prst="rect">
             <a:avLst/>
@@ -20230,7 +20849,7 @@
         </p:nvSpPr>
         <p:spPr>
           <a:xfrm>
-            <a:off x="353376" y="2100033"/>
+            <a:off x="451488" y="1948676"/>
             <a:ext cx="11684000" cy="2308324"/>
           </a:xfrm>
           <a:prstGeom prst="rect">
@@ -20388,6 +21007,90 @@
           </a:p>
         </p:txBody>
       </p:sp>
+      <p:sp>
+        <p:nvSpPr>
+          <p:cNvPr id="2" name="Rectangle: Rounded Corners 1">
+            <a:extLst>
+              <a:ext uri="{FF2B5EF4-FFF2-40B4-BE49-F238E27FC236}">
+                <a16:creationId xmlns:a16="http://schemas.microsoft.com/office/drawing/2014/main" id="{2C3A5AF8-BFBF-4C1C-11CF-57BDBEA43528}"/>
+              </a:ext>
+            </a:extLst>
+          </p:cNvPr>
+          <p:cNvSpPr/>
+          <p:nvPr/>
+        </p:nvSpPr>
+        <p:spPr>
+          <a:xfrm>
+            <a:off x="548640" y="4602480"/>
+            <a:ext cx="7010400" cy="1791057"/>
+          </a:xfrm>
+          <a:prstGeom prst="roundRect">
+            <a:avLst/>
+          </a:prstGeom>
+          <a:noFill/>
+          <a:ln w="9525" cap="flat" cmpd="sng" algn="ctr">
+            <a:solidFill>
+              <a:schemeClr val="dk1"/>
+            </a:solidFill>
+            <a:prstDash val="solid"/>
+            <a:round/>
+            <a:headEnd type="none" w="med" len="med"/>
+            <a:tailEnd type="none" w="med" len="med"/>
+          </a:ln>
+        </p:spPr>
+        <p:style>
+          <a:lnRef idx="0">
+            <a:scrgbClr r="0" g="0" b="0"/>
+          </a:lnRef>
+          <a:fillRef idx="0">
+            <a:scrgbClr r="0" g="0" b="0"/>
+          </a:fillRef>
+          <a:effectRef idx="0">
+            <a:scrgbClr r="0" g="0" b="0"/>
+          </a:effectRef>
+          <a:fontRef idx="minor">
+            <a:schemeClr val="dk1"/>
+          </a:fontRef>
+        </p:style>
+        <p:txBody>
+          <a:bodyPr rtlCol="0" anchor="ctr"/>
+          <a:lstStyle/>
+          <a:p>
+            <a:pPr algn="ctr"/>
+            <a:endParaRPr lang="tr-TR"/>
+          </a:p>
+        </p:txBody>
+      </p:sp>
+      <p:pic>
+        <p:nvPicPr>
+          <p:cNvPr id="4" name="Picture 3">
+            <a:extLst>
+              <a:ext uri="{FF2B5EF4-FFF2-40B4-BE49-F238E27FC236}">
+                <a16:creationId xmlns:a16="http://schemas.microsoft.com/office/drawing/2014/main" id="{860143A0-A8DF-2288-7ACB-85F141CFC138}"/>
+              </a:ext>
+            </a:extLst>
+          </p:cNvPr>
+          <p:cNvPicPr>
+            <a:picLocks noChangeAspect="1"/>
+          </p:cNvPicPr>
+          <p:nvPr/>
+        </p:nvPicPr>
+        <p:blipFill>
+          <a:blip r:embed="rId4"/>
+          <a:stretch>
+            <a:fillRect/>
+          </a:stretch>
+        </p:blipFill>
+        <p:spPr>
+          <a:xfrm>
+            <a:off x="7842885" y="4069437"/>
+            <a:ext cx="3800475" cy="2324100"/>
+          </a:xfrm>
+          <a:prstGeom prst="rect">
+            <a:avLst/>
+          </a:prstGeom>
+        </p:spPr>
+      </p:pic>
     </p:spTree>
     <p:extLst>
       <p:ext uri="{BB962C8B-B14F-4D97-AF65-F5344CB8AC3E}">
@@ -20402,7 +21105,7 @@
 </file>
 
 <file path=ppt/slides/slide15.xml><?xml version="1.0" encoding="utf-8"?>
-<p:sld xmlns:a="http://schemas.openxmlformats.org/drawingml/2006/main" xmlns:r="http://schemas.openxmlformats.org/officeDocument/2006/relationships" xmlns:p="http://schemas.openxmlformats.org/presentationml/2006/main">
+<p:sld xmlns:a="http://schemas.openxmlformats.org/drawingml/2006/main" xmlns:r="http://schemas.openxmlformats.org/officeDocument/2006/relationships" xmlns:p="http://schemas.openxmlformats.org/presentationml/2006/main" show="0">
   <p:cSld>
     <p:bg>
       <p:bgPr>
@@ -20560,7 +21263,7 @@
         </p:nvSpPr>
         <p:spPr bwMode="auto">
           <a:xfrm>
-            <a:off x="451488" y="4708583"/>
+            <a:off x="701040" y="4731585"/>
             <a:ext cx="10470512" cy="1569660"/>
           </a:xfrm>
           <a:prstGeom prst="rect">
@@ -20683,7 +21386,7 @@
           <a:p>
             <a:r>
               <a:rPr lang="en-US" altLang="en-US" dirty="0"/>
-              <a:t>NET 10 continues reducing the hidden overhead in foreach loops over arrays and </a:t>
+              <a:t>Reducing the hidden overhead in foreach loops over arrays and </a:t>
             </a:r>
             <a:r>
               <a:rPr lang="en-US" altLang="en-US" i="1" dirty="0" err="1">
@@ -20702,6 +21405,60 @@
               <a:rPr lang="en-US" altLang="en-US" dirty="0"/>
               <a:t>The JIT can now inline and stack-allocate array enumerators more effectively, minimizing allocations and improving loop speed.</a:t>
             </a:r>
+          </a:p>
+        </p:txBody>
+      </p:sp>
+      <p:sp>
+        <p:nvSpPr>
+          <p:cNvPr id="3" name="Rectangle: Rounded Corners 2">
+            <a:extLst>
+              <a:ext uri="{FF2B5EF4-FFF2-40B4-BE49-F238E27FC236}">
+                <a16:creationId xmlns:a16="http://schemas.microsoft.com/office/drawing/2014/main" id="{5DD5C365-6C4A-2737-2571-C784C0E580A3}"/>
+              </a:ext>
+            </a:extLst>
+          </p:cNvPr>
+          <p:cNvSpPr/>
+          <p:nvPr/>
+        </p:nvSpPr>
+        <p:spPr>
+          <a:xfrm>
+            <a:off x="548640" y="4602480"/>
+            <a:ext cx="10007600" cy="1791057"/>
+          </a:xfrm>
+          <a:prstGeom prst="roundRect">
+            <a:avLst/>
+          </a:prstGeom>
+          <a:noFill/>
+          <a:ln w="9525" cap="flat" cmpd="sng" algn="ctr">
+            <a:solidFill>
+              <a:schemeClr val="dk1"/>
+            </a:solidFill>
+            <a:prstDash val="solid"/>
+            <a:round/>
+            <a:headEnd type="none" w="med" len="med"/>
+            <a:tailEnd type="none" w="med" len="med"/>
+          </a:ln>
+        </p:spPr>
+        <p:style>
+          <a:lnRef idx="0">
+            <a:scrgbClr r="0" g="0" b="0"/>
+          </a:lnRef>
+          <a:fillRef idx="0">
+            <a:scrgbClr r="0" g="0" b="0"/>
+          </a:fillRef>
+          <a:effectRef idx="0">
+            <a:scrgbClr r="0" g="0" b="0"/>
+          </a:effectRef>
+          <a:fontRef idx="minor">
+            <a:schemeClr val="dk1"/>
+          </a:fontRef>
+        </p:style>
+        <p:txBody>
+          <a:bodyPr rtlCol="0" anchor="ctr"/>
+          <a:lstStyle/>
+          <a:p>
+            <a:pPr algn="ctr"/>
+            <a:endParaRPr lang="tr-TR"/>
           </a:p>
         </p:txBody>
       </p:sp>
@@ -20719,7 +21476,7 @@
 </file>
 
 <file path=ppt/slides/slide16.xml><?xml version="1.0" encoding="utf-8"?>
-<p:sld xmlns:a="http://schemas.openxmlformats.org/drawingml/2006/main" xmlns:r="http://schemas.openxmlformats.org/officeDocument/2006/relationships" xmlns:p="http://schemas.openxmlformats.org/presentationml/2006/main">
+<p:sld xmlns:a="http://schemas.openxmlformats.org/drawingml/2006/main" xmlns:r="http://schemas.openxmlformats.org/officeDocument/2006/relationships" xmlns:p="http://schemas.openxmlformats.org/presentationml/2006/main" show="0">
   <p:cSld>
     <p:bg>
       <p:bgPr>
@@ -20929,7 +21686,7 @@
         </p:nvSpPr>
         <p:spPr>
           <a:xfrm>
-            <a:off x="493392" y="4745357"/>
+            <a:off x="676272" y="4836288"/>
             <a:ext cx="10678160" cy="1323439"/>
           </a:xfrm>
           <a:prstGeom prst="rect">
@@ -21002,6 +21759,60 @@
               </a:rPr>
               <a:t>Automatically optimized code layout — no developer action needed.</a:t>
             </a:r>
+          </a:p>
+        </p:txBody>
+      </p:sp>
+      <p:sp>
+        <p:nvSpPr>
+          <p:cNvPr id="2" name="Rectangle: Rounded Corners 1">
+            <a:extLst>
+              <a:ext uri="{FF2B5EF4-FFF2-40B4-BE49-F238E27FC236}">
+                <a16:creationId xmlns:a16="http://schemas.microsoft.com/office/drawing/2014/main" id="{CDF7547B-C817-31F6-5063-CF208FADF1ED}"/>
+              </a:ext>
+            </a:extLst>
+          </p:cNvPr>
+          <p:cNvSpPr/>
+          <p:nvPr/>
+        </p:nvSpPr>
+        <p:spPr>
+          <a:xfrm>
+            <a:off x="548640" y="4602480"/>
+            <a:ext cx="10007600" cy="1791057"/>
+          </a:xfrm>
+          <a:prstGeom prst="roundRect">
+            <a:avLst/>
+          </a:prstGeom>
+          <a:noFill/>
+          <a:ln w="9525" cap="flat" cmpd="sng" algn="ctr">
+            <a:solidFill>
+              <a:schemeClr val="dk1"/>
+            </a:solidFill>
+            <a:prstDash val="solid"/>
+            <a:round/>
+            <a:headEnd type="none" w="med" len="med"/>
+            <a:tailEnd type="none" w="med" len="med"/>
+          </a:ln>
+        </p:spPr>
+        <p:style>
+          <a:lnRef idx="0">
+            <a:scrgbClr r="0" g="0" b="0"/>
+          </a:lnRef>
+          <a:fillRef idx="0">
+            <a:scrgbClr r="0" g="0" b="0"/>
+          </a:fillRef>
+          <a:effectRef idx="0">
+            <a:scrgbClr r="0" g="0" b="0"/>
+          </a:effectRef>
+          <a:fontRef idx="minor">
+            <a:schemeClr val="dk1"/>
+          </a:fontRef>
+        </p:style>
+        <p:txBody>
+          <a:bodyPr rtlCol="0" anchor="ctr"/>
+          <a:lstStyle/>
+          <a:p>
+            <a:pPr algn="ctr"/>
+            <a:endParaRPr lang="tr-TR"/>
           </a:p>
         </p:txBody>
       </p:sp>
@@ -21175,7 +21986,7 @@
         </p:nvSpPr>
         <p:spPr bwMode="auto">
           <a:xfrm>
-            <a:off x="451488" y="4590921"/>
+            <a:off x="614048" y="4762363"/>
             <a:ext cx="11191872" cy="1754326"/>
           </a:xfrm>
           <a:prstGeom prst="rect">
@@ -21513,7 +22324,7 @@
                 <a:latin typeface="Poppins" panose="00000500000000000000" pitchFamily="2" charset="-94"/>
                 <a:cs typeface="Poppins" panose="00000500000000000000" pitchFamily="2" charset="-94"/>
               </a:rPr>
-              <a:t>NET 10 broadens what the JIT can inline, including methods with </a:t>
+              <a:t>NET 10 extends what the JIT can inline, including methods with </a:t>
             </a:r>
             <a:r>
               <a:rPr kumimoji="0" lang="en-US" altLang="en-US" sz="1600" b="0" i="1" u="none" strike="noStrike" cap="none" normalizeH="0" baseline="0" dirty="0">
@@ -21654,6 +22465,60 @@
               </a:rPr>
               <a:t> is worthwhile.</a:t>
             </a:r>
+          </a:p>
+        </p:txBody>
+      </p:sp>
+      <p:sp>
+        <p:nvSpPr>
+          <p:cNvPr id="3" name="Rectangle: Rounded Corners 2">
+            <a:extLst>
+              <a:ext uri="{FF2B5EF4-FFF2-40B4-BE49-F238E27FC236}">
+                <a16:creationId xmlns:a16="http://schemas.microsoft.com/office/drawing/2014/main" id="{72CC9338-5995-AE80-CBF4-5D519018238C}"/>
+              </a:ext>
+            </a:extLst>
+          </p:cNvPr>
+          <p:cNvSpPr/>
+          <p:nvPr/>
+        </p:nvSpPr>
+        <p:spPr>
+          <a:xfrm>
+            <a:off x="548640" y="4602480"/>
+            <a:ext cx="10007600" cy="1791057"/>
+          </a:xfrm>
+          <a:prstGeom prst="roundRect">
+            <a:avLst/>
+          </a:prstGeom>
+          <a:noFill/>
+          <a:ln w="9525" cap="flat" cmpd="sng" algn="ctr">
+            <a:solidFill>
+              <a:schemeClr val="dk1"/>
+            </a:solidFill>
+            <a:prstDash val="solid"/>
+            <a:round/>
+            <a:headEnd type="none" w="med" len="med"/>
+            <a:tailEnd type="none" w="med" len="med"/>
+          </a:ln>
+        </p:spPr>
+        <p:style>
+          <a:lnRef idx="0">
+            <a:scrgbClr r="0" g="0" b="0"/>
+          </a:lnRef>
+          <a:fillRef idx="0">
+            <a:scrgbClr r="0" g="0" b="0"/>
+          </a:fillRef>
+          <a:effectRef idx="0">
+            <a:scrgbClr r="0" g="0" b="0"/>
+          </a:effectRef>
+          <a:fontRef idx="minor">
+            <a:schemeClr val="dk1"/>
+          </a:fontRef>
+        </p:style>
+        <p:txBody>
+          <a:bodyPr rtlCol="0" anchor="ctr"/>
+          <a:lstStyle/>
+          <a:p>
+            <a:pPr algn="ctr"/>
+            <a:endParaRPr lang="tr-TR"/>
           </a:p>
         </p:txBody>
       </p:sp>
@@ -21886,7 +22751,7 @@
         </p:nvSpPr>
         <p:spPr>
           <a:xfrm>
-            <a:off x="451488" y="4577655"/>
+            <a:off x="698184" y="4836288"/>
             <a:ext cx="10795632" cy="1323439"/>
           </a:xfrm>
           <a:prstGeom prst="rect">
@@ -21959,6 +22824,60 @@
               </a:rPr>
               <a:t>Significant performance boost in tight loops and short-lived operations.</a:t>
             </a:r>
+          </a:p>
+        </p:txBody>
+      </p:sp>
+      <p:sp>
+        <p:nvSpPr>
+          <p:cNvPr id="2" name="Rectangle: Rounded Corners 1">
+            <a:extLst>
+              <a:ext uri="{FF2B5EF4-FFF2-40B4-BE49-F238E27FC236}">
+                <a16:creationId xmlns:a16="http://schemas.microsoft.com/office/drawing/2014/main" id="{B362FBBD-6767-F73D-4D47-550DD0878C7A}"/>
+              </a:ext>
+            </a:extLst>
+          </p:cNvPr>
+          <p:cNvSpPr/>
+          <p:nvPr/>
+        </p:nvSpPr>
+        <p:spPr>
+          <a:xfrm>
+            <a:off x="548640" y="4602480"/>
+            <a:ext cx="10007600" cy="1791057"/>
+          </a:xfrm>
+          <a:prstGeom prst="roundRect">
+            <a:avLst/>
+          </a:prstGeom>
+          <a:noFill/>
+          <a:ln w="9525" cap="flat" cmpd="sng" algn="ctr">
+            <a:solidFill>
+              <a:schemeClr val="dk1"/>
+            </a:solidFill>
+            <a:prstDash val="solid"/>
+            <a:round/>
+            <a:headEnd type="none" w="med" len="med"/>
+            <a:tailEnd type="none" w="med" len="med"/>
+          </a:ln>
+        </p:spPr>
+        <p:style>
+          <a:lnRef idx="0">
+            <a:scrgbClr r="0" g="0" b="0"/>
+          </a:lnRef>
+          <a:fillRef idx="0">
+            <a:scrgbClr r="0" g="0" b="0"/>
+          </a:fillRef>
+          <a:effectRef idx="0">
+            <a:scrgbClr r="0" g="0" b="0"/>
+          </a:effectRef>
+          <a:fontRef idx="minor">
+            <a:schemeClr val="dk1"/>
+          </a:fontRef>
+        </p:style>
+        <p:txBody>
+          <a:bodyPr rtlCol="0" anchor="ctr"/>
+          <a:lstStyle/>
+          <a:p>
+            <a:pPr algn="ctr"/>
+            <a:endParaRPr lang="tr-TR"/>
           </a:p>
         </p:txBody>
       </p:sp>
@@ -22171,7 +23090,7 @@
         </p:nvSpPr>
         <p:spPr>
           <a:xfrm>
-            <a:off x="451488" y="4757599"/>
+            <a:off x="735968" y="4836288"/>
             <a:ext cx="10720064" cy="1323439"/>
           </a:xfrm>
           <a:prstGeom prst="rect">
@@ -22244,6 +23163,60 @@
               </a:rPr>
               <a:t>Cleaner, faster execution of methods using local structs or small lambdas.</a:t>
             </a:r>
+          </a:p>
+        </p:txBody>
+      </p:sp>
+      <p:sp>
+        <p:nvSpPr>
+          <p:cNvPr id="2" name="Rectangle: Rounded Corners 1">
+            <a:extLst>
+              <a:ext uri="{FF2B5EF4-FFF2-40B4-BE49-F238E27FC236}">
+                <a16:creationId xmlns:a16="http://schemas.microsoft.com/office/drawing/2014/main" id="{9D2494D4-C856-45E3-4665-D7DB82F6DE1B}"/>
+              </a:ext>
+            </a:extLst>
+          </p:cNvPr>
+          <p:cNvSpPr/>
+          <p:nvPr/>
+        </p:nvSpPr>
+        <p:spPr>
+          <a:xfrm>
+            <a:off x="548640" y="4602480"/>
+            <a:ext cx="10007600" cy="1791057"/>
+          </a:xfrm>
+          <a:prstGeom prst="roundRect">
+            <a:avLst/>
+          </a:prstGeom>
+          <a:noFill/>
+          <a:ln w="9525" cap="flat" cmpd="sng" algn="ctr">
+            <a:solidFill>
+              <a:schemeClr val="dk1"/>
+            </a:solidFill>
+            <a:prstDash val="solid"/>
+            <a:round/>
+            <a:headEnd type="none" w="med" len="med"/>
+            <a:tailEnd type="none" w="med" len="med"/>
+          </a:ln>
+        </p:spPr>
+        <p:style>
+          <a:lnRef idx="0">
+            <a:scrgbClr r="0" g="0" b="0"/>
+          </a:lnRef>
+          <a:fillRef idx="0">
+            <a:scrgbClr r="0" g="0" b="0"/>
+          </a:fillRef>
+          <a:effectRef idx="0">
+            <a:scrgbClr r="0" g="0" b="0"/>
+          </a:effectRef>
+          <a:fontRef idx="minor">
+            <a:schemeClr val="dk1"/>
+          </a:fontRef>
+        </p:style>
+        <p:txBody>
+          <a:bodyPr rtlCol="0" anchor="ctr"/>
+          <a:lstStyle/>
+          <a:p>
+            <a:pPr algn="ctr"/>
+            <a:endParaRPr lang="tr-TR"/>
           </a:p>
         </p:txBody>
       </p:sp>
@@ -22416,7 +23389,7 @@
 </file>
 
 <file path=ppt/slides/slide20.xml><?xml version="1.0" encoding="utf-8"?>
-<p:sld xmlns:a="http://schemas.openxmlformats.org/drawingml/2006/main" xmlns:r="http://schemas.openxmlformats.org/officeDocument/2006/relationships" xmlns:p="http://schemas.openxmlformats.org/presentationml/2006/main">
+<p:sld xmlns:a="http://schemas.openxmlformats.org/drawingml/2006/main" xmlns:r="http://schemas.openxmlformats.org/officeDocument/2006/relationships" xmlns:p="http://schemas.openxmlformats.org/presentationml/2006/main" show="0">
   <p:cSld>
     <p:bg>
       <p:bgPr>
@@ -22547,7 +23520,7 @@
         <p:spPr>
           <a:xfrm>
             <a:off x="451488" y="2856339"/>
-            <a:ext cx="11080112" cy="1323439"/>
+            <a:ext cx="11080112" cy="830997"/>
           </a:xfrm>
           <a:prstGeom prst="rect">
             <a:avLst/>
@@ -22561,34 +23534,25 @@
           <a:lstStyle/>
           <a:p>
             <a:r>
+              <a:rPr lang="en-US" sz="1600" dirty="0">
+                <a:latin typeface="Poppins" panose="00000500000000000000" pitchFamily="2" charset="-94"/>
+                <a:cs typeface="Poppins" panose="00000500000000000000" pitchFamily="2" charset="-94"/>
+              </a:rPr>
+              <a:t>The garbage collector’s </a:t>
+            </a:r>
+            <a:r>
               <a:rPr lang="en-US" sz="1600" b="1" dirty="0">
                 <a:latin typeface="Poppins" panose="00000500000000000000" pitchFamily="2" charset="-94"/>
                 <a:cs typeface="Poppins" panose="00000500000000000000" pitchFamily="2" charset="-94"/>
               </a:rPr>
-              <a:t>Arm64 Write-Barrier Improvements</a:t>
-            </a:r>
-          </a:p>
-          <a:p>
+              <a:t>write-barrier logic,</a:t>
+            </a:r>
             <a:r>
               <a:rPr lang="en-US" sz="1600" dirty="0">
                 <a:latin typeface="Poppins" panose="00000500000000000000" pitchFamily="2" charset="-94"/>
                 <a:cs typeface="Poppins" panose="00000500000000000000" pitchFamily="2" charset="-94"/>
               </a:rPr>
-              <a:t>The garbage collector’s </a:t>
-            </a:r>
-            <a:r>
-              <a:rPr lang="en-US" sz="1600" b="1" dirty="0">
-                <a:latin typeface="Poppins" panose="00000500000000000000" pitchFamily="2" charset="-94"/>
-                <a:cs typeface="Poppins" panose="00000500000000000000" pitchFamily="2" charset="-94"/>
-              </a:rPr>
-              <a:t>write-barrier logic</a:t>
-            </a:r>
-            <a:r>
-              <a:rPr lang="en-US" sz="1600" dirty="0">
-                <a:latin typeface="Poppins" panose="00000500000000000000" pitchFamily="2" charset="-94"/>
-                <a:cs typeface="Poppins" panose="00000500000000000000" pitchFamily="2" charset="-94"/>
-              </a:rPr>
-              <a:t> (which tracks references between generations) is now smarter on Arm64 processors.</a:t>
+              <a:t> which tracks references between generations, </a:t>
             </a:r>
             <a:br>
               <a:rPr lang="en-US" sz="1600" dirty="0">
@@ -22601,14 +23565,21 @@
                 <a:latin typeface="Poppins" panose="00000500000000000000" pitchFamily="2" charset="-94"/>
                 <a:cs typeface="Poppins" panose="00000500000000000000" pitchFamily="2" charset="-94"/>
               </a:rPr>
+              <a:t>is now smarter on Arm64 processors.</a:t>
+            </a:r>
+            <a:br>
+              <a:rPr lang="en-US" sz="1600" dirty="0">
+                <a:latin typeface="Poppins" panose="00000500000000000000" pitchFamily="2" charset="-94"/>
+                <a:cs typeface="Poppins" panose="00000500000000000000" pitchFamily="2" charset="-94"/>
+              </a:rPr>
+            </a:br>
+            <a:r>
+              <a:rPr lang="en-US" sz="1600" dirty="0">
+                <a:latin typeface="Poppins" panose="00000500000000000000" pitchFamily="2" charset="-94"/>
+                <a:cs typeface="Poppins" panose="00000500000000000000" pitchFamily="2" charset="-94"/>
+              </a:rPr>
               <a:t>It reduces unnecessary scanning of memory regions during GC cycles.</a:t>
             </a:r>
-          </a:p>
-          <a:p>
-            <a:endParaRPr lang="en-US" sz="1600" dirty="0">
-              <a:latin typeface="Poppins" panose="00000500000000000000" pitchFamily="2" charset="-94"/>
-              <a:cs typeface="Poppins" panose="00000500000000000000" pitchFamily="2" charset="-94"/>
-            </a:endParaRPr>
           </a:p>
         </p:txBody>
       </p:sp>
@@ -22626,7 +23597,7 @@
         </p:nvSpPr>
         <p:spPr>
           <a:xfrm>
-            <a:off x="451488" y="4902667"/>
+            <a:off x="695328" y="4836288"/>
             <a:ext cx="10948032" cy="1323439"/>
           </a:xfrm>
           <a:prstGeom prst="rect">
@@ -22713,6 +23684,60 @@
               </a:rPr>
               <a:t>Better .NET performance on ARM-based servers and devices</a:t>
             </a:r>
+          </a:p>
+        </p:txBody>
+      </p:sp>
+      <p:sp>
+        <p:nvSpPr>
+          <p:cNvPr id="2" name="Rectangle: Rounded Corners 1">
+            <a:extLst>
+              <a:ext uri="{FF2B5EF4-FFF2-40B4-BE49-F238E27FC236}">
+                <a16:creationId xmlns:a16="http://schemas.microsoft.com/office/drawing/2014/main" id="{2C73F17B-313F-E683-C594-A416F7407AB3}"/>
+              </a:ext>
+            </a:extLst>
+          </p:cNvPr>
+          <p:cNvSpPr/>
+          <p:nvPr/>
+        </p:nvSpPr>
+        <p:spPr>
+          <a:xfrm>
+            <a:off x="548640" y="4602480"/>
+            <a:ext cx="10007600" cy="1791057"/>
+          </a:xfrm>
+          <a:prstGeom prst="roundRect">
+            <a:avLst/>
+          </a:prstGeom>
+          <a:noFill/>
+          <a:ln w="9525" cap="flat" cmpd="sng" algn="ctr">
+            <a:solidFill>
+              <a:schemeClr val="dk1"/>
+            </a:solidFill>
+            <a:prstDash val="solid"/>
+            <a:round/>
+            <a:headEnd type="none" w="med" len="med"/>
+            <a:tailEnd type="none" w="med" len="med"/>
+          </a:ln>
+        </p:spPr>
+        <p:style>
+          <a:lnRef idx="0">
+            <a:scrgbClr r="0" g="0" b="0"/>
+          </a:lnRef>
+          <a:fillRef idx="0">
+            <a:scrgbClr r="0" g="0" b="0"/>
+          </a:fillRef>
+          <a:effectRef idx="0">
+            <a:scrgbClr r="0" g="0" b="0"/>
+          </a:effectRef>
+          <a:fontRef idx="minor">
+            <a:schemeClr val="dk1"/>
+          </a:fontRef>
+        </p:style>
+        <p:txBody>
+          <a:bodyPr rtlCol="0" anchor="ctr"/>
+          <a:lstStyle/>
+          <a:p>
+            <a:pPr algn="ctr"/>
+            <a:endParaRPr lang="tr-TR"/>
           </a:p>
         </p:txBody>
       </p:sp>
@@ -22747,7 +23772,13 @@
     </p:bg>
     <p:spTree>
       <p:nvGrpSpPr>
-        <p:cNvPr id="1" name="Shape 191"/>
+        <p:cNvPr id="1" name="Shape 191">
+          <a:extLst>
+            <a:ext uri="{FF2B5EF4-FFF2-40B4-BE49-F238E27FC236}">
+              <a16:creationId xmlns:a16="http://schemas.microsoft.com/office/drawing/2014/main" id="{26A494BC-757C-503C-E601-7F2357379746}"/>
+            </a:ext>
+          </a:extLst>
+        </p:cNvPr>
         <p:cNvGrpSpPr/>
         <p:nvPr/>
       </p:nvGrpSpPr>
@@ -22764,7 +23795,7 @@
           <p:cNvPr id="3" name="TextBox 2">
             <a:extLst>
               <a:ext uri="{FF2B5EF4-FFF2-40B4-BE49-F238E27FC236}">
-                <a16:creationId xmlns:a16="http://schemas.microsoft.com/office/drawing/2014/main" id="{00B756D3-8C86-4ABC-A910-4917C7D2F996}"/>
+                <a16:creationId xmlns:a16="http://schemas.microsoft.com/office/drawing/2014/main" id="{34B14B31-CA9A-BC15-3D14-13AFCBBC304E}"/>
               </a:ext>
             </a:extLst>
           </p:cNvPr>
@@ -22773,8 +23804,8 @@
         </p:nvSpPr>
         <p:spPr>
           <a:xfrm>
-            <a:off x="0" y="1274137"/>
-            <a:ext cx="12263120" cy="5447645"/>
+            <a:off x="0" y="867737"/>
+            <a:ext cx="12192000" cy="4770537"/>
           </a:xfrm>
           <a:prstGeom prst="rect">
             <a:avLst/>
@@ -22789,17 +23820,63 @@
           <a:p>
             <a:pPr algn="ctr"/>
             <a:r>
-              <a:rPr lang="en-US" sz="4000" b="1" u="sng" dirty="0">
-                <a:solidFill>
-                  <a:srgbClr val="292D33"/>
-                </a:solidFill>
+              <a:rPr lang="en-US" sz="4000" b="1" dirty="0">
+                <a:ln/>
+                <a:pattFill prst="dkUpDiag">
+                  <a:fgClr>
+                    <a:schemeClr val="bg1">
+                      <a:lumMod val="50000"/>
+                    </a:schemeClr>
+                  </a:fgClr>
+                  <a:bgClr>
+                    <a:schemeClr val="tx1">
+                      <a:lumMod val="75000"/>
+                      <a:lumOff val="25000"/>
+                    </a:schemeClr>
+                  </a:bgClr>
+                </a:pattFill>
+                <a:effectLst>
+                  <a:outerShdw blurRad="38100" dist="19050" dir="2700000" algn="tl" rotWithShape="0">
+                    <a:schemeClr val="dk1">
+                      <a:lumMod val="50000"/>
+                      <a:alpha val="40000"/>
+                    </a:schemeClr>
+                  </a:outerShdw>
+                </a:effectLst>
                 <a:latin typeface="Lexend"/>
                 <a:ea typeface="Lexend"/>
                 <a:cs typeface="Lexend"/>
                 <a:sym typeface="Lexend"/>
               </a:rPr>
-              <a:t>Black Friday Discount </a:t>
-            </a:r>
+              <a:t>BLACK FRIDAY DISCOUNT</a:t>
+            </a:r>
+            <a:endParaRPr lang="tr-TR" sz="4000" b="1" dirty="0">
+              <a:ln/>
+              <a:pattFill prst="dkUpDiag">
+                <a:fgClr>
+                  <a:schemeClr val="bg1">
+                    <a:lumMod val="50000"/>
+                  </a:schemeClr>
+                </a:fgClr>
+                <a:bgClr>
+                  <a:schemeClr val="tx1">
+                    <a:lumMod val="75000"/>
+                    <a:lumOff val="25000"/>
+                  </a:schemeClr>
+                </a:bgClr>
+              </a:pattFill>
+              <a:effectLst>
+                <a:outerShdw blurRad="38100" dist="19050" dir="2700000" algn="tl" rotWithShape="0">
+                  <a:schemeClr val="dk1">
+                    <a:lumMod val="50000"/>
+                    <a:alpha val="40000"/>
+                  </a:schemeClr>
+                </a:outerShdw>
+              </a:effectLst>
+            </a:endParaRPr>
+          </a:p>
+          <a:p>
+            <a:pPr algn="ctr"/>
             <a:br>
               <a:rPr lang="en-US" sz="4000" b="1" dirty="0">
                 <a:solidFill>
@@ -22812,7 +23889,7 @@
               </a:rPr>
             </a:br>
             <a:r>
-              <a:rPr lang="en-US" sz="4000" dirty="0">
+              <a:rPr lang="en-US" sz="3200" b="1" dirty="0">
                 <a:solidFill>
                   <a:srgbClr val="292D33"/>
                 </a:solidFill>
@@ -22821,13 +23898,13 @@
                 <a:cs typeface="Lexend"/>
                 <a:sym typeface="Lexend"/>
               </a:rPr>
-              <a:t>valid until </a:t>
+              <a:t>When?</a:t>
             </a:r>
           </a:p>
           <a:p>
             <a:pPr algn="ctr"/>
             <a:r>
-              <a:rPr lang="en-US" sz="4000" b="1" dirty="0">
+              <a:rPr lang="en-US" sz="3200" dirty="0">
                 <a:solidFill>
                   <a:srgbClr val="292D33"/>
                 </a:solidFill>
@@ -22836,10 +23913,10 @@
                 <a:cs typeface="Lexend"/>
                 <a:sym typeface="Lexend"/>
               </a:rPr>
-              <a:t>1</a:t>
-            </a:r>
-            <a:r>
-              <a:rPr lang="en-US" sz="4000" b="1" baseline="30000" dirty="0">
+              <a:t>Starts: 2025-11-24 Ends: 2025-12-01</a:t>
+            </a:r>
+            <a:br>
+              <a:rPr lang="en-US" sz="3200" dirty="0">
                 <a:solidFill>
                   <a:srgbClr val="292D33"/>
                 </a:solidFill>
@@ -22848,10 +23925,21 @@
                 <a:cs typeface="Lexend"/>
                 <a:sym typeface="Lexend"/>
               </a:rPr>
-              <a:t>st</a:t>
-            </a:r>
-            <a:r>
-              <a:rPr lang="en-US" sz="4000" b="1" dirty="0">
+            </a:br>
+            <a:endParaRPr lang="en-US" sz="3200" dirty="0">
+              <a:solidFill>
+                <a:srgbClr val="292D33"/>
+              </a:solidFill>
+              <a:latin typeface="Lexend"/>
+              <a:ea typeface="Lexend"/>
+              <a:cs typeface="Lexend"/>
+              <a:sym typeface="Lexend"/>
+            </a:endParaRPr>
+          </a:p>
+          <a:p>
+            <a:pPr algn="ctr"/>
+            <a:r>
+              <a:rPr lang="en-US" sz="3200" b="1" dirty="0">
                 <a:solidFill>
                   <a:srgbClr val="292D33"/>
                 </a:solidFill>
@@ -22860,78 +23948,221 @@
                 <a:cs typeface="Lexend"/>
                 <a:sym typeface="Lexend"/>
               </a:rPr>
-              <a:t> December 2025</a:t>
-            </a:r>
+              <a:t>What’s Included?</a:t>
+            </a:r>
+            <a:endParaRPr lang="en-US" sz="3200" dirty="0">
+              <a:solidFill>
+                <a:srgbClr val="292D33"/>
+              </a:solidFill>
+              <a:latin typeface="Lexend"/>
+              <a:ea typeface="Lexend"/>
+              <a:cs typeface="Lexend"/>
+              <a:sym typeface="Lexend"/>
+            </a:endParaRPr>
           </a:p>
           <a:p>
             <a:pPr algn="ctr"/>
             <a:r>
-              <a:rPr lang="en-US" sz="4000" dirty="0">
+              <a:rPr lang="en-US" sz="3200" dirty="0">
                 <a:solidFill>
                   <a:srgbClr val="292D33"/>
                 </a:solidFill>
+                <a:latin typeface="Lexend"/>
+                <a:sym typeface="Lexend"/>
+              </a:rPr>
+              <a:t>New license purchase </a:t>
+            </a:r>
+            <a:br>
+              <a:rPr lang="en-US" sz="3200" dirty="0">
+                <a:solidFill>
+                  <a:srgbClr val="292D33"/>
+                </a:solidFill>
+                <a:latin typeface="Lexend"/>
+                <a:sym typeface="Lexend"/>
+              </a:rPr>
+            </a:br>
+            <a:r>
+              <a:rPr lang="en-US" sz="3200" dirty="0">
+                <a:solidFill>
+                  <a:srgbClr val="292D33"/>
+                </a:solidFill>
+                <a:latin typeface="Lexend"/>
+                <a:sym typeface="Lexend"/>
+              </a:rPr>
+              <a:t>Existing license renewals </a:t>
+            </a:r>
+            <a:br>
+              <a:rPr lang="en-US" sz="3200" dirty="0">
+                <a:solidFill>
+                  <a:srgbClr val="292D33"/>
+                </a:solidFill>
+                <a:latin typeface="Lexend"/>
+                <a:sym typeface="Lexend"/>
+              </a:rPr>
+            </a:br>
+            <a:r>
+              <a:rPr lang="en-US" sz="3200" dirty="0">
+                <a:solidFill>
+                  <a:srgbClr val="292D33"/>
+                </a:solidFill>
+                <a:latin typeface="Lexend"/>
+                <a:sym typeface="Lexend"/>
+              </a:rPr>
+              <a:t>Extra developer seats</a:t>
+            </a:r>
+            <a:endParaRPr lang="en-US" sz="3200" dirty="0"/>
+          </a:p>
+        </p:txBody>
+      </p:sp>
+      <p:cxnSp>
+        <p:nvCxnSpPr>
+          <p:cNvPr id="4" name="Straight Connector 3">
+            <a:extLst>
+              <a:ext uri="{FF2B5EF4-FFF2-40B4-BE49-F238E27FC236}">
+                <a16:creationId xmlns:a16="http://schemas.microsoft.com/office/drawing/2014/main" id="{2E38C070-9ADD-CF04-592D-692907A97149}"/>
+              </a:ext>
+            </a:extLst>
+          </p:cNvPr>
+          <p:cNvCxnSpPr/>
+          <p:nvPr/>
+        </p:nvCxnSpPr>
+        <p:spPr>
+          <a:xfrm>
+            <a:off x="426720" y="3327400"/>
+            <a:ext cx="11338560" cy="0"/>
+          </a:xfrm>
+          <a:prstGeom prst="line">
+            <a:avLst/>
+          </a:prstGeom>
+        </p:spPr>
+        <p:style>
+          <a:lnRef idx="1">
+            <a:schemeClr val="dk1"/>
+          </a:lnRef>
+          <a:fillRef idx="0">
+            <a:schemeClr val="dk1"/>
+          </a:fillRef>
+          <a:effectRef idx="0">
+            <a:schemeClr val="dk1"/>
+          </a:effectRef>
+          <a:fontRef idx="minor">
+            <a:schemeClr val="tx1"/>
+          </a:fontRef>
+        </p:style>
+      </p:cxnSp>
+    </p:spTree>
+    <p:extLst>
+      <p:ext uri="{BB962C8B-B14F-4D97-AF65-F5344CB8AC3E}">
+        <p14:creationId xmlns:p14="http://schemas.microsoft.com/office/powerpoint/2010/main" val="3759482579"/>
+      </p:ext>
+    </p:extLst>
+  </p:cSld>
+  <p:clrMapOvr>
+    <a:masterClrMapping/>
+  </p:clrMapOvr>
+</p:sld>
+</file>
+
+<file path=ppt/slides/slide22.xml><?xml version="1.0" encoding="utf-8"?>
+<p:sld xmlns:a="http://schemas.openxmlformats.org/drawingml/2006/main" xmlns:r="http://schemas.openxmlformats.org/officeDocument/2006/relationships" xmlns:p="http://schemas.openxmlformats.org/presentationml/2006/main">
+  <p:cSld>
+    <p:bg>
+      <p:bgPr>
+        <a:blipFill>
+          <a:blip r:embed="rId3">
+            <a:alphaModFix/>
+          </a:blip>
+          <a:stretch>
+            <a:fillRect/>
+          </a:stretch>
+        </a:blipFill>
+        <a:effectLst/>
+      </p:bgPr>
+    </p:bg>
+    <p:spTree>
+      <p:nvGrpSpPr>
+        <p:cNvPr id="1" name="Shape 191">
+          <a:extLst>
+            <a:ext uri="{FF2B5EF4-FFF2-40B4-BE49-F238E27FC236}">
+              <a16:creationId xmlns:a16="http://schemas.microsoft.com/office/drawing/2014/main" id="{FA00270C-27EC-81C9-CBC8-99AD487C3873}"/>
+            </a:ext>
+          </a:extLst>
+        </p:cNvPr>
+        <p:cNvGrpSpPr/>
+        <p:nvPr/>
+      </p:nvGrpSpPr>
+      <p:grpSpPr>
+        <a:xfrm>
+          <a:off x="0" y="0"/>
+          <a:ext cx="0" cy="0"/>
+          <a:chOff x="0" y="0"/>
+          <a:chExt cx="0" cy="0"/>
+        </a:xfrm>
+      </p:grpSpPr>
+      <p:sp>
+        <p:nvSpPr>
+          <p:cNvPr id="3" name="TextBox 2">
+            <a:extLst>
+              <a:ext uri="{FF2B5EF4-FFF2-40B4-BE49-F238E27FC236}">
+                <a16:creationId xmlns:a16="http://schemas.microsoft.com/office/drawing/2014/main" id="{2F349CC6-E0FF-E902-E054-5DC2A1FDECB1}"/>
+              </a:ext>
+            </a:extLst>
+          </p:cNvPr>
+          <p:cNvSpPr txBox="1"/>
+          <p:nvPr/>
+        </p:nvSpPr>
+        <p:spPr>
+          <a:xfrm>
+            <a:off x="172720" y="227657"/>
+            <a:ext cx="11938000" cy="5755422"/>
+          </a:xfrm>
+          <a:prstGeom prst="rect">
+            <a:avLst/>
+          </a:prstGeom>
+          <a:noFill/>
+        </p:spPr>
+        <p:txBody>
+          <a:bodyPr wrap="square">
+            <a:spAutoFit/>
+          </a:bodyPr>
+          <a:lstStyle/>
+          <a:p>
+            <a:pPr algn="ctr"/>
+            <a:r>
+              <a:rPr lang="en-US" sz="4000" b="1" dirty="0">
+                <a:ln/>
+                <a:pattFill prst="dkUpDiag">
+                  <a:fgClr>
+                    <a:schemeClr val="bg1">
+                      <a:lumMod val="50000"/>
+                    </a:schemeClr>
+                  </a:fgClr>
+                  <a:bgClr>
+                    <a:schemeClr val="tx1">
+                      <a:lumMod val="75000"/>
+                      <a:lumOff val="25000"/>
+                    </a:schemeClr>
+                  </a:bgClr>
+                </a:pattFill>
+                <a:effectLst>
+                  <a:outerShdw blurRad="38100" dist="19050" dir="2700000" algn="tl" rotWithShape="0">
+                    <a:schemeClr val="dk1">
+                      <a:lumMod val="50000"/>
+                      <a:alpha val="40000"/>
+                    </a:schemeClr>
+                  </a:outerShdw>
+                </a:effectLst>
                 <a:latin typeface="Lexend"/>
                 <a:ea typeface="Lexend"/>
                 <a:cs typeface="Lexend"/>
                 <a:sym typeface="Lexend"/>
               </a:rPr>
-              <a:t>including</a:t>
+              <a:t>ABP REFERRAL PROGRAM</a:t>
             </a:r>
           </a:p>
           <a:p>
             <a:pPr algn="ctr"/>
-            <a:r>
-              <a:rPr lang="en-US" sz="3600" b="1" dirty="0">
-                <a:solidFill>
-                  <a:srgbClr val="292D33"/>
-                </a:solidFill>
-                <a:latin typeface="Lexend"/>
-                <a:sym typeface="Lexend"/>
-              </a:rPr>
-              <a:t>+ New license purchase </a:t>
-            </a:r>
             <a:br>
-              <a:rPr lang="en-US" sz="3600" b="1" dirty="0">
-                <a:solidFill>
-                  <a:srgbClr val="292D33"/>
-                </a:solidFill>
-                <a:latin typeface="Lexend"/>
-                <a:sym typeface="Lexend"/>
-              </a:rPr>
-            </a:br>
-            <a:r>
-              <a:rPr lang="en-US" sz="3600" b="1" dirty="0">
-                <a:solidFill>
-                  <a:srgbClr val="292D33"/>
-                </a:solidFill>
-                <a:latin typeface="Lexend"/>
-                <a:sym typeface="Lexend"/>
-              </a:rPr>
-              <a:t>+ License renewals </a:t>
-            </a:r>
-            <a:br>
-              <a:rPr lang="en-US" sz="3600" b="1" dirty="0">
-                <a:solidFill>
-                  <a:srgbClr val="292D33"/>
-                </a:solidFill>
-                <a:latin typeface="Lexend"/>
-                <a:sym typeface="Lexend"/>
-              </a:rPr>
-            </a:br>
-            <a:r>
-              <a:rPr lang="en-US" sz="3600" b="1" dirty="0">
-                <a:solidFill>
-                  <a:srgbClr val="292D33"/>
-                </a:solidFill>
-                <a:latin typeface="Lexend"/>
-                <a:sym typeface="Lexend"/>
-              </a:rPr>
-              <a:t>+ Extra developer seats</a:t>
-            </a:r>
-          </a:p>
-          <a:p>
-            <a:pPr algn="ctr"/>
-            <a:r>
               <a:rPr lang="en-US" sz="4000" b="1" dirty="0">
                 <a:solidFill>
                   <a:srgbClr val="292D33"/>
@@ -22941,16 +24172,264 @@
                 <a:cs typeface="Lexend"/>
                 <a:sym typeface="Lexend"/>
               </a:rPr>
-              <a:t> </a:t>
+            </a:br>
+            <a:r>
+              <a:rPr lang="en-US" sz="3200" b="1" dirty="0">
+                <a:solidFill>
+                  <a:srgbClr val="292D33"/>
+                </a:solidFill>
+                <a:latin typeface="Lexend"/>
+                <a:ea typeface="Lexend"/>
+                <a:cs typeface="Lexend"/>
+                <a:sym typeface="Lexend"/>
+              </a:rPr>
+              <a:t>Who can apply? </a:t>
             </a:r>
           </a:p>
           <a:p>
             <a:pPr algn="ctr"/>
-            <a:endParaRPr lang="en-US" sz="4000" dirty="0"/>
+            <a:r>
+              <a:rPr lang="en-US" sz="3200" dirty="0">
+                <a:solidFill>
+                  <a:srgbClr val="292D33"/>
+                </a:solidFill>
+                <a:latin typeface="Lexend"/>
+                <a:ea typeface="Lexend"/>
+                <a:cs typeface="Lexend"/>
+                <a:sym typeface="Lexend"/>
+              </a:rPr>
+              <a:t>ABP customers with past or active license holders</a:t>
+            </a:r>
+            <a:br>
+              <a:rPr lang="en-US" sz="3200" dirty="0">
+                <a:solidFill>
+                  <a:srgbClr val="292D33"/>
+                </a:solidFill>
+                <a:latin typeface="Lexend"/>
+                <a:ea typeface="Lexend"/>
+                <a:cs typeface="Lexend"/>
+                <a:sym typeface="Lexend"/>
+              </a:rPr>
+            </a:br>
+            <a:endParaRPr lang="en-US" sz="3200" dirty="0">
+              <a:solidFill>
+                <a:srgbClr val="292D33"/>
+              </a:solidFill>
+              <a:latin typeface="Lexend"/>
+              <a:ea typeface="Lexend"/>
+              <a:cs typeface="Lexend"/>
+              <a:sym typeface="Lexend"/>
+            </a:endParaRPr>
+          </a:p>
+          <a:p>
+            <a:pPr algn="ctr"/>
+            <a:r>
+              <a:rPr lang="en-US" sz="3200" b="1" dirty="0">
+                <a:solidFill>
+                  <a:srgbClr val="292D33"/>
+                </a:solidFill>
+                <a:latin typeface="Lexend"/>
+                <a:ea typeface="Lexend"/>
+                <a:cs typeface="Lexend"/>
+                <a:sym typeface="Lexend"/>
+              </a:rPr>
+              <a:t>Reward</a:t>
+            </a:r>
+            <a:endParaRPr lang="en-US" sz="3200" dirty="0">
+              <a:solidFill>
+                <a:srgbClr val="292D33"/>
+              </a:solidFill>
+              <a:latin typeface="Lexend"/>
+              <a:ea typeface="Lexend"/>
+              <a:cs typeface="Lexend"/>
+              <a:sym typeface="Lexend"/>
+            </a:endParaRPr>
+          </a:p>
+          <a:p>
+            <a:pPr algn="ctr"/>
+            <a:r>
+              <a:rPr lang="en-US" sz="3200" dirty="0">
+                <a:solidFill>
+                  <a:srgbClr val="292D33"/>
+                </a:solidFill>
+                <a:latin typeface="Lexend"/>
+                <a:ea typeface="Lexend"/>
+                <a:cs typeface="Lexend"/>
+                <a:sym typeface="Lexend"/>
+              </a:rPr>
+              <a:t>5% commission from total amount of purchase</a:t>
+            </a:r>
+            <a:br>
+              <a:rPr lang="en-US" sz="3200" dirty="0">
+                <a:solidFill>
+                  <a:srgbClr val="292D33"/>
+                </a:solidFill>
+                <a:latin typeface="Lexend"/>
+                <a:ea typeface="Lexend"/>
+                <a:cs typeface="Lexend"/>
+                <a:sym typeface="Lexend"/>
+              </a:rPr>
+            </a:br>
+            <a:endParaRPr lang="en-US" sz="3200" dirty="0">
+              <a:solidFill>
+                <a:srgbClr val="292D33"/>
+              </a:solidFill>
+              <a:latin typeface="Lexend"/>
+              <a:ea typeface="Lexend"/>
+              <a:cs typeface="Lexend"/>
+              <a:sym typeface="Lexend"/>
+            </a:endParaRPr>
+          </a:p>
+          <a:p>
+            <a:pPr algn="ctr"/>
+            <a:r>
+              <a:rPr lang="en-US" sz="3200" b="1" dirty="0">
+                <a:solidFill>
+                  <a:srgbClr val="292D33"/>
+                </a:solidFill>
+                <a:latin typeface="Lexend"/>
+                <a:ea typeface="Lexend"/>
+                <a:cs typeface="Lexend"/>
+                <a:sym typeface="Lexend"/>
+              </a:rPr>
+              <a:t>Limitations (2)</a:t>
+            </a:r>
+          </a:p>
+          <a:p>
+            <a:pPr algn="ctr"/>
+            <a:r>
+              <a:rPr lang="en-US" sz="3200" b="1" dirty="0">
+                <a:solidFill>
+                  <a:srgbClr val="292D33"/>
+                </a:solidFill>
+                <a:latin typeface="Lexend"/>
+                <a:ea typeface="Lexend"/>
+                <a:cs typeface="Lexend"/>
+                <a:sym typeface="Lexend"/>
+              </a:rPr>
+              <a:t>1.</a:t>
+            </a:r>
+            <a:r>
+              <a:rPr lang="en-US" sz="3200" dirty="0">
+                <a:solidFill>
+                  <a:srgbClr val="292D33"/>
+                </a:solidFill>
+                <a:latin typeface="Lexend"/>
+                <a:ea typeface="Lexend"/>
+                <a:cs typeface="Lexend"/>
+                <a:sym typeface="Lexend"/>
+              </a:rPr>
+              <a:t> Cannot refer your own company</a:t>
+            </a:r>
+          </a:p>
+          <a:p>
+            <a:pPr algn="ctr"/>
+            <a:r>
+              <a:rPr lang="en-US" sz="3200" b="1" dirty="0">
+                <a:solidFill>
+                  <a:srgbClr val="292D33"/>
+                </a:solidFill>
+                <a:latin typeface="Lexend"/>
+                <a:ea typeface="Lexend"/>
+                <a:cs typeface="Lexend"/>
+                <a:sym typeface="Lexend"/>
+              </a:rPr>
+              <a:t>2. </a:t>
+            </a:r>
+            <a:r>
+              <a:rPr lang="en-US" sz="3200" dirty="0">
+                <a:solidFill>
+                  <a:srgbClr val="292D33"/>
+                </a:solidFill>
+                <a:latin typeface="Lexend"/>
+                <a:ea typeface="Lexend"/>
+                <a:cs typeface="Lexend"/>
+                <a:sym typeface="Lexend"/>
+              </a:rPr>
+              <a:t>Applies only to new purchases (not renewals)</a:t>
+            </a:r>
+            <a:endParaRPr lang="en-US" sz="3200" dirty="0"/>
           </a:p>
         </p:txBody>
       </p:sp>
+      <p:cxnSp>
+        <p:nvCxnSpPr>
+          <p:cNvPr id="4" name="Straight Connector 3">
+            <a:extLst>
+              <a:ext uri="{FF2B5EF4-FFF2-40B4-BE49-F238E27FC236}">
+                <a16:creationId xmlns:a16="http://schemas.microsoft.com/office/drawing/2014/main" id="{5248C4F6-0B0D-957F-1E4B-A9104ACD4CBC}"/>
+              </a:ext>
+            </a:extLst>
+          </p:cNvPr>
+          <p:cNvCxnSpPr/>
+          <p:nvPr/>
+        </p:nvCxnSpPr>
+        <p:spPr>
+          <a:xfrm>
+            <a:off x="406400" y="2763520"/>
+            <a:ext cx="11338560" cy="0"/>
+          </a:xfrm>
+          <a:prstGeom prst="line">
+            <a:avLst/>
+          </a:prstGeom>
+        </p:spPr>
+        <p:style>
+          <a:lnRef idx="1">
+            <a:schemeClr val="dk1"/>
+          </a:lnRef>
+          <a:fillRef idx="0">
+            <a:schemeClr val="dk1"/>
+          </a:fillRef>
+          <a:effectRef idx="0">
+            <a:schemeClr val="dk1"/>
+          </a:effectRef>
+          <a:fontRef idx="minor">
+            <a:schemeClr val="tx1"/>
+          </a:fontRef>
+        </p:style>
+      </p:cxnSp>
+      <p:cxnSp>
+        <p:nvCxnSpPr>
+          <p:cNvPr id="5" name="Straight Connector 4">
+            <a:extLst>
+              <a:ext uri="{FF2B5EF4-FFF2-40B4-BE49-F238E27FC236}">
+                <a16:creationId xmlns:a16="http://schemas.microsoft.com/office/drawing/2014/main" id="{783CCD6C-392A-F6BC-C8E8-0592E0366184}"/>
+              </a:ext>
+            </a:extLst>
+          </p:cNvPr>
+          <p:cNvCxnSpPr/>
+          <p:nvPr/>
+        </p:nvCxnSpPr>
+        <p:spPr>
+          <a:xfrm>
+            <a:off x="426720" y="4277360"/>
+            <a:ext cx="11338560" cy="0"/>
+          </a:xfrm>
+          <a:prstGeom prst="line">
+            <a:avLst/>
+          </a:prstGeom>
+        </p:spPr>
+        <p:style>
+          <a:lnRef idx="1">
+            <a:schemeClr val="dk1"/>
+          </a:lnRef>
+          <a:fillRef idx="0">
+            <a:schemeClr val="dk1"/>
+          </a:fillRef>
+          <a:effectRef idx="0">
+            <a:schemeClr val="dk1"/>
+          </a:effectRef>
+          <a:fontRef idx="minor">
+            <a:schemeClr val="tx1"/>
+          </a:fontRef>
+        </p:style>
+      </p:cxnSp>
     </p:spTree>
+    <p:extLst>
+      <p:ext uri="{BB962C8B-B14F-4D97-AF65-F5344CB8AC3E}">
+        <p14:creationId xmlns:p14="http://schemas.microsoft.com/office/powerpoint/2010/main" val="3923955890"/>
+      </p:ext>
+    </p:extLst>
   </p:cSld>
   <p:clrMapOvr>
     <a:masterClrMapping/>
@@ -22959,7 +24438,7 @@
 </file>
 
 <file path=ppt/slides/slide3.xml><?xml version="1.0" encoding="utf-8"?>
-<p:sld xmlns:a="http://schemas.openxmlformats.org/drawingml/2006/main" xmlns:r="http://schemas.openxmlformats.org/officeDocument/2006/relationships" xmlns:p="http://schemas.openxmlformats.org/presentationml/2006/main">
+<p:sld xmlns:a="http://schemas.openxmlformats.org/drawingml/2006/main" xmlns:r="http://schemas.openxmlformats.org/officeDocument/2006/relationships" xmlns:p="http://schemas.openxmlformats.org/presentationml/2006/main" show="0">
   <p:cSld>
     <p:bg>
       <p:bgPr>
@@ -22998,7 +24477,7 @@
         <p:spPr>
           <a:xfrm>
             <a:off x="451488" y="464463"/>
-            <a:ext cx="10720064" cy="1661953"/>
+            <a:ext cx="10720064" cy="1138733"/>
           </a:xfrm>
           <a:prstGeom prst="rect">
             <a:avLst/>
@@ -23070,7 +24549,7 @@
                 <a:cs typeface="Lexend"/>
                 <a:sym typeface="Lexend"/>
               </a:rPr>
-              <a:t>Cryptography: Post-Quantum Cryptography (PQC)</a:t>
+              <a:t>Post-Quantum Cryptography</a:t>
             </a:r>
           </a:p>
         </p:txBody>
@@ -23091,7 +24570,7 @@
         </p:nvSpPr>
         <p:spPr bwMode="auto">
           <a:xfrm>
-            <a:off x="451488" y="2798980"/>
+            <a:off x="451488" y="2347014"/>
             <a:ext cx="10720064" cy="1569660"/>
           </a:xfrm>
           <a:prstGeom prst="rect">
@@ -23281,7 +24760,26 @@
                 <a:latin typeface="Poppins" panose="00000500000000000000" pitchFamily="2" charset="-94"/>
                 <a:cs typeface="Poppins" panose="00000500000000000000" pitchFamily="2" charset="-94"/>
               </a:rPr>
-              <a:t> types and are available when the OS supports PQC (OpenSSL 3.5+ or Windows CNG).</a:t>
+              <a:t> types.</a:t>
+            </a:r>
+            <a:br>
+              <a:rPr lang="en-US" altLang="en-US" sz="1600" dirty="0">
+                <a:solidFill>
+                  <a:schemeClr val="tx1"/>
+                </a:solidFill>
+                <a:latin typeface="Poppins" panose="00000500000000000000" pitchFamily="2" charset="-94"/>
+                <a:cs typeface="Poppins" panose="00000500000000000000" pitchFamily="2" charset="-94"/>
+              </a:rPr>
+            </a:br>
+            <a:r>
+              <a:rPr lang="en-US" altLang="en-US" sz="1600" dirty="0">
+                <a:solidFill>
+                  <a:schemeClr val="tx1"/>
+                </a:solidFill>
+                <a:latin typeface="Poppins" panose="00000500000000000000" pitchFamily="2" charset="-94"/>
+                <a:cs typeface="Poppins" panose="00000500000000000000" pitchFamily="2" charset="-94"/>
+              </a:rPr>
+              <a:t>These are available when the OS supports PQC (OpenSSL 3.5+ or Windows CNG).</a:t>
             </a:r>
           </a:p>
           <a:p>
@@ -23329,7 +24827,7 @@
         </p:nvSpPr>
         <p:spPr>
           <a:xfrm>
-            <a:off x="451488" y="4800526"/>
+            <a:off x="638816" y="4800527"/>
             <a:ext cx="10720064" cy="1323439"/>
           </a:xfrm>
           <a:prstGeom prst="rect">
@@ -23478,6 +24976,60 @@
               </a:rPr>
               <a:t>Keeps .NET aligned with emerging FIPS standards.</a:t>
             </a:r>
+          </a:p>
+        </p:txBody>
+      </p:sp>
+      <p:sp>
+        <p:nvSpPr>
+          <p:cNvPr id="3" name="Rectangle: Rounded Corners 2">
+            <a:extLst>
+              <a:ext uri="{FF2B5EF4-FFF2-40B4-BE49-F238E27FC236}">
+                <a16:creationId xmlns:a16="http://schemas.microsoft.com/office/drawing/2014/main" id="{A89A345E-25FC-041B-3A57-DE8B6082E4D0}"/>
+              </a:ext>
+            </a:extLst>
+          </p:cNvPr>
+          <p:cNvSpPr/>
+          <p:nvPr/>
+        </p:nvSpPr>
+        <p:spPr>
+          <a:xfrm>
+            <a:off x="451488" y="4602480"/>
+            <a:ext cx="10007600" cy="1791057"/>
+          </a:xfrm>
+          <a:prstGeom prst="roundRect">
+            <a:avLst/>
+          </a:prstGeom>
+          <a:noFill/>
+          <a:ln w="9525" cap="flat" cmpd="sng" algn="ctr">
+            <a:solidFill>
+              <a:schemeClr val="dk1"/>
+            </a:solidFill>
+            <a:prstDash val="solid"/>
+            <a:round/>
+            <a:headEnd type="none" w="med" len="med"/>
+            <a:tailEnd type="none" w="med" len="med"/>
+          </a:ln>
+        </p:spPr>
+        <p:style>
+          <a:lnRef idx="0">
+            <a:scrgbClr r="0" g="0" b="0"/>
+          </a:lnRef>
+          <a:fillRef idx="0">
+            <a:scrgbClr r="0" g="0" b="0"/>
+          </a:fillRef>
+          <a:effectRef idx="0">
+            <a:scrgbClr r="0" g="0" b="0"/>
+          </a:effectRef>
+          <a:fontRef idx="minor">
+            <a:schemeClr val="dk1"/>
+          </a:fontRef>
+        </p:style>
+        <p:txBody>
+          <a:bodyPr rtlCol="0" anchor="ctr"/>
+          <a:lstStyle/>
+          <a:p>
+            <a:pPr algn="ctr"/>
+            <a:endParaRPr lang="tr-TR"/>
           </a:p>
         </p:txBody>
       </p:sp>
@@ -23625,7 +25177,7 @@
         </p:nvSpPr>
         <p:spPr>
           <a:xfrm>
-            <a:off x="451488" y="4770046"/>
+            <a:off x="687392" y="4836288"/>
             <a:ext cx="10720064" cy="1323439"/>
           </a:xfrm>
           <a:prstGeom prst="rect">
@@ -23851,8 +25403,8 @@
         </p:nvSpPr>
         <p:spPr>
           <a:xfrm>
-            <a:off x="451488" y="2844225"/>
-            <a:ext cx="11191872" cy="584775"/>
+            <a:off x="500064" y="2320740"/>
+            <a:ext cx="11191872" cy="338554"/>
           </a:xfrm>
           <a:prstGeom prst="rect">
             <a:avLst/>
@@ -23866,13 +25418,6 @@
           <a:lstStyle/>
           <a:p>
             <a:r>
-              <a:rPr lang="en-US" sz="1600" b="1" dirty="0">
-                <a:latin typeface="Poppins" panose="00000500000000000000" pitchFamily="2" charset="-94"/>
-                <a:cs typeface="Poppins" panose="00000500000000000000" pitchFamily="2" charset="-94"/>
-              </a:rPr>
-              <a:t>A long-requested feature: </a:t>
-            </a:r>
-            <a:r>
               <a:rPr lang="en-US" sz="1600" dirty="0">
                 <a:latin typeface="Poppins" panose="00000500000000000000" pitchFamily="2" charset="-94"/>
                 <a:cs typeface="Poppins" panose="00000500000000000000" pitchFamily="2" charset="-94"/>
@@ -23880,17 +25425,92 @@
               <a:t>.NET 10 introduces numeric-aware string comparison.</a:t>
             </a:r>
           </a:p>
+        </p:txBody>
+      </p:sp>
+      <p:sp>
+        <p:nvSpPr>
+          <p:cNvPr id="2" name="Rectangle: Rounded Corners 1">
+            <a:extLst>
+              <a:ext uri="{FF2B5EF4-FFF2-40B4-BE49-F238E27FC236}">
+                <a16:creationId xmlns:a16="http://schemas.microsoft.com/office/drawing/2014/main" id="{1FED13F7-DB0F-0162-6A5E-CCAF2F891EDD}"/>
+              </a:ext>
+            </a:extLst>
+          </p:cNvPr>
+          <p:cNvSpPr/>
+          <p:nvPr/>
+        </p:nvSpPr>
+        <p:spPr>
+          <a:xfrm>
+            <a:off x="451488" y="4602480"/>
+            <a:ext cx="10007600" cy="1791057"/>
+          </a:xfrm>
+          <a:prstGeom prst="roundRect">
+            <a:avLst/>
+          </a:prstGeom>
+          <a:noFill/>
+          <a:ln w="9525" cap="flat" cmpd="sng" algn="ctr">
+            <a:solidFill>
+              <a:schemeClr val="dk1"/>
+            </a:solidFill>
+            <a:prstDash val="solid"/>
+            <a:round/>
+            <a:headEnd type="none" w="med" len="med"/>
+            <a:tailEnd type="none" w="med" len="med"/>
+          </a:ln>
+        </p:spPr>
+        <p:style>
+          <a:lnRef idx="0">
+            <a:scrgbClr r="0" g="0" b="0"/>
+          </a:lnRef>
+          <a:fillRef idx="0">
+            <a:scrgbClr r="0" g="0" b="0"/>
+          </a:fillRef>
+          <a:effectRef idx="0">
+            <a:scrgbClr r="0" g="0" b="0"/>
+          </a:effectRef>
+          <a:fontRef idx="minor">
+            <a:schemeClr val="dk1"/>
+          </a:fontRef>
+        </p:style>
+        <p:txBody>
+          <a:bodyPr rtlCol="0" anchor="ctr"/>
+          <a:lstStyle/>
           <a:p>
-            <a:r>
-              <a:rPr lang="en-US" sz="1600" dirty="0">
-                <a:latin typeface="Poppins" panose="00000500000000000000" pitchFamily="2" charset="-94"/>
-                <a:cs typeface="Poppins" panose="00000500000000000000" pitchFamily="2" charset="-94"/>
-              </a:rPr>
-              <a:t>Now, "2" correctly sorts before "10", and "02" equals "2".</a:t>
-            </a:r>
+            <a:pPr algn="ctr"/>
+            <a:endParaRPr lang="tr-TR"/>
           </a:p>
         </p:txBody>
       </p:sp>
+      <p:pic>
+        <p:nvPicPr>
+          <p:cNvPr id="11" name="Picture 10">
+            <a:extLst>
+              <a:ext uri="{FF2B5EF4-FFF2-40B4-BE49-F238E27FC236}">
+                <a16:creationId xmlns:a16="http://schemas.microsoft.com/office/drawing/2014/main" id="{0A2459F2-D18C-C6EE-86E0-7F557BFA107A}"/>
+              </a:ext>
+            </a:extLst>
+          </p:cNvPr>
+          <p:cNvPicPr>
+            <a:picLocks noChangeAspect="1"/>
+          </p:cNvPicPr>
+          <p:nvPr/>
+        </p:nvPicPr>
+        <p:blipFill>
+          <a:blip r:embed="rId4"/>
+          <a:stretch>
+            <a:fillRect/>
+          </a:stretch>
+        </p:blipFill>
+        <p:spPr>
+          <a:xfrm>
+            <a:off x="568963" y="2943225"/>
+            <a:ext cx="9772650" cy="971550"/>
+          </a:xfrm>
+          <a:prstGeom prst="rect">
+            <a:avLst/>
+          </a:prstGeom>
+        </p:spPr>
+      </p:pic>
     </p:spTree>
     <p:extLst>
       <p:ext uri="{BB962C8B-B14F-4D97-AF65-F5344CB8AC3E}">
@@ -24035,7 +25655,7 @@
         </p:nvSpPr>
         <p:spPr>
           <a:xfrm>
-            <a:off x="548640" y="4692581"/>
+            <a:off x="735968" y="4836288"/>
             <a:ext cx="10720064" cy="1323439"/>
           </a:xfrm>
           <a:prstGeom prst="rect">
@@ -24201,7 +25821,7 @@
         </p:nvSpPr>
         <p:spPr>
           <a:xfrm>
-            <a:off x="548640" y="2724807"/>
+            <a:off x="452752" y="1960752"/>
             <a:ext cx="11003280" cy="830997"/>
           </a:xfrm>
           <a:prstGeom prst="rect">
@@ -24279,6 +25899,90 @@
           </a:p>
         </p:txBody>
       </p:sp>
+      <p:sp>
+        <p:nvSpPr>
+          <p:cNvPr id="2" name="Rectangle: Rounded Corners 1">
+            <a:extLst>
+              <a:ext uri="{FF2B5EF4-FFF2-40B4-BE49-F238E27FC236}">
+                <a16:creationId xmlns:a16="http://schemas.microsoft.com/office/drawing/2014/main" id="{D8A94BAE-2732-9606-6EFB-ADC665AF3B7B}"/>
+              </a:ext>
+            </a:extLst>
+          </p:cNvPr>
+          <p:cNvSpPr/>
+          <p:nvPr/>
+        </p:nvSpPr>
+        <p:spPr>
+          <a:xfrm>
+            <a:off x="548640" y="4602480"/>
+            <a:ext cx="10007600" cy="1791057"/>
+          </a:xfrm>
+          <a:prstGeom prst="roundRect">
+            <a:avLst/>
+          </a:prstGeom>
+          <a:noFill/>
+          <a:ln w="9525" cap="flat" cmpd="sng" algn="ctr">
+            <a:solidFill>
+              <a:schemeClr val="dk1"/>
+            </a:solidFill>
+            <a:prstDash val="solid"/>
+            <a:round/>
+            <a:headEnd type="none" w="med" len="med"/>
+            <a:tailEnd type="none" w="med" len="med"/>
+          </a:ln>
+        </p:spPr>
+        <p:style>
+          <a:lnRef idx="0">
+            <a:scrgbClr r="0" g="0" b="0"/>
+          </a:lnRef>
+          <a:fillRef idx="0">
+            <a:scrgbClr r="0" g="0" b="0"/>
+          </a:fillRef>
+          <a:effectRef idx="0">
+            <a:scrgbClr r="0" g="0" b="0"/>
+          </a:effectRef>
+          <a:fontRef idx="minor">
+            <a:schemeClr val="dk1"/>
+          </a:fontRef>
+        </p:style>
+        <p:txBody>
+          <a:bodyPr rtlCol="0" anchor="ctr"/>
+          <a:lstStyle/>
+          <a:p>
+            <a:pPr algn="ctr"/>
+            <a:endParaRPr lang="tr-TR"/>
+          </a:p>
+        </p:txBody>
+      </p:sp>
+      <p:pic>
+        <p:nvPicPr>
+          <p:cNvPr id="4" name="Picture 3">
+            <a:extLst>
+              <a:ext uri="{FF2B5EF4-FFF2-40B4-BE49-F238E27FC236}">
+                <a16:creationId xmlns:a16="http://schemas.microsoft.com/office/drawing/2014/main" id="{1175A08B-D9E6-058E-EFD7-52733DE5DEF6}"/>
+              </a:ext>
+            </a:extLst>
+          </p:cNvPr>
+          <p:cNvPicPr>
+            <a:picLocks noChangeAspect="1"/>
+          </p:cNvPicPr>
+          <p:nvPr/>
+        </p:nvPicPr>
+        <p:blipFill>
+          <a:blip r:embed="rId4"/>
+          <a:stretch>
+            <a:fillRect/>
+          </a:stretch>
+        </p:blipFill>
+        <p:spPr>
+          <a:xfrm>
+            <a:off x="548640" y="3022744"/>
+            <a:ext cx="6762750" cy="1409700"/>
+          </a:xfrm>
+          <a:prstGeom prst="rect">
+            <a:avLst/>
+          </a:prstGeom>
+        </p:spPr>
+      </p:pic>
     </p:spTree>
     <p:extLst>
       <p:ext uri="{BB962C8B-B14F-4D97-AF65-F5344CB8AC3E}">
@@ -24423,7 +26127,7 @@
         </p:nvSpPr>
         <p:spPr>
           <a:xfrm>
-            <a:off x="451488" y="4688766"/>
+            <a:off x="744864" y="4836288"/>
             <a:ext cx="10720064" cy="1323439"/>
           </a:xfrm>
           <a:prstGeom prst="rect">
@@ -24589,7 +26293,7 @@
         </p:nvSpPr>
         <p:spPr>
           <a:xfrm>
-            <a:off x="451488" y="2771616"/>
+            <a:off x="451488" y="2123276"/>
             <a:ext cx="11013440" cy="584775"/>
           </a:xfrm>
           <a:prstGeom prst="rect">
@@ -24655,6 +26359,90 @@
           </a:p>
         </p:txBody>
       </p:sp>
+      <p:sp>
+        <p:nvSpPr>
+          <p:cNvPr id="2" name="Rectangle: Rounded Corners 1">
+            <a:extLst>
+              <a:ext uri="{FF2B5EF4-FFF2-40B4-BE49-F238E27FC236}">
+                <a16:creationId xmlns:a16="http://schemas.microsoft.com/office/drawing/2014/main" id="{D914435E-2931-338D-3781-6053B54A100B}"/>
+              </a:ext>
+            </a:extLst>
+          </p:cNvPr>
+          <p:cNvSpPr/>
+          <p:nvPr/>
+        </p:nvSpPr>
+        <p:spPr>
+          <a:xfrm>
+            <a:off x="548640" y="4602480"/>
+            <a:ext cx="10007600" cy="1791057"/>
+          </a:xfrm>
+          <a:prstGeom prst="roundRect">
+            <a:avLst/>
+          </a:prstGeom>
+          <a:noFill/>
+          <a:ln w="9525" cap="flat" cmpd="sng" algn="ctr">
+            <a:solidFill>
+              <a:schemeClr val="dk1"/>
+            </a:solidFill>
+            <a:prstDash val="solid"/>
+            <a:round/>
+            <a:headEnd type="none" w="med" len="med"/>
+            <a:tailEnd type="none" w="med" len="med"/>
+          </a:ln>
+        </p:spPr>
+        <p:style>
+          <a:lnRef idx="0">
+            <a:scrgbClr r="0" g="0" b="0"/>
+          </a:lnRef>
+          <a:fillRef idx="0">
+            <a:scrgbClr r="0" g="0" b="0"/>
+          </a:fillRef>
+          <a:effectRef idx="0">
+            <a:scrgbClr r="0" g="0" b="0"/>
+          </a:effectRef>
+          <a:fontRef idx="minor">
+            <a:schemeClr val="dk1"/>
+          </a:fontRef>
+        </p:style>
+        <p:txBody>
+          <a:bodyPr rtlCol="0" anchor="ctr"/>
+          <a:lstStyle/>
+          <a:p>
+            <a:pPr algn="ctr"/>
+            <a:endParaRPr lang="tr-TR"/>
+          </a:p>
+        </p:txBody>
+      </p:sp>
+      <p:pic>
+        <p:nvPicPr>
+          <p:cNvPr id="4" name="Picture 3">
+            <a:extLst>
+              <a:ext uri="{FF2B5EF4-FFF2-40B4-BE49-F238E27FC236}">
+                <a16:creationId xmlns:a16="http://schemas.microsoft.com/office/drawing/2014/main" id="{59D6A7B4-499F-5FD8-C629-82D08FC314A8}"/>
+              </a:ext>
+            </a:extLst>
+          </p:cNvPr>
+          <p:cNvPicPr>
+            <a:picLocks noChangeAspect="1"/>
+          </p:cNvPicPr>
+          <p:nvPr/>
+        </p:nvPicPr>
+        <p:blipFill>
+          <a:blip r:embed="rId4"/>
+          <a:stretch>
+            <a:fillRect/>
+          </a:stretch>
+        </p:blipFill>
+        <p:spPr>
+          <a:xfrm>
+            <a:off x="548640" y="2941861"/>
+            <a:ext cx="5686425" cy="1295400"/>
+          </a:xfrm>
+          <a:prstGeom prst="rect">
+            <a:avLst/>
+          </a:prstGeom>
+        </p:spPr>
+      </p:pic>
     </p:spTree>
     <p:extLst>
       <p:ext uri="{BB962C8B-B14F-4D97-AF65-F5344CB8AC3E}">
@@ -24799,7 +26587,7 @@
         </p:nvSpPr>
         <p:spPr>
           <a:xfrm>
-            <a:off x="451488" y="4800526"/>
+            <a:off x="735968" y="4906692"/>
             <a:ext cx="10720064" cy="1323439"/>
           </a:xfrm>
           <a:prstGeom prst="rect">
@@ -25005,7 +26793,7 @@
         </p:nvSpPr>
         <p:spPr>
           <a:xfrm>
-            <a:off x="451488" y="2728893"/>
+            <a:off x="451488" y="1684024"/>
             <a:ext cx="11649072" cy="584775"/>
           </a:xfrm>
           <a:prstGeom prst="rect">
@@ -25024,7 +26812,21 @@
                 <a:latin typeface="Poppins" panose="00000500000000000000" pitchFamily="2" charset="-94"/>
                 <a:cs typeface="Poppins" panose="00000500000000000000" pitchFamily="2" charset="-94"/>
               </a:rPr>
-              <a:t>ZIP file handling now supports full async I/O — including create, extract, open, and update operations.</a:t>
+              <a:t>ZIP file handling now supports full </a:t>
+            </a:r>
+            <a:r>
+              <a:rPr lang="en-US" sz="1600" i="1" dirty="0">
+                <a:latin typeface="Consolas" panose="020B0609020204030204" pitchFamily="49" charset="0"/>
+                <a:cs typeface="Poppins" panose="00000500000000000000" pitchFamily="2" charset="-94"/>
+              </a:rPr>
+              <a:t>async</a:t>
+            </a:r>
+            <a:r>
+              <a:rPr lang="en-US" sz="1600" dirty="0">
+                <a:latin typeface="Poppins" panose="00000500000000000000" pitchFamily="2" charset="-94"/>
+                <a:cs typeface="Poppins" panose="00000500000000000000" pitchFamily="2" charset="-94"/>
+              </a:rPr>
+              <a:t> including create, extract, open and update operations.</a:t>
             </a:r>
             <a:br>
               <a:rPr lang="en-US" sz="1600" dirty="0">
@@ -25037,11 +26839,123 @@
                 <a:latin typeface="Poppins" panose="00000500000000000000" pitchFamily="2" charset="-94"/>
                 <a:cs typeface="Poppins" panose="00000500000000000000" pitchFamily="2" charset="-94"/>
               </a:rPr>
-              <a:t>All new APIs follow async patterns and support cancellation tokens.</a:t>
+              <a:t>All new APIs follow </a:t>
+            </a:r>
+            <a:r>
+              <a:rPr lang="en-US" sz="1600" i="1" dirty="0">
+                <a:latin typeface="Consolas" panose="020B0609020204030204" pitchFamily="49" charset="0"/>
+                <a:cs typeface="Poppins" panose="00000500000000000000" pitchFamily="2" charset="-94"/>
+              </a:rPr>
+              <a:t>async</a:t>
+            </a:r>
+            <a:r>
+              <a:rPr lang="en-US" sz="1600" dirty="0">
+                <a:latin typeface="Poppins" panose="00000500000000000000" pitchFamily="2" charset="-94"/>
+                <a:cs typeface="Poppins" panose="00000500000000000000" pitchFamily="2" charset="-94"/>
+              </a:rPr>
+              <a:t> patterns and support </a:t>
+            </a:r>
+            <a:r>
+              <a:rPr lang="en-US" sz="1600" i="1" dirty="0" err="1">
+                <a:latin typeface="Consolas" panose="020B0609020204030204" pitchFamily="49" charset="0"/>
+                <a:cs typeface="Poppins" panose="00000500000000000000" pitchFamily="2" charset="-94"/>
+              </a:rPr>
+              <a:t>CancellationToken</a:t>
+            </a:r>
+            <a:r>
+              <a:rPr lang="en-US" sz="1600" dirty="0">
+                <a:latin typeface="Poppins" panose="00000500000000000000" pitchFamily="2" charset="-94"/>
+                <a:cs typeface="Poppins" panose="00000500000000000000" pitchFamily="2" charset="-94"/>
+              </a:rPr>
+              <a:t>.</a:t>
             </a:r>
           </a:p>
         </p:txBody>
       </p:sp>
+      <p:sp>
+        <p:nvSpPr>
+          <p:cNvPr id="2" name="Rectangle: Rounded Corners 1">
+            <a:extLst>
+              <a:ext uri="{FF2B5EF4-FFF2-40B4-BE49-F238E27FC236}">
+                <a16:creationId xmlns:a16="http://schemas.microsoft.com/office/drawing/2014/main" id="{51EE5417-8099-2C50-102C-CF3C8540D9C2}"/>
+              </a:ext>
+            </a:extLst>
+          </p:cNvPr>
+          <p:cNvSpPr/>
+          <p:nvPr/>
+        </p:nvSpPr>
+        <p:spPr>
+          <a:xfrm>
+            <a:off x="548640" y="4668518"/>
+            <a:ext cx="10007600" cy="1791057"/>
+          </a:xfrm>
+          <a:prstGeom prst="roundRect">
+            <a:avLst/>
+          </a:prstGeom>
+          <a:noFill/>
+          <a:ln w="9525" cap="flat" cmpd="sng" algn="ctr">
+            <a:solidFill>
+              <a:schemeClr val="dk1"/>
+            </a:solidFill>
+            <a:prstDash val="solid"/>
+            <a:round/>
+            <a:headEnd type="none" w="med" len="med"/>
+            <a:tailEnd type="none" w="med" len="med"/>
+          </a:ln>
+        </p:spPr>
+        <p:style>
+          <a:lnRef idx="0">
+            <a:scrgbClr r="0" g="0" b="0"/>
+          </a:lnRef>
+          <a:fillRef idx="0">
+            <a:scrgbClr r="0" g="0" b="0"/>
+          </a:fillRef>
+          <a:effectRef idx="0">
+            <a:scrgbClr r="0" g="0" b="0"/>
+          </a:effectRef>
+          <a:fontRef idx="minor">
+            <a:schemeClr val="dk1"/>
+          </a:fontRef>
+        </p:style>
+        <p:txBody>
+          <a:bodyPr rtlCol="0" anchor="ctr"/>
+          <a:lstStyle/>
+          <a:p>
+            <a:pPr algn="ctr"/>
+            <a:endParaRPr lang="tr-TR"/>
+          </a:p>
+        </p:txBody>
+      </p:sp>
+      <p:pic>
+        <p:nvPicPr>
+          <p:cNvPr id="4" name="Picture 3">
+            <a:extLst>
+              <a:ext uri="{FF2B5EF4-FFF2-40B4-BE49-F238E27FC236}">
+                <a16:creationId xmlns:a16="http://schemas.microsoft.com/office/drawing/2014/main" id="{F28AFC3B-1876-56E3-711F-DD52DAA27822}"/>
+              </a:ext>
+            </a:extLst>
+          </p:cNvPr>
+          <p:cNvPicPr>
+            <a:picLocks noChangeAspect="1"/>
+          </p:cNvPicPr>
+          <p:nvPr/>
+        </p:nvPicPr>
+        <p:blipFill>
+          <a:blip r:embed="rId4"/>
+          <a:stretch>
+            <a:fillRect/>
+          </a:stretch>
+        </p:blipFill>
+        <p:spPr>
+          <a:xfrm>
+            <a:off x="548640" y="2316888"/>
+            <a:ext cx="6299200" cy="2224223"/>
+          </a:xfrm>
+          <a:prstGeom prst="rect">
+            <a:avLst/>
+          </a:prstGeom>
+        </p:spPr>
+      </p:pic>
     </p:spTree>
     <p:extLst>
       <p:ext uri="{BB962C8B-B14F-4D97-AF65-F5344CB8AC3E}">
@@ -25198,7 +27112,7 @@
         </p:nvSpPr>
         <p:spPr>
           <a:xfrm>
-            <a:off x="451488" y="4709086"/>
+            <a:off x="735968" y="4836288"/>
             <a:ext cx="10720064" cy="1323439"/>
           </a:xfrm>
           <a:prstGeom prst="rect">
@@ -25393,7 +27307,7 @@
                 <a:latin typeface="Poppins" panose="00000500000000000000" pitchFamily="2" charset="-94"/>
                 <a:cs typeface="Poppins" panose="00000500000000000000" pitchFamily="2" charset="-94"/>
               </a:rPr>
-              <a:t>Reading, writing, and extracting </a:t>
+              <a:t>Reading, writing and extracting </a:t>
             </a:r>
             <a:r>
               <a:rPr lang="en-US" sz="1600" b="1" dirty="0">
@@ -25436,6 +27350,60 @@
               </a:rPr>
               <a:t>Parallel extraction and reduced memory pressure significantly speed up large archive operations.</a:t>
             </a:r>
+          </a:p>
+        </p:txBody>
+      </p:sp>
+      <p:sp>
+        <p:nvSpPr>
+          <p:cNvPr id="2" name="Rectangle: Rounded Corners 1">
+            <a:extLst>
+              <a:ext uri="{FF2B5EF4-FFF2-40B4-BE49-F238E27FC236}">
+                <a16:creationId xmlns:a16="http://schemas.microsoft.com/office/drawing/2014/main" id="{A1CE128D-7BC2-5BC5-8ABC-2E846AF6C71F}"/>
+              </a:ext>
+            </a:extLst>
+          </p:cNvPr>
+          <p:cNvSpPr/>
+          <p:nvPr/>
+        </p:nvSpPr>
+        <p:spPr>
+          <a:xfrm>
+            <a:off x="548640" y="4602480"/>
+            <a:ext cx="10007600" cy="1791057"/>
+          </a:xfrm>
+          <a:prstGeom prst="roundRect">
+            <a:avLst/>
+          </a:prstGeom>
+          <a:noFill/>
+          <a:ln w="9525" cap="flat" cmpd="sng" algn="ctr">
+            <a:solidFill>
+              <a:schemeClr val="dk1"/>
+            </a:solidFill>
+            <a:prstDash val="solid"/>
+            <a:round/>
+            <a:headEnd type="none" w="med" len="med"/>
+            <a:tailEnd type="none" w="med" len="med"/>
+          </a:ln>
+        </p:spPr>
+        <p:style>
+          <a:lnRef idx="0">
+            <a:scrgbClr r="0" g="0" b="0"/>
+          </a:lnRef>
+          <a:fillRef idx="0">
+            <a:scrgbClr r="0" g="0" b="0"/>
+          </a:fillRef>
+          <a:effectRef idx="0">
+            <a:scrgbClr r="0" g="0" b="0"/>
+          </a:effectRef>
+          <a:fontRef idx="minor">
+            <a:schemeClr val="dk1"/>
+          </a:fontRef>
+        </p:style>
+        <p:txBody>
+          <a:bodyPr rtlCol="0" anchor="ctr"/>
+          <a:lstStyle/>
+          <a:p>
+            <a:pPr algn="ctr"/>
+            <a:endParaRPr lang="tr-TR"/>
           </a:p>
         </p:txBody>
       </p:sp>
@@ -25583,7 +27551,7 @@
         </p:nvSpPr>
         <p:spPr>
           <a:xfrm>
-            <a:off x="451488" y="4646637"/>
+            <a:off x="702632" y="4836288"/>
             <a:ext cx="10720064" cy="1323439"/>
           </a:xfrm>
           <a:prstGeom prst="rect">
@@ -25749,7 +27717,7 @@
         </p:nvSpPr>
         <p:spPr>
           <a:xfrm>
-            <a:off x="451488" y="2832529"/>
+            <a:off x="451488" y="2021712"/>
             <a:ext cx="11222352" cy="830997"/>
           </a:xfrm>
           <a:prstGeom prst="rect">
@@ -25863,6 +27831,141 @@
           </a:p>
         </p:txBody>
       </p:sp>
+      <p:sp>
+        <p:nvSpPr>
+          <p:cNvPr id="2" name="Rectangle: Rounded Corners 1">
+            <a:extLst>
+              <a:ext uri="{FF2B5EF4-FFF2-40B4-BE49-F238E27FC236}">
+                <a16:creationId xmlns:a16="http://schemas.microsoft.com/office/drawing/2014/main" id="{577E6AC5-A3C7-C633-4ADB-2185950666C5}"/>
+              </a:ext>
+            </a:extLst>
+          </p:cNvPr>
+          <p:cNvSpPr/>
+          <p:nvPr/>
+        </p:nvSpPr>
+        <p:spPr>
+          <a:xfrm>
+            <a:off x="548640" y="4602480"/>
+            <a:ext cx="10007600" cy="1791057"/>
+          </a:xfrm>
+          <a:prstGeom prst="roundRect">
+            <a:avLst/>
+          </a:prstGeom>
+          <a:noFill/>
+          <a:ln w="9525" cap="flat" cmpd="sng" algn="ctr">
+            <a:solidFill>
+              <a:schemeClr val="dk1"/>
+            </a:solidFill>
+            <a:prstDash val="solid"/>
+            <a:round/>
+            <a:headEnd type="none" w="med" len="med"/>
+            <a:tailEnd type="none" w="med" len="med"/>
+          </a:ln>
+        </p:spPr>
+        <p:style>
+          <a:lnRef idx="0">
+            <a:scrgbClr r="0" g="0" b="0"/>
+          </a:lnRef>
+          <a:fillRef idx="0">
+            <a:scrgbClr r="0" g="0" b="0"/>
+          </a:fillRef>
+          <a:effectRef idx="0">
+            <a:scrgbClr r="0" g="0" b="0"/>
+          </a:effectRef>
+          <a:fontRef idx="minor">
+            <a:schemeClr val="dk1"/>
+          </a:fontRef>
+        </p:style>
+        <p:txBody>
+          <a:bodyPr rtlCol="0" anchor="ctr"/>
+          <a:lstStyle/>
+          <a:p>
+            <a:pPr algn="ctr"/>
+            <a:endParaRPr lang="tr-TR"/>
+          </a:p>
+        </p:txBody>
+      </p:sp>
+      <p:grpSp>
+        <p:nvGrpSpPr>
+          <p:cNvPr id="15" name="Group 14">
+            <a:extLst>
+              <a:ext uri="{FF2B5EF4-FFF2-40B4-BE49-F238E27FC236}">
+                <a16:creationId xmlns:a16="http://schemas.microsoft.com/office/drawing/2014/main" id="{C410BB0C-ED3D-F6F0-72E3-E79A4EDEFA0C}"/>
+              </a:ext>
+            </a:extLst>
+          </p:cNvPr>
+          <p:cNvGrpSpPr/>
+          <p:nvPr/>
+        </p:nvGrpSpPr>
+        <p:grpSpPr>
+          <a:xfrm>
+            <a:off x="548640" y="3162047"/>
+            <a:ext cx="10788666" cy="1038225"/>
+            <a:chOff x="548640" y="3034469"/>
+            <a:chExt cx="10788666" cy="1038225"/>
+          </a:xfrm>
+        </p:grpSpPr>
+        <p:pic>
+          <p:nvPicPr>
+            <p:cNvPr id="12" name="Picture 11">
+              <a:extLst>
+                <a:ext uri="{FF2B5EF4-FFF2-40B4-BE49-F238E27FC236}">
+                  <a16:creationId xmlns:a16="http://schemas.microsoft.com/office/drawing/2014/main" id="{F3BF53A3-C5BF-EF63-6908-30A9E557A02A}"/>
+                </a:ext>
+              </a:extLst>
+            </p:cNvPr>
+            <p:cNvPicPr>
+              <a:picLocks noChangeAspect="1"/>
+            </p:cNvPicPr>
+            <p:nvPr/>
+          </p:nvPicPr>
+          <p:blipFill>
+            <a:blip r:embed="rId4"/>
+            <a:stretch>
+              <a:fillRect/>
+            </a:stretch>
+          </p:blipFill>
+          <p:spPr>
+            <a:xfrm>
+              <a:off x="548640" y="3034469"/>
+              <a:ext cx="5724525" cy="1038225"/>
+            </a:xfrm>
+            <a:prstGeom prst="rect">
+              <a:avLst/>
+            </a:prstGeom>
+          </p:spPr>
+        </p:pic>
+        <p:pic>
+          <p:nvPicPr>
+            <p:cNvPr id="14" name="Picture 13">
+              <a:extLst>
+                <a:ext uri="{FF2B5EF4-FFF2-40B4-BE49-F238E27FC236}">
+                  <a16:creationId xmlns:a16="http://schemas.microsoft.com/office/drawing/2014/main" id="{D56A6B50-1A13-0D4D-1C38-F388E1291D1A}"/>
+                </a:ext>
+              </a:extLst>
+            </p:cNvPr>
+            <p:cNvPicPr>
+              <a:picLocks noChangeAspect="1"/>
+            </p:cNvPicPr>
+            <p:nvPr/>
+          </p:nvPicPr>
+          <p:blipFill>
+            <a:blip r:embed="rId5"/>
+            <a:stretch>
+              <a:fillRect/>
+            </a:stretch>
+          </p:blipFill>
+          <p:spPr>
+            <a:xfrm>
+              <a:off x="6364759" y="3034469"/>
+              <a:ext cx="4972547" cy="1038224"/>
+            </a:xfrm>
+            <a:prstGeom prst="rect">
+              <a:avLst/>
+            </a:prstGeom>
+          </p:spPr>
+        </p:pic>
+      </p:grpSp>
     </p:spTree>
     <p:extLst>
       <p:ext uri="{BB962C8B-B14F-4D97-AF65-F5344CB8AC3E}">

--- a/abp-community-talks-2025.09.pptx
+++ b/abp-community-talks-2025.09.pptx
@@ -5,64 +5,65 @@
     <p:sldMasterId id="2147483648" r:id="rId1"/>
   </p:sldMasterIdLst>
   <p:notesMasterIdLst>
-    <p:notesMasterId r:id="rId23"/>
+    <p:notesMasterId r:id="rId24"/>
   </p:notesMasterIdLst>
   <p:sldIdLst>
     <p:sldId id="256" r:id="rId2"/>
-    <p:sldId id="302" r:id="rId3"/>
-    <p:sldId id="299" r:id="rId4"/>
-    <p:sldId id="290" r:id="rId5"/>
-    <p:sldId id="297" r:id="rId6"/>
-    <p:sldId id="296" r:id="rId7"/>
-    <p:sldId id="295" r:id="rId8"/>
-    <p:sldId id="298" r:id="rId9"/>
-    <p:sldId id="294" r:id="rId10"/>
-    <p:sldId id="293" r:id="rId11"/>
-    <p:sldId id="292" r:id="rId12"/>
-    <p:sldId id="301" r:id="rId13"/>
-    <p:sldId id="257" r:id="rId14"/>
-    <p:sldId id="276" r:id="rId15"/>
-    <p:sldId id="277" r:id="rId16"/>
-    <p:sldId id="282" r:id="rId17"/>
-    <p:sldId id="281" r:id="rId18"/>
-    <p:sldId id="278" r:id="rId19"/>
-    <p:sldId id="280" r:id="rId20"/>
-    <p:sldId id="279" r:id="rId21"/>
-    <p:sldId id="268" r:id="rId22"/>
+    <p:sldId id="303" r:id="rId3"/>
+    <p:sldId id="302" r:id="rId4"/>
+    <p:sldId id="299" r:id="rId5"/>
+    <p:sldId id="290" r:id="rId6"/>
+    <p:sldId id="297" r:id="rId7"/>
+    <p:sldId id="296" r:id="rId8"/>
+    <p:sldId id="295" r:id="rId9"/>
+    <p:sldId id="298" r:id="rId10"/>
+    <p:sldId id="294" r:id="rId11"/>
+    <p:sldId id="293" r:id="rId12"/>
+    <p:sldId id="292" r:id="rId13"/>
+    <p:sldId id="301" r:id="rId14"/>
+    <p:sldId id="257" r:id="rId15"/>
+    <p:sldId id="276" r:id="rId16"/>
+    <p:sldId id="277" r:id="rId17"/>
+    <p:sldId id="282" r:id="rId18"/>
+    <p:sldId id="281" r:id="rId19"/>
+    <p:sldId id="278" r:id="rId20"/>
+    <p:sldId id="280" r:id="rId21"/>
+    <p:sldId id="279" r:id="rId22"/>
+    <p:sldId id="268" r:id="rId23"/>
   </p:sldIdLst>
   <p:sldSz cx="12192000" cy="6858000"/>
   <p:notesSz cx="6858000" cy="9144000"/>
   <p:embeddedFontLst>
     <p:embeddedFont>
       <p:font typeface="Consolas" panose="020B0609020204030204" pitchFamily="49" charset="0"/>
-      <p:regular r:id="rId24"/>
-      <p:bold r:id="rId25"/>
-      <p:italic r:id="rId26"/>
-      <p:boldItalic r:id="rId27"/>
+      <p:regular r:id="rId25"/>
+      <p:bold r:id="rId26"/>
+      <p:italic r:id="rId27"/>
+      <p:boldItalic r:id="rId28"/>
     </p:embeddedFont>
     <p:embeddedFont>
       <p:font typeface="Lexend" panose="020B0604020202020204" charset="-94"/>
-      <p:regular r:id="rId28"/>
-      <p:bold r:id="rId29"/>
+      <p:regular r:id="rId29"/>
+      <p:bold r:id="rId30"/>
     </p:embeddedFont>
     <p:embeddedFont>
       <p:font typeface="Play" panose="020B0604020202020204" charset="0"/>
-      <p:regular r:id="rId30"/>
-      <p:bold r:id="rId31"/>
+      <p:regular r:id="rId31"/>
+      <p:bold r:id="rId32"/>
     </p:embeddedFont>
     <p:embeddedFont>
       <p:font typeface="Poppins" panose="00000500000000000000" pitchFamily="2" charset="-94"/>
-      <p:regular r:id="rId32"/>
-      <p:bold r:id="rId33"/>
-      <p:italic r:id="rId34"/>
-      <p:boldItalic r:id="rId35"/>
+      <p:regular r:id="rId33"/>
+      <p:bold r:id="rId34"/>
+      <p:italic r:id="rId35"/>
+      <p:boldItalic r:id="rId36"/>
     </p:embeddedFont>
     <p:embeddedFont>
       <p:font typeface="Poppins Medium" panose="00000600000000000000" pitchFamily="2" charset="-94"/>
-      <p:regular r:id="rId36"/>
-      <p:bold r:id="rId37"/>
-      <p:italic r:id="rId38"/>
-      <p:boldItalic r:id="rId39"/>
+      <p:regular r:id="rId37"/>
+      <p:bold r:id="rId38"/>
+      <p:italic r:id="rId39"/>
+      <p:boldItalic r:id="rId40"/>
     </p:embeddedFont>
   </p:embeddedFontLst>
   <p:defaultTextStyle>
@@ -299,7 +300,7 @@
       <p15:sldGuideLst xmlns:p15="http://schemas.microsoft.com/office/powerpoint/2012/main"/>
     </p:ext>
     <p:ext uri="GoogleSlidesCustomDataVersion2">
-      <go:slidesCustomData xmlns:go="http://customooxmlschemas.google.com/" xmlns:ahyp="http://schemas.microsoft.com/office/drawing/2018/hyperlinkcolor" xmlns:p15="http://schemas.microsoft.com/office/powerpoint/2012/main" xmlns:p14="http://schemas.microsoft.com/office/powerpoint/2010/main" xmlns:com="http://schemas.openxmlformats.org/drawingml/2006/compatibility" xmlns:pvml="urn:schemas-microsoft-com:office:powerpoint" xmlns:v="urn:schemas-microsoft-com:vml" xmlns:o="urn:schemas-microsoft-com:office:office" xmlns:dgm="http://schemas.openxmlformats.org/drawingml/2006/diagram" xmlns:c="http://schemas.openxmlformats.org/drawingml/2006/chart" xmlns:mv="urn:schemas-microsoft-com:mac:vml" xmlns:mc="http://schemas.openxmlformats.org/markup-compatibility/2006" xmlns="" r:id="rId41" roundtripDataSignature="AMtx7mihNSh0nE7P5bmNZynwZ07PSv3TUg=="/>
+      <go:slidesCustomData xmlns="" xmlns:mc="http://schemas.openxmlformats.org/markup-compatibility/2006" xmlns:mv="urn:schemas-microsoft-com:mac:vml" xmlns:c="http://schemas.openxmlformats.org/drawingml/2006/chart" xmlns:dgm="http://schemas.openxmlformats.org/drawingml/2006/diagram" xmlns:o="urn:schemas-microsoft-com:office:office" xmlns:v="urn:schemas-microsoft-com:vml" xmlns:pvml="urn:schemas-microsoft-com:office:powerpoint" xmlns:com="http://schemas.openxmlformats.org/drawingml/2006/compatibility" xmlns:p14="http://schemas.microsoft.com/office/powerpoint/2010/main" xmlns:p15="http://schemas.microsoft.com/office/powerpoint/2012/main" xmlns:ahyp="http://schemas.microsoft.com/office/drawing/2018/hyperlinkcolor" xmlns:go="http://customooxmlschemas.google.com/" r:id="rId41" roundtripDataSignature="AMtx7mihNSh0nE7P5bmNZynwZ07PSv3TUg=="/>
     </p:ext>
   </p:extLst>
 </p:presentation>
@@ -2006,6 +2007,142 @@
     </p:spTree>
     <p:extLst>
       <p:ext uri="{BB962C8B-B14F-4D97-AF65-F5344CB8AC3E}">
+        <p14:creationId xmlns:p14="http://schemas.microsoft.com/office/powerpoint/2010/main" val="2868647432"/>
+      </p:ext>
+    </p:extLst>
+  </p:cSld>
+  <p:clrMapOvr>
+    <a:masterClrMapping/>
+  </p:clrMapOvr>
+</p:notes>
+</file>
+
+<file path=ppt/notesSlides/notesSlide11.xml><?xml version="1.0" encoding="utf-8"?>
+<p:notes xmlns:a="http://schemas.openxmlformats.org/drawingml/2006/main" xmlns:r="http://schemas.openxmlformats.org/officeDocument/2006/relationships" xmlns:p="http://schemas.openxmlformats.org/presentationml/2006/main" showMasterSp="0" showMasterPhAnim="0">
+  <p:cSld>
+    <p:spTree>
+      <p:nvGrpSpPr>
+        <p:cNvPr id="1" name="Shape 103"/>
+        <p:cNvGrpSpPr/>
+        <p:nvPr/>
+      </p:nvGrpSpPr>
+      <p:grpSpPr>
+        <a:xfrm>
+          <a:off x="0" y="0"/>
+          <a:ext cx="0" cy="0"/>
+          <a:chOff x="0" y="0"/>
+          <a:chExt cx="0" cy="0"/>
+        </a:xfrm>
+      </p:grpSpPr>
+      <p:sp>
+        <p:nvSpPr>
+          <p:cNvPr id="104" name="Google Shape;104;p2:notes"/>
+          <p:cNvSpPr txBox="1">
+            <a:spLocks noGrp="1"/>
+          </p:cNvSpPr>
+          <p:nvPr>
+            <p:ph type="body" idx="1"/>
+          </p:nvPr>
+        </p:nvSpPr>
+        <p:spPr>
+          <a:xfrm>
+            <a:off x="685800" y="4400550"/>
+            <a:ext cx="5486400" cy="3600450"/>
+          </a:xfrm>
+          <a:prstGeom prst="rect">
+            <a:avLst/>
+          </a:prstGeom>
+          <a:noFill/>
+          <a:ln>
+            <a:noFill/>
+          </a:ln>
+        </p:spPr>
+        <p:txBody>
+          <a:bodyPr spcFirstLastPara="1" wrap="square" lIns="91425" tIns="45700" rIns="91425" bIns="45700" anchor="t" anchorCtr="0">
+            <a:noAutofit/>
+          </a:bodyPr>
+          <a:lstStyle/>
+          <a:p>
+            <a:pPr marL="0" lvl="0" indent="0" algn="l" rtl="0">
+              <a:lnSpc>
+                <a:spcPct val="150000"/>
+              </a:lnSpc>
+              <a:spcBef>
+                <a:spcPts val="0"/>
+              </a:spcBef>
+              <a:spcAft>
+                <a:spcPts val="0"/>
+              </a:spcAft>
+              <a:buClr>
+                <a:schemeClr val="dk1"/>
+              </a:buClr>
+              <a:buSzPts val="1100"/>
+              <a:buFont typeface="Arial"/>
+              <a:buNone/>
+            </a:pPr>
+            <a:endParaRPr sz="1900" dirty="0">
+              <a:latin typeface="Poppins"/>
+              <a:ea typeface="Poppins"/>
+              <a:cs typeface="Poppins"/>
+              <a:sym typeface="Poppins"/>
+            </a:endParaRPr>
+          </a:p>
+        </p:txBody>
+      </p:sp>
+      <p:sp>
+        <p:nvSpPr>
+          <p:cNvPr id="105" name="Google Shape;105;p2:notes"/>
+          <p:cNvSpPr>
+            <a:spLocks noGrp="1" noRot="1" noChangeAspect="1"/>
+          </p:cNvSpPr>
+          <p:nvPr>
+            <p:ph type="sldImg" idx="2"/>
+          </p:nvPr>
+        </p:nvSpPr>
+        <p:spPr>
+          <a:xfrm>
+            <a:off x="685800" y="1143000"/>
+            <a:ext cx="5486400" cy="3086100"/>
+          </a:xfrm>
+          <a:custGeom>
+            <a:avLst/>
+            <a:gdLst/>
+            <a:ahLst/>
+            <a:cxnLst/>
+            <a:rect l="l" t="t" r="r" b="b"/>
+            <a:pathLst>
+              <a:path w="120000" h="120000" extrusionOk="0">
+                <a:moveTo>
+                  <a:pt x="0" y="0"/>
+                </a:moveTo>
+                <a:lnTo>
+                  <a:pt x="120000" y="0"/>
+                </a:lnTo>
+                <a:lnTo>
+                  <a:pt x="120000" y="120000"/>
+                </a:lnTo>
+                <a:lnTo>
+                  <a:pt x="0" y="120000"/>
+                </a:lnTo>
+                <a:close/>
+              </a:path>
+            </a:pathLst>
+          </a:custGeom>
+          <a:noFill/>
+          <a:ln w="12700" cap="flat" cmpd="sng">
+            <a:solidFill>
+              <a:srgbClr val="000000"/>
+            </a:solidFill>
+            <a:prstDash val="solid"/>
+            <a:round/>
+            <a:headEnd type="none" w="sm" len="sm"/>
+            <a:tailEnd type="none" w="sm" len="sm"/>
+          </a:ln>
+        </p:spPr>
+      </p:sp>
+    </p:spTree>
+    <p:extLst>
+      <p:ext uri="{BB962C8B-B14F-4D97-AF65-F5344CB8AC3E}">
         <p14:creationId xmlns:p14="http://schemas.microsoft.com/office/powerpoint/2010/main" val="2261052780"/>
       </p:ext>
     </p:extLst>
@@ -2016,7 +2153,7 @@
 </p:notes>
 </file>
 
-<file path=ppt/notesSlides/notesSlide11.xml><?xml version="1.0" encoding="utf-8"?>
+<file path=ppt/notesSlides/notesSlide12.xml><?xml version="1.0" encoding="utf-8"?>
 <p:notes xmlns:a="http://schemas.openxmlformats.org/drawingml/2006/main" xmlns:r="http://schemas.openxmlformats.org/officeDocument/2006/relationships" xmlns:p="http://schemas.openxmlformats.org/presentationml/2006/main" showMasterSp="0" showMasterPhAnim="0">
   <p:cSld>
     <p:spTree>
@@ -2152,7 +2289,7 @@
 </p:notes>
 </file>
 
-<file path=ppt/notesSlides/notesSlide12.xml><?xml version="1.0" encoding="utf-8"?>
+<file path=ppt/notesSlides/notesSlide13.xml><?xml version="1.0" encoding="utf-8"?>
 <p:notes xmlns:a="http://schemas.openxmlformats.org/drawingml/2006/main" xmlns:r="http://schemas.openxmlformats.org/officeDocument/2006/relationships" xmlns:p="http://schemas.openxmlformats.org/presentationml/2006/main" showMasterSp="0" showMasterPhAnim="0">
   <p:cSld>
     <p:spTree>
@@ -2288,7 +2425,7 @@
 </p:notes>
 </file>
 
-<file path=ppt/notesSlides/notesSlide13.xml><?xml version="1.0" encoding="utf-8"?>
+<file path=ppt/notesSlides/notesSlide14.xml><?xml version="1.0" encoding="utf-8"?>
 <p:notes xmlns:a="http://schemas.openxmlformats.org/drawingml/2006/main" xmlns:r="http://schemas.openxmlformats.org/officeDocument/2006/relationships" xmlns:p="http://schemas.openxmlformats.org/presentationml/2006/main" showMasterSp="0" showMasterPhAnim="0">
   <p:cSld>
     <p:spTree>
@@ -2419,7 +2556,7 @@
 </p:notes>
 </file>
 
-<file path=ppt/notesSlides/notesSlide14.xml><?xml version="1.0" encoding="utf-8"?>
+<file path=ppt/notesSlides/notesSlide15.xml><?xml version="1.0" encoding="utf-8"?>
 <p:notes xmlns:a="http://schemas.openxmlformats.org/drawingml/2006/main" xmlns:r="http://schemas.openxmlformats.org/officeDocument/2006/relationships" xmlns:p="http://schemas.openxmlformats.org/presentationml/2006/main" showMasterSp="0" showMasterPhAnim="0">
   <p:cSld>
     <p:spTree>
@@ -2555,7 +2692,7 @@
 </p:notes>
 </file>
 
-<file path=ppt/notesSlides/notesSlide15.xml><?xml version="1.0" encoding="utf-8"?>
+<file path=ppt/notesSlides/notesSlide16.xml><?xml version="1.0" encoding="utf-8"?>
 <p:notes xmlns:a="http://schemas.openxmlformats.org/drawingml/2006/main" xmlns:r="http://schemas.openxmlformats.org/officeDocument/2006/relationships" xmlns:p="http://schemas.openxmlformats.org/presentationml/2006/main" showMasterSp="0" showMasterPhAnim="0">
   <p:cSld>
     <p:spTree>
@@ -2691,7 +2828,7 @@
 </p:notes>
 </file>
 
-<file path=ppt/notesSlides/notesSlide16.xml><?xml version="1.0" encoding="utf-8"?>
+<file path=ppt/notesSlides/notesSlide17.xml><?xml version="1.0" encoding="utf-8"?>
 <p:notes xmlns:a="http://schemas.openxmlformats.org/drawingml/2006/main" xmlns:r="http://schemas.openxmlformats.org/officeDocument/2006/relationships" xmlns:p="http://schemas.openxmlformats.org/presentationml/2006/main" showMasterSp="0" showMasterPhAnim="0">
   <p:cSld>
     <p:spTree>
@@ -2827,7 +2964,7 @@
 </p:notes>
 </file>
 
-<file path=ppt/notesSlides/notesSlide17.xml><?xml version="1.0" encoding="utf-8"?>
+<file path=ppt/notesSlides/notesSlide18.xml><?xml version="1.0" encoding="utf-8"?>
 <p:notes xmlns:a="http://schemas.openxmlformats.org/drawingml/2006/main" xmlns:r="http://schemas.openxmlformats.org/officeDocument/2006/relationships" xmlns:p="http://schemas.openxmlformats.org/presentationml/2006/main" showMasterSp="0" showMasterPhAnim="0">
   <p:cSld>
     <p:spTree>
@@ -2963,7 +3100,7 @@
 </p:notes>
 </file>
 
-<file path=ppt/notesSlides/notesSlide18.xml><?xml version="1.0" encoding="utf-8"?>
+<file path=ppt/notesSlides/notesSlide19.xml><?xml version="1.0" encoding="utf-8"?>
 <p:notes xmlns:a="http://schemas.openxmlformats.org/drawingml/2006/main" xmlns:r="http://schemas.openxmlformats.org/officeDocument/2006/relationships" xmlns:p="http://schemas.openxmlformats.org/presentationml/2006/main" showMasterSp="0" showMasterPhAnim="0">
   <p:cSld>
     <p:spTree>
@@ -3099,7 +3236,124 @@
 </p:notes>
 </file>
 
-<file path=ppt/notesSlides/notesSlide19.xml><?xml version="1.0" encoding="utf-8"?>
+<file path=ppt/notesSlides/notesSlide2.xml><?xml version="1.0" encoding="utf-8"?>
+<p:notes xmlns:a="http://schemas.openxmlformats.org/drawingml/2006/main" xmlns:r="http://schemas.openxmlformats.org/officeDocument/2006/relationships" xmlns:p="http://schemas.openxmlformats.org/presentationml/2006/main">
+  <p:cSld>
+    <p:spTree>
+      <p:nvGrpSpPr>
+        <p:cNvPr id="1" name=""/>
+        <p:cNvGrpSpPr/>
+        <p:nvPr/>
+      </p:nvGrpSpPr>
+      <p:grpSpPr>
+        <a:xfrm>
+          <a:off x="0" y="0"/>
+          <a:ext cx="0" cy="0"/>
+          <a:chOff x="0" y="0"/>
+          <a:chExt cx="0" cy="0"/>
+        </a:xfrm>
+      </p:grpSpPr>
+      <p:sp>
+        <p:nvSpPr>
+          <p:cNvPr id="2" name="Slide Image Placeholder 1"/>
+          <p:cNvSpPr>
+            <a:spLocks noGrp="1" noRot="1" noChangeAspect="1"/>
+          </p:cNvSpPr>
+          <p:nvPr>
+            <p:ph type="sldImg"/>
+          </p:nvPr>
+        </p:nvSpPr>
+        <p:spPr/>
+      </p:sp>
+      <p:sp>
+        <p:nvSpPr>
+          <p:cNvPr id="3" name="Notes Placeholder 2"/>
+          <p:cNvSpPr>
+            <a:spLocks noGrp="1"/>
+          </p:cNvSpPr>
+          <p:nvPr>
+            <p:ph type="body" idx="1"/>
+          </p:nvPr>
+        </p:nvSpPr>
+        <p:spPr/>
+        <p:txBody>
+          <a:bodyPr/>
+          <a:lstStyle/>
+          <a:p>
+            <a:endParaRPr lang="en-US" dirty="0"/>
+          </a:p>
+        </p:txBody>
+      </p:sp>
+      <p:sp>
+        <p:nvSpPr>
+          <p:cNvPr id="4" name="Slide Number Placeholder 3"/>
+          <p:cNvSpPr>
+            <a:spLocks noGrp="1"/>
+          </p:cNvSpPr>
+          <p:nvPr>
+            <p:ph type="sldNum" idx="12"/>
+          </p:nvPr>
+        </p:nvSpPr>
+        <p:spPr/>
+        <p:txBody>
+          <a:bodyPr/>
+          <a:lstStyle/>
+          <a:p>
+            <a:pPr marL="0" marR="0" lvl="0" indent="0" algn="r" rtl="0">
+              <a:lnSpc>
+                <a:spcPct val="100000"/>
+              </a:lnSpc>
+              <a:spcBef>
+                <a:spcPts val="0"/>
+              </a:spcBef>
+              <a:spcAft>
+                <a:spcPts val="0"/>
+              </a:spcAft>
+              <a:buClr>
+                <a:srgbClr val="000000"/>
+              </a:buClr>
+              <a:buSzPts val="1200"/>
+              <a:buFont typeface="Arial"/>
+              <a:buNone/>
+            </a:pPr>
+            <a:fld id="{00000000-1234-1234-1234-123412341234}" type="slidenum">
+              <a:rPr lang="tr-TR" sz="1200" b="0" i="0" u="none" strike="noStrike" cap="none" smtClean="0">
+                <a:solidFill>
+                  <a:schemeClr val="dk1"/>
+                </a:solidFill>
+                <a:latin typeface="Arial"/>
+                <a:ea typeface="Arial"/>
+                <a:cs typeface="Arial"/>
+                <a:sym typeface="Arial"/>
+              </a:rPr>
+              <a:t>2</a:t>
+            </a:fld>
+            <a:endParaRPr lang="tr-TR" sz="1200" b="0" i="0" u="none" strike="noStrike" cap="none">
+              <a:solidFill>
+                <a:schemeClr val="dk1"/>
+              </a:solidFill>
+              <a:latin typeface="Arial"/>
+              <a:ea typeface="Arial"/>
+              <a:cs typeface="Arial"/>
+              <a:sym typeface="Arial"/>
+            </a:endParaRPr>
+          </a:p>
+        </p:txBody>
+      </p:sp>
+    </p:spTree>
+    <p:extLst>
+      <p:ext uri="{BB962C8B-B14F-4D97-AF65-F5344CB8AC3E}">
+        <p14:creationId xmlns:p14="http://schemas.microsoft.com/office/powerpoint/2010/main" val="3225775997"/>
+      </p:ext>
+    </p:extLst>
+  </p:cSld>
+  <p:clrMapOvr>
+    <a:masterClrMapping/>
+  </p:clrMapOvr>
+</p:notes>
+</file>
+
+<file path=ppt/notesSlides/notesSlide20.xml><?xml version="1.0" encoding="utf-8"?>
 <p:notes xmlns:a="http://schemas.openxmlformats.org/drawingml/2006/main" xmlns:r="http://schemas.openxmlformats.org/officeDocument/2006/relationships" xmlns:p="http://schemas.openxmlformats.org/presentationml/2006/main" showMasterSp="0" showMasterPhAnim="0">
   <p:cSld>
     <p:spTree>
@@ -3235,143 +3489,7 @@
 </p:notes>
 </file>
 
-<file path=ppt/notesSlides/notesSlide2.xml><?xml version="1.0" encoding="utf-8"?>
-<p:notes xmlns:a="http://schemas.openxmlformats.org/drawingml/2006/main" xmlns:r="http://schemas.openxmlformats.org/officeDocument/2006/relationships" xmlns:p="http://schemas.openxmlformats.org/presentationml/2006/main" showMasterSp="0" showMasterPhAnim="0">
-  <p:cSld>
-    <p:spTree>
-      <p:nvGrpSpPr>
-        <p:cNvPr id="1" name="Shape 103"/>
-        <p:cNvGrpSpPr/>
-        <p:nvPr/>
-      </p:nvGrpSpPr>
-      <p:grpSpPr>
-        <a:xfrm>
-          <a:off x="0" y="0"/>
-          <a:ext cx="0" cy="0"/>
-          <a:chOff x="0" y="0"/>
-          <a:chExt cx="0" cy="0"/>
-        </a:xfrm>
-      </p:grpSpPr>
-      <p:sp>
-        <p:nvSpPr>
-          <p:cNvPr id="104" name="Google Shape;104;p2:notes"/>
-          <p:cNvSpPr txBox="1">
-            <a:spLocks noGrp="1"/>
-          </p:cNvSpPr>
-          <p:nvPr>
-            <p:ph type="body" idx="1"/>
-          </p:nvPr>
-        </p:nvSpPr>
-        <p:spPr>
-          <a:xfrm>
-            <a:off x="685800" y="4400550"/>
-            <a:ext cx="5486400" cy="3600450"/>
-          </a:xfrm>
-          <a:prstGeom prst="rect">
-            <a:avLst/>
-          </a:prstGeom>
-          <a:noFill/>
-          <a:ln>
-            <a:noFill/>
-          </a:ln>
-        </p:spPr>
-        <p:txBody>
-          <a:bodyPr spcFirstLastPara="1" wrap="square" lIns="91425" tIns="45700" rIns="91425" bIns="45700" anchor="t" anchorCtr="0">
-            <a:noAutofit/>
-          </a:bodyPr>
-          <a:lstStyle/>
-          <a:p>
-            <a:pPr marL="0" lvl="0" indent="0" algn="l" rtl="0">
-              <a:lnSpc>
-                <a:spcPct val="150000"/>
-              </a:lnSpc>
-              <a:spcBef>
-                <a:spcPts val="0"/>
-              </a:spcBef>
-              <a:spcAft>
-                <a:spcPts val="0"/>
-              </a:spcAft>
-              <a:buClr>
-                <a:schemeClr val="dk1"/>
-              </a:buClr>
-              <a:buSzPts val="1100"/>
-              <a:buFont typeface="Arial"/>
-              <a:buNone/>
-            </a:pPr>
-            <a:endParaRPr sz="1900" dirty="0">
-              <a:latin typeface="Poppins"/>
-              <a:ea typeface="Poppins"/>
-              <a:cs typeface="Poppins"/>
-              <a:sym typeface="Poppins"/>
-            </a:endParaRPr>
-          </a:p>
-        </p:txBody>
-      </p:sp>
-      <p:sp>
-        <p:nvSpPr>
-          <p:cNvPr id="105" name="Google Shape;105;p2:notes"/>
-          <p:cNvSpPr>
-            <a:spLocks noGrp="1" noRot="1" noChangeAspect="1"/>
-          </p:cNvSpPr>
-          <p:nvPr>
-            <p:ph type="sldImg" idx="2"/>
-          </p:nvPr>
-        </p:nvSpPr>
-        <p:spPr>
-          <a:xfrm>
-            <a:off x="685800" y="1143000"/>
-            <a:ext cx="5486400" cy="3086100"/>
-          </a:xfrm>
-          <a:custGeom>
-            <a:avLst/>
-            <a:gdLst/>
-            <a:ahLst/>
-            <a:cxnLst/>
-            <a:rect l="l" t="t" r="r" b="b"/>
-            <a:pathLst>
-              <a:path w="120000" h="120000" extrusionOk="0">
-                <a:moveTo>
-                  <a:pt x="0" y="0"/>
-                </a:moveTo>
-                <a:lnTo>
-                  <a:pt x="120000" y="0"/>
-                </a:lnTo>
-                <a:lnTo>
-                  <a:pt x="120000" y="120000"/>
-                </a:lnTo>
-                <a:lnTo>
-                  <a:pt x="0" y="120000"/>
-                </a:lnTo>
-                <a:close/>
-              </a:path>
-            </a:pathLst>
-          </a:custGeom>
-          <a:noFill/>
-          <a:ln w="12700" cap="flat" cmpd="sng">
-            <a:solidFill>
-              <a:srgbClr val="000000"/>
-            </a:solidFill>
-            <a:prstDash val="solid"/>
-            <a:round/>
-            <a:headEnd type="none" w="sm" len="sm"/>
-            <a:tailEnd type="none" w="sm" len="sm"/>
-          </a:ln>
-        </p:spPr>
-      </p:sp>
-    </p:spTree>
-    <p:extLst>
-      <p:ext uri="{BB962C8B-B14F-4D97-AF65-F5344CB8AC3E}">
-        <p14:creationId xmlns:p14="http://schemas.microsoft.com/office/powerpoint/2010/main" val="3163635396"/>
-      </p:ext>
-    </p:extLst>
-  </p:cSld>
-  <p:clrMapOvr>
-    <a:masterClrMapping/>
-  </p:clrMapOvr>
-</p:notes>
-</file>
-
-<file path=ppt/notesSlides/notesSlide20.xml><?xml version="1.0" encoding="utf-8"?>
+<file path=ppt/notesSlides/notesSlide21.xml><?xml version="1.0" encoding="utf-8"?>
 <p:notes xmlns:a="http://schemas.openxmlformats.org/drawingml/2006/main" xmlns:r="http://schemas.openxmlformats.org/officeDocument/2006/relationships" xmlns:p="http://schemas.openxmlformats.org/presentationml/2006/main" showMasterSp="0" showMasterPhAnim="0">
   <p:cSld>
     <p:spTree>
@@ -3507,7 +3625,7 @@
 </p:notes>
 </file>
 
-<file path=ppt/notesSlides/notesSlide21.xml><?xml version="1.0" encoding="utf-8"?>
+<file path=ppt/notesSlides/notesSlide22.xml><?xml version="1.0" encoding="utf-8"?>
 <p:notes xmlns:a="http://schemas.openxmlformats.org/drawingml/2006/main" xmlns:r="http://schemas.openxmlformats.org/officeDocument/2006/relationships" xmlns:p="http://schemas.openxmlformats.org/presentationml/2006/main" showMasterSp="0" showMasterPhAnim="0">
   <p:cSld>
     <p:spTree>
@@ -3755,6 +3873,142 @@
     </p:spTree>
     <p:extLst>
       <p:ext uri="{BB962C8B-B14F-4D97-AF65-F5344CB8AC3E}">
+        <p14:creationId xmlns:p14="http://schemas.microsoft.com/office/powerpoint/2010/main" val="3163635396"/>
+      </p:ext>
+    </p:extLst>
+  </p:cSld>
+  <p:clrMapOvr>
+    <a:masterClrMapping/>
+  </p:clrMapOvr>
+</p:notes>
+</file>
+
+<file path=ppt/notesSlides/notesSlide4.xml><?xml version="1.0" encoding="utf-8"?>
+<p:notes xmlns:a="http://schemas.openxmlformats.org/drawingml/2006/main" xmlns:r="http://schemas.openxmlformats.org/officeDocument/2006/relationships" xmlns:p="http://schemas.openxmlformats.org/presentationml/2006/main" showMasterSp="0" showMasterPhAnim="0">
+  <p:cSld>
+    <p:spTree>
+      <p:nvGrpSpPr>
+        <p:cNvPr id="1" name="Shape 103"/>
+        <p:cNvGrpSpPr/>
+        <p:nvPr/>
+      </p:nvGrpSpPr>
+      <p:grpSpPr>
+        <a:xfrm>
+          <a:off x="0" y="0"/>
+          <a:ext cx="0" cy="0"/>
+          <a:chOff x="0" y="0"/>
+          <a:chExt cx="0" cy="0"/>
+        </a:xfrm>
+      </p:grpSpPr>
+      <p:sp>
+        <p:nvSpPr>
+          <p:cNvPr id="104" name="Google Shape;104;p2:notes"/>
+          <p:cNvSpPr txBox="1">
+            <a:spLocks noGrp="1"/>
+          </p:cNvSpPr>
+          <p:nvPr>
+            <p:ph type="body" idx="1"/>
+          </p:nvPr>
+        </p:nvSpPr>
+        <p:spPr>
+          <a:xfrm>
+            <a:off x="685800" y="4400550"/>
+            <a:ext cx="5486400" cy="3600450"/>
+          </a:xfrm>
+          <a:prstGeom prst="rect">
+            <a:avLst/>
+          </a:prstGeom>
+          <a:noFill/>
+          <a:ln>
+            <a:noFill/>
+          </a:ln>
+        </p:spPr>
+        <p:txBody>
+          <a:bodyPr spcFirstLastPara="1" wrap="square" lIns="91425" tIns="45700" rIns="91425" bIns="45700" anchor="t" anchorCtr="0">
+            <a:noAutofit/>
+          </a:bodyPr>
+          <a:lstStyle/>
+          <a:p>
+            <a:pPr marL="0" lvl="0" indent="0" algn="l" rtl="0">
+              <a:lnSpc>
+                <a:spcPct val="150000"/>
+              </a:lnSpc>
+              <a:spcBef>
+                <a:spcPts val="0"/>
+              </a:spcBef>
+              <a:spcAft>
+                <a:spcPts val="0"/>
+              </a:spcAft>
+              <a:buClr>
+                <a:schemeClr val="dk1"/>
+              </a:buClr>
+              <a:buSzPts val="1100"/>
+              <a:buFont typeface="Arial"/>
+              <a:buNone/>
+            </a:pPr>
+            <a:endParaRPr sz="1900" dirty="0">
+              <a:latin typeface="Poppins"/>
+              <a:ea typeface="Poppins"/>
+              <a:cs typeface="Poppins"/>
+              <a:sym typeface="Poppins"/>
+            </a:endParaRPr>
+          </a:p>
+        </p:txBody>
+      </p:sp>
+      <p:sp>
+        <p:nvSpPr>
+          <p:cNvPr id="105" name="Google Shape;105;p2:notes"/>
+          <p:cNvSpPr>
+            <a:spLocks noGrp="1" noRot="1" noChangeAspect="1"/>
+          </p:cNvSpPr>
+          <p:nvPr>
+            <p:ph type="sldImg" idx="2"/>
+          </p:nvPr>
+        </p:nvSpPr>
+        <p:spPr>
+          <a:xfrm>
+            <a:off x="685800" y="1143000"/>
+            <a:ext cx="5486400" cy="3086100"/>
+          </a:xfrm>
+          <a:custGeom>
+            <a:avLst/>
+            <a:gdLst/>
+            <a:ahLst/>
+            <a:cxnLst/>
+            <a:rect l="l" t="t" r="r" b="b"/>
+            <a:pathLst>
+              <a:path w="120000" h="120000" extrusionOk="0">
+                <a:moveTo>
+                  <a:pt x="0" y="0"/>
+                </a:moveTo>
+                <a:lnTo>
+                  <a:pt x="120000" y="0"/>
+                </a:lnTo>
+                <a:lnTo>
+                  <a:pt x="120000" y="120000"/>
+                </a:lnTo>
+                <a:lnTo>
+                  <a:pt x="0" y="120000"/>
+                </a:lnTo>
+                <a:close/>
+              </a:path>
+            </a:pathLst>
+          </a:custGeom>
+          <a:noFill/>
+          <a:ln w="12700" cap="flat" cmpd="sng">
+            <a:solidFill>
+              <a:srgbClr val="000000"/>
+            </a:solidFill>
+            <a:prstDash val="solid"/>
+            <a:round/>
+            <a:headEnd type="none" w="sm" len="sm"/>
+            <a:tailEnd type="none" w="sm" len="sm"/>
+          </a:ln>
+        </p:spPr>
+      </p:sp>
+    </p:spTree>
+    <p:extLst>
+      <p:ext uri="{BB962C8B-B14F-4D97-AF65-F5344CB8AC3E}">
         <p14:creationId xmlns:p14="http://schemas.microsoft.com/office/powerpoint/2010/main" val="4024516720"/>
       </p:ext>
     </p:extLst>
@@ -3765,7 +4019,7 @@
 </p:notes>
 </file>
 
-<file path=ppt/notesSlides/notesSlide4.xml><?xml version="1.0" encoding="utf-8"?>
+<file path=ppt/notesSlides/notesSlide5.xml><?xml version="1.0" encoding="utf-8"?>
 <p:notes xmlns:a="http://schemas.openxmlformats.org/drawingml/2006/main" xmlns:r="http://schemas.openxmlformats.org/officeDocument/2006/relationships" xmlns:p="http://schemas.openxmlformats.org/presentationml/2006/main" showMasterSp="0" showMasterPhAnim="0">
   <p:cSld>
     <p:spTree>
@@ -3901,7 +4155,7 @@
 </p:notes>
 </file>
 
-<file path=ppt/notesSlides/notesSlide5.xml><?xml version="1.0" encoding="utf-8"?>
+<file path=ppt/notesSlides/notesSlide6.xml><?xml version="1.0" encoding="utf-8"?>
 <p:notes xmlns:a="http://schemas.openxmlformats.org/drawingml/2006/main" xmlns:r="http://schemas.openxmlformats.org/officeDocument/2006/relationships" xmlns:p="http://schemas.openxmlformats.org/presentationml/2006/main" showMasterSp="0" showMasterPhAnim="0">
   <p:cSld>
     <p:spTree>
@@ -4037,7 +4291,7 @@
 </p:notes>
 </file>
 
-<file path=ppt/notesSlides/notesSlide6.xml><?xml version="1.0" encoding="utf-8"?>
+<file path=ppt/notesSlides/notesSlide7.xml><?xml version="1.0" encoding="utf-8"?>
 <p:notes xmlns:a="http://schemas.openxmlformats.org/drawingml/2006/main" xmlns:r="http://schemas.openxmlformats.org/officeDocument/2006/relationships" xmlns:p="http://schemas.openxmlformats.org/presentationml/2006/main" showMasterSp="0" showMasterPhAnim="0">
   <p:cSld>
     <p:spTree>
@@ -4173,7 +4427,7 @@
 </p:notes>
 </file>
 
-<file path=ppt/notesSlides/notesSlide7.xml><?xml version="1.0" encoding="utf-8"?>
+<file path=ppt/notesSlides/notesSlide8.xml><?xml version="1.0" encoding="utf-8"?>
 <p:notes xmlns:a="http://schemas.openxmlformats.org/drawingml/2006/main" xmlns:r="http://schemas.openxmlformats.org/officeDocument/2006/relationships" xmlns:p="http://schemas.openxmlformats.org/presentationml/2006/main" showMasterSp="0" showMasterPhAnim="0">
   <p:cSld>
     <p:spTree>
@@ -4309,7 +4563,7 @@
 </p:notes>
 </file>
 
-<file path=ppt/notesSlides/notesSlide8.xml><?xml version="1.0" encoding="utf-8"?>
+<file path=ppt/notesSlides/notesSlide9.xml><?xml version="1.0" encoding="utf-8"?>
 <p:notes xmlns:a="http://schemas.openxmlformats.org/drawingml/2006/main" xmlns:r="http://schemas.openxmlformats.org/officeDocument/2006/relationships" xmlns:p="http://schemas.openxmlformats.org/presentationml/2006/main" showMasterSp="0" showMasterPhAnim="0">
   <p:cSld>
     <p:spTree>
@@ -4436,142 +4690,6 @@
     <p:extLst>
       <p:ext uri="{BB962C8B-B14F-4D97-AF65-F5344CB8AC3E}">
         <p14:creationId xmlns:p14="http://schemas.microsoft.com/office/powerpoint/2010/main" val="3427814320"/>
-      </p:ext>
-    </p:extLst>
-  </p:cSld>
-  <p:clrMapOvr>
-    <a:masterClrMapping/>
-  </p:clrMapOvr>
-</p:notes>
-</file>
-
-<file path=ppt/notesSlides/notesSlide9.xml><?xml version="1.0" encoding="utf-8"?>
-<p:notes xmlns:a="http://schemas.openxmlformats.org/drawingml/2006/main" xmlns:r="http://schemas.openxmlformats.org/officeDocument/2006/relationships" xmlns:p="http://schemas.openxmlformats.org/presentationml/2006/main" showMasterSp="0" showMasterPhAnim="0">
-  <p:cSld>
-    <p:spTree>
-      <p:nvGrpSpPr>
-        <p:cNvPr id="1" name="Shape 103"/>
-        <p:cNvGrpSpPr/>
-        <p:nvPr/>
-      </p:nvGrpSpPr>
-      <p:grpSpPr>
-        <a:xfrm>
-          <a:off x="0" y="0"/>
-          <a:ext cx="0" cy="0"/>
-          <a:chOff x="0" y="0"/>
-          <a:chExt cx="0" cy="0"/>
-        </a:xfrm>
-      </p:grpSpPr>
-      <p:sp>
-        <p:nvSpPr>
-          <p:cNvPr id="104" name="Google Shape;104;p2:notes"/>
-          <p:cNvSpPr txBox="1">
-            <a:spLocks noGrp="1"/>
-          </p:cNvSpPr>
-          <p:nvPr>
-            <p:ph type="body" idx="1"/>
-          </p:nvPr>
-        </p:nvSpPr>
-        <p:spPr>
-          <a:xfrm>
-            <a:off x="685800" y="4400550"/>
-            <a:ext cx="5486400" cy="3600450"/>
-          </a:xfrm>
-          <a:prstGeom prst="rect">
-            <a:avLst/>
-          </a:prstGeom>
-          <a:noFill/>
-          <a:ln>
-            <a:noFill/>
-          </a:ln>
-        </p:spPr>
-        <p:txBody>
-          <a:bodyPr spcFirstLastPara="1" wrap="square" lIns="91425" tIns="45700" rIns="91425" bIns="45700" anchor="t" anchorCtr="0">
-            <a:noAutofit/>
-          </a:bodyPr>
-          <a:lstStyle/>
-          <a:p>
-            <a:pPr marL="0" lvl="0" indent="0" algn="l" rtl="0">
-              <a:lnSpc>
-                <a:spcPct val="150000"/>
-              </a:lnSpc>
-              <a:spcBef>
-                <a:spcPts val="0"/>
-              </a:spcBef>
-              <a:spcAft>
-                <a:spcPts val="0"/>
-              </a:spcAft>
-              <a:buClr>
-                <a:schemeClr val="dk1"/>
-              </a:buClr>
-              <a:buSzPts val="1100"/>
-              <a:buFont typeface="Arial"/>
-              <a:buNone/>
-            </a:pPr>
-            <a:endParaRPr sz="1900" dirty="0">
-              <a:latin typeface="Poppins"/>
-              <a:ea typeface="Poppins"/>
-              <a:cs typeface="Poppins"/>
-              <a:sym typeface="Poppins"/>
-            </a:endParaRPr>
-          </a:p>
-        </p:txBody>
-      </p:sp>
-      <p:sp>
-        <p:nvSpPr>
-          <p:cNvPr id="105" name="Google Shape;105;p2:notes"/>
-          <p:cNvSpPr>
-            <a:spLocks noGrp="1" noRot="1" noChangeAspect="1"/>
-          </p:cNvSpPr>
-          <p:nvPr>
-            <p:ph type="sldImg" idx="2"/>
-          </p:nvPr>
-        </p:nvSpPr>
-        <p:spPr>
-          <a:xfrm>
-            <a:off x="685800" y="1143000"/>
-            <a:ext cx="5486400" cy="3086100"/>
-          </a:xfrm>
-          <a:custGeom>
-            <a:avLst/>
-            <a:gdLst/>
-            <a:ahLst/>
-            <a:cxnLst/>
-            <a:rect l="l" t="t" r="r" b="b"/>
-            <a:pathLst>
-              <a:path w="120000" h="120000" extrusionOk="0">
-                <a:moveTo>
-                  <a:pt x="0" y="0"/>
-                </a:moveTo>
-                <a:lnTo>
-                  <a:pt x="120000" y="0"/>
-                </a:lnTo>
-                <a:lnTo>
-                  <a:pt x="120000" y="120000"/>
-                </a:lnTo>
-                <a:lnTo>
-                  <a:pt x="0" y="120000"/>
-                </a:lnTo>
-                <a:close/>
-              </a:path>
-            </a:pathLst>
-          </a:custGeom>
-          <a:noFill/>
-          <a:ln w="12700" cap="flat" cmpd="sng">
-            <a:solidFill>
-              <a:srgbClr val="000000"/>
-            </a:solidFill>
-            <a:prstDash val="solid"/>
-            <a:round/>
-            <a:headEnd type="none" w="sm" len="sm"/>
-            <a:tailEnd type="none" w="sm" len="sm"/>
-          </a:ln>
-        </p:spPr>
-      </p:sp>
-    </p:spTree>
-    <p:extLst>
-      <p:ext uri="{BB962C8B-B14F-4D97-AF65-F5344CB8AC3E}">
-        <p14:creationId xmlns:p14="http://schemas.microsoft.com/office/powerpoint/2010/main" val="2868647432"/>
       </p:ext>
     </p:extLst>
   </p:cSld>
@@ -18831,7 +18949,7 @@
                 <a:cs typeface="Lexend"/>
                 <a:sym typeface="Lexend"/>
               </a:rPr>
-              <a:t>Diagnostics: Telemetry Schema URLs</a:t>
+              <a:t>TLS 1.3 Support on macOS (Client)</a:t>
             </a:r>
           </a:p>
         </p:txBody>
@@ -18850,7 +18968,7 @@
         </p:nvSpPr>
         <p:spPr>
           <a:xfrm>
-            <a:off x="451488" y="4719246"/>
+            <a:off x="451488" y="4646637"/>
             <a:ext cx="10720064" cy="1323439"/>
           </a:xfrm>
           <a:prstGeom prst="rect">
@@ -18941,24 +19059,7 @@
                 <a:latin typeface="Poppins" panose="00000500000000000000" pitchFamily="2" charset="-94"/>
                 <a:cs typeface="Poppins" panose="00000500000000000000" pitchFamily="2" charset="-94"/>
               </a:rPr>
-              <a:t>Easier integration with </a:t>
-            </a:r>
-            <a:r>
-              <a:rPr lang="en-US" sz="1600" i="1" dirty="0" err="1">
-                <a:latin typeface="Consolas" panose="020B0609020204030204" pitchFamily="49" charset="0"/>
-                <a:cs typeface="Poppins" panose="00000500000000000000" pitchFamily="2" charset="-94"/>
-              </a:rPr>
-              <a:t>OpenTelemetry</a:t>
-            </a:r>
-            <a:r>
-              <a:rPr lang="en-US" altLang="en-US" sz="1600" dirty="0">
-                <a:solidFill>
-                  <a:schemeClr val="tx1"/>
-                </a:solidFill>
-                <a:latin typeface="Poppins" panose="00000500000000000000" pitchFamily="2" charset="-94"/>
-                <a:cs typeface="Poppins" panose="00000500000000000000" pitchFamily="2" charset="-94"/>
-              </a:rPr>
-              <a:t> pipelines.</a:t>
+              <a:t>Stronger security on macOS clients.</a:t>
             </a:r>
           </a:p>
           <a:p>
@@ -18986,7 +19087,7 @@
                 <a:latin typeface="Poppins" panose="00000500000000000000" pitchFamily="2" charset="-94"/>
                 <a:cs typeface="Poppins" panose="00000500000000000000" pitchFamily="2" charset="-94"/>
               </a:rPr>
-              <a:t>Better interoperability with observability tools (Grafana, Prometheus, etc.).</a:t>
+              <a:t>Faster and more efficient TLS handshakes.</a:t>
             </a:r>
           </a:p>
           <a:p>
@@ -19014,7 +19115,7 @@
                 <a:latin typeface="Poppins" panose="00000500000000000000" pitchFamily="2" charset="-94"/>
                 <a:cs typeface="Poppins" panose="00000500000000000000" pitchFamily="2" charset="-94"/>
               </a:rPr>
-              <a:t>Cleaner, schema-aware tracing in distributed systems.</a:t>
+              <a:t>Aligns macOS networking with Windows and Linux TLS 1.3 support.</a:t>
             </a:r>
           </a:p>
         </p:txBody>
@@ -19024,7 +19125,7 @@
           <p:cNvPr id="6" name="TextBox 5">
             <a:extLst>
               <a:ext uri="{FF2B5EF4-FFF2-40B4-BE49-F238E27FC236}">
-                <a16:creationId xmlns:a16="http://schemas.microsoft.com/office/drawing/2014/main" id="{B0E6FD36-0064-4D90-B973-EF8C386FFED1}"/>
+                <a16:creationId xmlns:a16="http://schemas.microsoft.com/office/drawing/2014/main" id="{E032EC61-DA49-45BB-A1C4-A1532A1CA8F9}"/>
               </a:ext>
             </a:extLst>
           </p:cNvPr>
@@ -19034,7 +19135,7 @@
         <p:spPr>
           <a:xfrm>
             <a:off x="451488" y="2832529"/>
-            <a:ext cx="11090272" cy="584775"/>
+            <a:ext cx="11222352" cy="830997"/>
           </a:xfrm>
           <a:prstGeom prst="rect">
             <a:avLst/>
@@ -19048,60 +19149,101 @@
           <a:lstStyle/>
           <a:p>
             <a:r>
+              <a:rPr lang="en-US" sz="1600" dirty="0">
+                <a:latin typeface="Poppins" panose="00000500000000000000" pitchFamily="2" charset="-94"/>
+                <a:cs typeface="Poppins" panose="00000500000000000000" pitchFamily="2" charset="-94"/>
+              </a:rPr>
+              <a:t>.NET 10 adds </a:t>
+            </a:r>
+            <a:r>
+              <a:rPr lang="en-US" sz="1600" i="1" dirty="0">
+                <a:latin typeface="Consolas" panose="020B0609020204030204" pitchFamily="49" charset="0"/>
+                <a:cs typeface="Poppins" panose="00000500000000000000" pitchFamily="2" charset="-94"/>
+              </a:rPr>
+              <a:t>TLS 1.3</a:t>
+            </a:r>
+            <a:r>
+              <a:rPr lang="en-US" sz="1600" dirty="0">
+                <a:latin typeface="Poppins" panose="00000500000000000000" pitchFamily="2" charset="-94"/>
+                <a:cs typeface="Poppins" panose="00000500000000000000" pitchFamily="2" charset="-94"/>
+              </a:rPr>
+              <a:t> for client-side networking on macOS by integrating Apple’s </a:t>
+            </a:r>
+            <a:r>
               <a:rPr lang="en-US" sz="1600" i="1" dirty="0" err="1">
                 <a:latin typeface="Consolas" panose="020B0609020204030204" pitchFamily="49" charset="0"/>
                 <a:cs typeface="Poppins" panose="00000500000000000000" pitchFamily="2" charset="-94"/>
               </a:rPr>
-              <a:t>ActivitySource</a:t>
+              <a:t>Network.framework</a:t>
+            </a:r>
+            <a:r>
+              <a:rPr lang="en-US" sz="1600" i="1" dirty="0">
+                <a:latin typeface="Consolas" panose="020B0609020204030204" pitchFamily="49" charset="0"/>
+                <a:cs typeface="Poppins" panose="00000500000000000000" pitchFamily="2" charset="-94"/>
+              </a:rPr>
+              <a:t> </a:t>
             </a:r>
             <a:r>
               <a:rPr lang="en-US" sz="1600" dirty="0">
                 <a:latin typeface="Poppins" panose="00000500000000000000" pitchFamily="2" charset="-94"/>
                 <a:cs typeface="Poppins" panose="00000500000000000000" pitchFamily="2" charset="-94"/>
               </a:rPr>
-              <a:t> and </a:t>
+              <a:t>into</a:t>
             </a:r>
             <a:r>
               <a:rPr lang="en-US" sz="1600" i="1" dirty="0">
                 <a:latin typeface="Consolas" panose="020B0609020204030204" pitchFamily="49" charset="0"/>
                 <a:cs typeface="Poppins" panose="00000500000000000000" pitchFamily="2" charset="-94"/>
               </a:rPr>
-              <a:t>Meter</a:t>
+              <a:t> </a:t>
+            </a:r>
+            <a:r>
+              <a:rPr lang="en-US" sz="1600" i="1" dirty="0" err="1">
+                <a:latin typeface="Consolas" panose="020B0609020204030204" pitchFamily="49" charset="0"/>
+                <a:cs typeface="Poppins" panose="00000500000000000000" pitchFamily="2" charset="-94"/>
+              </a:rPr>
+              <a:t>SslStream</a:t>
+            </a:r>
+            <a:r>
+              <a:rPr lang="en-US" sz="1600" i="1" dirty="0">
+                <a:latin typeface="Consolas" panose="020B0609020204030204" pitchFamily="49" charset="0"/>
+                <a:cs typeface="Poppins" panose="00000500000000000000" pitchFamily="2" charset="-94"/>
+              </a:rPr>
+              <a:t> and </a:t>
+            </a:r>
+            <a:r>
+              <a:rPr lang="en-US" sz="1600" i="1" dirty="0" err="1">
+                <a:latin typeface="Consolas" panose="020B0609020204030204" pitchFamily="49" charset="0"/>
+                <a:cs typeface="Poppins" panose="00000500000000000000" pitchFamily="2" charset="-94"/>
+              </a:rPr>
+              <a:t>HttpClient</a:t>
+            </a:r>
+            <a:r>
+              <a:rPr lang="en-US" sz="1600" i="1" dirty="0">
+                <a:latin typeface="Consolas" panose="020B0609020204030204" pitchFamily="49" charset="0"/>
+                <a:cs typeface="Poppins" panose="00000500000000000000" pitchFamily="2" charset="-94"/>
+              </a:rPr>
+              <a:t>.</a:t>
             </a:r>
             <a:r>
               <a:rPr lang="en-US" sz="1600" dirty="0">
                 <a:latin typeface="Poppins" panose="00000500000000000000" pitchFamily="2" charset="-94"/>
                 <a:cs typeface="Poppins" panose="00000500000000000000" pitchFamily="2" charset="-94"/>
               </a:rPr>
-              <a:t> now support </a:t>
-            </a:r>
-            <a:r>
-              <a:rPr lang="en-US" sz="1600" b="1" dirty="0">
-                <a:latin typeface="Poppins" panose="00000500000000000000" pitchFamily="2" charset="-94"/>
-                <a:cs typeface="Poppins" panose="00000500000000000000" pitchFamily="2" charset="-94"/>
-              </a:rPr>
-              <a:t>telemetry schema URLs</a:t>
-            </a:r>
-            <a:r>
+              <a:t> </a:t>
+            </a:r>
+            <a:br>
               <a:rPr lang="en-US" sz="1600" dirty="0">
                 <a:latin typeface="Poppins" panose="00000500000000000000" pitchFamily="2" charset="-94"/>
                 <a:cs typeface="Poppins" panose="00000500000000000000" pitchFamily="2" charset="-94"/>
               </a:rPr>
-              <a:t>, aligning .NET with </a:t>
-            </a:r>
-            <a:r>
-              <a:rPr lang="en-US" sz="1600" i="1" dirty="0" err="1">
-                <a:latin typeface="Consolas" panose="020B0609020204030204" pitchFamily="49" charset="0"/>
-                <a:cs typeface="Poppins" panose="00000500000000000000" pitchFamily="2" charset="-94"/>
-              </a:rPr>
-              <a:t>OpenTelemetry</a:t>
-            </a:r>
+            </a:br>
             <a:r>
               <a:rPr lang="en-US" sz="1600" dirty="0">
                 <a:latin typeface="Poppins" panose="00000500000000000000" pitchFamily="2" charset="-94"/>
                 <a:cs typeface="Poppins" panose="00000500000000000000" pitchFamily="2" charset="-94"/>
               </a:rPr>
-              <a:t> standards for consistent metric and trace data.</a:t>
+              <a:t>Apps must opt in via code or environment variable.</a:t>
             </a:r>
           </a:p>
         </p:txBody>
@@ -19109,7 +19251,7 @@
     </p:spTree>
     <p:extLst>
       <p:ext uri="{BB962C8B-B14F-4D97-AF65-F5344CB8AC3E}">
-        <p14:creationId xmlns:p14="http://schemas.microsoft.com/office/powerpoint/2010/main" val="2438013268"/>
+        <p14:creationId xmlns:p14="http://schemas.microsoft.com/office/powerpoint/2010/main" val="3416393850"/>
       </p:ext>
     </p:extLst>
   </p:cSld>
@@ -19222,6 +19364,406 @@
               <a:buSzPts val="3200"/>
             </a:pPr>
             <a:r>
+              <a:rPr lang="en-US" sz="3400" dirty="0">
+                <a:solidFill>
+                  <a:srgbClr val="292D33"/>
+                </a:solidFill>
+                <a:latin typeface="Lexend"/>
+                <a:ea typeface="Lexend"/>
+                <a:cs typeface="Lexend"/>
+                <a:sym typeface="Lexend"/>
+              </a:rPr>
+              <a:t>Diagnostics: Telemetry Schema URLs</a:t>
+            </a:r>
+          </a:p>
+        </p:txBody>
+      </p:sp>
+      <p:sp>
+        <p:nvSpPr>
+          <p:cNvPr id="5" name="TextBox 4">
+            <a:extLst>
+              <a:ext uri="{FF2B5EF4-FFF2-40B4-BE49-F238E27FC236}">
+                <a16:creationId xmlns:a16="http://schemas.microsoft.com/office/drawing/2014/main" id="{B19F4668-4F61-4CBE-AB39-265B74442340}"/>
+              </a:ext>
+            </a:extLst>
+          </p:cNvPr>
+          <p:cNvSpPr txBox="1"/>
+          <p:nvPr/>
+        </p:nvSpPr>
+        <p:spPr>
+          <a:xfrm>
+            <a:off x="451488" y="4719246"/>
+            <a:ext cx="10720064" cy="1323439"/>
+          </a:xfrm>
+          <a:prstGeom prst="rect">
+            <a:avLst/>
+          </a:prstGeom>
+          <a:noFill/>
+        </p:spPr>
+        <p:txBody>
+          <a:bodyPr wrap="square">
+            <a:spAutoFit/>
+          </a:bodyPr>
+          <a:lstStyle/>
+          <a:p>
+            <a:pPr marL="0" marR="0" lvl="0" indent="0" algn="l" defTabSz="914400" rtl="0" eaLnBrk="0" fontAlgn="base" latinLnBrk="0" hangingPunct="0">
+              <a:lnSpc>
+                <a:spcPct val="100000"/>
+              </a:lnSpc>
+              <a:spcBef>
+                <a:spcPct val="0"/>
+              </a:spcBef>
+              <a:spcAft>
+                <a:spcPct val="0"/>
+              </a:spcAft>
+              <a:buClrTx/>
+              <a:buSzTx/>
+              <a:buFontTx/>
+              <a:buNone/>
+              <a:tabLst/>
+            </a:pPr>
+            <a:r>
+              <a:rPr lang="en-US" altLang="en-US" sz="1600" b="1" dirty="0">
+                <a:solidFill>
+                  <a:schemeClr val="tx1"/>
+                </a:solidFill>
+                <a:latin typeface="Poppins" panose="00000500000000000000" pitchFamily="2" charset="-94"/>
+                <a:cs typeface="Poppins" panose="00000500000000000000" pitchFamily="2" charset="-94"/>
+              </a:rPr>
+              <a:t>✅ What this means:</a:t>
+            </a:r>
+          </a:p>
+          <a:p>
+            <a:pPr marL="0" marR="0" lvl="0" indent="0" algn="l" defTabSz="914400" rtl="0" eaLnBrk="0" fontAlgn="base" latinLnBrk="0" hangingPunct="0">
+              <a:lnSpc>
+                <a:spcPct val="100000"/>
+              </a:lnSpc>
+              <a:spcBef>
+                <a:spcPct val="0"/>
+              </a:spcBef>
+              <a:spcAft>
+                <a:spcPct val="0"/>
+              </a:spcAft>
+              <a:buClrTx/>
+              <a:buSzTx/>
+              <a:buFontTx/>
+              <a:buNone/>
+              <a:tabLst/>
+            </a:pPr>
+            <a:endParaRPr lang="en-US" altLang="en-US" sz="1600" b="1" dirty="0">
+              <a:solidFill>
+                <a:schemeClr val="tx1"/>
+              </a:solidFill>
+              <a:latin typeface="Poppins" panose="00000500000000000000" pitchFamily="2" charset="-94"/>
+              <a:cs typeface="Poppins" panose="00000500000000000000" pitchFamily="2" charset="-94"/>
+            </a:endParaRPr>
+          </a:p>
+          <a:p>
+            <a:pPr marL="285750" marR="0" lvl="0" indent="-285750" algn="l" defTabSz="914400" rtl="0" eaLnBrk="0" fontAlgn="base" latinLnBrk="0" hangingPunct="0">
+              <a:lnSpc>
+                <a:spcPct val="100000"/>
+              </a:lnSpc>
+              <a:spcBef>
+                <a:spcPct val="0"/>
+              </a:spcBef>
+              <a:spcAft>
+                <a:spcPct val="0"/>
+              </a:spcAft>
+              <a:buClrTx/>
+              <a:buSzTx/>
+              <a:buFont typeface="Arial" panose="020B0604020202020204" pitchFamily="34" charset="0"/>
+              <a:buChar char="•"/>
+              <a:tabLst/>
+            </a:pPr>
+            <a:r>
+              <a:rPr lang="en-US" altLang="en-US" sz="1600" dirty="0">
+                <a:solidFill>
+                  <a:schemeClr val="tx1"/>
+                </a:solidFill>
+                <a:latin typeface="Poppins" panose="00000500000000000000" pitchFamily="2" charset="-94"/>
+                <a:cs typeface="Poppins" panose="00000500000000000000" pitchFamily="2" charset="-94"/>
+              </a:rPr>
+              <a:t>Easier integration with </a:t>
+            </a:r>
+            <a:r>
+              <a:rPr lang="en-US" sz="1600" i="1" dirty="0" err="1">
+                <a:latin typeface="Consolas" panose="020B0609020204030204" pitchFamily="49" charset="0"/>
+                <a:cs typeface="Poppins" panose="00000500000000000000" pitchFamily="2" charset="-94"/>
+              </a:rPr>
+              <a:t>OpenTelemetry</a:t>
+            </a:r>
+            <a:r>
+              <a:rPr lang="en-US" altLang="en-US" sz="1600" dirty="0">
+                <a:solidFill>
+                  <a:schemeClr val="tx1"/>
+                </a:solidFill>
+                <a:latin typeface="Poppins" panose="00000500000000000000" pitchFamily="2" charset="-94"/>
+                <a:cs typeface="Poppins" panose="00000500000000000000" pitchFamily="2" charset="-94"/>
+              </a:rPr>
+              <a:t> pipelines.</a:t>
+            </a:r>
+          </a:p>
+          <a:p>
+            <a:pPr marL="285750" marR="0" lvl="0" indent="-285750" algn="l" defTabSz="914400" rtl="0" eaLnBrk="0" fontAlgn="base" latinLnBrk="0" hangingPunct="0">
+              <a:lnSpc>
+                <a:spcPct val="100000"/>
+              </a:lnSpc>
+              <a:spcBef>
+                <a:spcPct val="0"/>
+              </a:spcBef>
+              <a:spcAft>
+                <a:spcPct val="0"/>
+              </a:spcAft>
+              <a:buClrTx/>
+              <a:buSzTx/>
+              <a:buFont typeface="Arial" panose="020B0604020202020204" pitchFamily="34" charset="0"/>
+              <a:buChar char="•"/>
+              <a:tabLst/>
+            </a:pPr>
+            <a:r>
+              <a:rPr lang="en-US" altLang="en-US" sz="1600" dirty="0">
+                <a:solidFill>
+                  <a:schemeClr val="tx1"/>
+                </a:solidFill>
+                <a:latin typeface="Poppins" panose="00000500000000000000" pitchFamily="2" charset="-94"/>
+                <a:cs typeface="Poppins" panose="00000500000000000000" pitchFamily="2" charset="-94"/>
+              </a:rPr>
+              <a:t>Better interoperability with observability tools (Grafana, Prometheus, etc.).</a:t>
+            </a:r>
+          </a:p>
+          <a:p>
+            <a:pPr marL="285750" marR="0" lvl="0" indent="-285750" algn="l" defTabSz="914400" rtl="0" eaLnBrk="0" fontAlgn="base" latinLnBrk="0" hangingPunct="0">
+              <a:lnSpc>
+                <a:spcPct val="100000"/>
+              </a:lnSpc>
+              <a:spcBef>
+                <a:spcPct val="0"/>
+              </a:spcBef>
+              <a:spcAft>
+                <a:spcPct val="0"/>
+              </a:spcAft>
+              <a:buClrTx/>
+              <a:buSzTx/>
+              <a:buFont typeface="Arial" panose="020B0604020202020204" pitchFamily="34" charset="0"/>
+              <a:buChar char="•"/>
+              <a:tabLst/>
+            </a:pPr>
+            <a:r>
+              <a:rPr lang="en-US" altLang="en-US" sz="1600" dirty="0">
+                <a:solidFill>
+                  <a:schemeClr val="tx1"/>
+                </a:solidFill>
+                <a:latin typeface="Poppins" panose="00000500000000000000" pitchFamily="2" charset="-94"/>
+                <a:cs typeface="Poppins" panose="00000500000000000000" pitchFamily="2" charset="-94"/>
+              </a:rPr>
+              <a:t>Cleaner, schema-aware tracing in distributed systems.</a:t>
+            </a:r>
+          </a:p>
+        </p:txBody>
+      </p:sp>
+      <p:sp>
+        <p:nvSpPr>
+          <p:cNvPr id="6" name="TextBox 5">
+            <a:extLst>
+              <a:ext uri="{FF2B5EF4-FFF2-40B4-BE49-F238E27FC236}">
+                <a16:creationId xmlns:a16="http://schemas.microsoft.com/office/drawing/2014/main" id="{B0E6FD36-0064-4D90-B973-EF8C386FFED1}"/>
+              </a:ext>
+            </a:extLst>
+          </p:cNvPr>
+          <p:cNvSpPr txBox="1"/>
+          <p:nvPr/>
+        </p:nvSpPr>
+        <p:spPr>
+          <a:xfrm>
+            <a:off x="451488" y="2832529"/>
+            <a:ext cx="11090272" cy="584775"/>
+          </a:xfrm>
+          <a:prstGeom prst="rect">
+            <a:avLst/>
+          </a:prstGeom>
+          <a:noFill/>
+        </p:spPr>
+        <p:txBody>
+          <a:bodyPr wrap="square">
+            <a:spAutoFit/>
+          </a:bodyPr>
+          <a:lstStyle/>
+          <a:p>
+            <a:r>
+              <a:rPr lang="en-US" sz="1600" i="1" dirty="0" err="1">
+                <a:latin typeface="Consolas" panose="020B0609020204030204" pitchFamily="49" charset="0"/>
+                <a:cs typeface="Poppins" panose="00000500000000000000" pitchFamily="2" charset="-94"/>
+              </a:rPr>
+              <a:t>ActivitySource</a:t>
+            </a:r>
+            <a:r>
+              <a:rPr lang="en-US" sz="1600" dirty="0">
+                <a:latin typeface="Poppins" panose="00000500000000000000" pitchFamily="2" charset="-94"/>
+                <a:cs typeface="Poppins" panose="00000500000000000000" pitchFamily="2" charset="-94"/>
+              </a:rPr>
+              <a:t> and </a:t>
+            </a:r>
+            <a:r>
+              <a:rPr lang="en-US" sz="1600" i="1" dirty="0">
+                <a:latin typeface="Consolas" panose="020B0609020204030204" pitchFamily="49" charset="0"/>
+                <a:cs typeface="Poppins" panose="00000500000000000000" pitchFamily="2" charset="-94"/>
+              </a:rPr>
+              <a:t>Meter</a:t>
+            </a:r>
+            <a:r>
+              <a:rPr lang="en-US" sz="1600" dirty="0">
+                <a:latin typeface="Poppins" panose="00000500000000000000" pitchFamily="2" charset="-94"/>
+                <a:cs typeface="Poppins" panose="00000500000000000000" pitchFamily="2" charset="-94"/>
+              </a:rPr>
+              <a:t> now support </a:t>
+            </a:r>
+            <a:r>
+              <a:rPr lang="en-US" sz="1600" b="1" dirty="0">
+                <a:latin typeface="Poppins" panose="00000500000000000000" pitchFamily="2" charset="-94"/>
+                <a:cs typeface="Poppins" panose="00000500000000000000" pitchFamily="2" charset="-94"/>
+              </a:rPr>
+              <a:t>telemetry schema URLs</a:t>
+            </a:r>
+            <a:r>
+              <a:rPr lang="en-US" sz="1600" dirty="0">
+                <a:latin typeface="Poppins" panose="00000500000000000000" pitchFamily="2" charset="-94"/>
+                <a:cs typeface="Poppins" panose="00000500000000000000" pitchFamily="2" charset="-94"/>
+              </a:rPr>
+              <a:t>, aligning .NET with </a:t>
+            </a:r>
+            <a:r>
+              <a:rPr lang="en-US" sz="1600" i="1" dirty="0" err="1">
+                <a:latin typeface="Consolas" panose="020B0609020204030204" pitchFamily="49" charset="0"/>
+                <a:cs typeface="Poppins" panose="00000500000000000000" pitchFamily="2" charset="-94"/>
+              </a:rPr>
+              <a:t>OpenTelemetry</a:t>
+            </a:r>
+            <a:r>
+              <a:rPr lang="en-US" sz="1600" dirty="0">
+                <a:latin typeface="Poppins" panose="00000500000000000000" pitchFamily="2" charset="-94"/>
+                <a:cs typeface="Poppins" panose="00000500000000000000" pitchFamily="2" charset="-94"/>
+              </a:rPr>
+              <a:t> standards for consistent metric and trace data.</a:t>
+            </a:r>
+          </a:p>
+        </p:txBody>
+      </p:sp>
+    </p:spTree>
+    <p:extLst>
+      <p:ext uri="{BB962C8B-B14F-4D97-AF65-F5344CB8AC3E}">
+        <p14:creationId xmlns:p14="http://schemas.microsoft.com/office/powerpoint/2010/main" val="2438013268"/>
+      </p:ext>
+    </p:extLst>
+  </p:cSld>
+  <p:clrMapOvr>
+    <a:masterClrMapping/>
+  </p:clrMapOvr>
+</p:sld>
+</file>
+
+<file path=ppt/slides/slide12.xml><?xml version="1.0" encoding="utf-8"?>
+<p:sld xmlns:a="http://schemas.openxmlformats.org/drawingml/2006/main" xmlns:r="http://schemas.openxmlformats.org/officeDocument/2006/relationships" xmlns:p="http://schemas.openxmlformats.org/presentationml/2006/main">
+  <p:cSld>
+    <p:bg>
+      <p:bgPr>
+        <a:blipFill dpi="0" rotWithShape="1">
+          <a:blip r:embed="rId3">
+            <a:lum/>
+          </a:blip>
+          <a:srcRect/>
+          <a:stretch>
+            <a:fillRect/>
+          </a:stretch>
+        </a:blipFill>
+        <a:effectLst/>
+      </p:bgPr>
+    </p:bg>
+    <p:spTree>
+      <p:nvGrpSpPr>
+        <p:cNvPr id="1" name="Shape 106"/>
+        <p:cNvGrpSpPr/>
+        <p:nvPr/>
+      </p:nvGrpSpPr>
+      <p:grpSpPr>
+        <a:xfrm>
+          <a:off x="0" y="0"/>
+          <a:ext cx="0" cy="0"/>
+          <a:chOff x="0" y="0"/>
+          <a:chExt cx="0" cy="0"/>
+        </a:xfrm>
+      </p:grpSpPr>
+      <p:sp>
+        <p:nvSpPr>
+          <p:cNvPr id="107" name="Google Shape;107;p2"/>
+          <p:cNvSpPr txBox="1"/>
+          <p:nvPr/>
+        </p:nvSpPr>
+        <p:spPr>
+          <a:xfrm>
+            <a:off x="451488" y="464463"/>
+            <a:ext cx="10720064" cy="1138733"/>
+          </a:xfrm>
+          <a:prstGeom prst="rect">
+            <a:avLst/>
+          </a:prstGeom>
+          <a:noFill/>
+          <a:ln>
+            <a:noFill/>
+          </a:ln>
+        </p:spPr>
+        <p:txBody>
+          <a:bodyPr spcFirstLastPara="1" wrap="square" lIns="91425" tIns="45700" rIns="91425" bIns="45700" anchor="t" anchorCtr="0">
+            <a:spAutoFit/>
+          </a:bodyPr>
+          <a:lstStyle/>
+          <a:p>
+            <a:pPr marL="0" marR="0" lvl="0" indent="0" algn="l" rtl="0">
+              <a:lnSpc>
+                <a:spcPct val="100000"/>
+              </a:lnSpc>
+              <a:spcBef>
+                <a:spcPts val="0"/>
+              </a:spcBef>
+              <a:spcAft>
+                <a:spcPts val="0"/>
+              </a:spcAft>
+              <a:buClr>
+                <a:srgbClr val="000000"/>
+              </a:buClr>
+              <a:buSzPts val="3200"/>
+              <a:buFont typeface="Arial"/>
+              <a:buNone/>
+            </a:pPr>
+            <a:r>
+              <a:rPr lang="en-US" sz="3400" b="1" dirty="0">
+                <a:solidFill>
+                  <a:srgbClr val="292D33"/>
+                </a:solidFill>
+                <a:latin typeface="Lexend"/>
+                <a:ea typeface="Lexend"/>
+                <a:cs typeface="Lexend"/>
+                <a:sym typeface="Lexend"/>
+              </a:rPr>
+              <a:t>.NET Libraries Improvements </a:t>
+            </a:r>
+          </a:p>
+          <a:p>
+            <a:pPr marR="0" lvl="0" algn="l" rtl="0">
+              <a:lnSpc>
+                <a:spcPct val="100000"/>
+              </a:lnSpc>
+              <a:spcBef>
+                <a:spcPts val="0"/>
+              </a:spcBef>
+              <a:spcAft>
+                <a:spcPts val="0"/>
+              </a:spcAft>
+              <a:buClr>
+                <a:srgbClr val="000000"/>
+              </a:buClr>
+              <a:buSzPts val="3200"/>
+            </a:pPr>
+            <a:r>
               <a:rPr lang="en-US" sz="3400" dirty="0" err="1">
                 <a:solidFill>
                   <a:srgbClr val="292D33"/>
@@ -19524,7 +20066,7 @@
 </p:sld>
 </file>
 
-<file path=ppt/slides/slide12.xml><?xml version="1.0" encoding="utf-8"?>
+<file path=ppt/slides/slide13.xml><?xml version="1.0" encoding="utf-8"?>
 <p:sld xmlns:a="http://schemas.openxmlformats.org/drawingml/2006/main" xmlns:r="http://schemas.openxmlformats.org/officeDocument/2006/relationships" xmlns:p="http://schemas.openxmlformats.org/presentationml/2006/main">
   <p:cSld>
     <p:bg>
@@ -19679,7 +20221,7 @@
 </p:sld>
 </file>
 
-<file path=ppt/slides/slide13.xml><?xml version="1.0" encoding="utf-8"?>
+<file path=ppt/slides/slide14.xml><?xml version="1.0" encoding="utf-8"?>
 <p:sld xmlns:a="http://schemas.openxmlformats.org/drawingml/2006/main" xmlns:r="http://schemas.openxmlformats.org/officeDocument/2006/relationships" xmlns:p="http://schemas.openxmlformats.org/presentationml/2006/main">
   <p:cSld>
     <p:bg>
@@ -19970,7 +20512,7 @@
 </p:sld>
 </file>
 
-<file path=ppt/slides/slide14.xml><?xml version="1.0" encoding="utf-8"?>
+<file path=ppt/slides/slide15.xml><?xml version="1.0" encoding="utf-8"?>
 <p:sld xmlns:a="http://schemas.openxmlformats.org/drawingml/2006/main" xmlns:r="http://schemas.openxmlformats.org/officeDocument/2006/relationships" xmlns:p="http://schemas.openxmlformats.org/presentationml/2006/main">
   <p:cSld>
     <p:bg>
@@ -20401,7 +20943,7 @@
 </p:sld>
 </file>
 
-<file path=ppt/slides/slide15.xml><?xml version="1.0" encoding="utf-8"?>
+<file path=ppt/slides/slide16.xml><?xml version="1.0" encoding="utf-8"?>
 <p:sld xmlns:a="http://schemas.openxmlformats.org/drawingml/2006/main" xmlns:r="http://schemas.openxmlformats.org/officeDocument/2006/relationships" xmlns:p="http://schemas.openxmlformats.org/presentationml/2006/main">
   <p:cSld>
     <p:bg>
@@ -20709,306 +21251,6 @@
     <p:extLst>
       <p:ext uri="{BB962C8B-B14F-4D97-AF65-F5344CB8AC3E}">
         <p14:creationId xmlns:p14="http://schemas.microsoft.com/office/powerpoint/2010/main" val="3994898218"/>
-      </p:ext>
-    </p:extLst>
-  </p:cSld>
-  <p:clrMapOvr>
-    <a:masterClrMapping/>
-  </p:clrMapOvr>
-</p:sld>
-</file>
-
-<file path=ppt/slides/slide16.xml><?xml version="1.0" encoding="utf-8"?>
-<p:sld xmlns:a="http://schemas.openxmlformats.org/drawingml/2006/main" xmlns:r="http://schemas.openxmlformats.org/officeDocument/2006/relationships" xmlns:p="http://schemas.openxmlformats.org/presentationml/2006/main">
-  <p:cSld>
-    <p:bg>
-      <p:bgPr>
-        <a:blipFill dpi="0" rotWithShape="1">
-          <a:blip r:embed="rId3">
-            <a:lum/>
-          </a:blip>
-          <a:srcRect/>
-          <a:stretch>
-            <a:fillRect/>
-          </a:stretch>
-        </a:blipFill>
-        <a:effectLst/>
-      </p:bgPr>
-    </p:bg>
-    <p:spTree>
-      <p:nvGrpSpPr>
-        <p:cNvPr id="1" name="Shape 106"/>
-        <p:cNvGrpSpPr/>
-        <p:nvPr/>
-      </p:nvGrpSpPr>
-      <p:grpSpPr>
-        <a:xfrm>
-          <a:off x="0" y="0"/>
-          <a:ext cx="0" cy="0"/>
-          <a:chOff x="0" y="0"/>
-          <a:chExt cx="0" cy="0"/>
-        </a:xfrm>
-      </p:grpSpPr>
-      <p:sp>
-        <p:nvSpPr>
-          <p:cNvPr id="107" name="Google Shape;107;p2"/>
-          <p:cNvSpPr txBox="1"/>
-          <p:nvPr/>
-        </p:nvSpPr>
-        <p:spPr>
-          <a:xfrm>
-            <a:off x="451488" y="464463"/>
-            <a:ext cx="10720064" cy="1138733"/>
-          </a:xfrm>
-          <a:prstGeom prst="rect">
-            <a:avLst/>
-          </a:prstGeom>
-          <a:noFill/>
-          <a:ln>
-            <a:noFill/>
-          </a:ln>
-        </p:spPr>
-        <p:txBody>
-          <a:bodyPr spcFirstLastPara="1" wrap="square" lIns="91425" tIns="45700" rIns="91425" bIns="45700" anchor="t" anchorCtr="0">
-            <a:spAutoFit/>
-          </a:bodyPr>
-          <a:lstStyle/>
-          <a:p>
-            <a:pPr marL="0" marR="0" lvl="0" indent="0" algn="l" rtl="0">
-              <a:lnSpc>
-                <a:spcPct val="100000"/>
-              </a:lnSpc>
-              <a:spcBef>
-                <a:spcPts val="0"/>
-              </a:spcBef>
-              <a:spcAft>
-                <a:spcPts val="0"/>
-              </a:spcAft>
-              <a:buClr>
-                <a:srgbClr val="000000"/>
-              </a:buClr>
-              <a:buSzPts val="3200"/>
-              <a:buFont typeface="Arial"/>
-              <a:buNone/>
-            </a:pPr>
-            <a:r>
-              <a:rPr lang="en-US" sz="3400" b="1" dirty="0">
-                <a:solidFill>
-                  <a:srgbClr val="292D33"/>
-                </a:solidFill>
-                <a:latin typeface="Lexend"/>
-                <a:ea typeface="Lexend"/>
-                <a:cs typeface="Lexend"/>
-                <a:sym typeface="Lexend"/>
-              </a:rPr>
-              <a:t>.NET Runtime Improvements </a:t>
-            </a:r>
-          </a:p>
-          <a:p>
-            <a:pPr marR="0" lvl="0" algn="l" rtl="0">
-              <a:lnSpc>
-                <a:spcPct val="100000"/>
-              </a:lnSpc>
-              <a:spcBef>
-                <a:spcPts val="0"/>
-              </a:spcBef>
-              <a:spcAft>
-                <a:spcPts val="0"/>
-              </a:spcAft>
-              <a:buClr>
-                <a:srgbClr val="000000"/>
-              </a:buClr>
-              <a:buSzPts val="3200"/>
-            </a:pPr>
-            <a:r>
-              <a:rPr lang="en-US" sz="3400" dirty="0">
-                <a:solidFill>
-                  <a:srgbClr val="292D33"/>
-                </a:solidFill>
-                <a:latin typeface="Lexend"/>
-                <a:ea typeface="Lexend"/>
-                <a:cs typeface="Lexend"/>
-                <a:sym typeface="Lexend"/>
-              </a:rPr>
-              <a:t>JIT Compiler: Improved Code Layout</a:t>
-            </a:r>
-          </a:p>
-        </p:txBody>
-      </p:sp>
-      <p:sp>
-        <p:nvSpPr>
-          <p:cNvPr id="4" name="TextBox 3">
-            <a:extLst>
-              <a:ext uri="{FF2B5EF4-FFF2-40B4-BE49-F238E27FC236}">
-                <a16:creationId xmlns:a16="http://schemas.microsoft.com/office/drawing/2014/main" id="{31566947-2DFA-49A8-912D-89C58B64CD3F}"/>
-              </a:ext>
-            </a:extLst>
-          </p:cNvPr>
-          <p:cNvSpPr txBox="1"/>
-          <p:nvPr/>
-        </p:nvSpPr>
-        <p:spPr>
-          <a:xfrm>
-            <a:off x="502288" y="2758778"/>
-            <a:ext cx="11267440" cy="830997"/>
-          </a:xfrm>
-          <a:prstGeom prst="rect">
-            <a:avLst/>
-          </a:prstGeom>
-          <a:noFill/>
-        </p:spPr>
-        <p:txBody>
-          <a:bodyPr wrap="square">
-            <a:spAutoFit/>
-          </a:bodyPr>
-          <a:lstStyle/>
-          <a:p>
-            <a:r>
-              <a:rPr lang="en-US" sz="1600" dirty="0">
-                <a:latin typeface="Poppins" panose="00000500000000000000" pitchFamily="2" charset="-94"/>
-                <a:cs typeface="Poppins" panose="00000500000000000000" pitchFamily="2" charset="-94"/>
-              </a:rPr>
-              <a:t>The JIT now uses a </a:t>
-            </a:r>
-            <a:r>
-              <a:rPr lang="en-US" sz="1600" b="1" dirty="0">
-                <a:latin typeface="Poppins" panose="00000500000000000000" pitchFamily="2" charset="-94"/>
-                <a:cs typeface="Poppins" panose="00000500000000000000" pitchFamily="2" charset="-94"/>
-              </a:rPr>
-              <a:t>smarter algorithm</a:t>
-            </a:r>
-            <a:r>
-              <a:rPr lang="en-US" sz="1600" dirty="0">
-                <a:latin typeface="Poppins" panose="00000500000000000000" pitchFamily="2" charset="-94"/>
-                <a:cs typeface="Poppins" panose="00000500000000000000" pitchFamily="2" charset="-94"/>
-              </a:rPr>
-              <a:t> (</a:t>
-            </a:r>
-            <a:r>
-              <a:rPr lang="en-US" sz="1600" i="1" dirty="0">
-                <a:latin typeface="Poppins" panose="00000500000000000000" pitchFamily="2" charset="-94"/>
-                <a:cs typeface="Poppins" panose="00000500000000000000" pitchFamily="2" charset="-94"/>
-              </a:rPr>
-              <a:t>based on a 3-opt Traveling Salesman heuristic</a:t>
-            </a:r>
-            <a:r>
-              <a:rPr lang="en-US" sz="1600" dirty="0">
-                <a:latin typeface="Poppins" panose="00000500000000000000" pitchFamily="2" charset="-94"/>
-                <a:cs typeface="Poppins" panose="00000500000000000000" pitchFamily="2" charset="-94"/>
-              </a:rPr>
-              <a:t>) to organize compiled code. This ensures that “</a:t>
-            </a:r>
-            <a:r>
-              <a:rPr lang="en-US" sz="1600" i="1" dirty="0">
-                <a:latin typeface="Poppins" panose="00000500000000000000" pitchFamily="2" charset="-94"/>
-                <a:cs typeface="Poppins" panose="00000500000000000000" pitchFamily="2" charset="-94"/>
-              </a:rPr>
-              <a:t>hot</a:t>
-            </a:r>
-            <a:r>
-              <a:rPr lang="en-US" sz="1600" dirty="0">
-                <a:latin typeface="Poppins" panose="00000500000000000000" pitchFamily="2" charset="-94"/>
-                <a:cs typeface="Poppins" panose="00000500000000000000" pitchFamily="2" charset="-94"/>
-              </a:rPr>
-              <a:t>” execution paths are placed close together in memory, improving branch prediction and cache efficiency.</a:t>
-            </a:r>
-          </a:p>
-        </p:txBody>
-      </p:sp>
-      <p:sp>
-        <p:nvSpPr>
-          <p:cNvPr id="5" name="TextBox 4">
-            <a:extLst>
-              <a:ext uri="{FF2B5EF4-FFF2-40B4-BE49-F238E27FC236}">
-                <a16:creationId xmlns:a16="http://schemas.microsoft.com/office/drawing/2014/main" id="{F0367421-1CA9-466F-A8B4-09E09370CD28}"/>
-              </a:ext>
-            </a:extLst>
-          </p:cNvPr>
-          <p:cNvSpPr txBox="1"/>
-          <p:nvPr/>
-        </p:nvSpPr>
-        <p:spPr>
-          <a:xfrm>
-            <a:off x="493392" y="4745357"/>
-            <a:ext cx="10678160" cy="1323439"/>
-          </a:xfrm>
-          <a:prstGeom prst="rect">
-            <a:avLst/>
-          </a:prstGeom>
-          <a:noFill/>
-        </p:spPr>
-        <p:txBody>
-          <a:bodyPr wrap="square">
-            <a:spAutoFit/>
-          </a:bodyPr>
-          <a:lstStyle/>
-          <a:p>
-            <a:r>
-              <a:rPr lang="en-US" sz="1600" dirty="0">
-                <a:latin typeface="Poppins" panose="00000500000000000000" pitchFamily="2" charset="-94"/>
-                <a:cs typeface="Poppins" panose="00000500000000000000" pitchFamily="2" charset="-94"/>
-              </a:rPr>
-              <a:t>✅ </a:t>
-            </a:r>
-            <a:r>
-              <a:rPr lang="en-US" sz="1600" b="1" dirty="0">
-                <a:latin typeface="Poppins" panose="00000500000000000000" pitchFamily="2" charset="-94"/>
-                <a:cs typeface="Poppins" panose="00000500000000000000" pitchFamily="2" charset="-94"/>
-              </a:rPr>
-              <a:t>What this means:</a:t>
-            </a:r>
-          </a:p>
-          <a:p>
-            <a:endParaRPr lang="en-US" sz="1600" dirty="0">
-              <a:latin typeface="Poppins" panose="00000500000000000000" pitchFamily="2" charset="-94"/>
-              <a:cs typeface="Poppins" panose="00000500000000000000" pitchFamily="2" charset="-94"/>
-            </a:endParaRPr>
-          </a:p>
-          <a:p>
-            <a:pPr marL="285750" indent="-285750">
-              <a:buFont typeface="Arial" panose="020B0604020202020204" pitchFamily="34" charset="0"/>
-              <a:buChar char="•"/>
-            </a:pPr>
-            <a:r>
-              <a:rPr lang="en-US" sz="1600" dirty="0">
-                <a:latin typeface="Poppins" panose="00000500000000000000" pitchFamily="2" charset="-94"/>
-                <a:cs typeface="Poppins" panose="00000500000000000000" pitchFamily="2" charset="-94"/>
-              </a:rPr>
-              <a:t>Faster method execution due to better CPU instruction locality.</a:t>
-            </a:r>
-          </a:p>
-          <a:p>
-            <a:pPr marL="285750" indent="-285750">
-              <a:buFont typeface="Arial" panose="020B0604020202020204" pitchFamily="34" charset="0"/>
-              <a:buChar char="•"/>
-            </a:pPr>
-            <a:r>
-              <a:rPr lang="en-US" sz="1600" dirty="0">
-                <a:latin typeface="Poppins" panose="00000500000000000000" pitchFamily="2" charset="-94"/>
-                <a:cs typeface="Poppins" panose="00000500000000000000" pitchFamily="2" charset="-94"/>
-              </a:rPr>
-              <a:t>Light performance gains for apps with complex branching logic.</a:t>
-            </a:r>
-          </a:p>
-          <a:p>
-            <a:pPr marL="285750" indent="-285750">
-              <a:buFont typeface="Arial" panose="020B0604020202020204" pitchFamily="34" charset="0"/>
-              <a:buChar char="•"/>
-            </a:pPr>
-            <a:r>
-              <a:rPr lang="en-US" sz="1600" dirty="0">
-                <a:latin typeface="Poppins" panose="00000500000000000000" pitchFamily="2" charset="-94"/>
-                <a:cs typeface="Poppins" panose="00000500000000000000" pitchFamily="2" charset="-94"/>
-              </a:rPr>
-              <a:t>Automatically optimized code layout — no developer action needed.</a:t>
-            </a:r>
-          </a:p>
-        </p:txBody>
-      </p:sp>
-    </p:spTree>
-    <p:extLst>
-      <p:ext uri="{BB962C8B-B14F-4D97-AF65-F5344CB8AC3E}">
-        <p14:creationId xmlns:p14="http://schemas.microsoft.com/office/powerpoint/2010/main" val="2270000910"/>
       </p:ext>
     </p:extLst>
   </p:cSld>
@@ -21130,339 +21372,17 @@
                 <a:cs typeface="Lexend"/>
                 <a:sym typeface="Lexend"/>
               </a:rPr>
-              <a:t>JIT Compiler: </a:t>
-            </a:r>
-            <a:r>
-              <a:rPr lang="en-US" sz="3400" dirty="0" err="1">
-                <a:solidFill>
-                  <a:srgbClr val="292D33"/>
-                </a:solidFill>
-                <a:latin typeface="Lexend"/>
-                <a:ea typeface="Lexend"/>
-                <a:cs typeface="Lexend"/>
-                <a:sym typeface="Lexend"/>
-              </a:rPr>
-              <a:t>Inlining</a:t>
-            </a:r>
-            <a:r>
-              <a:rPr lang="en-US" sz="3400" dirty="0">
-                <a:solidFill>
-                  <a:srgbClr val="292D33"/>
-                </a:solidFill>
-                <a:latin typeface="Lexend"/>
-                <a:ea typeface="Lexend"/>
-                <a:cs typeface="Lexend"/>
-                <a:sym typeface="Lexend"/>
-              </a:rPr>
-              <a:t> Improvements</a:t>
+              <a:t>JIT Compiler: Improved Code Layout</a:t>
             </a:r>
           </a:p>
         </p:txBody>
       </p:sp>
       <p:sp>
         <p:nvSpPr>
-          <p:cNvPr id="2" name="Rectangle 1">
+          <p:cNvPr id="4" name="TextBox 3">
             <a:extLst>
               <a:ext uri="{FF2B5EF4-FFF2-40B4-BE49-F238E27FC236}">
-                <a16:creationId xmlns:a16="http://schemas.microsoft.com/office/drawing/2014/main" id="{A1AC3717-CC29-43C0-8A18-CECA140D65B4}"/>
-              </a:ext>
-            </a:extLst>
-          </p:cNvPr>
-          <p:cNvSpPr>
-            <a:spLocks noChangeArrowheads="1"/>
-          </p:cNvSpPr>
-          <p:nvPr/>
-        </p:nvSpPr>
-        <p:spPr bwMode="auto">
-          <a:xfrm>
-            <a:off x="451488" y="4590921"/>
-            <a:ext cx="11191872" cy="1754326"/>
-          </a:xfrm>
-          <a:prstGeom prst="rect">
-            <a:avLst/>
-          </a:prstGeom>
-          <a:noFill/>
-          <a:ln>
-            <a:noFill/>
-          </a:ln>
-          <a:effectLst/>
-          <a:extLst>
-            <a:ext uri="{909E8E84-426E-40DD-AFC4-6F175D3DCCD1}">
-              <a14:hiddenFill xmlns:a14="http://schemas.microsoft.com/office/drawing/2010/main">
-                <a:solidFill>
-                  <a:schemeClr val="accent1"/>
-                </a:solidFill>
-              </a14:hiddenFill>
-            </a:ext>
-            <a:ext uri="{91240B29-F687-4F45-9708-019B960494DF}">
-              <a14:hiddenLine xmlns:a14="http://schemas.microsoft.com/office/drawing/2010/main" w="9525">
-                <a:solidFill>
-                  <a:schemeClr val="tx1"/>
-                </a:solidFill>
-                <a:miter lim="800000"/>
-                <a:headEnd/>
-                <a:tailEnd/>
-              </a14:hiddenLine>
-            </a:ext>
-            <a:ext uri="{AF507438-7753-43E0-B8FC-AC1667EBCBE1}">
-              <a14:hiddenEffects xmlns:a14="http://schemas.microsoft.com/office/drawing/2010/main">
-                <a:effectLst>
-                  <a:outerShdw dist="35921" dir="2700000" algn="ctr" rotWithShape="0">
-                    <a:schemeClr val="bg2"/>
-                  </a:outerShdw>
-                </a:effectLst>
-              </a14:hiddenEffects>
-            </a:ext>
-          </a:extLst>
-        </p:spPr>
-        <p:txBody>
-          <a:bodyPr vert="horz" wrap="square" lIns="91440" tIns="45720" rIns="91440" bIns="45720" numCol="1" anchor="ctr" anchorCtr="0" compatLnSpc="1">
-            <a:prstTxWarp prst="textNoShape">
-              <a:avLst/>
-            </a:prstTxWarp>
-            <a:spAutoFit/>
-          </a:bodyPr>
-          <a:lstStyle/>
-          <a:p>
-            <a:pPr marL="0" marR="0" lvl="0" indent="0" algn="l" defTabSz="914400" rtl="0" eaLnBrk="0" fontAlgn="base" latinLnBrk="0" hangingPunct="0">
-              <a:lnSpc>
-                <a:spcPct val="100000"/>
-              </a:lnSpc>
-              <a:spcBef>
-                <a:spcPct val="0"/>
-              </a:spcBef>
-              <a:spcAft>
-                <a:spcPct val="0"/>
-              </a:spcAft>
-              <a:buClrTx/>
-              <a:buSzTx/>
-              <a:buFontTx/>
-              <a:buNone/>
-              <a:tabLst/>
-            </a:pPr>
-            <a:r>
-              <a:rPr kumimoji="0" lang="en-US" altLang="en-US" sz="800" b="0" i="0" u="none" strike="noStrike" cap="none" normalizeH="0" baseline="0" dirty="0">
-                <a:ln>
-                  <a:noFill/>
-                </a:ln>
-                <a:solidFill>
-                  <a:schemeClr val="tx1"/>
-                </a:solidFill>
-                <a:effectLst/>
-                <a:latin typeface="Arial" panose="020B0604020202020204" pitchFamily="34" charset="0"/>
-              </a:rPr>
-              <a:t>. </a:t>
-            </a:r>
-            <a:r>
-              <a:rPr kumimoji="0" lang="en-US" altLang="en-US" sz="1800" b="0" i="0" u="none" strike="noStrike" cap="none" normalizeH="0" baseline="0" dirty="0">
-                <a:ln>
-                  <a:noFill/>
-                </a:ln>
-                <a:solidFill>
-                  <a:schemeClr val="tx1"/>
-                </a:solidFill>
-                <a:effectLst/>
-                <a:latin typeface="Arial" panose="020B0604020202020204" pitchFamily="34" charset="0"/>
-              </a:rPr>
-              <a:t>✅ </a:t>
-            </a:r>
-            <a:r>
-              <a:rPr kumimoji="0" lang="en-US" altLang="en-US" sz="1800" b="1" i="0" u="none" strike="noStrike" cap="none" normalizeH="0" baseline="0" dirty="0">
-                <a:ln>
-                  <a:noFill/>
-                </a:ln>
-                <a:solidFill>
-                  <a:schemeClr val="tx1"/>
-                </a:solidFill>
-                <a:effectLst/>
-                <a:latin typeface="Arial" panose="020B0604020202020204" pitchFamily="34" charset="0"/>
-              </a:rPr>
-              <a:t>What this means:</a:t>
-            </a:r>
-          </a:p>
-          <a:p>
-            <a:pPr marL="0" marR="0" lvl="0" indent="0" algn="l" defTabSz="914400" rtl="0" eaLnBrk="0" fontAlgn="base" latinLnBrk="0" hangingPunct="0">
-              <a:lnSpc>
-                <a:spcPct val="100000"/>
-              </a:lnSpc>
-              <a:spcBef>
-                <a:spcPct val="0"/>
-              </a:spcBef>
-              <a:spcAft>
-                <a:spcPct val="0"/>
-              </a:spcAft>
-              <a:buClrTx/>
-              <a:buSzTx/>
-              <a:buFontTx/>
-              <a:buNone/>
-              <a:tabLst/>
-            </a:pPr>
-            <a:endParaRPr kumimoji="0" lang="en-US" altLang="en-US" sz="1800" b="0" i="0" u="none" strike="noStrike" cap="none" normalizeH="0" baseline="0" dirty="0">
-              <a:ln>
-                <a:noFill/>
-              </a:ln>
-              <a:solidFill>
-                <a:schemeClr val="tx1"/>
-              </a:solidFill>
-              <a:effectLst/>
-              <a:latin typeface="Arial" panose="020B0604020202020204" pitchFamily="34" charset="0"/>
-            </a:endParaRPr>
-          </a:p>
-          <a:p>
-            <a:pPr marL="285750" marR="0" lvl="0" indent="-285750" algn="l" defTabSz="914400" rtl="0" eaLnBrk="0" fontAlgn="base" latinLnBrk="0" hangingPunct="0">
-              <a:lnSpc>
-                <a:spcPct val="100000"/>
-              </a:lnSpc>
-              <a:spcBef>
-                <a:spcPct val="0"/>
-              </a:spcBef>
-              <a:spcAft>
-                <a:spcPct val="0"/>
-              </a:spcAft>
-              <a:buClrTx/>
-              <a:buSzTx/>
-              <a:buFont typeface="Arial" panose="020B0604020202020204" pitchFamily="34" charset="0"/>
-              <a:buChar char="•"/>
-              <a:tabLst/>
-            </a:pPr>
-            <a:r>
-              <a:rPr kumimoji="0" lang="en-US" altLang="en-US" sz="1800" b="0" i="0" u="none" strike="noStrike" cap="none" normalizeH="0" baseline="0" dirty="0">
-                <a:ln>
-                  <a:noFill/>
-                </a:ln>
-                <a:solidFill>
-                  <a:schemeClr val="tx1"/>
-                </a:solidFill>
-                <a:effectLst/>
-                <a:latin typeface="Arial" panose="020B0604020202020204" pitchFamily="34" charset="0"/>
-              </a:rPr>
-              <a:t>More aggressive and intelligent </a:t>
-            </a:r>
-            <a:r>
-              <a:rPr kumimoji="0" lang="en-US" altLang="en-US" sz="1800" b="0" i="0" u="none" strike="noStrike" cap="none" normalizeH="0" baseline="0" dirty="0" err="1">
-                <a:ln>
-                  <a:noFill/>
-                </a:ln>
-                <a:solidFill>
-                  <a:schemeClr val="tx1"/>
-                </a:solidFill>
-                <a:effectLst/>
-                <a:latin typeface="Arial" panose="020B0604020202020204" pitchFamily="34" charset="0"/>
-              </a:rPr>
-              <a:t>inlining</a:t>
-            </a:r>
-            <a:r>
-              <a:rPr kumimoji="0" lang="en-US" altLang="en-US" sz="1800" b="0" i="0" u="none" strike="noStrike" cap="none" normalizeH="0" baseline="0" dirty="0">
-                <a:ln>
-                  <a:noFill/>
-                </a:ln>
-                <a:solidFill>
-                  <a:schemeClr val="tx1"/>
-                </a:solidFill>
-                <a:effectLst/>
-                <a:latin typeface="Arial" panose="020B0604020202020204" pitchFamily="34" charset="0"/>
-              </a:rPr>
-              <a:t> = faster method calls.</a:t>
-            </a:r>
-          </a:p>
-          <a:p>
-            <a:pPr marL="285750" marR="0" lvl="0" indent="-285750" algn="l" defTabSz="914400" rtl="0" eaLnBrk="0" fontAlgn="base" latinLnBrk="0" hangingPunct="0">
-              <a:lnSpc>
-                <a:spcPct val="100000"/>
-              </a:lnSpc>
-              <a:spcBef>
-                <a:spcPct val="0"/>
-              </a:spcBef>
-              <a:spcAft>
-                <a:spcPct val="0"/>
-              </a:spcAft>
-              <a:buClrTx/>
-              <a:buSzTx/>
-              <a:buFont typeface="Arial" panose="020B0604020202020204" pitchFamily="34" charset="0"/>
-              <a:buChar char="•"/>
-              <a:tabLst/>
-            </a:pPr>
-            <a:r>
-              <a:rPr kumimoji="0" lang="en-US" altLang="en-US" sz="1800" b="0" i="0" u="none" strike="noStrike" cap="none" normalizeH="0" baseline="0" dirty="0">
-                <a:ln>
-                  <a:noFill/>
-                </a:ln>
-                <a:solidFill>
-                  <a:schemeClr val="tx1"/>
-                </a:solidFill>
-                <a:effectLst/>
-                <a:latin typeface="Arial" panose="020B0604020202020204" pitchFamily="34" charset="0"/>
-              </a:rPr>
-              <a:t>Better optimization in real-world (hot-path) code.</a:t>
-            </a:r>
-          </a:p>
-          <a:p>
-            <a:pPr marL="285750" marR="0" lvl="0" indent="-285750" algn="l" defTabSz="914400" rtl="0" eaLnBrk="0" fontAlgn="base" latinLnBrk="0" hangingPunct="0">
-              <a:lnSpc>
-                <a:spcPct val="100000"/>
-              </a:lnSpc>
-              <a:spcBef>
-                <a:spcPct val="0"/>
-              </a:spcBef>
-              <a:spcAft>
-                <a:spcPct val="0"/>
-              </a:spcAft>
-              <a:buClrTx/>
-              <a:buSzTx/>
-              <a:buFont typeface="Arial" panose="020B0604020202020204" pitchFamily="34" charset="0"/>
-              <a:buChar char="•"/>
-              <a:tabLst/>
-            </a:pPr>
-            <a:r>
-              <a:rPr kumimoji="0" lang="en-US" altLang="en-US" sz="1800" b="0" i="0" u="none" strike="noStrike" cap="none" normalizeH="0" baseline="0" dirty="0">
-                <a:ln>
-                  <a:noFill/>
-                </a:ln>
-                <a:solidFill>
-                  <a:schemeClr val="tx1"/>
-                </a:solidFill>
-                <a:effectLst/>
-                <a:latin typeface="Arial" panose="020B0604020202020204" pitchFamily="34" charset="0"/>
-              </a:rPr>
-              <a:t>Reduced overhead for frequently executed helper methods.</a:t>
-            </a:r>
-          </a:p>
-          <a:p>
-            <a:pPr marL="0" marR="0" lvl="0" indent="0" algn="l" defTabSz="914400" rtl="0" eaLnBrk="0" fontAlgn="base" latinLnBrk="0" hangingPunct="0">
-              <a:lnSpc>
-                <a:spcPct val="100000"/>
-              </a:lnSpc>
-              <a:spcBef>
-                <a:spcPct val="0"/>
-              </a:spcBef>
-              <a:spcAft>
-                <a:spcPct val="0"/>
-              </a:spcAft>
-              <a:buClrTx/>
-              <a:buSzTx/>
-              <a:buFontTx/>
-              <a:buNone/>
-              <a:tabLst/>
-            </a:pPr>
-            <a:endParaRPr kumimoji="0" lang="en-US" altLang="en-US" sz="1800" b="0" i="0" u="none" strike="noStrike" cap="none" normalizeH="0" baseline="0" dirty="0">
-              <a:ln>
-                <a:noFill/>
-              </a:ln>
-              <a:solidFill>
-                <a:schemeClr val="tx1"/>
-              </a:solidFill>
-              <a:effectLst/>
-              <a:latin typeface="Arial" panose="020B0604020202020204" pitchFamily="34" charset="0"/>
-            </a:endParaRPr>
-          </a:p>
-        </p:txBody>
-      </p:sp>
-      <p:sp>
-        <p:nvSpPr>
-          <p:cNvPr id="5" name="TextBox 4">
-            <a:extLst>
-              <a:ext uri="{FF2B5EF4-FFF2-40B4-BE49-F238E27FC236}">
-                <a16:creationId xmlns:a16="http://schemas.microsoft.com/office/drawing/2014/main" id="{9018F229-5733-46F3-953E-01CEC2EBD28F}"/>
+                <a16:creationId xmlns:a16="http://schemas.microsoft.com/office/drawing/2014/main" id="{31566947-2DFA-49A8-912D-89C58B64CD3F}"/>
               </a:ext>
             </a:extLst>
           </p:cNvPr>
@@ -21471,8 +21391,8 @@
         </p:nvSpPr>
         <p:spPr>
           <a:xfrm>
-            <a:off x="451488" y="2767281"/>
-            <a:ext cx="11354432" cy="830997"/>
+            <a:off x="502288" y="2758778"/>
+            <a:ext cx="11267440" cy="830997"/>
           </a:xfrm>
           <a:prstGeom prst="rect">
             <a:avLst/>
@@ -21485,174 +21405,144 @@
           </a:bodyPr>
           <a:lstStyle/>
           <a:p>
-            <a:pPr marL="0" marR="0" lvl="0" indent="0" algn="l" defTabSz="914400" rtl="0" eaLnBrk="0" fontAlgn="base" latinLnBrk="0" hangingPunct="0">
-              <a:lnSpc>
-                <a:spcPct val="100000"/>
-              </a:lnSpc>
-              <a:spcBef>
-                <a:spcPct val="0"/>
-              </a:spcBef>
-              <a:spcAft>
-                <a:spcPct val="0"/>
-              </a:spcAft>
-              <a:buClrTx/>
-              <a:buSzTx/>
-              <a:buFontTx/>
-              <a:buNone/>
-              <a:tabLst/>
-            </a:pPr>
-            <a:r>
-              <a:rPr kumimoji="0" lang="en-US" altLang="en-US" sz="1600" b="0" i="0" u="none" strike="noStrike" cap="none" normalizeH="0" baseline="0" dirty="0">
-                <a:ln>
-                  <a:noFill/>
-                </a:ln>
-                <a:solidFill>
-                  <a:schemeClr val="tx1"/>
-                </a:solidFill>
-                <a:effectLst/>
+            <a:r>
+              <a:rPr lang="en-US" sz="1600" dirty="0">
                 <a:latin typeface="Poppins" panose="00000500000000000000" pitchFamily="2" charset="-94"/>
                 <a:cs typeface="Poppins" panose="00000500000000000000" pitchFamily="2" charset="-94"/>
               </a:rPr>
-              <a:t>NET 10 broadens what the JIT can inline, including methods with </a:t>
-            </a:r>
-            <a:r>
-              <a:rPr kumimoji="0" lang="en-US" altLang="en-US" sz="1600" b="0" i="1" u="none" strike="noStrike" cap="none" normalizeH="0" baseline="0" dirty="0">
-                <a:ln>
-                  <a:noFill/>
-                </a:ln>
-                <a:solidFill>
-                  <a:schemeClr val="tx1"/>
-                </a:solidFill>
-                <a:effectLst/>
-                <a:latin typeface="Consolas" panose="020B0609020204030204" pitchFamily="49" charset="0"/>
-                <a:cs typeface="Poppins" panose="00000500000000000000" pitchFamily="2" charset="-94"/>
-              </a:rPr>
-              <a:t>try-finally</a:t>
-            </a:r>
-            <a:r>
-              <a:rPr kumimoji="0" lang="en-US" altLang="en-US" sz="1600" b="0" i="0" u="none" strike="noStrike" cap="none" normalizeH="0" baseline="0" dirty="0">
-                <a:ln>
-                  <a:noFill/>
-                </a:ln>
-                <a:solidFill>
-                  <a:schemeClr val="tx1"/>
-                </a:solidFill>
-                <a:effectLst/>
+              <a:t>The JIT now uses a </a:t>
+            </a:r>
+            <a:r>
+              <a:rPr lang="en-US" sz="1600" b="1" dirty="0">
                 <a:latin typeface="Poppins" panose="00000500000000000000" pitchFamily="2" charset="-94"/>
                 <a:cs typeface="Poppins" panose="00000500000000000000" pitchFamily="2" charset="-94"/>
               </a:rPr>
-              <a:t>, those discovered after </a:t>
-            </a:r>
-            <a:r>
-              <a:rPr kumimoji="0" lang="en-US" altLang="en-US" sz="1600" b="0" i="0" u="none" strike="noStrike" cap="none" normalizeH="0" baseline="0" dirty="0" err="1">
-                <a:ln>
-                  <a:noFill/>
-                </a:ln>
-                <a:solidFill>
-                  <a:schemeClr val="tx1"/>
-                </a:solidFill>
-                <a:effectLst/>
+              <a:t>smarter algorithm</a:t>
+            </a:r>
+            <a:r>
+              <a:rPr lang="en-US" sz="1600" dirty="0">
                 <a:latin typeface="Poppins" panose="00000500000000000000" pitchFamily="2" charset="-94"/>
                 <a:cs typeface="Poppins" panose="00000500000000000000" pitchFamily="2" charset="-94"/>
               </a:rPr>
-              <a:t>devirtualization</a:t>
-            </a:r>
-            <a:r>
-              <a:rPr kumimoji="0" lang="en-US" altLang="en-US" sz="1600" b="0" i="0" u="none" strike="noStrike" cap="none" normalizeH="0" baseline="0" dirty="0">
-                <a:ln>
-                  <a:noFill/>
-                </a:ln>
-                <a:solidFill>
-                  <a:schemeClr val="tx1"/>
-                </a:solidFill>
-                <a:effectLst/>
+              <a:t> (</a:t>
+            </a:r>
+            <a:r>
+              <a:rPr lang="en-US" sz="1600" i="1" dirty="0">
                 <a:latin typeface="Poppins" panose="00000500000000000000" pitchFamily="2" charset="-94"/>
                 <a:cs typeface="Poppins" panose="00000500000000000000" pitchFamily="2" charset="-94"/>
               </a:rPr>
-              <a:t>, and small array-returning methods.</a:t>
-            </a:r>
-            <a:br>
-              <a:rPr kumimoji="0" lang="en-US" altLang="en-US" sz="1600" b="0" i="0" u="none" strike="noStrike" cap="none" normalizeH="0" baseline="0" dirty="0">
-                <a:ln>
-                  <a:noFill/>
-                </a:ln>
-                <a:solidFill>
-                  <a:schemeClr val="tx1"/>
-                </a:solidFill>
-                <a:effectLst/>
+              <a:t>based on a 3-opt Traveling Salesman heuristic</a:t>
+            </a:r>
+            <a:r>
+              <a:rPr lang="en-US" sz="1600" dirty="0">
                 <a:latin typeface="Poppins" panose="00000500000000000000" pitchFamily="2" charset="-94"/>
                 <a:cs typeface="Poppins" panose="00000500000000000000" pitchFamily="2" charset="-94"/>
               </a:rPr>
-            </a:br>
-            <a:r>
-              <a:rPr kumimoji="0" lang="en-US" altLang="en-US" sz="1600" b="0" i="0" u="none" strike="noStrike" cap="none" normalizeH="0" baseline="0" dirty="0">
-                <a:ln>
-                  <a:noFill/>
-                </a:ln>
-                <a:solidFill>
-                  <a:schemeClr val="tx1"/>
-                </a:solidFill>
-                <a:effectLst/>
+              <a:t>) to organize compiled code. This ensures that “</a:t>
+            </a:r>
+            <a:r>
+              <a:rPr lang="en-US" sz="1600" i="1" dirty="0">
                 <a:latin typeface="Poppins" panose="00000500000000000000" pitchFamily="2" charset="-94"/>
                 <a:cs typeface="Poppins" panose="00000500000000000000" pitchFamily="2" charset="-94"/>
               </a:rPr>
-              <a:t>It also uses </a:t>
-            </a:r>
-            <a:r>
-              <a:rPr kumimoji="0" lang="en-US" altLang="en-US" sz="1600" b="1" i="0" u="none" strike="noStrike" cap="none" normalizeH="0" baseline="0" dirty="0">
-                <a:ln>
-                  <a:noFill/>
-                </a:ln>
-                <a:solidFill>
-                  <a:schemeClr val="tx1"/>
-                </a:solidFill>
-                <a:effectLst/>
+              <a:t>hot</a:t>
+            </a:r>
+            <a:r>
+              <a:rPr lang="en-US" sz="1600" dirty="0">
                 <a:latin typeface="Poppins" panose="00000500000000000000" pitchFamily="2" charset="-94"/>
                 <a:cs typeface="Poppins" panose="00000500000000000000" pitchFamily="2" charset="-94"/>
               </a:rPr>
-              <a:t>runtime profile data</a:t>
-            </a:r>
-            <a:r>
-              <a:rPr kumimoji="0" lang="en-US" altLang="en-US" sz="1600" b="0" i="0" u="none" strike="noStrike" cap="none" normalizeH="0" baseline="0" dirty="0">
-                <a:ln>
-                  <a:noFill/>
-                </a:ln>
-                <a:solidFill>
-                  <a:schemeClr val="tx1"/>
-                </a:solidFill>
-                <a:effectLst/>
+              <a:t>” execution paths are placed close together in memory, improving branch prediction and cache efficiency.</a:t>
+            </a:r>
+          </a:p>
+        </p:txBody>
+      </p:sp>
+      <p:sp>
+        <p:nvSpPr>
+          <p:cNvPr id="5" name="TextBox 4">
+            <a:extLst>
+              <a:ext uri="{FF2B5EF4-FFF2-40B4-BE49-F238E27FC236}">
+                <a16:creationId xmlns:a16="http://schemas.microsoft.com/office/drawing/2014/main" id="{F0367421-1CA9-466F-A8B4-09E09370CD28}"/>
+              </a:ext>
+            </a:extLst>
+          </p:cNvPr>
+          <p:cNvSpPr txBox="1"/>
+          <p:nvPr/>
+        </p:nvSpPr>
+        <p:spPr>
+          <a:xfrm>
+            <a:off x="493392" y="4745357"/>
+            <a:ext cx="10678160" cy="1323439"/>
+          </a:xfrm>
+          <a:prstGeom prst="rect">
+            <a:avLst/>
+          </a:prstGeom>
+          <a:noFill/>
+        </p:spPr>
+        <p:txBody>
+          <a:bodyPr wrap="square">
+            <a:spAutoFit/>
+          </a:bodyPr>
+          <a:lstStyle/>
+          <a:p>
+            <a:r>
+              <a:rPr lang="en-US" sz="1600" dirty="0">
                 <a:latin typeface="Poppins" panose="00000500000000000000" pitchFamily="2" charset="-94"/>
                 <a:cs typeface="Poppins" panose="00000500000000000000" pitchFamily="2" charset="-94"/>
               </a:rPr>
-              <a:t> to decide more intelligently when </a:t>
-            </a:r>
-            <a:r>
-              <a:rPr kumimoji="0" lang="en-US" altLang="en-US" sz="1600" b="0" i="0" u="none" strike="noStrike" cap="none" normalizeH="0" baseline="0" dirty="0" err="1">
-                <a:ln>
-                  <a:noFill/>
-                </a:ln>
-                <a:solidFill>
-                  <a:schemeClr val="tx1"/>
-                </a:solidFill>
-                <a:effectLst/>
+              <a:t>✅ </a:t>
+            </a:r>
+            <a:r>
+              <a:rPr lang="en-US" sz="1600" b="1" dirty="0">
                 <a:latin typeface="Poppins" panose="00000500000000000000" pitchFamily="2" charset="-94"/>
                 <a:cs typeface="Poppins" panose="00000500000000000000" pitchFamily="2" charset="-94"/>
               </a:rPr>
-              <a:t>inlining</a:t>
-            </a:r>
-            <a:r>
-              <a:rPr kumimoji="0" lang="en-US" altLang="en-US" sz="1600" b="0" i="0" u="none" strike="noStrike" cap="none" normalizeH="0" baseline="0" dirty="0">
-                <a:ln>
-                  <a:noFill/>
-                </a:ln>
-                <a:solidFill>
-                  <a:schemeClr val="tx1"/>
-                </a:solidFill>
-                <a:effectLst/>
+              <a:t>What this means:</a:t>
+            </a:r>
+          </a:p>
+          <a:p>
+            <a:endParaRPr lang="en-US" sz="1600" dirty="0">
+              <a:latin typeface="Poppins" panose="00000500000000000000" pitchFamily="2" charset="-94"/>
+              <a:cs typeface="Poppins" panose="00000500000000000000" pitchFamily="2" charset="-94"/>
+            </a:endParaRPr>
+          </a:p>
+          <a:p>
+            <a:pPr marL="285750" indent="-285750">
+              <a:buFont typeface="Arial" panose="020B0604020202020204" pitchFamily="34" charset="0"/>
+              <a:buChar char="•"/>
+            </a:pPr>
+            <a:r>
+              <a:rPr lang="en-US" sz="1600" dirty="0">
                 <a:latin typeface="Poppins" panose="00000500000000000000" pitchFamily="2" charset="-94"/>
                 <a:cs typeface="Poppins" panose="00000500000000000000" pitchFamily="2" charset="-94"/>
               </a:rPr>
-              <a:t> is worthwhile.</a:t>
+              <a:t>Faster method execution due to better CPU instruction locality.</a:t>
+            </a:r>
+          </a:p>
+          <a:p>
+            <a:pPr marL="285750" indent="-285750">
+              <a:buFont typeface="Arial" panose="020B0604020202020204" pitchFamily="34" charset="0"/>
+              <a:buChar char="•"/>
+            </a:pPr>
+            <a:r>
+              <a:rPr lang="en-US" sz="1600" dirty="0">
+                <a:latin typeface="Poppins" panose="00000500000000000000" pitchFamily="2" charset="-94"/>
+                <a:cs typeface="Poppins" panose="00000500000000000000" pitchFamily="2" charset="-94"/>
+              </a:rPr>
+              <a:t>Light performance gains for apps with complex branching logic.</a:t>
+            </a:r>
+          </a:p>
+          <a:p>
+            <a:pPr marL="285750" indent="-285750">
+              <a:buFont typeface="Arial" panose="020B0604020202020204" pitchFamily="34" charset="0"/>
+              <a:buChar char="•"/>
+            </a:pPr>
+            <a:r>
+              <a:rPr lang="en-US" sz="1600" dirty="0">
+                <a:latin typeface="Poppins" panose="00000500000000000000" pitchFamily="2" charset="-94"/>
+                <a:cs typeface="Poppins" panose="00000500000000000000" pitchFamily="2" charset="-94"/>
+              </a:rPr>
+              <a:t>Automatically optimized code layout — no developer action needed.</a:t>
             </a:r>
           </a:p>
         </p:txBody>
@@ -21660,7 +21550,7 @@
     </p:spTree>
     <p:extLst>
       <p:ext uri="{BB962C8B-B14F-4D97-AF65-F5344CB8AC3E}">
-        <p14:creationId xmlns:p14="http://schemas.microsoft.com/office/powerpoint/2010/main" val="2445438461"/>
+        <p14:creationId xmlns:p14="http://schemas.microsoft.com/office/powerpoint/2010/main" val="2270000910"/>
       </p:ext>
     </p:extLst>
   </p:cSld>
@@ -21782,17 +21672,339 @@
                 <a:cs typeface="Lexend"/>
                 <a:sym typeface="Lexend"/>
               </a:rPr>
-              <a:t>Stack allocation</a:t>
+              <a:t>JIT Compiler: </a:t>
+            </a:r>
+            <a:r>
+              <a:rPr lang="en-US" sz="3400" dirty="0" err="1">
+                <a:solidFill>
+                  <a:srgbClr val="292D33"/>
+                </a:solidFill>
+                <a:latin typeface="Lexend"/>
+                <a:ea typeface="Lexend"/>
+                <a:cs typeface="Lexend"/>
+                <a:sym typeface="Lexend"/>
+              </a:rPr>
+              <a:t>Inlining</a:t>
+            </a:r>
+            <a:r>
+              <a:rPr lang="en-US" sz="3400" dirty="0">
+                <a:solidFill>
+                  <a:srgbClr val="292D33"/>
+                </a:solidFill>
+                <a:latin typeface="Lexend"/>
+                <a:ea typeface="Lexend"/>
+                <a:cs typeface="Lexend"/>
+                <a:sym typeface="Lexend"/>
+              </a:rPr>
+              <a:t> Improvements</a:t>
             </a:r>
           </a:p>
         </p:txBody>
       </p:sp>
       <p:sp>
         <p:nvSpPr>
-          <p:cNvPr id="4" name="TextBox 3">
+          <p:cNvPr id="2" name="Rectangle 1">
             <a:extLst>
               <a:ext uri="{FF2B5EF4-FFF2-40B4-BE49-F238E27FC236}">
-                <a16:creationId xmlns:a16="http://schemas.microsoft.com/office/drawing/2014/main" id="{A104402E-E46E-4C6E-8AD2-6A75AB04CCDB}"/>
+                <a16:creationId xmlns:a16="http://schemas.microsoft.com/office/drawing/2014/main" id="{A1AC3717-CC29-43C0-8A18-CECA140D65B4}"/>
+              </a:ext>
+            </a:extLst>
+          </p:cNvPr>
+          <p:cNvSpPr>
+            <a:spLocks noChangeArrowheads="1"/>
+          </p:cNvSpPr>
+          <p:nvPr/>
+        </p:nvSpPr>
+        <p:spPr bwMode="auto">
+          <a:xfrm>
+            <a:off x="451488" y="4590921"/>
+            <a:ext cx="11191872" cy="1754326"/>
+          </a:xfrm>
+          <a:prstGeom prst="rect">
+            <a:avLst/>
+          </a:prstGeom>
+          <a:noFill/>
+          <a:ln>
+            <a:noFill/>
+          </a:ln>
+          <a:effectLst/>
+          <a:extLst>
+            <a:ext uri="{909E8E84-426E-40DD-AFC4-6F175D3DCCD1}">
+              <a14:hiddenFill xmlns:a14="http://schemas.microsoft.com/office/drawing/2010/main">
+                <a:solidFill>
+                  <a:schemeClr val="accent1"/>
+                </a:solidFill>
+              </a14:hiddenFill>
+            </a:ext>
+            <a:ext uri="{91240B29-F687-4F45-9708-019B960494DF}">
+              <a14:hiddenLine xmlns:a14="http://schemas.microsoft.com/office/drawing/2010/main" w="9525">
+                <a:solidFill>
+                  <a:schemeClr val="tx1"/>
+                </a:solidFill>
+                <a:miter lim="800000"/>
+                <a:headEnd/>
+                <a:tailEnd/>
+              </a14:hiddenLine>
+            </a:ext>
+            <a:ext uri="{AF507438-7753-43E0-B8FC-AC1667EBCBE1}">
+              <a14:hiddenEffects xmlns:a14="http://schemas.microsoft.com/office/drawing/2010/main">
+                <a:effectLst>
+                  <a:outerShdw dist="35921" dir="2700000" algn="ctr" rotWithShape="0">
+                    <a:schemeClr val="bg2"/>
+                  </a:outerShdw>
+                </a:effectLst>
+              </a14:hiddenEffects>
+            </a:ext>
+          </a:extLst>
+        </p:spPr>
+        <p:txBody>
+          <a:bodyPr vert="horz" wrap="square" lIns="91440" tIns="45720" rIns="91440" bIns="45720" numCol="1" anchor="ctr" anchorCtr="0" compatLnSpc="1">
+            <a:prstTxWarp prst="textNoShape">
+              <a:avLst/>
+            </a:prstTxWarp>
+            <a:spAutoFit/>
+          </a:bodyPr>
+          <a:lstStyle/>
+          <a:p>
+            <a:pPr marL="0" marR="0" lvl="0" indent="0" algn="l" defTabSz="914400" rtl="0" eaLnBrk="0" fontAlgn="base" latinLnBrk="0" hangingPunct="0">
+              <a:lnSpc>
+                <a:spcPct val="100000"/>
+              </a:lnSpc>
+              <a:spcBef>
+                <a:spcPct val="0"/>
+              </a:spcBef>
+              <a:spcAft>
+                <a:spcPct val="0"/>
+              </a:spcAft>
+              <a:buClrTx/>
+              <a:buSzTx/>
+              <a:buFontTx/>
+              <a:buNone/>
+              <a:tabLst/>
+            </a:pPr>
+            <a:r>
+              <a:rPr kumimoji="0" lang="en-US" altLang="en-US" sz="800" b="0" i="0" u="none" strike="noStrike" cap="none" normalizeH="0" baseline="0" dirty="0">
+                <a:ln>
+                  <a:noFill/>
+                </a:ln>
+                <a:solidFill>
+                  <a:schemeClr val="tx1"/>
+                </a:solidFill>
+                <a:effectLst/>
+                <a:latin typeface="Arial" panose="020B0604020202020204" pitchFamily="34" charset="0"/>
+              </a:rPr>
+              <a:t>. </a:t>
+            </a:r>
+            <a:r>
+              <a:rPr kumimoji="0" lang="en-US" altLang="en-US" sz="1800" b="0" i="0" u="none" strike="noStrike" cap="none" normalizeH="0" baseline="0" dirty="0">
+                <a:ln>
+                  <a:noFill/>
+                </a:ln>
+                <a:solidFill>
+                  <a:schemeClr val="tx1"/>
+                </a:solidFill>
+                <a:effectLst/>
+                <a:latin typeface="Arial" panose="020B0604020202020204" pitchFamily="34" charset="0"/>
+              </a:rPr>
+              <a:t>✅ </a:t>
+            </a:r>
+            <a:r>
+              <a:rPr kumimoji="0" lang="en-US" altLang="en-US" sz="1800" b="1" i="0" u="none" strike="noStrike" cap="none" normalizeH="0" baseline="0" dirty="0">
+                <a:ln>
+                  <a:noFill/>
+                </a:ln>
+                <a:solidFill>
+                  <a:schemeClr val="tx1"/>
+                </a:solidFill>
+                <a:effectLst/>
+                <a:latin typeface="Arial" panose="020B0604020202020204" pitchFamily="34" charset="0"/>
+              </a:rPr>
+              <a:t>What this means:</a:t>
+            </a:r>
+          </a:p>
+          <a:p>
+            <a:pPr marL="0" marR="0" lvl="0" indent="0" algn="l" defTabSz="914400" rtl="0" eaLnBrk="0" fontAlgn="base" latinLnBrk="0" hangingPunct="0">
+              <a:lnSpc>
+                <a:spcPct val="100000"/>
+              </a:lnSpc>
+              <a:spcBef>
+                <a:spcPct val="0"/>
+              </a:spcBef>
+              <a:spcAft>
+                <a:spcPct val="0"/>
+              </a:spcAft>
+              <a:buClrTx/>
+              <a:buSzTx/>
+              <a:buFontTx/>
+              <a:buNone/>
+              <a:tabLst/>
+            </a:pPr>
+            <a:endParaRPr kumimoji="0" lang="en-US" altLang="en-US" sz="1800" b="0" i="0" u="none" strike="noStrike" cap="none" normalizeH="0" baseline="0" dirty="0">
+              <a:ln>
+                <a:noFill/>
+              </a:ln>
+              <a:solidFill>
+                <a:schemeClr val="tx1"/>
+              </a:solidFill>
+              <a:effectLst/>
+              <a:latin typeface="Arial" panose="020B0604020202020204" pitchFamily="34" charset="0"/>
+            </a:endParaRPr>
+          </a:p>
+          <a:p>
+            <a:pPr marL="285750" marR="0" lvl="0" indent="-285750" algn="l" defTabSz="914400" rtl="0" eaLnBrk="0" fontAlgn="base" latinLnBrk="0" hangingPunct="0">
+              <a:lnSpc>
+                <a:spcPct val="100000"/>
+              </a:lnSpc>
+              <a:spcBef>
+                <a:spcPct val="0"/>
+              </a:spcBef>
+              <a:spcAft>
+                <a:spcPct val="0"/>
+              </a:spcAft>
+              <a:buClrTx/>
+              <a:buSzTx/>
+              <a:buFont typeface="Arial" panose="020B0604020202020204" pitchFamily="34" charset="0"/>
+              <a:buChar char="•"/>
+              <a:tabLst/>
+            </a:pPr>
+            <a:r>
+              <a:rPr kumimoji="0" lang="en-US" altLang="en-US" sz="1800" b="0" i="0" u="none" strike="noStrike" cap="none" normalizeH="0" baseline="0" dirty="0">
+                <a:ln>
+                  <a:noFill/>
+                </a:ln>
+                <a:solidFill>
+                  <a:schemeClr val="tx1"/>
+                </a:solidFill>
+                <a:effectLst/>
+                <a:latin typeface="Arial" panose="020B0604020202020204" pitchFamily="34" charset="0"/>
+              </a:rPr>
+              <a:t>More aggressive and intelligent </a:t>
+            </a:r>
+            <a:r>
+              <a:rPr kumimoji="0" lang="en-US" altLang="en-US" sz="1800" b="0" i="0" u="none" strike="noStrike" cap="none" normalizeH="0" baseline="0" dirty="0" err="1">
+                <a:ln>
+                  <a:noFill/>
+                </a:ln>
+                <a:solidFill>
+                  <a:schemeClr val="tx1"/>
+                </a:solidFill>
+                <a:effectLst/>
+                <a:latin typeface="Arial" panose="020B0604020202020204" pitchFamily="34" charset="0"/>
+              </a:rPr>
+              <a:t>inlining</a:t>
+            </a:r>
+            <a:r>
+              <a:rPr kumimoji="0" lang="en-US" altLang="en-US" sz="1800" b="0" i="0" u="none" strike="noStrike" cap="none" normalizeH="0" baseline="0" dirty="0">
+                <a:ln>
+                  <a:noFill/>
+                </a:ln>
+                <a:solidFill>
+                  <a:schemeClr val="tx1"/>
+                </a:solidFill>
+                <a:effectLst/>
+                <a:latin typeface="Arial" panose="020B0604020202020204" pitchFamily="34" charset="0"/>
+              </a:rPr>
+              <a:t> = faster method calls.</a:t>
+            </a:r>
+          </a:p>
+          <a:p>
+            <a:pPr marL="285750" marR="0" lvl="0" indent="-285750" algn="l" defTabSz="914400" rtl="0" eaLnBrk="0" fontAlgn="base" latinLnBrk="0" hangingPunct="0">
+              <a:lnSpc>
+                <a:spcPct val="100000"/>
+              </a:lnSpc>
+              <a:spcBef>
+                <a:spcPct val="0"/>
+              </a:spcBef>
+              <a:spcAft>
+                <a:spcPct val="0"/>
+              </a:spcAft>
+              <a:buClrTx/>
+              <a:buSzTx/>
+              <a:buFont typeface="Arial" panose="020B0604020202020204" pitchFamily="34" charset="0"/>
+              <a:buChar char="•"/>
+              <a:tabLst/>
+            </a:pPr>
+            <a:r>
+              <a:rPr kumimoji="0" lang="en-US" altLang="en-US" sz="1800" b="0" i="0" u="none" strike="noStrike" cap="none" normalizeH="0" baseline="0" dirty="0">
+                <a:ln>
+                  <a:noFill/>
+                </a:ln>
+                <a:solidFill>
+                  <a:schemeClr val="tx1"/>
+                </a:solidFill>
+                <a:effectLst/>
+                <a:latin typeface="Arial" panose="020B0604020202020204" pitchFamily="34" charset="0"/>
+              </a:rPr>
+              <a:t>Better optimization in real-world (hot-path) code.</a:t>
+            </a:r>
+          </a:p>
+          <a:p>
+            <a:pPr marL="285750" marR="0" lvl="0" indent="-285750" algn="l" defTabSz="914400" rtl="0" eaLnBrk="0" fontAlgn="base" latinLnBrk="0" hangingPunct="0">
+              <a:lnSpc>
+                <a:spcPct val="100000"/>
+              </a:lnSpc>
+              <a:spcBef>
+                <a:spcPct val="0"/>
+              </a:spcBef>
+              <a:spcAft>
+                <a:spcPct val="0"/>
+              </a:spcAft>
+              <a:buClrTx/>
+              <a:buSzTx/>
+              <a:buFont typeface="Arial" panose="020B0604020202020204" pitchFamily="34" charset="0"/>
+              <a:buChar char="•"/>
+              <a:tabLst/>
+            </a:pPr>
+            <a:r>
+              <a:rPr kumimoji="0" lang="en-US" altLang="en-US" sz="1800" b="0" i="0" u="none" strike="noStrike" cap="none" normalizeH="0" baseline="0" dirty="0">
+                <a:ln>
+                  <a:noFill/>
+                </a:ln>
+                <a:solidFill>
+                  <a:schemeClr val="tx1"/>
+                </a:solidFill>
+                <a:effectLst/>
+                <a:latin typeface="Arial" panose="020B0604020202020204" pitchFamily="34" charset="0"/>
+              </a:rPr>
+              <a:t>Reduced overhead for frequently executed helper methods.</a:t>
+            </a:r>
+          </a:p>
+          <a:p>
+            <a:pPr marL="0" marR="0" lvl="0" indent="0" algn="l" defTabSz="914400" rtl="0" eaLnBrk="0" fontAlgn="base" latinLnBrk="0" hangingPunct="0">
+              <a:lnSpc>
+                <a:spcPct val="100000"/>
+              </a:lnSpc>
+              <a:spcBef>
+                <a:spcPct val="0"/>
+              </a:spcBef>
+              <a:spcAft>
+                <a:spcPct val="0"/>
+              </a:spcAft>
+              <a:buClrTx/>
+              <a:buSzTx/>
+              <a:buFontTx/>
+              <a:buNone/>
+              <a:tabLst/>
+            </a:pPr>
+            <a:endParaRPr kumimoji="0" lang="en-US" altLang="en-US" sz="1800" b="0" i="0" u="none" strike="noStrike" cap="none" normalizeH="0" baseline="0" dirty="0">
+              <a:ln>
+                <a:noFill/>
+              </a:ln>
+              <a:solidFill>
+                <a:schemeClr val="tx1"/>
+              </a:solidFill>
+              <a:effectLst/>
+              <a:latin typeface="Arial" panose="020B0604020202020204" pitchFamily="34" charset="0"/>
+            </a:endParaRPr>
+          </a:p>
+        </p:txBody>
+      </p:sp>
+      <p:sp>
+        <p:nvSpPr>
+          <p:cNvPr id="5" name="TextBox 4">
+            <a:extLst>
+              <a:ext uri="{FF2B5EF4-FFF2-40B4-BE49-F238E27FC236}">
+                <a16:creationId xmlns:a16="http://schemas.microsoft.com/office/drawing/2014/main" id="{9018F229-5733-46F3-953E-01CEC2EBD28F}"/>
               </a:ext>
             </a:extLst>
           </p:cNvPr>
@@ -21801,8 +22013,8 @@
         </p:nvSpPr>
         <p:spPr>
           <a:xfrm>
-            <a:off x="375920" y="2428706"/>
-            <a:ext cx="11216640" cy="1323439"/>
+            <a:off x="451488" y="2767281"/>
+            <a:ext cx="11354432" cy="830997"/>
           </a:xfrm>
           <a:prstGeom prst="rect">
             <a:avLst/>
@@ -21815,149 +22027,174 @@
           </a:bodyPr>
           <a:lstStyle/>
           <a:p>
-            <a:r>
-              <a:rPr lang="en-US" sz="1600" dirty="0">
+            <a:pPr marL="0" marR="0" lvl="0" indent="0" algn="l" defTabSz="914400" rtl="0" eaLnBrk="0" fontAlgn="base" latinLnBrk="0" hangingPunct="0">
+              <a:lnSpc>
+                <a:spcPct val="100000"/>
+              </a:lnSpc>
+              <a:spcBef>
+                <a:spcPct val="0"/>
+              </a:spcBef>
+              <a:spcAft>
+                <a:spcPct val="0"/>
+              </a:spcAft>
+              <a:buClrTx/>
+              <a:buSzTx/>
+              <a:buFontTx/>
+              <a:buNone/>
+              <a:tabLst/>
+            </a:pPr>
+            <a:r>
+              <a:rPr kumimoji="0" lang="en-US" altLang="en-US" sz="1600" b="0" i="0" u="none" strike="noStrike" cap="none" normalizeH="0" baseline="0" dirty="0">
+                <a:ln>
+                  <a:noFill/>
+                </a:ln>
+                <a:solidFill>
+                  <a:schemeClr val="tx1"/>
+                </a:solidFill>
+                <a:effectLst/>
                 <a:latin typeface="Poppins" panose="00000500000000000000" pitchFamily="2" charset="-94"/>
                 <a:cs typeface="Poppins" panose="00000500000000000000" pitchFamily="2" charset="-94"/>
               </a:rPr>
-              <a:t>Stack allocation is now smarter and more widely applied.</a:t>
-            </a:r>
-            <a:br>
-              <a:rPr lang="en-US" sz="1600" dirty="0">
+              <a:t>NET 10 broadens what the JIT can inline, including methods with </a:t>
+            </a:r>
+            <a:r>
+              <a:rPr kumimoji="0" lang="en-US" altLang="en-US" sz="1600" b="0" i="1" u="none" strike="noStrike" cap="none" normalizeH="0" baseline="0" dirty="0">
+                <a:ln>
+                  <a:noFill/>
+                </a:ln>
+                <a:solidFill>
+                  <a:schemeClr val="tx1"/>
+                </a:solidFill>
+                <a:effectLst/>
+                <a:latin typeface="Consolas" panose="020B0609020204030204" pitchFamily="49" charset="0"/>
+                <a:cs typeface="Poppins" panose="00000500000000000000" pitchFamily="2" charset="-94"/>
+              </a:rPr>
+              <a:t>try-finally</a:t>
+            </a:r>
+            <a:r>
+              <a:rPr kumimoji="0" lang="en-US" altLang="en-US" sz="1600" b="0" i="0" u="none" strike="noStrike" cap="none" normalizeH="0" baseline="0" dirty="0">
+                <a:ln>
+                  <a:noFill/>
+                </a:ln>
+                <a:solidFill>
+                  <a:schemeClr val="tx1"/>
+                </a:solidFill>
+                <a:effectLst/>
                 <a:latin typeface="Poppins" panose="00000500000000000000" pitchFamily="2" charset="-94"/>
                 <a:cs typeface="Poppins" panose="00000500000000000000" pitchFamily="2" charset="-94"/>
               </a:rPr>
-            </a:br>
-            <a:r>
-              <a:rPr lang="en-US" sz="1600" dirty="0">
+              <a:t>, those discovered after </a:t>
+            </a:r>
+            <a:r>
+              <a:rPr kumimoji="0" lang="en-US" altLang="en-US" sz="1600" b="0" i="0" u="none" strike="noStrike" cap="none" normalizeH="0" baseline="0" dirty="0" err="1">
+                <a:ln>
+                  <a:noFill/>
+                </a:ln>
+                <a:solidFill>
+                  <a:schemeClr val="tx1"/>
+                </a:solidFill>
+                <a:effectLst/>
                 <a:latin typeface="Poppins" panose="00000500000000000000" pitchFamily="2" charset="-94"/>
                 <a:cs typeface="Poppins" panose="00000500000000000000" pitchFamily="2" charset="-94"/>
               </a:rPr>
-              <a:t>.NET 10 introduces stack allocation for </a:t>
-            </a:r>
-            <a:r>
-              <a:rPr lang="en-US" sz="1600" b="1" dirty="0">
+              <a:t>devirtualization</a:t>
+            </a:r>
+            <a:r>
+              <a:rPr kumimoji="0" lang="en-US" altLang="en-US" sz="1600" b="0" i="0" u="none" strike="noStrike" cap="none" normalizeH="0" baseline="0" dirty="0">
+                <a:ln>
+                  <a:noFill/>
+                </a:ln>
+                <a:solidFill>
+                  <a:schemeClr val="tx1"/>
+                </a:solidFill>
+                <a:effectLst/>
                 <a:latin typeface="Poppins" panose="00000500000000000000" pitchFamily="2" charset="-94"/>
                 <a:cs typeface="Poppins" panose="00000500000000000000" pitchFamily="2" charset="-94"/>
               </a:rPr>
-              <a:t>small arrays of both value and reference types</a:t>
-            </a:r>
-            <a:r>
-              <a:rPr lang="en-US" sz="1600" dirty="0">
+              <a:t>, and small array-returning methods.</a:t>
+            </a:r>
+            <a:br>
+              <a:rPr kumimoji="0" lang="en-US" altLang="en-US" sz="1600" b="0" i="0" u="none" strike="noStrike" cap="none" normalizeH="0" baseline="0" dirty="0">
+                <a:ln>
+                  <a:noFill/>
+                </a:ln>
+                <a:solidFill>
+                  <a:schemeClr val="tx1"/>
+                </a:solidFill>
+                <a:effectLst/>
                 <a:latin typeface="Poppins" panose="00000500000000000000" pitchFamily="2" charset="-94"/>
                 <a:cs typeface="Poppins" panose="00000500000000000000" pitchFamily="2" charset="-94"/>
               </a:rPr>
-              <a:t>, and adds </a:t>
-            </a:r>
-            <a:r>
-              <a:rPr lang="en-US" sz="1600" b="1" dirty="0">
+            </a:br>
+            <a:r>
+              <a:rPr kumimoji="0" lang="en-US" altLang="en-US" sz="1600" b="0" i="0" u="none" strike="noStrike" cap="none" normalizeH="0" baseline="0" dirty="0">
+                <a:ln>
+                  <a:noFill/>
+                </a:ln>
+                <a:solidFill>
+                  <a:schemeClr val="tx1"/>
+                </a:solidFill>
+                <a:effectLst/>
                 <a:latin typeface="Poppins" panose="00000500000000000000" pitchFamily="2" charset="-94"/>
                 <a:cs typeface="Poppins" panose="00000500000000000000" pitchFamily="2" charset="-94"/>
               </a:rPr>
-              <a:t>escape analysis</a:t>
-            </a:r>
-            <a:r>
-              <a:rPr lang="en-US" sz="1600" dirty="0">
+              <a:t>It also uses </a:t>
+            </a:r>
+            <a:r>
+              <a:rPr kumimoji="0" lang="en-US" altLang="en-US" sz="1600" b="1" i="0" u="none" strike="noStrike" cap="none" normalizeH="0" baseline="0" dirty="0">
+                <a:ln>
+                  <a:noFill/>
+                </a:ln>
+                <a:solidFill>
+                  <a:schemeClr val="tx1"/>
+                </a:solidFill>
+                <a:effectLst/>
                 <a:latin typeface="Poppins" panose="00000500000000000000" pitchFamily="2" charset="-94"/>
                 <a:cs typeface="Poppins" panose="00000500000000000000" pitchFamily="2" charset="-94"/>
               </a:rPr>
-              <a:t> for local struct fields and delegates — letting more short-lived objects live on the stack instead of the heap.</a:t>
-            </a:r>
-          </a:p>
-          <a:p>
-            <a:endParaRPr lang="en-US" sz="1600" dirty="0">
-              <a:latin typeface="Poppins" panose="00000500000000000000" pitchFamily="2" charset="-94"/>
-              <a:cs typeface="Poppins" panose="00000500000000000000" pitchFamily="2" charset="-94"/>
-            </a:endParaRPr>
-          </a:p>
-        </p:txBody>
-      </p:sp>
-      <p:sp>
-        <p:nvSpPr>
-          <p:cNvPr id="5" name="TextBox 4">
-            <a:extLst>
-              <a:ext uri="{FF2B5EF4-FFF2-40B4-BE49-F238E27FC236}">
-                <a16:creationId xmlns:a16="http://schemas.microsoft.com/office/drawing/2014/main" id="{B92143E3-9173-4564-AC4F-4A032677E69C}"/>
-              </a:ext>
-            </a:extLst>
-          </p:cNvPr>
-          <p:cNvSpPr txBox="1"/>
-          <p:nvPr/>
-        </p:nvSpPr>
-        <p:spPr>
-          <a:xfrm>
-            <a:off x="451488" y="4577655"/>
-            <a:ext cx="10795632" cy="1323439"/>
-          </a:xfrm>
-          <a:prstGeom prst="rect">
-            <a:avLst/>
-          </a:prstGeom>
-          <a:noFill/>
-        </p:spPr>
-        <p:txBody>
-          <a:bodyPr wrap="square">
-            <a:spAutoFit/>
-          </a:bodyPr>
-          <a:lstStyle/>
-          <a:p>
-            <a:r>
-              <a:rPr lang="en-US" sz="1600" dirty="0">
+              <a:t>runtime profile data</a:t>
+            </a:r>
+            <a:r>
+              <a:rPr kumimoji="0" lang="en-US" altLang="en-US" sz="1600" b="0" i="0" u="none" strike="noStrike" cap="none" normalizeH="0" baseline="0" dirty="0">
+                <a:ln>
+                  <a:noFill/>
+                </a:ln>
+                <a:solidFill>
+                  <a:schemeClr val="tx1"/>
+                </a:solidFill>
+                <a:effectLst/>
                 <a:latin typeface="Poppins" panose="00000500000000000000" pitchFamily="2" charset="-94"/>
                 <a:cs typeface="Poppins" panose="00000500000000000000" pitchFamily="2" charset="-94"/>
               </a:rPr>
-              <a:t>✅ </a:t>
-            </a:r>
-            <a:r>
-              <a:rPr lang="en-US" sz="1600" b="1" dirty="0">
+              <a:t> to decide more intelligently when </a:t>
+            </a:r>
+            <a:r>
+              <a:rPr kumimoji="0" lang="en-US" altLang="en-US" sz="1600" b="0" i="0" u="none" strike="noStrike" cap="none" normalizeH="0" baseline="0" dirty="0" err="1">
+                <a:ln>
+                  <a:noFill/>
+                </a:ln>
+                <a:solidFill>
+                  <a:schemeClr val="tx1"/>
+                </a:solidFill>
+                <a:effectLst/>
                 <a:latin typeface="Poppins" panose="00000500000000000000" pitchFamily="2" charset="-94"/>
                 <a:cs typeface="Poppins" panose="00000500000000000000" pitchFamily="2" charset="-94"/>
               </a:rPr>
-              <a:t>What this means:</a:t>
-            </a:r>
-          </a:p>
-          <a:p>
-            <a:endParaRPr lang="en-US" sz="1600" dirty="0">
-              <a:latin typeface="Poppins" panose="00000500000000000000" pitchFamily="2" charset="-94"/>
-              <a:cs typeface="Poppins" panose="00000500000000000000" pitchFamily="2" charset="-94"/>
-            </a:endParaRPr>
-          </a:p>
-          <a:p>
-            <a:pPr marL="285750" indent="-285750">
-              <a:buFont typeface="Arial" panose="020B0604020202020204" pitchFamily="34" charset="0"/>
-              <a:buChar char="•"/>
-            </a:pPr>
-            <a:r>
-              <a:rPr lang="en-US" sz="1600" dirty="0">
+              <a:t>inlining</a:t>
+            </a:r>
+            <a:r>
+              <a:rPr kumimoji="0" lang="en-US" altLang="en-US" sz="1600" b="0" i="0" u="none" strike="noStrike" cap="none" normalizeH="0" baseline="0" dirty="0">
+                <a:ln>
+                  <a:noFill/>
+                </a:ln>
+                <a:solidFill>
+                  <a:schemeClr val="tx1"/>
+                </a:solidFill>
+                <a:effectLst/>
                 <a:latin typeface="Poppins" panose="00000500000000000000" pitchFamily="2" charset="-94"/>
                 <a:cs typeface="Poppins" panose="00000500000000000000" pitchFamily="2" charset="-94"/>
               </a:rPr>
-              <a:t>Fewer heap allocations → less GC work and faster execution.</a:t>
-            </a:r>
-          </a:p>
-          <a:p>
-            <a:pPr marL="285750" indent="-285750">
-              <a:buFont typeface="Arial" panose="020B0604020202020204" pitchFamily="34" charset="0"/>
-              <a:buChar char="•"/>
-            </a:pPr>
-            <a:r>
-              <a:rPr lang="en-US" sz="1600" dirty="0">
-                <a:latin typeface="Poppins" panose="00000500000000000000" pitchFamily="2" charset="-94"/>
-                <a:cs typeface="Poppins" panose="00000500000000000000" pitchFamily="2" charset="-94"/>
-              </a:rPr>
-              <a:t>Temporary arrays and delegates are now cheaper to create.</a:t>
-            </a:r>
-          </a:p>
-          <a:p>
-            <a:pPr marL="285750" indent="-285750">
-              <a:buFont typeface="Arial" panose="020B0604020202020204" pitchFamily="34" charset="0"/>
-              <a:buChar char="•"/>
-            </a:pPr>
-            <a:r>
-              <a:rPr lang="en-US" sz="1600" dirty="0">
-                <a:latin typeface="Poppins" panose="00000500000000000000" pitchFamily="2" charset="-94"/>
-                <a:cs typeface="Poppins" panose="00000500000000000000" pitchFamily="2" charset="-94"/>
-              </a:rPr>
-              <a:t>Significant performance boost in tight loops and short-lived operations.</a:t>
+              <a:t> is worthwhile.</a:t>
             </a:r>
           </a:p>
         </p:txBody>
@@ -21965,7 +22202,7 @@
     </p:spTree>
     <p:extLst>
       <p:ext uri="{BB962C8B-B14F-4D97-AF65-F5344CB8AC3E}">
-        <p14:creationId xmlns:p14="http://schemas.microsoft.com/office/powerpoint/2010/main" val="862197894"/>
+        <p14:creationId xmlns:p14="http://schemas.microsoft.com/office/powerpoint/2010/main" val="2445438461"/>
       </p:ext>
     </p:extLst>
   </p:cSld>
@@ -22087,6 +22324,552 @@
                 <a:cs typeface="Lexend"/>
                 <a:sym typeface="Lexend"/>
               </a:rPr>
+              <a:t>Stack allocation</a:t>
+            </a:r>
+          </a:p>
+        </p:txBody>
+      </p:sp>
+      <p:sp>
+        <p:nvSpPr>
+          <p:cNvPr id="4" name="TextBox 3">
+            <a:extLst>
+              <a:ext uri="{FF2B5EF4-FFF2-40B4-BE49-F238E27FC236}">
+                <a16:creationId xmlns:a16="http://schemas.microsoft.com/office/drawing/2014/main" id="{A104402E-E46E-4C6E-8AD2-6A75AB04CCDB}"/>
+              </a:ext>
+            </a:extLst>
+          </p:cNvPr>
+          <p:cNvSpPr txBox="1"/>
+          <p:nvPr/>
+        </p:nvSpPr>
+        <p:spPr>
+          <a:xfrm>
+            <a:off x="375920" y="2428706"/>
+            <a:ext cx="11216640" cy="1323439"/>
+          </a:xfrm>
+          <a:prstGeom prst="rect">
+            <a:avLst/>
+          </a:prstGeom>
+          <a:noFill/>
+        </p:spPr>
+        <p:txBody>
+          <a:bodyPr wrap="square">
+            <a:spAutoFit/>
+          </a:bodyPr>
+          <a:lstStyle/>
+          <a:p>
+            <a:r>
+              <a:rPr lang="en-US" sz="1600" dirty="0">
+                <a:latin typeface="Poppins" panose="00000500000000000000" pitchFamily="2" charset="-94"/>
+                <a:cs typeface="Poppins" panose="00000500000000000000" pitchFamily="2" charset="-94"/>
+              </a:rPr>
+              <a:t>Stack allocation is now smarter and more widely applied.</a:t>
+            </a:r>
+            <a:br>
+              <a:rPr lang="en-US" sz="1600" dirty="0">
+                <a:latin typeface="Poppins" panose="00000500000000000000" pitchFamily="2" charset="-94"/>
+                <a:cs typeface="Poppins" panose="00000500000000000000" pitchFamily="2" charset="-94"/>
+              </a:rPr>
+            </a:br>
+            <a:r>
+              <a:rPr lang="en-US" sz="1600" dirty="0">
+                <a:latin typeface="Poppins" panose="00000500000000000000" pitchFamily="2" charset="-94"/>
+                <a:cs typeface="Poppins" panose="00000500000000000000" pitchFamily="2" charset="-94"/>
+              </a:rPr>
+              <a:t>.NET 10 introduces stack allocation for </a:t>
+            </a:r>
+            <a:r>
+              <a:rPr lang="en-US" sz="1600" b="1" dirty="0">
+                <a:latin typeface="Poppins" panose="00000500000000000000" pitchFamily="2" charset="-94"/>
+                <a:cs typeface="Poppins" panose="00000500000000000000" pitchFamily="2" charset="-94"/>
+              </a:rPr>
+              <a:t>small arrays of both value and reference types</a:t>
+            </a:r>
+            <a:r>
+              <a:rPr lang="en-US" sz="1600" dirty="0">
+                <a:latin typeface="Poppins" panose="00000500000000000000" pitchFamily="2" charset="-94"/>
+                <a:cs typeface="Poppins" panose="00000500000000000000" pitchFamily="2" charset="-94"/>
+              </a:rPr>
+              <a:t>, and adds </a:t>
+            </a:r>
+            <a:r>
+              <a:rPr lang="en-US" sz="1600" b="1" dirty="0">
+                <a:latin typeface="Poppins" panose="00000500000000000000" pitchFamily="2" charset="-94"/>
+                <a:cs typeface="Poppins" panose="00000500000000000000" pitchFamily="2" charset="-94"/>
+              </a:rPr>
+              <a:t>escape analysis</a:t>
+            </a:r>
+            <a:r>
+              <a:rPr lang="en-US" sz="1600" dirty="0">
+                <a:latin typeface="Poppins" panose="00000500000000000000" pitchFamily="2" charset="-94"/>
+                <a:cs typeface="Poppins" panose="00000500000000000000" pitchFamily="2" charset="-94"/>
+              </a:rPr>
+              <a:t> for local struct fields and delegates — letting more short-lived objects live on the stack instead of the heap.</a:t>
+            </a:r>
+          </a:p>
+          <a:p>
+            <a:endParaRPr lang="en-US" sz="1600" dirty="0">
+              <a:latin typeface="Poppins" panose="00000500000000000000" pitchFamily="2" charset="-94"/>
+              <a:cs typeface="Poppins" panose="00000500000000000000" pitchFamily="2" charset="-94"/>
+            </a:endParaRPr>
+          </a:p>
+        </p:txBody>
+      </p:sp>
+      <p:sp>
+        <p:nvSpPr>
+          <p:cNvPr id="5" name="TextBox 4">
+            <a:extLst>
+              <a:ext uri="{FF2B5EF4-FFF2-40B4-BE49-F238E27FC236}">
+                <a16:creationId xmlns:a16="http://schemas.microsoft.com/office/drawing/2014/main" id="{B92143E3-9173-4564-AC4F-4A032677E69C}"/>
+              </a:ext>
+            </a:extLst>
+          </p:cNvPr>
+          <p:cNvSpPr txBox="1"/>
+          <p:nvPr/>
+        </p:nvSpPr>
+        <p:spPr>
+          <a:xfrm>
+            <a:off x="451488" y="4577655"/>
+            <a:ext cx="10795632" cy="1323439"/>
+          </a:xfrm>
+          <a:prstGeom prst="rect">
+            <a:avLst/>
+          </a:prstGeom>
+          <a:noFill/>
+        </p:spPr>
+        <p:txBody>
+          <a:bodyPr wrap="square">
+            <a:spAutoFit/>
+          </a:bodyPr>
+          <a:lstStyle/>
+          <a:p>
+            <a:r>
+              <a:rPr lang="en-US" sz="1600" dirty="0">
+                <a:latin typeface="Poppins" panose="00000500000000000000" pitchFamily="2" charset="-94"/>
+                <a:cs typeface="Poppins" panose="00000500000000000000" pitchFamily="2" charset="-94"/>
+              </a:rPr>
+              <a:t>✅ </a:t>
+            </a:r>
+            <a:r>
+              <a:rPr lang="en-US" sz="1600" b="1" dirty="0">
+                <a:latin typeface="Poppins" panose="00000500000000000000" pitchFamily="2" charset="-94"/>
+                <a:cs typeface="Poppins" panose="00000500000000000000" pitchFamily="2" charset="-94"/>
+              </a:rPr>
+              <a:t>What this means:</a:t>
+            </a:r>
+          </a:p>
+          <a:p>
+            <a:endParaRPr lang="en-US" sz="1600" dirty="0">
+              <a:latin typeface="Poppins" panose="00000500000000000000" pitchFamily="2" charset="-94"/>
+              <a:cs typeface="Poppins" panose="00000500000000000000" pitchFamily="2" charset="-94"/>
+            </a:endParaRPr>
+          </a:p>
+          <a:p>
+            <a:pPr marL="285750" indent="-285750">
+              <a:buFont typeface="Arial" panose="020B0604020202020204" pitchFamily="34" charset="0"/>
+              <a:buChar char="•"/>
+            </a:pPr>
+            <a:r>
+              <a:rPr lang="en-US" sz="1600" dirty="0">
+                <a:latin typeface="Poppins" panose="00000500000000000000" pitchFamily="2" charset="-94"/>
+                <a:cs typeface="Poppins" panose="00000500000000000000" pitchFamily="2" charset="-94"/>
+              </a:rPr>
+              <a:t>Fewer heap allocations → less GC work and faster execution.</a:t>
+            </a:r>
+          </a:p>
+          <a:p>
+            <a:pPr marL="285750" indent="-285750">
+              <a:buFont typeface="Arial" panose="020B0604020202020204" pitchFamily="34" charset="0"/>
+              <a:buChar char="•"/>
+            </a:pPr>
+            <a:r>
+              <a:rPr lang="en-US" sz="1600" dirty="0">
+                <a:latin typeface="Poppins" panose="00000500000000000000" pitchFamily="2" charset="-94"/>
+                <a:cs typeface="Poppins" panose="00000500000000000000" pitchFamily="2" charset="-94"/>
+              </a:rPr>
+              <a:t>Temporary arrays and delegates are now cheaper to create.</a:t>
+            </a:r>
+          </a:p>
+          <a:p>
+            <a:pPr marL="285750" indent="-285750">
+              <a:buFont typeface="Arial" panose="020B0604020202020204" pitchFamily="34" charset="0"/>
+              <a:buChar char="•"/>
+            </a:pPr>
+            <a:r>
+              <a:rPr lang="en-US" sz="1600" dirty="0">
+                <a:latin typeface="Poppins" panose="00000500000000000000" pitchFamily="2" charset="-94"/>
+                <a:cs typeface="Poppins" panose="00000500000000000000" pitchFamily="2" charset="-94"/>
+              </a:rPr>
+              <a:t>Significant performance boost in tight loops and short-lived operations.</a:t>
+            </a:r>
+          </a:p>
+        </p:txBody>
+      </p:sp>
+    </p:spTree>
+    <p:extLst>
+      <p:ext uri="{BB962C8B-B14F-4D97-AF65-F5344CB8AC3E}">
+        <p14:creationId xmlns:p14="http://schemas.microsoft.com/office/powerpoint/2010/main" val="862197894"/>
+      </p:ext>
+    </p:extLst>
+  </p:cSld>
+  <p:clrMapOvr>
+    <a:masterClrMapping/>
+  </p:clrMapOvr>
+</p:sld>
+</file>
+
+<file path=ppt/slides/slide2.xml><?xml version="1.0" encoding="utf-8"?>
+<p:sld xmlns:a="http://schemas.openxmlformats.org/drawingml/2006/main" xmlns:r="http://schemas.openxmlformats.org/officeDocument/2006/relationships" xmlns:p="http://schemas.openxmlformats.org/presentationml/2006/main">
+  <p:cSld>
+    <p:bg>
+      <p:bgPr>
+        <a:solidFill>
+          <a:srgbClr val="F3F6FC"/>
+        </a:solidFill>
+        <a:effectLst/>
+      </p:bgPr>
+    </p:bg>
+    <p:spTree>
+      <p:nvGrpSpPr>
+        <p:cNvPr id="1" name=""/>
+        <p:cNvGrpSpPr/>
+        <p:nvPr/>
+      </p:nvGrpSpPr>
+      <p:grpSpPr>
+        <a:xfrm>
+          <a:off x="0" y="0"/>
+          <a:ext cx="0" cy="0"/>
+          <a:chOff x="0" y="0"/>
+          <a:chExt cx="0" cy="0"/>
+        </a:xfrm>
+      </p:grpSpPr>
+      <p:pic>
+        <p:nvPicPr>
+          <p:cNvPr id="5" name="Picture 4">
+            <a:extLst>
+              <a:ext uri="{FF2B5EF4-FFF2-40B4-BE49-F238E27FC236}">
+                <a16:creationId xmlns:a16="http://schemas.microsoft.com/office/drawing/2014/main" id="{BD754119-32EC-4259-A719-82F82F795B8B}"/>
+              </a:ext>
+            </a:extLst>
+          </p:cNvPr>
+          <p:cNvPicPr>
+            <a:picLocks noChangeAspect="1"/>
+          </p:cNvPicPr>
+          <p:nvPr/>
+        </p:nvPicPr>
+        <p:blipFill rotWithShape="1">
+          <a:blip r:embed="rId3"/>
+          <a:srcRect b="5932"/>
+          <a:stretch/>
+        </p:blipFill>
+        <p:spPr>
+          <a:xfrm>
+            <a:off x="352425" y="509388"/>
+            <a:ext cx="11353800" cy="2114550"/>
+          </a:xfrm>
+          <a:prstGeom prst="rect">
+            <a:avLst/>
+          </a:prstGeom>
+          <a:ln>
+            <a:noFill/>
+          </a:ln>
+          <a:effectLst>
+            <a:softEdge rad="112500"/>
+          </a:effectLst>
+        </p:spPr>
+      </p:pic>
+      <p:pic>
+        <p:nvPicPr>
+          <p:cNvPr id="7" name="Picture 6">
+            <a:extLst>
+              <a:ext uri="{FF2B5EF4-FFF2-40B4-BE49-F238E27FC236}">
+                <a16:creationId xmlns:a16="http://schemas.microsoft.com/office/drawing/2014/main" id="{0185B5DA-A6BC-4A1F-A6A8-E56F8D420DCB}"/>
+              </a:ext>
+            </a:extLst>
+          </p:cNvPr>
+          <p:cNvPicPr>
+            <a:picLocks noChangeAspect="1"/>
+          </p:cNvPicPr>
+          <p:nvPr/>
+        </p:nvPicPr>
+        <p:blipFill rotWithShape="1">
+          <a:blip r:embed="rId4"/>
+          <a:srcRect b="8642"/>
+          <a:stretch/>
+        </p:blipFill>
+        <p:spPr>
+          <a:xfrm>
+            <a:off x="352425" y="2732305"/>
+            <a:ext cx="11420475" cy="2114550"/>
+          </a:xfrm>
+          <a:prstGeom prst="rect">
+            <a:avLst/>
+          </a:prstGeom>
+          <a:ln>
+            <a:noFill/>
+          </a:ln>
+          <a:effectLst>
+            <a:softEdge rad="112500"/>
+          </a:effectLst>
+        </p:spPr>
+      </p:pic>
+      <p:sp>
+        <p:nvSpPr>
+          <p:cNvPr id="9" name="TextBox 8">
+            <a:extLst>
+              <a:ext uri="{FF2B5EF4-FFF2-40B4-BE49-F238E27FC236}">
+                <a16:creationId xmlns:a16="http://schemas.microsoft.com/office/drawing/2014/main" id="{809026EB-03CA-4B04-93E9-7EB82AD0D3CD}"/>
+              </a:ext>
+            </a:extLst>
+          </p:cNvPr>
+          <p:cNvSpPr txBox="1"/>
+          <p:nvPr/>
+        </p:nvSpPr>
+        <p:spPr>
+          <a:xfrm>
+            <a:off x="0" y="5388694"/>
+            <a:ext cx="9794240" cy="461665"/>
+          </a:xfrm>
+          <a:prstGeom prst="rect">
+            <a:avLst/>
+          </a:prstGeom>
+          <a:noFill/>
+        </p:spPr>
+        <p:txBody>
+          <a:bodyPr wrap="square">
+            <a:spAutoFit/>
+          </a:bodyPr>
+          <a:lstStyle/>
+          <a:p>
+            <a:pPr algn="ctr"/>
+            <a:r>
+              <a:rPr lang="en-US" sz="2400" dirty="0">
+                <a:latin typeface="Lexend" panose="020B0604020202020204" charset="-94"/>
+              </a:rPr>
+              <a:t>Visit </a:t>
+            </a:r>
+            <a:r>
+              <a:rPr lang="en-US" sz="2400" b="1" dirty="0">
+                <a:latin typeface="Lexend" panose="020B0604020202020204" charset="-94"/>
+                <a:hlinkClick r:id="rId5"/>
+              </a:rPr>
+              <a:t>abp.io/community/raffles</a:t>
+            </a:r>
+            <a:r>
+              <a:rPr lang="en-US" sz="2400" b="1" dirty="0">
+                <a:latin typeface="Lexend" panose="020B0604020202020204" charset="-94"/>
+              </a:rPr>
+              <a:t> </a:t>
+            </a:r>
+            <a:r>
+              <a:rPr lang="en-US" sz="2400" dirty="0">
+                <a:latin typeface="Lexend" panose="020B0604020202020204" charset="-94"/>
+              </a:rPr>
+              <a:t>and join the raffle for free</a:t>
+            </a:r>
+          </a:p>
+        </p:txBody>
+      </p:sp>
+      <p:pic>
+        <p:nvPicPr>
+          <p:cNvPr id="11" name="Picture 10">
+            <a:extLst>
+              <a:ext uri="{FF2B5EF4-FFF2-40B4-BE49-F238E27FC236}">
+                <a16:creationId xmlns:a16="http://schemas.microsoft.com/office/drawing/2014/main" id="{0DD987E7-1A8D-443C-A961-AA1658D88C02}"/>
+              </a:ext>
+            </a:extLst>
+          </p:cNvPr>
+          <p:cNvPicPr>
+            <a:picLocks noChangeAspect="1"/>
+          </p:cNvPicPr>
+          <p:nvPr/>
+        </p:nvPicPr>
+        <p:blipFill>
+          <a:blip r:embed="rId6"/>
+          <a:stretch>
+            <a:fillRect/>
+          </a:stretch>
+        </p:blipFill>
+        <p:spPr>
+          <a:xfrm>
+            <a:off x="9904902" y="4955223"/>
+            <a:ext cx="1801323" cy="1790272"/>
+          </a:xfrm>
+          <a:prstGeom prst="rect">
+            <a:avLst/>
+          </a:prstGeom>
+        </p:spPr>
+      </p:pic>
+      <p:cxnSp>
+        <p:nvCxnSpPr>
+          <p:cNvPr id="13" name="Connector: Elbow 12">
+            <a:extLst>
+              <a:ext uri="{FF2B5EF4-FFF2-40B4-BE49-F238E27FC236}">
+                <a16:creationId xmlns:a16="http://schemas.microsoft.com/office/drawing/2014/main" id="{D1347B6D-3AC9-4A9E-804E-015D6DBE7B41}"/>
+              </a:ext>
+            </a:extLst>
+          </p:cNvPr>
+          <p:cNvCxnSpPr>
+            <a:cxnSpLocks/>
+          </p:cNvCxnSpPr>
+          <p:nvPr/>
+        </p:nvCxnSpPr>
+        <p:spPr>
+          <a:xfrm>
+            <a:off x="3781736" y="5801092"/>
+            <a:ext cx="5577840" cy="499641"/>
+          </a:xfrm>
+          <a:prstGeom prst="bentConnector3">
+            <a:avLst>
+              <a:gd name="adj1" fmla="val 91"/>
+            </a:avLst>
+          </a:prstGeom>
+          <a:ln w="76200">
+            <a:solidFill>
+              <a:srgbClr val="467886"/>
+            </a:solidFill>
+            <a:tailEnd type="triangle"/>
+          </a:ln>
+        </p:spPr>
+        <p:style>
+          <a:lnRef idx="1">
+            <a:schemeClr val="accent1"/>
+          </a:lnRef>
+          <a:fillRef idx="0">
+            <a:schemeClr val="accent1"/>
+          </a:fillRef>
+          <a:effectRef idx="0">
+            <a:schemeClr val="accent1"/>
+          </a:effectRef>
+          <a:fontRef idx="minor">
+            <a:schemeClr val="tx1"/>
+          </a:fontRef>
+        </p:style>
+      </p:cxnSp>
+    </p:spTree>
+    <p:extLst>
+      <p:ext uri="{BB962C8B-B14F-4D97-AF65-F5344CB8AC3E}">
+        <p14:creationId xmlns:p14="http://schemas.microsoft.com/office/powerpoint/2010/main" val="584080398"/>
+      </p:ext>
+    </p:extLst>
+  </p:cSld>
+  <p:clrMapOvr>
+    <a:masterClrMapping/>
+  </p:clrMapOvr>
+</p:sld>
+</file>
+
+<file path=ppt/slides/slide20.xml><?xml version="1.0" encoding="utf-8"?>
+<p:sld xmlns:a="http://schemas.openxmlformats.org/drawingml/2006/main" xmlns:r="http://schemas.openxmlformats.org/officeDocument/2006/relationships" xmlns:p="http://schemas.openxmlformats.org/presentationml/2006/main">
+  <p:cSld>
+    <p:bg>
+      <p:bgPr>
+        <a:blipFill dpi="0" rotWithShape="1">
+          <a:blip r:embed="rId3">
+            <a:lum/>
+          </a:blip>
+          <a:srcRect/>
+          <a:stretch>
+            <a:fillRect/>
+          </a:stretch>
+        </a:blipFill>
+        <a:effectLst/>
+      </p:bgPr>
+    </p:bg>
+    <p:spTree>
+      <p:nvGrpSpPr>
+        <p:cNvPr id="1" name="Shape 106"/>
+        <p:cNvGrpSpPr/>
+        <p:nvPr/>
+      </p:nvGrpSpPr>
+      <p:grpSpPr>
+        <a:xfrm>
+          <a:off x="0" y="0"/>
+          <a:ext cx="0" cy="0"/>
+          <a:chOff x="0" y="0"/>
+          <a:chExt cx="0" cy="0"/>
+        </a:xfrm>
+      </p:grpSpPr>
+      <p:sp>
+        <p:nvSpPr>
+          <p:cNvPr id="107" name="Google Shape;107;p2"/>
+          <p:cNvSpPr txBox="1"/>
+          <p:nvPr/>
+        </p:nvSpPr>
+        <p:spPr>
+          <a:xfrm>
+            <a:off x="451488" y="464463"/>
+            <a:ext cx="10720064" cy="1138733"/>
+          </a:xfrm>
+          <a:prstGeom prst="rect">
+            <a:avLst/>
+          </a:prstGeom>
+          <a:noFill/>
+          <a:ln>
+            <a:noFill/>
+          </a:ln>
+        </p:spPr>
+        <p:txBody>
+          <a:bodyPr spcFirstLastPara="1" wrap="square" lIns="91425" tIns="45700" rIns="91425" bIns="45700" anchor="t" anchorCtr="0">
+            <a:spAutoFit/>
+          </a:bodyPr>
+          <a:lstStyle/>
+          <a:p>
+            <a:pPr marL="0" marR="0" lvl="0" indent="0" algn="l" rtl="0">
+              <a:lnSpc>
+                <a:spcPct val="100000"/>
+              </a:lnSpc>
+              <a:spcBef>
+                <a:spcPts val="0"/>
+              </a:spcBef>
+              <a:spcAft>
+                <a:spcPts val="0"/>
+              </a:spcAft>
+              <a:buClr>
+                <a:srgbClr val="000000"/>
+              </a:buClr>
+              <a:buSzPts val="3200"/>
+              <a:buFont typeface="Arial"/>
+              <a:buNone/>
+            </a:pPr>
+            <a:r>
+              <a:rPr lang="en-US" sz="3400" b="1" dirty="0">
+                <a:solidFill>
+                  <a:srgbClr val="292D33"/>
+                </a:solidFill>
+                <a:latin typeface="Lexend"/>
+                <a:ea typeface="Lexend"/>
+                <a:cs typeface="Lexend"/>
+                <a:sym typeface="Lexend"/>
+              </a:rPr>
+              <a:t>.NET Runtime Improvements </a:t>
+            </a:r>
+          </a:p>
+          <a:p>
+            <a:pPr marR="0" lvl="0" algn="l" rtl="0">
+              <a:lnSpc>
+                <a:spcPct val="100000"/>
+              </a:lnSpc>
+              <a:spcBef>
+                <a:spcPts val="0"/>
+              </a:spcBef>
+              <a:spcAft>
+                <a:spcPts val="0"/>
+              </a:spcAft>
+              <a:buClr>
+                <a:srgbClr val="000000"/>
+              </a:buClr>
+              <a:buSzPts val="3200"/>
+            </a:pPr>
+            <a:r>
+              <a:rPr lang="en-US" sz="3400" dirty="0">
+                <a:solidFill>
+                  <a:srgbClr val="292D33"/>
+                </a:solidFill>
+                <a:latin typeface="Lexend"/>
+                <a:ea typeface="Lexend"/>
+                <a:cs typeface="Lexend"/>
+                <a:sym typeface="Lexend"/>
+              </a:rPr>
               <a:t>Stack allocation: Escape Analysis </a:t>
             </a:r>
           </a:p>
@@ -22260,7 +23043,550 @@
 </p:sld>
 </file>
 
-<file path=ppt/slides/slide2.xml><?xml version="1.0" encoding="utf-8"?>
+<file path=ppt/slides/slide21.xml><?xml version="1.0" encoding="utf-8"?>
+<p:sld xmlns:a="http://schemas.openxmlformats.org/drawingml/2006/main" xmlns:r="http://schemas.openxmlformats.org/officeDocument/2006/relationships" xmlns:p="http://schemas.openxmlformats.org/presentationml/2006/main">
+  <p:cSld>
+    <p:bg>
+      <p:bgPr>
+        <a:blipFill dpi="0" rotWithShape="1">
+          <a:blip r:embed="rId3">
+            <a:lum/>
+          </a:blip>
+          <a:srcRect/>
+          <a:stretch>
+            <a:fillRect/>
+          </a:stretch>
+        </a:blipFill>
+        <a:effectLst/>
+      </p:bgPr>
+    </p:bg>
+    <p:spTree>
+      <p:nvGrpSpPr>
+        <p:cNvPr id="1" name="Shape 106"/>
+        <p:cNvGrpSpPr/>
+        <p:nvPr/>
+      </p:nvGrpSpPr>
+      <p:grpSpPr>
+        <a:xfrm>
+          <a:off x="0" y="0"/>
+          <a:ext cx="0" cy="0"/>
+          <a:chOff x="0" y="0"/>
+          <a:chExt cx="0" cy="0"/>
+        </a:xfrm>
+      </p:grpSpPr>
+      <p:sp>
+        <p:nvSpPr>
+          <p:cNvPr id="107" name="Google Shape;107;p2"/>
+          <p:cNvSpPr txBox="1"/>
+          <p:nvPr/>
+        </p:nvSpPr>
+        <p:spPr>
+          <a:xfrm>
+            <a:off x="451488" y="464463"/>
+            <a:ext cx="10720064" cy="1138733"/>
+          </a:xfrm>
+          <a:prstGeom prst="rect">
+            <a:avLst/>
+          </a:prstGeom>
+          <a:noFill/>
+          <a:ln>
+            <a:noFill/>
+          </a:ln>
+        </p:spPr>
+        <p:txBody>
+          <a:bodyPr spcFirstLastPara="1" wrap="square" lIns="91425" tIns="45700" rIns="91425" bIns="45700" anchor="t" anchorCtr="0">
+            <a:spAutoFit/>
+          </a:bodyPr>
+          <a:lstStyle/>
+          <a:p>
+            <a:pPr marL="0" marR="0" lvl="0" indent="0" algn="l" rtl="0">
+              <a:lnSpc>
+                <a:spcPct val="100000"/>
+              </a:lnSpc>
+              <a:spcBef>
+                <a:spcPts val="0"/>
+              </a:spcBef>
+              <a:spcAft>
+                <a:spcPts val="0"/>
+              </a:spcAft>
+              <a:buClr>
+                <a:srgbClr val="000000"/>
+              </a:buClr>
+              <a:buSzPts val="3200"/>
+              <a:buFont typeface="Arial"/>
+              <a:buNone/>
+            </a:pPr>
+            <a:r>
+              <a:rPr lang="en-US" sz="3400" b="1" dirty="0">
+                <a:solidFill>
+                  <a:srgbClr val="292D33"/>
+                </a:solidFill>
+                <a:latin typeface="Lexend"/>
+                <a:ea typeface="Lexend"/>
+                <a:cs typeface="Lexend"/>
+                <a:sym typeface="Lexend"/>
+              </a:rPr>
+              <a:t>.NET Runtime Improvements </a:t>
+            </a:r>
+          </a:p>
+          <a:p>
+            <a:pPr marR="0" lvl="0" algn="l" rtl="0">
+              <a:lnSpc>
+                <a:spcPct val="100000"/>
+              </a:lnSpc>
+              <a:spcBef>
+                <a:spcPts val="0"/>
+              </a:spcBef>
+              <a:spcAft>
+                <a:spcPts val="0"/>
+              </a:spcAft>
+              <a:buClr>
+                <a:srgbClr val="000000"/>
+              </a:buClr>
+              <a:buSzPts val="3200"/>
+            </a:pPr>
+            <a:r>
+              <a:rPr lang="en-US" sz="3400" dirty="0">
+                <a:solidFill>
+                  <a:srgbClr val="292D33"/>
+                </a:solidFill>
+                <a:latin typeface="Lexend"/>
+                <a:ea typeface="Lexend"/>
+                <a:cs typeface="Lexend"/>
+                <a:sym typeface="Lexend"/>
+              </a:rPr>
+              <a:t>Arm64 write-barrier improvements</a:t>
+            </a:r>
+          </a:p>
+        </p:txBody>
+      </p:sp>
+      <p:sp>
+        <p:nvSpPr>
+          <p:cNvPr id="4" name="TextBox 3">
+            <a:extLst>
+              <a:ext uri="{FF2B5EF4-FFF2-40B4-BE49-F238E27FC236}">
+                <a16:creationId xmlns:a16="http://schemas.microsoft.com/office/drawing/2014/main" id="{D3095CC8-9F6F-4415-97F1-23407E3B8F48}"/>
+              </a:ext>
+            </a:extLst>
+          </p:cNvPr>
+          <p:cNvSpPr txBox="1"/>
+          <p:nvPr/>
+        </p:nvSpPr>
+        <p:spPr>
+          <a:xfrm>
+            <a:off x="451488" y="2856339"/>
+            <a:ext cx="11080112" cy="1323439"/>
+          </a:xfrm>
+          <a:prstGeom prst="rect">
+            <a:avLst/>
+          </a:prstGeom>
+          <a:noFill/>
+        </p:spPr>
+        <p:txBody>
+          <a:bodyPr wrap="square">
+            <a:spAutoFit/>
+          </a:bodyPr>
+          <a:lstStyle/>
+          <a:p>
+            <a:r>
+              <a:rPr lang="en-US" sz="1600" b="1" dirty="0">
+                <a:latin typeface="Poppins" panose="00000500000000000000" pitchFamily="2" charset="-94"/>
+                <a:cs typeface="Poppins" panose="00000500000000000000" pitchFamily="2" charset="-94"/>
+              </a:rPr>
+              <a:t>Arm64 Write-Barrier Improvements</a:t>
+            </a:r>
+          </a:p>
+          <a:p>
+            <a:r>
+              <a:rPr lang="en-US" sz="1600" dirty="0">
+                <a:latin typeface="Poppins" panose="00000500000000000000" pitchFamily="2" charset="-94"/>
+                <a:cs typeface="Poppins" panose="00000500000000000000" pitchFamily="2" charset="-94"/>
+              </a:rPr>
+              <a:t>The garbage collector’s </a:t>
+            </a:r>
+            <a:r>
+              <a:rPr lang="en-US" sz="1600" b="1" dirty="0">
+                <a:latin typeface="Poppins" panose="00000500000000000000" pitchFamily="2" charset="-94"/>
+                <a:cs typeface="Poppins" panose="00000500000000000000" pitchFamily="2" charset="-94"/>
+              </a:rPr>
+              <a:t>write-barrier logic</a:t>
+            </a:r>
+            <a:r>
+              <a:rPr lang="en-US" sz="1600" dirty="0">
+                <a:latin typeface="Poppins" panose="00000500000000000000" pitchFamily="2" charset="-94"/>
+                <a:cs typeface="Poppins" panose="00000500000000000000" pitchFamily="2" charset="-94"/>
+              </a:rPr>
+              <a:t> (which tracks references between generations) is now smarter on Arm64 processors.</a:t>
+            </a:r>
+            <a:br>
+              <a:rPr lang="en-US" sz="1600" dirty="0">
+                <a:latin typeface="Poppins" panose="00000500000000000000" pitchFamily="2" charset="-94"/>
+                <a:cs typeface="Poppins" panose="00000500000000000000" pitchFamily="2" charset="-94"/>
+              </a:rPr>
+            </a:br>
+            <a:r>
+              <a:rPr lang="en-US" sz="1600" dirty="0">
+                <a:latin typeface="Poppins" panose="00000500000000000000" pitchFamily="2" charset="-94"/>
+                <a:cs typeface="Poppins" panose="00000500000000000000" pitchFamily="2" charset="-94"/>
+              </a:rPr>
+              <a:t>It reduces unnecessary scanning of memory regions during GC cycles.</a:t>
+            </a:r>
+          </a:p>
+          <a:p>
+            <a:endParaRPr lang="en-US" sz="1600" dirty="0">
+              <a:latin typeface="Poppins" panose="00000500000000000000" pitchFamily="2" charset="-94"/>
+              <a:cs typeface="Poppins" panose="00000500000000000000" pitchFamily="2" charset="-94"/>
+            </a:endParaRPr>
+          </a:p>
+        </p:txBody>
+      </p:sp>
+      <p:sp>
+        <p:nvSpPr>
+          <p:cNvPr id="5" name="TextBox 4">
+            <a:extLst>
+              <a:ext uri="{FF2B5EF4-FFF2-40B4-BE49-F238E27FC236}">
+                <a16:creationId xmlns:a16="http://schemas.microsoft.com/office/drawing/2014/main" id="{4B30E1EA-C7BC-4506-9FA5-01EBD7CB9467}"/>
+              </a:ext>
+            </a:extLst>
+          </p:cNvPr>
+          <p:cNvSpPr txBox="1"/>
+          <p:nvPr/>
+        </p:nvSpPr>
+        <p:spPr>
+          <a:xfrm>
+            <a:off x="451488" y="4902667"/>
+            <a:ext cx="10948032" cy="1323439"/>
+          </a:xfrm>
+          <a:prstGeom prst="rect">
+            <a:avLst/>
+          </a:prstGeom>
+          <a:noFill/>
+        </p:spPr>
+        <p:txBody>
+          <a:bodyPr wrap="square">
+            <a:spAutoFit/>
+          </a:bodyPr>
+          <a:lstStyle/>
+          <a:p>
+            <a:r>
+              <a:rPr lang="en-US" sz="1600" dirty="0">
+                <a:latin typeface="Poppins" panose="00000500000000000000" pitchFamily="2" charset="-94"/>
+                <a:cs typeface="Poppins" panose="00000500000000000000" pitchFamily="2" charset="-94"/>
+              </a:rPr>
+              <a:t>✅ </a:t>
+            </a:r>
+            <a:r>
+              <a:rPr lang="en-US" sz="1600" b="1" dirty="0">
+                <a:latin typeface="Poppins" panose="00000500000000000000" pitchFamily="2" charset="-94"/>
+                <a:cs typeface="Poppins" panose="00000500000000000000" pitchFamily="2" charset="-94"/>
+              </a:rPr>
+              <a:t>What this means:</a:t>
+            </a:r>
+          </a:p>
+          <a:p>
+            <a:endParaRPr lang="en-US" sz="1600" dirty="0">
+              <a:latin typeface="Poppins" panose="00000500000000000000" pitchFamily="2" charset="-94"/>
+              <a:cs typeface="Poppins" panose="00000500000000000000" pitchFamily="2" charset="-94"/>
+            </a:endParaRPr>
+          </a:p>
+          <a:p>
+            <a:pPr marL="285750" indent="-285750">
+              <a:buFont typeface="Arial" panose="020B0604020202020204" pitchFamily="34" charset="0"/>
+              <a:buChar char="•"/>
+            </a:pPr>
+            <a:r>
+              <a:rPr lang="en-US" sz="1600" dirty="0">
+                <a:latin typeface="Poppins" panose="00000500000000000000" pitchFamily="2" charset="-94"/>
+                <a:cs typeface="Poppins" panose="00000500000000000000" pitchFamily="2" charset="-94"/>
+              </a:rPr>
+              <a:t>Faster and smoother garbage collection on Arm64 devices.</a:t>
+            </a:r>
+          </a:p>
+          <a:p>
+            <a:pPr marL="285750" indent="-285750">
+              <a:buFont typeface="Arial" panose="020B0604020202020204" pitchFamily="34" charset="0"/>
+              <a:buChar char="•"/>
+            </a:pPr>
+            <a:r>
+              <a:rPr lang="en-US" sz="1600" dirty="0">
+                <a:latin typeface="Poppins" panose="00000500000000000000" pitchFamily="2" charset="-94"/>
+                <a:cs typeface="Poppins" panose="00000500000000000000" pitchFamily="2" charset="-94"/>
+              </a:rPr>
+              <a:t>Up to </a:t>
+            </a:r>
+            <a:r>
+              <a:rPr lang="en-US" sz="1600" b="1" dirty="0">
+                <a:latin typeface="Poppins" panose="00000500000000000000" pitchFamily="2" charset="-94"/>
+                <a:cs typeface="Poppins" panose="00000500000000000000" pitchFamily="2" charset="-94"/>
+              </a:rPr>
+              <a:t>8–20% shorter GC pauses</a:t>
+            </a:r>
+            <a:r>
+              <a:rPr lang="en-US" sz="1600" dirty="0">
+                <a:latin typeface="Poppins" panose="00000500000000000000" pitchFamily="2" charset="-94"/>
+                <a:cs typeface="Poppins" panose="00000500000000000000" pitchFamily="2" charset="-94"/>
+              </a:rPr>
+              <a:t> in some workloads.</a:t>
+            </a:r>
+          </a:p>
+          <a:p>
+            <a:pPr marL="285750" indent="-285750">
+              <a:buFont typeface="Arial" panose="020B0604020202020204" pitchFamily="34" charset="0"/>
+              <a:buChar char="•"/>
+            </a:pPr>
+            <a:r>
+              <a:rPr lang="en-US" sz="1600" dirty="0">
+                <a:latin typeface="Poppins" panose="00000500000000000000" pitchFamily="2" charset="-94"/>
+                <a:cs typeface="Poppins" panose="00000500000000000000" pitchFamily="2" charset="-94"/>
+              </a:rPr>
+              <a:t>Better .NET performance on ARM-based servers and devices</a:t>
+            </a:r>
+          </a:p>
+        </p:txBody>
+      </p:sp>
+    </p:spTree>
+    <p:extLst>
+      <p:ext uri="{BB962C8B-B14F-4D97-AF65-F5344CB8AC3E}">
+        <p14:creationId xmlns:p14="http://schemas.microsoft.com/office/powerpoint/2010/main" val="2626706405"/>
+      </p:ext>
+    </p:extLst>
+  </p:cSld>
+  <p:clrMapOvr>
+    <a:masterClrMapping/>
+  </p:clrMapOvr>
+</p:sld>
+</file>
+
+<file path=ppt/slides/slide22.xml><?xml version="1.0" encoding="utf-8"?>
+<p:sld xmlns:a="http://schemas.openxmlformats.org/drawingml/2006/main" xmlns:r="http://schemas.openxmlformats.org/officeDocument/2006/relationships" xmlns:p="http://schemas.openxmlformats.org/presentationml/2006/main">
+  <p:cSld>
+    <p:bg>
+      <p:bgPr>
+        <a:blipFill>
+          <a:blip r:embed="rId3">
+            <a:alphaModFix/>
+          </a:blip>
+          <a:stretch>
+            <a:fillRect/>
+          </a:stretch>
+        </a:blipFill>
+        <a:effectLst/>
+      </p:bgPr>
+    </p:bg>
+    <p:spTree>
+      <p:nvGrpSpPr>
+        <p:cNvPr id="1" name="Shape 191"/>
+        <p:cNvGrpSpPr/>
+        <p:nvPr/>
+      </p:nvGrpSpPr>
+      <p:grpSpPr>
+        <a:xfrm>
+          <a:off x="0" y="0"/>
+          <a:ext cx="0" cy="0"/>
+          <a:chOff x="0" y="0"/>
+          <a:chExt cx="0" cy="0"/>
+        </a:xfrm>
+      </p:grpSpPr>
+      <p:sp>
+        <p:nvSpPr>
+          <p:cNvPr id="3" name="TextBox 2">
+            <a:extLst>
+              <a:ext uri="{FF2B5EF4-FFF2-40B4-BE49-F238E27FC236}">
+                <a16:creationId xmlns:a16="http://schemas.microsoft.com/office/drawing/2014/main" id="{00B756D3-8C86-4ABC-A910-4917C7D2F996}"/>
+              </a:ext>
+            </a:extLst>
+          </p:cNvPr>
+          <p:cNvSpPr txBox="1"/>
+          <p:nvPr/>
+        </p:nvSpPr>
+        <p:spPr>
+          <a:xfrm>
+            <a:off x="0" y="1274137"/>
+            <a:ext cx="12263120" cy="5447645"/>
+          </a:xfrm>
+          <a:prstGeom prst="rect">
+            <a:avLst/>
+          </a:prstGeom>
+          <a:noFill/>
+        </p:spPr>
+        <p:txBody>
+          <a:bodyPr wrap="square">
+            <a:spAutoFit/>
+          </a:bodyPr>
+          <a:lstStyle/>
+          <a:p>
+            <a:pPr algn="ctr"/>
+            <a:r>
+              <a:rPr lang="en-US" sz="4000" b="1" u="sng" dirty="0">
+                <a:solidFill>
+                  <a:srgbClr val="292D33"/>
+                </a:solidFill>
+                <a:latin typeface="Lexend"/>
+                <a:ea typeface="Lexend"/>
+                <a:cs typeface="Lexend"/>
+                <a:sym typeface="Lexend"/>
+              </a:rPr>
+              <a:t>Black Friday Discount </a:t>
+            </a:r>
+            <a:br>
+              <a:rPr lang="en-US" sz="4000" b="1" dirty="0">
+                <a:solidFill>
+                  <a:srgbClr val="292D33"/>
+                </a:solidFill>
+                <a:latin typeface="Lexend"/>
+                <a:ea typeface="Lexend"/>
+                <a:cs typeface="Lexend"/>
+                <a:sym typeface="Lexend"/>
+              </a:rPr>
+            </a:br>
+            <a:r>
+              <a:rPr lang="en-US" sz="4000" dirty="0">
+                <a:solidFill>
+                  <a:srgbClr val="292D33"/>
+                </a:solidFill>
+                <a:latin typeface="Lexend"/>
+                <a:ea typeface="Lexend"/>
+                <a:cs typeface="Lexend"/>
+                <a:sym typeface="Lexend"/>
+              </a:rPr>
+              <a:t>valid until </a:t>
+            </a:r>
+          </a:p>
+          <a:p>
+            <a:pPr algn="ctr"/>
+            <a:r>
+              <a:rPr lang="en-US" sz="4000" b="1" dirty="0">
+                <a:solidFill>
+                  <a:srgbClr val="292D33"/>
+                </a:solidFill>
+                <a:latin typeface="Lexend"/>
+                <a:ea typeface="Lexend"/>
+                <a:cs typeface="Lexend"/>
+                <a:sym typeface="Lexend"/>
+              </a:rPr>
+              <a:t>1</a:t>
+            </a:r>
+            <a:r>
+              <a:rPr lang="en-US" sz="4000" b="1" baseline="30000" dirty="0">
+                <a:solidFill>
+                  <a:srgbClr val="292D33"/>
+                </a:solidFill>
+                <a:latin typeface="Lexend"/>
+                <a:ea typeface="Lexend"/>
+                <a:cs typeface="Lexend"/>
+                <a:sym typeface="Lexend"/>
+              </a:rPr>
+              <a:t>st</a:t>
+            </a:r>
+            <a:r>
+              <a:rPr lang="en-US" sz="4000" b="1" dirty="0">
+                <a:solidFill>
+                  <a:srgbClr val="292D33"/>
+                </a:solidFill>
+                <a:latin typeface="Lexend"/>
+                <a:ea typeface="Lexend"/>
+                <a:cs typeface="Lexend"/>
+                <a:sym typeface="Lexend"/>
+              </a:rPr>
+              <a:t> December 2025</a:t>
+            </a:r>
+          </a:p>
+          <a:p>
+            <a:pPr algn="ctr"/>
+            <a:r>
+              <a:rPr lang="en-US" sz="4000" dirty="0">
+                <a:solidFill>
+                  <a:srgbClr val="292D33"/>
+                </a:solidFill>
+                <a:latin typeface="Lexend"/>
+                <a:ea typeface="Lexend"/>
+                <a:cs typeface="Lexend"/>
+                <a:sym typeface="Lexend"/>
+              </a:rPr>
+              <a:t>including</a:t>
+            </a:r>
+          </a:p>
+          <a:p>
+            <a:pPr algn="ctr"/>
+            <a:r>
+              <a:rPr lang="en-US" sz="3600" b="1" dirty="0">
+                <a:solidFill>
+                  <a:srgbClr val="292D33"/>
+                </a:solidFill>
+                <a:latin typeface="Lexend"/>
+                <a:sym typeface="Lexend"/>
+              </a:rPr>
+              <a:t>+ New license purchase </a:t>
+            </a:r>
+            <a:br>
+              <a:rPr lang="en-US" sz="3600" b="1" dirty="0">
+                <a:solidFill>
+                  <a:srgbClr val="292D33"/>
+                </a:solidFill>
+                <a:latin typeface="Lexend"/>
+                <a:sym typeface="Lexend"/>
+              </a:rPr>
+            </a:br>
+            <a:r>
+              <a:rPr lang="en-US" sz="3600" b="1" dirty="0">
+                <a:solidFill>
+                  <a:srgbClr val="292D33"/>
+                </a:solidFill>
+                <a:latin typeface="Lexend"/>
+                <a:sym typeface="Lexend"/>
+              </a:rPr>
+              <a:t>+ License renewals </a:t>
+            </a:r>
+            <a:br>
+              <a:rPr lang="en-US" sz="3600" b="1" dirty="0">
+                <a:solidFill>
+                  <a:srgbClr val="292D33"/>
+                </a:solidFill>
+                <a:latin typeface="Lexend"/>
+                <a:sym typeface="Lexend"/>
+              </a:rPr>
+            </a:br>
+            <a:r>
+              <a:rPr lang="en-US" sz="3600" b="1" dirty="0">
+                <a:solidFill>
+                  <a:srgbClr val="292D33"/>
+                </a:solidFill>
+                <a:latin typeface="Lexend"/>
+                <a:sym typeface="Lexend"/>
+              </a:rPr>
+              <a:t>+ Extra developer seats</a:t>
+            </a:r>
+          </a:p>
+          <a:p>
+            <a:pPr algn="ctr"/>
+            <a:r>
+              <a:rPr lang="en-US" sz="4000" b="1" dirty="0">
+                <a:solidFill>
+                  <a:srgbClr val="292D33"/>
+                </a:solidFill>
+                <a:latin typeface="Lexend"/>
+                <a:ea typeface="Lexend"/>
+                <a:cs typeface="Lexend"/>
+                <a:sym typeface="Lexend"/>
+              </a:rPr>
+              <a:t> </a:t>
+            </a:r>
+          </a:p>
+          <a:p>
+            <a:pPr algn="ctr"/>
+            <a:endParaRPr lang="en-US" sz="4000" dirty="0"/>
+          </a:p>
+        </p:txBody>
+      </p:sp>
+    </p:spTree>
+  </p:cSld>
+  <p:clrMapOvr>
+    <a:masterClrMapping/>
+  </p:clrMapOvr>
+</p:sld>
+</file>
+
+<file path=ppt/slides/slide3.xml><?xml version="1.0" encoding="utf-8"?>
 <p:sld xmlns:a="http://schemas.openxmlformats.org/drawingml/2006/main" xmlns:r="http://schemas.openxmlformats.org/officeDocument/2006/relationships" xmlns:p="http://schemas.openxmlformats.org/presentationml/2006/main">
   <p:cSld>
     <p:bg>
@@ -22415,550 +23741,7 @@
 </p:sld>
 </file>
 
-<file path=ppt/slides/slide20.xml><?xml version="1.0" encoding="utf-8"?>
-<p:sld xmlns:a="http://schemas.openxmlformats.org/drawingml/2006/main" xmlns:r="http://schemas.openxmlformats.org/officeDocument/2006/relationships" xmlns:p="http://schemas.openxmlformats.org/presentationml/2006/main">
-  <p:cSld>
-    <p:bg>
-      <p:bgPr>
-        <a:blipFill dpi="0" rotWithShape="1">
-          <a:blip r:embed="rId3">
-            <a:lum/>
-          </a:blip>
-          <a:srcRect/>
-          <a:stretch>
-            <a:fillRect/>
-          </a:stretch>
-        </a:blipFill>
-        <a:effectLst/>
-      </p:bgPr>
-    </p:bg>
-    <p:spTree>
-      <p:nvGrpSpPr>
-        <p:cNvPr id="1" name="Shape 106"/>
-        <p:cNvGrpSpPr/>
-        <p:nvPr/>
-      </p:nvGrpSpPr>
-      <p:grpSpPr>
-        <a:xfrm>
-          <a:off x="0" y="0"/>
-          <a:ext cx="0" cy="0"/>
-          <a:chOff x="0" y="0"/>
-          <a:chExt cx="0" cy="0"/>
-        </a:xfrm>
-      </p:grpSpPr>
-      <p:sp>
-        <p:nvSpPr>
-          <p:cNvPr id="107" name="Google Shape;107;p2"/>
-          <p:cNvSpPr txBox="1"/>
-          <p:nvPr/>
-        </p:nvSpPr>
-        <p:spPr>
-          <a:xfrm>
-            <a:off x="451488" y="464463"/>
-            <a:ext cx="10720064" cy="1138733"/>
-          </a:xfrm>
-          <a:prstGeom prst="rect">
-            <a:avLst/>
-          </a:prstGeom>
-          <a:noFill/>
-          <a:ln>
-            <a:noFill/>
-          </a:ln>
-        </p:spPr>
-        <p:txBody>
-          <a:bodyPr spcFirstLastPara="1" wrap="square" lIns="91425" tIns="45700" rIns="91425" bIns="45700" anchor="t" anchorCtr="0">
-            <a:spAutoFit/>
-          </a:bodyPr>
-          <a:lstStyle/>
-          <a:p>
-            <a:pPr marL="0" marR="0" lvl="0" indent="0" algn="l" rtl="0">
-              <a:lnSpc>
-                <a:spcPct val="100000"/>
-              </a:lnSpc>
-              <a:spcBef>
-                <a:spcPts val="0"/>
-              </a:spcBef>
-              <a:spcAft>
-                <a:spcPts val="0"/>
-              </a:spcAft>
-              <a:buClr>
-                <a:srgbClr val="000000"/>
-              </a:buClr>
-              <a:buSzPts val="3200"/>
-              <a:buFont typeface="Arial"/>
-              <a:buNone/>
-            </a:pPr>
-            <a:r>
-              <a:rPr lang="en-US" sz="3400" b="1" dirty="0">
-                <a:solidFill>
-                  <a:srgbClr val="292D33"/>
-                </a:solidFill>
-                <a:latin typeface="Lexend"/>
-                <a:ea typeface="Lexend"/>
-                <a:cs typeface="Lexend"/>
-                <a:sym typeface="Lexend"/>
-              </a:rPr>
-              <a:t>.NET Runtime Improvements </a:t>
-            </a:r>
-          </a:p>
-          <a:p>
-            <a:pPr marR="0" lvl="0" algn="l" rtl="0">
-              <a:lnSpc>
-                <a:spcPct val="100000"/>
-              </a:lnSpc>
-              <a:spcBef>
-                <a:spcPts val="0"/>
-              </a:spcBef>
-              <a:spcAft>
-                <a:spcPts val="0"/>
-              </a:spcAft>
-              <a:buClr>
-                <a:srgbClr val="000000"/>
-              </a:buClr>
-              <a:buSzPts val="3200"/>
-            </a:pPr>
-            <a:r>
-              <a:rPr lang="en-US" sz="3400" dirty="0">
-                <a:solidFill>
-                  <a:srgbClr val="292D33"/>
-                </a:solidFill>
-                <a:latin typeface="Lexend"/>
-                <a:ea typeface="Lexend"/>
-                <a:cs typeface="Lexend"/>
-                <a:sym typeface="Lexend"/>
-              </a:rPr>
-              <a:t>Arm64 write-barrier improvements</a:t>
-            </a:r>
-          </a:p>
-        </p:txBody>
-      </p:sp>
-      <p:sp>
-        <p:nvSpPr>
-          <p:cNvPr id="4" name="TextBox 3">
-            <a:extLst>
-              <a:ext uri="{FF2B5EF4-FFF2-40B4-BE49-F238E27FC236}">
-                <a16:creationId xmlns:a16="http://schemas.microsoft.com/office/drawing/2014/main" id="{D3095CC8-9F6F-4415-97F1-23407E3B8F48}"/>
-              </a:ext>
-            </a:extLst>
-          </p:cNvPr>
-          <p:cNvSpPr txBox="1"/>
-          <p:nvPr/>
-        </p:nvSpPr>
-        <p:spPr>
-          <a:xfrm>
-            <a:off x="451488" y="2856339"/>
-            <a:ext cx="11080112" cy="1323439"/>
-          </a:xfrm>
-          <a:prstGeom prst="rect">
-            <a:avLst/>
-          </a:prstGeom>
-          <a:noFill/>
-        </p:spPr>
-        <p:txBody>
-          <a:bodyPr wrap="square">
-            <a:spAutoFit/>
-          </a:bodyPr>
-          <a:lstStyle/>
-          <a:p>
-            <a:r>
-              <a:rPr lang="en-US" sz="1600" b="1" dirty="0">
-                <a:latin typeface="Poppins" panose="00000500000000000000" pitchFamily="2" charset="-94"/>
-                <a:cs typeface="Poppins" panose="00000500000000000000" pitchFamily="2" charset="-94"/>
-              </a:rPr>
-              <a:t>Arm64 Write-Barrier Improvements</a:t>
-            </a:r>
-          </a:p>
-          <a:p>
-            <a:r>
-              <a:rPr lang="en-US" sz="1600" dirty="0">
-                <a:latin typeface="Poppins" panose="00000500000000000000" pitchFamily="2" charset="-94"/>
-                <a:cs typeface="Poppins" panose="00000500000000000000" pitchFamily="2" charset="-94"/>
-              </a:rPr>
-              <a:t>The garbage collector’s </a:t>
-            </a:r>
-            <a:r>
-              <a:rPr lang="en-US" sz="1600" b="1" dirty="0">
-                <a:latin typeface="Poppins" panose="00000500000000000000" pitchFamily="2" charset="-94"/>
-                <a:cs typeface="Poppins" panose="00000500000000000000" pitchFamily="2" charset="-94"/>
-              </a:rPr>
-              <a:t>write-barrier logic</a:t>
-            </a:r>
-            <a:r>
-              <a:rPr lang="en-US" sz="1600" dirty="0">
-                <a:latin typeface="Poppins" panose="00000500000000000000" pitchFamily="2" charset="-94"/>
-                <a:cs typeface="Poppins" panose="00000500000000000000" pitchFamily="2" charset="-94"/>
-              </a:rPr>
-              <a:t> (which tracks references between generations) is now smarter on Arm64 processors.</a:t>
-            </a:r>
-            <a:br>
-              <a:rPr lang="en-US" sz="1600" dirty="0">
-                <a:latin typeface="Poppins" panose="00000500000000000000" pitchFamily="2" charset="-94"/>
-                <a:cs typeface="Poppins" panose="00000500000000000000" pitchFamily="2" charset="-94"/>
-              </a:rPr>
-            </a:br>
-            <a:r>
-              <a:rPr lang="en-US" sz="1600" dirty="0">
-                <a:latin typeface="Poppins" panose="00000500000000000000" pitchFamily="2" charset="-94"/>
-                <a:cs typeface="Poppins" panose="00000500000000000000" pitchFamily="2" charset="-94"/>
-              </a:rPr>
-              <a:t>It reduces unnecessary scanning of memory regions during GC cycles.</a:t>
-            </a:r>
-          </a:p>
-          <a:p>
-            <a:endParaRPr lang="en-US" sz="1600" dirty="0">
-              <a:latin typeface="Poppins" panose="00000500000000000000" pitchFamily="2" charset="-94"/>
-              <a:cs typeface="Poppins" panose="00000500000000000000" pitchFamily="2" charset="-94"/>
-            </a:endParaRPr>
-          </a:p>
-        </p:txBody>
-      </p:sp>
-      <p:sp>
-        <p:nvSpPr>
-          <p:cNvPr id="5" name="TextBox 4">
-            <a:extLst>
-              <a:ext uri="{FF2B5EF4-FFF2-40B4-BE49-F238E27FC236}">
-                <a16:creationId xmlns:a16="http://schemas.microsoft.com/office/drawing/2014/main" id="{4B30E1EA-C7BC-4506-9FA5-01EBD7CB9467}"/>
-              </a:ext>
-            </a:extLst>
-          </p:cNvPr>
-          <p:cNvSpPr txBox="1"/>
-          <p:nvPr/>
-        </p:nvSpPr>
-        <p:spPr>
-          <a:xfrm>
-            <a:off x="451488" y="4902667"/>
-            <a:ext cx="10948032" cy="1323439"/>
-          </a:xfrm>
-          <a:prstGeom prst="rect">
-            <a:avLst/>
-          </a:prstGeom>
-          <a:noFill/>
-        </p:spPr>
-        <p:txBody>
-          <a:bodyPr wrap="square">
-            <a:spAutoFit/>
-          </a:bodyPr>
-          <a:lstStyle/>
-          <a:p>
-            <a:r>
-              <a:rPr lang="en-US" sz="1600" dirty="0">
-                <a:latin typeface="Poppins" panose="00000500000000000000" pitchFamily="2" charset="-94"/>
-                <a:cs typeface="Poppins" panose="00000500000000000000" pitchFamily="2" charset="-94"/>
-              </a:rPr>
-              <a:t>✅ </a:t>
-            </a:r>
-            <a:r>
-              <a:rPr lang="en-US" sz="1600" b="1" dirty="0">
-                <a:latin typeface="Poppins" panose="00000500000000000000" pitchFamily="2" charset="-94"/>
-                <a:cs typeface="Poppins" panose="00000500000000000000" pitchFamily="2" charset="-94"/>
-              </a:rPr>
-              <a:t>What this means:</a:t>
-            </a:r>
-          </a:p>
-          <a:p>
-            <a:endParaRPr lang="en-US" sz="1600" dirty="0">
-              <a:latin typeface="Poppins" panose="00000500000000000000" pitchFamily="2" charset="-94"/>
-              <a:cs typeface="Poppins" panose="00000500000000000000" pitchFamily="2" charset="-94"/>
-            </a:endParaRPr>
-          </a:p>
-          <a:p>
-            <a:pPr marL="285750" indent="-285750">
-              <a:buFont typeface="Arial" panose="020B0604020202020204" pitchFamily="34" charset="0"/>
-              <a:buChar char="•"/>
-            </a:pPr>
-            <a:r>
-              <a:rPr lang="en-US" sz="1600" dirty="0">
-                <a:latin typeface="Poppins" panose="00000500000000000000" pitchFamily="2" charset="-94"/>
-                <a:cs typeface="Poppins" panose="00000500000000000000" pitchFamily="2" charset="-94"/>
-              </a:rPr>
-              <a:t>Faster and smoother garbage collection on Arm64 devices.</a:t>
-            </a:r>
-          </a:p>
-          <a:p>
-            <a:pPr marL="285750" indent="-285750">
-              <a:buFont typeface="Arial" panose="020B0604020202020204" pitchFamily="34" charset="0"/>
-              <a:buChar char="•"/>
-            </a:pPr>
-            <a:r>
-              <a:rPr lang="en-US" sz="1600" dirty="0">
-                <a:latin typeface="Poppins" panose="00000500000000000000" pitchFamily="2" charset="-94"/>
-                <a:cs typeface="Poppins" panose="00000500000000000000" pitchFamily="2" charset="-94"/>
-              </a:rPr>
-              <a:t>Up to </a:t>
-            </a:r>
-            <a:r>
-              <a:rPr lang="en-US" sz="1600" b="1" dirty="0">
-                <a:latin typeface="Poppins" panose="00000500000000000000" pitchFamily="2" charset="-94"/>
-                <a:cs typeface="Poppins" panose="00000500000000000000" pitchFamily="2" charset="-94"/>
-              </a:rPr>
-              <a:t>8–20% shorter GC pauses</a:t>
-            </a:r>
-            <a:r>
-              <a:rPr lang="en-US" sz="1600" dirty="0">
-                <a:latin typeface="Poppins" panose="00000500000000000000" pitchFamily="2" charset="-94"/>
-                <a:cs typeface="Poppins" panose="00000500000000000000" pitchFamily="2" charset="-94"/>
-              </a:rPr>
-              <a:t> in some workloads.</a:t>
-            </a:r>
-          </a:p>
-          <a:p>
-            <a:pPr marL="285750" indent="-285750">
-              <a:buFont typeface="Arial" panose="020B0604020202020204" pitchFamily="34" charset="0"/>
-              <a:buChar char="•"/>
-            </a:pPr>
-            <a:r>
-              <a:rPr lang="en-US" sz="1600" dirty="0">
-                <a:latin typeface="Poppins" panose="00000500000000000000" pitchFamily="2" charset="-94"/>
-                <a:cs typeface="Poppins" panose="00000500000000000000" pitchFamily="2" charset="-94"/>
-              </a:rPr>
-              <a:t>Better .NET performance on ARM-based servers and devices</a:t>
-            </a:r>
-          </a:p>
-        </p:txBody>
-      </p:sp>
-    </p:spTree>
-    <p:extLst>
-      <p:ext uri="{BB962C8B-B14F-4D97-AF65-F5344CB8AC3E}">
-        <p14:creationId xmlns:p14="http://schemas.microsoft.com/office/powerpoint/2010/main" val="2626706405"/>
-      </p:ext>
-    </p:extLst>
-  </p:cSld>
-  <p:clrMapOvr>
-    <a:masterClrMapping/>
-  </p:clrMapOvr>
-</p:sld>
-</file>
-
-<file path=ppt/slides/slide21.xml><?xml version="1.0" encoding="utf-8"?>
-<p:sld xmlns:a="http://schemas.openxmlformats.org/drawingml/2006/main" xmlns:r="http://schemas.openxmlformats.org/officeDocument/2006/relationships" xmlns:p="http://schemas.openxmlformats.org/presentationml/2006/main">
-  <p:cSld>
-    <p:bg>
-      <p:bgPr>
-        <a:blipFill>
-          <a:blip r:embed="rId3">
-            <a:alphaModFix/>
-          </a:blip>
-          <a:stretch>
-            <a:fillRect/>
-          </a:stretch>
-        </a:blipFill>
-        <a:effectLst/>
-      </p:bgPr>
-    </p:bg>
-    <p:spTree>
-      <p:nvGrpSpPr>
-        <p:cNvPr id="1" name="Shape 191"/>
-        <p:cNvGrpSpPr/>
-        <p:nvPr/>
-      </p:nvGrpSpPr>
-      <p:grpSpPr>
-        <a:xfrm>
-          <a:off x="0" y="0"/>
-          <a:ext cx="0" cy="0"/>
-          <a:chOff x="0" y="0"/>
-          <a:chExt cx="0" cy="0"/>
-        </a:xfrm>
-      </p:grpSpPr>
-      <p:sp>
-        <p:nvSpPr>
-          <p:cNvPr id="3" name="TextBox 2">
-            <a:extLst>
-              <a:ext uri="{FF2B5EF4-FFF2-40B4-BE49-F238E27FC236}">
-                <a16:creationId xmlns:a16="http://schemas.microsoft.com/office/drawing/2014/main" id="{00B756D3-8C86-4ABC-A910-4917C7D2F996}"/>
-              </a:ext>
-            </a:extLst>
-          </p:cNvPr>
-          <p:cNvSpPr txBox="1"/>
-          <p:nvPr/>
-        </p:nvSpPr>
-        <p:spPr>
-          <a:xfrm>
-            <a:off x="0" y="1274137"/>
-            <a:ext cx="12263120" cy="5447645"/>
-          </a:xfrm>
-          <a:prstGeom prst="rect">
-            <a:avLst/>
-          </a:prstGeom>
-          <a:noFill/>
-        </p:spPr>
-        <p:txBody>
-          <a:bodyPr wrap="square">
-            <a:spAutoFit/>
-          </a:bodyPr>
-          <a:lstStyle/>
-          <a:p>
-            <a:pPr algn="ctr"/>
-            <a:r>
-              <a:rPr lang="en-US" sz="4000" b="1" u="sng" dirty="0">
-                <a:solidFill>
-                  <a:srgbClr val="292D33"/>
-                </a:solidFill>
-                <a:latin typeface="Lexend"/>
-                <a:ea typeface="Lexend"/>
-                <a:cs typeface="Lexend"/>
-                <a:sym typeface="Lexend"/>
-              </a:rPr>
-              <a:t>Black Friday Discount </a:t>
-            </a:r>
-            <a:br>
-              <a:rPr lang="en-US" sz="4000" b="1" dirty="0">
-                <a:solidFill>
-                  <a:srgbClr val="292D33"/>
-                </a:solidFill>
-                <a:latin typeface="Lexend"/>
-                <a:ea typeface="Lexend"/>
-                <a:cs typeface="Lexend"/>
-                <a:sym typeface="Lexend"/>
-              </a:rPr>
-            </a:br>
-            <a:r>
-              <a:rPr lang="en-US" sz="4000" dirty="0">
-                <a:solidFill>
-                  <a:srgbClr val="292D33"/>
-                </a:solidFill>
-                <a:latin typeface="Lexend"/>
-                <a:ea typeface="Lexend"/>
-                <a:cs typeface="Lexend"/>
-                <a:sym typeface="Lexend"/>
-              </a:rPr>
-              <a:t>valid until </a:t>
-            </a:r>
-          </a:p>
-          <a:p>
-            <a:pPr algn="ctr"/>
-            <a:r>
-              <a:rPr lang="en-US" sz="4000" b="1" dirty="0">
-                <a:solidFill>
-                  <a:srgbClr val="292D33"/>
-                </a:solidFill>
-                <a:latin typeface="Lexend"/>
-                <a:ea typeface="Lexend"/>
-                <a:cs typeface="Lexend"/>
-                <a:sym typeface="Lexend"/>
-              </a:rPr>
-              <a:t>1</a:t>
-            </a:r>
-            <a:r>
-              <a:rPr lang="en-US" sz="4000" b="1" baseline="30000" dirty="0">
-                <a:solidFill>
-                  <a:srgbClr val="292D33"/>
-                </a:solidFill>
-                <a:latin typeface="Lexend"/>
-                <a:ea typeface="Lexend"/>
-                <a:cs typeface="Lexend"/>
-                <a:sym typeface="Lexend"/>
-              </a:rPr>
-              <a:t>st</a:t>
-            </a:r>
-            <a:r>
-              <a:rPr lang="en-US" sz="4000" b="1" dirty="0">
-                <a:solidFill>
-                  <a:srgbClr val="292D33"/>
-                </a:solidFill>
-                <a:latin typeface="Lexend"/>
-                <a:ea typeface="Lexend"/>
-                <a:cs typeface="Lexend"/>
-                <a:sym typeface="Lexend"/>
-              </a:rPr>
-              <a:t> December 2025</a:t>
-            </a:r>
-          </a:p>
-          <a:p>
-            <a:pPr algn="ctr"/>
-            <a:r>
-              <a:rPr lang="en-US" sz="4000" dirty="0">
-                <a:solidFill>
-                  <a:srgbClr val="292D33"/>
-                </a:solidFill>
-                <a:latin typeface="Lexend"/>
-                <a:ea typeface="Lexend"/>
-                <a:cs typeface="Lexend"/>
-                <a:sym typeface="Lexend"/>
-              </a:rPr>
-              <a:t>including</a:t>
-            </a:r>
-          </a:p>
-          <a:p>
-            <a:pPr algn="ctr"/>
-            <a:r>
-              <a:rPr lang="en-US" sz="3600" b="1" dirty="0">
-                <a:solidFill>
-                  <a:srgbClr val="292D33"/>
-                </a:solidFill>
-                <a:latin typeface="Lexend"/>
-                <a:sym typeface="Lexend"/>
-              </a:rPr>
-              <a:t>+ New license purchase </a:t>
-            </a:r>
-            <a:br>
-              <a:rPr lang="en-US" sz="3600" b="1" dirty="0">
-                <a:solidFill>
-                  <a:srgbClr val="292D33"/>
-                </a:solidFill>
-                <a:latin typeface="Lexend"/>
-                <a:sym typeface="Lexend"/>
-              </a:rPr>
-            </a:br>
-            <a:r>
-              <a:rPr lang="en-US" sz="3600" b="1" dirty="0">
-                <a:solidFill>
-                  <a:srgbClr val="292D33"/>
-                </a:solidFill>
-                <a:latin typeface="Lexend"/>
-                <a:sym typeface="Lexend"/>
-              </a:rPr>
-              <a:t>+ License renewals </a:t>
-            </a:r>
-            <a:br>
-              <a:rPr lang="en-US" sz="3600" b="1" dirty="0">
-                <a:solidFill>
-                  <a:srgbClr val="292D33"/>
-                </a:solidFill>
-                <a:latin typeface="Lexend"/>
-                <a:sym typeface="Lexend"/>
-              </a:rPr>
-            </a:br>
-            <a:r>
-              <a:rPr lang="en-US" sz="3600" b="1" dirty="0">
-                <a:solidFill>
-                  <a:srgbClr val="292D33"/>
-                </a:solidFill>
-                <a:latin typeface="Lexend"/>
-                <a:sym typeface="Lexend"/>
-              </a:rPr>
-              <a:t>+ Extra developer seats</a:t>
-            </a:r>
-          </a:p>
-          <a:p>
-            <a:pPr algn="ctr"/>
-            <a:r>
-              <a:rPr lang="en-US" sz="4000" b="1" dirty="0">
-                <a:solidFill>
-                  <a:srgbClr val="292D33"/>
-                </a:solidFill>
-                <a:latin typeface="Lexend"/>
-                <a:ea typeface="Lexend"/>
-                <a:cs typeface="Lexend"/>
-                <a:sym typeface="Lexend"/>
-              </a:rPr>
-              <a:t> </a:t>
-            </a:r>
-          </a:p>
-          <a:p>
-            <a:pPr algn="ctr"/>
-            <a:endParaRPr lang="en-US" sz="4000" dirty="0"/>
-          </a:p>
-        </p:txBody>
-      </p:sp>
-    </p:spTree>
-  </p:cSld>
-  <p:clrMapOvr>
-    <a:masterClrMapping/>
-  </p:clrMapOvr>
-</p:sld>
-</file>
-
-<file path=ppt/slides/slide3.xml><?xml version="1.0" encoding="utf-8"?>
+<file path=ppt/slides/slide4.xml><?xml version="1.0" encoding="utf-8"?>
 <p:sld xmlns:a="http://schemas.openxmlformats.org/drawingml/2006/main" xmlns:r="http://schemas.openxmlformats.org/officeDocument/2006/relationships" xmlns:p="http://schemas.openxmlformats.org/presentationml/2006/main">
   <p:cSld>
     <p:bg>
@@ -23485,416 +24268,6 @@
     <p:extLst>
       <p:ext uri="{BB962C8B-B14F-4D97-AF65-F5344CB8AC3E}">
         <p14:creationId xmlns:p14="http://schemas.microsoft.com/office/powerpoint/2010/main" val="1189270442"/>
-      </p:ext>
-    </p:extLst>
-  </p:cSld>
-  <p:clrMapOvr>
-    <a:masterClrMapping/>
-  </p:clrMapOvr>
-</p:sld>
-</file>
-
-<file path=ppt/slides/slide4.xml><?xml version="1.0" encoding="utf-8"?>
-<p:sld xmlns:a="http://schemas.openxmlformats.org/drawingml/2006/main" xmlns:r="http://schemas.openxmlformats.org/officeDocument/2006/relationships" xmlns:p="http://schemas.openxmlformats.org/presentationml/2006/main">
-  <p:cSld>
-    <p:bg>
-      <p:bgPr>
-        <a:blipFill dpi="0" rotWithShape="1">
-          <a:blip r:embed="rId3">
-            <a:lum/>
-          </a:blip>
-          <a:srcRect/>
-          <a:stretch>
-            <a:fillRect/>
-          </a:stretch>
-        </a:blipFill>
-        <a:effectLst/>
-      </p:bgPr>
-    </p:bg>
-    <p:spTree>
-      <p:nvGrpSpPr>
-        <p:cNvPr id="1" name="Shape 106"/>
-        <p:cNvGrpSpPr/>
-        <p:nvPr/>
-      </p:nvGrpSpPr>
-      <p:grpSpPr>
-        <a:xfrm>
-          <a:off x="0" y="0"/>
-          <a:ext cx="0" cy="0"/>
-          <a:chOff x="0" y="0"/>
-          <a:chExt cx="0" cy="0"/>
-        </a:xfrm>
-      </p:grpSpPr>
-      <p:sp>
-        <p:nvSpPr>
-          <p:cNvPr id="107" name="Google Shape;107;p2"/>
-          <p:cNvSpPr txBox="1"/>
-          <p:nvPr/>
-        </p:nvSpPr>
-        <p:spPr>
-          <a:xfrm>
-            <a:off x="451488" y="464463"/>
-            <a:ext cx="10720064" cy="1138733"/>
-          </a:xfrm>
-          <a:prstGeom prst="rect">
-            <a:avLst/>
-          </a:prstGeom>
-          <a:noFill/>
-          <a:ln>
-            <a:noFill/>
-          </a:ln>
-        </p:spPr>
-        <p:txBody>
-          <a:bodyPr spcFirstLastPara="1" wrap="square" lIns="91425" tIns="45700" rIns="91425" bIns="45700" anchor="t" anchorCtr="0">
-            <a:spAutoFit/>
-          </a:bodyPr>
-          <a:lstStyle/>
-          <a:p>
-            <a:pPr marL="0" marR="0" lvl="0" indent="0" algn="l" rtl="0">
-              <a:lnSpc>
-                <a:spcPct val="100000"/>
-              </a:lnSpc>
-              <a:spcBef>
-                <a:spcPts val="0"/>
-              </a:spcBef>
-              <a:spcAft>
-                <a:spcPts val="0"/>
-              </a:spcAft>
-              <a:buClr>
-                <a:srgbClr val="000000"/>
-              </a:buClr>
-              <a:buSzPts val="3200"/>
-              <a:buFont typeface="Arial"/>
-              <a:buNone/>
-            </a:pPr>
-            <a:r>
-              <a:rPr lang="en-US" sz="3400" b="1" dirty="0">
-                <a:solidFill>
-                  <a:srgbClr val="292D33"/>
-                </a:solidFill>
-                <a:latin typeface="Lexend"/>
-                <a:ea typeface="Lexend"/>
-                <a:cs typeface="Lexend"/>
-                <a:sym typeface="Lexend"/>
-              </a:rPr>
-              <a:t>.NET Libraries Improvements </a:t>
-            </a:r>
-          </a:p>
-          <a:p>
-            <a:pPr marR="0" lvl="0" algn="l" rtl="0">
-              <a:lnSpc>
-                <a:spcPct val="100000"/>
-              </a:lnSpc>
-              <a:spcBef>
-                <a:spcPts val="0"/>
-              </a:spcBef>
-              <a:spcAft>
-                <a:spcPts val="0"/>
-              </a:spcAft>
-              <a:buClr>
-                <a:srgbClr val="000000"/>
-              </a:buClr>
-              <a:buSzPts val="3200"/>
-            </a:pPr>
-            <a:r>
-              <a:rPr lang="en-US" sz="3400" dirty="0">
-                <a:solidFill>
-                  <a:srgbClr val="292D33"/>
-                </a:solidFill>
-                <a:latin typeface="Lexend"/>
-                <a:ea typeface="Lexend"/>
-                <a:cs typeface="Lexend"/>
-                <a:sym typeface="Lexend"/>
-              </a:rPr>
-              <a:t>Numeric Ordering for String Comparison</a:t>
-            </a:r>
-          </a:p>
-        </p:txBody>
-      </p:sp>
-      <p:sp>
-        <p:nvSpPr>
-          <p:cNvPr id="5" name="TextBox 4">
-            <a:extLst>
-              <a:ext uri="{FF2B5EF4-FFF2-40B4-BE49-F238E27FC236}">
-                <a16:creationId xmlns:a16="http://schemas.microsoft.com/office/drawing/2014/main" id="{B19F4668-4F61-4CBE-AB39-265B74442340}"/>
-              </a:ext>
-            </a:extLst>
-          </p:cNvPr>
-          <p:cNvSpPr txBox="1"/>
-          <p:nvPr/>
-        </p:nvSpPr>
-        <p:spPr>
-          <a:xfrm>
-            <a:off x="451488" y="4770046"/>
-            <a:ext cx="10720064" cy="1323439"/>
-          </a:xfrm>
-          <a:prstGeom prst="rect">
-            <a:avLst/>
-          </a:prstGeom>
-          <a:noFill/>
-        </p:spPr>
-        <p:txBody>
-          <a:bodyPr wrap="square">
-            <a:spAutoFit/>
-          </a:bodyPr>
-          <a:lstStyle/>
-          <a:p>
-            <a:pPr marL="0" marR="0" lvl="0" indent="0" algn="l" defTabSz="914400" rtl="0" eaLnBrk="0" fontAlgn="base" latinLnBrk="0" hangingPunct="0">
-              <a:lnSpc>
-                <a:spcPct val="100000"/>
-              </a:lnSpc>
-              <a:spcBef>
-                <a:spcPct val="0"/>
-              </a:spcBef>
-              <a:spcAft>
-                <a:spcPct val="0"/>
-              </a:spcAft>
-              <a:buClrTx/>
-              <a:buSzTx/>
-              <a:buFontTx/>
-              <a:buNone/>
-              <a:tabLst/>
-            </a:pPr>
-            <a:r>
-              <a:rPr lang="en-US" altLang="en-US" sz="1600" b="1" dirty="0">
-                <a:solidFill>
-                  <a:schemeClr val="tx1"/>
-                </a:solidFill>
-                <a:latin typeface="Poppins" panose="00000500000000000000" pitchFamily="2" charset="-94"/>
-                <a:cs typeface="Poppins" panose="00000500000000000000" pitchFamily="2" charset="-94"/>
-              </a:rPr>
-              <a:t>✅ What this means:</a:t>
-            </a:r>
-          </a:p>
-          <a:p>
-            <a:pPr marL="0" marR="0" lvl="0" indent="0" algn="l" defTabSz="914400" rtl="0" eaLnBrk="0" fontAlgn="base" latinLnBrk="0" hangingPunct="0">
-              <a:lnSpc>
-                <a:spcPct val="100000"/>
-              </a:lnSpc>
-              <a:spcBef>
-                <a:spcPct val="0"/>
-              </a:spcBef>
-              <a:spcAft>
-                <a:spcPct val="0"/>
-              </a:spcAft>
-              <a:buClrTx/>
-              <a:buSzTx/>
-              <a:buFontTx/>
-              <a:buNone/>
-              <a:tabLst/>
-            </a:pPr>
-            <a:endParaRPr lang="en-US" altLang="en-US" sz="1600" b="1" dirty="0">
-              <a:solidFill>
-                <a:schemeClr val="tx1"/>
-              </a:solidFill>
-              <a:latin typeface="Poppins" panose="00000500000000000000" pitchFamily="2" charset="-94"/>
-              <a:cs typeface="Poppins" panose="00000500000000000000" pitchFamily="2" charset="-94"/>
-            </a:endParaRPr>
-          </a:p>
-          <a:p>
-            <a:pPr marL="285750" marR="0" lvl="0" indent="-285750" algn="l" defTabSz="914400" rtl="0" eaLnBrk="0" fontAlgn="base" latinLnBrk="0" hangingPunct="0">
-              <a:lnSpc>
-                <a:spcPct val="100000"/>
-              </a:lnSpc>
-              <a:spcBef>
-                <a:spcPct val="0"/>
-              </a:spcBef>
-              <a:spcAft>
-                <a:spcPct val="0"/>
-              </a:spcAft>
-              <a:buClrTx/>
-              <a:buSzTx/>
-              <a:buFont typeface="Arial" panose="020B0604020202020204" pitchFamily="34" charset="0"/>
-              <a:buChar char="•"/>
-              <a:tabLst/>
-            </a:pPr>
-            <a:r>
-              <a:rPr lang="en-US" altLang="en-US" sz="1600" dirty="0">
-                <a:solidFill>
-                  <a:schemeClr val="tx1"/>
-                </a:solidFill>
-                <a:latin typeface="Poppins" panose="00000500000000000000" pitchFamily="2" charset="-94"/>
-                <a:cs typeface="Poppins" panose="00000500000000000000" pitchFamily="2" charset="-94"/>
-              </a:rPr>
-              <a:t>Natural ordering for strings containing numbers (e.g., version names, product codes).</a:t>
-            </a:r>
-          </a:p>
-          <a:p>
-            <a:pPr marL="285750" marR="0" lvl="0" indent="-285750" algn="l" defTabSz="914400" rtl="0" eaLnBrk="0" fontAlgn="base" latinLnBrk="0" hangingPunct="0">
-              <a:lnSpc>
-                <a:spcPct val="100000"/>
-              </a:lnSpc>
-              <a:spcBef>
-                <a:spcPct val="0"/>
-              </a:spcBef>
-              <a:spcAft>
-                <a:spcPct val="0"/>
-              </a:spcAft>
-              <a:buClrTx/>
-              <a:buSzTx/>
-              <a:buFont typeface="Arial" panose="020B0604020202020204" pitchFamily="34" charset="0"/>
-              <a:buChar char="•"/>
-              <a:tabLst/>
-            </a:pPr>
-            <a:r>
-              <a:rPr lang="en-US" altLang="en-US" sz="1600" dirty="0">
-                <a:solidFill>
-                  <a:schemeClr val="tx1"/>
-                </a:solidFill>
-                <a:latin typeface="Poppins" panose="00000500000000000000" pitchFamily="2" charset="-94"/>
-                <a:cs typeface="Poppins" panose="00000500000000000000" pitchFamily="2" charset="-94"/>
-              </a:rPr>
-              <a:t>Works seamlessly with </a:t>
-            </a:r>
-            <a:r>
-              <a:rPr lang="en-US" altLang="en-US" sz="1600" i="1" dirty="0" err="1">
-                <a:solidFill>
-                  <a:schemeClr val="tx1"/>
-                </a:solidFill>
-                <a:latin typeface="Consolas" panose="020B0609020204030204" pitchFamily="49" charset="0"/>
-                <a:cs typeface="Poppins" panose="00000500000000000000" pitchFamily="2" charset="-94"/>
-              </a:rPr>
-              <a:t>StringComparer</a:t>
-            </a:r>
-            <a:r>
-              <a:rPr lang="en-US" altLang="en-US" sz="1600" dirty="0">
-                <a:solidFill>
-                  <a:schemeClr val="tx1"/>
-                </a:solidFill>
-                <a:latin typeface="Poppins" panose="00000500000000000000" pitchFamily="2" charset="-94"/>
-                <a:cs typeface="Poppins" panose="00000500000000000000" pitchFamily="2" charset="-94"/>
-              </a:rPr>
-              <a:t> and </a:t>
-            </a:r>
-            <a:r>
-              <a:rPr lang="en-US" altLang="en-US" sz="1600" i="1" dirty="0">
-                <a:solidFill>
-                  <a:schemeClr val="tx1"/>
-                </a:solidFill>
-                <a:latin typeface="Consolas" panose="020B0609020204030204" pitchFamily="49" charset="0"/>
-                <a:cs typeface="Poppins" panose="00000500000000000000" pitchFamily="2" charset="-94"/>
-              </a:rPr>
-              <a:t>HashSet</a:t>
-            </a:r>
-            <a:r>
-              <a:rPr lang="en-US" altLang="en-US" sz="1600" dirty="0">
-                <a:solidFill>
-                  <a:schemeClr val="tx1"/>
-                </a:solidFill>
-                <a:latin typeface="Poppins" panose="00000500000000000000" pitchFamily="2" charset="-94"/>
-                <a:cs typeface="Poppins" panose="00000500000000000000" pitchFamily="2" charset="-94"/>
-              </a:rPr>
-              <a:t> using </a:t>
-            </a:r>
-            <a:r>
-              <a:rPr lang="en-US" altLang="en-US" sz="1600" i="1" dirty="0" err="1">
-                <a:solidFill>
-                  <a:schemeClr val="tx1"/>
-                </a:solidFill>
-                <a:latin typeface="Consolas" panose="020B0609020204030204" pitchFamily="49" charset="0"/>
-                <a:cs typeface="Poppins" panose="00000500000000000000" pitchFamily="2" charset="-94"/>
-              </a:rPr>
-              <a:t>CompareOptions.NumericOrdering</a:t>
-            </a:r>
-            <a:r>
-              <a:rPr lang="en-US" altLang="en-US" sz="1600" dirty="0">
-                <a:solidFill>
-                  <a:schemeClr val="tx1"/>
-                </a:solidFill>
-                <a:latin typeface="Poppins" panose="00000500000000000000" pitchFamily="2" charset="-94"/>
-                <a:cs typeface="Poppins" panose="00000500000000000000" pitchFamily="2" charset="-94"/>
-              </a:rPr>
-              <a:t>.</a:t>
-            </a:r>
-          </a:p>
-          <a:p>
-            <a:pPr marL="285750" marR="0" lvl="0" indent="-285750" algn="l" defTabSz="914400" rtl="0" eaLnBrk="0" fontAlgn="base" latinLnBrk="0" hangingPunct="0">
-              <a:lnSpc>
-                <a:spcPct val="100000"/>
-              </a:lnSpc>
-              <a:spcBef>
-                <a:spcPct val="0"/>
-              </a:spcBef>
-              <a:spcAft>
-                <a:spcPct val="0"/>
-              </a:spcAft>
-              <a:buClrTx/>
-              <a:buSzTx/>
-              <a:buFont typeface="Arial" panose="020B0604020202020204" pitchFamily="34" charset="0"/>
-              <a:buChar char="•"/>
-              <a:tabLst/>
-            </a:pPr>
-            <a:r>
-              <a:rPr lang="en-US" altLang="en-US" sz="1600" dirty="0">
-                <a:solidFill>
-                  <a:schemeClr val="tx1"/>
-                </a:solidFill>
-                <a:latin typeface="Poppins" panose="00000500000000000000" pitchFamily="2" charset="-94"/>
-                <a:cs typeface="Poppins" panose="00000500000000000000" pitchFamily="2" charset="-94"/>
-              </a:rPr>
-              <a:t>Cleaner data sorting and filtering in apps.</a:t>
-            </a:r>
-          </a:p>
-        </p:txBody>
-      </p:sp>
-      <p:sp>
-        <p:nvSpPr>
-          <p:cNvPr id="6" name="TextBox 5">
-            <a:extLst>
-              <a:ext uri="{FF2B5EF4-FFF2-40B4-BE49-F238E27FC236}">
-                <a16:creationId xmlns:a16="http://schemas.microsoft.com/office/drawing/2014/main" id="{6CC06FC4-3AB5-4DF6-B2BB-9FBC739F58E5}"/>
-              </a:ext>
-            </a:extLst>
-          </p:cNvPr>
-          <p:cNvSpPr txBox="1"/>
-          <p:nvPr/>
-        </p:nvSpPr>
-        <p:spPr>
-          <a:xfrm>
-            <a:off x="451488" y="2844225"/>
-            <a:ext cx="11191872" cy="584775"/>
-          </a:xfrm>
-          <a:prstGeom prst="rect">
-            <a:avLst/>
-          </a:prstGeom>
-          <a:noFill/>
-        </p:spPr>
-        <p:txBody>
-          <a:bodyPr wrap="square">
-            <a:spAutoFit/>
-          </a:bodyPr>
-          <a:lstStyle/>
-          <a:p>
-            <a:r>
-              <a:rPr lang="en-US" sz="1600" b="1" dirty="0">
-                <a:latin typeface="Poppins" panose="00000500000000000000" pitchFamily="2" charset="-94"/>
-                <a:cs typeface="Poppins" panose="00000500000000000000" pitchFamily="2" charset="-94"/>
-              </a:rPr>
-              <a:t>A long-requested feature: </a:t>
-            </a:r>
-            <a:r>
-              <a:rPr lang="en-US" sz="1600" dirty="0">
-                <a:latin typeface="Poppins" panose="00000500000000000000" pitchFamily="2" charset="-94"/>
-                <a:cs typeface="Poppins" panose="00000500000000000000" pitchFamily="2" charset="-94"/>
-              </a:rPr>
-              <a:t>.NET 10 introduces numeric-aware string comparison.</a:t>
-            </a:r>
-          </a:p>
-          <a:p>
-            <a:r>
-              <a:rPr lang="en-US" sz="1600" dirty="0">
-                <a:latin typeface="Poppins" panose="00000500000000000000" pitchFamily="2" charset="-94"/>
-                <a:cs typeface="Poppins" panose="00000500000000000000" pitchFamily="2" charset="-94"/>
-              </a:rPr>
-              <a:t>Now, "2" correctly sorts before "10", and "02" equals "2".</a:t>
-            </a:r>
-          </a:p>
-        </p:txBody>
-      </p:sp>
-    </p:spTree>
-    <p:extLst>
-      <p:ext uri="{BB962C8B-B14F-4D97-AF65-F5344CB8AC3E}">
-        <p14:creationId xmlns:p14="http://schemas.microsoft.com/office/powerpoint/2010/main" val="1287347766"/>
       </p:ext>
     </p:extLst>
   </p:cSld>
@@ -24016,7 +24389,7 @@
                 <a:cs typeface="Lexend"/>
                 <a:sym typeface="Lexend"/>
               </a:rPr>
-              <a:t>String Normalization APIs for Spans</a:t>
+              <a:t>Numeric Ordering for String Comparison</a:t>
             </a:r>
           </a:p>
         </p:txBody>
@@ -24035,7 +24408,7 @@
         </p:nvSpPr>
         <p:spPr>
           <a:xfrm>
-            <a:off x="548640" y="4692581"/>
+            <a:off x="451488" y="4770046"/>
             <a:ext cx="10720064" cy="1323439"/>
           </a:xfrm>
           <a:prstGeom prst="rect">
@@ -24126,7 +24499,7 @@
                 <a:latin typeface="Poppins" panose="00000500000000000000" pitchFamily="2" charset="-94"/>
                 <a:cs typeface="Poppins" panose="00000500000000000000" pitchFamily="2" charset="-94"/>
               </a:rPr>
-              <a:t>Less memory allocation in text-heavy code.</a:t>
+              <a:t>Natural ordering for strings containing numbers (e.g., version names, product codes).</a:t>
             </a:r>
           </a:p>
           <a:p>
@@ -24154,7 +24527,67 @@
                 <a:latin typeface="Poppins" panose="00000500000000000000" pitchFamily="2" charset="-94"/>
                 <a:cs typeface="Poppins" panose="00000500000000000000" pitchFamily="2" charset="-94"/>
               </a:rPr>
-              <a:t>Easier and faster normalization for streams and buffers.</a:t>
+              <a:t>Works seamlessly with </a:t>
+            </a:r>
+            <a:r>
+              <a:rPr lang="en-US" altLang="en-US" sz="1600" i="1" dirty="0" err="1">
+                <a:solidFill>
+                  <a:schemeClr val="tx1"/>
+                </a:solidFill>
+                <a:latin typeface="Consolas" panose="020B0609020204030204" pitchFamily="49" charset="0"/>
+                <a:cs typeface="Poppins" panose="00000500000000000000" pitchFamily="2" charset="-94"/>
+              </a:rPr>
+              <a:t>StringComparer</a:t>
+            </a:r>
+            <a:r>
+              <a:rPr lang="en-US" altLang="en-US" sz="1600" dirty="0">
+                <a:solidFill>
+                  <a:schemeClr val="tx1"/>
+                </a:solidFill>
+                <a:latin typeface="Poppins" panose="00000500000000000000" pitchFamily="2" charset="-94"/>
+                <a:cs typeface="Poppins" panose="00000500000000000000" pitchFamily="2" charset="-94"/>
+              </a:rPr>
+              <a:t> and </a:t>
+            </a:r>
+            <a:r>
+              <a:rPr lang="en-US" altLang="en-US" sz="1600" i="1" dirty="0">
+                <a:solidFill>
+                  <a:schemeClr val="tx1"/>
+                </a:solidFill>
+                <a:latin typeface="Consolas" panose="020B0609020204030204" pitchFamily="49" charset="0"/>
+                <a:cs typeface="Poppins" panose="00000500000000000000" pitchFamily="2" charset="-94"/>
+              </a:rPr>
+              <a:t>HashSet</a:t>
+            </a:r>
+            <a:r>
+              <a:rPr lang="en-US" altLang="en-US" sz="1600" dirty="0">
+                <a:solidFill>
+                  <a:schemeClr val="tx1"/>
+                </a:solidFill>
+                <a:latin typeface="Poppins" panose="00000500000000000000" pitchFamily="2" charset="-94"/>
+                <a:cs typeface="Poppins" panose="00000500000000000000" pitchFamily="2" charset="-94"/>
+              </a:rPr>
+              <a:t> using </a:t>
+            </a:r>
+            <a:r>
+              <a:rPr lang="en-US" altLang="en-US" sz="1600" i="1" dirty="0" err="1">
+                <a:solidFill>
+                  <a:schemeClr val="tx1"/>
+                </a:solidFill>
+                <a:latin typeface="Consolas" panose="020B0609020204030204" pitchFamily="49" charset="0"/>
+                <a:cs typeface="Poppins" panose="00000500000000000000" pitchFamily="2" charset="-94"/>
+              </a:rPr>
+              <a:t>CompareOptions.NumericOrdering</a:t>
+            </a:r>
+            <a:r>
+              <a:rPr lang="en-US" altLang="en-US" sz="1600" dirty="0">
+                <a:solidFill>
+                  <a:schemeClr val="tx1"/>
+                </a:solidFill>
+                <a:latin typeface="Poppins" panose="00000500000000000000" pitchFamily="2" charset="-94"/>
+                <a:cs typeface="Poppins" panose="00000500000000000000" pitchFamily="2" charset="-94"/>
+              </a:rPr>
+              <a:t>.</a:t>
             </a:r>
           </a:p>
           <a:p>
@@ -24182,7 +24615,7 @@
                 <a:latin typeface="Poppins" panose="00000500000000000000" pitchFamily="2" charset="-94"/>
                 <a:cs typeface="Poppins" panose="00000500000000000000" pitchFamily="2" charset="-94"/>
               </a:rPr>
-              <a:t>Great for libraries, parsers, and Unicode handling.</a:t>
+              <a:t>Cleaner data sorting and filtering in apps.</a:t>
             </a:r>
           </a:p>
         </p:txBody>
@@ -24192,7 +24625,7 @@
           <p:cNvPr id="6" name="TextBox 5">
             <a:extLst>
               <a:ext uri="{FF2B5EF4-FFF2-40B4-BE49-F238E27FC236}">
-                <a16:creationId xmlns:a16="http://schemas.microsoft.com/office/drawing/2014/main" id="{4ECEFFF8-3A99-4D32-AF29-DB828AB5DABB}"/>
+                <a16:creationId xmlns:a16="http://schemas.microsoft.com/office/drawing/2014/main" id="{6CC06FC4-3AB5-4DF6-B2BB-9FBC739F58E5}"/>
               </a:ext>
             </a:extLst>
           </p:cNvPr>
@@ -24201,8 +24634,8 @@
         </p:nvSpPr>
         <p:spPr>
           <a:xfrm>
-            <a:off x="548640" y="2724807"/>
-            <a:ext cx="11003280" cy="830997"/>
+            <a:off x="451488" y="2844225"/>
+            <a:ext cx="11191872" cy="584775"/>
           </a:xfrm>
           <a:prstGeom prst="rect">
             <a:avLst/>
@@ -24216,65 +24649,27 @@
           <a:lstStyle/>
           <a:p>
             <a:r>
+              <a:rPr lang="en-US" sz="1600" b="1" dirty="0">
+                <a:latin typeface="Poppins" panose="00000500000000000000" pitchFamily="2" charset="-94"/>
+                <a:cs typeface="Poppins" panose="00000500000000000000" pitchFamily="2" charset="-94"/>
+              </a:rPr>
+              <a:t>A long-requested feature: </a:t>
+            </a:r>
+            <a:r>
               <a:rPr lang="en-US" sz="1600" dirty="0">
                 <a:latin typeface="Poppins" panose="00000500000000000000" pitchFamily="2" charset="-94"/>
                 <a:cs typeface="Poppins" panose="00000500000000000000" pitchFamily="2" charset="-94"/>
               </a:rPr>
-              <a:t>String normalization now works with </a:t>
-            </a:r>
-            <a:r>
-              <a:rPr lang="en-US" sz="1600" i="1" dirty="0" err="1">
-                <a:latin typeface="Consolas" panose="020B0609020204030204" pitchFamily="49" charset="0"/>
-                <a:cs typeface="Poppins" panose="00000500000000000000" pitchFamily="2" charset="-94"/>
-              </a:rPr>
-              <a:t>ReadOnlySpan</a:t>
-            </a:r>
-            <a:r>
-              <a:rPr lang="en-US" sz="1600" i="1" dirty="0">
-                <a:latin typeface="Consolas" panose="020B0609020204030204" pitchFamily="49" charset="0"/>
-                <a:cs typeface="Poppins" panose="00000500000000000000" pitchFamily="2" charset="-94"/>
-              </a:rPr>
-              <a:t>&lt;char&gt;</a:t>
-            </a:r>
+              <a:t>.NET 10 introduces numeric-aware string comparison.</a:t>
+            </a:r>
+          </a:p>
+          <a:p>
             <a:r>
               <a:rPr lang="en-US" sz="1600" dirty="0">
                 <a:latin typeface="Poppins" panose="00000500000000000000" pitchFamily="2" charset="-94"/>
                 <a:cs typeface="Poppins" panose="00000500000000000000" pitchFamily="2" charset="-94"/>
               </a:rPr>
-              <a:t> and </a:t>
-            </a:r>
-            <a:r>
-              <a:rPr lang="en-US" sz="1600" i="1" dirty="0">
-                <a:latin typeface="Consolas" panose="020B0609020204030204" pitchFamily="49" charset="0"/>
-                <a:cs typeface="Poppins" panose="00000500000000000000" pitchFamily="2" charset="-94"/>
-              </a:rPr>
-              <a:t>Span&lt;char&gt;. </a:t>
-            </a:r>
-            <a:br>
-              <a:rPr lang="en-US" sz="1600" i="1" dirty="0">
-                <a:latin typeface="Consolas" panose="020B0609020204030204" pitchFamily="49" charset="0"/>
-                <a:cs typeface="Poppins" panose="00000500000000000000" pitchFamily="2" charset="-94"/>
-              </a:rPr>
-            </a:br>
-            <a:r>
-              <a:rPr lang="en-US" sz="1600" dirty="0">
-                <a:latin typeface="Poppins" panose="00000500000000000000" pitchFamily="2" charset="-94"/>
-                <a:cs typeface="Poppins" panose="00000500000000000000" pitchFamily="2" charset="-94"/>
-              </a:rPr>
-              <a:t>No need to create new string objects.</a:t>
-            </a:r>
-            <a:br>
-              <a:rPr lang="en-US" sz="1600" dirty="0">
-                <a:latin typeface="Poppins" panose="00000500000000000000" pitchFamily="2" charset="-94"/>
-                <a:cs typeface="Poppins" panose="00000500000000000000" pitchFamily="2" charset="-94"/>
-              </a:rPr>
-            </a:br>
-            <a:r>
-              <a:rPr lang="en-US" sz="1600" dirty="0">
-                <a:latin typeface="Poppins" panose="00000500000000000000" pitchFamily="2" charset="-94"/>
-                <a:cs typeface="Poppins" panose="00000500000000000000" pitchFamily="2" charset="-94"/>
-              </a:rPr>
-              <a:t>This allows normalization without allocations, ideal for performance-critical or low-level text processing.</a:t>
+              <a:t>Now, "2" correctly sorts before "10", and "02" equals "2".</a:t>
             </a:r>
           </a:p>
         </p:txBody>
@@ -24282,7 +24677,7 @@
     </p:spTree>
     <p:extLst>
       <p:ext uri="{BB962C8B-B14F-4D97-AF65-F5344CB8AC3E}">
-        <p14:creationId xmlns:p14="http://schemas.microsoft.com/office/powerpoint/2010/main" val="556104227"/>
+        <p14:creationId xmlns:p14="http://schemas.microsoft.com/office/powerpoint/2010/main" val="1287347766"/>
       </p:ext>
     </p:extLst>
   </p:cSld>
@@ -24404,7 +24799,7 @@
                 <a:cs typeface="Lexend"/>
                 <a:sym typeface="Lexend"/>
               </a:rPr>
-              <a:t>UTF-8 Support for Hex String Conversion</a:t>
+              <a:t>String Normalization APIs for Spans</a:t>
             </a:r>
           </a:p>
         </p:txBody>
@@ -24423,7 +24818,7 @@
         </p:nvSpPr>
         <p:spPr>
           <a:xfrm>
-            <a:off x="451488" y="4688766"/>
+            <a:off x="548640" y="4692581"/>
             <a:ext cx="10720064" cy="1323439"/>
           </a:xfrm>
           <a:prstGeom prst="rect">
@@ -24514,7 +24909,7 @@
                 <a:latin typeface="Poppins" panose="00000500000000000000" pitchFamily="2" charset="-94"/>
                 <a:cs typeface="Poppins" panose="00000500000000000000" pitchFamily="2" charset="-94"/>
               </a:rPr>
-              <a:t>Direct UTF-8 → hex conversions.</a:t>
+              <a:t>Less memory allocation in text-heavy code.</a:t>
             </a:r>
           </a:p>
           <a:p>
@@ -24542,7 +24937,7 @@
                 <a:latin typeface="Poppins" panose="00000500000000000000" pitchFamily="2" charset="-94"/>
                 <a:cs typeface="Poppins" panose="00000500000000000000" pitchFamily="2" charset="-94"/>
               </a:rPr>
-              <a:t>Faster serialization/deserialization.</a:t>
+              <a:t>Easier and faster normalization for streams and buffers.</a:t>
             </a:r>
           </a:p>
           <a:p>
@@ -24570,7 +24965,7 @@
                 <a:latin typeface="Poppins" panose="00000500000000000000" pitchFamily="2" charset="-94"/>
                 <a:cs typeface="Poppins" panose="00000500000000000000" pitchFamily="2" charset="-94"/>
               </a:rPr>
-              <a:t>Useful for cryptography, networking, and binary protocols.</a:t>
+              <a:t>Great for libraries, parsers, and Unicode handling.</a:t>
             </a:r>
           </a:p>
         </p:txBody>
@@ -24580,7 +24975,7 @@
           <p:cNvPr id="6" name="TextBox 5">
             <a:extLst>
               <a:ext uri="{FF2B5EF4-FFF2-40B4-BE49-F238E27FC236}">
-                <a16:creationId xmlns:a16="http://schemas.microsoft.com/office/drawing/2014/main" id="{1E62DBDA-DE85-42E8-B2C6-C8C5C4450EC5}"/>
+                <a16:creationId xmlns:a16="http://schemas.microsoft.com/office/drawing/2014/main" id="{4ECEFFF8-3A99-4D32-AF29-DB828AB5DABB}"/>
               </a:ext>
             </a:extLst>
           </p:cNvPr>
@@ -24589,8 +24984,8 @@
         </p:nvSpPr>
         <p:spPr>
           <a:xfrm>
-            <a:off x="451488" y="2771616"/>
-            <a:ext cx="11013440" cy="584775"/>
+            <a:off x="548640" y="2724807"/>
+            <a:ext cx="11003280" cy="830997"/>
           </a:xfrm>
           <a:prstGeom prst="rect">
             <a:avLst/>
@@ -24608,49 +25003,61 @@
                 <a:latin typeface="Poppins" panose="00000500000000000000" pitchFamily="2" charset="-94"/>
                 <a:cs typeface="Poppins" panose="00000500000000000000" pitchFamily="2" charset="-94"/>
               </a:rPr>
-              <a:t>The Convert class now supports </a:t>
+              <a:t>String normalization now works with </a:t>
+            </a:r>
+            <a:r>
+              <a:rPr lang="en-US" sz="1600" i="1" dirty="0" err="1">
+                <a:latin typeface="Consolas" panose="020B0609020204030204" pitchFamily="49" charset="0"/>
+                <a:cs typeface="Poppins" panose="00000500000000000000" pitchFamily="2" charset="-94"/>
+              </a:rPr>
+              <a:t>ReadOnlySpan</a:t>
             </a:r>
             <a:r>
               <a:rPr lang="en-US" sz="1600" i="1" dirty="0">
                 <a:latin typeface="Consolas" panose="020B0609020204030204" pitchFamily="49" charset="0"/>
                 <a:cs typeface="Poppins" panose="00000500000000000000" pitchFamily="2" charset="-94"/>
               </a:rPr>
-              <a:t>UTF-8</a:t>
+              <a:t>&lt;char&gt;</a:t>
             </a:r>
             <a:r>
               <a:rPr lang="en-US" sz="1600" dirty="0">
                 <a:latin typeface="Poppins" panose="00000500000000000000" pitchFamily="2" charset="-94"/>
                 <a:cs typeface="Poppins" panose="00000500000000000000" pitchFamily="2" charset="-94"/>
               </a:rPr>
-              <a:t> spans for hex conversions, eliminating intermediate string allocations when converting between </a:t>
+              <a:t> and </a:t>
             </a:r>
             <a:r>
               <a:rPr lang="en-US" sz="1600" i="1" dirty="0">
                 <a:latin typeface="Consolas" panose="020B0609020204030204" pitchFamily="49" charset="0"/>
                 <a:cs typeface="Poppins" panose="00000500000000000000" pitchFamily="2" charset="-94"/>
               </a:rPr>
-              <a:t>bytes</a:t>
-            </a:r>
+              <a:t>Span&lt;char&gt;. </a:t>
+            </a:r>
+            <a:br>
+              <a:rPr lang="en-US" sz="1600" i="1" dirty="0">
+                <a:latin typeface="Consolas" panose="020B0609020204030204" pitchFamily="49" charset="0"/>
+                <a:cs typeface="Poppins" panose="00000500000000000000" pitchFamily="2" charset="-94"/>
+              </a:rPr>
+            </a:br>
             <a:r>
               <a:rPr lang="en-US" sz="1600" dirty="0">
                 <a:latin typeface="Poppins" panose="00000500000000000000" pitchFamily="2" charset="-94"/>
                 <a:cs typeface="Poppins" panose="00000500000000000000" pitchFamily="2" charset="-94"/>
               </a:rPr>
-              <a:t> and </a:t>
-            </a:r>
-            <a:r>
-              <a:rPr lang="en-US" sz="1600" i="1" dirty="0">
-                <a:latin typeface="Consolas" panose="020B0609020204030204" pitchFamily="49" charset="0"/>
-                <a:cs typeface="Poppins" panose="00000500000000000000" pitchFamily="2" charset="-94"/>
-              </a:rPr>
-              <a:t>hex</a:t>
-            </a:r>
-            <a:r>
+              <a:t>No need to create new string objects.</a:t>
+            </a:r>
+            <a:br>
               <a:rPr lang="en-US" sz="1600" dirty="0">
                 <a:latin typeface="Poppins" panose="00000500000000000000" pitchFamily="2" charset="-94"/>
                 <a:cs typeface="Poppins" panose="00000500000000000000" pitchFamily="2" charset="-94"/>
               </a:rPr>
-              <a:t>.</a:t>
+            </a:br>
+            <a:r>
+              <a:rPr lang="en-US" sz="1600" dirty="0">
+                <a:latin typeface="Poppins" panose="00000500000000000000" pitchFamily="2" charset="-94"/>
+                <a:cs typeface="Poppins" panose="00000500000000000000" pitchFamily="2" charset="-94"/>
+              </a:rPr>
+              <a:t>This allows normalization without allocations, ideal for performance-critical or low-level text processing.</a:t>
             </a:r>
           </a:p>
         </p:txBody>
@@ -24658,7 +25065,7 @@
     </p:spTree>
     <p:extLst>
       <p:ext uri="{BB962C8B-B14F-4D97-AF65-F5344CB8AC3E}">
-        <p14:creationId xmlns:p14="http://schemas.microsoft.com/office/powerpoint/2010/main" val="127076097"/>
+        <p14:creationId xmlns:p14="http://schemas.microsoft.com/office/powerpoint/2010/main" val="556104227"/>
       </p:ext>
     </p:extLst>
   </p:cSld>
@@ -24780,7 +25187,7 @@
                 <a:cs typeface="Lexend"/>
                 <a:sym typeface="Lexend"/>
               </a:rPr>
-              <a:t>Async ZIP APIs</a:t>
+              <a:t>UTF-8 Support for Hex String Conversion</a:t>
             </a:r>
           </a:p>
         </p:txBody>
@@ -24799,7 +25206,7 @@
         </p:nvSpPr>
         <p:spPr>
           <a:xfrm>
-            <a:off x="451488" y="4800526"/>
+            <a:off x="451488" y="4688766"/>
             <a:ext cx="10720064" cy="1323439"/>
           </a:xfrm>
           <a:prstGeom prst="rect">
@@ -24890,7 +25297,7 @@
                 <a:latin typeface="Poppins" panose="00000500000000000000" pitchFamily="2" charset="-94"/>
                 <a:cs typeface="Poppins" panose="00000500000000000000" pitchFamily="2" charset="-94"/>
               </a:rPr>
-              <a:t>Simpler, high-level APIs for WebSocket I/O.</a:t>
+              <a:t>Direct UTF-8 → hex conversions.</a:t>
             </a:r>
           </a:p>
           <a:p>
@@ -24918,47 +25325,7 @@
                 <a:latin typeface="Poppins" panose="00000500000000000000" pitchFamily="2" charset="-94"/>
                 <a:cs typeface="Poppins" panose="00000500000000000000" pitchFamily="2" charset="-94"/>
               </a:rPr>
-              <a:t>Easy integration with `</a:t>
-            </a:r>
-            <a:r>
-              <a:rPr lang="en-US" altLang="en-US" sz="1600" dirty="0" err="1">
-                <a:solidFill>
-                  <a:schemeClr val="tx1"/>
-                </a:solidFill>
-                <a:latin typeface="Poppins" panose="00000500000000000000" pitchFamily="2" charset="-94"/>
-                <a:cs typeface="Poppins" panose="00000500000000000000" pitchFamily="2" charset="-94"/>
-              </a:rPr>
-              <a:t>StreamReader</a:t>
-            </a:r>
-            <a:r>
-              <a:rPr lang="en-US" altLang="en-US" sz="1600" dirty="0">
-                <a:solidFill>
-                  <a:schemeClr val="tx1"/>
-                </a:solidFill>
-                <a:latin typeface="Poppins" panose="00000500000000000000" pitchFamily="2" charset="-94"/>
-                <a:cs typeface="Poppins" panose="00000500000000000000" pitchFamily="2" charset="-94"/>
-              </a:rPr>
-              <a:t>`, `</a:t>
-            </a:r>
-            <a:r>
-              <a:rPr lang="en-US" altLang="en-US" sz="1600" dirty="0" err="1">
-                <a:solidFill>
-                  <a:schemeClr val="tx1"/>
-                </a:solidFill>
-                <a:latin typeface="Poppins" panose="00000500000000000000" pitchFamily="2" charset="-94"/>
-                <a:cs typeface="Poppins" panose="00000500000000000000" pitchFamily="2" charset="-94"/>
-              </a:rPr>
-              <a:t>JsonSerializer</a:t>
-            </a:r>
-            <a:r>
-              <a:rPr lang="en-US" altLang="en-US" sz="1600" dirty="0">
-                <a:solidFill>
-                  <a:schemeClr val="tx1"/>
-                </a:solidFill>
-                <a:latin typeface="Poppins" panose="00000500000000000000" pitchFamily="2" charset="-94"/>
-                <a:cs typeface="Poppins" panose="00000500000000000000" pitchFamily="2" charset="-94"/>
-              </a:rPr>
-              <a:t>`, and binary serializers.</a:t>
+              <a:t>Faster serialization/deserialization.</a:t>
             </a:r>
           </a:p>
           <a:p>
@@ -24986,7 +25353,7 @@
                 <a:latin typeface="Poppins" panose="00000500000000000000" pitchFamily="2" charset="-94"/>
                 <a:cs typeface="Poppins" panose="00000500000000000000" pitchFamily="2" charset="-94"/>
               </a:rPr>
-              <a:t>Great for real-time apps, event-driven APIs, and microservices.</a:t>
+              <a:t>Useful for cryptography, networking, and binary protocols.</a:t>
             </a:r>
           </a:p>
         </p:txBody>
@@ -24996,7 +25363,7 @@
           <p:cNvPr id="6" name="TextBox 5">
             <a:extLst>
               <a:ext uri="{FF2B5EF4-FFF2-40B4-BE49-F238E27FC236}">
-                <a16:creationId xmlns:a16="http://schemas.microsoft.com/office/drawing/2014/main" id="{D69F160A-D03E-429C-8224-5D01BBE5AB88}"/>
+                <a16:creationId xmlns:a16="http://schemas.microsoft.com/office/drawing/2014/main" id="{1E62DBDA-DE85-42E8-B2C6-C8C5C4450EC5}"/>
               </a:ext>
             </a:extLst>
           </p:cNvPr>
@@ -25005,8 +25372,8 @@
         </p:nvSpPr>
         <p:spPr>
           <a:xfrm>
-            <a:off x="451488" y="2728893"/>
-            <a:ext cx="11649072" cy="584775"/>
+            <a:off x="451488" y="2771616"/>
+            <a:ext cx="11013440" cy="584775"/>
           </a:xfrm>
           <a:prstGeom prst="rect">
             <a:avLst/>
@@ -25024,21 +25391,49 @@
                 <a:latin typeface="Poppins" panose="00000500000000000000" pitchFamily="2" charset="-94"/>
                 <a:cs typeface="Poppins" panose="00000500000000000000" pitchFamily="2" charset="-94"/>
               </a:rPr>
-              <a:t>ZIP file handling now supports full async I/O — including create, extract, open, and update </a:t>
-            </a:r>
-            <a:r>
-              <a:rPr lang="en-US" sz="1600" dirty="0" err="1">
-                <a:latin typeface="Poppins" panose="00000500000000000000" pitchFamily="2" charset="-94"/>
+              <a:t>The Convert class now supports </a:t>
+            </a:r>
+            <a:r>
+              <a:rPr lang="en-US" sz="1600" i="1" dirty="0">
+                <a:latin typeface="Consolas" panose="020B0609020204030204" pitchFamily="49" charset="0"/>
                 <a:cs typeface="Poppins" panose="00000500000000000000" pitchFamily="2" charset="-94"/>
               </a:rPr>
-              <a:t>operations.All</a:t>
+              <a:t>UTF-8</a:t>
             </a:r>
             <a:r>
               <a:rPr lang="en-US" sz="1600" dirty="0">
                 <a:latin typeface="Poppins" panose="00000500000000000000" pitchFamily="2" charset="-94"/>
                 <a:cs typeface="Poppins" panose="00000500000000000000" pitchFamily="2" charset="-94"/>
               </a:rPr>
-              <a:t> new APIs follow async patterns and support cancellation tokens.</a:t>
+              <a:t> spans for hex conversions, eliminating intermediate string allocations when converting between </a:t>
+            </a:r>
+            <a:r>
+              <a:rPr lang="en-US" sz="1600" i="1" dirty="0">
+                <a:latin typeface="Consolas" panose="020B0609020204030204" pitchFamily="49" charset="0"/>
+                <a:cs typeface="Poppins" panose="00000500000000000000" pitchFamily="2" charset="-94"/>
+              </a:rPr>
+              <a:t>bytes</a:t>
+            </a:r>
+            <a:r>
+              <a:rPr lang="en-US" sz="1600" dirty="0">
+                <a:latin typeface="Poppins" panose="00000500000000000000" pitchFamily="2" charset="-94"/>
+                <a:cs typeface="Poppins" panose="00000500000000000000" pitchFamily="2" charset="-94"/>
+              </a:rPr>
+              <a:t> and </a:t>
+            </a:r>
+            <a:r>
+              <a:rPr lang="en-US" sz="1600" i="1" dirty="0">
+                <a:latin typeface="Consolas" panose="020B0609020204030204" pitchFamily="49" charset="0"/>
+                <a:cs typeface="Poppins" panose="00000500000000000000" pitchFamily="2" charset="-94"/>
+              </a:rPr>
+              <a:t>hex</a:t>
+            </a:r>
+            <a:r>
+              <a:rPr lang="en-US" sz="1600" dirty="0">
+                <a:latin typeface="Poppins" panose="00000500000000000000" pitchFamily="2" charset="-94"/>
+                <a:cs typeface="Poppins" panose="00000500000000000000" pitchFamily="2" charset="-94"/>
+              </a:rPr>
+              <a:t>.</a:t>
             </a:r>
           </a:p>
         </p:txBody>
@@ -25046,7 +25441,7 @@
     </p:spTree>
     <p:extLst>
       <p:ext uri="{BB962C8B-B14F-4D97-AF65-F5344CB8AC3E}">
-        <p14:creationId xmlns:p14="http://schemas.microsoft.com/office/powerpoint/2010/main" val="3971018104"/>
+        <p14:creationId xmlns:p14="http://schemas.microsoft.com/office/powerpoint/2010/main" val="127076097"/>
       </p:ext>
     </p:extLst>
   </p:cSld>
@@ -25159,7 +25554,7 @@
               <a:buSzPts val="3200"/>
             </a:pPr>
             <a:r>
-              <a:rPr lang="en-US" sz="3400" dirty="0" err="1">
+              <a:rPr lang="en-US" sz="3400" dirty="0">
                 <a:solidFill>
                   <a:srgbClr val="292D33"/>
                 </a:solidFill>
@@ -25168,19 +25563,7 @@
                 <a:cs typeface="Lexend"/>
                 <a:sym typeface="Lexend"/>
               </a:rPr>
-              <a:t>ZipArchive</a:t>
-            </a:r>
-            <a:r>
-              <a:rPr lang="en-US" sz="3400" dirty="0">
-                <a:solidFill>
-                  <a:srgbClr val="292D33"/>
-                </a:solidFill>
-                <a:latin typeface="Lexend"/>
-                <a:ea typeface="Lexend"/>
-                <a:cs typeface="Lexend"/>
-                <a:sym typeface="Lexend"/>
-              </a:rPr>
-              <a:t> Performance Improvements</a:t>
+              <a:t>Async ZIP APIs</a:t>
             </a:r>
           </a:p>
         </p:txBody>
@@ -25199,7 +25582,7 @@
         </p:nvSpPr>
         <p:spPr>
           <a:xfrm>
-            <a:off x="451488" y="4709086"/>
+            <a:off x="451488" y="4800526"/>
             <a:ext cx="10720064" cy="1323439"/>
           </a:xfrm>
           <a:prstGeom prst="rect">
@@ -25290,7 +25673,7 @@
                 <a:latin typeface="Poppins" panose="00000500000000000000" pitchFamily="2" charset="-94"/>
                 <a:cs typeface="Poppins" panose="00000500000000000000" pitchFamily="2" charset="-94"/>
               </a:rPr>
-              <a:t>Better performance in file-heavy workloads.</a:t>
+              <a:t>Simpler, high-level APIs for WebSocket I/O.</a:t>
             </a:r>
           </a:p>
           <a:p>
@@ -25318,7 +25701,47 @@
                 <a:latin typeface="Poppins" panose="00000500000000000000" pitchFamily="2" charset="-94"/>
                 <a:cs typeface="Poppins" panose="00000500000000000000" pitchFamily="2" charset="-94"/>
               </a:rPr>
-              <a:t>Lower memory usage when updating or extracting archives.</a:t>
+              <a:t>Easy integration with `</a:t>
+            </a:r>
+            <a:r>
+              <a:rPr lang="en-US" altLang="en-US" sz="1600" dirty="0" err="1">
+                <a:solidFill>
+                  <a:schemeClr val="tx1"/>
+                </a:solidFill>
+                <a:latin typeface="Poppins" panose="00000500000000000000" pitchFamily="2" charset="-94"/>
+                <a:cs typeface="Poppins" panose="00000500000000000000" pitchFamily="2" charset="-94"/>
+              </a:rPr>
+              <a:t>StreamReader</a:t>
+            </a:r>
+            <a:r>
+              <a:rPr lang="en-US" altLang="en-US" sz="1600" dirty="0">
+                <a:solidFill>
+                  <a:schemeClr val="tx1"/>
+                </a:solidFill>
+                <a:latin typeface="Poppins" panose="00000500000000000000" pitchFamily="2" charset="-94"/>
+                <a:cs typeface="Poppins" panose="00000500000000000000" pitchFamily="2" charset="-94"/>
+              </a:rPr>
+              <a:t>`, `</a:t>
+            </a:r>
+            <a:r>
+              <a:rPr lang="en-US" altLang="en-US" sz="1600" dirty="0" err="1">
+                <a:solidFill>
+                  <a:schemeClr val="tx1"/>
+                </a:solidFill>
+                <a:latin typeface="Poppins" panose="00000500000000000000" pitchFamily="2" charset="-94"/>
+                <a:cs typeface="Poppins" panose="00000500000000000000" pitchFamily="2" charset="-94"/>
+              </a:rPr>
+              <a:t>JsonSerializer</a:t>
+            </a:r>
+            <a:r>
+              <a:rPr lang="en-US" altLang="en-US" sz="1600" dirty="0">
+                <a:solidFill>
+                  <a:schemeClr val="tx1"/>
+                </a:solidFill>
+                <a:latin typeface="Poppins" panose="00000500000000000000" pitchFamily="2" charset="-94"/>
+                <a:cs typeface="Poppins" panose="00000500000000000000" pitchFamily="2" charset="-94"/>
+              </a:rPr>
+              <a:t>`, and binary serializers.</a:t>
             </a:r>
           </a:p>
           <a:p>
@@ -25346,17 +25769,7 @@
                 <a:latin typeface="Poppins" panose="00000500000000000000" pitchFamily="2" charset="-94"/>
                 <a:cs typeface="Poppins" panose="00000500000000000000" pitchFamily="2" charset="-94"/>
               </a:rPr>
-              <a:t>Ideal for tools, installers, and packaging systems</a:t>
-            </a:r>
-            <a:r>
-              <a:rPr lang="en-US" altLang="en-US" sz="1600" b="1" dirty="0">
-                <a:solidFill>
-                  <a:schemeClr val="tx1"/>
-                </a:solidFill>
-                <a:latin typeface="Poppins" panose="00000500000000000000" pitchFamily="2" charset="-94"/>
-                <a:cs typeface="Poppins" panose="00000500000000000000" pitchFamily="2" charset="-94"/>
-              </a:rPr>
-              <a:t>.</a:t>
+              <a:t>Great for real-time apps, event-driven APIs, and microservices.</a:t>
             </a:r>
           </a:p>
         </p:txBody>
@@ -25366,7 +25779,7 @@
           <p:cNvPr id="6" name="TextBox 5">
             <a:extLst>
               <a:ext uri="{FF2B5EF4-FFF2-40B4-BE49-F238E27FC236}">
-                <a16:creationId xmlns:a16="http://schemas.microsoft.com/office/drawing/2014/main" id="{990DCCDD-AF4F-4DBB-962B-F750857838F3}"/>
+                <a16:creationId xmlns:a16="http://schemas.microsoft.com/office/drawing/2014/main" id="{D69F160A-D03E-429C-8224-5D01BBE5AB88}"/>
               </a:ext>
             </a:extLst>
           </p:cNvPr>
@@ -25375,8 +25788,8 @@
         </p:nvSpPr>
         <p:spPr>
           <a:xfrm>
-            <a:off x="451488" y="2690336"/>
-            <a:ext cx="10836272" cy="584775"/>
+            <a:off x="451488" y="2728893"/>
+            <a:ext cx="11649072" cy="584775"/>
           </a:xfrm>
           <a:prstGeom prst="rect">
             <a:avLst/>
@@ -25394,48 +25807,21 @@
                 <a:latin typeface="Poppins" panose="00000500000000000000" pitchFamily="2" charset="-94"/>
                 <a:cs typeface="Poppins" panose="00000500000000000000" pitchFamily="2" charset="-94"/>
               </a:rPr>
-              <a:t>Reading, writing, and extracting </a:t>
-            </a:r>
-            <a:r>
-              <a:rPr lang="en-US" sz="1600" b="1" dirty="0">
+              <a:t>ZIP file handling now supports full async I/O — including create, extract, open, and update </a:t>
+            </a:r>
+            <a:r>
+              <a:rPr lang="en-US" sz="1600" dirty="0" err="1">
                 <a:latin typeface="Poppins" panose="00000500000000000000" pitchFamily="2" charset="-94"/>
                 <a:cs typeface="Poppins" panose="00000500000000000000" pitchFamily="2" charset="-94"/>
               </a:rPr>
-              <a:t>ZIP files</a:t>
+              <a:t>operations.All</a:t>
             </a:r>
             <a:r>
               <a:rPr lang="en-US" sz="1600" dirty="0">
                 <a:latin typeface="Poppins" panose="00000500000000000000" pitchFamily="2" charset="-94"/>
                 <a:cs typeface="Poppins" panose="00000500000000000000" pitchFamily="2" charset="-94"/>
               </a:rPr>
-              <a:t> is now </a:t>
-            </a:r>
-            <a:r>
-              <a:rPr lang="en-US" sz="1600" b="1" dirty="0">
-                <a:latin typeface="Poppins" panose="00000500000000000000" pitchFamily="2" charset="-94"/>
-                <a:cs typeface="Poppins" panose="00000500000000000000" pitchFamily="2" charset="-94"/>
-              </a:rPr>
-              <a:t>faster and more memory-efficient</a:t>
-            </a:r>
-            <a:r>
-              <a:rPr lang="en-US" sz="1600" dirty="0">
-                <a:latin typeface="Poppins" panose="00000500000000000000" pitchFamily="2" charset="-94"/>
-                <a:cs typeface="Poppins" panose="00000500000000000000" pitchFamily="2" charset="-94"/>
-              </a:rPr>
-              <a:t>.</a:t>
-            </a:r>
-            <a:br>
-              <a:rPr lang="en-US" sz="1600" dirty="0">
-                <a:latin typeface="Poppins" panose="00000500000000000000" pitchFamily="2" charset="-94"/>
-                <a:cs typeface="Poppins" panose="00000500000000000000" pitchFamily="2" charset="-94"/>
-              </a:rPr>
-            </a:br>
-            <a:r>
-              <a:rPr lang="en-US" sz="1600" dirty="0">
-                <a:latin typeface="Poppins" panose="00000500000000000000" pitchFamily="2" charset="-94"/>
-                <a:cs typeface="Poppins" panose="00000500000000000000" pitchFamily="2" charset="-94"/>
-              </a:rPr>
-              <a:t>Parallel extraction and reduced memory pressure significantly speed up large archive operations.</a:t>
+              <a:t> new APIs follow async patterns and support cancellation tokens.</a:t>
             </a:r>
           </a:p>
         </p:txBody>
@@ -25443,7 +25829,7 @@
     </p:spTree>
     <p:extLst>
       <p:ext uri="{BB962C8B-B14F-4D97-AF65-F5344CB8AC3E}">
-        <p14:creationId xmlns:p14="http://schemas.microsoft.com/office/powerpoint/2010/main" val="554498200"/>
+        <p14:creationId xmlns:p14="http://schemas.microsoft.com/office/powerpoint/2010/main" val="3971018104"/>
       </p:ext>
     </p:extLst>
   </p:cSld>
@@ -25556,7 +25942,7 @@
               <a:buSzPts val="3200"/>
             </a:pPr>
             <a:r>
-              <a:rPr lang="en-US" sz="3400" dirty="0">
+              <a:rPr lang="en-US" sz="3400" dirty="0" err="1">
                 <a:solidFill>
                   <a:srgbClr val="292D33"/>
                 </a:solidFill>
@@ -25565,7 +25951,19 @@
                 <a:cs typeface="Lexend"/>
                 <a:sym typeface="Lexend"/>
               </a:rPr>
-              <a:t>TLS 1.3 Support on macOS (Client)</a:t>
+              <a:t>ZipArchive</a:t>
+            </a:r>
+            <a:r>
+              <a:rPr lang="en-US" sz="3400" dirty="0">
+                <a:solidFill>
+                  <a:srgbClr val="292D33"/>
+                </a:solidFill>
+                <a:latin typeface="Lexend"/>
+                <a:ea typeface="Lexend"/>
+                <a:cs typeface="Lexend"/>
+                <a:sym typeface="Lexend"/>
+              </a:rPr>
+              <a:t> Performance Improvements</a:t>
             </a:r>
           </a:p>
         </p:txBody>
@@ -25584,7 +25982,7 @@
         </p:nvSpPr>
         <p:spPr>
           <a:xfrm>
-            <a:off x="451488" y="4646637"/>
+            <a:off x="451488" y="4709086"/>
             <a:ext cx="10720064" cy="1323439"/>
           </a:xfrm>
           <a:prstGeom prst="rect">
@@ -25675,7 +26073,7 @@
                 <a:latin typeface="Poppins" panose="00000500000000000000" pitchFamily="2" charset="-94"/>
                 <a:cs typeface="Poppins" panose="00000500000000000000" pitchFamily="2" charset="-94"/>
               </a:rPr>
-              <a:t>Stronger security on macOS clients.</a:t>
+              <a:t>Better performance in file-heavy workloads.</a:t>
             </a:r>
           </a:p>
           <a:p>
@@ -25703,7 +26101,7 @@
                 <a:latin typeface="Poppins" panose="00000500000000000000" pitchFamily="2" charset="-94"/>
                 <a:cs typeface="Poppins" panose="00000500000000000000" pitchFamily="2" charset="-94"/>
               </a:rPr>
-              <a:t>Faster and more efficient TLS handshakes.</a:t>
+              <a:t>Lower memory usage when updating or extracting archives.</a:t>
             </a:r>
           </a:p>
           <a:p>
@@ -25731,7 +26129,17 @@
                 <a:latin typeface="Poppins" panose="00000500000000000000" pitchFamily="2" charset="-94"/>
                 <a:cs typeface="Poppins" panose="00000500000000000000" pitchFamily="2" charset="-94"/>
               </a:rPr>
-              <a:t>Aligns macOS networking with Windows and Linux TLS 1.3 support.</a:t>
+              <a:t>Ideal for tools, installers, and packaging systems</a:t>
+            </a:r>
+            <a:r>
+              <a:rPr lang="en-US" altLang="en-US" sz="1600" b="1" dirty="0">
+                <a:solidFill>
+                  <a:schemeClr val="tx1"/>
+                </a:solidFill>
+                <a:latin typeface="Poppins" panose="00000500000000000000" pitchFamily="2" charset="-94"/>
+                <a:cs typeface="Poppins" panose="00000500000000000000" pitchFamily="2" charset="-94"/>
+              </a:rPr>
+              <a:t>.</a:t>
             </a:r>
           </a:p>
         </p:txBody>
@@ -25741,7 +26149,7 @@
           <p:cNvPr id="6" name="TextBox 5">
             <a:extLst>
               <a:ext uri="{FF2B5EF4-FFF2-40B4-BE49-F238E27FC236}">
-                <a16:creationId xmlns:a16="http://schemas.microsoft.com/office/drawing/2014/main" id="{E032EC61-DA49-45BB-A1C4-A1532A1CA8F9}"/>
+                <a16:creationId xmlns:a16="http://schemas.microsoft.com/office/drawing/2014/main" id="{990DCCDD-AF4F-4DBB-962B-F750857838F3}"/>
               </a:ext>
             </a:extLst>
           </p:cNvPr>
@@ -25750,8 +26158,8 @@
         </p:nvSpPr>
         <p:spPr>
           <a:xfrm>
-            <a:off x="451488" y="2832529"/>
-            <a:ext cx="11222352" cy="830997"/>
+            <a:off x="451488" y="2690336"/>
+            <a:ext cx="10836272" cy="584775"/>
           </a:xfrm>
           <a:prstGeom prst="rect">
             <a:avLst/>
@@ -25769,84 +26177,35 @@
                 <a:latin typeface="Poppins" panose="00000500000000000000" pitchFamily="2" charset="-94"/>
                 <a:cs typeface="Poppins" panose="00000500000000000000" pitchFamily="2" charset="-94"/>
               </a:rPr>
-              <a:t>.NET 10 adds </a:t>
-            </a:r>
-            <a:r>
-              <a:rPr lang="en-US" sz="1600" i="1" dirty="0">
-                <a:latin typeface="Consolas" panose="020B0609020204030204" pitchFamily="49" charset="0"/>
+              <a:t>Reading, writing, and extracting </a:t>
+            </a:r>
+            <a:r>
+              <a:rPr lang="en-US" sz="1600" b="1" dirty="0">
+                <a:latin typeface="Poppins" panose="00000500000000000000" pitchFamily="2" charset="-94"/>
                 <a:cs typeface="Poppins" panose="00000500000000000000" pitchFamily="2" charset="-94"/>
               </a:rPr>
-              <a:t>TLS 1.3</a:t>
+              <a:t>ZIP files</a:t>
             </a:r>
             <a:r>
               <a:rPr lang="en-US" sz="1600" dirty="0">
                 <a:latin typeface="Poppins" panose="00000500000000000000" pitchFamily="2" charset="-94"/>
                 <a:cs typeface="Poppins" panose="00000500000000000000" pitchFamily="2" charset="-94"/>
               </a:rPr>
-              <a:t> for client-side networking on macOS by integrating Apple’s </a:t>
-            </a:r>
-            <a:r>
-              <a:rPr lang="en-US" sz="1600" i="1" dirty="0" err="1">
-                <a:latin typeface="Consolas" panose="020B0609020204030204" pitchFamily="49" charset="0"/>
+              <a:t> is now </a:t>
+            </a:r>
+            <a:r>
+              <a:rPr lang="en-US" sz="1600" b="1" dirty="0">
+                <a:latin typeface="Poppins" panose="00000500000000000000" pitchFamily="2" charset="-94"/>
                 <a:cs typeface="Poppins" panose="00000500000000000000" pitchFamily="2" charset="-94"/>
               </a:rPr>
-              <a:t>Network.framework</a:t>
-            </a:r>
-            <a:r>
-              <a:rPr lang="en-US" sz="1600" i="1" dirty="0">
-                <a:latin typeface="Consolas" panose="020B0609020204030204" pitchFamily="49" charset="0"/>
-                <a:cs typeface="Poppins" panose="00000500000000000000" pitchFamily="2" charset="-94"/>
-              </a:rPr>
-              <a:t> </a:t>
+              <a:t>faster and more memory-efficient</a:t>
             </a:r>
             <a:r>
               <a:rPr lang="en-US" sz="1600" dirty="0">
                 <a:latin typeface="Poppins" panose="00000500000000000000" pitchFamily="2" charset="-94"/>
                 <a:cs typeface="Poppins" panose="00000500000000000000" pitchFamily="2" charset="-94"/>
               </a:rPr>
-              <a:t>into</a:t>
-            </a:r>
-            <a:r>
-              <a:rPr lang="en-US" sz="1600" i="1" dirty="0">
-                <a:latin typeface="Consolas" panose="020B0609020204030204" pitchFamily="49" charset="0"/>
-                <a:cs typeface="Poppins" panose="00000500000000000000" pitchFamily="2" charset="-94"/>
-              </a:rPr>
-              <a:t> </a:t>
-            </a:r>
-            <a:r>
-              <a:rPr lang="en-US" sz="1600" i="1" dirty="0" err="1">
-                <a:latin typeface="Consolas" panose="020B0609020204030204" pitchFamily="49" charset="0"/>
-                <a:cs typeface="Poppins" panose="00000500000000000000" pitchFamily="2" charset="-94"/>
-              </a:rPr>
-              <a:t>SslStream</a:t>
-            </a:r>
-            <a:r>
-              <a:rPr lang="en-US" sz="1600" i="1" dirty="0">
-                <a:latin typeface="Consolas" panose="020B0609020204030204" pitchFamily="49" charset="0"/>
-                <a:cs typeface="Poppins" panose="00000500000000000000" pitchFamily="2" charset="-94"/>
-              </a:rPr>
-              <a:t> and </a:t>
-            </a:r>
-            <a:r>
-              <a:rPr lang="en-US" sz="1600" i="1" dirty="0" err="1">
-                <a:latin typeface="Consolas" panose="020B0609020204030204" pitchFamily="49" charset="0"/>
-                <a:cs typeface="Poppins" panose="00000500000000000000" pitchFamily="2" charset="-94"/>
-              </a:rPr>
-              <a:t>HttpClient</a:t>
-            </a:r>
-            <a:r>
-              <a:rPr lang="en-US" sz="1600" i="1" dirty="0">
-                <a:latin typeface="Consolas" panose="020B0609020204030204" pitchFamily="49" charset="0"/>
-                <a:cs typeface="Poppins" panose="00000500000000000000" pitchFamily="2" charset="-94"/>
-              </a:rPr>
               <a:t>.</a:t>
-            </a:r>
-            <a:r>
-              <a:rPr lang="en-US" sz="1600" dirty="0">
-                <a:latin typeface="Poppins" panose="00000500000000000000" pitchFamily="2" charset="-94"/>
-                <a:cs typeface="Poppins" panose="00000500000000000000" pitchFamily="2" charset="-94"/>
-              </a:rPr>
-              <a:t> </a:t>
             </a:r>
             <a:br>
               <a:rPr lang="en-US" sz="1600" dirty="0">
@@ -25859,7 +26218,7 @@
                 <a:latin typeface="Poppins" panose="00000500000000000000" pitchFamily="2" charset="-94"/>
                 <a:cs typeface="Poppins" panose="00000500000000000000" pitchFamily="2" charset="-94"/>
               </a:rPr>
-              <a:t>Apps must opt in via code or environment variable.</a:t>
+              <a:t>Parallel extraction and reduced memory pressure significantly speed up large archive operations.</a:t>
             </a:r>
           </a:p>
         </p:txBody>
@@ -25867,7 +26226,7 @@
     </p:spTree>
     <p:extLst>
       <p:ext uri="{BB962C8B-B14F-4D97-AF65-F5344CB8AC3E}">
-        <p14:creationId xmlns:p14="http://schemas.microsoft.com/office/powerpoint/2010/main" val="3416393850"/>
+        <p14:creationId xmlns:p14="http://schemas.microsoft.com/office/powerpoint/2010/main" val="554498200"/>
       </p:ext>
     </p:extLst>
   </p:cSld>

--- a/abp-community-talks-2025.09.pptx
+++ b/abp-community-talks-2025.09.pptx
@@ -5,7 +5,7 @@
     <p:sldMasterId id="2147483648" r:id="rId1"/>
   </p:sldMasterIdLst>
   <p:notesMasterIdLst>
-    <p:notesMasterId r:id="rId24"/>
+    <p:notesMasterId r:id="rId25"/>
   </p:notesMasterIdLst>
   <p:sldIdLst>
     <p:sldId id="256" r:id="rId2"/>
@@ -29,41 +29,42 @@
     <p:sldId id="278" r:id="rId20"/>
     <p:sldId id="280" r:id="rId21"/>
     <p:sldId id="279" r:id="rId22"/>
-    <p:sldId id="268" r:id="rId23"/>
+    <p:sldId id="304" r:id="rId23"/>
+    <p:sldId id="305" r:id="rId24"/>
   </p:sldIdLst>
   <p:sldSz cx="12192000" cy="6858000"/>
   <p:notesSz cx="6858000" cy="9144000"/>
   <p:embeddedFontLst>
     <p:embeddedFont>
       <p:font typeface="Consolas" panose="020B0609020204030204" pitchFamily="49" charset="0"/>
-      <p:regular r:id="rId25"/>
-      <p:bold r:id="rId26"/>
-      <p:italic r:id="rId27"/>
-      <p:boldItalic r:id="rId28"/>
+      <p:regular r:id="rId26"/>
+      <p:bold r:id="rId27"/>
+      <p:italic r:id="rId28"/>
+      <p:boldItalic r:id="rId29"/>
     </p:embeddedFont>
     <p:embeddedFont>
       <p:font typeface="Lexend" panose="020B0604020202020204" charset="-94"/>
-      <p:regular r:id="rId29"/>
-      <p:bold r:id="rId30"/>
+      <p:regular r:id="rId30"/>
+      <p:bold r:id="rId31"/>
     </p:embeddedFont>
     <p:embeddedFont>
       <p:font typeface="Play" panose="020B0604020202020204" charset="0"/>
-      <p:regular r:id="rId31"/>
-      <p:bold r:id="rId32"/>
+      <p:regular r:id="rId32"/>
+      <p:bold r:id="rId33"/>
     </p:embeddedFont>
     <p:embeddedFont>
       <p:font typeface="Poppins" panose="00000500000000000000" pitchFamily="2" charset="-94"/>
-      <p:regular r:id="rId33"/>
-      <p:bold r:id="rId34"/>
-      <p:italic r:id="rId35"/>
-      <p:boldItalic r:id="rId36"/>
+      <p:regular r:id="rId34"/>
+      <p:bold r:id="rId35"/>
+      <p:italic r:id="rId36"/>
+      <p:boldItalic r:id="rId37"/>
     </p:embeddedFont>
     <p:embeddedFont>
       <p:font typeface="Poppins Medium" panose="00000600000000000000" pitchFamily="2" charset="-94"/>
-      <p:regular r:id="rId37"/>
-      <p:bold r:id="rId38"/>
-      <p:italic r:id="rId39"/>
-      <p:boldItalic r:id="rId40"/>
+      <p:regular r:id="rId38"/>
+      <p:bold r:id="rId39"/>
+      <p:italic r:id="rId40"/>
+      <p:boldItalic r:id="rId41"/>
     </p:embeddedFont>
   </p:embeddedFontLst>
   <p:defaultTextStyle>
@@ -300,7 +301,7 @@
       <p15:sldGuideLst xmlns:p15="http://schemas.microsoft.com/office/powerpoint/2012/main"/>
     </p:ext>
     <p:ext uri="GoogleSlidesCustomDataVersion2">
-      <go:slidesCustomData xmlns="" xmlns:mc="http://schemas.openxmlformats.org/markup-compatibility/2006" xmlns:mv="urn:schemas-microsoft-com:mac:vml" xmlns:c="http://schemas.openxmlformats.org/drawingml/2006/chart" xmlns:dgm="http://schemas.openxmlformats.org/drawingml/2006/diagram" xmlns:o="urn:schemas-microsoft-com:office:office" xmlns:v="urn:schemas-microsoft-com:vml" xmlns:pvml="urn:schemas-microsoft-com:office:powerpoint" xmlns:com="http://schemas.openxmlformats.org/drawingml/2006/compatibility" xmlns:p14="http://schemas.microsoft.com/office/powerpoint/2010/main" xmlns:p15="http://schemas.microsoft.com/office/powerpoint/2012/main" xmlns:ahyp="http://schemas.microsoft.com/office/drawing/2018/hyperlinkcolor" xmlns:go="http://customooxmlschemas.google.com/" r:id="rId41" roundtripDataSignature="AMtx7mihNSh0nE7P5bmNZynwZ07PSv3TUg=="/>
+      <go:slidesCustomData xmlns="" xmlns:mc="http://schemas.openxmlformats.org/markup-compatibility/2006" xmlns:mv="urn:schemas-microsoft-com:mac:vml" xmlns:c="http://schemas.openxmlformats.org/drawingml/2006/chart" xmlns:dgm="http://schemas.openxmlformats.org/drawingml/2006/diagram" xmlns:o="urn:schemas-microsoft-com:office:office" xmlns:v="urn:schemas-microsoft-com:vml" xmlns:pvml="urn:schemas-microsoft-com:office:powerpoint" xmlns:com="http://schemas.openxmlformats.org/drawingml/2006/compatibility" xmlns:p14="http://schemas.microsoft.com/office/powerpoint/2010/main" xmlns:p15="http://schemas.microsoft.com/office/powerpoint/2012/main" xmlns:ahyp="http://schemas.microsoft.com/office/drawing/2018/hyperlinkcolor" xmlns:go="http://customooxmlschemas.google.com/" r:id="rId42" roundtripDataSignature="AMtx7mihNSh0nE7P5bmNZynwZ07PSv3TUg=="/>
     </p:ext>
   </p:extLst>
 </p:presentation>
@@ -1944,6 +1945,73 @@
               <a:buFont typeface="Arial"/>
               <a:buNone/>
             </a:pPr>
+            <a:r>
+              <a:rPr lang="tr-TR" sz="1200" b="0" i="0" u="none" strike="noStrike" cap="none" dirty="0">
+                <a:solidFill>
+                  <a:schemeClr val="dk1"/>
+                </a:solidFill>
+                <a:effectLst/>
+                <a:latin typeface="Arial"/>
+                <a:ea typeface="Arial"/>
+                <a:cs typeface="Arial"/>
+                <a:sym typeface="Arial"/>
+              </a:rPr>
+              <a:t>.NET 10 adds client-side TLS 1.3 support on macOS by integrating Apple's Network.framework into </a:t>
+            </a:r>
+            <a:r>
+              <a:rPr lang="tr-TR" sz="1200" b="0" i="0" u="none" strike="noStrike" cap="none" dirty="0">
+                <a:solidFill>
+                  <a:schemeClr val="dk1"/>
+                </a:solidFill>
+                <a:effectLst/>
+                <a:latin typeface="Arial"/>
+                <a:ea typeface="Arial"/>
+                <a:cs typeface="Arial"/>
+                <a:sym typeface="Arial"/>
+                <a:hlinkClick r:id="rId3"/>
+              </a:rPr>
+              <a:t>SslStream</a:t>
+            </a:r>
+            <a:r>
+              <a:rPr lang="tr-TR" sz="1200" b="0" i="0" u="none" strike="noStrike" cap="none" dirty="0">
+                <a:solidFill>
+                  <a:schemeClr val="dk1"/>
+                </a:solidFill>
+                <a:effectLst/>
+                <a:latin typeface="Arial"/>
+                <a:ea typeface="Arial"/>
+                <a:cs typeface="Arial"/>
+                <a:sym typeface="Arial"/>
+              </a:rPr>
+              <a:t> and </a:t>
+            </a:r>
+            <a:r>
+              <a:rPr lang="tr-TR" sz="1200" b="0" i="0" u="none" strike="noStrike" cap="none" dirty="0">
+                <a:solidFill>
+                  <a:schemeClr val="dk1"/>
+                </a:solidFill>
+                <a:effectLst/>
+                <a:latin typeface="Arial"/>
+                <a:ea typeface="Arial"/>
+                <a:cs typeface="Arial"/>
+                <a:sym typeface="Arial"/>
+                <a:hlinkClick r:id="rId4"/>
+              </a:rPr>
+              <a:t>HttpClient</a:t>
+            </a:r>
+            <a:r>
+              <a:rPr lang="tr-TR" sz="1200" b="0" i="0" u="none" strike="noStrike" cap="none" dirty="0">
+                <a:solidFill>
+                  <a:schemeClr val="dk1"/>
+                </a:solidFill>
+                <a:effectLst/>
+                <a:latin typeface="Arial"/>
+                <a:ea typeface="Arial"/>
+                <a:cs typeface="Arial"/>
+                <a:sym typeface="Arial"/>
+              </a:rPr>
+              <a:t>. Historically, macOS used Secure Transport which doesn't support TLS 1.3; opting into Network.framework enables TLS 1.3.</a:t>
+            </a:r>
             <a:endParaRPr sz="1900" dirty="0">
               <a:latin typeface="Poppins"/>
               <a:ea typeface="Poppins"/>
@@ -3630,7 +3698,13 @@
   <p:cSld>
     <p:spTree>
       <p:nvGrpSpPr>
-        <p:cNvPr id="1" name="Shape 188"/>
+        <p:cNvPr id="1" name="Shape 188">
+          <a:extLst>
+            <a:ext uri="{FF2B5EF4-FFF2-40B4-BE49-F238E27FC236}">
+              <a16:creationId xmlns:a16="http://schemas.microsoft.com/office/drawing/2014/main" id="{0838268A-BB53-855D-973A-26A4D33EEC9C}"/>
+            </a:ext>
+          </a:extLst>
+        </p:cNvPr>
         <p:cNvGrpSpPr/>
         <p:nvPr/>
       </p:nvGrpSpPr>
@@ -3644,7 +3718,13 @@
       </p:grpSpPr>
       <p:sp>
         <p:nvSpPr>
-          <p:cNvPr id="189" name="Google Shape;189;p3:notes"/>
+          <p:cNvPr id="189" name="Google Shape;189;p3:notes">
+            <a:extLst>
+              <a:ext uri="{FF2B5EF4-FFF2-40B4-BE49-F238E27FC236}">
+                <a16:creationId xmlns:a16="http://schemas.microsoft.com/office/drawing/2014/main" id="{53CB0B84-F339-A572-AC32-F948F5BEB04C}"/>
+              </a:ext>
+            </a:extLst>
+          </p:cNvPr>
           <p:cNvSpPr txBox="1">
             <a:spLocks noGrp="1"/>
           </p:cNvSpPr>
@@ -3690,7 +3770,13 @@
       </p:sp>
       <p:sp>
         <p:nvSpPr>
-          <p:cNvPr id="190" name="Google Shape;190;p3:notes"/>
+          <p:cNvPr id="190" name="Google Shape;190;p3:notes">
+            <a:extLst>
+              <a:ext uri="{FF2B5EF4-FFF2-40B4-BE49-F238E27FC236}">
+                <a16:creationId xmlns:a16="http://schemas.microsoft.com/office/drawing/2014/main" id="{92956906-9BF3-DF73-83D7-7CC9A39D72B8}"/>
+              </a:ext>
+            </a:extLst>
+          </p:cNvPr>
           <p:cNvSpPr>
             <a:spLocks noGrp="1" noRot="1" noChangeAspect="1"/>
           </p:cNvSpPr>
@@ -3740,6 +3826,156 @@
         </p:spPr>
       </p:sp>
     </p:spTree>
+    <p:extLst>
+      <p:ext uri="{BB962C8B-B14F-4D97-AF65-F5344CB8AC3E}">
+        <p14:creationId xmlns:p14="http://schemas.microsoft.com/office/powerpoint/2010/main" val="213945459"/>
+      </p:ext>
+    </p:extLst>
+  </p:cSld>
+  <p:clrMapOvr>
+    <a:masterClrMapping/>
+  </p:clrMapOvr>
+</p:notes>
+</file>
+
+<file path=ppt/notesSlides/notesSlide23.xml><?xml version="1.0" encoding="utf-8"?>
+<p:notes xmlns:a="http://schemas.openxmlformats.org/drawingml/2006/main" xmlns:r="http://schemas.openxmlformats.org/officeDocument/2006/relationships" xmlns:p="http://schemas.openxmlformats.org/presentationml/2006/main" showMasterSp="0" showMasterPhAnim="0">
+  <p:cSld>
+    <p:spTree>
+      <p:nvGrpSpPr>
+        <p:cNvPr id="1" name="Shape 188">
+          <a:extLst>
+            <a:ext uri="{FF2B5EF4-FFF2-40B4-BE49-F238E27FC236}">
+              <a16:creationId xmlns:a16="http://schemas.microsoft.com/office/drawing/2014/main" id="{C30B1AE0-3B6B-B8AD-13A3-64DBFF17D42B}"/>
+            </a:ext>
+          </a:extLst>
+        </p:cNvPr>
+        <p:cNvGrpSpPr/>
+        <p:nvPr/>
+      </p:nvGrpSpPr>
+      <p:grpSpPr>
+        <a:xfrm>
+          <a:off x="0" y="0"/>
+          <a:ext cx="0" cy="0"/>
+          <a:chOff x="0" y="0"/>
+          <a:chExt cx="0" cy="0"/>
+        </a:xfrm>
+      </p:grpSpPr>
+      <p:sp>
+        <p:nvSpPr>
+          <p:cNvPr id="189" name="Google Shape;189;p3:notes">
+            <a:extLst>
+              <a:ext uri="{FF2B5EF4-FFF2-40B4-BE49-F238E27FC236}">
+                <a16:creationId xmlns:a16="http://schemas.microsoft.com/office/drawing/2014/main" id="{4FB5141B-6998-3DD8-A847-2125188CD278}"/>
+              </a:ext>
+            </a:extLst>
+          </p:cNvPr>
+          <p:cNvSpPr txBox="1">
+            <a:spLocks noGrp="1"/>
+          </p:cNvSpPr>
+          <p:nvPr>
+            <p:ph type="body" idx="1"/>
+          </p:nvPr>
+        </p:nvSpPr>
+        <p:spPr>
+          <a:xfrm>
+            <a:off x="685800" y="4400550"/>
+            <a:ext cx="5486400" cy="3600450"/>
+          </a:xfrm>
+          <a:prstGeom prst="rect">
+            <a:avLst/>
+          </a:prstGeom>
+          <a:noFill/>
+          <a:ln>
+            <a:noFill/>
+          </a:ln>
+        </p:spPr>
+        <p:txBody>
+          <a:bodyPr spcFirstLastPara="1" wrap="square" lIns="91425" tIns="45700" rIns="91425" bIns="45700" anchor="t" anchorCtr="0">
+            <a:noAutofit/>
+          </a:bodyPr>
+          <a:lstStyle/>
+          <a:p>
+            <a:pPr marL="0" lvl="0" indent="0" algn="l" rtl="0">
+              <a:lnSpc>
+                <a:spcPct val="100000"/>
+              </a:lnSpc>
+              <a:spcBef>
+                <a:spcPts val="1200"/>
+              </a:spcBef>
+              <a:spcAft>
+                <a:spcPts val="0"/>
+              </a:spcAft>
+              <a:buSzPts val="1400"/>
+              <a:buNone/>
+            </a:pPr>
+            <a:endParaRPr dirty="0"/>
+          </a:p>
+        </p:txBody>
+      </p:sp>
+      <p:sp>
+        <p:nvSpPr>
+          <p:cNvPr id="190" name="Google Shape;190;p3:notes">
+            <a:extLst>
+              <a:ext uri="{FF2B5EF4-FFF2-40B4-BE49-F238E27FC236}">
+                <a16:creationId xmlns:a16="http://schemas.microsoft.com/office/drawing/2014/main" id="{F57F01F6-AC6D-AB1B-5593-DDAF93016AF9}"/>
+              </a:ext>
+            </a:extLst>
+          </p:cNvPr>
+          <p:cNvSpPr>
+            <a:spLocks noGrp="1" noRot="1" noChangeAspect="1"/>
+          </p:cNvSpPr>
+          <p:nvPr>
+            <p:ph type="sldImg" idx="2"/>
+          </p:nvPr>
+        </p:nvSpPr>
+        <p:spPr>
+          <a:xfrm>
+            <a:off x="685800" y="1143000"/>
+            <a:ext cx="5486400" cy="3086100"/>
+          </a:xfrm>
+          <a:custGeom>
+            <a:avLst/>
+            <a:gdLst/>
+            <a:ahLst/>
+            <a:cxnLst/>
+            <a:rect l="l" t="t" r="r" b="b"/>
+            <a:pathLst>
+              <a:path w="120000" h="120000" extrusionOk="0">
+                <a:moveTo>
+                  <a:pt x="0" y="0"/>
+                </a:moveTo>
+                <a:lnTo>
+                  <a:pt x="120000" y="0"/>
+                </a:lnTo>
+                <a:lnTo>
+                  <a:pt x="120000" y="120000"/>
+                </a:lnTo>
+                <a:lnTo>
+                  <a:pt x="0" y="120000"/>
+                </a:lnTo>
+                <a:close/>
+              </a:path>
+            </a:pathLst>
+          </a:custGeom>
+          <a:noFill/>
+          <a:ln w="12700" cap="flat" cmpd="sng">
+            <a:solidFill>
+              <a:srgbClr val="000000"/>
+            </a:solidFill>
+            <a:prstDash val="solid"/>
+            <a:round/>
+            <a:headEnd type="none" w="sm" len="sm"/>
+            <a:tailEnd type="none" w="sm" len="sm"/>
+          </a:ln>
+        </p:spPr>
+      </p:sp>
+    </p:spTree>
+    <p:extLst>
+      <p:ext uri="{BB962C8B-B14F-4D97-AF65-F5344CB8AC3E}">
+        <p14:creationId xmlns:p14="http://schemas.microsoft.com/office/powerpoint/2010/main" val="2988485765"/>
+      </p:ext>
+    </p:extLst>
   </p:cSld>
   <p:clrMapOvr>
     <a:masterClrMapping/>
@@ -4626,6 +4862,147 @@
               <a:buFont typeface="Arial"/>
               <a:buNone/>
             </a:pPr>
+            <a:r>
+              <a:rPr lang="en-US" sz="1200" b="0" i="0" u="none" strike="noStrike" cap="none" dirty="0" err="1">
+                <a:solidFill>
+                  <a:schemeClr val="dk1"/>
+                </a:solidFill>
+                <a:effectLst/>
+                <a:latin typeface="Arial"/>
+                <a:ea typeface="Arial"/>
+                <a:cs typeface="Arial"/>
+                <a:sym typeface="Arial"/>
+                <a:hlinkClick r:id="rId3"/>
+              </a:rPr>
+              <a:t>ZipArchiveEntry</a:t>
+            </a:r>
+            <a:r>
+              <a:rPr lang="en-US" sz="1200" b="0" i="0" u="none" strike="noStrike" cap="none" dirty="0">
+                <a:solidFill>
+                  <a:schemeClr val="dk1"/>
+                </a:solidFill>
+                <a:effectLst/>
+                <a:latin typeface="Arial"/>
+                <a:ea typeface="Arial"/>
+                <a:cs typeface="Arial"/>
+                <a:sym typeface="Arial"/>
+              </a:rPr>
+              <a:t> instances were loaded into memory and rewritten, which could lead to high memory usage and performance bottlenecks. The optimization reduces memory usage and improves performance by avoiding the need to load all entries into memory.</a:t>
+            </a:r>
+          </a:p>
+          <a:p>
+            <a:pPr marL="0" lvl="0" indent="0" algn="l" rtl="0">
+              <a:lnSpc>
+                <a:spcPct val="150000"/>
+              </a:lnSpc>
+              <a:spcBef>
+                <a:spcPts val="0"/>
+              </a:spcBef>
+              <a:spcAft>
+                <a:spcPts val="0"/>
+              </a:spcAft>
+              <a:buClr>
+                <a:schemeClr val="dk1"/>
+              </a:buClr>
+              <a:buSzPts val="1100"/>
+              <a:buFont typeface="Arial"/>
+              <a:buNone/>
+            </a:pPr>
+            <a:endParaRPr lang="en-US" sz="1200" b="0" i="0" u="none" strike="noStrike" cap="none" dirty="0">
+              <a:solidFill>
+                <a:schemeClr val="dk1"/>
+              </a:solidFill>
+              <a:effectLst/>
+              <a:latin typeface="Arial"/>
+              <a:ea typeface="Poppins"/>
+              <a:cs typeface="Arial"/>
+              <a:sym typeface="Arial"/>
+            </a:endParaRPr>
+          </a:p>
+          <a:p>
+            <a:pPr marL="0" lvl="0" indent="0" algn="l" rtl="0">
+              <a:lnSpc>
+                <a:spcPct val="150000"/>
+              </a:lnSpc>
+              <a:spcBef>
+                <a:spcPts val="0"/>
+              </a:spcBef>
+              <a:spcAft>
+                <a:spcPts val="0"/>
+              </a:spcAft>
+              <a:buClr>
+                <a:schemeClr val="dk1"/>
+              </a:buClr>
+              <a:buSzPts val="1100"/>
+              <a:buFont typeface="Arial"/>
+              <a:buNone/>
+            </a:pPr>
+            <a:r>
+              <a:rPr lang="en-US" sz="1200" b="0" i="0" u="none" strike="noStrike" cap="none" dirty="0">
+                <a:solidFill>
+                  <a:schemeClr val="dk1"/>
+                </a:solidFill>
+                <a:effectLst/>
+                <a:latin typeface="Arial"/>
+                <a:ea typeface="Arial"/>
+                <a:cs typeface="Arial"/>
+                <a:sym typeface="Arial"/>
+              </a:rPr>
+              <a:t>Second, the extraction of </a:t>
+            </a:r>
+            <a:r>
+              <a:rPr lang="en-US" sz="1200" b="0" i="0" u="none" strike="noStrike" cap="none" dirty="0" err="1">
+                <a:solidFill>
+                  <a:schemeClr val="dk1"/>
+                </a:solidFill>
+                <a:effectLst/>
+                <a:latin typeface="Arial"/>
+                <a:ea typeface="Arial"/>
+                <a:cs typeface="Arial"/>
+                <a:sym typeface="Arial"/>
+                <a:hlinkClick r:id="rId4"/>
+              </a:rPr>
+              <a:t>ZipArchive</a:t>
+            </a:r>
+            <a:r>
+              <a:rPr lang="en-US" sz="1200" b="0" i="0" u="none" strike="noStrike" cap="none" dirty="0">
+                <a:solidFill>
+                  <a:schemeClr val="dk1"/>
+                </a:solidFill>
+                <a:effectLst/>
+                <a:latin typeface="Arial"/>
+                <a:ea typeface="Arial"/>
+                <a:cs typeface="Arial"/>
+                <a:sym typeface="Arial"/>
+              </a:rPr>
+              <a:t> entries is now parallelized, and internal data structures are optimized for better memory usage. These improvements address issues related to performance bottlenecks and high memory usage, making </a:t>
+            </a:r>
+            <a:r>
+              <a:rPr lang="en-US" sz="1200" b="0" i="0" u="none" strike="noStrike" cap="none" dirty="0" err="1">
+                <a:solidFill>
+                  <a:schemeClr val="dk1"/>
+                </a:solidFill>
+                <a:effectLst/>
+                <a:latin typeface="Arial"/>
+                <a:ea typeface="Arial"/>
+                <a:cs typeface="Arial"/>
+                <a:sym typeface="Arial"/>
+              </a:rPr>
+              <a:t>ZipArchive</a:t>
+            </a:r>
+            <a:r>
+              <a:rPr lang="en-US" sz="1200" b="0" i="0" u="none" strike="noStrike" cap="none" dirty="0">
+                <a:solidFill>
+                  <a:schemeClr val="dk1"/>
+                </a:solidFill>
+                <a:effectLst/>
+                <a:latin typeface="Arial"/>
+                <a:ea typeface="Arial"/>
+                <a:cs typeface="Arial"/>
+                <a:sym typeface="Arial"/>
+              </a:rPr>
+              <a:t> more efficient and faster, especially when dealing with large archives.</a:t>
+            </a:r>
             <a:endParaRPr sz="1900" dirty="0">
               <a:latin typeface="Poppins"/>
               <a:ea typeface="Poppins"/>
@@ -18968,7 +19345,7 @@
         </p:nvSpPr>
         <p:spPr>
           <a:xfrm>
-            <a:off x="451488" y="4646637"/>
+            <a:off x="702632" y="4836288"/>
             <a:ext cx="10720064" cy="1323439"/>
           </a:xfrm>
           <a:prstGeom prst="rect">
@@ -19134,7 +19511,7 @@
         </p:nvSpPr>
         <p:spPr>
           <a:xfrm>
-            <a:off x="451488" y="2832529"/>
+            <a:off x="451488" y="2021712"/>
             <a:ext cx="11222352" cy="830997"/>
           </a:xfrm>
           <a:prstGeom prst="rect">
@@ -19248,6 +19625,141 @@
           </a:p>
         </p:txBody>
       </p:sp>
+      <p:sp>
+        <p:nvSpPr>
+          <p:cNvPr id="2" name="Rectangle: Rounded Corners 1">
+            <a:extLst>
+              <a:ext uri="{FF2B5EF4-FFF2-40B4-BE49-F238E27FC236}">
+                <a16:creationId xmlns:a16="http://schemas.microsoft.com/office/drawing/2014/main" id="{577E6AC5-A3C7-C633-4ADB-2185950666C5}"/>
+              </a:ext>
+            </a:extLst>
+          </p:cNvPr>
+          <p:cNvSpPr/>
+          <p:nvPr/>
+        </p:nvSpPr>
+        <p:spPr>
+          <a:xfrm>
+            <a:off x="548640" y="4602480"/>
+            <a:ext cx="10007600" cy="1791057"/>
+          </a:xfrm>
+          <a:prstGeom prst="roundRect">
+            <a:avLst/>
+          </a:prstGeom>
+          <a:noFill/>
+          <a:ln w="9525" cap="flat" cmpd="sng" algn="ctr">
+            <a:solidFill>
+              <a:schemeClr val="dk1"/>
+            </a:solidFill>
+            <a:prstDash val="solid"/>
+            <a:round/>
+            <a:headEnd type="none" w="med" len="med"/>
+            <a:tailEnd type="none" w="med" len="med"/>
+          </a:ln>
+        </p:spPr>
+        <p:style>
+          <a:lnRef idx="0">
+            <a:scrgbClr r="0" g="0" b="0"/>
+          </a:lnRef>
+          <a:fillRef idx="0">
+            <a:scrgbClr r="0" g="0" b="0"/>
+          </a:fillRef>
+          <a:effectRef idx="0">
+            <a:scrgbClr r="0" g="0" b="0"/>
+          </a:effectRef>
+          <a:fontRef idx="minor">
+            <a:schemeClr val="dk1"/>
+          </a:fontRef>
+        </p:style>
+        <p:txBody>
+          <a:bodyPr rtlCol="0" anchor="ctr"/>
+          <a:lstStyle/>
+          <a:p>
+            <a:pPr algn="ctr"/>
+            <a:endParaRPr lang="tr-TR"/>
+          </a:p>
+        </p:txBody>
+      </p:sp>
+      <p:grpSp>
+        <p:nvGrpSpPr>
+          <p:cNvPr id="15" name="Group 14">
+            <a:extLst>
+              <a:ext uri="{FF2B5EF4-FFF2-40B4-BE49-F238E27FC236}">
+                <a16:creationId xmlns:a16="http://schemas.microsoft.com/office/drawing/2014/main" id="{C410BB0C-ED3D-F6F0-72E3-E79A4EDEFA0C}"/>
+              </a:ext>
+            </a:extLst>
+          </p:cNvPr>
+          <p:cNvGrpSpPr/>
+          <p:nvPr/>
+        </p:nvGrpSpPr>
+        <p:grpSpPr>
+          <a:xfrm>
+            <a:off x="548640" y="3162047"/>
+            <a:ext cx="10788666" cy="1038225"/>
+            <a:chOff x="548640" y="3034469"/>
+            <a:chExt cx="10788666" cy="1038225"/>
+          </a:xfrm>
+        </p:grpSpPr>
+        <p:pic>
+          <p:nvPicPr>
+            <p:cNvPr id="12" name="Picture 11">
+              <a:extLst>
+                <a:ext uri="{FF2B5EF4-FFF2-40B4-BE49-F238E27FC236}">
+                  <a16:creationId xmlns:a16="http://schemas.microsoft.com/office/drawing/2014/main" id="{F3BF53A3-C5BF-EF63-6908-30A9E557A02A}"/>
+                </a:ext>
+              </a:extLst>
+            </p:cNvPr>
+            <p:cNvPicPr>
+              <a:picLocks noChangeAspect="1"/>
+            </p:cNvPicPr>
+            <p:nvPr/>
+          </p:nvPicPr>
+          <p:blipFill>
+            <a:blip r:embed="rId4"/>
+            <a:stretch>
+              <a:fillRect/>
+            </a:stretch>
+          </p:blipFill>
+          <p:spPr>
+            <a:xfrm>
+              <a:off x="548640" y="3034469"/>
+              <a:ext cx="5724525" cy="1038225"/>
+            </a:xfrm>
+            <a:prstGeom prst="rect">
+              <a:avLst/>
+            </a:prstGeom>
+          </p:spPr>
+        </p:pic>
+        <p:pic>
+          <p:nvPicPr>
+            <p:cNvPr id="14" name="Picture 13">
+              <a:extLst>
+                <a:ext uri="{FF2B5EF4-FFF2-40B4-BE49-F238E27FC236}">
+                  <a16:creationId xmlns:a16="http://schemas.microsoft.com/office/drawing/2014/main" id="{D56A6B50-1A13-0D4D-1C38-F388E1291D1A}"/>
+                </a:ext>
+              </a:extLst>
+            </p:cNvPr>
+            <p:cNvPicPr>
+              <a:picLocks noChangeAspect="1"/>
+            </p:cNvPicPr>
+            <p:nvPr/>
+          </p:nvPicPr>
+          <p:blipFill>
+            <a:blip r:embed="rId5"/>
+            <a:stretch>
+              <a:fillRect/>
+            </a:stretch>
+          </p:blipFill>
+          <p:spPr>
+            <a:xfrm>
+              <a:off x="6364759" y="3034469"/>
+              <a:ext cx="4972547" cy="1038224"/>
+            </a:xfrm>
+            <a:prstGeom prst="rect">
+              <a:avLst/>
+            </a:prstGeom>
+          </p:spPr>
+        </p:pic>
+      </p:grpSp>
     </p:spTree>
     <p:extLst>
       <p:ext uri="{BB962C8B-B14F-4D97-AF65-F5344CB8AC3E}">
@@ -19392,7 +19904,7 @@
         </p:nvSpPr>
         <p:spPr>
           <a:xfrm>
-            <a:off x="451488" y="4719246"/>
+            <a:off x="735968" y="4836288"/>
             <a:ext cx="10720064" cy="1323439"/>
           </a:xfrm>
           <a:prstGeom prst="rect">
@@ -19575,7 +20087,7 @@
         </p:nvSpPr>
         <p:spPr>
           <a:xfrm>
-            <a:off x="451488" y="2832529"/>
+            <a:off x="451488" y="1963132"/>
             <a:ext cx="11090272" cy="584775"/>
           </a:xfrm>
           <a:prstGeom prst="rect">
@@ -19648,6 +20160,90 @@
           </a:p>
         </p:txBody>
       </p:sp>
+      <p:sp>
+        <p:nvSpPr>
+          <p:cNvPr id="2" name="Rectangle: Rounded Corners 1">
+            <a:extLst>
+              <a:ext uri="{FF2B5EF4-FFF2-40B4-BE49-F238E27FC236}">
+                <a16:creationId xmlns:a16="http://schemas.microsoft.com/office/drawing/2014/main" id="{CB6CDF9A-2803-DDCF-37D0-7C7660FC24B4}"/>
+              </a:ext>
+            </a:extLst>
+          </p:cNvPr>
+          <p:cNvSpPr/>
+          <p:nvPr/>
+        </p:nvSpPr>
+        <p:spPr>
+          <a:xfrm>
+            <a:off x="548640" y="4602480"/>
+            <a:ext cx="10007600" cy="1791057"/>
+          </a:xfrm>
+          <a:prstGeom prst="roundRect">
+            <a:avLst/>
+          </a:prstGeom>
+          <a:noFill/>
+          <a:ln w="9525" cap="flat" cmpd="sng" algn="ctr">
+            <a:solidFill>
+              <a:schemeClr val="dk1"/>
+            </a:solidFill>
+            <a:prstDash val="solid"/>
+            <a:round/>
+            <a:headEnd type="none" w="med" len="med"/>
+            <a:tailEnd type="none" w="med" len="med"/>
+          </a:ln>
+        </p:spPr>
+        <p:style>
+          <a:lnRef idx="0">
+            <a:scrgbClr r="0" g="0" b="0"/>
+          </a:lnRef>
+          <a:fillRef idx="0">
+            <a:scrgbClr r="0" g="0" b="0"/>
+          </a:fillRef>
+          <a:effectRef idx="0">
+            <a:scrgbClr r="0" g="0" b="0"/>
+          </a:effectRef>
+          <a:fontRef idx="minor">
+            <a:schemeClr val="dk1"/>
+          </a:fontRef>
+        </p:style>
+        <p:txBody>
+          <a:bodyPr rtlCol="0" anchor="ctr"/>
+          <a:lstStyle/>
+          <a:p>
+            <a:pPr algn="ctr"/>
+            <a:endParaRPr lang="tr-TR"/>
+          </a:p>
+        </p:txBody>
+      </p:sp>
+      <p:pic>
+        <p:nvPicPr>
+          <p:cNvPr id="4" name="Picture 3">
+            <a:extLst>
+              <a:ext uri="{FF2B5EF4-FFF2-40B4-BE49-F238E27FC236}">
+                <a16:creationId xmlns:a16="http://schemas.microsoft.com/office/drawing/2014/main" id="{5A604520-8F5A-50C3-C4F2-86A7099CA226}"/>
+              </a:ext>
+            </a:extLst>
+          </p:cNvPr>
+          <p:cNvPicPr>
+            <a:picLocks noChangeAspect="1"/>
+          </p:cNvPicPr>
+          <p:nvPr/>
+        </p:nvPicPr>
+        <p:blipFill>
+          <a:blip r:embed="rId4"/>
+          <a:stretch>
+            <a:fillRect/>
+          </a:stretch>
+        </p:blipFill>
+        <p:spPr>
+          <a:xfrm>
+            <a:off x="548640" y="2832164"/>
+            <a:ext cx="3630411" cy="1414716"/>
+          </a:xfrm>
+          <a:prstGeom prst="rect">
+            <a:avLst/>
+          </a:prstGeom>
+        </p:spPr>
+      </p:pic>
     </p:spTree>
     <p:extLst>
       <p:ext uri="{BB962C8B-B14F-4D97-AF65-F5344CB8AC3E}">
@@ -19804,7 +20400,7 @@
         </p:nvSpPr>
         <p:spPr>
           <a:xfrm>
-            <a:off x="451488" y="4678606"/>
+            <a:off x="735968" y="4836288"/>
             <a:ext cx="10720064" cy="1323439"/>
           </a:xfrm>
           <a:prstGeom prst="rect">
@@ -19923,27 +20519,27 @@
                 <a:latin typeface="Poppins" panose="00000500000000000000" pitchFamily="2" charset="-94"/>
                 <a:cs typeface="Poppins" panose="00000500000000000000" pitchFamily="2" charset="-94"/>
               </a:rPr>
-              <a:t>More efficient dictionary operations for developers using `</a:t>
-            </a:r>
-            <a:r>
-              <a:rPr lang="en-US" altLang="en-US" sz="1600" dirty="0" err="1">
+              <a:t>More efficient dictionary operations for developers using </a:t>
+            </a:r>
+            <a:r>
+              <a:rPr lang="en-US" altLang="en-US" sz="1600" i="1" dirty="0" err="1">
+                <a:solidFill>
+                  <a:schemeClr val="tx1"/>
+                </a:solidFill>
+                <a:latin typeface="Consolas" panose="020B0609020204030204" pitchFamily="49" charset="0"/>
+                <a:cs typeface="Poppins" panose="00000500000000000000" pitchFamily="2" charset="-94"/>
+              </a:rPr>
+              <a:t>OrderedDictionary</a:t>
+            </a:r>
+            <a:r>
+              <a:rPr lang="en-US" altLang="en-US" sz="1600" dirty="0">
                 <a:solidFill>
                   <a:schemeClr val="tx1"/>
                 </a:solidFill>
                 <a:latin typeface="Poppins" panose="00000500000000000000" pitchFamily="2" charset="-94"/>
                 <a:cs typeface="Poppins" panose="00000500000000000000" pitchFamily="2" charset="-94"/>
               </a:rPr>
-              <a:t>OrderedDictionary</a:t>
-            </a:r>
-            <a:r>
-              <a:rPr lang="en-US" altLang="en-US" sz="1600" dirty="0">
-                <a:solidFill>
-                  <a:schemeClr val="tx1"/>
-                </a:solidFill>
-                <a:latin typeface="Poppins" panose="00000500000000000000" pitchFamily="2" charset="-94"/>
-                <a:cs typeface="Poppins" panose="00000500000000000000" pitchFamily="2" charset="-94"/>
-              </a:rPr>
-              <a:t>`.</a:t>
+              <a:t>.</a:t>
             </a:r>
           </a:p>
           <a:p>
@@ -19987,7 +20583,7 @@
         </p:nvSpPr>
         <p:spPr>
           <a:xfrm>
-            <a:off x="451488" y="2709121"/>
+            <a:off x="451488" y="1837004"/>
             <a:ext cx="10937872" cy="584775"/>
           </a:xfrm>
           <a:prstGeom prst="rect">
@@ -20034,7 +20630,20 @@
                 <a:latin typeface="Poppins" panose="00000500000000000000" pitchFamily="2" charset="-94"/>
                 <a:cs typeface="Poppins" panose="00000500000000000000" pitchFamily="2" charset="-94"/>
               </a:rPr>
-              <a:t> return entry indexes, improving updates and lookups (used internally by </a:t>
+              <a:t> return entry indexes, improving updates and lookups </a:t>
+            </a:r>
+            <a:br>
+              <a:rPr lang="en-US" sz="1600" dirty="0">
+                <a:latin typeface="Poppins" panose="00000500000000000000" pitchFamily="2" charset="-94"/>
+                <a:cs typeface="Poppins" panose="00000500000000000000" pitchFamily="2" charset="-94"/>
+              </a:rPr>
+            </a:br>
+            <a:r>
+              <a:rPr lang="en-US" sz="1600" dirty="0">
+                <a:latin typeface="Poppins" panose="00000500000000000000" pitchFamily="2" charset="-94"/>
+                <a:cs typeface="Poppins" panose="00000500000000000000" pitchFamily="2" charset="-94"/>
+              </a:rPr>
+              <a:t>(also used internally by </a:t>
             </a:r>
             <a:r>
               <a:rPr lang="en-US" sz="1600" i="1" dirty="0" err="1">
@@ -20053,6 +20662,90 @@
           </a:p>
         </p:txBody>
       </p:sp>
+      <p:sp>
+        <p:nvSpPr>
+          <p:cNvPr id="2" name="Rectangle: Rounded Corners 1">
+            <a:extLst>
+              <a:ext uri="{FF2B5EF4-FFF2-40B4-BE49-F238E27FC236}">
+                <a16:creationId xmlns:a16="http://schemas.microsoft.com/office/drawing/2014/main" id="{D3413CCE-991C-4D74-A03B-1213CD7993B9}"/>
+              </a:ext>
+            </a:extLst>
+          </p:cNvPr>
+          <p:cNvSpPr/>
+          <p:nvPr/>
+        </p:nvSpPr>
+        <p:spPr>
+          <a:xfrm>
+            <a:off x="548640" y="4602480"/>
+            <a:ext cx="10007600" cy="1791057"/>
+          </a:xfrm>
+          <a:prstGeom prst="roundRect">
+            <a:avLst/>
+          </a:prstGeom>
+          <a:noFill/>
+          <a:ln w="9525" cap="flat" cmpd="sng" algn="ctr">
+            <a:solidFill>
+              <a:schemeClr val="dk1"/>
+            </a:solidFill>
+            <a:prstDash val="solid"/>
+            <a:round/>
+            <a:headEnd type="none" w="med" len="med"/>
+            <a:tailEnd type="none" w="med" len="med"/>
+          </a:ln>
+        </p:spPr>
+        <p:style>
+          <a:lnRef idx="0">
+            <a:scrgbClr r="0" g="0" b="0"/>
+          </a:lnRef>
+          <a:fillRef idx="0">
+            <a:scrgbClr r="0" g="0" b="0"/>
+          </a:fillRef>
+          <a:effectRef idx="0">
+            <a:scrgbClr r="0" g="0" b="0"/>
+          </a:effectRef>
+          <a:fontRef idx="minor">
+            <a:schemeClr val="dk1"/>
+          </a:fontRef>
+        </p:style>
+        <p:txBody>
+          <a:bodyPr rtlCol="0" anchor="ctr"/>
+          <a:lstStyle/>
+          <a:p>
+            <a:pPr algn="ctr"/>
+            <a:endParaRPr lang="tr-TR"/>
+          </a:p>
+        </p:txBody>
+      </p:sp>
+      <p:pic>
+        <p:nvPicPr>
+          <p:cNvPr id="4" name="Picture 3">
+            <a:extLst>
+              <a:ext uri="{FF2B5EF4-FFF2-40B4-BE49-F238E27FC236}">
+                <a16:creationId xmlns:a16="http://schemas.microsoft.com/office/drawing/2014/main" id="{DC56676D-F52A-5B43-CDB5-27C573F6AD7D}"/>
+              </a:ext>
+            </a:extLst>
+          </p:cNvPr>
+          <p:cNvPicPr>
+            <a:picLocks noChangeAspect="1"/>
+          </p:cNvPicPr>
+          <p:nvPr/>
+        </p:nvPicPr>
+        <p:blipFill>
+          <a:blip r:embed="rId4"/>
+          <a:stretch>
+            <a:fillRect/>
+          </a:stretch>
+        </p:blipFill>
+        <p:spPr>
+          <a:xfrm>
+            <a:off x="548640" y="2615327"/>
+            <a:ext cx="5261862" cy="1791057"/>
+          </a:xfrm>
+          <a:prstGeom prst="rect">
+            <a:avLst/>
+          </a:prstGeom>
+        </p:spPr>
+      </p:pic>
     </p:spTree>
     <p:extLst>
       <p:ext uri="{BB962C8B-B14F-4D97-AF65-F5344CB8AC3E}">
@@ -20352,8 +21045,8 @@
         </p:nvSpPr>
         <p:spPr>
           <a:xfrm>
-            <a:off x="451488" y="2381369"/>
-            <a:ext cx="11252832" cy="1815882"/>
+            <a:off x="469584" y="1779398"/>
+            <a:ext cx="11252832" cy="1323439"/>
           </a:xfrm>
           <a:prstGeom prst="rect">
             <a:avLst/>
@@ -20371,39 +21064,16 @@
                 <a:latin typeface="Poppins" panose="00000500000000000000" pitchFamily="2" charset="-94"/>
                 <a:cs typeface="Poppins" panose="00000500000000000000" pitchFamily="2" charset="-94"/>
               </a:rPr>
-              <a:t>In .NET 10, the JIT </a:t>
-            </a:r>
-            <a:r>
-              <a:rPr lang="en-US" sz="1600" i="1" dirty="0">
-                <a:latin typeface="Poppins" panose="00000500000000000000" pitchFamily="2" charset="-94"/>
-                <a:cs typeface="Poppins" panose="00000500000000000000" pitchFamily="2" charset="-94"/>
-              </a:rPr>
-              <a:t>(Just-In-Time)</a:t>
-            </a:r>
+              <a:t>In .NET 10, the JIT compiler got smarter about how it handles structs, especially when passing them to methods. Previously, when you passed a struct, the JIT sometimes had to store the values in memory first, then load them into a CPU register before calling the method… Unnecessary memory operations!</a:t>
+            </a:r>
+          </a:p>
+          <a:p>
             <a:r>
               <a:rPr lang="en-US" sz="1600" dirty="0">
                 <a:latin typeface="Poppins" panose="00000500000000000000" pitchFamily="2" charset="-94"/>
                 <a:cs typeface="Poppins" panose="00000500000000000000" pitchFamily="2" charset="-94"/>
               </a:rPr>
-              <a:t> compiler got smarter about how it handles structs, especially when passing them to methods.</a:t>
-            </a:r>
-          </a:p>
-          <a:p>
-            <a:r>
-              <a:rPr lang="en-US" sz="1600" dirty="0">
-                <a:latin typeface="Poppins" panose="00000500000000000000" pitchFamily="2" charset="-94"/>
-                <a:cs typeface="Poppins" panose="00000500000000000000" pitchFamily="2" charset="-94"/>
-              </a:rPr>
-              <a:t>Previously, when you passed a struct, the JIT sometimes had to store the values in memory first, then load them into a CPU register before calling the method. This added unnecessary memory operations.</a:t>
-            </a:r>
-          </a:p>
-          <a:p>
-            <a:r>
-              <a:rPr lang="en-US" sz="1600" dirty="0">
-                <a:latin typeface="Poppins" panose="00000500000000000000" pitchFamily="2" charset="-94"/>
-                <a:cs typeface="Poppins" panose="00000500000000000000" pitchFamily="2" charset="-94"/>
-              </a:rPr>
-              <a:t>Now, with .NET 10, the JIT can put those struct members directly into CPU registers and no temporary memory steps!</a:t>
+              <a:t>Now, the JIT can put those struct members directly into CPU registers and no temporary memory steps!</a:t>
             </a:r>
           </a:p>
           <a:p>
@@ -20428,7 +21098,7 @@
         </p:nvSpPr>
         <p:spPr>
           <a:xfrm>
-            <a:off x="451488" y="4605497"/>
+            <a:off x="675008" y="4836288"/>
             <a:ext cx="11252832" cy="1323439"/>
           </a:xfrm>
           <a:prstGeom prst="rect">
@@ -20504,6 +21174,90 @@
           </a:p>
         </p:txBody>
       </p:sp>
+      <p:sp>
+        <p:nvSpPr>
+          <p:cNvPr id="2" name="Rectangle: Rounded Corners 1">
+            <a:extLst>
+              <a:ext uri="{FF2B5EF4-FFF2-40B4-BE49-F238E27FC236}">
+                <a16:creationId xmlns:a16="http://schemas.microsoft.com/office/drawing/2014/main" id="{81C6AD7F-C4D5-AA0F-5295-5F2F32951A79}"/>
+              </a:ext>
+            </a:extLst>
+          </p:cNvPr>
+          <p:cNvSpPr/>
+          <p:nvPr/>
+        </p:nvSpPr>
+        <p:spPr>
+          <a:xfrm>
+            <a:off x="548640" y="4602480"/>
+            <a:ext cx="10007600" cy="1791057"/>
+          </a:xfrm>
+          <a:prstGeom prst="roundRect">
+            <a:avLst/>
+          </a:prstGeom>
+          <a:noFill/>
+          <a:ln w="9525" cap="flat" cmpd="sng" algn="ctr">
+            <a:solidFill>
+              <a:schemeClr val="dk1"/>
+            </a:solidFill>
+            <a:prstDash val="solid"/>
+            <a:round/>
+            <a:headEnd type="none" w="med" len="med"/>
+            <a:tailEnd type="none" w="med" len="med"/>
+          </a:ln>
+        </p:spPr>
+        <p:style>
+          <a:lnRef idx="0">
+            <a:scrgbClr r="0" g="0" b="0"/>
+          </a:lnRef>
+          <a:fillRef idx="0">
+            <a:scrgbClr r="0" g="0" b="0"/>
+          </a:fillRef>
+          <a:effectRef idx="0">
+            <a:scrgbClr r="0" g="0" b="0"/>
+          </a:effectRef>
+          <a:fontRef idx="minor">
+            <a:schemeClr val="dk1"/>
+          </a:fontRef>
+        </p:style>
+        <p:txBody>
+          <a:bodyPr rtlCol="0" anchor="ctr"/>
+          <a:lstStyle/>
+          <a:p>
+            <a:pPr algn="ctr"/>
+            <a:endParaRPr lang="tr-TR"/>
+          </a:p>
+        </p:txBody>
+      </p:sp>
+      <p:pic>
+        <p:nvPicPr>
+          <p:cNvPr id="4" name="Picture 3">
+            <a:extLst>
+              <a:ext uri="{FF2B5EF4-FFF2-40B4-BE49-F238E27FC236}">
+                <a16:creationId xmlns:a16="http://schemas.microsoft.com/office/drawing/2014/main" id="{77840DA7-4F17-1032-E8D5-F48D7A39268E}"/>
+              </a:ext>
+            </a:extLst>
+          </p:cNvPr>
+          <p:cNvPicPr>
+            <a:picLocks noChangeAspect="1"/>
+          </p:cNvPicPr>
+          <p:nvPr/>
+        </p:nvPicPr>
+        <p:blipFill>
+          <a:blip r:embed="rId4"/>
+          <a:stretch>
+            <a:fillRect/>
+          </a:stretch>
+        </p:blipFill>
+        <p:spPr>
+          <a:xfrm>
+            <a:off x="548640" y="2921555"/>
+            <a:ext cx="4695825" cy="1504950"/>
+          </a:xfrm>
+          <a:prstGeom prst="rect">
+            <a:avLst/>
+          </a:prstGeom>
+        </p:spPr>
+      </p:pic>
     </p:spTree>
   </p:cSld>
   <p:clrMapOvr>
@@ -20664,8 +21418,8 @@
         </p:nvSpPr>
         <p:spPr>
           <a:xfrm>
-            <a:off x="451488" y="4905195"/>
-            <a:ext cx="11252832" cy="1323439"/>
+            <a:off x="667072" y="4836288"/>
+            <a:ext cx="7349168" cy="1323439"/>
           </a:xfrm>
           <a:prstGeom prst="rect">
             <a:avLst/>
@@ -20772,7 +21526,7 @@
         </p:nvSpPr>
         <p:spPr>
           <a:xfrm>
-            <a:off x="353376" y="2100033"/>
+            <a:off x="451488" y="1948676"/>
             <a:ext cx="11684000" cy="2308324"/>
           </a:xfrm>
           <a:prstGeom prst="rect">
@@ -20930,6 +21684,90 @@
           </a:p>
         </p:txBody>
       </p:sp>
+      <p:sp>
+        <p:nvSpPr>
+          <p:cNvPr id="2" name="Rectangle: Rounded Corners 1">
+            <a:extLst>
+              <a:ext uri="{FF2B5EF4-FFF2-40B4-BE49-F238E27FC236}">
+                <a16:creationId xmlns:a16="http://schemas.microsoft.com/office/drawing/2014/main" id="{2C3A5AF8-BFBF-4C1C-11CF-57BDBEA43528}"/>
+              </a:ext>
+            </a:extLst>
+          </p:cNvPr>
+          <p:cNvSpPr/>
+          <p:nvPr/>
+        </p:nvSpPr>
+        <p:spPr>
+          <a:xfrm>
+            <a:off x="548640" y="4602480"/>
+            <a:ext cx="7010400" cy="1791057"/>
+          </a:xfrm>
+          <a:prstGeom prst="roundRect">
+            <a:avLst/>
+          </a:prstGeom>
+          <a:noFill/>
+          <a:ln w="9525" cap="flat" cmpd="sng" algn="ctr">
+            <a:solidFill>
+              <a:schemeClr val="dk1"/>
+            </a:solidFill>
+            <a:prstDash val="solid"/>
+            <a:round/>
+            <a:headEnd type="none" w="med" len="med"/>
+            <a:tailEnd type="none" w="med" len="med"/>
+          </a:ln>
+        </p:spPr>
+        <p:style>
+          <a:lnRef idx="0">
+            <a:scrgbClr r="0" g="0" b="0"/>
+          </a:lnRef>
+          <a:fillRef idx="0">
+            <a:scrgbClr r="0" g="0" b="0"/>
+          </a:fillRef>
+          <a:effectRef idx="0">
+            <a:scrgbClr r="0" g="0" b="0"/>
+          </a:effectRef>
+          <a:fontRef idx="minor">
+            <a:schemeClr val="dk1"/>
+          </a:fontRef>
+        </p:style>
+        <p:txBody>
+          <a:bodyPr rtlCol="0" anchor="ctr"/>
+          <a:lstStyle/>
+          <a:p>
+            <a:pPr algn="ctr"/>
+            <a:endParaRPr lang="tr-TR"/>
+          </a:p>
+        </p:txBody>
+      </p:sp>
+      <p:pic>
+        <p:nvPicPr>
+          <p:cNvPr id="4" name="Picture 3">
+            <a:extLst>
+              <a:ext uri="{FF2B5EF4-FFF2-40B4-BE49-F238E27FC236}">
+                <a16:creationId xmlns:a16="http://schemas.microsoft.com/office/drawing/2014/main" id="{860143A0-A8DF-2288-7ACB-85F141CFC138}"/>
+              </a:ext>
+            </a:extLst>
+          </p:cNvPr>
+          <p:cNvPicPr>
+            <a:picLocks noChangeAspect="1"/>
+          </p:cNvPicPr>
+          <p:nvPr/>
+        </p:nvPicPr>
+        <p:blipFill>
+          <a:blip r:embed="rId4"/>
+          <a:stretch>
+            <a:fillRect/>
+          </a:stretch>
+        </p:blipFill>
+        <p:spPr>
+          <a:xfrm>
+            <a:off x="7842885" y="4069437"/>
+            <a:ext cx="3800475" cy="2324100"/>
+          </a:xfrm>
+          <a:prstGeom prst="rect">
+            <a:avLst/>
+          </a:prstGeom>
+        </p:spPr>
+      </p:pic>
     </p:spTree>
     <p:extLst>
       <p:ext uri="{BB962C8B-B14F-4D97-AF65-F5344CB8AC3E}">
@@ -20944,7 +21782,7 @@
 </file>
 
 <file path=ppt/slides/slide16.xml><?xml version="1.0" encoding="utf-8"?>
-<p:sld xmlns:a="http://schemas.openxmlformats.org/drawingml/2006/main" xmlns:r="http://schemas.openxmlformats.org/officeDocument/2006/relationships" xmlns:p="http://schemas.openxmlformats.org/presentationml/2006/main">
+<p:sld xmlns:a="http://schemas.openxmlformats.org/drawingml/2006/main" xmlns:r="http://schemas.openxmlformats.org/officeDocument/2006/relationships" xmlns:p="http://schemas.openxmlformats.org/presentationml/2006/main" show="0">
   <p:cSld>
     <p:bg>
       <p:bgPr>
@@ -21102,7 +21940,7 @@
         </p:nvSpPr>
         <p:spPr bwMode="auto">
           <a:xfrm>
-            <a:off x="451488" y="4708583"/>
+            <a:off x="701040" y="4731585"/>
             <a:ext cx="10470512" cy="1569660"/>
           </a:xfrm>
           <a:prstGeom prst="rect">
@@ -21225,7 +22063,7 @@
           <a:p>
             <a:r>
               <a:rPr lang="en-US" altLang="en-US" dirty="0"/>
-              <a:t>NET 10 continues reducing the hidden overhead in foreach loops over arrays and </a:t>
+              <a:t>Reducing the hidden overhead in foreach loops over arrays and </a:t>
             </a:r>
             <a:r>
               <a:rPr lang="en-US" altLang="en-US" i="1" dirty="0" err="1">
@@ -21244,6 +22082,60 @@
               <a:rPr lang="en-US" altLang="en-US" dirty="0"/>
               <a:t>The JIT can now inline and stack-allocate array enumerators more effectively, minimizing allocations and improving loop speed.</a:t>
             </a:r>
+          </a:p>
+        </p:txBody>
+      </p:sp>
+      <p:sp>
+        <p:nvSpPr>
+          <p:cNvPr id="3" name="Rectangle: Rounded Corners 2">
+            <a:extLst>
+              <a:ext uri="{FF2B5EF4-FFF2-40B4-BE49-F238E27FC236}">
+                <a16:creationId xmlns:a16="http://schemas.microsoft.com/office/drawing/2014/main" id="{5DD5C365-6C4A-2737-2571-C784C0E580A3}"/>
+              </a:ext>
+            </a:extLst>
+          </p:cNvPr>
+          <p:cNvSpPr/>
+          <p:nvPr/>
+        </p:nvSpPr>
+        <p:spPr>
+          <a:xfrm>
+            <a:off x="548640" y="4602480"/>
+            <a:ext cx="10007600" cy="1791057"/>
+          </a:xfrm>
+          <a:prstGeom prst="roundRect">
+            <a:avLst/>
+          </a:prstGeom>
+          <a:noFill/>
+          <a:ln w="9525" cap="flat" cmpd="sng" algn="ctr">
+            <a:solidFill>
+              <a:schemeClr val="dk1"/>
+            </a:solidFill>
+            <a:prstDash val="solid"/>
+            <a:round/>
+            <a:headEnd type="none" w="med" len="med"/>
+            <a:tailEnd type="none" w="med" len="med"/>
+          </a:ln>
+        </p:spPr>
+        <p:style>
+          <a:lnRef idx="0">
+            <a:scrgbClr r="0" g="0" b="0"/>
+          </a:lnRef>
+          <a:fillRef idx="0">
+            <a:scrgbClr r="0" g="0" b="0"/>
+          </a:fillRef>
+          <a:effectRef idx="0">
+            <a:scrgbClr r="0" g="0" b="0"/>
+          </a:effectRef>
+          <a:fontRef idx="minor">
+            <a:schemeClr val="dk1"/>
+          </a:fontRef>
+        </p:style>
+        <p:txBody>
+          <a:bodyPr rtlCol="0" anchor="ctr"/>
+          <a:lstStyle/>
+          <a:p>
+            <a:pPr algn="ctr"/>
+            <a:endParaRPr lang="tr-TR"/>
           </a:p>
         </p:txBody>
       </p:sp>
@@ -21261,7 +22153,7 @@
 </file>
 
 <file path=ppt/slides/slide17.xml><?xml version="1.0" encoding="utf-8"?>
-<p:sld xmlns:a="http://schemas.openxmlformats.org/drawingml/2006/main" xmlns:r="http://schemas.openxmlformats.org/officeDocument/2006/relationships" xmlns:p="http://schemas.openxmlformats.org/presentationml/2006/main">
+<p:sld xmlns:a="http://schemas.openxmlformats.org/drawingml/2006/main" xmlns:r="http://schemas.openxmlformats.org/officeDocument/2006/relationships" xmlns:p="http://schemas.openxmlformats.org/presentationml/2006/main" show="0">
   <p:cSld>
     <p:bg>
       <p:bgPr>
@@ -21471,7 +22363,7 @@
         </p:nvSpPr>
         <p:spPr>
           <a:xfrm>
-            <a:off x="493392" y="4745357"/>
+            <a:off x="676272" y="4836288"/>
             <a:ext cx="10678160" cy="1323439"/>
           </a:xfrm>
           <a:prstGeom prst="rect">
@@ -21544,6 +22436,60 @@
               </a:rPr>
               <a:t>Automatically optimized code layout — no developer action needed.</a:t>
             </a:r>
+          </a:p>
+        </p:txBody>
+      </p:sp>
+      <p:sp>
+        <p:nvSpPr>
+          <p:cNvPr id="2" name="Rectangle: Rounded Corners 1">
+            <a:extLst>
+              <a:ext uri="{FF2B5EF4-FFF2-40B4-BE49-F238E27FC236}">
+                <a16:creationId xmlns:a16="http://schemas.microsoft.com/office/drawing/2014/main" id="{CDF7547B-C817-31F6-5063-CF208FADF1ED}"/>
+              </a:ext>
+            </a:extLst>
+          </p:cNvPr>
+          <p:cNvSpPr/>
+          <p:nvPr/>
+        </p:nvSpPr>
+        <p:spPr>
+          <a:xfrm>
+            <a:off x="548640" y="4602480"/>
+            <a:ext cx="10007600" cy="1791057"/>
+          </a:xfrm>
+          <a:prstGeom prst="roundRect">
+            <a:avLst/>
+          </a:prstGeom>
+          <a:noFill/>
+          <a:ln w="9525" cap="flat" cmpd="sng" algn="ctr">
+            <a:solidFill>
+              <a:schemeClr val="dk1"/>
+            </a:solidFill>
+            <a:prstDash val="solid"/>
+            <a:round/>
+            <a:headEnd type="none" w="med" len="med"/>
+            <a:tailEnd type="none" w="med" len="med"/>
+          </a:ln>
+        </p:spPr>
+        <p:style>
+          <a:lnRef idx="0">
+            <a:scrgbClr r="0" g="0" b="0"/>
+          </a:lnRef>
+          <a:fillRef idx="0">
+            <a:scrgbClr r="0" g="0" b="0"/>
+          </a:fillRef>
+          <a:effectRef idx="0">
+            <a:scrgbClr r="0" g="0" b="0"/>
+          </a:effectRef>
+          <a:fontRef idx="minor">
+            <a:schemeClr val="dk1"/>
+          </a:fontRef>
+        </p:style>
+        <p:txBody>
+          <a:bodyPr rtlCol="0" anchor="ctr"/>
+          <a:lstStyle/>
+          <a:p>
+            <a:pPr algn="ctr"/>
+            <a:endParaRPr lang="tr-TR"/>
           </a:p>
         </p:txBody>
       </p:sp>
@@ -21717,7 +22663,7 @@
         </p:nvSpPr>
         <p:spPr bwMode="auto">
           <a:xfrm>
-            <a:off x="451488" y="4590921"/>
+            <a:off x="614048" y="4762363"/>
             <a:ext cx="11191872" cy="1754326"/>
           </a:xfrm>
           <a:prstGeom prst="rect">
@@ -22055,7 +23001,7 @@
                 <a:latin typeface="Poppins" panose="00000500000000000000" pitchFamily="2" charset="-94"/>
                 <a:cs typeface="Poppins" panose="00000500000000000000" pitchFamily="2" charset="-94"/>
               </a:rPr>
-              <a:t>NET 10 broadens what the JIT can inline, including methods with </a:t>
+              <a:t>NET 10 extends what the JIT can inline, including methods with </a:t>
             </a:r>
             <a:r>
               <a:rPr kumimoji="0" lang="en-US" altLang="en-US" sz="1600" b="0" i="1" u="none" strike="noStrike" cap="none" normalizeH="0" baseline="0" dirty="0">
@@ -22196,6 +23142,60 @@
               </a:rPr>
               <a:t> is worthwhile.</a:t>
             </a:r>
+          </a:p>
+        </p:txBody>
+      </p:sp>
+      <p:sp>
+        <p:nvSpPr>
+          <p:cNvPr id="3" name="Rectangle: Rounded Corners 2">
+            <a:extLst>
+              <a:ext uri="{FF2B5EF4-FFF2-40B4-BE49-F238E27FC236}">
+                <a16:creationId xmlns:a16="http://schemas.microsoft.com/office/drawing/2014/main" id="{72CC9338-5995-AE80-CBF4-5D519018238C}"/>
+              </a:ext>
+            </a:extLst>
+          </p:cNvPr>
+          <p:cNvSpPr/>
+          <p:nvPr/>
+        </p:nvSpPr>
+        <p:spPr>
+          <a:xfrm>
+            <a:off x="548640" y="4602480"/>
+            <a:ext cx="10007600" cy="1791057"/>
+          </a:xfrm>
+          <a:prstGeom prst="roundRect">
+            <a:avLst/>
+          </a:prstGeom>
+          <a:noFill/>
+          <a:ln w="9525" cap="flat" cmpd="sng" algn="ctr">
+            <a:solidFill>
+              <a:schemeClr val="dk1"/>
+            </a:solidFill>
+            <a:prstDash val="solid"/>
+            <a:round/>
+            <a:headEnd type="none" w="med" len="med"/>
+            <a:tailEnd type="none" w="med" len="med"/>
+          </a:ln>
+        </p:spPr>
+        <p:style>
+          <a:lnRef idx="0">
+            <a:scrgbClr r="0" g="0" b="0"/>
+          </a:lnRef>
+          <a:fillRef idx="0">
+            <a:scrgbClr r="0" g="0" b="0"/>
+          </a:fillRef>
+          <a:effectRef idx="0">
+            <a:scrgbClr r="0" g="0" b="0"/>
+          </a:effectRef>
+          <a:fontRef idx="minor">
+            <a:schemeClr val="dk1"/>
+          </a:fontRef>
+        </p:style>
+        <p:txBody>
+          <a:bodyPr rtlCol="0" anchor="ctr"/>
+          <a:lstStyle/>
+          <a:p>
+            <a:pPr algn="ctr"/>
+            <a:endParaRPr lang="tr-TR"/>
           </a:p>
         </p:txBody>
       </p:sp>
@@ -22428,7 +23428,7 @@
         </p:nvSpPr>
         <p:spPr>
           <a:xfrm>
-            <a:off x="451488" y="4577655"/>
+            <a:off x="698184" y="4836288"/>
             <a:ext cx="10795632" cy="1323439"/>
           </a:xfrm>
           <a:prstGeom prst="rect">
@@ -22501,6 +23501,60 @@
               </a:rPr>
               <a:t>Significant performance boost in tight loops and short-lived operations.</a:t>
             </a:r>
+          </a:p>
+        </p:txBody>
+      </p:sp>
+      <p:sp>
+        <p:nvSpPr>
+          <p:cNvPr id="2" name="Rectangle: Rounded Corners 1">
+            <a:extLst>
+              <a:ext uri="{FF2B5EF4-FFF2-40B4-BE49-F238E27FC236}">
+                <a16:creationId xmlns:a16="http://schemas.microsoft.com/office/drawing/2014/main" id="{B362FBBD-6767-F73D-4D47-550DD0878C7A}"/>
+              </a:ext>
+            </a:extLst>
+          </p:cNvPr>
+          <p:cNvSpPr/>
+          <p:nvPr/>
+        </p:nvSpPr>
+        <p:spPr>
+          <a:xfrm>
+            <a:off x="548640" y="4602480"/>
+            <a:ext cx="10007600" cy="1791057"/>
+          </a:xfrm>
+          <a:prstGeom prst="roundRect">
+            <a:avLst/>
+          </a:prstGeom>
+          <a:noFill/>
+          <a:ln w="9525" cap="flat" cmpd="sng" algn="ctr">
+            <a:solidFill>
+              <a:schemeClr val="dk1"/>
+            </a:solidFill>
+            <a:prstDash val="solid"/>
+            <a:round/>
+            <a:headEnd type="none" w="med" len="med"/>
+            <a:tailEnd type="none" w="med" len="med"/>
+          </a:ln>
+        </p:spPr>
+        <p:style>
+          <a:lnRef idx="0">
+            <a:scrgbClr r="0" g="0" b="0"/>
+          </a:lnRef>
+          <a:fillRef idx="0">
+            <a:scrgbClr r="0" g="0" b="0"/>
+          </a:fillRef>
+          <a:effectRef idx="0">
+            <a:scrgbClr r="0" g="0" b="0"/>
+          </a:effectRef>
+          <a:fontRef idx="minor">
+            <a:schemeClr val="dk1"/>
+          </a:fontRef>
+        </p:style>
+        <p:txBody>
+          <a:bodyPr rtlCol="0" anchor="ctr"/>
+          <a:lstStyle/>
+          <a:p>
+            <a:pPr algn="ctr"/>
+            <a:endParaRPr lang="tr-TR"/>
           </a:p>
         </p:txBody>
       </p:sp>
@@ -22520,14 +23574,6 @@
 <file path=ppt/slides/slide2.xml><?xml version="1.0" encoding="utf-8"?>
 <p:sld xmlns:a="http://schemas.openxmlformats.org/drawingml/2006/main" xmlns:r="http://schemas.openxmlformats.org/officeDocument/2006/relationships" xmlns:p="http://schemas.openxmlformats.org/presentationml/2006/main">
   <p:cSld>
-    <p:bg>
-      <p:bgPr>
-        <a:solidFill>
-          <a:srgbClr val="F3F6FC"/>
-        </a:solidFill>
-        <a:effectLst/>
-      </p:bgPr>
-    </p:bg>
     <p:spTree>
       <p:nvGrpSpPr>
         <p:cNvPr id="1" name=""/>
@@ -22954,7 +24000,7 @@
         </p:nvSpPr>
         <p:spPr>
           <a:xfrm>
-            <a:off x="451488" y="4757599"/>
+            <a:off x="735968" y="4836288"/>
             <a:ext cx="10720064" cy="1323439"/>
           </a:xfrm>
           <a:prstGeom prst="rect">
@@ -23027,6 +24073,60 @@
               </a:rPr>
               <a:t>Cleaner, faster execution of methods using local structs or small lambdas.</a:t>
             </a:r>
+          </a:p>
+        </p:txBody>
+      </p:sp>
+      <p:sp>
+        <p:nvSpPr>
+          <p:cNvPr id="2" name="Rectangle: Rounded Corners 1">
+            <a:extLst>
+              <a:ext uri="{FF2B5EF4-FFF2-40B4-BE49-F238E27FC236}">
+                <a16:creationId xmlns:a16="http://schemas.microsoft.com/office/drawing/2014/main" id="{9D2494D4-C856-45E3-4665-D7DB82F6DE1B}"/>
+              </a:ext>
+            </a:extLst>
+          </p:cNvPr>
+          <p:cNvSpPr/>
+          <p:nvPr/>
+        </p:nvSpPr>
+        <p:spPr>
+          <a:xfrm>
+            <a:off x="548640" y="4602480"/>
+            <a:ext cx="10007600" cy="1791057"/>
+          </a:xfrm>
+          <a:prstGeom prst="roundRect">
+            <a:avLst/>
+          </a:prstGeom>
+          <a:noFill/>
+          <a:ln w="9525" cap="flat" cmpd="sng" algn="ctr">
+            <a:solidFill>
+              <a:schemeClr val="dk1"/>
+            </a:solidFill>
+            <a:prstDash val="solid"/>
+            <a:round/>
+            <a:headEnd type="none" w="med" len="med"/>
+            <a:tailEnd type="none" w="med" len="med"/>
+          </a:ln>
+        </p:spPr>
+        <p:style>
+          <a:lnRef idx="0">
+            <a:scrgbClr r="0" g="0" b="0"/>
+          </a:lnRef>
+          <a:fillRef idx="0">
+            <a:scrgbClr r="0" g="0" b="0"/>
+          </a:fillRef>
+          <a:effectRef idx="0">
+            <a:scrgbClr r="0" g="0" b="0"/>
+          </a:effectRef>
+          <a:fontRef idx="minor">
+            <a:schemeClr val="dk1"/>
+          </a:fontRef>
+        </p:style>
+        <p:txBody>
+          <a:bodyPr rtlCol="0" anchor="ctr"/>
+          <a:lstStyle/>
+          <a:p>
+            <a:pPr algn="ctr"/>
+            <a:endParaRPr lang="tr-TR"/>
           </a:p>
         </p:txBody>
       </p:sp>
@@ -23044,7 +24144,7 @@
 </file>
 
 <file path=ppt/slides/slide21.xml><?xml version="1.0" encoding="utf-8"?>
-<p:sld xmlns:a="http://schemas.openxmlformats.org/drawingml/2006/main" xmlns:r="http://schemas.openxmlformats.org/officeDocument/2006/relationships" xmlns:p="http://schemas.openxmlformats.org/presentationml/2006/main">
+<p:sld xmlns:a="http://schemas.openxmlformats.org/drawingml/2006/main" xmlns:r="http://schemas.openxmlformats.org/officeDocument/2006/relationships" xmlns:p="http://schemas.openxmlformats.org/presentationml/2006/main" show="0">
   <p:cSld>
     <p:bg>
       <p:bgPr>
@@ -23175,7 +24275,7 @@
         <p:spPr>
           <a:xfrm>
             <a:off x="451488" y="2856339"/>
-            <a:ext cx="11080112" cy="1323439"/>
+            <a:ext cx="11080112" cy="830997"/>
           </a:xfrm>
           <a:prstGeom prst="rect">
             <a:avLst/>
@@ -23189,34 +24289,25 @@
           <a:lstStyle/>
           <a:p>
             <a:r>
+              <a:rPr lang="en-US" sz="1600" dirty="0">
+                <a:latin typeface="Poppins" panose="00000500000000000000" pitchFamily="2" charset="-94"/>
+                <a:cs typeface="Poppins" panose="00000500000000000000" pitchFamily="2" charset="-94"/>
+              </a:rPr>
+              <a:t>The garbage collector’s </a:t>
+            </a:r>
+            <a:r>
               <a:rPr lang="en-US" sz="1600" b="1" dirty="0">
                 <a:latin typeface="Poppins" panose="00000500000000000000" pitchFamily="2" charset="-94"/>
                 <a:cs typeface="Poppins" panose="00000500000000000000" pitchFamily="2" charset="-94"/>
               </a:rPr>
-              <a:t>Arm64 Write-Barrier Improvements</a:t>
-            </a:r>
-          </a:p>
-          <a:p>
+              <a:t>write-barrier logic,</a:t>
+            </a:r>
             <a:r>
               <a:rPr lang="en-US" sz="1600" dirty="0">
                 <a:latin typeface="Poppins" panose="00000500000000000000" pitchFamily="2" charset="-94"/>
                 <a:cs typeface="Poppins" panose="00000500000000000000" pitchFamily="2" charset="-94"/>
               </a:rPr>
-              <a:t>The garbage collector’s </a:t>
-            </a:r>
-            <a:r>
-              <a:rPr lang="en-US" sz="1600" b="1" dirty="0">
-                <a:latin typeface="Poppins" panose="00000500000000000000" pitchFamily="2" charset="-94"/>
-                <a:cs typeface="Poppins" panose="00000500000000000000" pitchFamily="2" charset="-94"/>
-              </a:rPr>
-              <a:t>write-barrier logic</a:t>
-            </a:r>
-            <a:r>
-              <a:rPr lang="en-US" sz="1600" dirty="0">
-                <a:latin typeface="Poppins" panose="00000500000000000000" pitchFamily="2" charset="-94"/>
-                <a:cs typeface="Poppins" panose="00000500000000000000" pitchFamily="2" charset="-94"/>
-              </a:rPr>
-              <a:t> (which tracks references between generations) is now smarter on Arm64 processors.</a:t>
+              <a:t> which tracks references between generations, </a:t>
             </a:r>
             <a:br>
               <a:rPr lang="en-US" sz="1600" dirty="0">
@@ -23229,14 +24320,21 @@
                 <a:latin typeface="Poppins" panose="00000500000000000000" pitchFamily="2" charset="-94"/>
                 <a:cs typeface="Poppins" panose="00000500000000000000" pitchFamily="2" charset="-94"/>
               </a:rPr>
+              <a:t>is now smarter on Arm64 processors.</a:t>
+            </a:r>
+            <a:br>
+              <a:rPr lang="en-US" sz="1600" dirty="0">
+                <a:latin typeface="Poppins" panose="00000500000000000000" pitchFamily="2" charset="-94"/>
+                <a:cs typeface="Poppins" panose="00000500000000000000" pitchFamily="2" charset="-94"/>
+              </a:rPr>
+            </a:br>
+            <a:r>
+              <a:rPr lang="en-US" sz="1600" dirty="0">
+                <a:latin typeface="Poppins" panose="00000500000000000000" pitchFamily="2" charset="-94"/>
+                <a:cs typeface="Poppins" panose="00000500000000000000" pitchFamily="2" charset="-94"/>
+              </a:rPr>
               <a:t>It reduces unnecessary scanning of memory regions during GC cycles.</a:t>
             </a:r>
-          </a:p>
-          <a:p>
-            <a:endParaRPr lang="en-US" sz="1600" dirty="0">
-              <a:latin typeface="Poppins" panose="00000500000000000000" pitchFamily="2" charset="-94"/>
-              <a:cs typeface="Poppins" panose="00000500000000000000" pitchFamily="2" charset="-94"/>
-            </a:endParaRPr>
           </a:p>
         </p:txBody>
       </p:sp>
@@ -23254,7 +24352,7 @@
         </p:nvSpPr>
         <p:spPr>
           <a:xfrm>
-            <a:off x="451488" y="4902667"/>
+            <a:off x="695328" y="4836288"/>
             <a:ext cx="10948032" cy="1323439"/>
           </a:xfrm>
           <a:prstGeom prst="rect">
@@ -23341,6 +24439,60 @@
               </a:rPr>
               <a:t>Better .NET performance on ARM-based servers and devices</a:t>
             </a:r>
+          </a:p>
+        </p:txBody>
+      </p:sp>
+      <p:sp>
+        <p:nvSpPr>
+          <p:cNvPr id="2" name="Rectangle: Rounded Corners 1">
+            <a:extLst>
+              <a:ext uri="{FF2B5EF4-FFF2-40B4-BE49-F238E27FC236}">
+                <a16:creationId xmlns:a16="http://schemas.microsoft.com/office/drawing/2014/main" id="{2C73F17B-313F-E683-C594-A416F7407AB3}"/>
+              </a:ext>
+            </a:extLst>
+          </p:cNvPr>
+          <p:cNvSpPr/>
+          <p:nvPr/>
+        </p:nvSpPr>
+        <p:spPr>
+          <a:xfrm>
+            <a:off x="548640" y="4602480"/>
+            <a:ext cx="10007600" cy="1791057"/>
+          </a:xfrm>
+          <a:prstGeom prst="roundRect">
+            <a:avLst/>
+          </a:prstGeom>
+          <a:noFill/>
+          <a:ln w="9525" cap="flat" cmpd="sng" algn="ctr">
+            <a:solidFill>
+              <a:schemeClr val="dk1"/>
+            </a:solidFill>
+            <a:prstDash val="solid"/>
+            <a:round/>
+            <a:headEnd type="none" w="med" len="med"/>
+            <a:tailEnd type="none" w="med" len="med"/>
+          </a:ln>
+        </p:spPr>
+        <p:style>
+          <a:lnRef idx="0">
+            <a:scrgbClr r="0" g="0" b="0"/>
+          </a:lnRef>
+          <a:fillRef idx="0">
+            <a:scrgbClr r="0" g="0" b="0"/>
+          </a:fillRef>
+          <a:effectRef idx="0">
+            <a:scrgbClr r="0" g="0" b="0"/>
+          </a:effectRef>
+          <a:fontRef idx="minor">
+            <a:schemeClr val="dk1"/>
+          </a:fontRef>
+        </p:style>
+        <p:txBody>
+          <a:bodyPr rtlCol="0" anchor="ctr"/>
+          <a:lstStyle/>
+          <a:p>
+            <a:pPr algn="ctr"/>
+            <a:endParaRPr lang="tr-TR"/>
           </a:p>
         </p:txBody>
       </p:sp>
@@ -23375,7 +24527,13 @@
     </p:bg>
     <p:spTree>
       <p:nvGrpSpPr>
-        <p:cNvPr id="1" name="Shape 191"/>
+        <p:cNvPr id="1" name="Shape 191">
+          <a:extLst>
+            <a:ext uri="{FF2B5EF4-FFF2-40B4-BE49-F238E27FC236}">
+              <a16:creationId xmlns:a16="http://schemas.microsoft.com/office/drawing/2014/main" id="{26A494BC-757C-503C-E601-7F2357379746}"/>
+            </a:ext>
+          </a:extLst>
+        </p:cNvPr>
         <p:cNvGrpSpPr/>
         <p:nvPr/>
       </p:nvGrpSpPr>
@@ -23392,7 +24550,7 @@
           <p:cNvPr id="3" name="TextBox 2">
             <a:extLst>
               <a:ext uri="{FF2B5EF4-FFF2-40B4-BE49-F238E27FC236}">
-                <a16:creationId xmlns:a16="http://schemas.microsoft.com/office/drawing/2014/main" id="{00B756D3-8C86-4ABC-A910-4917C7D2F996}"/>
+                <a16:creationId xmlns:a16="http://schemas.microsoft.com/office/drawing/2014/main" id="{34B14B31-CA9A-BC15-3D14-13AFCBBC304E}"/>
               </a:ext>
             </a:extLst>
           </p:cNvPr>
@@ -23401,8 +24559,8 @@
         </p:nvSpPr>
         <p:spPr>
           <a:xfrm>
-            <a:off x="0" y="1274137"/>
-            <a:ext cx="12263120" cy="5447645"/>
+            <a:off x="0" y="867737"/>
+            <a:ext cx="12192000" cy="4770537"/>
           </a:xfrm>
           <a:prstGeom prst="rect">
             <a:avLst/>
@@ -23417,17 +24575,63 @@
           <a:p>
             <a:pPr algn="ctr"/>
             <a:r>
-              <a:rPr lang="en-US" sz="4000" b="1" u="sng" dirty="0">
-                <a:solidFill>
-                  <a:srgbClr val="292D33"/>
-                </a:solidFill>
+              <a:rPr lang="en-US" sz="4000" b="1" dirty="0">
+                <a:ln/>
+                <a:pattFill prst="dkUpDiag">
+                  <a:fgClr>
+                    <a:schemeClr val="bg1">
+                      <a:lumMod val="50000"/>
+                    </a:schemeClr>
+                  </a:fgClr>
+                  <a:bgClr>
+                    <a:schemeClr val="tx1">
+                      <a:lumMod val="75000"/>
+                      <a:lumOff val="25000"/>
+                    </a:schemeClr>
+                  </a:bgClr>
+                </a:pattFill>
+                <a:effectLst>
+                  <a:outerShdw blurRad="38100" dist="19050" dir="2700000" algn="tl" rotWithShape="0">
+                    <a:schemeClr val="dk1">
+                      <a:lumMod val="50000"/>
+                      <a:alpha val="40000"/>
+                    </a:schemeClr>
+                  </a:outerShdw>
+                </a:effectLst>
                 <a:latin typeface="Lexend"/>
                 <a:ea typeface="Lexend"/>
                 <a:cs typeface="Lexend"/>
                 <a:sym typeface="Lexend"/>
               </a:rPr>
-              <a:t>Black Friday Discount </a:t>
-            </a:r>
+              <a:t>BLACK FRIDAY DISCOUNT</a:t>
+            </a:r>
+            <a:endParaRPr lang="tr-TR" sz="4000" b="1" dirty="0">
+              <a:ln/>
+              <a:pattFill prst="dkUpDiag">
+                <a:fgClr>
+                  <a:schemeClr val="bg1">
+                    <a:lumMod val="50000"/>
+                  </a:schemeClr>
+                </a:fgClr>
+                <a:bgClr>
+                  <a:schemeClr val="tx1">
+                    <a:lumMod val="75000"/>
+                    <a:lumOff val="25000"/>
+                  </a:schemeClr>
+                </a:bgClr>
+              </a:pattFill>
+              <a:effectLst>
+                <a:outerShdw blurRad="38100" dist="19050" dir="2700000" algn="tl" rotWithShape="0">
+                  <a:schemeClr val="dk1">
+                    <a:lumMod val="50000"/>
+                    <a:alpha val="40000"/>
+                  </a:schemeClr>
+                </a:outerShdw>
+              </a:effectLst>
+            </a:endParaRPr>
+          </a:p>
+          <a:p>
+            <a:pPr algn="ctr"/>
             <a:br>
               <a:rPr lang="en-US" sz="4000" b="1" dirty="0">
                 <a:solidFill>
@@ -23440,7 +24644,7 @@
               </a:rPr>
             </a:br>
             <a:r>
-              <a:rPr lang="en-US" sz="4000" dirty="0">
+              <a:rPr lang="en-US" sz="3200" b="1" dirty="0">
                 <a:solidFill>
                   <a:srgbClr val="292D33"/>
                 </a:solidFill>
@@ -23449,13 +24653,13 @@
                 <a:cs typeface="Lexend"/>
                 <a:sym typeface="Lexend"/>
               </a:rPr>
-              <a:t>valid until </a:t>
+              <a:t>When?</a:t>
             </a:r>
           </a:p>
           <a:p>
             <a:pPr algn="ctr"/>
             <a:r>
-              <a:rPr lang="en-US" sz="4000" b="1" dirty="0">
+              <a:rPr lang="en-US" sz="3200" dirty="0">
                 <a:solidFill>
                   <a:srgbClr val="292D33"/>
                 </a:solidFill>
@@ -23464,10 +24668,10 @@
                 <a:cs typeface="Lexend"/>
                 <a:sym typeface="Lexend"/>
               </a:rPr>
-              <a:t>1</a:t>
-            </a:r>
-            <a:r>
-              <a:rPr lang="en-US" sz="4000" b="1" baseline="30000" dirty="0">
+              <a:t>Starts: 2025-11-24 Ends: 2025-12-01</a:t>
+            </a:r>
+            <a:br>
+              <a:rPr lang="en-US" sz="3200" dirty="0">
                 <a:solidFill>
                   <a:srgbClr val="292D33"/>
                 </a:solidFill>
@@ -23476,10 +24680,21 @@
                 <a:cs typeface="Lexend"/>
                 <a:sym typeface="Lexend"/>
               </a:rPr>
-              <a:t>st</a:t>
-            </a:r>
-            <a:r>
-              <a:rPr lang="en-US" sz="4000" b="1" dirty="0">
+            </a:br>
+            <a:endParaRPr lang="en-US" sz="3200" dirty="0">
+              <a:solidFill>
+                <a:srgbClr val="292D33"/>
+              </a:solidFill>
+              <a:latin typeface="Lexend"/>
+              <a:ea typeface="Lexend"/>
+              <a:cs typeface="Lexend"/>
+              <a:sym typeface="Lexend"/>
+            </a:endParaRPr>
+          </a:p>
+          <a:p>
+            <a:pPr algn="ctr"/>
+            <a:r>
+              <a:rPr lang="en-US" sz="3200" b="1" dirty="0">
                 <a:solidFill>
                   <a:srgbClr val="292D33"/>
                 </a:solidFill>
@@ -23488,78 +24703,221 @@
                 <a:cs typeface="Lexend"/>
                 <a:sym typeface="Lexend"/>
               </a:rPr>
-              <a:t> December 2025</a:t>
-            </a:r>
+              <a:t>What’s Included?</a:t>
+            </a:r>
+            <a:endParaRPr lang="en-US" sz="3200" dirty="0">
+              <a:solidFill>
+                <a:srgbClr val="292D33"/>
+              </a:solidFill>
+              <a:latin typeface="Lexend"/>
+              <a:ea typeface="Lexend"/>
+              <a:cs typeface="Lexend"/>
+              <a:sym typeface="Lexend"/>
+            </a:endParaRPr>
           </a:p>
           <a:p>
             <a:pPr algn="ctr"/>
             <a:r>
-              <a:rPr lang="en-US" sz="4000" dirty="0">
+              <a:rPr lang="en-US" sz="3200" dirty="0">
                 <a:solidFill>
                   <a:srgbClr val="292D33"/>
                 </a:solidFill>
+                <a:latin typeface="Lexend"/>
+                <a:sym typeface="Lexend"/>
+              </a:rPr>
+              <a:t>New license purchase </a:t>
+            </a:r>
+            <a:br>
+              <a:rPr lang="en-US" sz="3200" dirty="0">
+                <a:solidFill>
+                  <a:srgbClr val="292D33"/>
+                </a:solidFill>
+                <a:latin typeface="Lexend"/>
+                <a:sym typeface="Lexend"/>
+              </a:rPr>
+            </a:br>
+            <a:r>
+              <a:rPr lang="en-US" sz="3200" dirty="0">
+                <a:solidFill>
+                  <a:srgbClr val="292D33"/>
+                </a:solidFill>
+                <a:latin typeface="Lexend"/>
+                <a:sym typeface="Lexend"/>
+              </a:rPr>
+              <a:t>Existing license renewals </a:t>
+            </a:r>
+            <a:br>
+              <a:rPr lang="en-US" sz="3200" dirty="0">
+                <a:solidFill>
+                  <a:srgbClr val="292D33"/>
+                </a:solidFill>
+                <a:latin typeface="Lexend"/>
+                <a:sym typeface="Lexend"/>
+              </a:rPr>
+            </a:br>
+            <a:r>
+              <a:rPr lang="en-US" sz="3200" dirty="0">
+                <a:solidFill>
+                  <a:srgbClr val="292D33"/>
+                </a:solidFill>
+                <a:latin typeface="Lexend"/>
+                <a:sym typeface="Lexend"/>
+              </a:rPr>
+              <a:t>Extra developer seats</a:t>
+            </a:r>
+            <a:endParaRPr lang="en-US" sz="3200" dirty="0"/>
+          </a:p>
+        </p:txBody>
+      </p:sp>
+      <p:cxnSp>
+        <p:nvCxnSpPr>
+          <p:cNvPr id="4" name="Straight Connector 3">
+            <a:extLst>
+              <a:ext uri="{FF2B5EF4-FFF2-40B4-BE49-F238E27FC236}">
+                <a16:creationId xmlns:a16="http://schemas.microsoft.com/office/drawing/2014/main" id="{2E38C070-9ADD-CF04-592D-692907A97149}"/>
+              </a:ext>
+            </a:extLst>
+          </p:cNvPr>
+          <p:cNvCxnSpPr/>
+          <p:nvPr/>
+        </p:nvCxnSpPr>
+        <p:spPr>
+          <a:xfrm>
+            <a:off x="426720" y="3327400"/>
+            <a:ext cx="11338560" cy="0"/>
+          </a:xfrm>
+          <a:prstGeom prst="line">
+            <a:avLst/>
+          </a:prstGeom>
+        </p:spPr>
+        <p:style>
+          <a:lnRef idx="1">
+            <a:schemeClr val="dk1"/>
+          </a:lnRef>
+          <a:fillRef idx="0">
+            <a:schemeClr val="dk1"/>
+          </a:fillRef>
+          <a:effectRef idx="0">
+            <a:schemeClr val="dk1"/>
+          </a:effectRef>
+          <a:fontRef idx="minor">
+            <a:schemeClr val="tx1"/>
+          </a:fontRef>
+        </p:style>
+      </p:cxnSp>
+    </p:spTree>
+    <p:extLst>
+      <p:ext uri="{BB962C8B-B14F-4D97-AF65-F5344CB8AC3E}">
+        <p14:creationId xmlns:p14="http://schemas.microsoft.com/office/powerpoint/2010/main" val="3759482579"/>
+      </p:ext>
+    </p:extLst>
+  </p:cSld>
+  <p:clrMapOvr>
+    <a:masterClrMapping/>
+  </p:clrMapOvr>
+</p:sld>
+</file>
+
+<file path=ppt/slides/slide23.xml><?xml version="1.0" encoding="utf-8"?>
+<p:sld xmlns:a="http://schemas.openxmlformats.org/drawingml/2006/main" xmlns:r="http://schemas.openxmlformats.org/officeDocument/2006/relationships" xmlns:p="http://schemas.openxmlformats.org/presentationml/2006/main">
+  <p:cSld>
+    <p:bg>
+      <p:bgPr>
+        <a:blipFill>
+          <a:blip r:embed="rId3">
+            <a:alphaModFix/>
+          </a:blip>
+          <a:stretch>
+            <a:fillRect/>
+          </a:stretch>
+        </a:blipFill>
+        <a:effectLst/>
+      </p:bgPr>
+    </p:bg>
+    <p:spTree>
+      <p:nvGrpSpPr>
+        <p:cNvPr id="1" name="Shape 191">
+          <a:extLst>
+            <a:ext uri="{FF2B5EF4-FFF2-40B4-BE49-F238E27FC236}">
+              <a16:creationId xmlns:a16="http://schemas.microsoft.com/office/drawing/2014/main" id="{FA00270C-27EC-81C9-CBC8-99AD487C3873}"/>
+            </a:ext>
+          </a:extLst>
+        </p:cNvPr>
+        <p:cNvGrpSpPr/>
+        <p:nvPr/>
+      </p:nvGrpSpPr>
+      <p:grpSpPr>
+        <a:xfrm>
+          <a:off x="0" y="0"/>
+          <a:ext cx="0" cy="0"/>
+          <a:chOff x="0" y="0"/>
+          <a:chExt cx="0" cy="0"/>
+        </a:xfrm>
+      </p:grpSpPr>
+      <p:sp>
+        <p:nvSpPr>
+          <p:cNvPr id="3" name="TextBox 2">
+            <a:extLst>
+              <a:ext uri="{FF2B5EF4-FFF2-40B4-BE49-F238E27FC236}">
+                <a16:creationId xmlns:a16="http://schemas.microsoft.com/office/drawing/2014/main" id="{2F349CC6-E0FF-E902-E054-5DC2A1FDECB1}"/>
+              </a:ext>
+            </a:extLst>
+          </p:cNvPr>
+          <p:cNvSpPr txBox="1"/>
+          <p:nvPr/>
+        </p:nvSpPr>
+        <p:spPr>
+          <a:xfrm>
+            <a:off x="172720" y="227657"/>
+            <a:ext cx="11938000" cy="5755422"/>
+          </a:xfrm>
+          <a:prstGeom prst="rect">
+            <a:avLst/>
+          </a:prstGeom>
+          <a:noFill/>
+        </p:spPr>
+        <p:txBody>
+          <a:bodyPr wrap="square">
+            <a:spAutoFit/>
+          </a:bodyPr>
+          <a:lstStyle/>
+          <a:p>
+            <a:pPr algn="ctr"/>
+            <a:r>
+              <a:rPr lang="en-US" sz="4000" b="1" dirty="0">
+                <a:ln/>
+                <a:pattFill prst="dkUpDiag">
+                  <a:fgClr>
+                    <a:schemeClr val="bg1">
+                      <a:lumMod val="50000"/>
+                    </a:schemeClr>
+                  </a:fgClr>
+                  <a:bgClr>
+                    <a:schemeClr val="tx1">
+                      <a:lumMod val="75000"/>
+                      <a:lumOff val="25000"/>
+                    </a:schemeClr>
+                  </a:bgClr>
+                </a:pattFill>
+                <a:effectLst>
+                  <a:outerShdw blurRad="38100" dist="19050" dir="2700000" algn="tl" rotWithShape="0">
+                    <a:schemeClr val="dk1">
+                      <a:lumMod val="50000"/>
+                      <a:alpha val="40000"/>
+                    </a:schemeClr>
+                  </a:outerShdw>
+                </a:effectLst>
                 <a:latin typeface="Lexend"/>
                 <a:ea typeface="Lexend"/>
                 <a:cs typeface="Lexend"/>
                 <a:sym typeface="Lexend"/>
               </a:rPr>
-              <a:t>including</a:t>
+              <a:t>ABP REFERRAL PROGRAM</a:t>
             </a:r>
           </a:p>
           <a:p>
             <a:pPr algn="ctr"/>
-            <a:r>
-              <a:rPr lang="en-US" sz="3600" b="1" dirty="0">
-                <a:solidFill>
-                  <a:srgbClr val="292D33"/>
-                </a:solidFill>
-                <a:latin typeface="Lexend"/>
-                <a:sym typeface="Lexend"/>
-              </a:rPr>
-              <a:t>+ New license purchase </a:t>
-            </a:r>
             <a:br>
-              <a:rPr lang="en-US" sz="3600" b="1" dirty="0">
-                <a:solidFill>
-                  <a:srgbClr val="292D33"/>
-                </a:solidFill>
-                <a:latin typeface="Lexend"/>
-                <a:sym typeface="Lexend"/>
-              </a:rPr>
-            </a:br>
-            <a:r>
-              <a:rPr lang="en-US" sz="3600" b="1" dirty="0">
-                <a:solidFill>
-                  <a:srgbClr val="292D33"/>
-                </a:solidFill>
-                <a:latin typeface="Lexend"/>
-                <a:sym typeface="Lexend"/>
-              </a:rPr>
-              <a:t>+ License renewals </a:t>
-            </a:r>
-            <a:br>
-              <a:rPr lang="en-US" sz="3600" b="1" dirty="0">
-                <a:solidFill>
-                  <a:srgbClr val="292D33"/>
-                </a:solidFill>
-                <a:latin typeface="Lexend"/>
-                <a:sym typeface="Lexend"/>
-              </a:rPr>
-            </a:br>
-            <a:r>
-              <a:rPr lang="en-US" sz="3600" b="1" dirty="0">
-                <a:solidFill>
-                  <a:srgbClr val="292D33"/>
-                </a:solidFill>
-                <a:latin typeface="Lexend"/>
-                <a:sym typeface="Lexend"/>
-              </a:rPr>
-              <a:t>+ Extra developer seats</a:t>
-            </a:r>
-          </a:p>
-          <a:p>
-            <a:pPr algn="ctr"/>
-            <a:r>
               <a:rPr lang="en-US" sz="4000" b="1" dirty="0">
                 <a:solidFill>
                   <a:srgbClr val="292D33"/>
@@ -23569,16 +24927,264 @@
                 <a:cs typeface="Lexend"/>
                 <a:sym typeface="Lexend"/>
               </a:rPr>
-              <a:t> </a:t>
+            </a:br>
+            <a:r>
+              <a:rPr lang="en-US" sz="3200" b="1" dirty="0">
+                <a:solidFill>
+                  <a:srgbClr val="292D33"/>
+                </a:solidFill>
+                <a:latin typeface="Lexend"/>
+                <a:ea typeface="Lexend"/>
+                <a:cs typeface="Lexend"/>
+                <a:sym typeface="Lexend"/>
+              </a:rPr>
+              <a:t>Who can apply? </a:t>
             </a:r>
           </a:p>
           <a:p>
             <a:pPr algn="ctr"/>
-            <a:endParaRPr lang="en-US" sz="4000" dirty="0"/>
+            <a:r>
+              <a:rPr lang="en-US" sz="3200" dirty="0">
+                <a:solidFill>
+                  <a:srgbClr val="292D33"/>
+                </a:solidFill>
+                <a:latin typeface="Lexend"/>
+                <a:ea typeface="Lexend"/>
+                <a:cs typeface="Lexend"/>
+                <a:sym typeface="Lexend"/>
+              </a:rPr>
+              <a:t>ABP customers with past or active license holders</a:t>
+            </a:r>
+            <a:br>
+              <a:rPr lang="en-US" sz="3200" dirty="0">
+                <a:solidFill>
+                  <a:srgbClr val="292D33"/>
+                </a:solidFill>
+                <a:latin typeface="Lexend"/>
+                <a:ea typeface="Lexend"/>
+                <a:cs typeface="Lexend"/>
+                <a:sym typeface="Lexend"/>
+              </a:rPr>
+            </a:br>
+            <a:endParaRPr lang="en-US" sz="3200" dirty="0">
+              <a:solidFill>
+                <a:srgbClr val="292D33"/>
+              </a:solidFill>
+              <a:latin typeface="Lexend"/>
+              <a:ea typeface="Lexend"/>
+              <a:cs typeface="Lexend"/>
+              <a:sym typeface="Lexend"/>
+            </a:endParaRPr>
+          </a:p>
+          <a:p>
+            <a:pPr algn="ctr"/>
+            <a:r>
+              <a:rPr lang="en-US" sz="3200" b="1" dirty="0">
+                <a:solidFill>
+                  <a:srgbClr val="292D33"/>
+                </a:solidFill>
+                <a:latin typeface="Lexend"/>
+                <a:ea typeface="Lexend"/>
+                <a:cs typeface="Lexend"/>
+                <a:sym typeface="Lexend"/>
+              </a:rPr>
+              <a:t>Reward</a:t>
+            </a:r>
+            <a:endParaRPr lang="en-US" sz="3200" dirty="0">
+              <a:solidFill>
+                <a:srgbClr val="292D33"/>
+              </a:solidFill>
+              <a:latin typeface="Lexend"/>
+              <a:ea typeface="Lexend"/>
+              <a:cs typeface="Lexend"/>
+              <a:sym typeface="Lexend"/>
+            </a:endParaRPr>
+          </a:p>
+          <a:p>
+            <a:pPr algn="ctr"/>
+            <a:r>
+              <a:rPr lang="en-US" sz="3200" dirty="0">
+                <a:solidFill>
+                  <a:srgbClr val="292D33"/>
+                </a:solidFill>
+                <a:latin typeface="Lexend"/>
+                <a:ea typeface="Lexend"/>
+                <a:cs typeface="Lexend"/>
+                <a:sym typeface="Lexend"/>
+              </a:rPr>
+              <a:t>5% commission from total amount of purchase</a:t>
+            </a:r>
+            <a:br>
+              <a:rPr lang="en-US" sz="3200" dirty="0">
+                <a:solidFill>
+                  <a:srgbClr val="292D33"/>
+                </a:solidFill>
+                <a:latin typeface="Lexend"/>
+                <a:ea typeface="Lexend"/>
+                <a:cs typeface="Lexend"/>
+                <a:sym typeface="Lexend"/>
+              </a:rPr>
+            </a:br>
+            <a:endParaRPr lang="en-US" sz="3200" dirty="0">
+              <a:solidFill>
+                <a:srgbClr val="292D33"/>
+              </a:solidFill>
+              <a:latin typeface="Lexend"/>
+              <a:ea typeface="Lexend"/>
+              <a:cs typeface="Lexend"/>
+              <a:sym typeface="Lexend"/>
+            </a:endParaRPr>
+          </a:p>
+          <a:p>
+            <a:pPr algn="ctr"/>
+            <a:r>
+              <a:rPr lang="en-US" sz="3200" b="1" dirty="0">
+                <a:solidFill>
+                  <a:srgbClr val="292D33"/>
+                </a:solidFill>
+                <a:latin typeface="Lexend"/>
+                <a:ea typeface="Lexend"/>
+                <a:cs typeface="Lexend"/>
+                <a:sym typeface="Lexend"/>
+              </a:rPr>
+              <a:t>Limitations (2)</a:t>
+            </a:r>
+          </a:p>
+          <a:p>
+            <a:pPr algn="ctr"/>
+            <a:r>
+              <a:rPr lang="en-US" sz="3200" b="1" dirty="0">
+                <a:solidFill>
+                  <a:srgbClr val="292D33"/>
+                </a:solidFill>
+                <a:latin typeface="Lexend"/>
+                <a:ea typeface="Lexend"/>
+                <a:cs typeface="Lexend"/>
+                <a:sym typeface="Lexend"/>
+              </a:rPr>
+              <a:t>1.</a:t>
+            </a:r>
+            <a:r>
+              <a:rPr lang="en-US" sz="3200" dirty="0">
+                <a:solidFill>
+                  <a:srgbClr val="292D33"/>
+                </a:solidFill>
+                <a:latin typeface="Lexend"/>
+                <a:ea typeface="Lexend"/>
+                <a:cs typeface="Lexend"/>
+                <a:sym typeface="Lexend"/>
+              </a:rPr>
+              <a:t> Cannot refer your own company</a:t>
+            </a:r>
+          </a:p>
+          <a:p>
+            <a:pPr algn="ctr"/>
+            <a:r>
+              <a:rPr lang="en-US" sz="3200" b="1" dirty="0">
+                <a:solidFill>
+                  <a:srgbClr val="292D33"/>
+                </a:solidFill>
+                <a:latin typeface="Lexend"/>
+                <a:ea typeface="Lexend"/>
+                <a:cs typeface="Lexend"/>
+                <a:sym typeface="Lexend"/>
+              </a:rPr>
+              <a:t>2. </a:t>
+            </a:r>
+            <a:r>
+              <a:rPr lang="en-US" sz="3200" dirty="0">
+                <a:solidFill>
+                  <a:srgbClr val="292D33"/>
+                </a:solidFill>
+                <a:latin typeface="Lexend"/>
+                <a:ea typeface="Lexend"/>
+                <a:cs typeface="Lexend"/>
+                <a:sym typeface="Lexend"/>
+              </a:rPr>
+              <a:t>Applies only to new purchases (not renewals)</a:t>
+            </a:r>
+            <a:endParaRPr lang="en-US" sz="3200" dirty="0"/>
           </a:p>
         </p:txBody>
       </p:sp>
+      <p:cxnSp>
+        <p:nvCxnSpPr>
+          <p:cNvPr id="4" name="Straight Connector 3">
+            <a:extLst>
+              <a:ext uri="{FF2B5EF4-FFF2-40B4-BE49-F238E27FC236}">
+                <a16:creationId xmlns:a16="http://schemas.microsoft.com/office/drawing/2014/main" id="{5248C4F6-0B0D-957F-1E4B-A9104ACD4CBC}"/>
+              </a:ext>
+            </a:extLst>
+          </p:cNvPr>
+          <p:cNvCxnSpPr/>
+          <p:nvPr/>
+        </p:nvCxnSpPr>
+        <p:spPr>
+          <a:xfrm>
+            <a:off x="406400" y="2763520"/>
+            <a:ext cx="11338560" cy="0"/>
+          </a:xfrm>
+          <a:prstGeom prst="line">
+            <a:avLst/>
+          </a:prstGeom>
+        </p:spPr>
+        <p:style>
+          <a:lnRef idx="1">
+            <a:schemeClr val="dk1"/>
+          </a:lnRef>
+          <a:fillRef idx="0">
+            <a:schemeClr val="dk1"/>
+          </a:fillRef>
+          <a:effectRef idx="0">
+            <a:schemeClr val="dk1"/>
+          </a:effectRef>
+          <a:fontRef idx="minor">
+            <a:schemeClr val="tx1"/>
+          </a:fontRef>
+        </p:style>
+      </p:cxnSp>
+      <p:cxnSp>
+        <p:nvCxnSpPr>
+          <p:cNvPr id="5" name="Straight Connector 4">
+            <a:extLst>
+              <a:ext uri="{FF2B5EF4-FFF2-40B4-BE49-F238E27FC236}">
+                <a16:creationId xmlns:a16="http://schemas.microsoft.com/office/drawing/2014/main" id="{783CCD6C-392A-F6BC-C8E8-0592E0366184}"/>
+              </a:ext>
+            </a:extLst>
+          </p:cNvPr>
+          <p:cNvCxnSpPr/>
+          <p:nvPr/>
+        </p:nvCxnSpPr>
+        <p:spPr>
+          <a:xfrm>
+            <a:off x="426720" y="4277360"/>
+            <a:ext cx="11338560" cy="0"/>
+          </a:xfrm>
+          <a:prstGeom prst="line">
+            <a:avLst/>
+          </a:prstGeom>
+        </p:spPr>
+        <p:style>
+          <a:lnRef idx="1">
+            <a:schemeClr val="dk1"/>
+          </a:lnRef>
+          <a:fillRef idx="0">
+            <a:schemeClr val="dk1"/>
+          </a:fillRef>
+          <a:effectRef idx="0">
+            <a:schemeClr val="dk1"/>
+          </a:effectRef>
+          <a:fontRef idx="minor">
+            <a:schemeClr val="tx1"/>
+          </a:fontRef>
+        </p:style>
+      </p:cxnSp>
     </p:spTree>
+    <p:extLst>
+      <p:ext uri="{BB962C8B-B14F-4D97-AF65-F5344CB8AC3E}">
+        <p14:creationId xmlns:p14="http://schemas.microsoft.com/office/powerpoint/2010/main" val="3923955890"/>
+      </p:ext>
+    </p:extLst>
   </p:cSld>
   <p:clrMapOvr>
     <a:masterClrMapping/>
@@ -23742,7 +25348,7 @@
 </file>
 
 <file path=ppt/slides/slide4.xml><?xml version="1.0" encoding="utf-8"?>
-<p:sld xmlns:a="http://schemas.openxmlformats.org/drawingml/2006/main" xmlns:r="http://schemas.openxmlformats.org/officeDocument/2006/relationships" xmlns:p="http://schemas.openxmlformats.org/presentationml/2006/main">
+<p:sld xmlns:a="http://schemas.openxmlformats.org/drawingml/2006/main" xmlns:r="http://schemas.openxmlformats.org/officeDocument/2006/relationships" xmlns:p="http://schemas.openxmlformats.org/presentationml/2006/main" show="0">
   <p:cSld>
     <p:bg>
       <p:bgPr>
@@ -23781,7 +25387,7 @@
         <p:spPr>
           <a:xfrm>
             <a:off x="451488" y="464463"/>
-            <a:ext cx="10720064" cy="1661953"/>
+            <a:ext cx="10720064" cy="1138733"/>
           </a:xfrm>
           <a:prstGeom prst="rect">
             <a:avLst/>
@@ -23853,7 +25459,7 @@
                 <a:cs typeface="Lexend"/>
                 <a:sym typeface="Lexend"/>
               </a:rPr>
-              <a:t>Cryptography: Post-Quantum Cryptography (PQC)</a:t>
+              <a:t>Post-Quantum Cryptography</a:t>
             </a:r>
           </a:p>
         </p:txBody>
@@ -23874,7 +25480,7 @@
         </p:nvSpPr>
         <p:spPr bwMode="auto">
           <a:xfrm>
-            <a:off x="451488" y="2798980"/>
+            <a:off x="451488" y="2347014"/>
             <a:ext cx="10720064" cy="1569660"/>
           </a:xfrm>
           <a:prstGeom prst="rect">
@@ -24064,7 +25670,26 @@
                 <a:latin typeface="Poppins" panose="00000500000000000000" pitchFamily="2" charset="-94"/>
                 <a:cs typeface="Poppins" panose="00000500000000000000" pitchFamily="2" charset="-94"/>
               </a:rPr>
-              <a:t> types and are available when the OS supports PQC (OpenSSL 3.5+ or Windows CNG).</a:t>
+              <a:t> types.</a:t>
+            </a:r>
+            <a:br>
+              <a:rPr lang="en-US" altLang="en-US" sz="1600" dirty="0">
+                <a:solidFill>
+                  <a:schemeClr val="tx1"/>
+                </a:solidFill>
+                <a:latin typeface="Poppins" panose="00000500000000000000" pitchFamily="2" charset="-94"/>
+                <a:cs typeface="Poppins" panose="00000500000000000000" pitchFamily="2" charset="-94"/>
+              </a:rPr>
+            </a:br>
+            <a:r>
+              <a:rPr lang="en-US" altLang="en-US" sz="1600" dirty="0">
+                <a:solidFill>
+                  <a:schemeClr val="tx1"/>
+                </a:solidFill>
+                <a:latin typeface="Poppins" panose="00000500000000000000" pitchFamily="2" charset="-94"/>
+                <a:cs typeface="Poppins" panose="00000500000000000000" pitchFamily="2" charset="-94"/>
+              </a:rPr>
+              <a:t>These are available when the OS supports PQC (OpenSSL 3.5+ or Windows CNG).</a:t>
             </a:r>
           </a:p>
           <a:p>
@@ -24112,7 +25737,7 @@
         </p:nvSpPr>
         <p:spPr>
           <a:xfrm>
-            <a:off x="451488" y="4800526"/>
+            <a:off x="638816" y="4800527"/>
             <a:ext cx="10720064" cy="1323439"/>
           </a:xfrm>
           <a:prstGeom prst="rect">
@@ -24261,6 +25886,60 @@
               </a:rPr>
               <a:t>Keeps .NET aligned with emerging FIPS standards.</a:t>
             </a:r>
+          </a:p>
+        </p:txBody>
+      </p:sp>
+      <p:sp>
+        <p:nvSpPr>
+          <p:cNvPr id="3" name="Rectangle: Rounded Corners 2">
+            <a:extLst>
+              <a:ext uri="{FF2B5EF4-FFF2-40B4-BE49-F238E27FC236}">
+                <a16:creationId xmlns:a16="http://schemas.microsoft.com/office/drawing/2014/main" id="{A89A345E-25FC-041B-3A57-DE8B6082E4D0}"/>
+              </a:ext>
+            </a:extLst>
+          </p:cNvPr>
+          <p:cNvSpPr/>
+          <p:nvPr/>
+        </p:nvSpPr>
+        <p:spPr>
+          <a:xfrm>
+            <a:off x="451488" y="4602480"/>
+            <a:ext cx="10007600" cy="1791057"/>
+          </a:xfrm>
+          <a:prstGeom prst="roundRect">
+            <a:avLst/>
+          </a:prstGeom>
+          <a:noFill/>
+          <a:ln w="9525" cap="flat" cmpd="sng" algn="ctr">
+            <a:solidFill>
+              <a:schemeClr val="dk1"/>
+            </a:solidFill>
+            <a:prstDash val="solid"/>
+            <a:round/>
+            <a:headEnd type="none" w="med" len="med"/>
+            <a:tailEnd type="none" w="med" len="med"/>
+          </a:ln>
+        </p:spPr>
+        <p:style>
+          <a:lnRef idx="0">
+            <a:scrgbClr r="0" g="0" b="0"/>
+          </a:lnRef>
+          <a:fillRef idx="0">
+            <a:scrgbClr r="0" g="0" b="0"/>
+          </a:fillRef>
+          <a:effectRef idx="0">
+            <a:scrgbClr r="0" g="0" b="0"/>
+          </a:effectRef>
+          <a:fontRef idx="minor">
+            <a:schemeClr val="dk1"/>
+          </a:fontRef>
+        </p:style>
+        <p:txBody>
+          <a:bodyPr rtlCol="0" anchor="ctr"/>
+          <a:lstStyle/>
+          <a:p>
+            <a:pPr algn="ctr"/>
+            <a:endParaRPr lang="tr-TR"/>
           </a:p>
         </p:txBody>
       </p:sp>
@@ -24408,7 +26087,7 @@
         </p:nvSpPr>
         <p:spPr>
           <a:xfrm>
-            <a:off x="451488" y="4770046"/>
+            <a:off x="687392" y="4836288"/>
             <a:ext cx="10720064" cy="1323439"/>
           </a:xfrm>
           <a:prstGeom prst="rect">
@@ -24634,8 +26313,8 @@
         </p:nvSpPr>
         <p:spPr>
           <a:xfrm>
-            <a:off x="451488" y="2844225"/>
-            <a:ext cx="11191872" cy="584775"/>
+            <a:off x="500064" y="2320740"/>
+            <a:ext cx="11191872" cy="338554"/>
           </a:xfrm>
           <a:prstGeom prst="rect">
             <a:avLst/>
@@ -24649,13 +26328,6 @@
           <a:lstStyle/>
           <a:p>
             <a:r>
-              <a:rPr lang="en-US" sz="1600" b="1" dirty="0">
-                <a:latin typeface="Poppins" panose="00000500000000000000" pitchFamily="2" charset="-94"/>
-                <a:cs typeface="Poppins" panose="00000500000000000000" pitchFamily="2" charset="-94"/>
-              </a:rPr>
-              <a:t>A long-requested feature: </a:t>
-            </a:r>
-            <a:r>
               <a:rPr lang="en-US" sz="1600" dirty="0">
                 <a:latin typeface="Poppins" panose="00000500000000000000" pitchFamily="2" charset="-94"/>
                 <a:cs typeface="Poppins" panose="00000500000000000000" pitchFamily="2" charset="-94"/>
@@ -24663,17 +26335,92 @@
               <a:t>.NET 10 introduces numeric-aware string comparison.</a:t>
             </a:r>
           </a:p>
+        </p:txBody>
+      </p:sp>
+      <p:sp>
+        <p:nvSpPr>
+          <p:cNvPr id="2" name="Rectangle: Rounded Corners 1">
+            <a:extLst>
+              <a:ext uri="{FF2B5EF4-FFF2-40B4-BE49-F238E27FC236}">
+                <a16:creationId xmlns:a16="http://schemas.microsoft.com/office/drawing/2014/main" id="{1FED13F7-DB0F-0162-6A5E-CCAF2F891EDD}"/>
+              </a:ext>
+            </a:extLst>
+          </p:cNvPr>
+          <p:cNvSpPr/>
+          <p:nvPr/>
+        </p:nvSpPr>
+        <p:spPr>
+          <a:xfrm>
+            <a:off x="451488" y="4602480"/>
+            <a:ext cx="10007600" cy="1791057"/>
+          </a:xfrm>
+          <a:prstGeom prst="roundRect">
+            <a:avLst/>
+          </a:prstGeom>
+          <a:noFill/>
+          <a:ln w="9525" cap="flat" cmpd="sng" algn="ctr">
+            <a:solidFill>
+              <a:schemeClr val="dk1"/>
+            </a:solidFill>
+            <a:prstDash val="solid"/>
+            <a:round/>
+            <a:headEnd type="none" w="med" len="med"/>
+            <a:tailEnd type="none" w="med" len="med"/>
+          </a:ln>
+        </p:spPr>
+        <p:style>
+          <a:lnRef idx="0">
+            <a:scrgbClr r="0" g="0" b="0"/>
+          </a:lnRef>
+          <a:fillRef idx="0">
+            <a:scrgbClr r="0" g="0" b="0"/>
+          </a:fillRef>
+          <a:effectRef idx="0">
+            <a:scrgbClr r="0" g="0" b="0"/>
+          </a:effectRef>
+          <a:fontRef idx="minor">
+            <a:schemeClr val="dk1"/>
+          </a:fontRef>
+        </p:style>
+        <p:txBody>
+          <a:bodyPr rtlCol="0" anchor="ctr"/>
+          <a:lstStyle/>
           <a:p>
-            <a:r>
-              <a:rPr lang="en-US" sz="1600" dirty="0">
-                <a:latin typeface="Poppins" panose="00000500000000000000" pitchFamily="2" charset="-94"/>
-                <a:cs typeface="Poppins" panose="00000500000000000000" pitchFamily="2" charset="-94"/>
-              </a:rPr>
-              <a:t>Now, "2" correctly sorts before "10", and "02" equals "2".</a:t>
-            </a:r>
+            <a:pPr algn="ctr"/>
+            <a:endParaRPr lang="tr-TR"/>
           </a:p>
         </p:txBody>
       </p:sp>
+      <p:pic>
+        <p:nvPicPr>
+          <p:cNvPr id="11" name="Picture 10">
+            <a:extLst>
+              <a:ext uri="{FF2B5EF4-FFF2-40B4-BE49-F238E27FC236}">
+                <a16:creationId xmlns:a16="http://schemas.microsoft.com/office/drawing/2014/main" id="{0A2459F2-D18C-C6EE-86E0-7F557BFA107A}"/>
+              </a:ext>
+            </a:extLst>
+          </p:cNvPr>
+          <p:cNvPicPr>
+            <a:picLocks noChangeAspect="1"/>
+          </p:cNvPicPr>
+          <p:nvPr/>
+        </p:nvPicPr>
+        <p:blipFill>
+          <a:blip r:embed="rId4"/>
+          <a:stretch>
+            <a:fillRect/>
+          </a:stretch>
+        </p:blipFill>
+        <p:spPr>
+          <a:xfrm>
+            <a:off x="568963" y="2943225"/>
+            <a:ext cx="9772650" cy="971550"/>
+          </a:xfrm>
+          <a:prstGeom prst="rect">
+            <a:avLst/>
+          </a:prstGeom>
+        </p:spPr>
+      </p:pic>
     </p:spTree>
     <p:extLst>
       <p:ext uri="{BB962C8B-B14F-4D97-AF65-F5344CB8AC3E}">
@@ -24818,7 +26565,7 @@
         </p:nvSpPr>
         <p:spPr>
           <a:xfrm>
-            <a:off x="548640" y="4692581"/>
+            <a:off x="735968" y="4836288"/>
             <a:ext cx="10720064" cy="1323439"/>
           </a:xfrm>
           <a:prstGeom prst="rect">
@@ -24984,7 +26731,7 @@
         </p:nvSpPr>
         <p:spPr>
           <a:xfrm>
-            <a:off x="548640" y="2724807"/>
+            <a:off x="452752" y="1960752"/>
             <a:ext cx="11003280" cy="830997"/>
           </a:xfrm>
           <a:prstGeom prst="rect">
@@ -25062,6 +26809,90 @@
           </a:p>
         </p:txBody>
       </p:sp>
+      <p:sp>
+        <p:nvSpPr>
+          <p:cNvPr id="2" name="Rectangle: Rounded Corners 1">
+            <a:extLst>
+              <a:ext uri="{FF2B5EF4-FFF2-40B4-BE49-F238E27FC236}">
+                <a16:creationId xmlns:a16="http://schemas.microsoft.com/office/drawing/2014/main" id="{D8A94BAE-2732-9606-6EFB-ADC665AF3B7B}"/>
+              </a:ext>
+            </a:extLst>
+          </p:cNvPr>
+          <p:cNvSpPr/>
+          <p:nvPr/>
+        </p:nvSpPr>
+        <p:spPr>
+          <a:xfrm>
+            <a:off x="548640" y="4602480"/>
+            <a:ext cx="10007600" cy="1791057"/>
+          </a:xfrm>
+          <a:prstGeom prst="roundRect">
+            <a:avLst/>
+          </a:prstGeom>
+          <a:noFill/>
+          <a:ln w="9525" cap="flat" cmpd="sng" algn="ctr">
+            <a:solidFill>
+              <a:schemeClr val="dk1"/>
+            </a:solidFill>
+            <a:prstDash val="solid"/>
+            <a:round/>
+            <a:headEnd type="none" w="med" len="med"/>
+            <a:tailEnd type="none" w="med" len="med"/>
+          </a:ln>
+        </p:spPr>
+        <p:style>
+          <a:lnRef idx="0">
+            <a:scrgbClr r="0" g="0" b="0"/>
+          </a:lnRef>
+          <a:fillRef idx="0">
+            <a:scrgbClr r="0" g="0" b="0"/>
+          </a:fillRef>
+          <a:effectRef idx="0">
+            <a:scrgbClr r="0" g="0" b="0"/>
+          </a:effectRef>
+          <a:fontRef idx="minor">
+            <a:schemeClr val="dk1"/>
+          </a:fontRef>
+        </p:style>
+        <p:txBody>
+          <a:bodyPr rtlCol="0" anchor="ctr"/>
+          <a:lstStyle/>
+          <a:p>
+            <a:pPr algn="ctr"/>
+            <a:endParaRPr lang="tr-TR"/>
+          </a:p>
+        </p:txBody>
+      </p:sp>
+      <p:pic>
+        <p:nvPicPr>
+          <p:cNvPr id="4" name="Picture 3">
+            <a:extLst>
+              <a:ext uri="{FF2B5EF4-FFF2-40B4-BE49-F238E27FC236}">
+                <a16:creationId xmlns:a16="http://schemas.microsoft.com/office/drawing/2014/main" id="{1175A08B-D9E6-058E-EFD7-52733DE5DEF6}"/>
+              </a:ext>
+            </a:extLst>
+          </p:cNvPr>
+          <p:cNvPicPr>
+            <a:picLocks noChangeAspect="1"/>
+          </p:cNvPicPr>
+          <p:nvPr/>
+        </p:nvPicPr>
+        <p:blipFill>
+          <a:blip r:embed="rId4"/>
+          <a:stretch>
+            <a:fillRect/>
+          </a:stretch>
+        </p:blipFill>
+        <p:spPr>
+          <a:xfrm>
+            <a:off x="548640" y="3022744"/>
+            <a:ext cx="6762750" cy="1409700"/>
+          </a:xfrm>
+          <a:prstGeom prst="rect">
+            <a:avLst/>
+          </a:prstGeom>
+        </p:spPr>
+      </p:pic>
     </p:spTree>
     <p:extLst>
       <p:ext uri="{BB962C8B-B14F-4D97-AF65-F5344CB8AC3E}">
@@ -25206,7 +27037,7 @@
         </p:nvSpPr>
         <p:spPr>
           <a:xfrm>
-            <a:off x="451488" y="4688766"/>
+            <a:off x="744864" y="4836288"/>
             <a:ext cx="10720064" cy="1323439"/>
           </a:xfrm>
           <a:prstGeom prst="rect">
@@ -25372,7 +27203,7 @@
         </p:nvSpPr>
         <p:spPr>
           <a:xfrm>
-            <a:off x="451488" y="2771616"/>
+            <a:off x="451488" y="2123276"/>
             <a:ext cx="11013440" cy="584775"/>
           </a:xfrm>
           <a:prstGeom prst="rect">
@@ -25438,6 +27269,90 @@
           </a:p>
         </p:txBody>
       </p:sp>
+      <p:sp>
+        <p:nvSpPr>
+          <p:cNvPr id="2" name="Rectangle: Rounded Corners 1">
+            <a:extLst>
+              <a:ext uri="{FF2B5EF4-FFF2-40B4-BE49-F238E27FC236}">
+                <a16:creationId xmlns:a16="http://schemas.microsoft.com/office/drawing/2014/main" id="{D914435E-2931-338D-3781-6053B54A100B}"/>
+              </a:ext>
+            </a:extLst>
+          </p:cNvPr>
+          <p:cNvSpPr/>
+          <p:nvPr/>
+        </p:nvSpPr>
+        <p:spPr>
+          <a:xfrm>
+            <a:off x="548640" y="4602480"/>
+            <a:ext cx="10007600" cy="1791057"/>
+          </a:xfrm>
+          <a:prstGeom prst="roundRect">
+            <a:avLst/>
+          </a:prstGeom>
+          <a:noFill/>
+          <a:ln w="9525" cap="flat" cmpd="sng" algn="ctr">
+            <a:solidFill>
+              <a:schemeClr val="dk1"/>
+            </a:solidFill>
+            <a:prstDash val="solid"/>
+            <a:round/>
+            <a:headEnd type="none" w="med" len="med"/>
+            <a:tailEnd type="none" w="med" len="med"/>
+          </a:ln>
+        </p:spPr>
+        <p:style>
+          <a:lnRef idx="0">
+            <a:scrgbClr r="0" g="0" b="0"/>
+          </a:lnRef>
+          <a:fillRef idx="0">
+            <a:scrgbClr r="0" g="0" b="0"/>
+          </a:fillRef>
+          <a:effectRef idx="0">
+            <a:scrgbClr r="0" g="0" b="0"/>
+          </a:effectRef>
+          <a:fontRef idx="minor">
+            <a:schemeClr val="dk1"/>
+          </a:fontRef>
+        </p:style>
+        <p:txBody>
+          <a:bodyPr rtlCol="0" anchor="ctr"/>
+          <a:lstStyle/>
+          <a:p>
+            <a:pPr algn="ctr"/>
+            <a:endParaRPr lang="tr-TR"/>
+          </a:p>
+        </p:txBody>
+      </p:sp>
+      <p:pic>
+        <p:nvPicPr>
+          <p:cNvPr id="4" name="Picture 3">
+            <a:extLst>
+              <a:ext uri="{FF2B5EF4-FFF2-40B4-BE49-F238E27FC236}">
+                <a16:creationId xmlns:a16="http://schemas.microsoft.com/office/drawing/2014/main" id="{59D6A7B4-499F-5FD8-C629-82D08FC314A8}"/>
+              </a:ext>
+            </a:extLst>
+          </p:cNvPr>
+          <p:cNvPicPr>
+            <a:picLocks noChangeAspect="1"/>
+          </p:cNvPicPr>
+          <p:nvPr/>
+        </p:nvPicPr>
+        <p:blipFill>
+          <a:blip r:embed="rId4"/>
+          <a:stretch>
+            <a:fillRect/>
+          </a:stretch>
+        </p:blipFill>
+        <p:spPr>
+          <a:xfrm>
+            <a:off x="548640" y="2941861"/>
+            <a:ext cx="5686425" cy="1295400"/>
+          </a:xfrm>
+          <a:prstGeom prst="rect">
+            <a:avLst/>
+          </a:prstGeom>
+        </p:spPr>
+      </p:pic>
     </p:spTree>
     <p:extLst>
       <p:ext uri="{BB962C8B-B14F-4D97-AF65-F5344CB8AC3E}">
@@ -25582,7 +27497,7 @@
         </p:nvSpPr>
         <p:spPr>
           <a:xfrm>
-            <a:off x="451488" y="4800526"/>
+            <a:off x="735968" y="4906692"/>
             <a:ext cx="10720064" cy="1323439"/>
           </a:xfrm>
           <a:prstGeom prst="rect">
@@ -25701,17 +27616,37 @@
                 <a:latin typeface="Poppins" panose="00000500000000000000" pitchFamily="2" charset="-94"/>
                 <a:cs typeface="Poppins" panose="00000500000000000000" pitchFamily="2" charset="-94"/>
               </a:rPr>
-              <a:t>Easy integration with `</a:t>
-            </a:r>
-            <a:r>
-              <a:rPr lang="en-US" altLang="en-US" sz="1600" dirty="0" err="1">
+              <a:t>Easy integration with </a:t>
+            </a:r>
+            <a:r>
+              <a:rPr lang="en-US" altLang="en-US" sz="1600" i="1" dirty="0" err="1">
+                <a:solidFill>
+                  <a:schemeClr val="tx1"/>
+                </a:solidFill>
+                <a:latin typeface="Consolas" panose="020B0609020204030204" pitchFamily="49" charset="0"/>
+                <a:cs typeface="Poppins" panose="00000500000000000000" pitchFamily="2" charset="-94"/>
+              </a:rPr>
+              <a:t>StreamReader</a:t>
+            </a:r>
+            <a:r>
+              <a:rPr lang="en-US" altLang="en-US" sz="1600" dirty="0">
                 <a:solidFill>
                   <a:schemeClr val="tx1"/>
                 </a:solidFill>
                 <a:latin typeface="Poppins" panose="00000500000000000000" pitchFamily="2" charset="-94"/>
                 <a:cs typeface="Poppins" panose="00000500000000000000" pitchFamily="2" charset="-94"/>
               </a:rPr>
-              <a:t>StreamReader</a:t>
+              <a:t>, </a:t>
+            </a:r>
+            <a:r>
+              <a:rPr lang="en-US" altLang="en-US" sz="1600" i="1" dirty="0" err="1">
+                <a:solidFill>
+                  <a:schemeClr val="tx1"/>
+                </a:solidFill>
+                <a:latin typeface="Consolas" panose="020B0609020204030204" pitchFamily="49" charset="0"/>
+                <a:cs typeface="Poppins" panose="00000500000000000000" pitchFamily="2" charset="-94"/>
+              </a:rPr>
+              <a:t>JsonSerializer</a:t>
             </a:r>
             <a:r>
               <a:rPr lang="en-US" altLang="en-US" sz="1600" dirty="0">
@@ -25721,27 +27656,7 @@
                 <a:latin typeface="Poppins" panose="00000500000000000000" pitchFamily="2" charset="-94"/>
                 <a:cs typeface="Poppins" panose="00000500000000000000" pitchFamily="2" charset="-94"/>
               </a:rPr>
-              <a:t>`, `</a:t>
-            </a:r>
-            <a:r>
-              <a:rPr lang="en-US" altLang="en-US" sz="1600" dirty="0" err="1">
-                <a:solidFill>
-                  <a:schemeClr val="tx1"/>
-                </a:solidFill>
-                <a:latin typeface="Poppins" panose="00000500000000000000" pitchFamily="2" charset="-94"/>
-                <a:cs typeface="Poppins" panose="00000500000000000000" pitchFamily="2" charset="-94"/>
-              </a:rPr>
-              <a:t>JsonSerializer</a:t>
-            </a:r>
-            <a:r>
-              <a:rPr lang="en-US" altLang="en-US" sz="1600" dirty="0">
-                <a:solidFill>
-                  <a:schemeClr val="tx1"/>
-                </a:solidFill>
-                <a:latin typeface="Poppins" panose="00000500000000000000" pitchFamily="2" charset="-94"/>
-                <a:cs typeface="Poppins" panose="00000500000000000000" pitchFamily="2" charset="-94"/>
-              </a:rPr>
-              <a:t>`, and binary serializers.</a:t>
+              <a:t>, and binary serializers.</a:t>
             </a:r>
           </a:p>
           <a:p>
@@ -25788,7 +27703,7 @@
         </p:nvSpPr>
         <p:spPr>
           <a:xfrm>
-            <a:off x="451488" y="2728893"/>
+            <a:off x="451488" y="1684024"/>
             <a:ext cx="11649072" cy="584775"/>
           </a:xfrm>
           <a:prstGeom prst="rect">
@@ -25807,25 +27722,150 @@
                 <a:latin typeface="Poppins" panose="00000500000000000000" pitchFamily="2" charset="-94"/>
                 <a:cs typeface="Poppins" panose="00000500000000000000" pitchFamily="2" charset="-94"/>
               </a:rPr>
-              <a:t>ZIP file handling now supports full async I/O — including create, extract, open, and update </a:t>
-            </a:r>
-            <a:r>
-              <a:rPr lang="en-US" sz="1600" dirty="0" err="1">
-                <a:latin typeface="Poppins" panose="00000500000000000000" pitchFamily="2" charset="-94"/>
+              <a:t>ZIP file handling now supports full </a:t>
+            </a:r>
+            <a:r>
+              <a:rPr lang="en-US" sz="1600" i="1" dirty="0">
+                <a:latin typeface="Consolas" panose="020B0609020204030204" pitchFamily="49" charset="0"/>
                 <a:cs typeface="Poppins" panose="00000500000000000000" pitchFamily="2" charset="-94"/>
               </a:rPr>
-              <a:t>operations.All</a:t>
+              <a:t>async</a:t>
             </a:r>
             <a:r>
               <a:rPr lang="en-US" sz="1600" dirty="0">
                 <a:latin typeface="Poppins" panose="00000500000000000000" pitchFamily="2" charset="-94"/>
                 <a:cs typeface="Poppins" panose="00000500000000000000" pitchFamily="2" charset="-94"/>
               </a:rPr>
-              <a:t> new APIs follow async patterns and support cancellation tokens.</a:t>
+              <a:t> including create, extract, open and update operations.</a:t>
+            </a:r>
+            <a:br>
+              <a:rPr lang="en-US" sz="1600" dirty="0">
+                <a:latin typeface="Poppins" panose="00000500000000000000" pitchFamily="2" charset="-94"/>
+                <a:cs typeface="Poppins" panose="00000500000000000000" pitchFamily="2" charset="-94"/>
+              </a:rPr>
+            </a:br>
+            <a:r>
+              <a:rPr lang="en-US" sz="1600" dirty="0">
+                <a:latin typeface="Poppins" panose="00000500000000000000" pitchFamily="2" charset="-94"/>
+                <a:cs typeface="Poppins" panose="00000500000000000000" pitchFamily="2" charset="-94"/>
+              </a:rPr>
+              <a:t>All new APIs follow </a:t>
+            </a:r>
+            <a:r>
+              <a:rPr lang="en-US" sz="1600" i="1" dirty="0">
+                <a:latin typeface="Consolas" panose="020B0609020204030204" pitchFamily="49" charset="0"/>
+                <a:cs typeface="Poppins" panose="00000500000000000000" pitchFamily="2" charset="-94"/>
+              </a:rPr>
+              <a:t>async</a:t>
+            </a:r>
+            <a:r>
+              <a:rPr lang="en-US" sz="1600" dirty="0">
+                <a:latin typeface="Poppins" panose="00000500000000000000" pitchFamily="2" charset="-94"/>
+                <a:cs typeface="Poppins" panose="00000500000000000000" pitchFamily="2" charset="-94"/>
+              </a:rPr>
+              <a:t> patterns and support </a:t>
+            </a:r>
+            <a:r>
+              <a:rPr lang="en-US" sz="1600" i="1" dirty="0" err="1">
+                <a:latin typeface="Consolas" panose="020B0609020204030204" pitchFamily="49" charset="0"/>
+                <a:cs typeface="Poppins" panose="00000500000000000000" pitchFamily="2" charset="-94"/>
+              </a:rPr>
+              <a:t>CancellationToken</a:t>
+            </a:r>
+            <a:r>
+              <a:rPr lang="en-US" sz="1600" dirty="0">
+                <a:latin typeface="Poppins" panose="00000500000000000000" pitchFamily="2" charset="-94"/>
+                <a:cs typeface="Poppins" panose="00000500000000000000" pitchFamily="2" charset="-94"/>
+              </a:rPr>
+              <a:t>.</a:t>
             </a:r>
           </a:p>
         </p:txBody>
       </p:sp>
+      <p:sp>
+        <p:nvSpPr>
+          <p:cNvPr id="2" name="Rectangle: Rounded Corners 1">
+            <a:extLst>
+              <a:ext uri="{FF2B5EF4-FFF2-40B4-BE49-F238E27FC236}">
+                <a16:creationId xmlns:a16="http://schemas.microsoft.com/office/drawing/2014/main" id="{51EE5417-8099-2C50-102C-CF3C8540D9C2}"/>
+              </a:ext>
+            </a:extLst>
+          </p:cNvPr>
+          <p:cNvSpPr/>
+          <p:nvPr/>
+        </p:nvSpPr>
+        <p:spPr>
+          <a:xfrm>
+            <a:off x="548640" y="4668518"/>
+            <a:ext cx="10007600" cy="1791057"/>
+          </a:xfrm>
+          <a:prstGeom prst="roundRect">
+            <a:avLst/>
+          </a:prstGeom>
+          <a:noFill/>
+          <a:ln w="9525" cap="flat" cmpd="sng" algn="ctr">
+            <a:solidFill>
+              <a:schemeClr val="dk1"/>
+            </a:solidFill>
+            <a:prstDash val="solid"/>
+            <a:round/>
+            <a:headEnd type="none" w="med" len="med"/>
+            <a:tailEnd type="none" w="med" len="med"/>
+          </a:ln>
+        </p:spPr>
+        <p:style>
+          <a:lnRef idx="0">
+            <a:scrgbClr r="0" g="0" b="0"/>
+          </a:lnRef>
+          <a:fillRef idx="0">
+            <a:scrgbClr r="0" g="0" b="0"/>
+          </a:fillRef>
+          <a:effectRef idx="0">
+            <a:scrgbClr r="0" g="0" b="0"/>
+          </a:effectRef>
+          <a:fontRef idx="minor">
+            <a:schemeClr val="dk1"/>
+          </a:fontRef>
+        </p:style>
+        <p:txBody>
+          <a:bodyPr rtlCol="0" anchor="ctr"/>
+          <a:lstStyle/>
+          <a:p>
+            <a:pPr algn="ctr"/>
+            <a:endParaRPr lang="tr-TR"/>
+          </a:p>
+        </p:txBody>
+      </p:sp>
+      <p:pic>
+        <p:nvPicPr>
+          <p:cNvPr id="4" name="Picture 3">
+            <a:extLst>
+              <a:ext uri="{FF2B5EF4-FFF2-40B4-BE49-F238E27FC236}">
+                <a16:creationId xmlns:a16="http://schemas.microsoft.com/office/drawing/2014/main" id="{F28AFC3B-1876-56E3-711F-DD52DAA27822}"/>
+              </a:ext>
+            </a:extLst>
+          </p:cNvPr>
+          <p:cNvPicPr>
+            <a:picLocks noChangeAspect="1"/>
+          </p:cNvPicPr>
+          <p:nvPr/>
+        </p:nvPicPr>
+        <p:blipFill>
+          <a:blip r:embed="rId4"/>
+          <a:stretch>
+            <a:fillRect/>
+          </a:stretch>
+        </p:blipFill>
+        <p:spPr>
+          <a:xfrm>
+            <a:off x="548640" y="2316888"/>
+            <a:ext cx="6299200" cy="2224223"/>
+          </a:xfrm>
+          <a:prstGeom prst="rect">
+            <a:avLst/>
+          </a:prstGeom>
+        </p:spPr>
+      </p:pic>
     </p:spTree>
     <p:extLst>
       <p:ext uri="{BB962C8B-B14F-4D97-AF65-F5344CB8AC3E}">
@@ -25982,7 +28022,7 @@
         </p:nvSpPr>
         <p:spPr>
           <a:xfrm>
-            <a:off x="451488" y="4709086"/>
+            <a:off x="735968" y="4836288"/>
             <a:ext cx="10720064" cy="1323439"/>
           </a:xfrm>
           <a:prstGeom prst="rect">
@@ -26177,7 +28217,7 @@
                 <a:latin typeface="Poppins" panose="00000500000000000000" pitchFamily="2" charset="-94"/>
                 <a:cs typeface="Poppins" panose="00000500000000000000" pitchFamily="2" charset="-94"/>
               </a:rPr>
-              <a:t>Reading, writing, and extracting </a:t>
+              <a:t>Reading, writing and extracting </a:t>
             </a:r>
             <a:r>
               <a:rPr lang="en-US" sz="1600" b="1" dirty="0">
@@ -26220,6 +28260,60 @@
               </a:rPr>
               <a:t>Parallel extraction and reduced memory pressure significantly speed up large archive operations.</a:t>
             </a:r>
+          </a:p>
+        </p:txBody>
+      </p:sp>
+      <p:sp>
+        <p:nvSpPr>
+          <p:cNvPr id="2" name="Rectangle: Rounded Corners 1">
+            <a:extLst>
+              <a:ext uri="{FF2B5EF4-FFF2-40B4-BE49-F238E27FC236}">
+                <a16:creationId xmlns:a16="http://schemas.microsoft.com/office/drawing/2014/main" id="{A1CE128D-7BC2-5BC5-8ABC-2E846AF6C71F}"/>
+              </a:ext>
+            </a:extLst>
+          </p:cNvPr>
+          <p:cNvSpPr/>
+          <p:nvPr/>
+        </p:nvSpPr>
+        <p:spPr>
+          <a:xfrm>
+            <a:off x="548640" y="4602480"/>
+            <a:ext cx="10007600" cy="1791057"/>
+          </a:xfrm>
+          <a:prstGeom prst="roundRect">
+            <a:avLst/>
+          </a:prstGeom>
+          <a:noFill/>
+          <a:ln w="9525" cap="flat" cmpd="sng" algn="ctr">
+            <a:solidFill>
+              <a:schemeClr val="dk1"/>
+            </a:solidFill>
+            <a:prstDash val="solid"/>
+            <a:round/>
+            <a:headEnd type="none" w="med" len="med"/>
+            <a:tailEnd type="none" w="med" len="med"/>
+          </a:ln>
+        </p:spPr>
+        <p:style>
+          <a:lnRef idx="0">
+            <a:scrgbClr r="0" g="0" b="0"/>
+          </a:lnRef>
+          <a:fillRef idx="0">
+            <a:scrgbClr r="0" g="0" b="0"/>
+          </a:fillRef>
+          <a:effectRef idx="0">
+            <a:scrgbClr r="0" g="0" b="0"/>
+          </a:effectRef>
+          <a:fontRef idx="minor">
+            <a:schemeClr val="dk1"/>
+          </a:fontRef>
+        </p:style>
+        <p:txBody>
+          <a:bodyPr rtlCol="0" anchor="ctr"/>
+          <a:lstStyle/>
+          <a:p>
+            <a:pPr algn="ctr"/>
+            <a:endParaRPr lang="tr-TR"/>
           </a:p>
         </p:txBody>
       </p:sp>

--- a/abp-community-talks-2025.09.pptx
+++ b/abp-community-talks-2025.09.pptx
@@ -5,66 +5,67 @@
     <p:sldMasterId id="2147483648" r:id="rId1"/>
   </p:sldMasterIdLst>
   <p:notesMasterIdLst>
-    <p:notesMasterId r:id="rId25"/>
+    <p:notesMasterId r:id="rId26"/>
   </p:notesMasterIdLst>
   <p:sldIdLst>
     <p:sldId id="256" r:id="rId2"/>
-    <p:sldId id="303" r:id="rId3"/>
-    <p:sldId id="302" r:id="rId4"/>
-    <p:sldId id="299" r:id="rId5"/>
-    <p:sldId id="290" r:id="rId6"/>
-    <p:sldId id="297" r:id="rId7"/>
-    <p:sldId id="296" r:id="rId8"/>
-    <p:sldId id="295" r:id="rId9"/>
-    <p:sldId id="298" r:id="rId10"/>
-    <p:sldId id="294" r:id="rId11"/>
-    <p:sldId id="293" r:id="rId12"/>
-    <p:sldId id="292" r:id="rId13"/>
-    <p:sldId id="301" r:id="rId14"/>
-    <p:sldId id="257" r:id="rId15"/>
-    <p:sldId id="276" r:id="rId16"/>
-    <p:sldId id="277" r:id="rId17"/>
-    <p:sldId id="282" r:id="rId18"/>
-    <p:sldId id="281" r:id="rId19"/>
-    <p:sldId id="278" r:id="rId20"/>
-    <p:sldId id="280" r:id="rId21"/>
-    <p:sldId id="279" r:id="rId22"/>
-    <p:sldId id="304" r:id="rId23"/>
-    <p:sldId id="305" r:id="rId24"/>
+    <p:sldId id="302" r:id="rId3"/>
+    <p:sldId id="303" r:id="rId4"/>
+    <p:sldId id="307" r:id="rId5"/>
+    <p:sldId id="299" r:id="rId6"/>
+    <p:sldId id="290" r:id="rId7"/>
+    <p:sldId id="297" r:id="rId8"/>
+    <p:sldId id="296" r:id="rId9"/>
+    <p:sldId id="295" r:id="rId10"/>
+    <p:sldId id="298" r:id="rId11"/>
+    <p:sldId id="294" r:id="rId12"/>
+    <p:sldId id="293" r:id="rId13"/>
+    <p:sldId id="292" r:id="rId14"/>
+    <p:sldId id="301" r:id="rId15"/>
+    <p:sldId id="257" r:id="rId16"/>
+    <p:sldId id="276" r:id="rId17"/>
+    <p:sldId id="277" r:id="rId18"/>
+    <p:sldId id="282" r:id="rId19"/>
+    <p:sldId id="281" r:id="rId20"/>
+    <p:sldId id="278" r:id="rId21"/>
+    <p:sldId id="280" r:id="rId22"/>
+    <p:sldId id="279" r:id="rId23"/>
+    <p:sldId id="304" r:id="rId24"/>
+    <p:sldId id="305" r:id="rId25"/>
   </p:sldIdLst>
   <p:sldSz cx="12192000" cy="6858000"/>
   <p:notesSz cx="6858000" cy="9144000"/>
   <p:embeddedFontLst>
     <p:embeddedFont>
       <p:font typeface="Consolas" panose="020B0609020204030204" pitchFamily="49" charset="0"/>
-      <p:regular r:id="rId26"/>
-      <p:bold r:id="rId27"/>
-      <p:italic r:id="rId28"/>
-      <p:boldItalic r:id="rId29"/>
+      <p:regular r:id="rId27"/>
+      <p:bold r:id="rId28"/>
+      <p:italic r:id="rId29"/>
+      <p:boldItalic r:id="rId30"/>
     </p:embeddedFont>
     <p:embeddedFont>
       <p:font typeface="Lexend" panose="020B0604020202020204" charset="-94"/>
-      <p:regular r:id="rId30"/>
-      <p:bold r:id="rId31"/>
+      <p:regular r:id="rId31"/>
+      <p:bold r:id="rId32"/>
     </p:embeddedFont>
     <p:embeddedFont>
       <p:font typeface="Play" panose="020B0604020202020204" charset="0"/>
-      <p:regular r:id="rId32"/>
-      <p:bold r:id="rId33"/>
+      <p:regular r:id="rId33"/>
+      <p:bold r:id="rId34"/>
     </p:embeddedFont>
     <p:embeddedFont>
       <p:font typeface="Poppins" panose="00000500000000000000" pitchFamily="2" charset="-94"/>
-      <p:regular r:id="rId34"/>
-      <p:bold r:id="rId35"/>
-      <p:italic r:id="rId36"/>
-      <p:boldItalic r:id="rId37"/>
+      <p:regular r:id="rId35"/>
+      <p:bold r:id="rId36"/>
+      <p:italic r:id="rId37"/>
+      <p:boldItalic r:id="rId38"/>
     </p:embeddedFont>
     <p:embeddedFont>
       <p:font typeface="Poppins Medium" panose="00000600000000000000" pitchFamily="2" charset="-94"/>
-      <p:regular r:id="rId38"/>
-      <p:bold r:id="rId39"/>
-      <p:italic r:id="rId40"/>
-      <p:boldItalic r:id="rId41"/>
+      <p:regular r:id="rId39"/>
+      <p:bold r:id="rId40"/>
+      <p:italic r:id="rId41"/>
+      <p:boldItalic r:id="rId42"/>
     </p:embeddedFont>
   </p:embeddedFontLst>
   <p:defaultTextStyle>
@@ -301,7 +302,7 @@
       <p15:sldGuideLst xmlns:p15="http://schemas.microsoft.com/office/powerpoint/2012/main"/>
     </p:ext>
     <p:ext uri="GoogleSlidesCustomDataVersion2">
-      <go:slidesCustomData xmlns="" xmlns:mc="http://schemas.openxmlformats.org/markup-compatibility/2006" xmlns:mv="urn:schemas-microsoft-com:mac:vml" xmlns:c="http://schemas.openxmlformats.org/drawingml/2006/chart" xmlns:dgm="http://schemas.openxmlformats.org/drawingml/2006/diagram" xmlns:o="urn:schemas-microsoft-com:office:office" xmlns:v="urn:schemas-microsoft-com:vml" xmlns:pvml="urn:schemas-microsoft-com:office:powerpoint" xmlns:com="http://schemas.openxmlformats.org/drawingml/2006/compatibility" xmlns:p14="http://schemas.microsoft.com/office/powerpoint/2010/main" xmlns:p15="http://schemas.microsoft.com/office/powerpoint/2012/main" xmlns:ahyp="http://schemas.microsoft.com/office/drawing/2018/hyperlinkcolor" xmlns:go="http://customooxmlschemas.google.com/" r:id="rId42" roundtripDataSignature="AMtx7mihNSh0nE7P5bmNZynwZ07PSv3TUg=="/>
+      <go:slidesCustomData xmlns:go="http://customooxmlschemas.google.com/" xmlns:ahyp="http://schemas.microsoft.com/office/drawing/2018/hyperlinkcolor" xmlns:p15="http://schemas.microsoft.com/office/powerpoint/2012/main" xmlns:p14="http://schemas.microsoft.com/office/powerpoint/2010/main" xmlns:com="http://schemas.openxmlformats.org/drawingml/2006/compatibility" xmlns:pvml="urn:schemas-microsoft-com:office:powerpoint" xmlns:v="urn:schemas-microsoft-com:vml" xmlns:o="urn:schemas-microsoft-com:office:office" xmlns:dgm="http://schemas.openxmlformats.org/drawingml/2006/diagram" xmlns:c="http://schemas.openxmlformats.org/drawingml/2006/chart" xmlns:mv="urn:schemas-microsoft-com:mac:vml" xmlns:mc="http://schemas.openxmlformats.org/markup-compatibility/2006" xmlns="" r:id="rId43" roundtripDataSignature="AMtx7mihNSh0nE7P5bmNZynwZ07PSv3TUg=="/>
     </p:ext>
   </p:extLst>
 </p:presentation>
@@ -1946,6 +1947,283 @@
               <a:buNone/>
             </a:pPr>
             <a:r>
+              <a:rPr lang="en-US" sz="1200" b="0" i="0" u="none" strike="noStrike" cap="none" dirty="0" err="1">
+                <a:solidFill>
+                  <a:schemeClr val="dk1"/>
+                </a:solidFill>
+                <a:effectLst/>
+                <a:latin typeface="Arial"/>
+                <a:ea typeface="Arial"/>
+                <a:cs typeface="Arial"/>
+                <a:sym typeface="Arial"/>
+                <a:hlinkClick r:id="rId3"/>
+              </a:rPr>
+              <a:t>ZipArchiveEntry</a:t>
+            </a:r>
+            <a:r>
+              <a:rPr lang="en-US" sz="1200" b="0" i="0" u="none" strike="noStrike" cap="none" dirty="0">
+                <a:solidFill>
+                  <a:schemeClr val="dk1"/>
+                </a:solidFill>
+                <a:effectLst/>
+                <a:latin typeface="Arial"/>
+                <a:ea typeface="Arial"/>
+                <a:cs typeface="Arial"/>
+                <a:sym typeface="Arial"/>
+              </a:rPr>
+              <a:t> instances were loaded into memory and rewritten, which could lead to high memory usage and performance bottlenecks. The optimization reduces memory usage and improves performance by avoiding the need to load all entries into memory.</a:t>
+            </a:r>
+          </a:p>
+          <a:p>
+            <a:pPr marL="0" lvl="0" indent="0" algn="l" rtl="0">
+              <a:lnSpc>
+                <a:spcPct val="150000"/>
+              </a:lnSpc>
+              <a:spcBef>
+                <a:spcPts val="0"/>
+              </a:spcBef>
+              <a:spcAft>
+                <a:spcPts val="0"/>
+              </a:spcAft>
+              <a:buClr>
+                <a:schemeClr val="dk1"/>
+              </a:buClr>
+              <a:buSzPts val="1100"/>
+              <a:buFont typeface="Arial"/>
+              <a:buNone/>
+            </a:pPr>
+            <a:endParaRPr lang="en-US" sz="1200" b="0" i="0" u="none" strike="noStrike" cap="none" dirty="0">
+              <a:solidFill>
+                <a:schemeClr val="dk1"/>
+              </a:solidFill>
+              <a:effectLst/>
+              <a:latin typeface="Arial"/>
+              <a:ea typeface="Poppins"/>
+              <a:cs typeface="Arial"/>
+              <a:sym typeface="Arial"/>
+            </a:endParaRPr>
+          </a:p>
+          <a:p>
+            <a:pPr marL="0" lvl="0" indent="0" algn="l" rtl="0">
+              <a:lnSpc>
+                <a:spcPct val="150000"/>
+              </a:lnSpc>
+              <a:spcBef>
+                <a:spcPts val="0"/>
+              </a:spcBef>
+              <a:spcAft>
+                <a:spcPts val="0"/>
+              </a:spcAft>
+              <a:buClr>
+                <a:schemeClr val="dk1"/>
+              </a:buClr>
+              <a:buSzPts val="1100"/>
+              <a:buFont typeface="Arial"/>
+              <a:buNone/>
+            </a:pPr>
+            <a:r>
+              <a:rPr lang="en-US" sz="1200" b="0" i="0" u="none" strike="noStrike" cap="none" dirty="0">
+                <a:solidFill>
+                  <a:schemeClr val="dk1"/>
+                </a:solidFill>
+                <a:effectLst/>
+                <a:latin typeface="Arial"/>
+                <a:ea typeface="Arial"/>
+                <a:cs typeface="Arial"/>
+                <a:sym typeface="Arial"/>
+              </a:rPr>
+              <a:t>Second, the extraction of </a:t>
+            </a:r>
+            <a:r>
+              <a:rPr lang="en-US" sz="1200" b="0" i="0" u="none" strike="noStrike" cap="none" dirty="0" err="1">
+                <a:solidFill>
+                  <a:schemeClr val="dk1"/>
+                </a:solidFill>
+                <a:effectLst/>
+                <a:latin typeface="Arial"/>
+                <a:ea typeface="Arial"/>
+                <a:cs typeface="Arial"/>
+                <a:sym typeface="Arial"/>
+                <a:hlinkClick r:id="rId4"/>
+              </a:rPr>
+              <a:t>ZipArchive</a:t>
+            </a:r>
+            <a:r>
+              <a:rPr lang="en-US" sz="1200" b="0" i="0" u="none" strike="noStrike" cap="none" dirty="0">
+                <a:solidFill>
+                  <a:schemeClr val="dk1"/>
+                </a:solidFill>
+                <a:effectLst/>
+                <a:latin typeface="Arial"/>
+                <a:ea typeface="Arial"/>
+                <a:cs typeface="Arial"/>
+                <a:sym typeface="Arial"/>
+              </a:rPr>
+              <a:t> entries is now parallelized, and internal data structures are optimized for better memory usage. These improvements address issues related to performance bottlenecks and high memory usage, making </a:t>
+            </a:r>
+            <a:r>
+              <a:rPr lang="en-US" sz="1200" b="0" i="0" u="none" strike="noStrike" cap="none" dirty="0" err="1">
+                <a:solidFill>
+                  <a:schemeClr val="dk1"/>
+                </a:solidFill>
+                <a:effectLst/>
+                <a:latin typeface="Arial"/>
+                <a:ea typeface="Arial"/>
+                <a:cs typeface="Arial"/>
+                <a:sym typeface="Arial"/>
+              </a:rPr>
+              <a:t>ZipArchive</a:t>
+            </a:r>
+            <a:r>
+              <a:rPr lang="en-US" sz="1200" b="0" i="0" u="none" strike="noStrike" cap="none" dirty="0">
+                <a:solidFill>
+                  <a:schemeClr val="dk1"/>
+                </a:solidFill>
+                <a:effectLst/>
+                <a:latin typeface="Arial"/>
+                <a:ea typeface="Arial"/>
+                <a:cs typeface="Arial"/>
+                <a:sym typeface="Arial"/>
+              </a:rPr>
+              <a:t> more efficient and faster, especially when dealing with large archives.</a:t>
+            </a:r>
+            <a:endParaRPr sz="1900" dirty="0">
+              <a:latin typeface="Poppins"/>
+              <a:ea typeface="Poppins"/>
+              <a:cs typeface="Poppins"/>
+              <a:sym typeface="Poppins"/>
+            </a:endParaRPr>
+          </a:p>
+        </p:txBody>
+      </p:sp>
+      <p:sp>
+        <p:nvSpPr>
+          <p:cNvPr id="105" name="Google Shape;105;p2:notes"/>
+          <p:cNvSpPr>
+            <a:spLocks noGrp="1" noRot="1" noChangeAspect="1"/>
+          </p:cNvSpPr>
+          <p:nvPr>
+            <p:ph type="sldImg" idx="2"/>
+          </p:nvPr>
+        </p:nvSpPr>
+        <p:spPr>
+          <a:xfrm>
+            <a:off x="685800" y="1143000"/>
+            <a:ext cx="5486400" cy="3086100"/>
+          </a:xfrm>
+          <a:custGeom>
+            <a:avLst/>
+            <a:gdLst/>
+            <a:ahLst/>
+            <a:cxnLst/>
+            <a:rect l="l" t="t" r="r" b="b"/>
+            <a:pathLst>
+              <a:path w="120000" h="120000" extrusionOk="0">
+                <a:moveTo>
+                  <a:pt x="0" y="0"/>
+                </a:moveTo>
+                <a:lnTo>
+                  <a:pt x="120000" y="0"/>
+                </a:lnTo>
+                <a:lnTo>
+                  <a:pt x="120000" y="120000"/>
+                </a:lnTo>
+                <a:lnTo>
+                  <a:pt x="0" y="120000"/>
+                </a:lnTo>
+                <a:close/>
+              </a:path>
+            </a:pathLst>
+          </a:custGeom>
+          <a:noFill/>
+          <a:ln w="12700" cap="flat" cmpd="sng">
+            <a:solidFill>
+              <a:srgbClr val="000000"/>
+            </a:solidFill>
+            <a:prstDash val="solid"/>
+            <a:round/>
+            <a:headEnd type="none" w="sm" len="sm"/>
+            <a:tailEnd type="none" w="sm" len="sm"/>
+          </a:ln>
+        </p:spPr>
+      </p:sp>
+    </p:spTree>
+    <p:extLst>
+      <p:ext uri="{BB962C8B-B14F-4D97-AF65-F5344CB8AC3E}">
+        <p14:creationId xmlns:p14="http://schemas.microsoft.com/office/powerpoint/2010/main" val="3427814320"/>
+      </p:ext>
+    </p:extLst>
+  </p:cSld>
+  <p:clrMapOvr>
+    <a:masterClrMapping/>
+  </p:clrMapOvr>
+</p:notes>
+</file>
+
+<file path=ppt/notesSlides/notesSlide11.xml><?xml version="1.0" encoding="utf-8"?>
+<p:notes xmlns:a="http://schemas.openxmlformats.org/drawingml/2006/main" xmlns:r="http://schemas.openxmlformats.org/officeDocument/2006/relationships" xmlns:p="http://schemas.openxmlformats.org/presentationml/2006/main" showMasterSp="0" showMasterPhAnim="0">
+  <p:cSld>
+    <p:spTree>
+      <p:nvGrpSpPr>
+        <p:cNvPr id="1" name="Shape 103"/>
+        <p:cNvGrpSpPr/>
+        <p:nvPr/>
+      </p:nvGrpSpPr>
+      <p:grpSpPr>
+        <a:xfrm>
+          <a:off x="0" y="0"/>
+          <a:ext cx="0" cy="0"/>
+          <a:chOff x="0" y="0"/>
+          <a:chExt cx="0" cy="0"/>
+        </a:xfrm>
+      </p:grpSpPr>
+      <p:sp>
+        <p:nvSpPr>
+          <p:cNvPr id="104" name="Google Shape;104;p2:notes"/>
+          <p:cNvSpPr txBox="1">
+            <a:spLocks noGrp="1"/>
+          </p:cNvSpPr>
+          <p:nvPr>
+            <p:ph type="body" idx="1"/>
+          </p:nvPr>
+        </p:nvSpPr>
+        <p:spPr>
+          <a:xfrm>
+            <a:off x="685800" y="4400550"/>
+            <a:ext cx="5486400" cy="3600450"/>
+          </a:xfrm>
+          <a:prstGeom prst="rect">
+            <a:avLst/>
+          </a:prstGeom>
+          <a:noFill/>
+          <a:ln>
+            <a:noFill/>
+          </a:ln>
+        </p:spPr>
+        <p:txBody>
+          <a:bodyPr spcFirstLastPara="1" wrap="square" lIns="91425" tIns="45700" rIns="91425" bIns="45700" anchor="t" anchorCtr="0">
+            <a:noAutofit/>
+          </a:bodyPr>
+          <a:lstStyle/>
+          <a:p>
+            <a:pPr marL="0" lvl="0" indent="0" algn="l" rtl="0">
+              <a:lnSpc>
+                <a:spcPct val="150000"/>
+              </a:lnSpc>
+              <a:spcBef>
+                <a:spcPts val="0"/>
+              </a:spcBef>
+              <a:spcAft>
+                <a:spcPts val="0"/>
+              </a:spcAft>
+              <a:buClr>
+                <a:schemeClr val="dk1"/>
+              </a:buClr>
+              <a:buSzPts val="1100"/>
+              <a:buFont typeface="Arial"/>
+              <a:buNone/>
+            </a:pPr>
+            <a:r>
               <a:rPr lang="tr-TR" sz="1200" b="0" i="0" u="none" strike="noStrike" cap="none" dirty="0">
                 <a:solidFill>
                   <a:schemeClr val="dk1"/>
@@ -2085,7 +2363,7 @@
 </p:notes>
 </file>
 
-<file path=ppt/notesSlides/notesSlide11.xml><?xml version="1.0" encoding="utf-8"?>
+<file path=ppt/notesSlides/notesSlide12.xml><?xml version="1.0" encoding="utf-8"?>
 <p:notes xmlns:a="http://schemas.openxmlformats.org/drawingml/2006/main" xmlns:r="http://schemas.openxmlformats.org/officeDocument/2006/relationships" xmlns:p="http://schemas.openxmlformats.org/presentationml/2006/main" showMasterSp="0" showMasterPhAnim="0">
   <p:cSld>
     <p:spTree>
@@ -2221,7 +2499,7 @@
 </p:notes>
 </file>
 
-<file path=ppt/notesSlides/notesSlide12.xml><?xml version="1.0" encoding="utf-8"?>
+<file path=ppt/notesSlides/notesSlide13.xml><?xml version="1.0" encoding="utf-8"?>
 <p:notes xmlns:a="http://schemas.openxmlformats.org/drawingml/2006/main" xmlns:r="http://schemas.openxmlformats.org/officeDocument/2006/relationships" xmlns:p="http://schemas.openxmlformats.org/presentationml/2006/main" showMasterSp="0" showMasterPhAnim="0">
   <p:cSld>
     <p:spTree>
@@ -2357,7 +2635,7 @@
 </p:notes>
 </file>
 
-<file path=ppt/notesSlides/notesSlide13.xml><?xml version="1.0" encoding="utf-8"?>
+<file path=ppt/notesSlides/notesSlide14.xml><?xml version="1.0" encoding="utf-8"?>
 <p:notes xmlns:a="http://schemas.openxmlformats.org/drawingml/2006/main" xmlns:r="http://schemas.openxmlformats.org/officeDocument/2006/relationships" xmlns:p="http://schemas.openxmlformats.org/presentationml/2006/main" showMasterSp="0" showMasterPhAnim="0">
   <p:cSld>
     <p:spTree>
@@ -2493,7 +2771,7 @@
 </p:notes>
 </file>
 
-<file path=ppt/notesSlides/notesSlide14.xml><?xml version="1.0" encoding="utf-8"?>
+<file path=ppt/notesSlides/notesSlide15.xml><?xml version="1.0" encoding="utf-8"?>
 <p:notes xmlns:a="http://schemas.openxmlformats.org/drawingml/2006/main" xmlns:r="http://schemas.openxmlformats.org/officeDocument/2006/relationships" xmlns:p="http://schemas.openxmlformats.org/presentationml/2006/main" showMasterSp="0" showMasterPhAnim="0">
   <p:cSld>
     <p:spTree>
@@ -2624,7 +2902,7 @@
 </p:notes>
 </file>
 
-<file path=ppt/notesSlides/notesSlide15.xml><?xml version="1.0" encoding="utf-8"?>
+<file path=ppt/notesSlides/notesSlide16.xml><?xml version="1.0" encoding="utf-8"?>
 <p:notes xmlns:a="http://schemas.openxmlformats.org/drawingml/2006/main" xmlns:r="http://schemas.openxmlformats.org/officeDocument/2006/relationships" xmlns:p="http://schemas.openxmlformats.org/presentationml/2006/main" showMasterSp="0" showMasterPhAnim="0">
   <p:cSld>
     <p:spTree>
@@ -2760,7 +3038,7 @@
 </p:notes>
 </file>
 
-<file path=ppt/notesSlides/notesSlide16.xml><?xml version="1.0" encoding="utf-8"?>
+<file path=ppt/notesSlides/notesSlide17.xml><?xml version="1.0" encoding="utf-8"?>
 <p:notes xmlns:a="http://schemas.openxmlformats.org/drawingml/2006/main" xmlns:r="http://schemas.openxmlformats.org/officeDocument/2006/relationships" xmlns:p="http://schemas.openxmlformats.org/presentationml/2006/main" showMasterSp="0" showMasterPhAnim="0">
   <p:cSld>
     <p:spTree>
@@ -2896,7 +3174,7 @@
 </p:notes>
 </file>
 
-<file path=ppt/notesSlides/notesSlide17.xml><?xml version="1.0" encoding="utf-8"?>
+<file path=ppt/notesSlides/notesSlide18.xml><?xml version="1.0" encoding="utf-8"?>
 <p:notes xmlns:a="http://schemas.openxmlformats.org/drawingml/2006/main" xmlns:r="http://schemas.openxmlformats.org/officeDocument/2006/relationships" xmlns:p="http://schemas.openxmlformats.org/presentationml/2006/main" showMasterSp="0" showMasterPhAnim="0">
   <p:cSld>
     <p:spTree>
@@ -3032,7 +3310,7 @@
 </p:notes>
 </file>
 
-<file path=ppt/notesSlides/notesSlide18.xml><?xml version="1.0" encoding="utf-8"?>
+<file path=ppt/notesSlides/notesSlide19.xml><?xml version="1.0" encoding="utf-8"?>
 <p:notes xmlns:a="http://schemas.openxmlformats.org/drawingml/2006/main" xmlns:r="http://schemas.openxmlformats.org/officeDocument/2006/relationships" xmlns:p="http://schemas.openxmlformats.org/presentationml/2006/main" showMasterSp="0" showMasterPhAnim="0">
   <p:cSld>
     <p:spTree>
@@ -3168,7 +3446,143 @@
 </p:notes>
 </file>
 
-<file path=ppt/notesSlides/notesSlide19.xml><?xml version="1.0" encoding="utf-8"?>
+<file path=ppt/notesSlides/notesSlide2.xml><?xml version="1.0" encoding="utf-8"?>
+<p:notes xmlns:a="http://schemas.openxmlformats.org/drawingml/2006/main" xmlns:r="http://schemas.openxmlformats.org/officeDocument/2006/relationships" xmlns:p="http://schemas.openxmlformats.org/presentationml/2006/main" showMasterSp="0" showMasterPhAnim="0">
+  <p:cSld>
+    <p:spTree>
+      <p:nvGrpSpPr>
+        <p:cNvPr id="1" name="Shape 103"/>
+        <p:cNvGrpSpPr/>
+        <p:nvPr/>
+      </p:nvGrpSpPr>
+      <p:grpSpPr>
+        <a:xfrm>
+          <a:off x="0" y="0"/>
+          <a:ext cx="0" cy="0"/>
+          <a:chOff x="0" y="0"/>
+          <a:chExt cx="0" cy="0"/>
+        </a:xfrm>
+      </p:grpSpPr>
+      <p:sp>
+        <p:nvSpPr>
+          <p:cNvPr id="104" name="Google Shape;104;p2:notes"/>
+          <p:cNvSpPr txBox="1">
+            <a:spLocks noGrp="1"/>
+          </p:cNvSpPr>
+          <p:nvPr>
+            <p:ph type="body" idx="1"/>
+          </p:nvPr>
+        </p:nvSpPr>
+        <p:spPr>
+          <a:xfrm>
+            <a:off x="685800" y="4400550"/>
+            <a:ext cx="5486400" cy="3600450"/>
+          </a:xfrm>
+          <a:prstGeom prst="rect">
+            <a:avLst/>
+          </a:prstGeom>
+          <a:noFill/>
+          <a:ln>
+            <a:noFill/>
+          </a:ln>
+        </p:spPr>
+        <p:txBody>
+          <a:bodyPr spcFirstLastPara="1" wrap="square" lIns="91425" tIns="45700" rIns="91425" bIns="45700" anchor="t" anchorCtr="0">
+            <a:noAutofit/>
+          </a:bodyPr>
+          <a:lstStyle/>
+          <a:p>
+            <a:pPr marL="0" lvl="0" indent="0" algn="l" rtl="0">
+              <a:lnSpc>
+                <a:spcPct val="150000"/>
+              </a:lnSpc>
+              <a:spcBef>
+                <a:spcPts val="0"/>
+              </a:spcBef>
+              <a:spcAft>
+                <a:spcPts val="0"/>
+              </a:spcAft>
+              <a:buClr>
+                <a:schemeClr val="dk1"/>
+              </a:buClr>
+              <a:buSzPts val="1100"/>
+              <a:buFont typeface="Arial"/>
+              <a:buNone/>
+            </a:pPr>
+            <a:endParaRPr sz="1900" dirty="0">
+              <a:latin typeface="Poppins"/>
+              <a:ea typeface="Poppins"/>
+              <a:cs typeface="Poppins"/>
+              <a:sym typeface="Poppins"/>
+            </a:endParaRPr>
+          </a:p>
+        </p:txBody>
+      </p:sp>
+      <p:sp>
+        <p:nvSpPr>
+          <p:cNvPr id="105" name="Google Shape;105;p2:notes"/>
+          <p:cNvSpPr>
+            <a:spLocks noGrp="1" noRot="1" noChangeAspect="1"/>
+          </p:cNvSpPr>
+          <p:nvPr>
+            <p:ph type="sldImg" idx="2"/>
+          </p:nvPr>
+        </p:nvSpPr>
+        <p:spPr>
+          <a:xfrm>
+            <a:off x="685800" y="1143000"/>
+            <a:ext cx="5486400" cy="3086100"/>
+          </a:xfrm>
+          <a:custGeom>
+            <a:avLst/>
+            <a:gdLst/>
+            <a:ahLst/>
+            <a:cxnLst/>
+            <a:rect l="l" t="t" r="r" b="b"/>
+            <a:pathLst>
+              <a:path w="120000" h="120000" extrusionOk="0">
+                <a:moveTo>
+                  <a:pt x="0" y="0"/>
+                </a:moveTo>
+                <a:lnTo>
+                  <a:pt x="120000" y="0"/>
+                </a:lnTo>
+                <a:lnTo>
+                  <a:pt x="120000" y="120000"/>
+                </a:lnTo>
+                <a:lnTo>
+                  <a:pt x="0" y="120000"/>
+                </a:lnTo>
+                <a:close/>
+              </a:path>
+            </a:pathLst>
+          </a:custGeom>
+          <a:noFill/>
+          <a:ln w="12700" cap="flat" cmpd="sng">
+            <a:solidFill>
+              <a:srgbClr val="000000"/>
+            </a:solidFill>
+            <a:prstDash val="solid"/>
+            <a:round/>
+            <a:headEnd type="none" w="sm" len="sm"/>
+            <a:tailEnd type="none" w="sm" len="sm"/>
+          </a:ln>
+        </p:spPr>
+      </p:sp>
+    </p:spTree>
+    <p:extLst>
+      <p:ext uri="{BB962C8B-B14F-4D97-AF65-F5344CB8AC3E}">
+        <p14:creationId xmlns:p14="http://schemas.microsoft.com/office/powerpoint/2010/main" val="3163635396"/>
+      </p:ext>
+    </p:extLst>
+  </p:cSld>
+  <p:clrMapOvr>
+    <a:masterClrMapping/>
+  </p:clrMapOvr>
+</p:notes>
+</file>
+
+<file path=ppt/notesSlides/notesSlide20.xml><?xml version="1.0" encoding="utf-8"?>
 <p:notes xmlns:a="http://schemas.openxmlformats.org/drawingml/2006/main" xmlns:r="http://schemas.openxmlformats.org/officeDocument/2006/relationships" xmlns:p="http://schemas.openxmlformats.org/presentationml/2006/main" showMasterSp="0" showMasterPhAnim="0">
   <p:cSld>
     <p:spTree>
@@ -3304,124 +3718,7 @@
 </p:notes>
 </file>
 
-<file path=ppt/notesSlides/notesSlide2.xml><?xml version="1.0" encoding="utf-8"?>
-<p:notes xmlns:a="http://schemas.openxmlformats.org/drawingml/2006/main" xmlns:r="http://schemas.openxmlformats.org/officeDocument/2006/relationships" xmlns:p="http://schemas.openxmlformats.org/presentationml/2006/main">
-  <p:cSld>
-    <p:spTree>
-      <p:nvGrpSpPr>
-        <p:cNvPr id="1" name=""/>
-        <p:cNvGrpSpPr/>
-        <p:nvPr/>
-      </p:nvGrpSpPr>
-      <p:grpSpPr>
-        <a:xfrm>
-          <a:off x="0" y="0"/>
-          <a:ext cx="0" cy="0"/>
-          <a:chOff x="0" y="0"/>
-          <a:chExt cx="0" cy="0"/>
-        </a:xfrm>
-      </p:grpSpPr>
-      <p:sp>
-        <p:nvSpPr>
-          <p:cNvPr id="2" name="Slide Image Placeholder 1"/>
-          <p:cNvSpPr>
-            <a:spLocks noGrp="1" noRot="1" noChangeAspect="1"/>
-          </p:cNvSpPr>
-          <p:nvPr>
-            <p:ph type="sldImg"/>
-          </p:nvPr>
-        </p:nvSpPr>
-        <p:spPr/>
-      </p:sp>
-      <p:sp>
-        <p:nvSpPr>
-          <p:cNvPr id="3" name="Notes Placeholder 2"/>
-          <p:cNvSpPr>
-            <a:spLocks noGrp="1"/>
-          </p:cNvSpPr>
-          <p:nvPr>
-            <p:ph type="body" idx="1"/>
-          </p:nvPr>
-        </p:nvSpPr>
-        <p:spPr/>
-        <p:txBody>
-          <a:bodyPr/>
-          <a:lstStyle/>
-          <a:p>
-            <a:endParaRPr lang="en-US" dirty="0"/>
-          </a:p>
-        </p:txBody>
-      </p:sp>
-      <p:sp>
-        <p:nvSpPr>
-          <p:cNvPr id="4" name="Slide Number Placeholder 3"/>
-          <p:cNvSpPr>
-            <a:spLocks noGrp="1"/>
-          </p:cNvSpPr>
-          <p:nvPr>
-            <p:ph type="sldNum" idx="12"/>
-          </p:nvPr>
-        </p:nvSpPr>
-        <p:spPr/>
-        <p:txBody>
-          <a:bodyPr/>
-          <a:lstStyle/>
-          <a:p>
-            <a:pPr marL="0" marR="0" lvl="0" indent="0" algn="r" rtl="0">
-              <a:lnSpc>
-                <a:spcPct val="100000"/>
-              </a:lnSpc>
-              <a:spcBef>
-                <a:spcPts val="0"/>
-              </a:spcBef>
-              <a:spcAft>
-                <a:spcPts val="0"/>
-              </a:spcAft>
-              <a:buClr>
-                <a:srgbClr val="000000"/>
-              </a:buClr>
-              <a:buSzPts val="1200"/>
-              <a:buFont typeface="Arial"/>
-              <a:buNone/>
-            </a:pPr>
-            <a:fld id="{00000000-1234-1234-1234-123412341234}" type="slidenum">
-              <a:rPr lang="tr-TR" sz="1200" b="0" i="0" u="none" strike="noStrike" cap="none" smtClean="0">
-                <a:solidFill>
-                  <a:schemeClr val="dk1"/>
-                </a:solidFill>
-                <a:latin typeface="Arial"/>
-                <a:ea typeface="Arial"/>
-                <a:cs typeface="Arial"/>
-                <a:sym typeface="Arial"/>
-              </a:rPr>
-              <a:t>2</a:t>
-            </a:fld>
-            <a:endParaRPr lang="tr-TR" sz="1200" b="0" i="0" u="none" strike="noStrike" cap="none">
-              <a:solidFill>
-                <a:schemeClr val="dk1"/>
-              </a:solidFill>
-              <a:latin typeface="Arial"/>
-              <a:ea typeface="Arial"/>
-              <a:cs typeface="Arial"/>
-              <a:sym typeface="Arial"/>
-            </a:endParaRPr>
-          </a:p>
-        </p:txBody>
-      </p:sp>
-    </p:spTree>
-    <p:extLst>
-      <p:ext uri="{BB962C8B-B14F-4D97-AF65-F5344CB8AC3E}">
-        <p14:creationId xmlns:p14="http://schemas.microsoft.com/office/powerpoint/2010/main" val="3225775997"/>
-      </p:ext>
-    </p:extLst>
-  </p:cSld>
-  <p:clrMapOvr>
-    <a:masterClrMapping/>
-  </p:clrMapOvr>
-</p:notes>
-</file>
-
-<file path=ppt/notesSlides/notesSlide20.xml><?xml version="1.0" encoding="utf-8"?>
+<file path=ppt/notesSlides/notesSlide21.xml><?xml version="1.0" encoding="utf-8"?>
 <p:notes xmlns:a="http://schemas.openxmlformats.org/drawingml/2006/main" xmlns:r="http://schemas.openxmlformats.org/officeDocument/2006/relationships" xmlns:p="http://schemas.openxmlformats.org/presentationml/2006/main" showMasterSp="0" showMasterPhAnim="0">
   <p:cSld>
     <p:spTree>
@@ -3557,7 +3854,7 @@
 </p:notes>
 </file>
 
-<file path=ppt/notesSlides/notesSlide21.xml><?xml version="1.0" encoding="utf-8"?>
+<file path=ppt/notesSlides/notesSlide22.xml><?xml version="1.0" encoding="utf-8"?>
 <p:notes xmlns:a="http://schemas.openxmlformats.org/drawingml/2006/main" xmlns:r="http://schemas.openxmlformats.org/officeDocument/2006/relationships" xmlns:p="http://schemas.openxmlformats.org/presentationml/2006/main" showMasterSp="0" showMasterPhAnim="0">
   <p:cSld>
     <p:spTree>
@@ -3693,7 +3990,7 @@
 </p:notes>
 </file>
 
-<file path=ppt/notesSlides/notesSlide22.xml><?xml version="1.0" encoding="utf-8"?>
+<file path=ppt/notesSlides/notesSlide23.xml><?xml version="1.0" encoding="utf-8"?>
 <p:notes xmlns:a="http://schemas.openxmlformats.org/drawingml/2006/main" xmlns:r="http://schemas.openxmlformats.org/officeDocument/2006/relationships" xmlns:p="http://schemas.openxmlformats.org/presentationml/2006/main" showMasterSp="0" showMasterPhAnim="0">
   <p:cSld>
     <p:spTree>
@@ -3838,7 +4135,7 @@
 </p:notes>
 </file>
 
-<file path=ppt/notesSlides/notesSlide23.xml><?xml version="1.0" encoding="utf-8"?>
+<file path=ppt/notesSlides/notesSlide24.xml><?xml version="1.0" encoding="utf-8"?>
 <p:notes xmlns:a="http://schemas.openxmlformats.org/drawingml/2006/main" xmlns:r="http://schemas.openxmlformats.org/officeDocument/2006/relationships" xmlns:p="http://schemas.openxmlformats.org/presentationml/2006/main" showMasterSp="0" showMasterPhAnim="0">
   <p:cSld>
     <p:spTree>
@@ -3984,6 +4281,123 @@
 </file>
 
 <file path=ppt/notesSlides/notesSlide3.xml><?xml version="1.0" encoding="utf-8"?>
+<p:notes xmlns:a="http://schemas.openxmlformats.org/drawingml/2006/main" xmlns:r="http://schemas.openxmlformats.org/officeDocument/2006/relationships" xmlns:p="http://schemas.openxmlformats.org/presentationml/2006/main">
+  <p:cSld>
+    <p:spTree>
+      <p:nvGrpSpPr>
+        <p:cNvPr id="1" name=""/>
+        <p:cNvGrpSpPr/>
+        <p:nvPr/>
+      </p:nvGrpSpPr>
+      <p:grpSpPr>
+        <a:xfrm>
+          <a:off x="0" y="0"/>
+          <a:ext cx="0" cy="0"/>
+          <a:chOff x="0" y="0"/>
+          <a:chExt cx="0" cy="0"/>
+        </a:xfrm>
+      </p:grpSpPr>
+      <p:sp>
+        <p:nvSpPr>
+          <p:cNvPr id="2" name="Slide Image Placeholder 1"/>
+          <p:cNvSpPr>
+            <a:spLocks noGrp="1" noRot="1" noChangeAspect="1"/>
+          </p:cNvSpPr>
+          <p:nvPr>
+            <p:ph type="sldImg"/>
+          </p:nvPr>
+        </p:nvSpPr>
+        <p:spPr/>
+      </p:sp>
+      <p:sp>
+        <p:nvSpPr>
+          <p:cNvPr id="3" name="Notes Placeholder 2"/>
+          <p:cNvSpPr>
+            <a:spLocks noGrp="1"/>
+          </p:cNvSpPr>
+          <p:nvPr>
+            <p:ph type="body" idx="1"/>
+          </p:nvPr>
+        </p:nvSpPr>
+        <p:spPr/>
+        <p:txBody>
+          <a:bodyPr/>
+          <a:lstStyle/>
+          <a:p>
+            <a:endParaRPr lang="en-US" dirty="0"/>
+          </a:p>
+        </p:txBody>
+      </p:sp>
+      <p:sp>
+        <p:nvSpPr>
+          <p:cNvPr id="4" name="Slide Number Placeholder 3"/>
+          <p:cNvSpPr>
+            <a:spLocks noGrp="1"/>
+          </p:cNvSpPr>
+          <p:nvPr>
+            <p:ph type="sldNum" idx="12"/>
+          </p:nvPr>
+        </p:nvSpPr>
+        <p:spPr/>
+        <p:txBody>
+          <a:bodyPr/>
+          <a:lstStyle/>
+          <a:p>
+            <a:pPr marL="0" marR="0" lvl="0" indent="0" algn="r" rtl="0">
+              <a:lnSpc>
+                <a:spcPct val="100000"/>
+              </a:lnSpc>
+              <a:spcBef>
+                <a:spcPts val="0"/>
+              </a:spcBef>
+              <a:spcAft>
+                <a:spcPts val="0"/>
+              </a:spcAft>
+              <a:buClr>
+                <a:srgbClr val="000000"/>
+              </a:buClr>
+              <a:buSzPts val="1200"/>
+              <a:buFont typeface="Arial"/>
+              <a:buNone/>
+            </a:pPr>
+            <a:fld id="{00000000-1234-1234-1234-123412341234}" type="slidenum">
+              <a:rPr lang="tr-TR" sz="1200" b="0" i="0" u="none" strike="noStrike" cap="none" smtClean="0">
+                <a:solidFill>
+                  <a:schemeClr val="dk1"/>
+                </a:solidFill>
+                <a:latin typeface="Arial"/>
+                <a:ea typeface="Arial"/>
+                <a:cs typeface="Arial"/>
+                <a:sym typeface="Arial"/>
+              </a:rPr>
+              <a:t>3</a:t>
+            </a:fld>
+            <a:endParaRPr lang="tr-TR" sz="1200" b="0" i="0" u="none" strike="noStrike" cap="none">
+              <a:solidFill>
+                <a:schemeClr val="dk1"/>
+              </a:solidFill>
+              <a:latin typeface="Arial"/>
+              <a:ea typeface="Arial"/>
+              <a:cs typeface="Arial"/>
+              <a:sym typeface="Arial"/>
+            </a:endParaRPr>
+          </a:p>
+        </p:txBody>
+      </p:sp>
+    </p:spTree>
+    <p:extLst>
+      <p:ext uri="{BB962C8B-B14F-4D97-AF65-F5344CB8AC3E}">
+        <p14:creationId xmlns:p14="http://schemas.microsoft.com/office/powerpoint/2010/main" val="3225775997"/>
+      </p:ext>
+    </p:extLst>
+  </p:cSld>
+  <p:clrMapOvr>
+    <a:masterClrMapping/>
+  </p:clrMapOvr>
+</p:notes>
+</file>
+
+<file path=ppt/notesSlides/notesSlide4.xml><?xml version="1.0" encoding="utf-8"?>
 <p:notes xmlns:a="http://schemas.openxmlformats.org/drawingml/2006/main" xmlns:r="http://schemas.openxmlformats.org/officeDocument/2006/relationships" xmlns:p="http://schemas.openxmlformats.org/presentationml/2006/main" showMasterSp="0" showMasterPhAnim="0">
   <p:cSld>
     <p:spTree>
@@ -4046,6 +4460,66 @@
               <a:buFont typeface="Arial"/>
               <a:buNone/>
             </a:pPr>
+            <a:r>
+              <a:rPr lang="en-US" sz="3200" dirty="0"/>
+              <a:t>.NET 10 introduces </a:t>
+            </a:r>
+            <a:r>
+              <a:rPr lang="en-US" sz="3200" b="1" dirty="0"/>
+              <a:t>quantum-resistant cryptography</a:t>
+            </a:r>
+            <a:r>
+              <a:rPr lang="en-US" sz="3200" dirty="0"/>
+              <a:t>, adding support for </a:t>
+            </a:r>
+            <a:r>
+              <a:rPr lang="en-US" sz="3200" b="1" dirty="0"/>
+              <a:t>ML-KEM</a:t>
+            </a:r>
+            <a:r>
+              <a:rPr lang="en-US" sz="3200" dirty="0"/>
+              <a:t>, </a:t>
+            </a:r>
+            <a:r>
+              <a:rPr lang="en-US" sz="3200" b="1" dirty="0"/>
+              <a:t>ML-DSA</a:t>
+            </a:r>
+            <a:r>
+              <a:rPr lang="en-US" sz="3200" dirty="0"/>
+              <a:t>, and </a:t>
+            </a:r>
+            <a:r>
+              <a:rPr lang="en-US" sz="3200" b="1" dirty="0"/>
+              <a:t>SLH-DSA</a:t>
+            </a:r>
+            <a:r>
+              <a:rPr lang="en-US" sz="3200" dirty="0"/>
+              <a:t>. These new algorithms help future-proof .NET applications against threats from quantum computing. Developers can access them through new APIs under </a:t>
+            </a:r>
+            <a:r>
+              <a:rPr lang="en-US" sz="3200" b="1" dirty="0" err="1"/>
+              <a:t>System.Security.Cryptography</a:t>
+            </a:r>
+            <a:r>
+              <a:rPr lang="en-US" sz="3200" dirty="0"/>
+              <a:t>, as long as the underlying OS provides PQC support (e.g., </a:t>
+            </a:r>
+            <a:r>
+              <a:rPr lang="en-US" sz="3200" b="1" dirty="0"/>
+              <a:t>OpenSSL 3.5+</a:t>
+            </a:r>
+            <a:r>
+              <a:rPr lang="en-US" sz="3200" dirty="0"/>
+              <a:t> or </a:t>
+            </a:r>
+            <a:r>
+              <a:rPr lang="en-US" sz="3200" b="1" dirty="0"/>
+              <a:t>Windows CNG</a:t>
+            </a:r>
+            <a:r>
+              <a:rPr lang="en-US" sz="3200" dirty="0"/>
+              <a:t>).</a:t>
+            </a:r>
             <a:endParaRPr sz="1900" dirty="0">
               <a:latin typeface="Poppins"/>
               <a:ea typeface="Poppins"/>
@@ -4109,7 +4583,7 @@
     </p:spTree>
     <p:extLst>
       <p:ext uri="{BB962C8B-B14F-4D97-AF65-F5344CB8AC3E}">
-        <p14:creationId xmlns:p14="http://schemas.microsoft.com/office/powerpoint/2010/main" val="3163635396"/>
+        <p14:creationId xmlns:p14="http://schemas.microsoft.com/office/powerpoint/2010/main" val="2398993444"/>
       </p:ext>
     </p:extLst>
   </p:cSld>
@@ -4119,7 +4593,7 @@
 </p:notes>
 </file>
 
-<file path=ppt/notesSlides/notesSlide4.xml><?xml version="1.0" encoding="utf-8"?>
+<file path=ppt/notesSlides/notesSlide5.xml><?xml version="1.0" encoding="utf-8"?>
 <p:notes xmlns:a="http://schemas.openxmlformats.org/drawingml/2006/main" xmlns:r="http://schemas.openxmlformats.org/officeDocument/2006/relationships" xmlns:p="http://schemas.openxmlformats.org/presentationml/2006/main" showMasterSp="0" showMasterPhAnim="0">
   <p:cSld>
     <p:spTree>
@@ -4182,6 +4656,66 @@
               <a:buFont typeface="Arial"/>
               <a:buNone/>
             </a:pPr>
+            <a:r>
+              <a:rPr lang="en-US" sz="3200" dirty="0"/>
+              <a:t>.NET 10 introduces </a:t>
+            </a:r>
+            <a:r>
+              <a:rPr lang="en-US" sz="3200" b="1" dirty="0"/>
+              <a:t>quantum-resistant cryptography</a:t>
+            </a:r>
+            <a:r>
+              <a:rPr lang="en-US" sz="3200" dirty="0"/>
+              <a:t>, adding support for </a:t>
+            </a:r>
+            <a:r>
+              <a:rPr lang="en-US" sz="3200" b="1" dirty="0"/>
+              <a:t>ML-KEM</a:t>
+            </a:r>
+            <a:r>
+              <a:rPr lang="en-US" sz="3200" dirty="0"/>
+              <a:t>, </a:t>
+            </a:r>
+            <a:r>
+              <a:rPr lang="en-US" sz="3200" b="1" dirty="0"/>
+              <a:t>ML-DSA</a:t>
+            </a:r>
+            <a:r>
+              <a:rPr lang="en-US" sz="3200" dirty="0"/>
+              <a:t>, and </a:t>
+            </a:r>
+            <a:r>
+              <a:rPr lang="en-US" sz="3200" b="1" dirty="0"/>
+              <a:t>SLH-DSA</a:t>
+            </a:r>
+            <a:r>
+              <a:rPr lang="en-US" sz="3200" dirty="0"/>
+              <a:t>. These new algorithms help future-proof .NET applications against threats from quantum computing. Developers can access them through new APIs under </a:t>
+            </a:r>
+            <a:r>
+              <a:rPr lang="en-US" sz="3200" b="1" dirty="0" err="1"/>
+              <a:t>System.Security.Cryptography</a:t>
+            </a:r>
+            <a:r>
+              <a:rPr lang="en-US" sz="3200" dirty="0"/>
+              <a:t>, as long as the underlying OS provides PQC support (e.g., </a:t>
+            </a:r>
+            <a:r>
+              <a:rPr lang="en-US" sz="3200" b="1" dirty="0"/>
+              <a:t>OpenSSL 3.5+</a:t>
+            </a:r>
+            <a:r>
+              <a:rPr lang="en-US" sz="3200" dirty="0"/>
+              <a:t> or </a:t>
+            </a:r>
+            <a:r>
+              <a:rPr lang="en-US" sz="3200" b="1" dirty="0"/>
+              <a:t>Windows CNG</a:t>
+            </a:r>
+            <a:r>
+              <a:rPr lang="en-US" sz="3200" dirty="0"/>
+              <a:t>).</a:t>
+            </a:r>
             <a:endParaRPr sz="1900" dirty="0">
               <a:latin typeface="Poppins"/>
               <a:ea typeface="Poppins"/>
@@ -4255,7 +4789,7 @@
 </p:notes>
 </file>
 
-<file path=ppt/notesSlides/notesSlide5.xml><?xml version="1.0" encoding="utf-8"?>
+<file path=ppt/notesSlides/notesSlide6.xml><?xml version="1.0" encoding="utf-8"?>
 <p:notes xmlns:a="http://schemas.openxmlformats.org/drawingml/2006/main" xmlns:r="http://schemas.openxmlformats.org/officeDocument/2006/relationships" xmlns:p="http://schemas.openxmlformats.org/presentationml/2006/main" showMasterSp="0" showMasterPhAnim="0">
   <p:cSld>
     <p:spTree>
@@ -4391,7 +4925,7 @@
 </p:notes>
 </file>
 
-<file path=ppt/notesSlides/notesSlide6.xml><?xml version="1.0" encoding="utf-8"?>
+<file path=ppt/notesSlides/notesSlide7.xml><?xml version="1.0" encoding="utf-8"?>
 <p:notes xmlns:a="http://schemas.openxmlformats.org/drawingml/2006/main" xmlns:r="http://schemas.openxmlformats.org/officeDocument/2006/relationships" xmlns:p="http://schemas.openxmlformats.org/presentationml/2006/main" showMasterSp="0" showMasterPhAnim="0">
   <p:cSld>
     <p:spTree>
@@ -4527,7 +5061,7 @@
 </p:notes>
 </file>
 
-<file path=ppt/notesSlides/notesSlide7.xml><?xml version="1.0" encoding="utf-8"?>
+<file path=ppt/notesSlides/notesSlide8.xml><?xml version="1.0" encoding="utf-8"?>
 <p:notes xmlns:a="http://schemas.openxmlformats.org/drawingml/2006/main" xmlns:r="http://schemas.openxmlformats.org/officeDocument/2006/relationships" xmlns:p="http://schemas.openxmlformats.org/presentationml/2006/main" showMasterSp="0" showMasterPhAnim="0">
   <p:cSld>
     <p:spTree>
@@ -4663,7 +5197,7 @@
 </p:notes>
 </file>
 
-<file path=ppt/notesSlides/notesSlide8.xml><?xml version="1.0" encoding="utf-8"?>
+<file path=ppt/notesSlides/notesSlide9.xml><?xml version="1.0" encoding="utf-8"?>
 <p:notes xmlns:a="http://schemas.openxmlformats.org/drawingml/2006/main" xmlns:r="http://schemas.openxmlformats.org/officeDocument/2006/relationships" xmlns:p="http://schemas.openxmlformats.org/presentationml/2006/main" showMasterSp="0" showMasterPhAnim="0">
   <p:cSld>
     <p:spTree>
@@ -4790,283 +5324,6 @@
     <p:extLst>
       <p:ext uri="{BB962C8B-B14F-4D97-AF65-F5344CB8AC3E}">
         <p14:creationId xmlns:p14="http://schemas.microsoft.com/office/powerpoint/2010/main" val="2983619339"/>
-      </p:ext>
-    </p:extLst>
-  </p:cSld>
-  <p:clrMapOvr>
-    <a:masterClrMapping/>
-  </p:clrMapOvr>
-</p:notes>
-</file>
-
-<file path=ppt/notesSlides/notesSlide9.xml><?xml version="1.0" encoding="utf-8"?>
-<p:notes xmlns:a="http://schemas.openxmlformats.org/drawingml/2006/main" xmlns:r="http://schemas.openxmlformats.org/officeDocument/2006/relationships" xmlns:p="http://schemas.openxmlformats.org/presentationml/2006/main" showMasterSp="0" showMasterPhAnim="0">
-  <p:cSld>
-    <p:spTree>
-      <p:nvGrpSpPr>
-        <p:cNvPr id="1" name="Shape 103"/>
-        <p:cNvGrpSpPr/>
-        <p:nvPr/>
-      </p:nvGrpSpPr>
-      <p:grpSpPr>
-        <a:xfrm>
-          <a:off x="0" y="0"/>
-          <a:ext cx="0" cy="0"/>
-          <a:chOff x="0" y="0"/>
-          <a:chExt cx="0" cy="0"/>
-        </a:xfrm>
-      </p:grpSpPr>
-      <p:sp>
-        <p:nvSpPr>
-          <p:cNvPr id="104" name="Google Shape;104;p2:notes"/>
-          <p:cNvSpPr txBox="1">
-            <a:spLocks noGrp="1"/>
-          </p:cNvSpPr>
-          <p:nvPr>
-            <p:ph type="body" idx="1"/>
-          </p:nvPr>
-        </p:nvSpPr>
-        <p:spPr>
-          <a:xfrm>
-            <a:off x="685800" y="4400550"/>
-            <a:ext cx="5486400" cy="3600450"/>
-          </a:xfrm>
-          <a:prstGeom prst="rect">
-            <a:avLst/>
-          </a:prstGeom>
-          <a:noFill/>
-          <a:ln>
-            <a:noFill/>
-          </a:ln>
-        </p:spPr>
-        <p:txBody>
-          <a:bodyPr spcFirstLastPara="1" wrap="square" lIns="91425" tIns="45700" rIns="91425" bIns="45700" anchor="t" anchorCtr="0">
-            <a:noAutofit/>
-          </a:bodyPr>
-          <a:lstStyle/>
-          <a:p>
-            <a:pPr marL="0" lvl="0" indent="0" algn="l" rtl="0">
-              <a:lnSpc>
-                <a:spcPct val="150000"/>
-              </a:lnSpc>
-              <a:spcBef>
-                <a:spcPts val="0"/>
-              </a:spcBef>
-              <a:spcAft>
-                <a:spcPts val="0"/>
-              </a:spcAft>
-              <a:buClr>
-                <a:schemeClr val="dk1"/>
-              </a:buClr>
-              <a:buSzPts val="1100"/>
-              <a:buFont typeface="Arial"/>
-              <a:buNone/>
-            </a:pPr>
-            <a:r>
-              <a:rPr lang="en-US" sz="1200" b="0" i="0" u="none" strike="noStrike" cap="none" dirty="0" err="1">
-                <a:solidFill>
-                  <a:schemeClr val="dk1"/>
-                </a:solidFill>
-                <a:effectLst/>
-                <a:latin typeface="Arial"/>
-                <a:ea typeface="Arial"/>
-                <a:cs typeface="Arial"/>
-                <a:sym typeface="Arial"/>
-                <a:hlinkClick r:id="rId3"/>
-              </a:rPr>
-              <a:t>ZipArchiveEntry</a:t>
-            </a:r>
-            <a:r>
-              <a:rPr lang="en-US" sz="1200" b="0" i="0" u="none" strike="noStrike" cap="none" dirty="0">
-                <a:solidFill>
-                  <a:schemeClr val="dk1"/>
-                </a:solidFill>
-                <a:effectLst/>
-                <a:latin typeface="Arial"/>
-                <a:ea typeface="Arial"/>
-                <a:cs typeface="Arial"/>
-                <a:sym typeface="Arial"/>
-              </a:rPr>
-              <a:t> instances were loaded into memory and rewritten, which could lead to high memory usage and performance bottlenecks. The optimization reduces memory usage and improves performance by avoiding the need to load all entries into memory.</a:t>
-            </a:r>
-          </a:p>
-          <a:p>
-            <a:pPr marL="0" lvl="0" indent="0" algn="l" rtl="0">
-              <a:lnSpc>
-                <a:spcPct val="150000"/>
-              </a:lnSpc>
-              <a:spcBef>
-                <a:spcPts val="0"/>
-              </a:spcBef>
-              <a:spcAft>
-                <a:spcPts val="0"/>
-              </a:spcAft>
-              <a:buClr>
-                <a:schemeClr val="dk1"/>
-              </a:buClr>
-              <a:buSzPts val="1100"/>
-              <a:buFont typeface="Arial"/>
-              <a:buNone/>
-            </a:pPr>
-            <a:endParaRPr lang="en-US" sz="1200" b="0" i="0" u="none" strike="noStrike" cap="none" dirty="0">
-              <a:solidFill>
-                <a:schemeClr val="dk1"/>
-              </a:solidFill>
-              <a:effectLst/>
-              <a:latin typeface="Arial"/>
-              <a:ea typeface="Poppins"/>
-              <a:cs typeface="Arial"/>
-              <a:sym typeface="Arial"/>
-            </a:endParaRPr>
-          </a:p>
-          <a:p>
-            <a:pPr marL="0" lvl="0" indent="0" algn="l" rtl="0">
-              <a:lnSpc>
-                <a:spcPct val="150000"/>
-              </a:lnSpc>
-              <a:spcBef>
-                <a:spcPts val="0"/>
-              </a:spcBef>
-              <a:spcAft>
-                <a:spcPts val="0"/>
-              </a:spcAft>
-              <a:buClr>
-                <a:schemeClr val="dk1"/>
-              </a:buClr>
-              <a:buSzPts val="1100"/>
-              <a:buFont typeface="Arial"/>
-              <a:buNone/>
-            </a:pPr>
-            <a:r>
-              <a:rPr lang="en-US" sz="1200" b="0" i="0" u="none" strike="noStrike" cap="none" dirty="0">
-                <a:solidFill>
-                  <a:schemeClr val="dk1"/>
-                </a:solidFill>
-                <a:effectLst/>
-                <a:latin typeface="Arial"/>
-                <a:ea typeface="Arial"/>
-                <a:cs typeface="Arial"/>
-                <a:sym typeface="Arial"/>
-              </a:rPr>
-              <a:t>Second, the extraction of </a:t>
-            </a:r>
-            <a:r>
-              <a:rPr lang="en-US" sz="1200" b="0" i="0" u="none" strike="noStrike" cap="none" dirty="0" err="1">
-                <a:solidFill>
-                  <a:schemeClr val="dk1"/>
-                </a:solidFill>
-                <a:effectLst/>
-                <a:latin typeface="Arial"/>
-                <a:ea typeface="Arial"/>
-                <a:cs typeface="Arial"/>
-                <a:sym typeface="Arial"/>
-                <a:hlinkClick r:id="rId4"/>
-              </a:rPr>
-              <a:t>ZipArchive</a:t>
-            </a:r>
-            <a:r>
-              <a:rPr lang="en-US" sz="1200" b="0" i="0" u="none" strike="noStrike" cap="none" dirty="0">
-                <a:solidFill>
-                  <a:schemeClr val="dk1"/>
-                </a:solidFill>
-                <a:effectLst/>
-                <a:latin typeface="Arial"/>
-                <a:ea typeface="Arial"/>
-                <a:cs typeface="Arial"/>
-                <a:sym typeface="Arial"/>
-              </a:rPr>
-              <a:t> entries is now parallelized, and internal data structures are optimized for better memory usage. These improvements address issues related to performance bottlenecks and high memory usage, making </a:t>
-            </a:r>
-            <a:r>
-              <a:rPr lang="en-US" sz="1200" b="0" i="0" u="none" strike="noStrike" cap="none" dirty="0" err="1">
-                <a:solidFill>
-                  <a:schemeClr val="dk1"/>
-                </a:solidFill>
-                <a:effectLst/>
-                <a:latin typeface="Arial"/>
-                <a:ea typeface="Arial"/>
-                <a:cs typeface="Arial"/>
-                <a:sym typeface="Arial"/>
-              </a:rPr>
-              <a:t>ZipArchive</a:t>
-            </a:r>
-            <a:r>
-              <a:rPr lang="en-US" sz="1200" b="0" i="0" u="none" strike="noStrike" cap="none" dirty="0">
-                <a:solidFill>
-                  <a:schemeClr val="dk1"/>
-                </a:solidFill>
-                <a:effectLst/>
-                <a:latin typeface="Arial"/>
-                <a:ea typeface="Arial"/>
-                <a:cs typeface="Arial"/>
-                <a:sym typeface="Arial"/>
-              </a:rPr>
-              <a:t> more efficient and faster, especially when dealing with large archives.</a:t>
-            </a:r>
-            <a:endParaRPr sz="1900" dirty="0">
-              <a:latin typeface="Poppins"/>
-              <a:ea typeface="Poppins"/>
-              <a:cs typeface="Poppins"/>
-              <a:sym typeface="Poppins"/>
-            </a:endParaRPr>
-          </a:p>
-        </p:txBody>
-      </p:sp>
-      <p:sp>
-        <p:nvSpPr>
-          <p:cNvPr id="105" name="Google Shape;105;p2:notes"/>
-          <p:cNvSpPr>
-            <a:spLocks noGrp="1" noRot="1" noChangeAspect="1"/>
-          </p:cNvSpPr>
-          <p:nvPr>
-            <p:ph type="sldImg" idx="2"/>
-          </p:nvPr>
-        </p:nvSpPr>
-        <p:spPr>
-          <a:xfrm>
-            <a:off x="685800" y="1143000"/>
-            <a:ext cx="5486400" cy="3086100"/>
-          </a:xfrm>
-          <a:custGeom>
-            <a:avLst/>
-            <a:gdLst/>
-            <a:ahLst/>
-            <a:cxnLst/>
-            <a:rect l="l" t="t" r="r" b="b"/>
-            <a:pathLst>
-              <a:path w="120000" h="120000" extrusionOk="0">
-                <a:moveTo>
-                  <a:pt x="0" y="0"/>
-                </a:moveTo>
-                <a:lnTo>
-                  <a:pt x="120000" y="0"/>
-                </a:lnTo>
-                <a:lnTo>
-                  <a:pt x="120000" y="120000"/>
-                </a:lnTo>
-                <a:lnTo>
-                  <a:pt x="0" y="120000"/>
-                </a:lnTo>
-                <a:close/>
-              </a:path>
-            </a:pathLst>
-          </a:custGeom>
-          <a:noFill/>
-          <a:ln w="12700" cap="flat" cmpd="sng">
-            <a:solidFill>
-              <a:srgbClr val="000000"/>
-            </a:solidFill>
-            <a:prstDash val="solid"/>
-            <a:round/>
-            <a:headEnd type="none" w="sm" len="sm"/>
-            <a:tailEnd type="none" w="sm" len="sm"/>
-          </a:ln>
-        </p:spPr>
-      </p:sp>
-    </p:spTree>
-    <p:extLst>
-      <p:ext uri="{BB962C8B-B14F-4D97-AF65-F5344CB8AC3E}">
-        <p14:creationId xmlns:p14="http://schemas.microsoft.com/office/powerpoint/2010/main" val="3427814320"/>
       </p:ext>
     </p:extLst>
   </p:cSld>
@@ -19135,7 +19392,7 @@
                 <a:effectLst/>
                 <a:latin typeface="Lexend" panose="020B0604020202020204" charset="-94"/>
               </a:rPr>
-              <a:t>.NET 10 Runtime &amp; Libraries</a:t>
+              <a:t>.NET 10 Libraries &amp; Runtime</a:t>
             </a:r>
           </a:p>
         </p:txBody>
@@ -19215,6 +19472,457 @@
 </file>
 
 <file path=ppt/slides/slide10.xml><?xml version="1.0" encoding="utf-8"?>
+<p:sld xmlns:a="http://schemas.openxmlformats.org/drawingml/2006/main" xmlns:r="http://schemas.openxmlformats.org/officeDocument/2006/relationships" xmlns:p="http://schemas.openxmlformats.org/presentationml/2006/main">
+  <p:cSld>
+    <p:bg>
+      <p:bgPr>
+        <a:blipFill dpi="0" rotWithShape="1">
+          <a:blip r:embed="rId3">
+            <a:lum/>
+          </a:blip>
+          <a:srcRect/>
+          <a:stretch>
+            <a:fillRect/>
+          </a:stretch>
+        </a:blipFill>
+        <a:effectLst/>
+      </p:bgPr>
+    </p:bg>
+    <p:spTree>
+      <p:nvGrpSpPr>
+        <p:cNvPr id="1" name="Shape 106"/>
+        <p:cNvGrpSpPr/>
+        <p:nvPr/>
+      </p:nvGrpSpPr>
+      <p:grpSpPr>
+        <a:xfrm>
+          <a:off x="0" y="0"/>
+          <a:ext cx="0" cy="0"/>
+          <a:chOff x="0" y="0"/>
+          <a:chExt cx="0" cy="0"/>
+        </a:xfrm>
+      </p:grpSpPr>
+      <p:sp>
+        <p:nvSpPr>
+          <p:cNvPr id="107" name="Google Shape;107;p2"/>
+          <p:cNvSpPr txBox="1"/>
+          <p:nvPr/>
+        </p:nvSpPr>
+        <p:spPr>
+          <a:xfrm>
+            <a:off x="451488" y="464463"/>
+            <a:ext cx="10720064" cy="1138733"/>
+          </a:xfrm>
+          <a:prstGeom prst="rect">
+            <a:avLst/>
+          </a:prstGeom>
+          <a:noFill/>
+          <a:ln>
+            <a:noFill/>
+          </a:ln>
+        </p:spPr>
+        <p:txBody>
+          <a:bodyPr spcFirstLastPara="1" wrap="square" lIns="91425" tIns="45700" rIns="91425" bIns="45700" anchor="t" anchorCtr="0">
+            <a:spAutoFit/>
+          </a:bodyPr>
+          <a:lstStyle/>
+          <a:p>
+            <a:pPr marL="0" marR="0" lvl="0" indent="0" algn="l" rtl="0">
+              <a:lnSpc>
+                <a:spcPct val="100000"/>
+              </a:lnSpc>
+              <a:spcBef>
+                <a:spcPts val="0"/>
+              </a:spcBef>
+              <a:spcAft>
+                <a:spcPts val="0"/>
+              </a:spcAft>
+              <a:buClr>
+                <a:srgbClr val="000000"/>
+              </a:buClr>
+              <a:buSzPts val="3200"/>
+              <a:buFont typeface="Arial"/>
+              <a:buNone/>
+            </a:pPr>
+            <a:r>
+              <a:rPr lang="en-US" sz="3400" b="1" dirty="0">
+                <a:solidFill>
+                  <a:srgbClr val="292D33"/>
+                </a:solidFill>
+                <a:latin typeface="Lexend"/>
+                <a:ea typeface="Lexend"/>
+                <a:cs typeface="Lexend"/>
+                <a:sym typeface="Lexend"/>
+              </a:rPr>
+              <a:t>.NET Libraries Improvements </a:t>
+            </a:r>
+          </a:p>
+          <a:p>
+            <a:pPr marR="0" lvl="0" algn="l" rtl="0">
+              <a:lnSpc>
+                <a:spcPct val="100000"/>
+              </a:lnSpc>
+              <a:spcBef>
+                <a:spcPts val="0"/>
+              </a:spcBef>
+              <a:spcAft>
+                <a:spcPts val="0"/>
+              </a:spcAft>
+              <a:buClr>
+                <a:srgbClr val="000000"/>
+              </a:buClr>
+              <a:buSzPts val="3200"/>
+            </a:pPr>
+            <a:r>
+              <a:rPr lang="en-US" sz="3400" dirty="0" err="1">
+                <a:solidFill>
+                  <a:srgbClr val="292D33"/>
+                </a:solidFill>
+                <a:latin typeface="Lexend"/>
+                <a:ea typeface="Lexend"/>
+                <a:cs typeface="Lexend"/>
+                <a:sym typeface="Lexend"/>
+              </a:rPr>
+              <a:t>ZipArchive</a:t>
+            </a:r>
+            <a:r>
+              <a:rPr lang="en-US" sz="3400" dirty="0">
+                <a:solidFill>
+                  <a:srgbClr val="292D33"/>
+                </a:solidFill>
+                <a:latin typeface="Lexend"/>
+                <a:ea typeface="Lexend"/>
+                <a:cs typeface="Lexend"/>
+                <a:sym typeface="Lexend"/>
+              </a:rPr>
+              <a:t> Performance Improvements</a:t>
+            </a:r>
+          </a:p>
+        </p:txBody>
+      </p:sp>
+      <p:sp>
+        <p:nvSpPr>
+          <p:cNvPr id="5" name="TextBox 4">
+            <a:extLst>
+              <a:ext uri="{FF2B5EF4-FFF2-40B4-BE49-F238E27FC236}">
+                <a16:creationId xmlns:a16="http://schemas.microsoft.com/office/drawing/2014/main" id="{B19F4668-4F61-4CBE-AB39-265B74442340}"/>
+              </a:ext>
+            </a:extLst>
+          </p:cNvPr>
+          <p:cNvSpPr txBox="1"/>
+          <p:nvPr/>
+        </p:nvSpPr>
+        <p:spPr>
+          <a:xfrm>
+            <a:off x="735968" y="4836288"/>
+            <a:ext cx="10720064" cy="1323439"/>
+          </a:xfrm>
+          <a:prstGeom prst="rect">
+            <a:avLst/>
+          </a:prstGeom>
+          <a:noFill/>
+        </p:spPr>
+        <p:txBody>
+          <a:bodyPr wrap="square">
+            <a:spAutoFit/>
+          </a:bodyPr>
+          <a:lstStyle/>
+          <a:p>
+            <a:pPr marL="0" marR="0" lvl="0" indent="0" algn="l" defTabSz="914400" rtl="0" eaLnBrk="0" fontAlgn="base" latinLnBrk="0" hangingPunct="0">
+              <a:lnSpc>
+                <a:spcPct val="100000"/>
+              </a:lnSpc>
+              <a:spcBef>
+                <a:spcPct val="0"/>
+              </a:spcBef>
+              <a:spcAft>
+                <a:spcPct val="0"/>
+              </a:spcAft>
+              <a:buClrTx/>
+              <a:buSzTx/>
+              <a:buFontTx/>
+              <a:buNone/>
+              <a:tabLst/>
+            </a:pPr>
+            <a:r>
+              <a:rPr lang="en-US" altLang="en-US" sz="1600" b="1" dirty="0">
+                <a:solidFill>
+                  <a:schemeClr val="tx1"/>
+                </a:solidFill>
+                <a:latin typeface="Poppins" panose="00000500000000000000" pitchFamily="2" charset="-94"/>
+                <a:cs typeface="Poppins" panose="00000500000000000000" pitchFamily="2" charset="-94"/>
+              </a:rPr>
+              <a:t>✅ What this means:</a:t>
+            </a:r>
+          </a:p>
+          <a:p>
+            <a:pPr marL="0" marR="0" lvl="0" indent="0" algn="l" defTabSz="914400" rtl="0" eaLnBrk="0" fontAlgn="base" latinLnBrk="0" hangingPunct="0">
+              <a:lnSpc>
+                <a:spcPct val="100000"/>
+              </a:lnSpc>
+              <a:spcBef>
+                <a:spcPct val="0"/>
+              </a:spcBef>
+              <a:spcAft>
+                <a:spcPct val="0"/>
+              </a:spcAft>
+              <a:buClrTx/>
+              <a:buSzTx/>
+              <a:buFontTx/>
+              <a:buNone/>
+              <a:tabLst/>
+            </a:pPr>
+            <a:endParaRPr lang="en-US" altLang="en-US" sz="1600" b="1" dirty="0">
+              <a:solidFill>
+                <a:schemeClr val="tx1"/>
+              </a:solidFill>
+              <a:latin typeface="Poppins" panose="00000500000000000000" pitchFamily="2" charset="-94"/>
+              <a:cs typeface="Poppins" panose="00000500000000000000" pitchFamily="2" charset="-94"/>
+            </a:endParaRPr>
+          </a:p>
+          <a:p>
+            <a:pPr marL="285750" marR="0" lvl="0" indent="-285750" algn="l" defTabSz="914400" rtl="0" eaLnBrk="0" fontAlgn="base" latinLnBrk="0" hangingPunct="0">
+              <a:lnSpc>
+                <a:spcPct val="100000"/>
+              </a:lnSpc>
+              <a:spcBef>
+                <a:spcPct val="0"/>
+              </a:spcBef>
+              <a:spcAft>
+                <a:spcPct val="0"/>
+              </a:spcAft>
+              <a:buClrTx/>
+              <a:buSzTx/>
+              <a:buFont typeface="Arial" panose="020B0604020202020204" pitchFamily="34" charset="0"/>
+              <a:buChar char="•"/>
+              <a:tabLst/>
+            </a:pPr>
+            <a:r>
+              <a:rPr lang="en-US" altLang="en-US" sz="1600" dirty="0">
+                <a:solidFill>
+                  <a:schemeClr val="tx1"/>
+                </a:solidFill>
+                <a:latin typeface="Poppins" panose="00000500000000000000" pitchFamily="2" charset="-94"/>
+                <a:cs typeface="Poppins" panose="00000500000000000000" pitchFamily="2" charset="-94"/>
+              </a:rPr>
+              <a:t>Better performance in file-heavy workloads.</a:t>
+            </a:r>
+          </a:p>
+          <a:p>
+            <a:pPr marL="285750" marR="0" lvl="0" indent="-285750" algn="l" defTabSz="914400" rtl="0" eaLnBrk="0" fontAlgn="base" latinLnBrk="0" hangingPunct="0">
+              <a:lnSpc>
+                <a:spcPct val="100000"/>
+              </a:lnSpc>
+              <a:spcBef>
+                <a:spcPct val="0"/>
+              </a:spcBef>
+              <a:spcAft>
+                <a:spcPct val="0"/>
+              </a:spcAft>
+              <a:buClrTx/>
+              <a:buSzTx/>
+              <a:buFont typeface="Arial" panose="020B0604020202020204" pitchFamily="34" charset="0"/>
+              <a:buChar char="•"/>
+              <a:tabLst/>
+            </a:pPr>
+            <a:r>
+              <a:rPr lang="en-US" altLang="en-US" sz="1600" dirty="0">
+                <a:solidFill>
+                  <a:schemeClr val="tx1"/>
+                </a:solidFill>
+                <a:latin typeface="Poppins" panose="00000500000000000000" pitchFamily="2" charset="-94"/>
+                <a:cs typeface="Poppins" panose="00000500000000000000" pitchFamily="2" charset="-94"/>
+              </a:rPr>
+              <a:t>Lower memory usage when updating or extracting archives.</a:t>
+            </a:r>
+          </a:p>
+          <a:p>
+            <a:pPr marL="285750" marR="0" lvl="0" indent="-285750" algn="l" defTabSz="914400" rtl="0" eaLnBrk="0" fontAlgn="base" latinLnBrk="0" hangingPunct="0">
+              <a:lnSpc>
+                <a:spcPct val="100000"/>
+              </a:lnSpc>
+              <a:spcBef>
+                <a:spcPct val="0"/>
+              </a:spcBef>
+              <a:spcAft>
+                <a:spcPct val="0"/>
+              </a:spcAft>
+              <a:buClrTx/>
+              <a:buSzTx/>
+              <a:buFont typeface="Arial" panose="020B0604020202020204" pitchFamily="34" charset="0"/>
+              <a:buChar char="•"/>
+              <a:tabLst/>
+            </a:pPr>
+            <a:r>
+              <a:rPr lang="en-US" altLang="en-US" sz="1600" dirty="0">
+                <a:solidFill>
+                  <a:schemeClr val="tx1"/>
+                </a:solidFill>
+                <a:latin typeface="Poppins" panose="00000500000000000000" pitchFamily="2" charset="-94"/>
+                <a:cs typeface="Poppins" panose="00000500000000000000" pitchFamily="2" charset="-94"/>
+              </a:rPr>
+              <a:t>Ideal for tools, installers, and packaging systems</a:t>
+            </a:r>
+            <a:r>
+              <a:rPr lang="en-US" altLang="en-US" sz="1600" b="1" dirty="0">
+                <a:solidFill>
+                  <a:schemeClr val="tx1"/>
+                </a:solidFill>
+                <a:latin typeface="Poppins" panose="00000500000000000000" pitchFamily="2" charset="-94"/>
+                <a:cs typeface="Poppins" panose="00000500000000000000" pitchFamily="2" charset="-94"/>
+              </a:rPr>
+              <a:t>.</a:t>
+            </a:r>
+          </a:p>
+        </p:txBody>
+      </p:sp>
+      <p:sp>
+        <p:nvSpPr>
+          <p:cNvPr id="6" name="TextBox 5">
+            <a:extLst>
+              <a:ext uri="{FF2B5EF4-FFF2-40B4-BE49-F238E27FC236}">
+                <a16:creationId xmlns:a16="http://schemas.microsoft.com/office/drawing/2014/main" id="{990DCCDD-AF4F-4DBB-962B-F750857838F3}"/>
+              </a:ext>
+            </a:extLst>
+          </p:cNvPr>
+          <p:cNvSpPr txBox="1"/>
+          <p:nvPr/>
+        </p:nvSpPr>
+        <p:spPr>
+          <a:xfrm>
+            <a:off x="451488" y="2690336"/>
+            <a:ext cx="10836272" cy="584775"/>
+          </a:xfrm>
+          <a:prstGeom prst="rect">
+            <a:avLst/>
+          </a:prstGeom>
+          <a:noFill/>
+        </p:spPr>
+        <p:txBody>
+          <a:bodyPr wrap="square">
+            <a:spAutoFit/>
+          </a:bodyPr>
+          <a:lstStyle/>
+          <a:p>
+            <a:r>
+              <a:rPr lang="en-US" sz="1600" dirty="0">
+                <a:latin typeface="Poppins" panose="00000500000000000000" pitchFamily="2" charset="-94"/>
+                <a:cs typeface="Poppins" panose="00000500000000000000" pitchFamily="2" charset="-94"/>
+              </a:rPr>
+              <a:t>Reading, writing and extracting </a:t>
+            </a:r>
+            <a:r>
+              <a:rPr lang="en-US" sz="1600" b="1" dirty="0">
+                <a:latin typeface="Poppins" panose="00000500000000000000" pitchFamily="2" charset="-94"/>
+                <a:cs typeface="Poppins" panose="00000500000000000000" pitchFamily="2" charset="-94"/>
+              </a:rPr>
+              <a:t>ZIP files</a:t>
+            </a:r>
+            <a:r>
+              <a:rPr lang="en-US" sz="1600" dirty="0">
+                <a:latin typeface="Poppins" panose="00000500000000000000" pitchFamily="2" charset="-94"/>
+                <a:cs typeface="Poppins" panose="00000500000000000000" pitchFamily="2" charset="-94"/>
+              </a:rPr>
+              <a:t> is now </a:t>
+            </a:r>
+            <a:r>
+              <a:rPr lang="en-US" sz="1600" b="1" dirty="0">
+                <a:latin typeface="Poppins" panose="00000500000000000000" pitchFamily="2" charset="-94"/>
+                <a:cs typeface="Poppins" panose="00000500000000000000" pitchFamily="2" charset="-94"/>
+              </a:rPr>
+              <a:t>faster and more memory-efficient</a:t>
+            </a:r>
+            <a:r>
+              <a:rPr lang="en-US" sz="1600" dirty="0">
+                <a:latin typeface="Poppins" panose="00000500000000000000" pitchFamily="2" charset="-94"/>
+                <a:cs typeface="Poppins" panose="00000500000000000000" pitchFamily="2" charset="-94"/>
+              </a:rPr>
+              <a:t>.</a:t>
+            </a:r>
+            <a:br>
+              <a:rPr lang="en-US" sz="1600" dirty="0">
+                <a:latin typeface="Poppins" panose="00000500000000000000" pitchFamily="2" charset="-94"/>
+                <a:cs typeface="Poppins" panose="00000500000000000000" pitchFamily="2" charset="-94"/>
+              </a:rPr>
+            </a:br>
+            <a:r>
+              <a:rPr lang="en-US" sz="1600" dirty="0">
+                <a:latin typeface="Poppins" panose="00000500000000000000" pitchFamily="2" charset="-94"/>
+                <a:cs typeface="Poppins" panose="00000500000000000000" pitchFamily="2" charset="-94"/>
+              </a:rPr>
+              <a:t>Parallel extraction and reduced memory pressure significantly speed up large archive operations.</a:t>
+            </a:r>
+          </a:p>
+        </p:txBody>
+      </p:sp>
+      <p:sp>
+        <p:nvSpPr>
+          <p:cNvPr id="2" name="Rectangle: Rounded Corners 1">
+            <a:extLst>
+              <a:ext uri="{FF2B5EF4-FFF2-40B4-BE49-F238E27FC236}">
+                <a16:creationId xmlns:a16="http://schemas.microsoft.com/office/drawing/2014/main" id="{A1CE128D-7BC2-5BC5-8ABC-2E846AF6C71F}"/>
+              </a:ext>
+            </a:extLst>
+          </p:cNvPr>
+          <p:cNvSpPr/>
+          <p:nvPr/>
+        </p:nvSpPr>
+        <p:spPr>
+          <a:xfrm>
+            <a:off x="548640" y="4602480"/>
+            <a:ext cx="10007600" cy="1791057"/>
+          </a:xfrm>
+          <a:prstGeom prst="roundRect">
+            <a:avLst/>
+          </a:prstGeom>
+          <a:noFill/>
+          <a:ln w="9525" cap="flat" cmpd="sng" algn="ctr">
+            <a:solidFill>
+              <a:schemeClr val="dk1"/>
+            </a:solidFill>
+            <a:prstDash val="solid"/>
+            <a:round/>
+            <a:headEnd type="none" w="med" len="med"/>
+            <a:tailEnd type="none" w="med" len="med"/>
+          </a:ln>
+        </p:spPr>
+        <p:style>
+          <a:lnRef idx="0">
+            <a:scrgbClr r="0" g="0" b="0"/>
+          </a:lnRef>
+          <a:fillRef idx="0">
+            <a:scrgbClr r="0" g="0" b="0"/>
+          </a:fillRef>
+          <a:effectRef idx="0">
+            <a:scrgbClr r="0" g="0" b="0"/>
+          </a:effectRef>
+          <a:fontRef idx="minor">
+            <a:schemeClr val="dk1"/>
+          </a:fontRef>
+        </p:style>
+        <p:txBody>
+          <a:bodyPr rtlCol="0" anchor="ctr"/>
+          <a:lstStyle/>
+          <a:p>
+            <a:pPr algn="ctr"/>
+            <a:endParaRPr lang="tr-TR"/>
+          </a:p>
+        </p:txBody>
+      </p:sp>
+    </p:spTree>
+    <p:extLst>
+      <p:ext uri="{BB962C8B-B14F-4D97-AF65-F5344CB8AC3E}">
+        <p14:creationId xmlns:p14="http://schemas.microsoft.com/office/powerpoint/2010/main" val="554498200"/>
+      </p:ext>
+    </p:extLst>
+  </p:cSld>
+  <p:clrMapOvr>
+    <a:masterClrMapping/>
+  </p:clrMapOvr>
+</p:sld>
+</file>
+
+<file path=ppt/slides/slide11.xml><?xml version="1.0" encoding="utf-8"?>
 <p:sld xmlns:a="http://schemas.openxmlformats.org/drawingml/2006/main" xmlns:r="http://schemas.openxmlformats.org/officeDocument/2006/relationships" xmlns:p="http://schemas.openxmlformats.org/presentationml/2006/main">
   <p:cSld>
     <p:bg>
@@ -19773,7 +20481,7 @@
 </p:sld>
 </file>
 
-<file path=ppt/slides/slide11.xml><?xml version="1.0" encoding="utf-8"?>
+<file path=ppt/slides/slide12.xml><?xml version="1.0" encoding="utf-8"?>
 <p:sld xmlns:a="http://schemas.openxmlformats.org/drawingml/2006/main" xmlns:r="http://schemas.openxmlformats.org/officeDocument/2006/relationships" xmlns:p="http://schemas.openxmlformats.org/presentationml/2006/main">
   <p:cSld>
     <p:bg>
@@ -20257,7 +20965,7 @@
 </p:sld>
 </file>
 
-<file path=ppt/slides/slide12.xml><?xml version="1.0" encoding="utf-8"?>
+<file path=ppt/slides/slide13.xml><?xml version="1.0" encoding="utf-8"?>
 <p:sld xmlns:a="http://schemas.openxmlformats.org/drawingml/2006/main" xmlns:r="http://schemas.openxmlformats.org/officeDocument/2006/relationships" xmlns:p="http://schemas.openxmlformats.org/presentationml/2006/main">
   <p:cSld>
     <p:bg>
@@ -20759,7 +21467,7 @@
 </p:sld>
 </file>
 
-<file path=ppt/slides/slide13.xml><?xml version="1.0" encoding="utf-8"?>
+<file path=ppt/slides/slide14.xml><?xml version="1.0" encoding="utf-8"?>
 <p:sld xmlns:a="http://schemas.openxmlformats.org/drawingml/2006/main" xmlns:r="http://schemas.openxmlformats.org/officeDocument/2006/relationships" xmlns:p="http://schemas.openxmlformats.org/presentationml/2006/main">
   <p:cSld>
     <p:bg>
@@ -20914,7 +21622,7 @@
 </p:sld>
 </file>
 
-<file path=ppt/slides/slide14.xml><?xml version="1.0" encoding="utf-8"?>
+<file path=ppt/slides/slide15.xml><?xml version="1.0" encoding="utf-8"?>
 <p:sld xmlns:a="http://schemas.openxmlformats.org/drawingml/2006/main" xmlns:r="http://schemas.openxmlformats.org/officeDocument/2006/relationships" xmlns:p="http://schemas.openxmlformats.org/presentationml/2006/main">
   <p:cSld>
     <p:bg>
@@ -21266,7 +21974,7 @@
 </p:sld>
 </file>
 
-<file path=ppt/slides/slide15.xml><?xml version="1.0" encoding="utf-8"?>
+<file path=ppt/slides/slide16.xml><?xml version="1.0" encoding="utf-8"?>
 <p:sld xmlns:a="http://schemas.openxmlformats.org/drawingml/2006/main" xmlns:r="http://schemas.openxmlformats.org/officeDocument/2006/relationships" xmlns:p="http://schemas.openxmlformats.org/presentationml/2006/main">
   <p:cSld>
     <p:bg>
@@ -21781,7 +22489,7 @@
 </p:sld>
 </file>
 
-<file path=ppt/slides/slide16.xml><?xml version="1.0" encoding="utf-8"?>
+<file path=ppt/slides/slide17.xml><?xml version="1.0" encoding="utf-8"?>
 <p:sld xmlns:a="http://schemas.openxmlformats.org/drawingml/2006/main" xmlns:r="http://schemas.openxmlformats.org/officeDocument/2006/relationships" xmlns:p="http://schemas.openxmlformats.org/presentationml/2006/main" show="0">
   <p:cSld>
     <p:bg>
@@ -22152,7 +22860,7 @@
 </p:sld>
 </file>
 
-<file path=ppt/slides/slide17.xml><?xml version="1.0" encoding="utf-8"?>
+<file path=ppt/slides/slide18.xml><?xml version="1.0" encoding="utf-8"?>
 <p:sld xmlns:a="http://schemas.openxmlformats.org/drawingml/2006/main" xmlns:r="http://schemas.openxmlformats.org/officeDocument/2006/relationships" xmlns:p="http://schemas.openxmlformats.org/presentationml/2006/main" show="0">
   <p:cSld>
     <p:bg>
@@ -22506,7 +23214,7 @@
 </p:sld>
 </file>
 
-<file path=ppt/slides/slide18.xml><?xml version="1.0" encoding="utf-8"?>
+<file path=ppt/slides/slide19.xml><?xml version="1.0" encoding="utf-8"?>
 <p:sld xmlns:a="http://schemas.openxmlformats.org/drawingml/2006/main" xmlns:r="http://schemas.openxmlformats.org/officeDocument/2006/relationships" xmlns:p="http://schemas.openxmlformats.org/presentationml/2006/main">
   <p:cSld>
     <p:bg>
@@ -23212,7 +23920,724 @@
 </p:sld>
 </file>
 
-<file path=ppt/slides/slide19.xml><?xml version="1.0" encoding="utf-8"?>
+<file path=ppt/slides/slide2.xml><?xml version="1.0" encoding="utf-8"?>
+<p:sld xmlns:a="http://schemas.openxmlformats.org/drawingml/2006/main" xmlns:r="http://schemas.openxmlformats.org/officeDocument/2006/relationships" xmlns:p="http://schemas.openxmlformats.org/presentationml/2006/main">
+  <p:cSld>
+    <p:bg>
+      <p:bgPr>
+        <a:blipFill dpi="0" rotWithShape="1">
+          <a:blip r:embed="rId3">
+            <a:lum/>
+          </a:blip>
+          <a:srcRect/>
+          <a:stretch>
+            <a:fillRect/>
+          </a:stretch>
+        </a:blipFill>
+        <a:effectLst/>
+      </p:bgPr>
+    </p:bg>
+    <p:spTree>
+      <p:nvGrpSpPr>
+        <p:cNvPr id="1" name="Shape 106"/>
+        <p:cNvGrpSpPr/>
+        <p:nvPr/>
+      </p:nvGrpSpPr>
+      <p:grpSpPr>
+        <a:xfrm>
+          <a:off x="0" y="0"/>
+          <a:ext cx="0" cy="0"/>
+          <a:chOff x="0" y="0"/>
+          <a:chExt cx="0" cy="0"/>
+        </a:xfrm>
+      </p:grpSpPr>
+      <p:sp>
+        <p:nvSpPr>
+          <p:cNvPr id="107" name="Google Shape;107;p2"/>
+          <p:cNvSpPr txBox="1"/>
+          <p:nvPr/>
+        </p:nvSpPr>
+        <p:spPr>
+          <a:xfrm>
+            <a:off x="464188" y="2330072"/>
+            <a:ext cx="11861800" cy="3908722"/>
+          </a:xfrm>
+          <a:prstGeom prst="rect">
+            <a:avLst/>
+          </a:prstGeom>
+          <a:noFill/>
+          <a:ln>
+            <a:noFill/>
+          </a:ln>
+        </p:spPr>
+        <p:txBody>
+          <a:bodyPr spcFirstLastPara="1" wrap="square" lIns="91425" tIns="45700" rIns="91425" bIns="45700" anchor="t" anchorCtr="0">
+            <a:spAutoFit/>
+          </a:bodyPr>
+          <a:lstStyle/>
+          <a:p>
+            <a:pPr marL="742950" indent="-742950">
+              <a:buClr>
+                <a:schemeClr val="bg1">
+                  <a:lumMod val="50000"/>
+                </a:schemeClr>
+              </a:buClr>
+              <a:buSzPts val="3200"/>
+              <a:buFont typeface="+mj-lt"/>
+              <a:buAutoNum type="arabicPeriod"/>
+            </a:pPr>
+            <a:r>
+              <a:rPr lang="en-US" sz="3600" b="1" dirty="0">
+                <a:solidFill>
+                  <a:srgbClr val="A646A0"/>
+                </a:solidFill>
+                <a:latin typeface="Lexend"/>
+                <a:ea typeface="Lexend"/>
+                <a:cs typeface="Lexend"/>
+                <a:sym typeface="Lexend"/>
+              </a:rPr>
+              <a:t>ABP 10 </a:t>
+            </a:r>
+            <a:r>
+              <a:rPr lang="en-US" sz="2400" b="1" i="0" dirty="0">
+                <a:solidFill>
+                  <a:srgbClr val="F0F6FC"/>
+                </a:solidFill>
+                <a:effectLst/>
+                <a:latin typeface="-apple-system"/>
+              </a:rPr>
+              <a:t>🗣 </a:t>
+            </a:r>
+            <a:r>
+              <a:rPr lang="en-US" sz="3600" b="1" dirty="0" err="1">
+                <a:solidFill>
+                  <a:srgbClr val="4691C9"/>
+                </a:solidFill>
+                <a:latin typeface="Lexend"/>
+                <a:ea typeface="Lexend"/>
+                <a:cs typeface="Lexend"/>
+                <a:sym typeface="Lexend"/>
+              </a:rPr>
+              <a:t>Engincan</a:t>
+            </a:r>
+            <a:r>
+              <a:rPr lang="en-US" sz="3600" b="1" dirty="0">
+                <a:solidFill>
+                  <a:srgbClr val="4691C9"/>
+                </a:solidFill>
+                <a:latin typeface="Lexend"/>
+                <a:ea typeface="Lexend"/>
+                <a:cs typeface="Lexend"/>
+                <a:sym typeface="Lexend"/>
+              </a:rPr>
+              <a:t> </a:t>
+            </a:r>
+            <a:r>
+              <a:rPr lang="en-US" sz="3600" b="1" dirty="0" err="1">
+                <a:solidFill>
+                  <a:srgbClr val="4691C9"/>
+                </a:solidFill>
+                <a:latin typeface="Lexend"/>
+                <a:ea typeface="Lexend"/>
+                <a:cs typeface="Lexend"/>
+                <a:sym typeface="Lexend"/>
+              </a:rPr>
+              <a:t>Veske</a:t>
+            </a:r>
+            <a:endParaRPr lang="en-US" sz="3600" b="1" dirty="0">
+              <a:solidFill>
+                <a:srgbClr val="4691C9"/>
+              </a:solidFill>
+              <a:latin typeface="Lexend"/>
+              <a:ea typeface="Lexend"/>
+              <a:cs typeface="Lexend"/>
+              <a:sym typeface="Lexend"/>
+            </a:endParaRPr>
+          </a:p>
+          <a:p>
+            <a:pPr marL="742950" indent="-742950">
+              <a:buClr>
+                <a:schemeClr val="bg1">
+                  <a:lumMod val="50000"/>
+                </a:schemeClr>
+              </a:buClr>
+              <a:buSzPts val="3200"/>
+              <a:buFont typeface="+mj-lt"/>
+              <a:buAutoNum type="arabicPeriod"/>
+            </a:pPr>
+            <a:r>
+              <a:rPr lang="en-US" sz="3600" b="1" dirty="0">
+                <a:solidFill>
+                  <a:srgbClr val="A646A0"/>
+                </a:solidFill>
+                <a:latin typeface="Lexend"/>
+                <a:ea typeface="Lexend"/>
+                <a:cs typeface="Lexend"/>
+                <a:sym typeface="Lexend"/>
+              </a:rPr>
+              <a:t>C# 14</a:t>
+            </a:r>
+            <a:r>
+              <a:rPr lang="en-US" sz="4400" b="1" i="0" dirty="0">
+                <a:solidFill>
+                  <a:srgbClr val="A646A0"/>
+                </a:solidFill>
+                <a:effectLst/>
+                <a:latin typeface="-apple-system"/>
+              </a:rPr>
+              <a:t> </a:t>
+            </a:r>
+            <a:r>
+              <a:rPr lang="en-US" sz="2400" b="1" i="0" dirty="0">
+                <a:solidFill>
+                  <a:srgbClr val="F0F6FC"/>
+                </a:solidFill>
+                <a:effectLst/>
+                <a:latin typeface="-apple-system"/>
+              </a:rPr>
+              <a:t>🗣</a:t>
+            </a:r>
+            <a:r>
+              <a:rPr lang="en-US" sz="4400" b="1" i="0" dirty="0">
+                <a:solidFill>
+                  <a:srgbClr val="F0F6FC"/>
+                </a:solidFill>
+                <a:effectLst/>
+                <a:latin typeface="-apple-system"/>
+              </a:rPr>
+              <a:t> </a:t>
+            </a:r>
+            <a:r>
+              <a:rPr lang="en-US" sz="3600" b="1" dirty="0" err="1">
+                <a:solidFill>
+                  <a:srgbClr val="4691C9"/>
+                </a:solidFill>
+                <a:latin typeface="Lexend"/>
+                <a:ea typeface="Lexend"/>
+                <a:cs typeface="Lexend"/>
+                <a:sym typeface="Lexend"/>
+              </a:rPr>
+              <a:t>Berkan</a:t>
+            </a:r>
+            <a:r>
+              <a:rPr lang="en-US" sz="3600" b="1" dirty="0">
+                <a:solidFill>
+                  <a:srgbClr val="4691C9"/>
+                </a:solidFill>
+                <a:latin typeface="Lexend"/>
+                <a:ea typeface="Lexend"/>
+                <a:cs typeface="Lexend"/>
+                <a:sym typeface="Lexend"/>
+              </a:rPr>
+              <a:t> </a:t>
+            </a:r>
+            <a:r>
+              <a:rPr lang="en-US" sz="3600" b="1" dirty="0" err="1">
+                <a:solidFill>
+                  <a:srgbClr val="4691C9"/>
+                </a:solidFill>
+                <a:latin typeface="Lexend"/>
+                <a:ea typeface="Lexend"/>
+                <a:cs typeface="Lexend"/>
+                <a:sym typeface="Lexend"/>
+              </a:rPr>
+              <a:t>Sasmaz</a:t>
+            </a:r>
+            <a:endParaRPr lang="en-US" sz="3600" b="1" dirty="0">
+              <a:solidFill>
+                <a:srgbClr val="4691C9"/>
+              </a:solidFill>
+              <a:latin typeface="Lexend"/>
+              <a:ea typeface="Lexend"/>
+              <a:cs typeface="Lexend"/>
+              <a:sym typeface="Lexend"/>
+            </a:endParaRPr>
+          </a:p>
+          <a:p>
+            <a:pPr marL="742950" marR="0" lvl="0" indent="-742950" rtl="0">
+              <a:lnSpc>
+                <a:spcPct val="100000"/>
+              </a:lnSpc>
+              <a:spcBef>
+                <a:spcPts val="0"/>
+              </a:spcBef>
+              <a:spcAft>
+                <a:spcPts val="0"/>
+              </a:spcAft>
+              <a:buClr>
+                <a:schemeClr val="bg1">
+                  <a:lumMod val="50000"/>
+                </a:schemeClr>
+              </a:buClr>
+              <a:buSzPts val="3200"/>
+              <a:buFont typeface="+mj-lt"/>
+              <a:buAutoNum type="arabicPeriod"/>
+            </a:pPr>
+            <a:r>
+              <a:rPr lang="en-US" sz="3600" b="1" dirty="0">
+                <a:solidFill>
+                  <a:srgbClr val="A646A0"/>
+                </a:solidFill>
+                <a:latin typeface="Lexend"/>
+                <a:ea typeface="Lexend"/>
+                <a:cs typeface="Lexend"/>
+                <a:sym typeface="Lexend"/>
+              </a:rPr>
+              <a:t>Libraries &amp; Runtime</a:t>
+            </a:r>
+            <a:r>
+              <a:rPr lang="en-US" sz="3600" b="1" dirty="0">
+                <a:solidFill>
+                  <a:srgbClr val="292D33"/>
+                </a:solidFill>
+                <a:latin typeface="Lexend"/>
+                <a:ea typeface="Lexend"/>
+                <a:cs typeface="Lexend"/>
+                <a:sym typeface="Lexend"/>
+              </a:rPr>
+              <a:t> </a:t>
+            </a:r>
+            <a:r>
+              <a:rPr lang="en-US" sz="2400" b="1" i="0" dirty="0">
+                <a:solidFill>
+                  <a:srgbClr val="F0F6FC"/>
+                </a:solidFill>
+                <a:effectLst/>
+                <a:latin typeface="-apple-system"/>
+              </a:rPr>
+              <a:t>🗣</a:t>
+            </a:r>
+            <a:r>
+              <a:rPr lang="en-US" sz="3600" b="1" dirty="0">
+                <a:solidFill>
+                  <a:srgbClr val="292D33"/>
+                </a:solidFill>
+                <a:latin typeface="Lexend"/>
+                <a:ea typeface="Lexend"/>
+                <a:cs typeface="Lexend"/>
+                <a:sym typeface="Lexend"/>
+              </a:rPr>
+              <a:t> </a:t>
+            </a:r>
+            <a:r>
+              <a:rPr lang="en-US" sz="3600" b="1" dirty="0">
+                <a:solidFill>
+                  <a:srgbClr val="4691C9"/>
+                </a:solidFill>
+                <a:latin typeface="Lexend"/>
+                <a:ea typeface="Lexend"/>
+                <a:cs typeface="Lexend"/>
+                <a:sym typeface="Lexend"/>
+              </a:rPr>
+              <a:t>Alper Ebicoglu</a:t>
+            </a:r>
+          </a:p>
+          <a:p>
+            <a:pPr marL="742950" indent="-742950">
+              <a:buClr>
+                <a:schemeClr val="bg1">
+                  <a:lumMod val="50000"/>
+                </a:schemeClr>
+              </a:buClr>
+              <a:buSzPts val="3200"/>
+              <a:buFont typeface="+mj-lt"/>
+              <a:buAutoNum type="arabicPeriod"/>
+            </a:pPr>
+            <a:r>
+              <a:rPr lang="en-US" sz="3600" b="1" dirty="0">
+                <a:solidFill>
+                  <a:srgbClr val="A646A0"/>
+                </a:solidFill>
+                <a:latin typeface="Lexend"/>
+                <a:ea typeface="Lexend"/>
+                <a:cs typeface="Lexend"/>
+                <a:sym typeface="Lexend"/>
+              </a:rPr>
+              <a:t>ASP.NET Core</a:t>
+            </a:r>
+            <a:r>
+              <a:rPr lang="en-US" sz="4400" b="1" i="0" dirty="0">
+                <a:solidFill>
+                  <a:srgbClr val="A646A0"/>
+                </a:solidFill>
+                <a:effectLst/>
+                <a:latin typeface="-apple-system"/>
+              </a:rPr>
+              <a:t> </a:t>
+            </a:r>
+            <a:r>
+              <a:rPr lang="en-US" sz="2400" b="1" i="0" dirty="0">
+                <a:solidFill>
+                  <a:srgbClr val="F0F6FC"/>
+                </a:solidFill>
+                <a:effectLst/>
+                <a:latin typeface="-apple-system"/>
+              </a:rPr>
+              <a:t>🗣</a:t>
+            </a:r>
+            <a:r>
+              <a:rPr lang="en-US" sz="4400" b="1" i="0" dirty="0">
+                <a:solidFill>
+                  <a:srgbClr val="F0F6FC"/>
+                </a:solidFill>
+                <a:effectLst/>
+                <a:latin typeface="-apple-system"/>
+              </a:rPr>
+              <a:t> </a:t>
+            </a:r>
+            <a:r>
+              <a:rPr lang="en-US" sz="3600" b="1" dirty="0">
+                <a:solidFill>
+                  <a:srgbClr val="4691C9"/>
+                </a:solidFill>
+                <a:latin typeface="Lexend"/>
+                <a:ea typeface="Lexend"/>
+                <a:cs typeface="Lexend"/>
+                <a:sym typeface="Lexend"/>
+              </a:rPr>
+              <a:t>Mansur </a:t>
+            </a:r>
+            <a:r>
+              <a:rPr lang="en-US" sz="3600" b="1" dirty="0" err="1">
+                <a:solidFill>
+                  <a:srgbClr val="4691C9"/>
+                </a:solidFill>
+                <a:latin typeface="Lexend"/>
+                <a:ea typeface="Lexend"/>
+                <a:cs typeface="Lexend"/>
+                <a:sym typeface="Lexend"/>
+              </a:rPr>
+              <a:t>Besleney</a:t>
+            </a:r>
+            <a:r>
+              <a:rPr lang="en-US" sz="3600" b="1" dirty="0">
+                <a:solidFill>
+                  <a:srgbClr val="4691C9"/>
+                </a:solidFill>
+                <a:latin typeface="Lexend"/>
+                <a:ea typeface="Lexend"/>
+                <a:cs typeface="Lexend"/>
+                <a:sym typeface="Lexend"/>
+              </a:rPr>
+              <a:t> </a:t>
+            </a:r>
+          </a:p>
+          <a:p>
+            <a:pPr marL="742950" indent="-742950">
+              <a:buClr>
+                <a:schemeClr val="bg1">
+                  <a:lumMod val="50000"/>
+                </a:schemeClr>
+              </a:buClr>
+              <a:buSzPts val="3200"/>
+              <a:buFont typeface="+mj-lt"/>
+              <a:buAutoNum type="arabicPeriod"/>
+            </a:pPr>
+            <a:r>
+              <a:rPr lang="en-US" sz="3600" b="1" dirty="0">
+                <a:solidFill>
+                  <a:srgbClr val="A646A0"/>
+                </a:solidFill>
+                <a:latin typeface="Lexend"/>
+                <a:ea typeface="Lexend"/>
+                <a:cs typeface="Lexend"/>
+                <a:sym typeface="Lexend"/>
+              </a:rPr>
+              <a:t>.NET MAUI</a:t>
+            </a:r>
+            <a:r>
+              <a:rPr lang="en-US" sz="4400" b="1" i="0" dirty="0">
+                <a:solidFill>
+                  <a:srgbClr val="A646A0"/>
+                </a:solidFill>
+                <a:effectLst/>
+                <a:latin typeface="-apple-system"/>
+              </a:rPr>
+              <a:t> </a:t>
+            </a:r>
+            <a:r>
+              <a:rPr lang="en-US" sz="2400" b="1" i="0" dirty="0">
+                <a:solidFill>
+                  <a:srgbClr val="F0F6FC"/>
+                </a:solidFill>
+                <a:effectLst/>
+                <a:latin typeface="-apple-system"/>
+              </a:rPr>
+              <a:t>🗣 </a:t>
+            </a:r>
+            <a:r>
+              <a:rPr lang="en-US" sz="3600" b="1" dirty="0" err="1">
+                <a:solidFill>
+                  <a:srgbClr val="4691C9"/>
+                </a:solidFill>
+                <a:latin typeface="Lexend"/>
+                <a:ea typeface="Lexend"/>
+                <a:cs typeface="Lexend"/>
+                <a:sym typeface="Lexend"/>
+              </a:rPr>
+              <a:t>Enis</a:t>
+            </a:r>
+            <a:r>
+              <a:rPr lang="en-US" sz="3600" b="1" dirty="0">
+                <a:solidFill>
+                  <a:srgbClr val="4691C9"/>
+                </a:solidFill>
+                <a:latin typeface="Lexend"/>
+                <a:ea typeface="Lexend"/>
+                <a:cs typeface="Lexend"/>
+                <a:sym typeface="Lexend"/>
+              </a:rPr>
+              <a:t> </a:t>
+            </a:r>
+            <a:r>
+              <a:rPr lang="en-US" sz="3600" b="1" dirty="0" err="1">
+                <a:solidFill>
+                  <a:srgbClr val="4691C9"/>
+                </a:solidFill>
+                <a:latin typeface="Lexend"/>
+                <a:ea typeface="Lexend"/>
+                <a:cs typeface="Lexend"/>
+                <a:sym typeface="Lexend"/>
+              </a:rPr>
+              <a:t>Necipoglu</a:t>
+            </a:r>
+            <a:endParaRPr lang="en-US" sz="3600" b="1" dirty="0">
+              <a:solidFill>
+                <a:srgbClr val="4691C9"/>
+              </a:solidFill>
+              <a:latin typeface="Lexend"/>
+              <a:ea typeface="Lexend"/>
+              <a:cs typeface="Lexend"/>
+              <a:sym typeface="Lexend"/>
+            </a:endParaRPr>
+          </a:p>
+          <a:p>
+            <a:pPr marL="742950" indent="-742950">
+              <a:buClr>
+                <a:schemeClr val="bg1">
+                  <a:lumMod val="50000"/>
+                </a:schemeClr>
+              </a:buClr>
+              <a:buSzPts val="3200"/>
+              <a:buFont typeface="+mj-lt"/>
+              <a:buAutoNum type="arabicPeriod"/>
+            </a:pPr>
+            <a:r>
+              <a:rPr lang="en-US" sz="3600" b="1" dirty="0">
+                <a:solidFill>
+                  <a:srgbClr val="A646A0"/>
+                </a:solidFill>
+                <a:latin typeface="Lexend"/>
+                <a:ea typeface="Lexend"/>
+                <a:cs typeface="Lexend"/>
+                <a:sym typeface="Lexend"/>
+              </a:rPr>
+              <a:t>EF Core 10</a:t>
+            </a:r>
+            <a:r>
+              <a:rPr lang="en-US" sz="4400" b="1" i="0" dirty="0">
+                <a:solidFill>
+                  <a:srgbClr val="A646A0"/>
+                </a:solidFill>
+                <a:effectLst/>
+                <a:latin typeface="-apple-system"/>
+              </a:rPr>
+              <a:t> </a:t>
+            </a:r>
+            <a:r>
+              <a:rPr lang="en-US" sz="2400" b="1" i="0" dirty="0">
+                <a:solidFill>
+                  <a:srgbClr val="F0F6FC"/>
+                </a:solidFill>
+                <a:effectLst/>
+                <a:latin typeface="-apple-system"/>
+              </a:rPr>
+              <a:t>🗣 </a:t>
+            </a:r>
+            <a:r>
+              <a:rPr lang="en-US" sz="3600" b="1" dirty="0" err="1">
+                <a:solidFill>
+                  <a:srgbClr val="4691C9"/>
+                </a:solidFill>
+                <a:latin typeface="Lexend"/>
+                <a:ea typeface="Lexend"/>
+                <a:cs typeface="Lexend"/>
+                <a:sym typeface="Lexend"/>
+              </a:rPr>
+              <a:t>Oguzhan</a:t>
+            </a:r>
+            <a:r>
+              <a:rPr lang="en-US" sz="3600" b="1" dirty="0">
+                <a:solidFill>
+                  <a:srgbClr val="4691C9"/>
+                </a:solidFill>
+                <a:latin typeface="Lexend"/>
+                <a:ea typeface="Lexend"/>
+                <a:cs typeface="Lexend"/>
+                <a:sym typeface="Lexend"/>
+              </a:rPr>
+              <a:t> </a:t>
+            </a:r>
+            <a:r>
+              <a:rPr lang="en-US" sz="3600" b="1" dirty="0" err="1">
+                <a:solidFill>
+                  <a:srgbClr val="4691C9"/>
+                </a:solidFill>
+                <a:latin typeface="Lexend"/>
+                <a:ea typeface="Lexend"/>
+                <a:cs typeface="Lexend"/>
+                <a:sym typeface="Lexend"/>
+              </a:rPr>
+              <a:t>Agir</a:t>
+            </a:r>
+            <a:endParaRPr lang="en-US" sz="3600" b="1" dirty="0">
+              <a:solidFill>
+                <a:srgbClr val="4691C9"/>
+              </a:solidFill>
+              <a:latin typeface="Lexend"/>
+              <a:ea typeface="Lexend"/>
+              <a:cs typeface="Lexend"/>
+              <a:sym typeface="Lexend"/>
+            </a:endParaRPr>
+          </a:p>
+        </p:txBody>
+      </p:sp>
+      <p:sp>
+        <p:nvSpPr>
+          <p:cNvPr id="4" name="Google Shape;107;p2">
+            <a:extLst>
+              <a:ext uri="{FF2B5EF4-FFF2-40B4-BE49-F238E27FC236}">
+                <a16:creationId xmlns:a16="http://schemas.microsoft.com/office/drawing/2014/main" id="{02AC51CC-EBB7-4116-9DC7-6AC55CD8EC5A}"/>
+              </a:ext>
+            </a:extLst>
+          </p:cNvPr>
+          <p:cNvSpPr txBox="1"/>
+          <p:nvPr/>
+        </p:nvSpPr>
+        <p:spPr>
+          <a:xfrm>
+            <a:off x="464188" y="413663"/>
+            <a:ext cx="10720064" cy="1446509"/>
+          </a:xfrm>
+          <a:prstGeom prst="rect">
+            <a:avLst/>
+          </a:prstGeom>
+          <a:noFill/>
+          <a:ln>
+            <a:noFill/>
+          </a:ln>
+        </p:spPr>
+        <p:txBody>
+          <a:bodyPr spcFirstLastPara="1" wrap="square" lIns="91425" tIns="45700" rIns="91425" bIns="45700" anchor="t" anchorCtr="0">
+            <a:spAutoFit/>
+          </a:bodyPr>
+          <a:lstStyle/>
+          <a:p>
+            <a:pPr marL="0" marR="0" lvl="0" indent="0" algn="l" rtl="0">
+              <a:lnSpc>
+                <a:spcPct val="100000"/>
+              </a:lnSpc>
+              <a:spcBef>
+                <a:spcPts val="0"/>
+              </a:spcBef>
+              <a:spcAft>
+                <a:spcPts val="0"/>
+              </a:spcAft>
+              <a:buClr>
+                <a:srgbClr val="000000"/>
+              </a:buClr>
+              <a:buSzPts val="3200"/>
+              <a:buFont typeface="Arial"/>
+              <a:buNone/>
+            </a:pPr>
+            <a:r>
+              <a:rPr lang="en-US" sz="4400" b="1" dirty="0">
+                <a:solidFill>
+                  <a:srgbClr val="292D33"/>
+                </a:solidFill>
+                <a:latin typeface="Lexend"/>
+                <a:ea typeface="Lexend"/>
+                <a:cs typeface="Lexend"/>
+                <a:sym typeface="Lexend"/>
+              </a:rPr>
+              <a:t>TODAY’S AGENDA </a:t>
+            </a:r>
+            <a:br>
+              <a:rPr lang="en-US" sz="4400" b="1" dirty="0">
+                <a:solidFill>
+                  <a:srgbClr val="292D33"/>
+                </a:solidFill>
+                <a:latin typeface="Lexend"/>
+                <a:ea typeface="Lexend"/>
+                <a:cs typeface="Lexend"/>
+                <a:sym typeface="Lexend"/>
+              </a:rPr>
+            </a:br>
+            <a:r>
+              <a:rPr lang="en-US" sz="4400" b="1" dirty="0">
+                <a:solidFill>
+                  <a:srgbClr val="292D33"/>
+                </a:solidFill>
+                <a:latin typeface="Lexend"/>
+                <a:ea typeface="Lexend"/>
+                <a:cs typeface="Lexend"/>
+                <a:sym typeface="Lexend"/>
+              </a:rPr>
+              <a:t>.NET 10 &amp; ABP 10 Improvements </a:t>
+            </a:r>
+          </a:p>
+        </p:txBody>
+      </p:sp>
+      <p:cxnSp>
+        <p:nvCxnSpPr>
+          <p:cNvPr id="3" name="Straight Connector 2">
+            <a:extLst>
+              <a:ext uri="{FF2B5EF4-FFF2-40B4-BE49-F238E27FC236}">
+                <a16:creationId xmlns:a16="http://schemas.microsoft.com/office/drawing/2014/main" id="{C941B243-28E5-4E2F-AEBD-799AF04B5B34}"/>
+              </a:ext>
+            </a:extLst>
+          </p:cNvPr>
+          <p:cNvCxnSpPr/>
+          <p:nvPr/>
+        </p:nvCxnSpPr>
+        <p:spPr>
+          <a:xfrm>
+            <a:off x="464188" y="2057400"/>
+            <a:ext cx="11054712" cy="0"/>
+          </a:xfrm>
+          <a:prstGeom prst="line">
+            <a:avLst/>
+          </a:prstGeom>
+        </p:spPr>
+        <p:style>
+          <a:lnRef idx="1">
+            <a:schemeClr val="accent1"/>
+          </a:lnRef>
+          <a:fillRef idx="0">
+            <a:schemeClr val="accent1"/>
+          </a:fillRef>
+          <a:effectRef idx="0">
+            <a:schemeClr val="accent1"/>
+          </a:effectRef>
+          <a:fontRef idx="minor">
+            <a:schemeClr val="tx1"/>
+          </a:fontRef>
+        </p:style>
+      </p:cxnSp>
+    </p:spTree>
+    <p:extLst>
+      <p:ext uri="{BB962C8B-B14F-4D97-AF65-F5344CB8AC3E}">
+        <p14:creationId xmlns:p14="http://schemas.microsoft.com/office/powerpoint/2010/main" val="3846769621"/>
+      </p:ext>
+    </p:extLst>
+  </p:cSld>
+  <p:clrMapOvr>
+    <a:masterClrMapping/>
+  </p:clrMapOvr>
+</p:sld>
+</file>
+
+<file path=ppt/slides/slide20.xml><?xml version="1.0" encoding="utf-8"?>
 <p:sld xmlns:a="http://schemas.openxmlformats.org/drawingml/2006/main" xmlns:r="http://schemas.openxmlformats.org/officeDocument/2006/relationships" xmlns:p="http://schemas.openxmlformats.org/presentationml/2006/main">
   <p:cSld>
     <p:bg>
@@ -23571,7 +24996,1395 @@
 </p:sld>
 </file>
 
-<file path=ppt/slides/slide2.xml><?xml version="1.0" encoding="utf-8"?>
+<file path=ppt/slides/slide21.xml><?xml version="1.0" encoding="utf-8"?>
+<p:sld xmlns:a="http://schemas.openxmlformats.org/drawingml/2006/main" xmlns:r="http://schemas.openxmlformats.org/officeDocument/2006/relationships" xmlns:p="http://schemas.openxmlformats.org/presentationml/2006/main">
+  <p:cSld>
+    <p:bg>
+      <p:bgPr>
+        <a:blipFill dpi="0" rotWithShape="1">
+          <a:blip r:embed="rId3">
+            <a:lum/>
+          </a:blip>
+          <a:srcRect/>
+          <a:stretch>
+            <a:fillRect/>
+          </a:stretch>
+        </a:blipFill>
+        <a:effectLst/>
+      </p:bgPr>
+    </p:bg>
+    <p:spTree>
+      <p:nvGrpSpPr>
+        <p:cNvPr id="1" name="Shape 106"/>
+        <p:cNvGrpSpPr/>
+        <p:nvPr/>
+      </p:nvGrpSpPr>
+      <p:grpSpPr>
+        <a:xfrm>
+          <a:off x="0" y="0"/>
+          <a:ext cx="0" cy="0"/>
+          <a:chOff x="0" y="0"/>
+          <a:chExt cx="0" cy="0"/>
+        </a:xfrm>
+      </p:grpSpPr>
+      <p:sp>
+        <p:nvSpPr>
+          <p:cNvPr id="107" name="Google Shape;107;p2"/>
+          <p:cNvSpPr txBox="1"/>
+          <p:nvPr/>
+        </p:nvSpPr>
+        <p:spPr>
+          <a:xfrm>
+            <a:off x="451488" y="464463"/>
+            <a:ext cx="10720064" cy="1138733"/>
+          </a:xfrm>
+          <a:prstGeom prst="rect">
+            <a:avLst/>
+          </a:prstGeom>
+          <a:noFill/>
+          <a:ln>
+            <a:noFill/>
+          </a:ln>
+        </p:spPr>
+        <p:txBody>
+          <a:bodyPr spcFirstLastPara="1" wrap="square" lIns="91425" tIns="45700" rIns="91425" bIns="45700" anchor="t" anchorCtr="0">
+            <a:spAutoFit/>
+          </a:bodyPr>
+          <a:lstStyle/>
+          <a:p>
+            <a:pPr marL="0" marR="0" lvl="0" indent="0" algn="l" rtl="0">
+              <a:lnSpc>
+                <a:spcPct val="100000"/>
+              </a:lnSpc>
+              <a:spcBef>
+                <a:spcPts val="0"/>
+              </a:spcBef>
+              <a:spcAft>
+                <a:spcPts val="0"/>
+              </a:spcAft>
+              <a:buClr>
+                <a:srgbClr val="000000"/>
+              </a:buClr>
+              <a:buSzPts val="3200"/>
+              <a:buFont typeface="Arial"/>
+              <a:buNone/>
+            </a:pPr>
+            <a:r>
+              <a:rPr lang="en-US" sz="3400" b="1" dirty="0">
+                <a:solidFill>
+                  <a:srgbClr val="292D33"/>
+                </a:solidFill>
+                <a:latin typeface="Lexend"/>
+                <a:ea typeface="Lexend"/>
+                <a:cs typeface="Lexend"/>
+                <a:sym typeface="Lexend"/>
+              </a:rPr>
+              <a:t>.NET Runtime Improvements </a:t>
+            </a:r>
+          </a:p>
+          <a:p>
+            <a:pPr marR="0" lvl="0" algn="l" rtl="0">
+              <a:lnSpc>
+                <a:spcPct val="100000"/>
+              </a:lnSpc>
+              <a:spcBef>
+                <a:spcPts val="0"/>
+              </a:spcBef>
+              <a:spcAft>
+                <a:spcPts val="0"/>
+              </a:spcAft>
+              <a:buClr>
+                <a:srgbClr val="000000"/>
+              </a:buClr>
+              <a:buSzPts val="3200"/>
+            </a:pPr>
+            <a:r>
+              <a:rPr lang="en-US" sz="3400" dirty="0">
+                <a:solidFill>
+                  <a:srgbClr val="292D33"/>
+                </a:solidFill>
+                <a:latin typeface="Lexend"/>
+                <a:ea typeface="Lexend"/>
+                <a:cs typeface="Lexend"/>
+                <a:sym typeface="Lexend"/>
+              </a:rPr>
+              <a:t>Stack allocation: Escape Analysis </a:t>
+            </a:r>
+          </a:p>
+        </p:txBody>
+      </p:sp>
+      <p:sp>
+        <p:nvSpPr>
+          <p:cNvPr id="4" name="TextBox 3">
+            <a:extLst>
+              <a:ext uri="{FF2B5EF4-FFF2-40B4-BE49-F238E27FC236}">
+                <a16:creationId xmlns:a16="http://schemas.microsoft.com/office/drawing/2014/main" id="{B31C5C58-3121-4F59-A9BF-C5B28AE6298B}"/>
+              </a:ext>
+            </a:extLst>
+          </p:cNvPr>
+          <p:cNvSpPr txBox="1"/>
+          <p:nvPr/>
+        </p:nvSpPr>
+        <p:spPr>
+          <a:xfrm>
+            <a:off x="451488" y="2844225"/>
+            <a:ext cx="11080112" cy="584775"/>
+          </a:xfrm>
+          <a:prstGeom prst="rect">
+            <a:avLst/>
+          </a:prstGeom>
+          <a:noFill/>
+        </p:spPr>
+        <p:txBody>
+          <a:bodyPr wrap="square">
+            <a:spAutoFit/>
+          </a:bodyPr>
+          <a:lstStyle/>
+          <a:p>
+            <a:r>
+              <a:rPr lang="en-US" sz="1600" dirty="0">
+                <a:latin typeface="Poppins" panose="00000500000000000000" pitchFamily="2" charset="-94"/>
+                <a:cs typeface="Poppins" panose="00000500000000000000" pitchFamily="2" charset="-94"/>
+              </a:rPr>
+              <a:t>The JIT can now track whether objects stored inside structs or delegates “escape” their method scope.</a:t>
+            </a:r>
+            <a:br>
+              <a:rPr lang="en-US" sz="1600" dirty="0">
+                <a:latin typeface="Poppins" panose="00000500000000000000" pitchFamily="2" charset="-94"/>
+                <a:cs typeface="Poppins" panose="00000500000000000000" pitchFamily="2" charset="-94"/>
+              </a:rPr>
+            </a:br>
+            <a:r>
+              <a:rPr lang="en-US" sz="1600" dirty="0">
+                <a:latin typeface="Poppins" panose="00000500000000000000" pitchFamily="2" charset="-94"/>
+                <a:cs typeface="Poppins" panose="00000500000000000000" pitchFamily="2" charset="-94"/>
+              </a:rPr>
+              <a:t>If they don’t, those objects can be </a:t>
+            </a:r>
+            <a:r>
+              <a:rPr lang="en-US" sz="1600" b="1" dirty="0">
+                <a:latin typeface="Poppins" panose="00000500000000000000" pitchFamily="2" charset="-94"/>
+                <a:cs typeface="Poppins" panose="00000500000000000000" pitchFamily="2" charset="-94"/>
+              </a:rPr>
+              <a:t>stack-allocated</a:t>
+            </a:r>
+            <a:r>
+              <a:rPr lang="en-US" sz="1600" dirty="0">
+                <a:latin typeface="Poppins" panose="00000500000000000000" pitchFamily="2" charset="-94"/>
+                <a:cs typeface="Poppins" panose="00000500000000000000" pitchFamily="2" charset="-94"/>
+              </a:rPr>
+              <a:t> safely.</a:t>
+            </a:r>
+          </a:p>
+        </p:txBody>
+      </p:sp>
+      <p:sp>
+        <p:nvSpPr>
+          <p:cNvPr id="5" name="TextBox 4">
+            <a:extLst>
+              <a:ext uri="{FF2B5EF4-FFF2-40B4-BE49-F238E27FC236}">
+                <a16:creationId xmlns:a16="http://schemas.microsoft.com/office/drawing/2014/main" id="{7A4D0A6E-B94E-4E30-8A2B-F40B7F6F692A}"/>
+              </a:ext>
+            </a:extLst>
+          </p:cNvPr>
+          <p:cNvSpPr txBox="1"/>
+          <p:nvPr/>
+        </p:nvSpPr>
+        <p:spPr>
+          <a:xfrm>
+            <a:off x="735968" y="4836288"/>
+            <a:ext cx="10720064" cy="1323439"/>
+          </a:xfrm>
+          <a:prstGeom prst="rect">
+            <a:avLst/>
+          </a:prstGeom>
+          <a:noFill/>
+        </p:spPr>
+        <p:txBody>
+          <a:bodyPr wrap="square">
+            <a:spAutoFit/>
+          </a:bodyPr>
+          <a:lstStyle/>
+          <a:p>
+            <a:r>
+              <a:rPr lang="en-US" sz="1600" dirty="0">
+                <a:latin typeface="Poppins" panose="00000500000000000000" pitchFamily="2" charset="-94"/>
+                <a:cs typeface="Poppins" panose="00000500000000000000" pitchFamily="2" charset="-94"/>
+              </a:rPr>
+              <a:t>✅ </a:t>
+            </a:r>
+            <a:r>
+              <a:rPr lang="en-US" sz="1600" b="1" dirty="0">
+                <a:latin typeface="Poppins" panose="00000500000000000000" pitchFamily="2" charset="-94"/>
+                <a:cs typeface="Poppins" panose="00000500000000000000" pitchFamily="2" charset="-94"/>
+              </a:rPr>
+              <a:t>What this means:</a:t>
+            </a:r>
+          </a:p>
+          <a:p>
+            <a:endParaRPr lang="en-US" sz="1600" dirty="0">
+              <a:latin typeface="Poppins" panose="00000500000000000000" pitchFamily="2" charset="-94"/>
+              <a:cs typeface="Poppins" panose="00000500000000000000" pitchFamily="2" charset="-94"/>
+            </a:endParaRPr>
+          </a:p>
+          <a:p>
+            <a:pPr marL="285750" indent="-285750">
+              <a:buFont typeface="Arial" panose="020B0604020202020204" pitchFamily="34" charset="0"/>
+              <a:buChar char="•"/>
+            </a:pPr>
+            <a:r>
+              <a:rPr lang="en-US" sz="1600" dirty="0">
+                <a:latin typeface="Poppins" panose="00000500000000000000" pitchFamily="2" charset="-94"/>
+                <a:cs typeface="Poppins" panose="00000500000000000000" pitchFamily="2" charset="-94"/>
+              </a:rPr>
+              <a:t>Less heap allocation for structs and lambda expressions.</a:t>
+            </a:r>
+          </a:p>
+          <a:p>
+            <a:pPr marL="285750" indent="-285750">
+              <a:buFont typeface="Arial" panose="020B0604020202020204" pitchFamily="34" charset="0"/>
+              <a:buChar char="•"/>
+            </a:pPr>
+            <a:r>
+              <a:rPr lang="en-US" sz="1600" dirty="0">
+                <a:latin typeface="Poppins" panose="00000500000000000000" pitchFamily="2" charset="-94"/>
+                <a:cs typeface="Poppins" panose="00000500000000000000" pitchFamily="2" charset="-94"/>
+              </a:rPr>
+              <a:t>Reduced GC activity and lower memory churn.</a:t>
+            </a:r>
+          </a:p>
+          <a:p>
+            <a:pPr marL="285750" indent="-285750">
+              <a:buFont typeface="Arial" panose="020B0604020202020204" pitchFamily="34" charset="0"/>
+              <a:buChar char="•"/>
+            </a:pPr>
+            <a:r>
+              <a:rPr lang="en-US" sz="1600" dirty="0">
+                <a:latin typeface="Poppins" panose="00000500000000000000" pitchFamily="2" charset="-94"/>
+                <a:cs typeface="Poppins" panose="00000500000000000000" pitchFamily="2" charset="-94"/>
+              </a:rPr>
+              <a:t>Cleaner, faster execution of methods using local structs or small lambdas.</a:t>
+            </a:r>
+          </a:p>
+        </p:txBody>
+      </p:sp>
+      <p:sp>
+        <p:nvSpPr>
+          <p:cNvPr id="2" name="Rectangle: Rounded Corners 1">
+            <a:extLst>
+              <a:ext uri="{FF2B5EF4-FFF2-40B4-BE49-F238E27FC236}">
+                <a16:creationId xmlns:a16="http://schemas.microsoft.com/office/drawing/2014/main" id="{9D2494D4-C856-45E3-4665-D7DB82F6DE1B}"/>
+              </a:ext>
+            </a:extLst>
+          </p:cNvPr>
+          <p:cNvSpPr/>
+          <p:nvPr/>
+        </p:nvSpPr>
+        <p:spPr>
+          <a:xfrm>
+            <a:off x="548640" y="4602480"/>
+            <a:ext cx="10007600" cy="1791057"/>
+          </a:xfrm>
+          <a:prstGeom prst="roundRect">
+            <a:avLst/>
+          </a:prstGeom>
+          <a:noFill/>
+          <a:ln w="9525" cap="flat" cmpd="sng" algn="ctr">
+            <a:solidFill>
+              <a:schemeClr val="dk1"/>
+            </a:solidFill>
+            <a:prstDash val="solid"/>
+            <a:round/>
+            <a:headEnd type="none" w="med" len="med"/>
+            <a:tailEnd type="none" w="med" len="med"/>
+          </a:ln>
+        </p:spPr>
+        <p:style>
+          <a:lnRef idx="0">
+            <a:scrgbClr r="0" g="0" b="0"/>
+          </a:lnRef>
+          <a:fillRef idx="0">
+            <a:scrgbClr r="0" g="0" b="0"/>
+          </a:fillRef>
+          <a:effectRef idx="0">
+            <a:scrgbClr r="0" g="0" b="0"/>
+          </a:effectRef>
+          <a:fontRef idx="minor">
+            <a:schemeClr val="dk1"/>
+          </a:fontRef>
+        </p:style>
+        <p:txBody>
+          <a:bodyPr rtlCol="0" anchor="ctr"/>
+          <a:lstStyle/>
+          <a:p>
+            <a:pPr algn="ctr"/>
+            <a:endParaRPr lang="tr-TR"/>
+          </a:p>
+        </p:txBody>
+      </p:sp>
+    </p:spTree>
+    <p:extLst>
+      <p:ext uri="{BB962C8B-B14F-4D97-AF65-F5344CB8AC3E}">
+        <p14:creationId xmlns:p14="http://schemas.microsoft.com/office/powerpoint/2010/main" val="186455537"/>
+      </p:ext>
+    </p:extLst>
+  </p:cSld>
+  <p:clrMapOvr>
+    <a:masterClrMapping/>
+  </p:clrMapOvr>
+</p:sld>
+</file>
+
+<file path=ppt/slides/slide22.xml><?xml version="1.0" encoding="utf-8"?>
+<p:sld xmlns:a="http://schemas.openxmlformats.org/drawingml/2006/main" xmlns:r="http://schemas.openxmlformats.org/officeDocument/2006/relationships" xmlns:p="http://schemas.openxmlformats.org/presentationml/2006/main" show="0">
+  <p:cSld>
+    <p:bg>
+      <p:bgPr>
+        <a:blipFill dpi="0" rotWithShape="1">
+          <a:blip r:embed="rId3">
+            <a:lum/>
+          </a:blip>
+          <a:srcRect/>
+          <a:stretch>
+            <a:fillRect/>
+          </a:stretch>
+        </a:blipFill>
+        <a:effectLst/>
+      </p:bgPr>
+    </p:bg>
+    <p:spTree>
+      <p:nvGrpSpPr>
+        <p:cNvPr id="1" name="Shape 106"/>
+        <p:cNvGrpSpPr/>
+        <p:nvPr/>
+      </p:nvGrpSpPr>
+      <p:grpSpPr>
+        <a:xfrm>
+          <a:off x="0" y="0"/>
+          <a:ext cx="0" cy="0"/>
+          <a:chOff x="0" y="0"/>
+          <a:chExt cx="0" cy="0"/>
+        </a:xfrm>
+      </p:grpSpPr>
+      <p:sp>
+        <p:nvSpPr>
+          <p:cNvPr id="107" name="Google Shape;107;p2"/>
+          <p:cNvSpPr txBox="1"/>
+          <p:nvPr/>
+        </p:nvSpPr>
+        <p:spPr>
+          <a:xfrm>
+            <a:off x="451488" y="464463"/>
+            <a:ext cx="10720064" cy="1138733"/>
+          </a:xfrm>
+          <a:prstGeom prst="rect">
+            <a:avLst/>
+          </a:prstGeom>
+          <a:noFill/>
+          <a:ln>
+            <a:noFill/>
+          </a:ln>
+        </p:spPr>
+        <p:txBody>
+          <a:bodyPr spcFirstLastPara="1" wrap="square" lIns="91425" tIns="45700" rIns="91425" bIns="45700" anchor="t" anchorCtr="0">
+            <a:spAutoFit/>
+          </a:bodyPr>
+          <a:lstStyle/>
+          <a:p>
+            <a:pPr marL="0" marR="0" lvl="0" indent="0" algn="l" rtl="0">
+              <a:lnSpc>
+                <a:spcPct val="100000"/>
+              </a:lnSpc>
+              <a:spcBef>
+                <a:spcPts val="0"/>
+              </a:spcBef>
+              <a:spcAft>
+                <a:spcPts val="0"/>
+              </a:spcAft>
+              <a:buClr>
+                <a:srgbClr val="000000"/>
+              </a:buClr>
+              <a:buSzPts val="3200"/>
+              <a:buFont typeface="Arial"/>
+              <a:buNone/>
+            </a:pPr>
+            <a:r>
+              <a:rPr lang="en-US" sz="3400" b="1" dirty="0">
+                <a:solidFill>
+                  <a:srgbClr val="292D33"/>
+                </a:solidFill>
+                <a:latin typeface="Lexend"/>
+                <a:ea typeface="Lexend"/>
+                <a:cs typeface="Lexend"/>
+                <a:sym typeface="Lexend"/>
+              </a:rPr>
+              <a:t>.NET Runtime Improvements </a:t>
+            </a:r>
+          </a:p>
+          <a:p>
+            <a:pPr marR="0" lvl="0" algn="l" rtl="0">
+              <a:lnSpc>
+                <a:spcPct val="100000"/>
+              </a:lnSpc>
+              <a:spcBef>
+                <a:spcPts val="0"/>
+              </a:spcBef>
+              <a:spcAft>
+                <a:spcPts val="0"/>
+              </a:spcAft>
+              <a:buClr>
+                <a:srgbClr val="000000"/>
+              </a:buClr>
+              <a:buSzPts val="3200"/>
+            </a:pPr>
+            <a:r>
+              <a:rPr lang="en-US" sz="3400" dirty="0">
+                <a:solidFill>
+                  <a:srgbClr val="292D33"/>
+                </a:solidFill>
+                <a:latin typeface="Lexend"/>
+                <a:ea typeface="Lexend"/>
+                <a:cs typeface="Lexend"/>
+                <a:sym typeface="Lexend"/>
+              </a:rPr>
+              <a:t>Arm64 write-barrier improvements</a:t>
+            </a:r>
+          </a:p>
+        </p:txBody>
+      </p:sp>
+      <p:sp>
+        <p:nvSpPr>
+          <p:cNvPr id="4" name="TextBox 3">
+            <a:extLst>
+              <a:ext uri="{FF2B5EF4-FFF2-40B4-BE49-F238E27FC236}">
+                <a16:creationId xmlns:a16="http://schemas.microsoft.com/office/drawing/2014/main" id="{D3095CC8-9F6F-4415-97F1-23407E3B8F48}"/>
+              </a:ext>
+            </a:extLst>
+          </p:cNvPr>
+          <p:cNvSpPr txBox="1"/>
+          <p:nvPr/>
+        </p:nvSpPr>
+        <p:spPr>
+          <a:xfrm>
+            <a:off x="451488" y="2856339"/>
+            <a:ext cx="11080112" cy="830997"/>
+          </a:xfrm>
+          <a:prstGeom prst="rect">
+            <a:avLst/>
+          </a:prstGeom>
+          <a:noFill/>
+        </p:spPr>
+        <p:txBody>
+          <a:bodyPr wrap="square">
+            <a:spAutoFit/>
+          </a:bodyPr>
+          <a:lstStyle/>
+          <a:p>
+            <a:r>
+              <a:rPr lang="en-US" sz="1600" dirty="0">
+                <a:latin typeface="Poppins" panose="00000500000000000000" pitchFamily="2" charset="-94"/>
+                <a:cs typeface="Poppins" panose="00000500000000000000" pitchFamily="2" charset="-94"/>
+              </a:rPr>
+              <a:t>The garbage collector’s </a:t>
+            </a:r>
+            <a:r>
+              <a:rPr lang="en-US" sz="1600" b="1" dirty="0">
+                <a:latin typeface="Poppins" panose="00000500000000000000" pitchFamily="2" charset="-94"/>
+                <a:cs typeface="Poppins" panose="00000500000000000000" pitchFamily="2" charset="-94"/>
+              </a:rPr>
+              <a:t>write-barrier logic,</a:t>
+            </a:r>
+            <a:r>
+              <a:rPr lang="en-US" sz="1600" dirty="0">
+                <a:latin typeface="Poppins" panose="00000500000000000000" pitchFamily="2" charset="-94"/>
+                <a:cs typeface="Poppins" panose="00000500000000000000" pitchFamily="2" charset="-94"/>
+              </a:rPr>
+              <a:t> which tracks references between generations, </a:t>
+            </a:r>
+            <a:br>
+              <a:rPr lang="en-US" sz="1600" dirty="0">
+                <a:latin typeface="Poppins" panose="00000500000000000000" pitchFamily="2" charset="-94"/>
+                <a:cs typeface="Poppins" panose="00000500000000000000" pitchFamily="2" charset="-94"/>
+              </a:rPr>
+            </a:br>
+            <a:r>
+              <a:rPr lang="en-US" sz="1600" dirty="0">
+                <a:latin typeface="Poppins" panose="00000500000000000000" pitchFamily="2" charset="-94"/>
+                <a:cs typeface="Poppins" panose="00000500000000000000" pitchFamily="2" charset="-94"/>
+              </a:rPr>
+              <a:t>is now smarter on Arm64 processors.</a:t>
+            </a:r>
+            <a:br>
+              <a:rPr lang="en-US" sz="1600" dirty="0">
+                <a:latin typeface="Poppins" panose="00000500000000000000" pitchFamily="2" charset="-94"/>
+                <a:cs typeface="Poppins" panose="00000500000000000000" pitchFamily="2" charset="-94"/>
+              </a:rPr>
+            </a:br>
+            <a:r>
+              <a:rPr lang="en-US" sz="1600" dirty="0">
+                <a:latin typeface="Poppins" panose="00000500000000000000" pitchFamily="2" charset="-94"/>
+                <a:cs typeface="Poppins" panose="00000500000000000000" pitchFamily="2" charset="-94"/>
+              </a:rPr>
+              <a:t>It reduces unnecessary scanning of memory regions during GC cycles.</a:t>
+            </a:r>
+          </a:p>
+        </p:txBody>
+      </p:sp>
+      <p:sp>
+        <p:nvSpPr>
+          <p:cNvPr id="5" name="TextBox 4">
+            <a:extLst>
+              <a:ext uri="{FF2B5EF4-FFF2-40B4-BE49-F238E27FC236}">
+                <a16:creationId xmlns:a16="http://schemas.microsoft.com/office/drawing/2014/main" id="{4B30E1EA-C7BC-4506-9FA5-01EBD7CB9467}"/>
+              </a:ext>
+            </a:extLst>
+          </p:cNvPr>
+          <p:cNvSpPr txBox="1"/>
+          <p:nvPr/>
+        </p:nvSpPr>
+        <p:spPr>
+          <a:xfrm>
+            <a:off x="695328" y="4836288"/>
+            <a:ext cx="10948032" cy="1323439"/>
+          </a:xfrm>
+          <a:prstGeom prst="rect">
+            <a:avLst/>
+          </a:prstGeom>
+          <a:noFill/>
+        </p:spPr>
+        <p:txBody>
+          <a:bodyPr wrap="square">
+            <a:spAutoFit/>
+          </a:bodyPr>
+          <a:lstStyle/>
+          <a:p>
+            <a:r>
+              <a:rPr lang="en-US" sz="1600" dirty="0">
+                <a:latin typeface="Poppins" panose="00000500000000000000" pitchFamily="2" charset="-94"/>
+                <a:cs typeface="Poppins" panose="00000500000000000000" pitchFamily="2" charset="-94"/>
+              </a:rPr>
+              <a:t>✅ </a:t>
+            </a:r>
+            <a:r>
+              <a:rPr lang="en-US" sz="1600" b="1" dirty="0">
+                <a:latin typeface="Poppins" panose="00000500000000000000" pitchFamily="2" charset="-94"/>
+                <a:cs typeface="Poppins" panose="00000500000000000000" pitchFamily="2" charset="-94"/>
+              </a:rPr>
+              <a:t>What this means:</a:t>
+            </a:r>
+          </a:p>
+          <a:p>
+            <a:endParaRPr lang="en-US" sz="1600" dirty="0">
+              <a:latin typeface="Poppins" panose="00000500000000000000" pitchFamily="2" charset="-94"/>
+              <a:cs typeface="Poppins" panose="00000500000000000000" pitchFamily="2" charset="-94"/>
+            </a:endParaRPr>
+          </a:p>
+          <a:p>
+            <a:pPr marL="285750" indent="-285750">
+              <a:buFont typeface="Arial" panose="020B0604020202020204" pitchFamily="34" charset="0"/>
+              <a:buChar char="•"/>
+            </a:pPr>
+            <a:r>
+              <a:rPr lang="en-US" sz="1600" dirty="0">
+                <a:latin typeface="Poppins" panose="00000500000000000000" pitchFamily="2" charset="-94"/>
+                <a:cs typeface="Poppins" panose="00000500000000000000" pitchFamily="2" charset="-94"/>
+              </a:rPr>
+              <a:t>Faster and smoother garbage collection on Arm64 devices.</a:t>
+            </a:r>
+          </a:p>
+          <a:p>
+            <a:pPr marL="285750" indent="-285750">
+              <a:buFont typeface="Arial" panose="020B0604020202020204" pitchFamily="34" charset="0"/>
+              <a:buChar char="•"/>
+            </a:pPr>
+            <a:r>
+              <a:rPr lang="en-US" sz="1600" dirty="0">
+                <a:latin typeface="Poppins" panose="00000500000000000000" pitchFamily="2" charset="-94"/>
+                <a:cs typeface="Poppins" panose="00000500000000000000" pitchFamily="2" charset="-94"/>
+              </a:rPr>
+              <a:t>Up to </a:t>
+            </a:r>
+            <a:r>
+              <a:rPr lang="en-US" sz="1600" b="1" dirty="0">
+                <a:latin typeface="Poppins" panose="00000500000000000000" pitchFamily="2" charset="-94"/>
+                <a:cs typeface="Poppins" panose="00000500000000000000" pitchFamily="2" charset="-94"/>
+              </a:rPr>
+              <a:t>8–20% shorter GC pauses</a:t>
+            </a:r>
+            <a:r>
+              <a:rPr lang="en-US" sz="1600" dirty="0">
+                <a:latin typeface="Poppins" panose="00000500000000000000" pitchFamily="2" charset="-94"/>
+                <a:cs typeface="Poppins" panose="00000500000000000000" pitchFamily="2" charset="-94"/>
+              </a:rPr>
+              <a:t> in some workloads.</a:t>
+            </a:r>
+          </a:p>
+          <a:p>
+            <a:pPr marL="285750" indent="-285750">
+              <a:buFont typeface="Arial" panose="020B0604020202020204" pitchFamily="34" charset="0"/>
+              <a:buChar char="•"/>
+            </a:pPr>
+            <a:r>
+              <a:rPr lang="en-US" sz="1600" dirty="0">
+                <a:latin typeface="Poppins" panose="00000500000000000000" pitchFamily="2" charset="-94"/>
+                <a:cs typeface="Poppins" panose="00000500000000000000" pitchFamily="2" charset="-94"/>
+              </a:rPr>
+              <a:t>Better .NET performance on ARM-based servers and devices</a:t>
+            </a:r>
+          </a:p>
+        </p:txBody>
+      </p:sp>
+      <p:sp>
+        <p:nvSpPr>
+          <p:cNvPr id="2" name="Rectangle: Rounded Corners 1">
+            <a:extLst>
+              <a:ext uri="{FF2B5EF4-FFF2-40B4-BE49-F238E27FC236}">
+                <a16:creationId xmlns:a16="http://schemas.microsoft.com/office/drawing/2014/main" id="{2C73F17B-313F-E683-C594-A416F7407AB3}"/>
+              </a:ext>
+            </a:extLst>
+          </p:cNvPr>
+          <p:cNvSpPr/>
+          <p:nvPr/>
+        </p:nvSpPr>
+        <p:spPr>
+          <a:xfrm>
+            <a:off x="548640" y="4602480"/>
+            <a:ext cx="10007600" cy="1791057"/>
+          </a:xfrm>
+          <a:prstGeom prst="roundRect">
+            <a:avLst/>
+          </a:prstGeom>
+          <a:noFill/>
+          <a:ln w="9525" cap="flat" cmpd="sng" algn="ctr">
+            <a:solidFill>
+              <a:schemeClr val="dk1"/>
+            </a:solidFill>
+            <a:prstDash val="solid"/>
+            <a:round/>
+            <a:headEnd type="none" w="med" len="med"/>
+            <a:tailEnd type="none" w="med" len="med"/>
+          </a:ln>
+        </p:spPr>
+        <p:style>
+          <a:lnRef idx="0">
+            <a:scrgbClr r="0" g="0" b="0"/>
+          </a:lnRef>
+          <a:fillRef idx="0">
+            <a:scrgbClr r="0" g="0" b="0"/>
+          </a:fillRef>
+          <a:effectRef idx="0">
+            <a:scrgbClr r="0" g="0" b="0"/>
+          </a:effectRef>
+          <a:fontRef idx="minor">
+            <a:schemeClr val="dk1"/>
+          </a:fontRef>
+        </p:style>
+        <p:txBody>
+          <a:bodyPr rtlCol="0" anchor="ctr"/>
+          <a:lstStyle/>
+          <a:p>
+            <a:pPr algn="ctr"/>
+            <a:endParaRPr lang="tr-TR"/>
+          </a:p>
+        </p:txBody>
+      </p:sp>
+    </p:spTree>
+    <p:extLst>
+      <p:ext uri="{BB962C8B-B14F-4D97-AF65-F5344CB8AC3E}">
+        <p14:creationId xmlns:p14="http://schemas.microsoft.com/office/powerpoint/2010/main" val="2626706405"/>
+      </p:ext>
+    </p:extLst>
+  </p:cSld>
+  <p:clrMapOvr>
+    <a:masterClrMapping/>
+  </p:clrMapOvr>
+</p:sld>
+</file>
+
+<file path=ppt/slides/slide23.xml><?xml version="1.0" encoding="utf-8"?>
+<p:sld xmlns:a="http://schemas.openxmlformats.org/drawingml/2006/main" xmlns:r="http://schemas.openxmlformats.org/officeDocument/2006/relationships" xmlns:p="http://schemas.openxmlformats.org/presentationml/2006/main">
+  <p:cSld>
+    <p:bg>
+      <p:bgPr>
+        <a:blipFill>
+          <a:blip r:embed="rId3">
+            <a:alphaModFix/>
+          </a:blip>
+          <a:stretch>
+            <a:fillRect/>
+          </a:stretch>
+        </a:blipFill>
+        <a:effectLst/>
+      </p:bgPr>
+    </p:bg>
+    <p:spTree>
+      <p:nvGrpSpPr>
+        <p:cNvPr id="1" name="Shape 191">
+          <a:extLst>
+            <a:ext uri="{FF2B5EF4-FFF2-40B4-BE49-F238E27FC236}">
+              <a16:creationId xmlns:a16="http://schemas.microsoft.com/office/drawing/2014/main" id="{26A494BC-757C-503C-E601-7F2357379746}"/>
+            </a:ext>
+          </a:extLst>
+        </p:cNvPr>
+        <p:cNvGrpSpPr/>
+        <p:nvPr/>
+      </p:nvGrpSpPr>
+      <p:grpSpPr>
+        <a:xfrm>
+          <a:off x="0" y="0"/>
+          <a:ext cx="0" cy="0"/>
+          <a:chOff x="0" y="0"/>
+          <a:chExt cx="0" cy="0"/>
+        </a:xfrm>
+      </p:grpSpPr>
+      <p:sp>
+        <p:nvSpPr>
+          <p:cNvPr id="3" name="TextBox 2">
+            <a:extLst>
+              <a:ext uri="{FF2B5EF4-FFF2-40B4-BE49-F238E27FC236}">
+                <a16:creationId xmlns:a16="http://schemas.microsoft.com/office/drawing/2014/main" id="{34B14B31-CA9A-BC15-3D14-13AFCBBC304E}"/>
+              </a:ext>
+            </a:extLst>
+          </p:cNvPr>
+          <p:cNvSpPr txBox="1"/>
+          <p:nvPr/>
+        </p:nvSpPr>
+        <p:spPr>
+          <a:xfrm>
+            <a:off x="0" y="867737"/>
+            <a:ext cx="12192000" cy="5878532"/>
+          </a:xfrm>
+          <a:prstGeom prst="rect">
+            <a:avLst/>
+          </a:prstGeom>
+          <a:noFill/>
+        </p:spPr>
+        <p:txBody>
+          <a:bodyPr wrap="square">
+            <a:spAutoFit/>
+          </a:bodyPr>
+          <a:lstStyle/>
+          <a:p>
+            <a:pPr algn="ctr"/>
+            <a:r>
+              <a:rPr lang="en-US" sz="4800" b="1" dirty="0">
+                <a:ln/>
+                <a:pattFill prst="dkUpDiag">
+                  <a:fgClr>
+                    <a:schemeClr val="bg1">
+                      <a:lumMod val="50000"/>
+                    </a:schemeClr>
+                  </a:fgClr>
+                  <a:bgClr>
+                    <a:schemeClr val="tx1">
+                      <a:lumMod val="75000"/>
+                      <a:lumOff val="25000"/>
+                    </a:schemeClr>
+                  </a:bgClr>
+                </a:pattFill>
+                <a:effectLst>
+                  <a:outerShdw blurRad="38100" dist="19050" dir="2700000" algn="tl" rotWithShape="0">
+                    <a:schemeClr val="dk1">
+                      <a:lumMod val="50000"/>
+                      <a:alpha val="40000"/>
+                    </a:schemeClr>
+                  </a:outerShdw>
+                </a:effectLst>
+                <a:latin typeface="Lexend"/>
+                <a:ea typeface="Lexend"/>
+                <a:cs typeface="Lexend"/>
+                <a:sym typeface="Lexend"/>
+              </a:rPr>
+              <a:t>BLACK FRIDAY DISCOUNT</a:t>
+            </a:r>
+            <a:endParaRPr lang="tr-TR" sz="4800" b="1" dirty="0">
+              <a:ln/>
+              <a:pattFill prst="dkUpDiag">
+                <a:fgClr>
+                  <a:schemeClr val="bg1">
+                    <a:lumMod val="50000"/>
+                  </a:schemeClr>
+                </a:fgClr>
+                <a:bgClr>
+                  <a:schemeClr val="tx1">
+                    <a:lumMod val="75000"/>
+                    <a:lumOff val="25000"/>
+                  </a:schemeClr>
+                </a:bgClr>
+              </a:pattFill>
+              <a:effectLst>
+                <a:outerShdw blurRad="38100" dist="19050" dir="2700000" algn="tl" rotWithShape="0">
+                  <a:schemeClr val="dk1">
+                    <a:lumMod val="50000"/>
+                    <a:alpha val="40000"/>
+                  </a:schemeClr>
+                </a:outerShdw>
+              </a:effectLst>
+            </a:endParaRPr>
+          </a:p>
+          <a:p>
+            <a:pPr algn="ctr"/>
+            <a:br>
+              <a:rPr lang="en-US" sz="4800" b="1" dirty="0">
+                <a:solidFill>
+                  <a:srgbClr val="292D33"/>
+                </a:solidFill>
+                <a:latin typeface="Lexend"/>
+                <a:ea typeface="Lexend"/>
+                <a:cs typeface="Lexend"/>
+                <a:sym typeface="Lexend"/>
+              </a:rPr>
+            </a:br>
+            <a:r>
+              <a:rPr lang="en-US" sz="4000" b="1" dirty="0">
+                <a:solidFill>
+                  <a:srgbClr val="292D33"/>
+                </a:solidFill>
+                <a:latin typeface="Lexend"/>
+                <a:ea typeface="Lexend"/>
+                <a:cs typeface="Lexend"/>
+                <a:sym typeface="Lexend"/>
+              </a:rPr>
+              <a:t>When?</a:t>
+            </a:r>
+          </a:p>
+          <a:p>
+            <a:pPr algn="ctr"/>
+            <a:r>
+              <a:rPr lang="en-US" sz="4000" dirty="0">
+                <a:solidFill>
+                  <a:srgbClr val="292D33"/>
+                </a:solidFill>
+                <a:latin typeface="Lexend"/>
+                <a:ea typeface="Lexend"/>
+                <a:cs typeface="Lexend"/>
+                <a:sym typeface="Lexend"/>
+              </a:rPr>
+              <a:t>Starts: 2025-11-24 Ends: 2025-12-01</a:t>
+            </a:r>
+            <a:br>
+              <a:rPr lang="en-US" sz="4000" dirty="0">
+                <a:solidFill>
+                  <a:srgbClr val="292D33"/>
+                </a:solidFill>
+                <a:latin typeface="Lexend"/>
+                <a:ea typeface="Lexend"/>
+                <a:cs typeface="Lexend"/>
+                <a:sym typeface="Lexend"/>
+              </a:rPr>
+            </a:br>
+            <a:endParaRPr lang="en-US" sz="4000" dirty="0">
+              <a:solidFill>
+                <a:srgbClr val="292D33"/>
+              </a:solidFill>
+              <a:latin typeface="Lexend"/>
+              <a:ea typeface="Lexend"/>
+              <a:cs typeface="Lexend"/>
+              <a:sym typeface="Lexend"/>
+            </a:endParaRPr>
+          </a:p>
+          <a:p>
+            <a:pPr algn="ctr"/>
+            <a:r>
+              <a:rPr lang="en-US" sz="4000" b="1" dirty="0">
+                <a:solidFill>
+                  <a:srgbClr val="292D33"/>
+                </a:solidFill>
+                <a:latin typeface="Lexend"/>
+                <a:ea typeface="Lexend"/>
+                <a:cs typeface="Lexend"/>
+                <a:sym typeface="Lexend"/>
+              </a:rPr>
+              <a:t>What’s Included?</a:t>
+            </a:r>
+            <a:endParaRPr lang="en-US" sz="4000" dirty="0">
+              <a:solidFill>
+                <a:srgbClr val="292D33"/>
+              </a:solidFill>
+              <a:latin typeface="Lexend"/>
+              <a:ea typeface="Lexend"/>
+              <a:cs typeface="Lexend"/>
+              <a:sym typeface="Lexend"/>
+            </a:endParaRPr>
+          </a:p>
+          <a:p>
+            <a:pPr algn="ctr"/>
+            <a:r>
+              <a:rPr lang="en-US" sz="4000" dirty="0">
+                <a:solidFill>
+                  <a:srgbClr val="292D33"/>
+                </a:solidFill>
+                <a:latin typeface="Lexend"/>
+                <a:sym typeface="Lexend"/>
+              </a:rPr>
+              <a:t>New license purchase </a:t>
+            </a:r>
+            <a:br>
+              <a:rPr lang="en-US" sz="4000" dirty="0">
+                <a:solidFill>
+                  <a:srgbClr val="292D33"/>
+                </a:solidFill>
+                <a:latin typeface="Lexend"/>
+                <a:sym typeface="Lexend"/>
+              </a:rPr>
+            </a:br>
+            <a:r>
+              <a:rPr lang="en-US" sz="4000" dirty="0">
+                <a:solidFill>
+                  <a:srgbClr val="292D33"/>
+                </a:solidFill>
+                <a:latin typeface="Lexend"/>
+                <a:sym typeface="Lexend"/>
+              </a:rPr>
+              <a:t>Existing license renewals </a:t>
+            </a:r>
+            <a:br>
+              <a:rPr lang="en-US" sz="4000" dirty="0">
+                <a:solidFill>
+                  <a:srgbClr val="292D33"/>
+                </a:solidFill>
+                <a:latin typeface="Lexend"/>
+                <a:sym typeface="Lexend"/>
+              </a:rPr>
+            </a:br>
+            <a:r>
+              <a:rPr lang="en-US" sz="4000" dirty="0">
+                <a:solidFill>
+                  <a:srgbClr val="292D33"/>
+                </a:solidFill>
+                <a:latin typeface="Lexend"/>
+                <a:sym typeface="Lexend"/>
+              </a:rPr>
+              <a:t>Extra developer seats</a:t>
+            </a:r>
+            <a:endParaRPr lang="en-US" sz="4000" dirty="0"/>
+          </a:p>
+        </p:txBody>
+      </p:sp>
+      <p:cxnSp>
+        <p:nvCxnSpPr>
+          <p:cNvPr id="4" name="Straight Connector 3">
+            <a:extLst>
+              <a:ext uri="{FF2B5EF4-FFF2-40B4-BE49-F238E27FC236}">
+                <a16:creationId xmlns:a16="http://schemas.microsoft.com/office/drawing/2014/main" id="{2E38C070-9ADD-CF04-592D-692907A97149}"/>
+              </a:ext>
+            </a:extLst>
+          </p:cNvPr>
+          <p:cNvCxnSpPr/>
+          <p:nvPr/>
+        </p:nvCxnSpPr>
+        <p:spPr>
+          <a:xfrm>
+            <a:off x="426720" y="3873500"/>
+            <a:ext cx="11338560" cy="0"/>
+          </a:xfrm>
+          <a:prstGeom prst="line">
+            <a:avLst/>
+          </a:prstGeom>
+        </p:spPr>
+        <p:style>
+          <a:lnRef idx="1">
+            <a:schemeClr val="dk1"/>
+          </a:lnRef>
+          <a:fillRef idx="0">
+            <a:schemeClr val="dk1"/>
+          </a:fillRef>
+          <a:effectRef idx="0">
+            <a:schemeClr val="dk1"/>
+          </a:effectRef>
+          <a:fontRef idx="minor">
+            <a:schemeClr val="tx1"/>
+          </a:fontRef>
+        </p:style>
+      </p:cxnSp>
+    </p:spTree>
+    <p:extLst>
+      <p:ext uri="{BB962C8B-B14F-4D97-AF65-F5344CB8AC3E}">
+        <p14:creationId xmlns:p14="http://schemas.microsoft.com/office/powerpoint/2010/main" val="3759482579"/>
+      </p:ext>
+    </p:extLst>
+  </p:cSld>
+  <p:clrMapOvr>
+    <a:masterClrMapping/>
+  </p:clrMapOvr>
+</p:sld>
+</file>
+
+<file path=ppt/slides/slide24.xml><?xml version="1.0" encoding="utf-8"?>
+<p:sld xmlns:a="http://schemas.openxmlformats.org/drawingml/2006/main" xmlns:r="http://schemas.openxmlformats.org/officeDocument/2006/relationships" xmlns:p="http://schemas.openxmlformats.org/presentationml/2006/main">
+  <p:cSld>
+    <p:bg>
+      <p:bgPr>
+        <a:blipFill>
+          <a:blip r:embed="rId3">
+            <a:alphaModFix/>
+          </a:blip>
+          <a:stretch>
+            <a:fillRect/>
+          </a:stretch>
+        </a:blipFill>
+        <a:effectLst/>
+      </p:bgPr>
+    </p:bg>
+    <p:spTree>
+      <p:nvGrpSpPr>
+        <p:cNvPr id="1" name="Shape 191">
+          <a:extLst>
+            <a:ext uri="{FF2B5EF4-FFF2-40B4-BE49-F238E27FC236}">
+              <a16:creationId xmlns:a16="http://schemas.microsoft.com/office/drawing/2014/main" id="{FA00270C-27EC-81C9-CBC8-99AD487C3873}"/>
+            </a:ext>
+          </a:extLst>
+        </p:cNvPr>
+        <p:cNvGrpSpPr/>
+        <p:nvPr/>
+      </p:nvGrpSpPr>
+      <p:grpSpPr>
+        <a:xfrm>
+          <a:off x="0" y="0"/>
+          <a:ext cx="0" cy="0"/>
+          <a:chOff x="0" y="0"/>
+          <a:chExt cx="0" cy="0"/>
+        </a:xfrm>
+      </p:grpSpPr>
+      <p:sp>
+        <p:nvSpPr>
+          <p:cNvPr id="3" name="TextBox 2">
+            <a:extLst>
+              <a:ext uri="{FF2B5EF4-FFF2-40B4-BE49-F238E27FC236}">
+                <a16:creationId xmlns:a16="http://schemas.microsoft.com/office/drawing/2014/main" id="{2F349CC6-E0FF-E902-E054-5DC2A1FDECB1}"/>
+              </a:ext>
+            </a:extLst>
+          </p:cNvPr>
+          <p:cNvSpPr txBox="1"/>
+          <p:nvPr/>
+        </p:nvSpPr>
+        <p:spPr>
+          <a:xfrm>
+            <a:off x="172720" y="227657"/>
+            <a:ext cx="11938000" cy="5755422"/>
+          </a:xfrm>
+          <a:prstGeom prst="rect">
+            <a:avLst/>
+          </a:prstGeom>
+          <a:noFill/>
+        </p:spPr>
+        <p:txBody>
+          <a:bodyPr wrap="square">
+            <a:spAutoFit/>
+          </a:bodyPr>
+          <a:lstStyle/>
+          <a:p>
+            <a:pPr algn="ctr"/>
+            <a:r>
+              <a:rPr lang="en-US" sz="4000" b="1" dirty="0">
+                <a:ln/>
+                <a:pattFill prst="dkUpDiag">
+                  <a:fgClr>
+                    <a:schemeClr val="bg1">
+                      <a:lumMod val="50000"/>
+                    </a:schemeClr>
+                  </a:fgClr>
+                  <a:bgClr>
+                    <a:schemeClr val="tx1">
+                      <a:lumMod val="75000"/>
+                      <a:lumOff val="25000"/>
+                    </a:schemeClr>
+                  </a:bgClr>
+                </a:pattFill>
+                <a:effectLst>
+                  <a:outerShdw blurRad="38100" dist="19050" dir="2700000" algn="tl" rotWithShape="0">
+                    <a:schemeClr val="dk1">
+                      <a:lumMod val="50000"/>
+                      <a:alpha val="40000"/>
+                    </a:schemeClr>
+                  </a:outerShdw>
+                </a:effectLst>
+                <a:latin typeface="Lexend"/>
+                <a:ea typeface="Lexend"/>
+                <a:cs typeface="Lexend"/>
+                <a:sym typeface="Lexend"/>
+              </a:rPr>
+              <a:t>ABP REFERRAL PROGRAM</a:t>
+            </a:r>
+          </a:p>
+          <a:p>
+            <a:pPr algn="ctr"/>
+            <a:br>
+              <a:rPr lang="en-US" sz="4000" b="1" dirty="0">
+                <a:solidFill>
+                  <a:srgbClr val="292D33"/>
+                </a:solidFill>
+                <a:latin typeface="Lexend"/>
+                <a:ea typeface="Lexend"/>
+                <a:cs typeface="Lexend"/>
+                <a:sym typeface="Lexend"/>
+              </a:rPr>
+            </a:br>
+            <a:r>
+              <a:rPr lang="en-US" sz="3200" b="1" dirty="0">
+                <a:solidFill>
+                  <a:srgbClr val="292D33"/>
+                </a:solidFill>
+                <a:latin typeface="Lexend"/>
+                <a:ea typeface="Lexend"/>
+                <a:cs typeface="Lexend"/>
+                <a:sym typeface="Lexend"/>
+              </a:rPr>
+              <a:t>Who can apply? </a:t>
+            </a:r>
+          </a:p>
+          <a:p>
+            <a:pPr algn="ctr"/>
+            <a:r>
+              <a:rPr lang="en-US" sz="3200" dirty="0">
+                <a:solidFill>
+                  <a:srgbClr val="292D33"/>
+                </a:solidFill>
+                <a:latin typeface="Lexend"/>
+                <a:ea typeface="Lexend"/>
+                <a:cs typeface="Lexend"/>
+                <a:sym typeface="Lexend"/>
+              </a:rPr>
+              <a:t>ABP customers with past or active license holders</a:t>
+            </a:r>
+            <a:br>
+              <a:rPr lang="en-US" sz="3200" dirty="0">
+                <a:solidFill>
+                  <a:srgbClr val="292D33"/>
+                </a:solidFill>
+                <a:latin typeface="Lexend"/>
+                <a:ea typeface="Lexend"/>
+                <a:cs typeface="Lexend"/>
+                <a:sym typeface="Lexend"/>
+              </a:rPr>
+            </a:br>
+            <a:endParaRPr lang="en-US" sz="3200" dirty="0">
+              <a:solidFill>
+                <a:srgbClr val="292D33"/>
+              </a:solidFill>
+              <a:latin typeface="Lexend"/>
+              <a:ea typeface="Lexend"/>
+              <a:cs typeface="Lexend"/>
+              <a:sym typeface="Lexend"/>
+            </a:endParaRPr>
+          </a:p>
+          <a:p>
+            <a:pPr algn="ctr"/>
+            <a:r>
+              <a:rPr lang="en-US" sz="3200" b="1" dirty="0">
+                <a:solidFill>
+                  <a:srgbClr val="292D33"/>
+                </a:solidFill>
+                <a:latin typeface="Lexend"/>
+                <a:ea typeface="Lexend"/>
+                <a:cs typeface="Lexend"/>
+                <a:sym typeface="Lexend"/>
+              </a:rPr>
+              <a:t>Reward</a:t>
+            </a:r>
+            <a:endParaRPr lang="en-US" sz="3200" dirty="0">
+              <a:solidFill>
+                <a:srgbClr val="292D33"/>
+              </a:solidFill>
+              <a:latin typeface="Lexend"/>
+              <a:ea typeface="Lexend"/>
+              <a:cs typeface="Lexend"/>
+              <a:sym typeface="Lexend"/>
+            </a:endParaRPr>
+          </a:p>
+          <a:p>
+            <a:pPr algn="ctr"/>
+            <a:r>
+              <a:rPr lang="en-US" sz="3200" dirty="0">
+                <a:solidFill>
+                  <a:srgbClr val="292D33"/>
+                </a:solidFill>
+                <a:latin typeface="Lexend"/>
+                <a:ea typeface="Lexend"/>
+                <a:cs typeface="Lexend"/>
+                <a:sym typeface="Lexend"/>
+              </a:rPr>
+              <a:t>5% commission from total amount of purchase</a:t>
+            </a:r>
+            <a:br>
+              <a:rPr lang="en-US" sz="3200" dirty="0">
+                <a:solidFill>
+                  <a:srgbClr val="292D33"/>
+                </a:solidFill>
+                <a:latin typeface="Lexend"/>
+                <a:ea typeface="Lexend"/>
+                <a:cs typeface="Lexend"/>
+                <a:sym typeface="Lexend"/>
+              </a:rPr>
+            </a:br>
+            <a:endParaRPr lang="en-US" sz="3200" dirty="0">
+              <a:solidFill>
+                <a:srgbClr val="292D33"/>
+              </a:solidFill>
+              <a:latin typeface="Lexend"/>
+              <a:ea typeface="Lexend"/>
+              <a:cs typeface="Lexend"/>
+              <a:sym typeface="Lexend"/>
+            </a:endParaRPr>
+          </a:p>
+          <a:p>
+            <a:pPr algn="ctr"/>
+            <a:r>
+              <a:rPr lang="en-US" sz="3200" b="1" dirty="0">
+                <a:solidFill>
+                  <a:srgbClr val="292D33"/>
+                </a:solidFill>
+                <a:latin typeface="Lexend"/>
+                <a:ea typeface="Lexend"/>
+                <a:cs typeface="Lexend"/>
+                <a:sym typeface="Lexend"/>
+              </a:rPr>
+              <a:t>Limitations (2)</a:t>
+            </a:r>
+          </a:p>
+          <a:p>
+            <a:pPr algn="ctr"/>
+            <a:r>
+              <a:rPr lang="en-US" sz="3200" b="1" dirty="0">
+                <a:solidFill>
+                  <a:srgbClr val="292D33"/>
+                </a:solidFill>
+                <a:latin typeface="Lexend"/>
+                <a:ea typeface="Lexend"/>
+                <a:cs typeface="Lexend"/>
+                <a:sym typeface="Lexend"/>
+              </a:rPr>
+              <a:t>1.</a:t>
+            </a:r>
+            <a:r>
+              <a:rPr lang="en-US" sz="3200" dirty="0">
+                <a:solidFill>
+                  <a:srgbClr val="292D33"/>
+                </a:solidFill>
+                <a:latin typeface="Lexend"/>
+                <a:ea typeface="Lexend"/>
+                <a:cs typeface="Lexend"/>
+                <a:sym typeface="Lexend"/>
+              </a:rPr>
+              <a:t> Cannot refer your own company</a:t>
+            </a:r>
+          </a:p>
+          <a:p>
+            <a:pPr algn="ctr"/>
+            <a:r>
+              <a:rPr lang="en-US" sz="3200" b="1" dirty="0">
+                <a:solidFill>
+                  <a:srgbClr val="292D33"/>
+                </a:solidFill>
+                <a:latin typeface="Lexend"/>
+                <a:ea typeface="Lexend"/>
+                <a:cs typeface="Lexend"/>
+                <a:sym typeface="Lexend"/>
+              </a:rPr>
+              <a:t>2. </a:t>
+            </a:r>
+            <a:r>
+              <a:rPr lang="en-US" sz="3200" dirty="0">
+                <a:solidFill>
+                  <a:srgbClr val="292D33"/>
+                </a:solidFill>
+                <a:latin typeface="Lexend"/>
+                <a:ea typeface="Lexend"/>
+                <a:cs typeface="Lexend"/>
+                <a:sym typeface="Lexend"/>
+              </a:rPr>
+              <a:t>Applies only to new purchases (not renewals)</a:t>
+            </a:r>
+            <a:endParaRPr lang="en-US" sz="3200" dirty="0"/>
+          </a:p>
+        </p:txBody>
+      </p:sp>
+      <p:cxnSp>
+        <p:nvCxnSpPr>
+          <p:cNvPr id="4" name="Straight Connector 3">
+            <a:extLst>
+              <a:ext uri="{FF2B5EF4-FFF2-40B4-BE49-F238E27FC236}">
+                <a16:creationId xmlns:a16="http://schemas.microsoft.com/office/drawing/2014/main" id="{5248C4F6-0B0D-957F-1E4B-A9104ACD4CBC}"/>
+              </a:ext>
+            </a:extLst>
+          </p:cNvPr>
+          <p:cNvCxnSpPr/>
+          <p:nvPr/>
+        </p:nvCxnSpPr>
+        <p:spPr>
+          <a:xfrm>
+            <a:off x="406400" y="2763520"/>
+            <a:ext cx="11338560" cy="0"/>
+          </a:xfrm>
+          <a:prstGeom prst="line">
+            <a:avLst/>
+          </a:prstGeom>
+        </p:spPr>
+        <p:style>
+          <a:lnRef idx="1">
+            <a:schemeClr val="dk1"/>
+          </a:lnRef>
+          <a:fillRef idx="0">
+            <a:schemeClr val="dk1"/>
+          </a:fillRef>
+          <a:effectRef idx="0">
+            <a:schemeClr val="dk1"/>
+          </a:effectRef>
+          <a:fontRef idx="minor">
+            <a:schemeClr val="tx1"/>
+          </a:fontRef>
+        </p:style>
+      </p:cxnSp>
+      <p:cxnSp>
+        <p:nvCxnSpPr>
+          <p:cNvPr id="5" name="Straight Connector 4">
+            <a:extLst>
+              <a:ext uri="{FF2B5EF4-FFF2-40B4-BE49-F238E27FC236}">
+                <a16:creationId xmlns:a16="http://schemas.microsoft.com/office/drawing/2014/main" id="{783CCD6C-392A-F6BC-C8E8-0592E0366184}"/>
+              </a:ext>
+            </a:extLst>
+          </p:cNvPr>
+          <p:cNvCxnSpPr/>
+          <p:nvPr/>
+        </p:nvCxnSpPr>
+        <p:spPr>
+          <a:xfrm>
+            <a:off x="426720" y="4277360"/>
+            <a:ext cx="11338560" cy="0"/>
+          </a:xfrm>
+          <a:prstGeom prst="line">
+            <a:avLst/>
+          </a:prstGeom>
+        </p:spPr>
+        <p:style>
+          <a:lnRef idx="1">
+            <a:schemeClr val="dk1"/>
+          </a:lnRef>
+          <a:fillRef idx="0">
+            <a:schemeClr val="dk1"/>
+          </a:fillRef>
+          <a:effectRef idx="0">
+            <a:schemeClr val="dk1"/>
+          </a:effectRef>
+          <a:fontRef idx="minor">
+            <a:schemeClr val="tx1"/>
+          </a:fontRef>
+        </p:style>
+      </p:cxnSp>
+    </p:spTree>
+    <p:extLst>
+      <p:ext uri="{BB962C8B-B14F-4D97-AF65-F5344CB8AC3E}">
+        <p14:creationId xmlns:p14="http://schemas.microsoft.com/office/powerpoint/2010/main" val="3923955890"/>
+      </p:ext>
+    </p:extLst>
+  </p:cSld>
+  <p:clrMapOvr>
+    <a:masterClrMapping/>
+  </p:clrMapOvr>
+</p:sld>
+</file>
+
+<file path=ppt/slides/slide3.xml><?xml version="1.0" encoding="utf-8"?>
 <p:sld xmlns:a="http://schemas.openxmlformats.org/drawingml/2006/main" xmlns:r="http://schemas.openxmlformats.org/officeDocument/2006/relationships" xmlns:p="http://schemas.openxmlformats.org/presentationml/2006/main">
   <p:cSld>
     <p:spTree>
@@ -23747,10 +26560,10 @@
       </p:pic>
       <p:cxnSp>
         <p:nvCxnSpPr>
-          <p:cNvPr id="13" name="Connector: Elbow 12">
+          <p:cNvPr id="3" name="Connector: Elbow 2">
             <a:extLst>
               <a:ext uri="{FF2B5EF4-FFF2-40B4-BE49-F238E27FC236}">
-                <a16:creationId xmlns:a16="http://schemas.microsoft.com/office/drawing/2014/main" id="{D1347B6D-3AC9-4A9E-804E-015D6DBE7B41}"/>
+                <a16:creationId xmlns:a16="http://schemas.microsoft.com/office/drawing/2014/main" id="{7EFB01A6-89C0-44F9-BC68-504D5740B888}"/>
               </a:ext>
             </a:extLst>
           </p:cNvPr>
@@ -23761,15 +26574,15 @@
         </p:nvCxnSpPr>
         <p:spPr>
           <a:xfrm>
-            <a:off x="3781736" y="5801092"/>
-            <a:ext cx="5577840" cy="499641"/>
+            <a:off x="3394691" y="5792995"/>
+            <a:ext cx="6399549" cy="404969"/>
           </a:xfrm>
           <a:prstGeom prst="bentConnector3">
             <a:avLst>
-              <a:gd name="adj1" fmla="val 91"/>
+              <a:gd name="adj1" fmla="val 291"/>
             </a:avLst>
           </a:prstGeom>
-          <a:ln w="76200">
+          <a:ln w="38100">
             <a:solidFill>
               <a:srgbClr val="467886"/>
             </a:solidFill>
@@ -23804,346 +26617,7 @@
 </p:sld>
 </file>
 
-<file path=ppt/slides/slide20.xml><?xml version="1.0" encoding="utf-8"?>
-<p:sld xmlns:a="http://schemas.openxmlformats.org/drawingml/2006/main" xmlns:r="http://schemas.openxmlformats.org/officeDocument/2006/relationships" xmlns:p="http://schemas.openxmlformats.org/presentationml/2006/main">
-  <p:cSld>
-    <p:bg>
-      <p:bgPr>
-        <a:blipFill dpi="0" rotWithShape="1">
-          <a:blip r:embed="rId3">
-            <a:lum/>
-          </a:blip>
-          <a:srcRect/>
-          <a:stretch>
-            <a:fillRect/>
-          </a:stretch>
-        </a:blipFill>
-        <a:effectLst/>
-      </p:bgPr>
-    </p:bg>
-    <p:spTree>
-      <p:nvGrpSpPr>
-        <p:cNvPr id="1" name="Shape 106"/>
-        <p:cNvGrpSpPr/>
-        <p:nvPr/>
-      </p:nvGrpSpPr>
-      <p:grpSpPr>
-        <a:xfrm>
-          <a:off x="0" y="0"/>
-          <a:ext cx="0" cy="0"/>
-          <a:chOff x="0" y="0"/>
-          <a:chExt cx="0" cy="0"/>
-        </a:xfrm>
-      </p:grpSpPr>
-      <p:sp>
-        <p:nvSpPr>
-          <p:cNvPr id="107" name="Google Shape;107;p2"/>
-          <p:cNvSpPr txBox="1"/>
-          <p:nvPr/>
-        </p:nvSpPr>
-        <p:spPr>
-          <a:xfrm>
-            <a:off x="451488" y="464463"/>
-            <a:ext cx="10720064" cy="1138733"/>
-          </a:xfrm>
-          <a:prstGeom prst="rect">
-            <a:avLst/>
-          </a:prstGeom>
-          <a:noFill/>
-          <a:ln>
-            <a:noFill/>
-          </a:ln>
-        </p:spPr>
-        <p:txBody>
-          <a:bodyPr spcFirstLastPara="1" wrap="square" lIns="91425" tIns="45700" rIns="91425" bIns="45700" anchor="t" anchorCtr="0">
-            <a:spAutoFit/>
-          </a:bodyPr>
-          <a:lstStyle/>
-          <a:p>
-            <a:pPr marL="0" marR="0" lvl="0" indent="0" algn="l" rtl="0">
-              <a:lnSpc>
-                <a:spcPct val="100000"/>
-              </a:lnSpc>
-              <a:spcBef>
-                <a:spcPts val="0"/>
-              </a:spcBef>
-              <a:spcAft>
-                <a:spcPts val="0"/>
-              </a:spcAft>
-              <a:buClr>
-                <a:srgbClr val="000000"/>
-              </a:buClr>
-              <a:buSzPts val="3200"/>
-              <a:buFont typeface="Arial"/>
-              <a:buNone/>
-            </a:pPr>
-            <a:r>
-              <a:rPr lang="en-US" sz="3400" b="1" dirty="0">
-                <a:solidFill>
-                  <a:srgbClr val="292D33"/>
-                </a:solidFill>
-                <a:latin typeface="Lexend"/>
-                <a:ea typeface="Lexend"/>
-                <a:cs typeface="Lexend"/>
-                <a:sym typeface="Lexend"/>
-              </a:rPr>
-              <a:t>.NET Runtime Improvements </a:t>
-            </a:r>
-          </a:p>
-          <a:p>
-            <a:pPr marR="0" lvl="0" algn="l" rtl="0">
-              <a:lnSpc>
-                <a:spcPct val="100000"/>
-              </a:lnSpc>
-              <a:spcBef>
-                <a:spcPts val="0"/>
-              </a:spcBef>
-              <a:spcAft>
-                <a:spcPts val="0"/>
-              </a:spcAft>
-              <a:buClr>
-                <a:srgbClr val="000000"/>
-              </a:buClr>
-              <a:buSzPts val="3200"/>
-            </a:pPr>
-            <a:r>
-              <a:rPr lang="en-US" sz="3400" dirty="0">
-                <a:solidFill>
-                  <a:srgbClr val="292D33"/>
-                </a:solidFill>
-                <a:latin typeface="Lexend"/>
-                <a:ea typeface="Lexend"/>
-                <a:cs typeface="Lexend"/>
-                <a:sym typeface="Lexend"/>
-              </a:rPr>
-              <a:t>Stack allocation: Escape Analysis </a:t>
-            </a:r>
-          </a:p>
-        </p:txBody>
-      </p:sp>
-      <p:sp>
-        <p:nvSpPr>
-          <p:cNvPr id="4" name="TextBox 3">
-            <a:extLst>
-              <a:ext uri="{FF2B5EF4-FFF2-40B4-BE49-F238E27FC236}">
-                <a16:creationId xmlns:a16="http://schemas.microsoft.com/office/drawing/2014/main" id="{B31C5C58-3121-4F59-A9BF-C5B28AE6298B}"/>
-              </a:ext>
-            </a:extLst>
-          </p:cNvPr>
-          <p:cNvSpPr txBox="1"/>
-          <p:nvPr/>
-        </p:nvSpPr>
-        <p:spPr>
-          <a:xfrm>
-            <a:off x="451488" y="2844225"/>
-            <a:ext cx="11080112" cy="584775"/>
-          </a:xfrm>
-          <a:prstGeom prst="rect">
-            <a:avLst/>
-          </a:prstGeom>
-          <a:noFill/>
-        </p:spPr>
-        <p:txBody>
-          <a:bodyPr wrap="square">
-            <a:spAutoFit/>
-          </a:bodyPr>
-          <a:lstStyle/>
-          <a:p>
-            <a:r>
-              <a:rPr lang="en-US" sz="1600" dirty="0">
-                <a:latin typeface="Poppins" panose="00000500000000000000" pitchFamily="2" charset="-94"/>
-                <a:cs typeface="Poppins" panose="00000500000000000000" pitchFamily="2" charset="-94"/>
-              </a:rPr>
-              <a:t>The JIT can now track whether objects stored inside structs or delegates “escape” their method scope.</a:t>
-            </a:r>
-            <a:br>
-              <a:rPr lang="en-US" sz="1600" dirty="0">
-                <a:latin typeface="Poppins" panose="00000500000000000000" pitchFamily="2" charset="-94"/>
-                <a:cs typeface="Poppins" panose="00000500000000000000" pitchFamily="2" charset="-94"/>
-              </a:rPr>
-            </a:br>
-            <a:r>
-              <a:rPr lang="en-US" sz="1600" dirty="0">
-                <a:latin typeface="Poppins" panose="00000500000000000000" pitchFamily="2" charset="-94"/>
-                <a:cs typeface="Poppins" panose="00000500000000000000" pitchFamily="2" charset="-94"/>
-              </a:rPr>
-              <a:t>If they don’t, those objects can be </a:t>
-            </a:r>
-            <a:r>
-              <a:rPr lang="en-US" sz="1600" b="1" dirty="0">
-                <a:latin typeface="Poppins" panose="00000500000000000000" pitchFamily="2" charset="-94"/>
-                <a:cs typeface="Poppins" panose="00000500000000000000" pitchFamily="2" charset="-94"/>
-              </a:rPr>
-              <a:t>stack-allocated</a:t>
-            </a:r>
-            <a:r>
-              <a:rPr lang="en-US" sz="1600" dirty="0">
-                <a:latin typeface="Poppins" panose="00000500000000000000" pitchFamily="2" charset="-94"/>
-                <a:cs typeface="Poppins" panose="00000500000000000000" pitchFamily="2" charset="-94"/>
-              </a:rPr>
-              <a:t> safely.</a:t>
-            </a:r>
-          </a:p>
-        </p:txBody>
-      </p:sp>
-      <p:sp>
-        <p:nvSpPr>
-          <p:cNvPr id="5" name="TextBox 4">
-            <a:extLst>
-              <a:ext uri="{FF2B5EF4-FFF2-40B4-BE49-F238E27FC236}">
-                <a16:creationId xmlns:a16="http://schemas.microsoft.com/office/drawing/2014/main" id="{7A4D0A6E-B94E-4E30-8A2B-F40B7F6F692A}"/>
-              </a:ext>
-            </a:extLst>
-          </p:cNvPr>
-          <p:cNvSpPr txBox="1"/>
-          <p:nvPr/>
-        </p:nvSpPr>
-        <p:spPr>
-          <a:xfrm>
-            <a:off x="735968" y="4836288"/>
-            <a:ext cx="10720064" cy="1323439"/>
-          </a:xfrm>
-          <a:prstGeom prst="rect">
-            <a:avLst/>
-          </a:prstGeom>
-          <a:noFill/>
-        </p:spPr>
-        <p:txBody>
-          <a:bodyPr wrap="square">
-            <a:spAutoFit/>
-          </a:bodyPr>
-          <a:lstStyle/>
-          <a:p>
-            <a:r>
-              <a:rPr lang="en-US" sz="1600" dirty="0">
-                <a:latin typeface="Poppins" panose="00000500000000000000" pitchFamily="2" charset="-94"/>
-                <a:cs typeface="Poppins" panose="00000500000000000000" pitchFamily="2" charset="-94"/>
-              </a:rPr>
-              <a:t>✅ </a:t>
-            </a:r>
-            <a:r>
-              <a:rPr lang="en-US" sz="1600" b="1" dirty="0">
-                <a:latin typeface="Poppins" panose="00000500000000000000" pitchFamily="2" charset="-94"/>
-                <a:cs typeface="Poppins" panose="00000500000000000000" pitchFamily="2" charset="-94"/>
-              </a:rPr>
-              <a:t>What this means:</a:t>
-            </a:r>
-          </a:p>
-          <a:p>
-            <a:endParaRPr lang="en-US" sz="1600" dirty="0">
-              <a:latin typeface="Poppins" panose="00000500000000000000" pitchFamily="2" charset="-94"/>
-              <a:cs typeface="Poppins" panose="00000500000000000000" pitchFamily="2" charset="-94"/>
-            </a:endParaRPr>
-          </a:p>
-          <a:p>
-            <a:pPr marL="285750" indent="-285750">
-              <a:buFont typeface="Arial" panose="020B0604020202020204" pitchFamily="34" charset="0"/>
-              <a:buChar char="•"/>
-            </a:pPr>
-            <a:r>
-              <a:rPr lang="en-US" sz="1600" dirty="0">
-                <a:latin typeface="Poppins" panose="00000500000000000000" pitchFamily="2" charset="-94"/>
-                <a:cs typeface="Poppins" panose="00000500000000000000" pitchFamily="2" charset="-94"/>
-              </a:rPr>
-              <a:t>Less heap allocation for structs and lambda expressions.</a:t>
-            </a:r>
-          </a:p>
-          <a:p>
-            <a:pPr marL="285750" indent="-285750">
-              <a:buFont typeface="Arial" panose="020B0604020202020204" pitchFamily="34" charset="0"/>
-              <a:buChar char="•"/>
-            </a:pPr>
-            <a:r>
-              <a:rPr lang="en-US" sz="1600" dirty="0">
-                <a:latin typeface="Poppins" panose="00000500000000000000" pitchFamily="2" charset="-94"/>
-                <a:cs typeface="Poppins" panose="00000500000000000000" pitchFamily="2" charset="-94"/>
-              </a:rPr>
-              <a:t>Reduced GC activity and lower memory churn.</a:t>
-            </a:r>
-          </a:p>
-          <a:p>
-            <a:pPr marL="285750" indent="-285750">
-              <a:buFont typeface="Arial" panose="020B0604020202020204" pitchFamily="34" charset="0"/>
-              <a:buChar char="•"/>
-            </a:pPr>
-            <a:r>
-              <a:rPr lang="en-US" sz="1600" dirty="0">
-                <a:latin typeface="Poppins" panose="00000500000000000000" pitchFamily="2" charset="-94"/>
-                <a:cs typeface="Poppins" panose="00000500000000000000" pitchFamily="2" charset="-94"/>
-              </a:rPr>
-              <a:t>Cleaner, faster execution of methods using local structs or small lambdas.</a:t>
-            </a:r>
-          </a:p>
-        </p:txBody>
-      </p:sp>
-      <p:sp>
-        <p:nvSpPr>
-          <p:cNvPr id="2" name="Rectangle: Rounded Corners 1">
-            <a:extLst>
-              <a:ext uri="{FF2B5EF4-FFF2-40B4-BE49-F238E27FC236}">
-                <a16:creationId xmlns:a16="http://schemas.microsoft.com/office/drawing/2014/main" id="{9D2494D4-C856-45E3-4665-D7DB82F6DE1B}"/>
-              </a:ext>
-            </a:extLst>
-          </p:cNvPr>
-          <p:cNvSpPr/>
-          <p:nvPr/>
-        </p:nvSpPr>
-        <p:spPr>
-          <a:xfrm>
-            <a:off x="548640" y="4602480"/>
-            <a:ext cx="10007600" cy="1791057"/>
-          </a:xfrm>
-          <a:prstGeom prst="roundRect">
-            <a:avLst/>
-          </a:prstGeom>
-          <a:noFill/>
-          <a:ln w="9525" cap="flat" cmpd="sng" algn="ctr">
-            <a:solidFill>
-              <a:schemeClr val="dk1"/>
-            </a:solidFill>
-            <a:prstDash val="solid"/>
-            <a:round/>
-            <a:headEnd type="none" w="med" len="med"/>
-            <a:tailEnd type="none" w="med" len="med"/>
-          </a:ln>
-        </p:spPr>
-        <p:style>
-          <a:lnRef idx="0">
-            <a:scrgbClr r="0" g="0" b="0"/>
-          </a:lnRef>
-          <a:fillRef idx="0">
-            <a:scrgbClr r="0" g="0" b="0"/>
-          </a:fillRef>
-          <a:effectRef idx="0">
-            <a:scrgbClr r="0" g="0" b="0"/>
-          </a:effectRef>
-          <a:fontRef idx="minor">
-            <a:schemeClr val="dk1"/>
-          </a:fontRef>
-        </p:style>
-        <p:txBody>
-          <a:bodyPr rtlCol="0" anchor="ctr"/>
-          <a:lstStyle/>
-          <a:p>
-            <a:pPr algn="ctr"/>
-            <a:endParaRPr lang="tr-TR"/>
-          </a:p>
-        </p:txBody>
-      </p:sp>
-    </p:spTree>
-    <p:extLst>
-      <p:ext uri="{BB962C8B-B14F-4D97-AF65-F5344CB8AC3E}">
-        <p14:creationId xmlns:p14="http://schemas.microsoft.com/office/powerpoint/2010/main" val="186455537"/>
-      </p:ext>
-    </p:extLst>
-  </p:cSld>
-  <p:clrMapOvr>
-    <a:masterClrMapping/>
-  </p:clrMapOvr>
-</p:sld>
-</file>
-
-<file path=ppt/slides/slide21.xml><?xml version="1.0" encoding="utf-8"?>
+<file path=ppt/slides/slide4.xml><?xml version="1.0" encoding="utf-8"?>
 <p:sld xmlns:a="http://schemas.openxmlformats.org/drawingml/2006/main" xmlns:r="http://schemas.openxmlformats.org/officeDocument/2006/relationships" xmlns:p="http://schemas.openxmlformats.org/presentationml/2006/main" show="0">
   <p:cSld>
     <p:bg>
@@ -24226,7 +26700,7 @@
                 <a:cs typeface="Lexend"/>
                 <a:sym typeface="Lexend"/>
               </a:rPr>
-              <a:t>.NET Runtime Improvements </a:t>
+              <a:t>.NET Libraries Improvements </a:t>
             </a:r>
           </a:p>
           <a:p>
@@ -24255,17 +26729,276 @@
                 <a:cs typeface="Lexend"/>
                 <a:sym typeface="Lexend"/>
               </a:rPr>
-              <a:t>Arm64 write-barrier improvements</a:t>
+              <a:t>Post-Quantum Cryptography</a:t>
             </a:r>
           </a:p>
         </p:txBody>
       </p:sp>
       <p:sp>
         <p:nvSpPr>
-          <p:cNvPr id="4" name="TextBox 3">
+          <p:cNvPr id="2" name="Rectangle 1">
             <a:extLst>
               <a:ext uri="{FF2B5EF4-FFF2-40B4-BE49-F238E27FC236}">
-                <a16:creationId xmlns:a16="http://schemas.microsoft.com/office/drawing/2014/main" id="{D3095CC8-9F6F-4415-97F1-23407E3B8F48}"/>
+                <a16:creationId xmlns:a16="http://schemas.microsoft.com/office/drawing/2014/main" id="{A47DB823-8A26-4243-A776-96B4D426DFB8}"/>
+              </a:ext>
+            </a:extLst>
+          </p:cNvPr>
+          <p:cNvSpPr>
+            <a:spLocks noChangeArrowheads="1"/>
+          </p:cNvSpPr>
+          <p:nvPr/>
+        </p:nvSpPr>
+        <p:spPr bwMode="auto">
+          <a:xfrm>
+            <a:off x="451488" y="2347014"/>
+            <a:ext cx="10720064" cy="1569660"/>
+          </a:xfrm>
+          <a:prstGeom prst="rect">
+            <a:avLst/>
+          </a:prstGeom>
+          <a:noFill/>
+          <a:ln>
+            <a:noFill/>
+          </a:ln>
+          <a:effectLst/>
+          <a:extLst>
+            <a:ext uri="{909E8E84-426E-40DD-AFC4-6F175D3DCCD1}">
+              <a14:hiddenFill xmlns:a14="http://schemas.microsoft.com/office/drawing/2010/main">
+                <a:solidFill>
+                  <a:schemeClr val="accent1"/>
+                </a:solidFill>
+              </a14:hiddenFill>
+            </a:ext>
+            <a:ext uri="{91240B29-F687-4F45-9708-019B960494DF}">
+              <a14:hiddenLine xmlns:a14="http://schemas.microsoft.com/office/drawing/2010/main" w="9525">
+                <a:solidFill>
+                  <a:schemeClr val="tx1"/>
+                </a:solidFill>
+                <a:miter lim="800000"/>
+                <a:headEnd/>
+                <a:tailEnd/>
+              </a14:hiddenLine>
+            </a:ext>
+            <a:ext uri="{AF507438-7753-43E0-B8FC-AC1667EBCBE1}">
+              <a14:hiddenEffects xmlns:a14="http://schemas.microsoft.com/office/drawing/2010/main">
+                <a:effectLst>
+                  <a:outerShdw dist="35921" dir="2700000" algn="ctr" rotWithShape="0">
+                    <a:schemeClr val="bg2"/>
+                  </a:outerShdw>
+                </a:effectLst>
+              </a14:hiddenEffects>
+            </a:ext>
+          </a:extLst>
+        </p:spPr>
+        <p:txBody>
+          <a:bodyPr vert="horz" wrap="square" lIns="91440" tIns="45720" rIns="91440" bIns="45720" numCol="1" anchor="ctr" anchorCtr="0" compatLnSpc="1">
+            <a:prstTxWarp prst="textNoShape">
+              <a:avLst/>
+            </a:prstTxWarp>
+            <a:spAutoFit/>
+          </a:bodyPr>
+          <a:lstStyle/>
+          <a:p>
+            <a:pPr marL="0" marR="0" lvl="0" indent="0" algn="l" defTabSz="914400" rtl="0" eaLnBrk="0" fontAlgn="base" latinLnBrk="0" hangingPunct="0">
+              <a:lnSpc>
+                <a:spcPct val="100000"/>
+              </a:lnSpc>
+              <a:spcBef>
+                <a:spcPct val="0"/>
+              </a:spcBef>
+              <a:spcAft>
+                <a:spcPct val="0"/>
+              </a:spcAft>
+              <a:buClrTx/>
+              <a:buSzTx/>
+              <a:buFontTx/>
+              <a:buNone/>
+              <a:tabLst/>
+            </a:pPr>
+            <a:r>
+              <a:rPr kumimoji="0" lang="en-US" altLang="en-US" sz="1600" b="0" i="0" u="none" strike="noStrike" cap="none" normalizeH="0" baseline="0" dirty="0">
+                <a:ln>
+                  <a:noFill/>
+                </a:ln>
+                <a:solidFill>
+                  <a:schemeClr val="tx1"/>
+                </a:solidFill>
+                <a:effectLst/>
+                <a:latin typeface="Poppins" panose="00000500000000000000" pitchFamily="2" charset="-94"/>
+                <a:cs typeface="Poppins" panose="00000500000000000000" pitchFamily="2" charset="-94"/>
+              </a:rPr>
+              <a:t>.NET 10 adds support for new quantum-resistant algorithms: </a:t>
+            </a:r>
+            <a:r>
+              <a:rPr kumimoji="0" lang="en-US" altLang="en-US" sz="1600" b="1" i="0" u="none" strike="noStrike" cap="none" normalizeH="0" baseline="0" dirty="0">
+                <a:ln>
+                  <a:noFill/>
+                </a:ln>
+                <a:solidFill>
+                  <a:schemeClr val="tx1"/>
+                </a:solidFill>
+                <a:effectLst/>
+                <a:latin typeface="Poppins" panose="00000500000000000000" pitchFamily="2" charset="-94"/>
+                <a:cs typeface="Poppins" panose="00000500000000000000" pitchFamily="2" charset="-94"/>
+              </a:rPr>
+              <a:t>ML-KEM, ML-DSA, SLH-DSA</a:t>
+            </a:r>
+            <a:r>
+              <a:rPr kumimoji="0" lang="en-US" altLang="en-US" sz="1600" b="0" i="0" u="none" strike="noStrike" cap="none" normalizeH="0" baseline="0" dirty="0">
+                <a:ln>
+                  <a:noFill/>
+                </a:ln>
+                <a:solidFill>
+                  <a:schemeClr val="tx1"/>
+                </a:solidFill>
+                <a:effectLst/>
+                <a:latin typeface="Poppins" panose="00000500000000000000" pitchFamily="2" charset="-94"/>
+                <a:cs typeface="Poppins" panose="00000500000000000000" pitchFamily="2" charset="-94"/>
+              </a:rPr>
+              <a:t> </a:t>
+            </a:r>
+          </a:p>
+          <a:p>
+            <a:pPr marL="0" marR="0" lvl="0" indent="0" algn="l" defTabSz="914400" rtl="0" eaLnBrk="0" fontAlgn="base" latinLnBrk="0" hangingPunct="0">
+              <a:lnSpc>
+                <a:spcPct val="100000"/>
+              </a:lnSpc>
+              <a:spcBef>
+                <a:spcPct val="0"/>
+              </a:spcBef>
+              <a:spcAft>
+                <a:spcPct val="0"/>
+              </a:spcAft>
+              <a:buClrTx/>
+              <a:buSzTx/>
+              <a:buFontTx/>
+              <a:buNone/>
+              <a:tabLst/>
+            </a:pPr>
+            <a:r>
+              <a:rPr lang="en-US" altLang="en-US" sz="1600" dirty="0">
+                <a:solidFill>
+                  <a:schemeClr val="tx1"/>
+                </a:solidFill>
+                <a:latin typeface="Poppins" panose="00000500000000000000" pitchFamily="2" charset="-94"/>
+                <a:cs typeface="Poppins" panose="00000500000000000000" pitchFamily="2" charset="-94"/>
+              </a:rPr>
+              <a:t>preparing .NET apps for the next generation of cryptography.</a:t>
+            </a:r>
+          </a:p>
+          <a:p>
+            <a:pPr marL="0" marR="0" lvl="0" indent="0" algn="l" defTabSz="914400" rtl="0" eaLnBrk="0" fontAlgn="base" latinLnBrk="0" hangingPunct="0">
+              <a:lnSpc>
+                <a:spcPct val="100000"/>
+              </a:lnSpc>
+              <a:spcBef>
+                <a:spcPct val="0"/>
+              </a:spcBef>
+              <a:spcAft>
+                <a:spcPct val="0"/>
+              </a:spcAft>
+              <a:buClrTx/>
+              <a:buSzTx/>
+              <a:buFontTx/>
+              <a:buNone/>
+              <a:tabLst/>
+            </a:pPr>
+            <a:br>
+              <a:rPr lang="en-US" altLang="en-US" sz="1600" dirty="0">
+                <a:solidFill>
+                  <a:schemeClr val="tx1"/>
+                </a:solidFill>
+                <a:latin typeface="Poppins" panose="00000500000000000000" pitchFamily="2" charset="-94"/>
+                <a:cs typeface="Poppins" panose="00000500000000000000" pitchFamily="2" charset="-94"/>
+              </a:rPr>
+            </a:br>
+            <a:r>
+              <a:rPr lang="en-US" altLang="en-US" sz="1600" dirty="0">
+                <a:solidFill>
+                  <a:schemeClr val="tx1"/>
+                </a:solidFill>
+                <a:latin typeface="Poppins" panose="00000500000000000000" pitchFamily="2" charset="-94"/>
+                <a:cs typeface="Poppins" panose="00000500000000000000" pitchFamily="2" charset="-94"/>
+              </a:rPr>
+              <a:t>These can be used via new </a:t>
+            </a:r>
+            <a:r>
+              <a:rPr lang="en-US" altLang="en-US" sz="1600" i="1" dirty="0" err="1">
+                <a:solidFill>
+                  <a:schemeClr val="tx1"/>
+                </a:solidFill>
+                <a:latin typeface="Poppins" panose="00000500000000000000" pitchFamily="2" charset="-94"/>
+                <a:cs typeface="Poppins" panose="00000500000000000000" pitchFamily="2" charset="-94"/>
+              </a:rPr>
+              <a:t>System.Security.Cryptography</a:t>
+            </a:r>
+            <a:r>
+              <a:rPr lang="en-US" altLang="en-US" sz="1600" dirty="0">
+                <a:solidFill>
+                  <a:schemeClr val="tx1"/>
+                </a:solidFill>
+                <a:latin typeface="Poppins" panose="00000500000000000000" pitchFamily="2" charset="-94"/>
+                <a:cs typeface="Poppins" panose="00000500000000000000" pitchFamily="2" charset="-94"/>
+              </a:rPr>
+              <a:t> types.</a:t>
+            </a:r>
+            <a:br>
+              <a:rPr lang="en-US" altLang="en-US" sz="1600" dirty="0">
+                <a:solidFill>
+                  <a:schemeClr val="tx1"/>
+                </a:solidFill>
+                <a:latin typeface="Poppins" panose="00000500000000000000" pitchFamily="2" charset="-94"/>
+                <a:cs typeface="Poppins" panose="00000500000000000000" pitchFamily="2" charset="-94"/>
+              </a:rPr>
+            </a:br>
+            <a:r>
+              <a:rPr lang="en-US" altLang="en-US" sz="1600" dirty="0">
+                <a:solidFill>
+                  <a:schemeClr val="tx1"/>
+                </a:solidFill>
+                <a:latin typeface="Poppins" panose="00000500000000000000" pitchFamily="2" charset="-94"/>
+                <a:cs typeface="Poppins" panose="00000500000000000000" pitchFamily="2" charset="-94"/>
+              </a:rPr>
+              <a:t>These are available when the OS supports PQC (OpenSSL 3.5+ or Windows CNG).</a:t>
+            </a:r>
+          </a:p>
+          <a:p>
+            <a:pPr marL="0" marR="0" lvl="0" indent="0" algn="l" defTabSz="914400" rtl="0" eaLnBrk="0" fontAlgn="base" latinLnBrk="0" hangingPunct="0">
+              <a:lnSpc>
+                <a:spcPct val="100000"/>
+              </a:lnSpc>
+              <a:spcBef>
+                <a:spcPct val="0"/>
+              </a:spcBef>
+              <a:spcAft>
+                <a:spcPct val="0"/>
+              </a:spcAft>
+              <a:buClrTx/>
+              <a:buSzTx/>
+              <a:buFontTx/>
+              <a:buNone/>
+              <a:tabLst/>
+            </a:pPr>
+            <a:endParaRPr kumimoji="0" lang="en-US" altLang="en-US" sz="1600" b="0" i="0" u="none" strike="noStrike" cap="none" normalizeH="0" baseline="0" dirty="0">
+              <a:ln>
+                <a:noFill/>
+              </a:ln>
+              <a:solidFill>
+                <a:schemeClr val="tx1"/>
+              </a:solidFill>
+              <a:effectLst/>
+              <a:latin typeface="Poppins" panose="00000500000000000000" pitchFamily="2" charset="-94"/>
+              <a:cs typeface="Poppins" panose="00000500000000000000" pitchFamily="2" charset="-94"/>
+            </a:endParaRPr>
+          </a:p>
+        </p:txBody>
+      </p:sp>
+      <p:sp>
+        <p:nvSpPr>
+          <p:cNvPr id="5" name="TextBox 4">
+            <a:extLst>
+              <a:ext uri="{FF2B5EF4-FFF2-40B4-BE49-F238E27FC236}">
+                <a16:creationId xmlns:a16="http://schemas.microsoft.com/office/drawing/2014/main" id="{B19F4668-4F61-4CBE-AB39-265B74442340}"/>
               </a:ext>
             </a:extLst>
           </p:cNvPr>
@@ -24274,8 +27007,8 @@
         </p:nvSpPr>
         <p:spPr>
           <a:xfrm>
-            <a:off x="451488" y="2856339"/>
-            <a:ext cx="11080112" cy="830997"/>
+            <a:off x="638816" y="4800527"/>
+            <a:ext cx="10720064" cy="1323439"/>
           </a:xfrm>
           <a:prstGeom prst="rect">
             <a:avLst/>
@@ -24288,166 +27021,150 @@
           </a:bodyPr>
           <a:lstStyle/>
           <a:p>
-            <a:r>
-              <a:rPr lang="en-US" sz="1600" dirty="0">
+            <a:pPr marL="0" marR="0" lvl="0" indent="0" algn="l" defTabSz="914400" rtl="0" eaLnBrk="0" fontAlgn="base" latinLnBrk="0" hangingPunct="0">
+              <a:lnSpc>
+                <a:spcPct val="100000"/>
+              </a:lnSpc>
+              <a:spcBef>
+                <a:spcPct val="0"/>
+              </a:spcBef>
+              <a:spcAft>
+                <a:spcPct val="0"/>
+              </a:spcAft>
+              <a:buClrTx/>
+              <a:buSzTx/>
+              <a:buFontTx/>
+              <a:buNone/>
+              <a:tabLst/>
+            </a:pPr>
+            <a:r>
+              <a:rPr lang="en-US" altLang="en-US" sz="1600" b="1" dirty="0">
+                <a:solidFill>
+                  <a:schemeClr val="tx1"/>
+                </a:solidFill>
                 <a:latin typeface="Poppins" panose="00000500000000000000" pitchFamily="2" charset="-94"/>
                 <a:cs typeface="Poppins" panose="00000500000000000000" pitchFamily="2" charset="-94"/>
               </a:rPr>
-              <a:t>The garbage collector’s </a:t>
-            </a:r>
-            <a:r>
-              <a:rPr lang="en-US" sz="1600" b="1" dirty="0">
+              <a:t>✅ What this means:</a:t>
+            </a:r>
+          </a:p>
+          <a:p>
+            <a:pPr marL="0" marR="0" lvl="0" indent="0" algn="l" defTabSz="914400" rtl="0" eaLnBrk="0" fontAlgn="base" latinLnBrk="0" hangingPunct="0">
+              <a:lnSpc>
+                <a:spcPct val="100000"/>
+              </a:lnSpc>
+              <a:spcBef>
+                <a:spcPct val="0"/>
+              </a:spcBef>
+              <a:spcAft>
+                <a:spcPct val="0"/>
+              </a:spcAft>
+              <a:buClrTx/>
+              <a:buSzTx/>
+              <a:buFontTx/>
+              <a:buNone/>
+              <a:tabLst/>
+            </a:pPr>
+            <a:endParaRPr lang="en-US" altLang="en-US" sz="1600" b="1" dirty="0">
+              <a:solidFill>
+                <a:schemeClr val="tx1"/>
+              </a:solidFill>
+              <a:latin typeface="Poppins" panose="00000500000000000000" pitchFamily="2" charset="-94"/>
+              <a:cs typeface="Poppins" panose="00000500000000000000" pitchFamily="2" charset="-94"/>
+            </a:endParaRPr>
+          </a:p>
+          <a:p>
+            <a:pPr marL="285750" marR="0" lvl="0" indent="-285750" algn="l" defTabSz="914400" rtl="0" eaLnBrk="0" fontAlgn="base" latinLnBrk="0" hangingPunct="0">
+              <a:lnSpc>
+                <a:spcPct val="100000"/>
+              </a:lnSpc>
+              <a:spcBef>
+                <a:spcPct val="0"/>
+              </a:spcBef>
+              <a:spcAft>
+                <a:spcPct val="0"/>
+              </a:spcAft>
+              <a:buClrTx/>
+              <a:buSzTx/>
+              <a:buFont typeface="Arial" panose="020B0604020202020204" pitchFamily="34" charset="0"/>
+              <a:buChar char="•"/>
+              <a:tabLst/>
+            </a:pPr>
+            <a:r>
+              <a:rPr lang="en-US" altLang="en-US" sz="1600" dirty="0">
+                <a:solidFill>
+                  <a:schemeClr val="tx1"/>
+                </a:solidFill>
                 <a:latin typeface="Poppins" panose="00000500000000000000" pitchFamily="2" charset="-94"/>
                 <a:cs typeface="Poppins" panose="00000500000000000000" pitchFamily="2" charset="-94"/>
               </a:rPr>
-              <a:t>write-barrier logic,</a:t>
-            </a:r>
-            <a:r>
-              <a:rPr lang="en-US" sz="1600" dirty="0">
+              <a:t>Future-proof cryptography support for modern security needs.</a:t>
+            </a:r>
+          </a:p>
+          <a:p>
+            <a:pPr marL="285750" marR="0" lvl="0" indent="-285750" algn="l" defTabSz="914400" rtl="0" eaLnBrk="0" fontAlgn="base" latinLnBrk="0" hangingPunct="0">
+              <a:lnSpc>
+                <a:spcPct val="100000"/>
+              </a:lnSpc>
+              <a:spcBef>
+                <a:spcPct val="0"/>
+              </a:spcBef>
+              <a:spcAft>
+                <a:spcPct val="0"/>
+              </a:spcAft>
+              <a:buClrTx/>
+              <a:buSzTx/>
+              <a:buFont typeface="Arial" panose="020B0604020202020204" pitchFamily="34" charset="0"/>
+              <a:buChar char="•"/>
+              <a:tabLst/>
+            </a:pPr>
+            <a:r>
+              <a:rPr lang="en-US" altLang="en-US" sz="1600" dirty="0">
+                <a:solidFill>
+                  <a:schemeClr val="tx1"/>
+                </a:solidFill>
                 <a:latin typeface="Poppins" panose="00000500000000000000" pitchFamily="2" charset="-94"/>
                 <a:cs typeface="Poppins" panose="00000500000000000000" pitchFamily="2" charset="-94"/>
               </a:rPr>
-              <a:t> which tracks references between generations, </a:t>
-            </a:r>
-            <a:br>
-              <a:rPr lang="en-US" sz="1600" dirty="0">
+              <a:t>Developers can start testing and validating PQC readiness.</a:t>
+            </a:r>
+          </a:p>
+          <a:p>
+            <a:pPr marL="285750" marR="0" lvl="0" indent="-285750" algn="l" defTabSz="914400" rtl="0" eaLnBrk="0" fontAlgn="base" latinLnBrk="0" hangingPunct="0">
+              <a:lnSpc>
+                <a:spcPct val="100000"/>
+              </a:lnSpc>
+              <a:spcBef>
+                <a:spcPct val="0"/>
+              </a:spcBef>
+              <a:spcAft>
+                <a:spcPct val="0"/>
+              </a:spcAft>
+              <a:buClrTx/>
+              <a:buSzTx/>
+              <a:buFont typeface="Arial" panose="020B0604020202020204" pitchFamily="34" charset="0"/>
+              <a:buChar char="•"/>
+              <a:tabLst/>
+            </a:pPr>
+            <a:r>
+              <a:rPr lang="en-US" altLang="en-US" sz="1600" dirty="0">
+                <a:solidFill>
+                  <a:schemeClr val="tx1"/>
+                </a:solidFill>
                 <a:latin typeface="Poppins" panose="00000500000000000000" pitchFamily="2" charset="-94"/>
                 <a:cs typeface="Poppins" panose="00000500000000000000" pitchFamily="2" charset="-94"/>
               </a:rPr>
-            </a:br>
-            <a:r>
-              <a:rPr lang="en-US" sz="1600" dirty="0">
-                <a:latin typeface="Poppins" panose="00000500000000000000" pitchFamily="2" charset="-94"/>
-                <a:cs typeface="Poppins" panose="00000500000000000000" pitchFamily="2" charset="-94"/>
-              </a:rPr>
-              <a:t>is now smarter on Arm64 processors.</a:t>
-            </a:r>
-            <a:br>
-              <a:rPr lang="en-US" sz="1600" dirty="0">
-                <a:latin typeface="Poppins" panose="00000500000000000000" pitchFamily="2" charset="-94"/>
-                <a:cs typeface="Poppins" panose="00000500000000000000" pitchFamily="2" charset="-94"/>
-              </a:rPr>
-            </a:br>
-            <a:r>
-              <a:rPr lang="en-US" sz="1600" dirty="0">
-                <a:latin typeface="Poppins" panose="00000500000000000000" pitchFamily="2" charset="-94"/>
-                <a:cs typeface="Poppins" panose="00000500000000000000" pitchFamily="2" charset="-94"/>
-              </a:rPr>
-              <a:t>It reduces unnecessary scanning of memory regions during GC cycles.</a:t>
+              <a:t>Keeps .NET aligned with emerging FIPS standards.</a:t>
             </a:r>
           </a:p>
         </p:txBody>
       </p:sp>
       <p:sp>
         <p:nvSpPr>
-          <p:cNvPr id="5" name="TextBox 4">
+          <p:cNvPr id="3" name="Rectangle: Rounded Corners 2">
             <a:extLst>
               <a:ext uri="{FF2B5EF4-FFF2-40B4-BE49-F238E27FC236}">
-                <a16:creationId xmlns:a16="http://schemas.microsoft.com/office/drawing/2014/main" id="{4B30E1EA-C7BC-4506-9FA5-01EBD7CB9467}"/>
-              </a:ext>
-            </a:extLst>
-          </p:cNvPr>
-          <p:cNvSpPr txBox="1"/>
-          <p:nvPr/>
-        </p:nvSpPr>
-        <p:spPr>
-          <a:xfrm>
-            <a:off x="695328" y="4836288"/>
-            <a:ext cx="10948032" cy="1323439"/>
-          </a:xfrm>
-          <a:prstGeom prst="rect">
-            <a:avLst/>
-          </a:prstGeom>
-          <a:noFill/>
-        </p:spPr>
-        <p:txBody>
-          <a:bodyPr wrap="square">
-            <a:spAutoFit/>
-          </a:bodyPr>
-          <a:lstStyle/>
-          <a:p>
-            <a:r>
-              <a:rPr lang="en-US" sz="1600" dirty="0">
-                <a:latin typeface="Poppins" panose="00000500000000000000" pitchFamily="2" charset="-94"/>
-                <a:cs typeface="Poppins" panose="00000500000000000000" pitchFamily="2" charset="-94"/>
-              </a:rPr>
-              <a:t>✅ </a:t>
-            </a:r>
-            <a:r>
-              <a:rPr lang="en-US" sz="1600" b="1" dirty="0">
-                <a:latin typeface="Poppins" panose="00000500000000000000" pitchFamily="2" charset="-94"/>
-                <a:cs typeface="Poppins" panose="00000500000000000000" pitchFamily="2" charset="-94"/>
-              </a:rPr>
-              <a:t>What this means:</a:t>
-            </a:r>
-          </a:p>
-          <a:p>
-            <a:endParaRPr lang="en-US" sz="1600" dirty="0">
-              <a:latin typeface="Poppins" panose="00000500000000000000" pitchFamily="2" charset="-94"/>
-              <a:cs typeface="Poppins" panose="00000500000000000000" pitchFamily="2" charset="-94"/>
-            </a:endParaRPr>
-          </a:p>
-          <a:p>
-            <a:pPr marL="285750" indent="-285750">
-              <a:buFont typeface="Arial" panose="020B0604020202020204" pitchFamily="34" charset="0"/>
-              <a:buChar char="•"/>
-            </a:pPr>
-            <a:r>
-              <a:rPr lang="en-US" sz="1600" dirty="0">
-                <a:latin typeface="Poppins" panose="00000500000000000000" pitchFamily="2" charset="-94"/>
-                <a:cs typeface="Poppins" panose="00000500000000000000" pitchFamily="2" charset="-94"/>
-              </a:rPr>
-              <a:t>Faster and smoother garbage collection on Arm64 devices.</a:t>
-            </a:r>
-          </a:p>
-          <a:p>
-            <a:pPr marL="285750" indent="-285750">
-              <a:buFont typeface="Arial" panose="020B0604020202020204" pitchFamily="34" charset="0"/>
-              <a:buChar char="•"/>
-            </a:pPr>
-            <a:r>
-              <a:rPr lang="en-US" sz="1600" dirty="0">
-                <a:latin typeface="Poppins" panose="00000500000000000000" pitchFamily="2" charset="-94"/>
-                <a:cs typeface="Poppins" panose="00000500000000000000" pitchFamily="2" charset="-94"/>
-              </a:rPr>
-              <a:t>Up to </a:t>
-            </a:r>
-            <a:r>
-              <a:rPr lang="en-US" sz="1600" b="1" dirty="0">
-                <a:latin typeface="Poppins" panose="00000500000000000000" pitchFamily="2" charset="-94"/>
-                <a:cs typeface="Poppins" panose="00000500000000000000" pitchFamily="2" charset="-94"/>
-              </a:rPr>
-              <a:t>8–20% shorter GC pauses</a:t>
-            </a:r>
-            <a:r>
-              <a:rPr lang="en-US" sz="1600" dirty="0">
-                <a:latin typeface="Poppins" panose="00000500000000000000" pitchFamily="2" charset="-94"/>
-                <a:cs typeface="Poppins" panose="00000500000000000000" pitchFamily="2" charset="-94"/>
-              </a:rPr>
-              <a:t> in some workloads.</a:t>
-            </a:r>
-          </a:p>
-          <a:p>
-            <a:pPr marL="285750" indent="-285750">
-              <a:buFont typeface="Arial" panose="020B0604020202020204" pitchFamily="34" charset="0"/>
-              <a:buChar char="•"/>
-            </a:pPr>
-            <a:r>
-              <a:rPr lang="en-US" sz="1600" dirty="0">
-                <a:latin typeface="Poppins" panose="00000500000000000000" pitchFamily="2" charset="-94"/>
-                <a:cs typeface="Poppins" panose="00000500000000000000" pitchFamily="2" charset="-94"/>
-              </a:rPr>
-              <a:t>Better .NET performance on ARM-based servers and devices</a:t>
-            </a:r>
-          </a:p>
-        </p:txBody>
-      </p:sp>
-      <p:sp>
-        <p:nvSpPr>
-          <p:cNvPr id="2" name="Rectangle: Rounded Corners 1">
-            <a:extLst>
-              <a:ext uri="{FF2B5EF4-FFF2-40B4-BE49-F238E27FC236}">
-                <a16:creationId xmlns:a16="http://schemas.microsoft.com/office/drawing/2014/main" id="{2C73F17B-313F-E683-C594-A416F7407AB3}"/>
+                <a16:creationId xmlns:a16="http://schemas.microsoft.com/office/drawing/2014/main" id="{A89A345E-25FC-041B-3A57-DE8B6082E4D0}"/>
               </a:ext>
             </a:extLst>
           </p:cNvPr>
@@ -24456,7 +27173,7 @@
         </p:nvSpPr>
         <p:spPr>
           <a:xfrm>
-            <a:off x="548640" y="4602480"/>
+            <a:off x="451488" y="4602480"/>
             <a:ext cx="10007600" cy="1791057"/>
           </a:xfrm>
           <a:prstGeom prst="roundRect">
@@ -24499,7 +27216,7 @@
     </p:spTree>
     <p:extLst>
       <p:ext uri="{BB962C8B-B14F-4D97-AF65-F5344CB8AC3E}">
-        <p14:creationId xmlns:p14="http://schemas.microsoft.com/office/powerpoint/2010/main" val="2626706405"/>
+        <p14:creationId xmlns:p14="http://schemas.microsoft.com/office/powerpoint/2010/main" val="1290208121"/>
       </p:ext>
     </p:extLst>
   </p:cSld>
@@ -24509,845 +27226,7 @@
 </p:sld>
 </file>
 
-<file path=ppt/slides/slide22.xml><?xml version="1.0" encoding="utf-8"?>
-<p:sld xmlns:a="http://schemas.openxmlformats.org/drawingml/2006/main" xmlns:r="http://schemas.openxmlformats.org/officeDocument/2006/relationships" xmlns:p="http://schemas.openxmlformats.org/presentationml/2006/main">
-  <p:cSld>
-    <p:bg>
-      <p:bgPr>
-        <a:blipFill>
-          <a:blip r:embed="rId3">
-            <a:alphaModFix/>
-          </a:blip>
-          <a:stretch>
-            <a:fillRect/>
-          </a:stretch>
-        </a:blipFill>
-        <a:effectLst/>
-      </p:bgPr>
-    </p:bg>
-    <p:spTree>
-      <p:nvGrpSpPr>
-        <p:cNvPr id="1" name="Shape 191">
-          <a:extLst>
-            <a:ext uri="{FF2B5EF4-FFF2-40B4-BE49-F238E27FC236}">
-              <a16:creationId xmlns:a16="http://schemas.microsoft.com/office/drawing/2014/main" id="{26A494BC-757C-503C-E601-7F2357379746}"/>
-            </a:ext>
-          </a:extLst>
-        </p:cNvPr>
-        <p:cNvGrpSpPr/>
-        <p:nvPr/>
-      </p:nvGrpSpPr>
-      <p:grpSpPr>
-        <a:xfrm>
-          <a:off x="0" y="0"/>
-          <a:ext cx="0" cy="0"/>
-          <a:chOff x="0" y="0"/>
-          <a:chExt cx="0" cy="0"/>
-        </a:xfrm>
-      </p:grpSpPr>
-      <p:sp>
-        <p:nvSpPr>
-          <p:cNvPr id="3" name="TextBox 2">
-            <a:extLst>
-              <a:ext uri="{FF2B5EF4-FFF2-40B4-BE49-F238E27FC236}">
-                <a16:creationId xmlns:a16="http://schemas.microsoft.com/office/drawing/2014/main" id="{34B14B31-CA9A-BC15-3D14-13AFCBBC304E}"/>
-              </a:ext>
-            </a:extLst>
-          </p:cNvPr>
-          <p:cNvSpPr txBox="1"/>
-          <p:nvPr/>
-        </p:nvSpPr>
-        <p:spPr>
-          <a:xfrm>
-            <a:off x="0" y="867737"/>
-            <a:ext cx="12192000" cy="4770537"/>
-          </a:xfrm>
-          <a:prstGeom prst="rect">
-            <a:avLst/>
-          </a:prstGeom>
-          <a:noFill/>
-        </p:spPr>
-        <p:txBody>
-          <a:bodyPr wrap="square">
-            <a:spAutoFit/>
-          </a:bodyPr>
-          <a:lstStyle/>
-          <a:p>
-            <a:pPr algn="ctr"/>
-            <a:r>
-              <a:rPr lang="en-US" sz="4000" b="1" dirty="0">
-                <a:ln/>
-                <a:pattFill prst="dkUpDiag">
-                  <a:fgClr>
-                    <a:schemeClr val="bg1">
-                      <a:lumMod val="50000"/>
-                    </a:schemeClr>
-                  </a:fgClr>
-                  <a:bgClr>
-                    <a:schemeClr val="tx1">
-                      <a:lumMod val="75000"/>
-                      <a:lumOff val="25000"/>
-                    </a:schemeClr>
-                  </a:bgClr>
-                </a:pattFill>
-                <a:effectLst>
-                  <a:outerShdw blurRad="38100" dist="19050" dir="2700000" algn="tl" rotWithShape="0">
-                    <a:schemeClr val="dk1">
-                      <a:lumMod val="50000"/>
-                      <a:alpha val="40000"/>
-                    </a:schemeClr>
-                  </a:outerShdw>
-                </a:effectLst>
-                <a:latin typeface="Lexend"/>
-                <a:ea typeface="Lexend"/>
-                <a:cs typeface="Lexend"/>
-                <a:sym typeface="Lexend"/>
-              </a:rPr>
-              <a:t>BLACK FRIDAY DISCOUNT</a:t>
-            </a:r>
-            <a:endParaRPr lang="tr-TR" sz="4000" b="1" dirty="0">
-              <a:ln/>
-              <a:pattFill prst="dkUpDiag">
-                <a:fgClr>
-                  <a:schemeClr val="bg1">
-                    <a:lumMod val="50000"/>
-                  </a:schemeClr>
-                </a:fgClr>
-                <a:bgClr>
-                  <a:schemeClr val="tx1">
-                    <a:lumMod val="75000"/>
-                    <a:lumOff val="25000"/>
-                  </a:schemeClr>
-                </a:bgClr>
-              </a:pattFill>
-              <a:effectLst>
-                <a:outerShdw blurRad="38100" dist="19050" dir="2700000" algn="tl" rotWithShape="0">
-                  <a:schemeClr val="dk1">
-                    <a:lumMod val="50000"/>
-                    <a:alpha val="40000"/>
-                  </a:schemeClr>
-                </a:outerShdw>
-              </a:effectLst>
-            </a:endParaRPr>
-          </a:p>
-          <a:p>
-            <a:pPr algn="ctr"/>
-            <a:br>
-              <a:rPr lang="en-US" sz="4000" b="1" dirty="0">
-                <a:solidFill>
-                  <a:srgbClr val="292D33"/>
-                </a:solidFill>
-                <a:latin typeface="Lexend"/>
-                <a:ea typeface="Lexend"/>
-                <a:cs typeface="Lexend"/>
-                <a:sym typeface="Lexend"/>
-              </a:rPr>
-            </a:br>
-            <a:r>
-              <a:rPr lang="en-US" sz="3200" b="1" dirty="0">
-                <a:solidFill>
-                  <a:srgbClr val="292D33"/>
-                </a:solidFill>
-                <a:latin typeface="Lexend"/>
-                <a:ea typeface="Lexend"/>
-                <a:cs typeface="Lexend"/>
-                <a:sym typeface="Lexend"/>
-              </a:rPr>
-              <a:t>When?</a:t>
-            </a:r>
-          </a:p>
-          <a:p>
-            <a:pPr algn="ctr"/>
-            <a:r>
-              <a:rPr lang="en-US" sz="3200" dirty="0">
-                <a:solidFill>
-                  <a:srgbClr val="292D33"/>
-                </a:solidFill>
-                <a:latin typeface="Lexend"/>
-                <a:ea typeface="Lexend"/>
-                <a:cs typeface="Lexend"/>
-                <a:sym typeface="Lexend"/>
-              </a:rPr>
-              <a:t>Starts: 2025-11-24 Ends: 2025-12-01</a:t>
-            </a:r>
-            <a:br>
-              <a:rPr lang="en-US" sz="3200" dirty="0">
-                <a:solidFill>
-                  <a:srgbClr val="292D33"/>
-                </a:solidFill>
-                <a:latin typeface="Lexend"/>
-                <a:ea typeface="Lexend"/>
-                <a:cs typeface="Lexend"/>
-                <a:sym typeface="Lexend"/>
-              </a:rPr>
-            </a:br>
-            <a:endParaRPr lang="en-US" sz="3200" dirty="0">
-              <a:solidFill>
-                <a:srgbClr val="292D33"/>
-              </a:solidFill>
-              <a:latin typeface="Lexend"/>
-              <a:ea typeface="Lexend"/>
-              <a:cs typeface="Lexend"/>
-              <a:sym typeface="Lexend"/>
-            </a:endParaRPr>
-          </a:p>
-          <a:p>
-            <a:pPr algn="ctr"/>
-            <a:r>
-              <a:rPr lang="en-US" sz="3200" b="1" dirty="0">
-                <a:solidFill>
-                  <a:srgbClr val="292D33"/>
-                </a:solidFill>
-                <a:latin typeface="Lexend"/>
-                <a:ea typeface="Lexend"/>
-                <a:cs typeface="Lexend"/>
-                <a:sym typeface="Lexend"/>
-              </a:rPr>
-              <a:t>What’s Included?</a:t>
-            </a:r>
-            <a:endParaRPr lang="en-US" sz="3200" dirty="0">
-              <a:solidFill>
-                <a:srgbClr val="292D33"/>
-              </a:solidFill>
-              <a:latin typeface="Lexend"/>
-              <a:ea typeface="Lexend"/>
-              <a:cs typeface="Lexend"/>
-              <a:sym typeface="Lexend"/>
-            </a:endParaRPr>
-          </a:p>
-          <a:p>
-            <a:pPr algn="ctr"/>
-            <a:r>
-              <a:rPr lang="en-US" sz="3200" dirty="0">
-                <a:solidFill>
-                  <a:srgbClr val="292D33"/>
-                </a:solidFill>
-                <a:latin typeface="Lexend"/>
-                <a:sym typeface="Lexend"/>
-              </a:rPr>
-              <a:t>New license purchase </a:t>
-            </a:r>
-            <a:br>
-              <a:rPr lang="en-US" sz="3200" dirty="0">
-                <a:solidFill>
-                  <a:srgbClr val="292D33"/>
-                </a:solidFill>
-                <a:latin typeface="Lexend"/>
-                <a:sym typeface="Lexend"/>
-              </a:rPr>
-            </a:br>
-            <a:r>
-              <a:rPr lang="en-US" sz="3200" dirty="0">
-                <a:solidFill>
-                  <a:srgbClr val="292D33"/>
-                </a:solidFill>
-                <a:latin typeface="Lexend"/>
-                <a:sym typeface="Lexend"/>
-              </a:rPr>
-              <a:t>Existing license renewals </a:t>
-            </a:r>
-            <a:br>
-              <a:rPr lang="en-US" sz="3200" dirty="0">
-                <a:solidFill>
-                  <a:srgbClr val="292D33"/>
-                </a:solidFill>
-                <a:latin typeface="Lexend"/>
-                <a:sym typeface="Lexend"/>
-              </a:rPr>
-            </a:br>
-            <a:r>
-              <a:rPr lang="en-US" sz="3200" dirty="0">
-                <a:solidFill>
-                  <a:srgbClr val="292D33"/>
-                </a:solidFill>
-                <a:latin typeface="Lexend"/>
-                <a:sym typeface="Lexend"/>
-              </a:rPr>
-              <a:t>Extra developer seats</a:t>
-            </a:r>
-            <a:endParaRPr lang="en-US" sz="3200" dirty="0"/>
-          </a:p>
-        </p:txBody>
-      </p:sp>
-      <p:cxnSp>
-        <p:nvCxnSpPr>
-          <p:cNvPr id="4" name="Straight Connector 3">
-            <a:extLst>
-              <a:ext uri="{FF2B5EF4-FFF2-40B4-BE49-F238E27FC236}">
-                <a16:creationId xmlns:a16="http://schemas.microsoft.com/office/drawing/2014/main" id="{2E38C070-9ADD-CF04-592D-692907A97149}"/>
-              </a:ext>
-            </a:extLst>
-          </p:cNvPr>
-          <p:cNvCxnSpPr/>
-          <p:nvPr/>
-        </p:nvCxnSpPr>
-        <p:spPr>
-          <a:xfrm>
-            <a:off x="426720" y="3327400"/>
-            <a:ext cx="11338560" cy="0"/>
-          </a:xfrm>
-          <a:prstGeom prst="line">
-            <a:avLst/>
-          </a:prstGeom>
-        </p:spPr>
-        <p:style>
-          <a:lnRef idx="1">
-            <a:schemeClr val="dk1"/>
-          </a:lnRef>
-          <a:fillRef idx="0">
-            <a:schemeClr val="dk1"/>
-          </a:fillRef>
-          <a:effectRef idx="0">
-            <a:schemeClr val="dk1"/>
-          </a:effectRef>
-          <a:fontRef idx="minor">
-            <a:schemeClr val="tx1"/>
-          </a:fontRef>
-        </p:style>
-      </p:cxnSp>
-    </p:spTree>
-    <p:extLst>
-      <p:ext uri="{BB962C8B-B14F-4D97-AF65-F5344CB8AC3E}">
-        <p14:creationId xmlns:p14="http://schemas.microsoft.com/office/powerpoint/2010/main" val="3759482579"/>
-      </p:ext>
-    </p:extLst>
-  </p:cSld>
-  <p:clrMapOvr>
-    <a:masterClrMapping/>
-  </p:clrMapOvr>
-</p:sld>
-</file>
-
-<file path=ppt/slides/slide23.xml><?xml version="1.0" encoding="utf-8"?>
-<p:sld xmlns:a="http://schemas.openxmlformats.org/drawingml/2006/main" xmlns:r="http://schemas.openxmlformats.org/officeDocument/2006/relationships" xmlns:p="http://schemas.openxmlformats.org/presentationml/2006/main">
-  <p:cSld>
-    <p:bg>
-      <p:bgPr>
-        <a:blipFill>
-          <a:blip r:embed="rId3">
-            <a:alphaModFix/>
-          </a:blip>
-          <a:stretch>
-            <a:fillRect/>
-          </a:stretch>
-        </a:blipFill>
-        <a:effectLst/>
-      </p:bgPr>
-    </p:bg>
-    <p:spTree>
-      <p:nvGrpSpPr>
-        <p:cNvPr id="1" name="Shape 191">
-          <a:extLst>
-            <a:ext uri="{FF2B5EF4-FFF2-40B4-BE49-F238E27FC236}">
-              <a16:creationId xmlns:a16="http://schemas.microsoft.com/office/drawing/2014/main" id="{FA00270C-27EC-81C9-CBC8-99AD487C3873}"/>
-            </a:ext>
-          </a:extLst>
-        </p:cNvPr>
-        <p:cNvGrpSpPr/>
-        <p:nvPr/>
-      </p:nvGrpSpPr>
-      <p:grpSpPr>
-        <a:xfrm>
-          <a:off x="0" y="0"/>
-          <a:ext cx="0" cy="0"/>
-          <a:chOff x="0" y="0"/>
-          <a:chExt cx="0" cy="0"/>
-        </a:xfrm>
-      </p:grpSpPr>
-      <p:sp>
-        <p:nvSpPr>
-          <p:cNvPr id="3" name="TextBox 2">
-            <a:extLst>
-              <a:ext uri="{FF2B5EF4-FFF2-40B4-BE49-F238E27FC236}">
-                <a16:creationId xmlns:a16="http://schemas.microsoft.com/office/drawing/2014/main" id="{2F349CC6-E0FF-E902-E054-5DC2A1FDECB1}"/>
-              </a:ext>
-            </a:extLst>
-          </p:cNvPr>
-          <p:cNvSpPr txBox="1"/>
-          <p:nvPr/>
-        </p:nvSpPr>
-        <p:spPr>
-          <a:xfrm>
-            <a:off x="172720" y="227657"/>
-            <a:ext cx="11938000" cy="5755422"/>
-          </a:xfrm>
-          <a:prstGeom prst="rect">
-            <a:avLst/>
-          </a:prstGeom>
-          <a:noFill/>
-        </p:spPr>
-        <p:txBody>
-          <a:bodyPr wrap="square">
-            <a:spAutoFit/>
-          </a:bodyPr>
-          <a:lstStyle/>
-          <a:p>
-            <a:pPr algn="ctr"/>
-            <a:r>
-              <a:rPr lang="en-US" sz="4000" b="1" dirty="0">
-                <a:ln/>
-                <a:pattFill prst="dkUpDiag">
-                  <a:fgClr>
-                    <a:schemeClr val="bg1">
-                      <a:lumMod val="50000"/>
-                    </a:schemeClr>
-                  </a:fgClr>
-                  <a:bgClr>
-                    <a:schemeClr val="tx1">
-                      <a:lumMod val="75000"/>
-                      <a:lumOff val="25000"/>
-                    </a:schemeClr>
-                  </a:bgClr>
-                </a:pattFill>
-                <a:effectLst>
-                  <a:outerShdw blurRad="38100" dist="19050" dir="2700000" algn="tl" rotWithShape="0">
-                    <a:schemeClr val="dk1">
-                      <a:lumMod val="50000"/>
-                      <a:alpha val="40000"/>
-                    </a:schemeClr>
-                  </a:outerShdw>
-                </a:effectLst>
-                <a:latin typeface="Lexend"/>
-                <a:ea typeface="Lexend"/>
-                <a:cs typeface="Lexend"/>
-                <a:sym typeface="Lexend"/>
-              </a:rPr>
-              <a:t>ABP REFERRAL PROGRAM</a:t>
-            </a:r>
-          </a:p>
-          <a:p>
-            <a:pPr algn="ctr"/>
-            <a:br>
-              <a:rPr lang="en-US" sz="4000" b="1" dirty="0">
-                <a:solidFill>
-                  <a:srgbClr val="292D33"/>
-                </a:solidFill>
-                <a:latin typeface="Lexend"/>
-                <a:ea typeface="Lexend"/>
-                <a:cs typeface="Lexend"/>
-                <a:sym typeface="Lexend"/>
-              </a:rPr>
-            </a:br>
-            <a:r>
-              <a:rPr lang="en-US" sz="3200" b="1" dirty="0">
-                <a:solidFill>
-                  <a:srgbClr val="292D33"/>
-                </a:solidFill>
-                <a:latin typeface="Lexend"/>
-                <a:ea typeface="Lexend"/>
-                <a:cs typeface="Lexend"/>
-                <a:sym typeface="Lexend"/>
-              </a:rPr>
-              <a:t>Who can apply? </a:t>
-            </a:r>
-          </a:p>
-          <a:p>
-            <a:pPr algn="ctr"/>
-            <a:r>
-              <a:rPr lang="en-US" sz="3200" dirty="0">
-                <a:solidFill>
-                  <a:srgbClr val="292D33"/>
-                </a:solidFill>
-                <a:latin typeface="Lexend"/>
-                <a:ea typeface="Lexend"/>
-                <a:cs typeface="Lexend"/>
-                <a:sym typeface="Lexend"/>
-              </a:rPr>
-              <a:t>ABP customers with past or active license holders</a:t>
-            </a:r>
-            <a:br>
-              <a:rPr lang="en-US" sz="3200" dirty="0">
-                <a:solidFill>
-                  <a:srgbClr val="292D33"/>
-                </a:solidFill>
-                <a:latin typeface="Lexend"/>
-                <a:ea typeface="Lexend"/>
-                <a:cs typeface="Lexend"/>
-                <a:sym typeface="Lexend"/>
-              </a:rPr>
-            </a:br>
-            <a:endParaRPr lang="en-US" sz="3200" dirty="0">
-              <a:solidFill>
-                <a:srgbClr val="292D33"/>
-              </a:solidFill>
-              <a:latin typeface="Lexend"/>
-              <a:ea typeface="Lexend"/>
-              <a:cs typeface="Lexend"/>
-              <a:sym typeface="Lexend"/>
-            </a:endParaRPr>
-          </a:p>
-          <a:p>
-            <a:pPr algn="ctr"/>
-            <a:r>
-              <a:rPr lang="en-US" sz="3200" b="1" dirty="0">
-                <a:solidFill>
-                  <a:srgbClr val="292D33"/>
-                </a:solidFill>
-                <a:latin typeface="Lexend"/>
-                <a:ea typeface="Lexend"/>
-                <a:cs typeface="Lexend"/>
-                <a:sym typeface="Lexend"/>
-              </a:rPr>
-              <a:t>Reward</a:t>
-            </a:r>
-            <a:endParaRPr lang="en-US" sz="3200" dirty="0">
-              <a:solidFill>
-                <a:srgbClr val="292D33"/>
-              </a:solidFill>
-              <a:latin typeface="Lexend"/>
-              <a:ea typeface="Lexend"/>
-              <a:cs typeface="Lexend"/>
-              <a:sym typeface="Lexend"/>
-            </a:endParaRPr>
-          </a:p>
-          <a:p>
-            <a:pPr algn="ctr"/>
-            <a:r>
-              <a:rPr lang="en-US" sz="3200" dirty="0">
-                <a:solidFill>
-                  <a:srgbClr val="292D33"/>
-                </a:solidFill>
-                <a:latin typeface="Lexend"/>
-                <a:ea typeface="Lexend"/>
-                <a:cs typeface="Lexend"/>
-                <a:sym typeface="Lexend"/>
-              </a:rPr>
-              <a:t>5% commission from total amount of purchase</a:t>
-            </a:r>
-            <a:br>
-              <a:rPr lang="en-US" sz="3200" dirty="0">
-                <a:solidFill>
-                  <a:srgbClr val="292D33"/>
-                </a:solidFill>
-                <a:latin typeface="Lexend"/>
-                <a:ea typeface="Lexend"/>
-                <a:cs typeface="Lexend"/>
-                <a:sym typeface="Lexend"/>
-              </a:rPr>
-            </a:br>
-            <a:endParaRPr lang="en-US" sz="3200" dirty="0">
-              <a:solidFill>
-                <a:srgbClr val="292D33"/>
-              </a:solidFill>
-              <a:latin typeface="Lexend"/>
-              <a:ea typeface="Lexend"/>
-              <a:cs typeface="Lexend"/>
-              <a:sym typeface="Lexend"/>
-            </a:endParaRPr>
-          </a:p>
-          <a:p>
-            <a:pPr algn="ctr"/>
-            <a:r>
-              <a:rPr lang="en-US" sz="3200" b="1" dirty="0">
-                <a:solidFill>
-                  <a:srgbClr val="292D33"/>
-                </a:solidFill>
-                <a:latin typeface="Lexend"/>
-                <a:ea typeface="Lexend"/>
-                <a:cs typeface="Lexend"/>
-                <a:sym typeface="Lexend"/>
-              </a:rPr>
-              <a:t>Limitations (2)</a:t>
-            </a:r>
-          </a:p>
-          <a:p>
-            <a:pPr algn="ctr"/>
-            <a:r>
-              <a:rPr lang="en-US" sz="3200" b="1" dirty="0">
-                <a:solidFill>
-                  <a:srgbClr val="292D33"/>
-                </a:solidFill>
-                <a:latin typeface="Lexend"/>
-                <a:ea typeface="Lexend"/>
-                <a:cs typeface="Lexend"/>
-                <a:sym typeface="Lexend"/>
-              </a:rPr>
-              <a:t>1.</a:t>
-            </a:r>
-            <a:r>
-              <a:rPr lang="en-US" sz="3200" dirty="0">
-                <a:solidFill>
-                  <a:srgbClr val="292D33"/>
-                </a:solidFill>
-                <a:latin typeface="Lexend"/>
-                <a:ea typeface="Lexend"/>
-                <a:cs typeface="Lexend"/>
-                <a:sym typeface="Lexend"/>
-              </a:rPr>
-              <a:t> Cannot refer your own company</a:t>
-            </a:r>
-          </a:p>
-          <a:p>
-            <a:pPr algn="ctr"/>
-            <a:r>
-              <a:rPr lang="en-US" sz="3200" b="1" dirty="0">
-                <a:solidFill>
-                  <a:srgbClr val="292D33"/>
-                </a:solidFill>
-                <a:latin typeface="Lexend"/>
-                <a:ea typeface="Lexend"/>
-                <a:cs typeface="Lexend"/>
-                <a:sym typeface="Lexend"/>
-              </a:rPr>
-              <a:t>2. </a:t>
-            </a:r>
-            <a:r>
-              <a:rPr lang="en-US" sz="3200" dirty="0">
-                <a:solidFill>
-                  <a:srgbClr val="292D33"/>
-                </a:solidFill>
-                <a:latin typeface="Lexend"/>
-                <a:ea typeface="Lexend"/>
-                <a:cs typeface="Lexend"/>
-                <a:sym typeface="Lexend"/>
-              </a:rPr>
-              <a:t>Applies only to new purchases (not renewals)</a:t>
-            </a:r>
-            <a:endParaRPr lang="en-US" sz="3200" dirty="0"/>
-          </a:p>
-        </p:txBody>
-      </p:sp>
-      <p:cxnSp>
-        <p:nvCxnSpPr>
-          <p:cNvPr id="4" name="Straight Connector 3">
-            <a:extLst>
-              <a:ext uri="{FF2B5EF4-FFF2-40B4-BE49-F238E27FC236}">
-                <a16:creationId xmlns:a16="http://schemas.microsoft.com/office/drawing/2014/main" id="{5248C4F6-0B0D-957F-1E4B-A9104ACD4CBC}"/>
-              </a:ext>
-            </a:extLst>
-          </p:cNvPr>
-          <p:cNvCxnSpPr/>
-          <p:nvPr/>
-        </p:nvCxnSpPr>
-        <p:spPr>
-          <a:xfrm>
-            <a:off x="406400" y="2763520"/>
-            <a:ext cx="11338560" cy="0"/>
-          </a:xfrm>
-          <a:prstGeom prst="line">
-            <a:avLst/>
-          </a:prstGeom>
-        </p:spPr>
-        <p:style>
-          <a:lnRef idx="1">
-            <a:schemeClr val="dk1"/>
-          </a:lnRef>
-          <a:fillRef idx="0">
-            <a:schemeClr val="dk1"/>
-          </a:fillRef>
-          <a:effectRef idx="0">
-            <a:schemeClr val="dk1"/>
-          </a:effectRef>
-          <a:fontRef idx="minor">
-            <a:schemeClr val="tx1"/>
-          </a:fontRef>
-        </p:style>
-      </p:cxnSp>
-      <p:cxnSp>
-        <p:nvCxnSpPr>
-          <p:cNvPr id="5" name="Straight Connector 4">
-            <a:extLst>
-              <a:ext uri="{FF2B5EF4-FFF2-40B4-BE49-F238E27FC236}">
-                <a16:creationId xmlns:a16="http://schemas.microsoft.com/office/drawing/2014/main" id="{783CCD6C-392A-F6BC-C8E8-0592E0366184}"/>
-              </a:ext>
-            </a:extLst>
-          </p:cNvPr>
-          <p:cNvCxnSpPr/>
-          <p:nvPr/>
-        </p:nvCxnSpPr>
-        <p:spPr>
-          <a:xfrm>
-            <a:off x="426720" y="4277360"/>
-            <a:ext cx="11338560" cy="0"/>
-          </a:xfrm>
-          <a:prstGeom prst="line">
-            <a:avLst/>
-          </a:prstGeom>
-        </p:spPr>
-        <p:style>
-          <a:lnRef idx="1">
-            <a:schemeClr val="dk1"/>
-          </a:lnRef>
-          <a:fillRef idx="0">
-            <a:schemeClr val="dk1"/>
-          </a:fillRef>
-          <a:effectRef idx="0">
-            <a:schemeClr val="dk1"/>
-          </a:effectRef>
-          <a:fontRef idx="minor">
-            <a:schemeClr val="tx1"/>
-          </a:fontRef>
-        </p:style>
-      </p:cxnSp>
-    </p:spTree>
-    <p:extLst>
-      <p:ext uri="{BB962C8B-B14F-4D97-AF65-F5344CB8AC3E}">
-        <p14:creationId xmlns:p14="http://schemas.microsoft.com/office/powerpoint/2010/main" val="3923955890"/>
-      </p:ext>
-    </p:extLst>
-  </p:cSld>
-  <p:clrMapOvr>
-    <a:masterClrMapping/>
-  </p:clrMapOvr>
-</p:sld>
-</file>
-
-<file path=ppt/slides/slide3.xml><?xml version="1.0" encoding="utf-8"?>
-<p:sld xmlns:a="http://schemas.openxmlformats.org/drawingml/2006/main" xmlns:r="http://schemas.openxmlformats.org/officeDocument/2006/relationships" xmlns:p="http://schemas.openxmlformats.org/presentationml/2006/main">
-  <p:cSld>
-    <p:bg>
-      <p:bgPr>
-        <a:blipFill dpi="0" rotWithShape="1">
-          <a:blip r:embed="rId3">
-            <a:lum/>
-          </a:blip>
-          <a:srcRect/>
-          <a:stretch>
-            <a:fillRect/>
-          </a:stretch>
-        </a:blipFill>
-        <a:effectLst/>
-      </p:bgPr>
-    </p:bg>
-    <p:spTree>
-      <p:nvGrpSpPr>
-        <p:cNvPr id="1" name="Shape 106"/>
-        <p:cNvGrpSpPr/>
-        <p:nvPr/>
-      </p:nvGrpSpPr>
-      <p:grpSpPr>
-        <a:xfrm>
-          <a:off x="0" y="0"/>
-          <a:ext cx="0" cy="0"/>
-          <a:chOff x="0" y="0"/>
-          <a:chExt cx="0" cy="0"/>
-        </a:xfrm>
-      </p:grpSpPr>
-      <p:sp>
-        <p:nvSpPr>
-          <p:cNvPr id="107" name="Google Shape;107;p2"/>
-          <p:cNvSpPr txBox="1"/>
-          <p:nvPr/>
-        </p:nvSpPr>
-        <p:spPr>
-          <a:xfrm>
-            <a:off x="0" y="3537785"/>
-            <a:ext cx="12192000" cy="830956"/>
-          </a:xfrm>
-          <a:prstGeom prst="rect">
-            <a:avLst/>
-          </a:prstGeom>
-          <a:noFill/>
-          <a:ln>
-            <a:noFill/>
-          </a:ln>
-        </p:spPr>
-        <p:txBody>
-          <a:bodyPr spcFirstLastPara="1" wrap="square" lIns="91425" tIns="45700" rIns="91425" bIns="45700" anchor="t" anchorCtr="0">
-            <a:spAutoFit/>
-          </a:bodyPr>
-          <a:lstStyle/>
-          <a:p>
-            <a:pPr marL="0" marR="0" lvl="0" indent="0" algn="ctr" rtl="0">
-              <a:lnSpc>
-                <a:spcPct val="100000"/>
-              </a:lnSpc>
-              <a:spcBef>
-                <a:spcPts val="0"/>
-              </a:spcBef>
-              <a:spcAft>
-                <a:spcPts val="0"/>
-              </a:spcAft>
-              <a:buClr>
-                <a:srgbClr val="000000"/>
-              </a:buClr>
-              <a:buSzPts val="3200"/>
-              <a:buFont typeface="Arial"/>
-              <a:buNone/>
-            </a:pPr>
-            <a:r>
-              <a:rPr lang="en-US" sz="4800" b="1" dirty="0">
-                <a:solidFill>
-                  <a:srgbClr val="292D33"/>
-                </a:solidFill>
-                <a:latin typeface="Lexend"/>
-                <a:ea typeface="Lexend"/>
-                <a:cs typeface="Lexend"/>
-                <a:sym typeface="Lexend"/>
-              </a:rPr>
-              <a:t>Libraries Improvements</a:t>
-            </a:r>
-          </a:p>
-        </p:txBody>
-      </p:sp>
-      <p:pic>
-        <p:nvPicPr>
-          <p:cNvPr id="5" name="Picture 4">
-            <a:extLst>
-              <a:ext uri="{FF2B5EF4-FFF2-40B4-BE49-F238E27FC236}">
-                <a16:creationId xmlns:a16="http://schemas.microsoft.com/office/drawing/2014/main" id="{2EA72902-365B-4283-B448-C37470AA8217}"/>
-              </a:ext>
-            </a:extLst>
-          </p:cNvPr>
-          <p:cNvPicPr>
-            <a:picLocks noChangeAspect="1"/>
-          </p:cNvPicPr>
-          <p:nvPr/>
-        </p:nvPicPr>
-        <p:blipFill>
-          <a:blip r:embed="rId4"/>
-          <a:stretch>
-            <a:fillRect/>
-          </a:stretch>
-        </p:blipFill>
-        <p:spPr>
-          <a:xfrm>
-            <a:off x="4002881" y="1359654"/>
-            <a:ext cx="4186238" cy="1585913"/>
-          </a:xfrm>
-          <a:prstGeom prst="rect">
-            <a:avLst/>
-          </a:prstGeom>
-          <a:ln w="127000" cap="rnd">
-            <a:solidFill>
-              <a:srgbClr val="FFFFFF"/>
-            </a:solidFill>
-          </a:ln>
-          <a:effectLst>
-            <a:outerShdw blurRad="76200" dist="95250" dir="10500000" sx="97000" sy="23000" kx="900000" algn="br" rotWithShape="0">
-              <a:srgbClr val="000000">
-                <a:alpha val="20000"/>
-              </a:srgbClr>
-            </a:outerShdw>
-          </a:effectLst>
-          <a:scene3d>
-            <a:camera prst="orthographicFront"/>
-            <a:lightRig rig="twoPt" dir="t">
-              <a:rot lat="0" lon="0" rev="7800000"/>
-            </a:lightRig>
-          </a:scene3d>
-          <a:sp3d contourW="6350">
-            <a:bevelT w="50800" h="16510"/>
-            <a:contourClr>
-              <a:srgbClr val="C0C0C0"/>
-            </a:contourClr>
-          </a:sp3d>
-        </p:spPr>
-      </p:pic>
-    </p:spTree>
-    <p:extLst>
-      <p:ext uri="{BB962C8B-B14F-4D97-AF65-F5344CB8AC3E}">
-        <p14:creationId xmlns:p14="http://schemas.microsoft.com/office/powerpoint/2010/main" val="3846769621"/>
-      </p:ext>
-    </p:extLst>
-  </p:cSld>
-  <p:clrMapOvr>
-    <a:masterClrMapping/>
-  </p:clrMapOvr>
-</p:sld>
-</file>
-
-<file path=ppt/slides/slide4.xml><?xml version="1.0" encoding="utf-8"?>
+<file path=ppt/slides/slide5.xml><?xml version="1.0" encoding="utf-8"?>
 <p:sld xmlns:a="http://schemas.openxmlformats.org/drawingml/2006/main" xmlns:r="http://schemas.openxmlformats.org/officeDocument/2006/relationships" xmlns:p="http://schemas.openxmlformats.org/presentationml/2006/main" show="0">
   <p:cSld>
     <p:bg>
@@ -25956,7 +27835,7 @@
 </p:sld>
 </file>
 
-<file path=ppt/slides/slide5.xml><?xml version="1.0" encoding="utf-8"?>
+<file path=ppt/slides/slide6.xml><?xml version="1.0" encoding="utf-8"?>
 <p:sld xmlns:a="http://schemas.openxmlformats.org/drawingml/2006/main" xmlns:r="http://schemas.openxmlformats.org/officeDocument/2006/relationships" xmlns:p="http://schemas.openxmlformats.org/presentationml/2006/main">
   <p:cSld>
     <p:bg>
@@ -26434,7 +28313,7 @@
 </p:sld>
 </file>
 
-<file path=ppt/slides/slide6.xml><?xml version="1.0" encoding="utf-8"?>
+<file path=ppt/slides/slide7.xml><?xml version="1.0" encoding="utf-8"?>
 <p:sld xmlns:a="http://schemas.openxmlformats.org/drawingml/2006/main" xmlns:r="http://schemas.openxmlformats.org/officeDocument/2006/relationships" xmlns:p="http://schemas.openxmlformats.org/presentationml/2006/main">
   <p:cSld>
     <p:bg>
@@ -26906,7 +28785,7 @@
 </p:sld>
 </file>
 
-<file path=ppt/slides/slide7.xml><?xml version="1.0" encoding="utf-8"?>
+<file path=ppt/slides/slide8.xml><?xml version="1.0" encoding="utf-8"?>
 <p:sld xmlns:a="http://schemas.openxmlformats.org/drawingml/2006/main" xmlns:r="http://schemas.openxmlformats.org/officeDocument/2006/relationships" xmlns:p="http://schemas.openxmlformats.org/presentationml/2006/main">
   <p:cSld>
     <p:bg>
@@ -27366,7 +29245,7 @@
 </p:sld>
 </file>
 
-<file path=ppt/slides/slide8.xml><?xml version="1.0" encoding="utf-8"?>
+<file path=ppt/slides/slide9.xml><?xml version="1.0" encoding="utf-8"?>
 <p:sld xmlns:a="http://schemas.openxmlformats.org/drawingml/2006/main" xmlns:r="http://schemas.openxmlformats.org/officeDocument/2006/relationships" xmlns:p="http://schemas.openxmlformats.org/presentationml/2006/main">
   <p:cSld>
     <p:bg>
@@ -27870,457 +29749,6 @@
     <p:extLst>
       <p:ext uri="{BB962C8B-B14F-4D97-AF65-F5344CB8AC3E}">
         <p14:creationId xmlns:p14="http://schemas.microsoft.com/office/powerpoint/2010/main" val="3971018104"/>
-      </p:ext>
-    </p:extLst>
-  </p:cSld>
-  <p:clrMapOvr>
-    <a:masterClrMapping/>
-  </p:clrMapOvr>
-</p:sld>
-</file>
-
-<file path=ppt/slides/slide9.xml><?xml version="1.0" encoding="utf-8"?>
-<p:sld xmlns:a="http://schemas.openxmlformats.org/drawingml/2006/main" xmlns:r="http://schemas.openxmlformats.org/officeDocument/2006/relationships" xmlns:p="http://schemas.openxmlformats.org/presentationml/2006/main">
-  <p:cSld>
-    <p:bg>
-      <p:bgPr>
-        <a:blipFill dpi="0" rotWithShape="1">
-          <a:blip r:embed="rId3">
-            <a:lum/>
-          </a:blip>
-          <a:srcRect/>
-          <a:stretch>
-            <a:fillRect/>
-          </a:stretch>
-        </a:blipFill>
-        <a:effectLst/>
-      </p:bgPr>
-    </p:bg>
-    <p:spTree>
-      <p:nvGrpSpPr>
-        <p:cNvPr id="1" name="Shape 106"/>
-        <p:cNvGrpSpPr/>
-        <p:nvPr/>
-      </p:nvGrpSpPr>
-      <p:grpSpPr>
-        <a:xfrm>
-          <a:off x="0" y="0"/>
-          <a:ext cx="0" cy="0"/>
-          <a:chOff x="0" y="0"/>
-          <a:chExt cx="0" cy="0"/>
-        </a:xfrm>
-      </p:grpSpPr>
-      <p:sp>
-        <p:nvSpPr>
-          <p:cNvPr id="107" name="Google Shape;107;p2"/>
-          <p:cNvSpPr txBox="1"/>
-          <p:nvPr/>
-        </p:nvSpPr>
-        <p:spPr>
-          <a:xfrm>
-            <a:off x="451488" y="464463"/>
-            <a:ext cx="10720064" cy="1138733"/>
-          </a:xfrm>
-          <a:prstGeom prst="rect">
-            <a:avLst/>
-          </a:prstGeom>
-          <a:noFill/>
-          <a:ln>
-            <a:noFill/>
-          </a:ln>
-        </p:spPr>
-        <p:txBody>
-          <a:bodyPr spcFirstLastPara="1" wrap="square" lIns="91425" tIns="45700" rIns="91425" bIns="45700" anchor="t" anchorCtr="0">
-            <a:spAutoFit/>
-          </a:bodyPr>
-          <a:lstStyle/>
-          <a:p>
-            <a:pPr marL="0" marR="0" lvl="0" indent="0" algn="l" rtl="0">
-              <a:lnSpc>
-                <a:spcPct val="100000"/>
-              </a:lnSpc>
-              <a:spcBef>
-                <a:spcPts val="0"/>
-              </a:spcBef>
-              <a:spcAft>
-                <a:spcPts val="0"/>
-              </a:spcAft>
-              <a:buClr>
-                <a:srgbClr val="000000"/>
-              </a:buClr>
-              <a:buSzPts val="3200"/>
-              <a:buFont typeface="Arial"/>
-              <a:buNone/>
-            </a:pPr>
-            <a:r>
-              <a:rPr lang="en-US" sz="3400" b="1" dirty="0">
-                <a:solidFill>
-                  <a:srgbClr val="292D33"/>
-                </a:solidFill>
-                <a:latin typeface="Lexend"/>
-                <a:ea typeface="Lexend"/>
-                <a:cs typeface="Lexend"/>
-                <a:sym typeface="Lexend"/>
-              </a:rPr>
-              <a:t>.NET Libraries Improvements </a:t>
-            </a:r>
-          </a:p>
-          <a:p>
-            <a:pPr marR="0" lvl="0" algn="l" rtl="0">
-              <a:lnSpc>
-                <a:spcPct val="100000"/>
-              </a:lnSpc>
-              <a:spcBef>
-                <a:spcPts val="0"/>
-              </a:spcBef>
-              <a:spcAft>
-                <a:spcPts val="0"/>
-              </a:spcAft>
-              <a:buClr>
-                <a:srgbClr val="000000"/>
-              </a:buClr>
-              <a:buSzPts val="3200"/>
-            </a:pPr>
-            <a:r>
-              <a:rPr lang="en-US" sz="3400" dirty="0" err="1">
-                <a:solidFill>
-                  <a:srgbClr val="292D33"/>
-                </a:solidFill>
-                <a:latin typeface="Lexend"/>
-                <a:ea typeface="Lexend"/>
-                <a:cs typeface="Lexend"/>
-                <a:sym typeface="Lexend"/>
-              </a:rPr>
-              <a:t>ZipArchive</a:t>
-            </a:r>
-            <a:r>
-              <a:rPr lang="en-US" sz="3400" dirty="0">
-                <a:solidFill>
-                  <a:srgbClr val="292D33"/>
-                </a:solidFill>
-                <a:latin typeface="Lexend"/>
-                <a:ea typeface="Lexend"/>
-                <a:cs typeface="Lexend"/>
-                <a:sym typeface="Lexend"/>
-              </a:rPr>
-              <a:t> Performance Improvements</a:t>
-            </a:r>
-          </a:p>
-        </p:txBody>
-      </p:sp>
-      <p:sp>
-        <p:nvSpPr>
-          <p:cNvPr id="5" name="TextBox 4">
-            <a:extLst>
-              <a:ext uri="{FF2B5EF4-FFF2-40B4-BE49-F238E27FC236}">
-                <a16:creationId xmlns:a16="http://schemas.microsoft.com/office/drawing/2014/main" id="{B19F4668-4F61-4CBE-AB39-265B74442340}"/>
-              </a:ext>
-            </a:extLst>
-          </p:cNvPr>
-          <p:cNvSpPr txBox="1"/>
-          <p:nvPr/>
-        </p:nvSpPr>
-        <p:spPr>
-          <a:xfrm>
-            <a:off x="735968" y="4836288"/>
-            <a:ext cx="10720064" cy="1323439"/>
-          </a:xfrm>
-          <a:prstGeom prst="rect">
-            <a:avLst/>
-          </a:prstGeom>
-          <a:noFill/>
-        </p:spPr>
-        <p:txBody>
-          <a:bodyPr wrap="square">
-            <a:spAutoFit/>
-          </a:bodyPr>
-          <a:lstStyle/>
-          <a:p>
-            <a:pPr marL="0" marR="0" lvl="0" indent="0" algn="l" defTabSz="914400" rtl="0" eaLnBrk="0" fontAlgn="base" latinLnBrk="0" hangingPunct="0">
-              <a:lnSpc>
-                <a:spcPct val="100000"/>
-              </a:lnSpc>
-              <a:spcBef>
-                <a:spcPct val="0"/>
-              </a:spcBef>
-              <a:spcAft>
-                <a:spcPct val="0"/>
-              </a:spcAft>
-              <a:buClrTx/>
-              <a:buSzTx/>
-              <a:buFontTx/>
-              <a:buNone/>
-              <a:tabLst/>
-            </a:pPr>
-            <a:r>
-              <a:rPr lang="en-US" altLang="en-US" sz="1600" b="1" dirty="0">
-                <a:solidFill>
-                  <a:schemeClr val="tx1"/>
-                </a:solidFill>
-                <a:latin typeface="Poppins" panose="00000500000000000000" pitchFamily="2" charset="-94"/>
-                <a:cs typeface="Poppins" panose="00000500000000000000" pitchFamily="2" charset="-94"/>
-              </a:rPr>
-              <a:t>✅ What this means:</a:t>
-            </a:r>
-          </a:p>
-          <a:p>
-            <a:pPr marL="0" marR="0" lvl="0" indent="0" algn="l" defTabSz="914400" rtl="0" eaLnBrk="0" fontAlgn="base" latinLnBrk="0" hangingPunct="0">
-              <a:lnSpc>
-                <a:spcPct val="100000"/>
-              </a:lnSpc>
-              <a:spcBef>
-                <a:spcPct val="0"/>
-              </a:spcBef>
-              <a:spcAft>
-                <a:spcPct val="0"/>
-              </a:spcAft>
-              <a:buClrTx/>
-              <a:buSzTx/>
-              <a:buFontTx/>
-              <a:buNone/>
-              <a:tabLst/>
-            </a:pPr>
-            <a:endParaRPr lang="en-US" altLang="en-US" sz="1600" b="1" dirty="0">
-              <a:solidFill>
-                <a:schemeClr val="tx1"/>
-              </a:solidFill>
-              <a:latin typeface="Poppins" panose="00000500000000000000" pitchFamily="2" charset="-94"/>
-              <a:cs typeface="Poppins" panose="00000500000000000000" pitchFamily="2" charset="-94"/>
-            </a:endParaRPr>
-          </a:p>
-          <a:p>
-            <a:pPr marL="285750" marR="0" lvl="0" indent="-285750" algn="l" defTabSz="914400" rtl="0" eaLnBrk="0" fontAlgn="base" latinLnBrk="0" hangingPunct="0">
-              <a:lnSpc>
-                <a:spcPct val="100000"/>
-              </a:lnSpc>
-              <a:spcBef>
-                <a:spcPct val="0"/>
-              </a:spcBef>
-              <a:spcAft>
-                <a:spcPct val="0"/>
-              </a:spcAft>
-              <a:buClrTx/>
-              <a:buSzTx/>
-              <a:buFont typeface="Arial" panose="020B0604020202020204" pitchFamily="34" charset="0"/>
-              <a:buChar char="•"/>
-              <a:tabLst/>
-            </a:pPr>
-            <a:r>
-              <a:rPr lang="en-US" altLang="en-US" sz="1600" dirty="0">
-                <a:solidFill>
-                  <a:schemeClr val="tx1"/>
-                </a:solidFill>
-                <a:latin typeface="Poppins" panose="00000500000000000000" pitchFamily="2" charset="-94"/>
-                <a:cs typeface="Poppins" panose="00000500000000000000" pitchFamily="2" charset="-94"/>
-              </a:rPr>
-              <a:t>Better performance in file-heavy workloads.</a:t>
-            </a:r>
-          </a:p>
-          <a:p>
-            <a:pPr marL="285750" marR="0" lvl="0" indent="-285750" algn="l" defTabSz="914400" rtl="0" eaLnBrk="0" fontAlgn="base" latinLnBrk="0" hangingPunct="0">
-              <a:lnSpc>
-                <a:spcPct val="100000"/>
-              </a:lnSpc>
-              <a:spcBef>
-                <a:spcPct val="0"/>
-              </a:spcBef>
-              <a:spcAft>
-                <a:spcPct val="0"/>
-              </a:spcAft>
-              <a:buClrTx/>
-              <a:buSzTx/>
-              <a:buFont typeface="Arial" panose="020B0604020202020204" pitchFamily="34" charset="0"/>
-              <a:buChar char="•"/>
-              <a:tabLst/>
-            </a:pPr>
-            <a:r>
-              <a:rPr lang="en-US" altLang="en-US" sz="1600" dirty="0">
-                <a:solidFill>
-                  <a:schemeClr val="tx1"/>
-                </a:solidFill>
-                <a:latin typeface="Poppins" panose="00000500000000000000" pitchFamily="2" charset="-94"/>
-                <a:cs typeface="Poppins" panose="00000500000000000000" pitchFamily="2" charset="-94"/>
-              </a:rPr>
-              <a:t>Lower memory usage when updating or extracting archives.</a:t>
-            </a:r>
-          </a:p>
-          <a:p>
-            <a:pPr marL="285750" marR="0" lvl="0" indent="-285750" algn="l" defTabSz="914400" rtl="0" eaLnBrk="0" fontAlgn="base" latinLnBrk="0" hangingPunct="0">
-              <a:lnSpc>
-                <a:spcPct val="100000"/>
-              </a:lnSpc>
-              <a:spcBef>
-                <a:spcPct val="0"/>
-              </a:spcBef>
-              <a:spcAft>
-                <a:spcPct val="0"/>
-              </a:spcAft>
-              <a:buClrTx/>
-              <a:buSzTx/>
-              <a:buFont typeface="Arial" panose="020B0604020202020204" pitchFamily="34" charset="0"/>
-              <a:buChar char="•"/>
-              <a:tabLst/>
-            </a:pPr>
-            <a:r>
-              <a:rPr lang="en-US" altLang="en-US" sz="1600" dirty="0">
-                <a:solidFill>
-                  <a:schemeClr val="tx1"/>
-                </a:solidFill>
-                <a:latin typeface="Poppins" panose="00000500000000000000" pitchFamily="2" charset="-94"/>
-                <a:cs typeface="Poppins" panose="00000500000000000000" pitchFamily="2" charset="-94"/>
-              </a:rPr>
-              <a:t>Ideal for tools, installers, and packaging systems</a:t>
-            </a:r>
-            <a:r>
-              <a:rPr lang="en-US" altLang="en-US" sz="1600" b="1" dirty="0">
-                <a:solidFill>
-                  <a:schemeClr val="tx1"/>
-                </a:solidFill>
-                <a:latin typeface="Poppins" panose="00000500000000000000" pitchFamily="2" charset="-94"/>
-                <a:cs typeface="Poppins" panose="00000500000000000000" pitchFamily="2" charset="-94"/>
-              </a:rPr>
-              <a:t>.</a:t>
-            </a:r>
-          </a:p>
-        </p:txBody>
-      </p:sp>
-      <p:sp>
-        <p:nvSpPr>
-          <p:cNvPr id="6" name="TextBox 5">
-            <a:extLst>
-              <a:ext uri="{FF2B5EF4-FFF2-40B4-BE49-F238E27FC236}">
-                <a16:creationId xmlns:a16="http://schemas.microsoft.com/office/drawing/2014/main" id="{990DCCDD-AF4F-4DBB-962B-F750857838F3}"/>
-              </a:ext>
-            </a:extLst>
-          </p:cNvPr>
-          <p:cNvSpPr txBox="1"/>
-          <p:nvPr/>
-        </p:nvSpPr>
-        <p:spPr>
-          <a:xfrm>
-            <a:off x="451488" y="2690336"/>
-            <a:ext cx="10836272" cy="584775"/>
-          </a:xfrm>
-          <a:prstGeom prst="rect">
-            <a:avLst/>
-          </a:prstGeom>
-          <a:noFill/>
-        </p:spPr>
-        <p:txBody>
-          <a:bodyPr wrap="square">
-            <a:spAutoFit/>
-          </a:bodyPr>
-          <a:lstStyle/>
-          <a:p>
-            <a:r>
-              <a:rPr lang="en-US" sz="1600" dirty="0">
-                <a:latin typeface="Poppins" panose="00000500000000000000" pitchFamily="2" charset="-94"/>
-                <a:cs typeface="Poppins" panose="00000500000000000000" pitchFamily="2" charset="-94"/>
-              </a:rPr>
-              <a:t>Reading, writing and extracting </a:t>
-            </a:r>
-            <a:r>
-              <a:rPr lang="en-US" sz="1600" b="1" dirty="0">
-                <a:latin typeface="Poppins" panose="00000500000000000000" pitchFamily="2" charset="-94"/>
-                <a:cs typeface="Poppins" panose="00000500000000000000" pitchFamily="2" charset="-94"/>
-              </a:rPr>
-              <a:t>ZIP files</a:t>
-            </a:r>
-            <a:r>
-              <a:rPr lang="en-US" sz="1600" dirty="0">
-                <a:latin typeface="Poppins" panose="00000500000000000000" pitchFamily="2" charset="-94"/>
-                <a:cs typeface="Poppins" panose="00000500000000000000" pitchFamily="2" charset="-94"/>
-              </a:rPr>
-              <a:t> is now </a:t>
-            </a:r>
-            <a:r>
-              <a:rPr lang="en-US" sz="1600" b="1" dirty="0">
-                <a:latin typeface="Poppins" panose="00000500000000000000" pitchFamily="2" charset="-94"/>
-                <a:cs typeface="Poppins" panose="00000500000000000000" pitchFamily="2" charset="-94"/>
-              </a:rPr>
-              <a:t>faster and more memory-efficient</a:t>
-            </a:r>
-            <a:r>
-              <a:rPr lang="en-US" sz="1600" dirty="0">
-                <a:latin typeface="Poppins" panose="00000500000000000000" pitchFamily="2" charset="-94"/>
-                <a:cs typeface="Poppins" panose="00000500000000000000" pitchFamily="2" charset="-94"/>
-              </a:rPr>
-              <a:t>.</a:t>
-            </a:r>
-            <a:br>
-              <a:rPr lang="en-US" sz="1600" dirty="0">
-                <a:latin typeface="Poppins" panose="00000500000000000000" pitchFamily="2" charset="-94"/>
-                <a:cs typeface="Poppins" panose="00000500000000000000" pitchFamily="2" charset="-94"/>
-              </a:rPr>
-            </a:br>
-            <a:r>
-              <a:rPr lang="en-US" sz="1600" dirty="0">
-                <a:latin typeface="Poppins" panose="00000500000000000000" pitchFamily="2" charset="-94"/>
-                <a:cs typeface="Poppins" panose="00000500000000000000" pitchFamily="2" charset="-94"/>
-              </a:rPr>
-              <a:t>Parallel extraction and reduced memory pressure significantly speed up large archive operations.</a:t>
-            </a:r>
-          </a:p>
-        </p:txBody>
-      </p:sp>
-      <p:sp>
-        <p:nvSpPr>
-          <p:cNvPr id="2" name="Rectangle: Rounded Corners 1">
-            <a:extLst>
-              <a:ext uri="{FF2B5EF4-FFF2-40B4-BE49-F238E27FC236}">
-                <a16:creationId xmlns:a16="http://schemas.microsoft.com/office/drawing/2014/main" id="{A1CE128D-7BC2-5BC5-8ABC-2E846AF6C71F}"/>
-              </a:ext>
-            </a:extLst>
-          </p:cNvPr>
-          <p:cNvSpPr/>
-          <p:nvPr/>
-        </p:nvSpPr>
-        <p:spPr>
-          <a:xfrm>
-            <a:off x="548640" y="4602480"/>
-            <a:ext cx="10007600" cy="1791057"/>
-          </a:xfrm>
-          <a:prstGeom prst="roundRect">
-            <a:avLst/>
-          </a:prstGeom>
-          <a:noFill/>
-          <a:ln w="9525" cap="flat" cmpd="sng" algn="ctr">
-            <a:solidFill>
-              <a:schemeClr val="dk1"/>
-            </a:solidFill>
-            <a:prstDash val="solid"/>
-            <a:round/>
-            <a:headEnd type="none" w="med" len="med"/>
-            <a:tailEnd type="none" w="med" len="med"/>
-          </a:ln>
-        </p:spPr>
-        <p:style>
-          <a:lnRef idx="0">
-            <a:scrgbClr r="0" g="0" b="0"/>
-          </a:lnRef>
-          <a:fillRef idx="0">
-            <a:scrgbClr r="0" g="0" b="0"/>
-          </a:fillRef>
-          <a:effectRef idx="0">
-            <a:scrgbClr r="0" g="0" b="0"/>
-          </a:effectRef>
-          <a:fontRef idx="minor">
-            <a:schemeClr val="dk1"/>
-          </a:fontRef>
-        </p:style>
-        <p:txBody>
-          <a:bodyPr rtlCol="0" anchor="ctr"/>
-          <a:lstStyle/>
-          <a:p>
-            <a:pPr algn="ctr"/>
-            <a:endParaRPr lang="tr-TR"/>
-          </a:p>
-        </p:txBody>
-      </p:sp>
-    </p:spTree>
-    <p:extLst>
-      <p:ext uri="{BB962C8B-B14F-4D97-AF65-F5344CB8AC3E}">
-        <p14:creationId xmlns:p14="http://schemas.microsoft.com/office/powerpoint/2010/main" val="554498200"/>
       </p:ext>
     </p:extLst>
   </p:cSld>
